--- a/folded_gilbert/20230710/折り返し型ギルバート乗算回路の設計.pptx
+++ b/folded_gilbert/20230710/折り返し型ギルバート乗算回路の設計.pptx
@@ -120,7 +120,41 @@
       </a:defRPr>
     </a:lvl9pPr>
   </p:defaultTextStyle>
+  <p:extLst>
+    <p:ext uri="{EFAFB233-063F-42B5-8137-9DF3F51BA10A}">
+      <p15:sldGuideLst xmlns:p15="http://schemas.microsoft.com/office/powerpoint/2012/main"/>
+    </p:ext>
+  </p:extLst>
 </p:presentation>
+</file>
+
+<file path=ppt/changesInfos/changesInfo1.xml><?xml version="1.0" encoding="utf-8"?>
+<pc:chgInfo xmlns:a="http://schemas.openxmlformats.org/drawingml/2006/main" xmlns:r="http://schemas.openxmlformats.org/officeDocument/2006/relationships" xmlns:ac="http://schemas.microsoft.com/office/drawing/2013/main/command" xmlns:pc="http://schemas.microsoft.com/office/powerpoint/2013/main/command">
+  <pc:docChgLst>
+    <pc:chgData name="Kojima Hikaru" userId="46d0e59221d47790" providerId="LiveId" clId="{6F7E86D5-1DB5-4E6A-9CA3-2FB214EF69E4}"/>
+    <pc:docChg chg="undo custSel modSld">
+      <pc:chgData name="Kojima Hikaru" userId="46d0e59221d47790" providerId="LiveId" clId="{6F7E86D5-1DB5-4E6A-9CA3-2FB214EF69E4}" dt="2023-07-06T02:09:09.183" v="5" actId="20577"/>
+      <pc:docMkLst>
+        <pc:docMk/>
+      </pc:docMkLst>
+      <pc:sldChg chg="modSp mod">
+        <pc:chgData name="Kojima Hikaru" userId="46d0e59221d47790" providerId="LiveId" clId="{6F7E86D5-1DB5-4E6A-9CA3-2FB214EF69E4}" dt="2023-07-06T02:09:09.183" v="5" actId="20577"/>
+        <pc:sldMkLst>
+          <pc:docMk/>
+          <pc:sldMk cId="1850803420" sldId="266"/>
+        </pc:sldMkLst>
+        <pc:spChg chg="mod">
+          <ac:chgData name="Kojima Hikaru" userId="46d0e59221d47790" providerId="LiveId" clId="{6F7E86D5-1DB5-4E6A-9CA3-2FB214EF69E4}" dt="2023-07-06T02:09:09.183" v="5" actId="20577"/>
+          <ac:spMkLst>
+            <pc:docMk/>
+            <pc:sldMk cId="1850803420" sldId="266"/>
+            <ac:spMk id="4" creationId="{C66FD6F8-9ED7-9C67-D252-2EFFBB4BFD34}"/>
+          </ac:spMkLst>
+        </pc:spChg>
+      </pc:sldChg>
+    </pc:docChg>
+  </pc:docChgLst>
+</pc:chgInfo>
 </file>
 
 <file path=ppt/notesMasters/notesMaster1.xml><?xml version="1.0" encoding="utf-8"?>
@@ -205,7 +239,7 @@
           <a:p>
             <a:fld id="{B7A18E8B-30D4-4256-84DB-882D5A2C9CEC}" type="datetimeFigureOut">
               <a:rPr kumimoji="1" lang="ja-JP" altLang="en-US" smtClean="0"/>
-              <a:t>2023/7/5</a:t>
+              <a:t>2023/7/6</a:t>
             </a:fld>
             <a:endParaRPr kumimoji="1" lang="ja-JP" altLang="en-US"/>
           </a:p>
@@ -651,7 +685,7 @@
           <a:p>
             <a:fld id="{45D861AB-AFC6-4ECB-A557-58404CB5BE66}" type="datetime1">
               <a:rPr kumimoji="1" lang="ja-JP" altLang="en-US" smtClean="0"/>
-              <a:t>2023/7/5</a:t>
+              <a:t>2023/7/6</a:t>
             </a:fld>
             <a:endParaRPr kumimoji="1" lang="ja-JP" altLang="en-US"/>
           </a:p>
@@ -881,7 +915,7 @@
           <a:p>
             <a:fld id="{8ABF89E2-2099-478D-B96B-E032456A6B04}" type="datetime1">
               <a:rPr kumimoji="1" lang="ja-JP" altLang="en-US" smtClean="0"/>
-              <a:t>2023/7/5</a:t>
+              <a:t>2023/7/6</a:t>
             </a:fld>
             <a:endParaRPr kumimoji="1" lang="ja-JP" altLang="en-US"/>
           </a:p>
@@ -1121,7 +1155,7 @@
           <a:p>
             <a:fld id="{3C2A495E-CE7B-48CB-9DBB-F72DC6E328F8}" type="datetime1">
               <a:rPr kumimoji="1" lang="ja-JP" altLang="en-US" smtClean="0"/>
-              <a:t>2023/7/5</a:t>
+              <a:t>2023/7/6</a:t>
             </a:fld>
             <a:endParaRPr kumimoji="1" lang="ja-JP" altLang="en-US"/>
           </a:p>
@@ -1351,7 +1385,7 @@
           <a:p>
             <a:fld id="{E7D7A3FE-D7E3-41DF-912F-49AFEF78A4E5}" type="datetime1">
               <a:rPr kumimoji="1" lang="ja-JP" altLang="en-US" smtClean="0"/>
-              <a:t>2023/7/5</a:t>
+              <a:t>2023/7/6</a:t>
             </a:fld>
             <a:endParaRPr kumimoji="1" lang="ja-JP" altLang="en-US"/>
           </a:p>
@@ -1626,7 +1660,7 @@
           <a:p>
             <a:fld id="{2B086DB5-A94C-49EE-B263-CCDAFC098C82}" type="datetime1">
               <a:rPr kumimoji="1" lang="ja-JP" altLang="en-US" smtClean="0"/>
-              <a:t>2023/7/5</a:t>
+              <a:t>2023/7/6</a:t>
             </a:fld>
             <a:endParaRPr kumimoji="1" lang="ja-JP" altLang="en-US"/>
           </a:p>
@@ -1955,7 +1989,7 @@
           <a:p>
             <a:fld id="{4C42B56C-05C2-4308-B924-E975157BB2D8}" type="datetime1">
               <a:rPr kumimoji="1" lang="ja-JP" altLang="en-US" smtClean="0"/>
-              <a:t>2023/7/5</a:t>
+              <a:t>2023/7/6</a:t>
             </a:fld>
             <a:endParaRPr kumimoji="1" lang="ja-JP" altLang="en-US"/>
           </a:p>
@@ -2431,7 +2465,7 @@
           <a:p>
             <a:fld id="{90A70839-13A3-41A5-B553-8AA1A0D950E5}" type="datetime1">
               <a:rPr kumimoji="1" lang="ja-JP" altLang="en-US" smtClean="0"/>
-              <a:t>2023/7/5</a:t>
+              <a:t>2023/7/6</a:t>
             </a:fld>
             <a:endParaRPr kumimoji="1" lang="ja-JP" altLang="en-US"/>
           </a:p>
@@ -2572,7 +2606,7 @@
           <a:p>
             <a:fld id="{C05A77DF-92B2-40E8-AD73-804BBE4C145F}" type="datetime1">
               <a:rPr kumimoji="1" lang="ja-JP" altLang="en-US" smtClean="0"/>
-              <a:t>2023/7/5</a:t>
+              <a:t>2023/7/6</a:t>
             </a:fld>
             <a:endParaRPr kumimoji="1" lang="ja-JP" altLang="en-US"/>
           </a:p>
@@ -2685,7 +2719,7 @@
           <a:p>
             <a:fld id="{C3288645-811C-431B-BC50-D0D5773CD747}" type="datetime1">
               <a:rPr kumimoji="1" lang="ja-JP" altLang="en-US" smtClean="0"/>
-              <a:t>2023/7/5</a:t>
+              <a:t>2023/7/6</a:t>
             </a:fld>
             <a:endParaRPr kumimoji="1" lang="ja-JP" altLang="en-US"/>
           </a:p>
@@ -3028,7 +3062,7 @@
           <a:p>
             <a:fld id="{12E56AA4-8E2A-4AB3-BD72-43A2D06084F2}" type="datetime1">
               <a:rPr kumimoji="1" lang="ja-JP" altLang="en-US" smtClean="0"/>
-              <a:t>2023/7/5</a:t>
+              <a:t>2023/7/6</a:t>
             </a:fld>
             <a:endParaRPr kumimoji="1" lang="ja-JP" altLang="en-US"/>
           </a:p>
@@ -3316,7 +3350,7 @@
           <a:p>
             <a:fld id="{72B176E2-80FC-4587-8A86-67AA5E628781}" type="datetime1">
               <a:rPr kumimoji="1" lang="ja-JP" altLang="en-US" smtClean="0"/>
-              <a:t>2023/7/5</a:t>
+              <a:t>2023/7/6</a:t>
             </a:fld>
             <a:endParaRPr kumimoji="1" lang="ja-JP" altLang="en-US"/>
           </a:p>
@@ -3589,7 +3623,7 @@
           <a:p>
             <a:fld id="{5A1B423D-905D-4F5D-ACAA-573BDD30C9EB}" type="datetime1">
               <a:rPr kumimoji="1" lang="ja-JP" altLang="en-US" smtClean="0"/>
-              <a:t>2023/7/5</a:t>
+              <a:t>2023/7/6</a:t>
             </a:fld>
             <a:endParaRPr kumimoji="1" lang="ja-JP" altLang="en-US"/>
           </a:p>
@@ -4219,8 +4253,8 @@
           </a:p>
         </p:txBody>
       </p:sp>
-      <mc:AlternateContent xmlns:mc="http://schemas.openxmlformats.org/markup-compatibility/2006">
-        <mc:Choice xmlns:a14="http://schemas.microsoft.com/office/drawing/2010/main" Requires="a14">
+      <mc:AlternateContent xmlns:mc="http://schemas.openxmlformats.org/markup-compatibility/2006" xmlns:a14="http://schemas.microsoft.com/office/drawing/2010/main">
+        <mc:Choice Requires="a14">
           <p:sp>
             <p:nvSpPr>
               <p:cNvPr id="7" name="テキスト ボックス 6">
@@ -4823,6 +4857,7 @@
                 <a:endParaRPr kumimoji="1" lang="en-US" altLang="ja-JP" sz="2400" dirty="0"/>
               </a:p>
               <a:p>
+                <a:pPr/>
                 <a14:m>
                   <m:oMathPara xmlns:m="http://schemas.openxmlformats.org/officeDocument/2006/math">
                     <m:oMathParaPr>
@@ -5151,6 +5186,7 @@
                 <a:endParaRPr kumimoji="1" lang="en-US" altLang="ja-JP" sz="2000" b="0" dirty="0"/>
               </a:p>
               <a:p>
+                <a:pPr/>
                 <a14:m>
                   <m:oMathPara xmlns:m="http://schemas.openxmlformats.org/officeDocument/2006/math">
                     <m:oMathParaPr>
@@ -5485,6 +5521,7 @@
                 <a:endParaRPr kumimoji="1" lang="en-US" altLang="ja-JP" sz="2000" b="0" dirty="0"/>
               </a:p>
               <a:p>
+                <a:pPr/>
                 <a14:m>
                   <m:oMathPara xmlns:m="http://schemas.openxmlformats.org/officeDocument/2006/math">
                     <m:oMathParaPr>
@@ -5802,7 +5839,7 @@
                       <m:sSub>
                         <m:sSubPr>
                           <m:ctrlPr>
-                            <a:rPr lang="en-US" altLang="ja-JP" sz="2000" b="0" i="0" smtClean="0">
+                            <a:rPr lang="en-US" altLang="ja-JP" sz="2000" b="0" i="1" smtClean="0">
                               <a:latin typeface="Cambria Math" panose="02040503050406030204" pitchFamily="18" charset="0"/>
                             </a:rPr>
                           </m:ctrlPr>
@@ -5965,6 +6002,7 @@
                 <a:endParaRPr kumimoji="1" lang="en-US" altLang="ja-JP" sz="2000" dirty="0"/>
               </a:p>
               <a:p>
+                <a:pPr/>
                 <a14:m>
                   <m:oMathPara xmlns:m="http://schemas.openxmlformats.org/officeDocument/2006/math">
                     <m:oMathParaPr>
@@ -6434,6 +6472,7 @@
                 <a:endParaRPr lang="en-US" altLang="ja-JP" sz="2000" dirty="0"/>
               </a:p>
               <a:p>
+                <a:pPr/>
                 <a14:m>
                   <m:oMathPara xmlns:m="http://schemas.openxmlformats.org/officeDocument/2006/math">
                     <m:oMathParaPr>
@@ -6909,6 +6948,7 @@
                 <a:endParaRPr kumimoji="1" lang="en-US" altLang="ja-JP" sz="2000" dirty="0"/>
               </a:p>
               <a:p>
+                <a:pPr/>
                 <a14:m>
                   <m:oMathPara xmlns:m="http://schemas.openxmlformats.org/officeDocument/2006/math">
                     <m:oMathParaPr>
@@ -7677,7 +7717,7 @@
             </p:txBody>
           </p:sp>
         </mc:Choice>
-        <mc:Fallback>
+        <mc:Fallback xmlns="">
           <p:sp>
             <p:nvSpPr>
               <p:cNvPr id="7" name="テキスト ボックス 6">
@@ -7833,7 +7873,7 @@
             <p:spPr>
               <a:xfrm>
                 <a:off x="495300" y="1690688"/>
-                <a:ext cx="11201400" cy="4824013"/>
+                <a:ext cx="11201400" cy="3846951"/>
               </a:xfrm>
               <a:prstGeom prst="rect">
                 <a:avLst/>
@@ -7846,6 +7886,7 @@
               </a:bodyPr>
               <a:lstStyle/>
               <a:p>
+                <a:pPr/>
                 <a14:m>
                   <m:oMathPara xmlns:m="http://schemas.openxmlformats.org/officeDocument/2006/math">
                     <m:oMathParaPr>
@@ -7855,14 +7896,14 @@
                       <m:sSub>
                         <m:sSubPr>
                           <m:ctrlPr>
-                            <a:rPr kumimoji="1" lang="en-US" altLang="ja-JP" sz="2400" b="0" i="1" smtClean="0">
+                            <a:rPr kumimoji="1" lang="en-US" altLang="ja-JP" sz="2000" b="0" i="1" smtClean="0">
                               <a:latin typeface="Cambria Math" panose="02040503050406030204" pitchFamily="18" charset="0"/>
                             </a:rPr>
                           </m:ctrlPr>
                         </m:sSubPr>
                         <m:e>
                           <m:r>
-                            <a:rPr kumimoji="1" lang="en-US" altLang="ja-JP" sz="2400" b="0" i="1" smtClean="0">
+                            <a:rPr kumimoji="1" lang="en-US" altLang="ja-JP" sz="2000" b="0" i="1" smtClean="0">
                               <a:latin typeface="Cambria Math" panose="02040503050406030204" pitchFamily="18" charset="0"/>
                             </a:rPr>
                             <m:t>𝑖</m:t>
@@ -7870,13 +7911,13 @@
                         </m:e>
                         <m:sub>
                           <m:r>
-                            <a:rPr kumimoji="1" lang="en-US" altLang="ja-JP" sz="2400" b="0" i="1" smtClean="0">
+                            <a:rPr kumimoji="1" lang="en-US" altLang="ja-JP" sz="2000" b="0" i="1" smtClean="0">
                               <a:latin typeface="Cambria Math" panose="02040503050406030204" pitchFamily="18" charset="0"/>
                             </a:rPr>
                             <m:t>𝐴</m:t>
                           </m:r>
                           <m:r>
-                            <a:rPr kumimoji="1" lang="en-US" altLang="ja-JP" sz="2400" b="0" i="1" smtClean="0">
+                            <a:rPr kumimoji="1" lang="en-US" altLang="ja-JP" sz="2000" b="0" i="1" smtClean="0">
                               <a:latin typeface="Cambria Math" panose="02040503050406030204" pitchFamily="18" charset="0"/>
                             </a:rPr>
                             <m:t>1</m:t>
@@ -7884,7 +7925,7 @@
                         </m:sub>
                       </m:sSub>
                       <m:r>
-                        <a:rPr kumimoji="1" lang="en-US" altLang="ja-JP" sz="2400" b="0" i="1" smtClean="0">
+                        <a:rPr kumimoji="1" lang="en-US" altLang="ja-JP" sz="2000" b="0" i="1" smtClean="0">
                           <a:latin typeface="Cambria Math" panose="02040503050406030204" pitchFamily="18" charset="0"/>
                         </a:rPr>
                         <m:t>=</m:t>
@@ -7892,14 +7933,14 @@
                       <m:sSub>
                         <m:sSubPr>
                           <m:ctrlPr>
-                            <a:rPr lang="en-US" altLang="ja-JP" sz="2400" i="1">
+                            <a:rPr lang="en-US" altLang="ja-JP" sz="2000" i="1">
                               <a:latin typeface="Cambria Math" panose="02040503050406030204" pitchFamily="18" charset="0"/>
                             </a:rPr>
                           </m:ctrlPr>
                         </m:sSubPr>
                         <m:e>
                           <m:r>
-                            <a:rPr lang="en-US" altLang="ja-JP" sz="2400" i="1">
+                            <a:rPr lang="en-US" altLang="ja-JP" sz="2000" i="1">
                               <a:latin typeface="Cambria Math" panose="02040503050406030204" pitchFamily="18" charset="0"/>
                             </a:rPr>
                             <m:t>𝑓</m:t>
@@ -7907,7 +7948,7 @@
                         </m:e>
                         <m:sub>
                           <m:r>
-                            <a:rPr lang="en-US" altLang="ja-JP" sz="2400" i="1">
+                            <a:rPr lang="en-US" altLang="ja-JP" sz="2000" i="1">
                               <a:latin typeface="Cambria Math" panose="02040503050406030204" pitchFamily="18" charset="0"/>
                             </a:rPr>
                             <m:t>𝑝</m:t>
@@ -7915,7 +7956,7 @@
                         </m:sub>
                       </m:sSub>
                       <m:r>
-                        <a:rPr lang="en-US" altLang="ja-JP" sz="2400" i="1">
+                        <a:rPr lang="en-US" altLang="ja-JP" sz="2000" i="1">
                           <a:latin typeface="Cambria Math" panose="02040503050406030204" pitchFamily="18" charset="0"/>
                         </a:rPr>
                         <m:t>(−</m:t>
@@ -7923,14 +7964,14 @@
                       <m:sSub>
                         <m:sSubPr>
                           <m:ctrlPr>
-                            <a:rPr lang="en-US" altLang="ja-JP" sz="2400" i="1">
+                            <a:rPr lang="en-US" altLang="ja-JP" sz="2000" i="1">
                               <a:latin typeface="Cambria Math" panose="02040503050406030204" pitchFamily="18" charset="0"/>
                             </a:rPr>
                           </m:ctrlPr>
                         </m:sSubPr>
                         <m:e>
                           <m:r>
-                            <a:rPr lang="en-US" altLang="ja-JP" sz="2400" i="1">
+                            <a:rPr lang="en-US" altLang="ja-JP" sz="2000" i="1">
                               <a:latin typeface="Cambria Math" panose="02040503050406030204" pitchFamily="18" charset="0"/>
                             </a:rPr>
                             <m:t>𝑉</m:t>
@@ -7938,7 +7979,7 @@
                         </m:e>
                         <m:sub>
                           <m:r>
-                            <a:rPr lang="en-US" altLang="ja-JP" sz="2400" i="1">
+                            <a:rPr lang="en-US" altLang="ja-JP" sz="2000" i="1">
                               <a:latin typeface="Cambria Math" panose="02040503050406030204" pitchFamily="18" charset="0"/>
                             </a:rPr>
                             <m:t>𝐶𝑇𝑅𝐿</m:t>
@@ -7946,7 +7987,7 @@
                         </m:sub>
                       </m:sSub>
                       <m:r>
-                        <a:rPr lang="en-US" altLang="ja-JP" sz="2400" i="1">
+                        <a:rPr lang="en-US" altLang="ja-JP" sz="2000" i="1">
                           <a:latin typeface="Cambria Math" panose="02040503050406030204" pitchFamily="18" charset="0"/>
                         </a:rPr>
                         <m:t>,</m:t>
@@ -7954,14 +7995,14 @@
                       <m:sSub>
                         <m:sSubPr>
                           <m:ctrlPr>
-                            <a:rPr lang="en-US" altLang="ja-JP" sz="2400" i="1">
+                            <a:rPr lang="en-US" altLang="ja-JP" sz="2000" i="1">
                               <a:latin typeface="Cambria Math" panose="02040503050406030204" pitchFamily="18" charset="0"/>
                             </a:rPr>
                           </m:ctrlPr>
                         </m:sSubPr>
                         <m:e>
                           <m:r>
-                            <a:rPr lang="en-US" altLang="ja-JP" sz="2400" i="1">
+                            <a:rPr lang="en-US" altLang="ja-JP" sz="2000" i="1">
                               <a:latin typeface="Cambria Math" panose="02040503050406030204" pitchFamily="18" charset="0"/>
                             </a:rPr>
                             <m:t>𝐼</m:t>
@@ -7969,13 +8010,13 @@
                         </m:e>
                         <m:sub>
                           <m:r>
-                            <a:rPr lang="en-US" altLang="ja-JP" sz="2400" i="1">
+                            <a:rPr lang="en-US" altLang="ja-JP" sz="2000" i="1">
                               <a:latin typeface="Cambria Math" panose="02040503050406030204" pitchFamily="18" charset="0"/>
                             </a:rPr>
                             <m:t>𝑏𝑖𝑎𝑠</m:t>
                           </m:r>
                           <m:r>
-                            <a:rPr lang="en-US" altLang="ja-JP" sz="2400" i="1">
+                            <a:rPr lang="en-US" altLang="ja-JP" sz="2000" i="1">
                               <a:latin typeface="Cambria Math" panose="02040503050406030204" pitchFamily="18" charset="0"/>
                             </a:rPr>
                             <m:t>1</m:t>
@@ -7983,7 +8024,7 @@
                         </m:sub>
                       </m:sSub>
                       <m:r>
-                        <a:rPr lang="en-US" altLang="ja-JP" sz="2400" i="1">
+                        <a:rPr lang="en-US" altLang="ja-JP" sz="2000" i="1">
                           <a:latin typeface="Cambria Math" panose="02040503050406030204" pitchFamily="18" charset="0"/>
                         </a:rPr>
                         <m:t>−</m:t>
@@ -7991,14 +8032,14 @@
                       <m:sSub>
                         <m:sSubPr>
                           <m:ctrlPr>
-                            <a:rPr lang="en-US" altLang="ja-JP" sz="2400" i="1">
+                            <a:rPr lang="en-US" altLang="ja-JP" sz="2000" i="1">
                               <a:latin typeface="Cambria Math" panose="02040503050406030204" pitchFamily="18" charset="0"/>
                             </a:rPr>
                           </m:ctrlPr>
                         </m:sSubPr>
                         <m:e>
                           <m:r>
-                            <a:rPr lang="en-US" altLang="ja-JP" sz="2400" i="1">
+                            <a:rPr lang="en-US" altLang="ja-JP" sz="2000" i="1">
                               <a:latin typeface="Cambria Math" panose="02040503050406030204" pitchFamily="18" charset="0"/>
                             </a:rPr>
                             <m:t>𝑖</m:t>
@@ -8006,13 +8047,13 @@
                         </m:e>
                         <m:sub>
                           <m:r>
-                            <a:rPr lang="en-US" altLang="ja-JP" sz="2400" i="1">
+                            <a:rPr lang="en-US" altLang="ja-JP" sz="2000" i="1">
                               <a:latin typeface="Cambria Math" panose="02040503050406030204" pitchFamily="18" charset="0"/>
                             </a:rPr>
                             <m:t>𝐵</m:t>
                           </m:r>
                           <m:r>
-                            <a:rPr lang="en-US" altLang="ja-JP" sz="2400" i="1">
+                            <a:rPr lang="en-US" altLang="ja-JP" sz="2000" i="1">
                               <a:latin typeface="Cambria Math" panose="02040503050406030204" pitchFamily="18" charset="0"/>
                             </a:rPr>
                             <m:t>1</m:t>
@@ -8020,7 +8061,7 @@
                         </m:sub>
                       </m:sSub>
                       <m:r>
-                        <a:rPr lang="en-US" altLang="ja-JP" sz="2400" i="1">
+                        <a:rPr lang="en-US" altLang="ja-JP" sz="2000" i="1">
                           <a:latin typeface="Cambria Math" panose="02040503050406030204" pitchFamily="18" charset="0"/>
                         </a:rPr>
                         <m:t>,</m:t>
@@ -8028,14 +8069,14 @@
                       <m:sSub>
                         <m:sSubPr>
                           <m:ctrlPr>
-                            <a:rPr lang="en-US" altLang="ja-JP" sz="2400" i="1">
+                            <a:rPr lang="en-US" altLang="ja-JP" sz="2000" i="1">
                               <a:latin typeface="Cambria Math" panose="02040503050406030204" pitchFamily="18" charset="0"/>
                             </a:rPr>
                           </m:ctrlPr>
                         </m:sSubPr>
                         <m:e>
                           <m:r>
-                            <a:rPr lang="en-US" altLang="ja-JP" sz="2400" i="1">
+                            <a:rPr lang="en-US" altLang="ja-JP" sz="2000" i="1">
                               <a:latin typeface="Cambria Math" panose="02040503050406030204" pitchFamily="18" charset="0"/>
                             </a:rPr>
                             <m:t>𝐾</m:t>
@@ -8043,7 +8084,7 @@
                         </m:e>
                         <m:sub>
                           <m:r>
-                            <a:rPr lang="en-US" altLang="ja-JP" sz="2400" i="1">
+                            <a:rPr lang="en-US" altLang="ja-JP" sz="2000" i="1">
                               <a:latin typeface="Cambria Math" panose="02040503050406030204" pitchFamily="18" charset="0"/>
                             </a:rPr>
                             <m:t>𝑝</m:t>
@@ -8051,7 +8092,7 @@
                         </m:sub>
                       </m:sSub>
                       <m:r>
-                        <a:rPr lang="en-US" altLang="ja-JP" sz="2400" i="1">
+                        <a:rPr lang="en-US" altLang="ja-JP" sz="2000" i="1">
                           <a:latin typeface="Cambria Math" panose="02040503050406030204" pitchFamily="18" charset="0"/>
                         </a:rPr>
                         <m:t>)</m:t>
@@ -8059,9 +8100,10 @@
                     </m:oMath>
                   </m:oMathPara>
                 </a14:m>
-                <a:endParaRPr kumimoji="1" lang="en-US" altLang="ja-JP" sz="2400" dirty="0"/>
+                <a:endParaRPr kumimoji="1" lang="en-US" altLang="ja-JP" sz="2000" dirty="0"/>
               </a:p>
               <a:p>
+                <a:pPr/>
                 <a14:m>
                   <m:oMathPara xmlns:m="http://schemas.openxmlformats.org/officeDocument/2006/math">
                     <m:oMathParaPr>
@@ -8069,7 +8111,7 @@
                     </m:oMathParaPr>
                     <m:oMath xmlns:m="http://schemas.openxmlformats.org/officeDocument/2006/math">
                       <m:r>
-                        <a:rPr kumimoji="1" lang="en-US" altLang="ja-JP" sz="2400" b="0" i="1" smtClean="0">
+                        <a:rPr kumimoji="1" lang="en-US" altLang="ja-JP" sz="2000" b="0" i="1" smtClean="0">
                           <a:latin typeface="Cambria Math" panose="02040503050406030204" pitchFamily="18" charset="0"/>
                         </a:rPr>
                         <m:t>=</m:t>
@@ -8077,7 +8119,7 @@
                       <m:f>
                         <m:fPr>
                           <m:ctrlPr>
-                            <a:rPr kumimoji="1" lang="en-US" altLang="ja-JP" sz="2400" b="0" i="1" smtClean="0">
+                            <a:rPr kumimoji="1" lang="en-US" altLang="ja-JP" sz="2000" b="0" i="1" smtClean="0">
                               <a:latin typeface="Cambria Math" panose="02040503050406030204" pitchFamily="18" charset="0"/>
                             </a:rPr>
                           </m:ctrlPr>
@@ -8086,14 +8128,14 @@
                           <m:sSub>
                             <m:sSubPr>
                               <m:ctrlPr>
-                                <a:rPr kumimoji="1" lang="en-US" altLang="ja-JP" sz="2400" b="0" i="1" smtClean="0">
+                                <a:rPr kumimoji="1" lang="en-US" altLang="ja-JP" sz="2000" b="0" i="1" smtClean="0">
                                   <a:latin typeface="Cambria Math" panose="02040503050406030204" pitchFamily="18" charset="0"/>
                                 </a:rPr>
                               </m:ctrlPr>
                             </m:sSubPr>
                             <m:e>
                               <m:r>
-                                <a:rPr kumimoji="1" lang="en-US" altLang="ja-JP" sz="2400" b="0" i="1" smtClean="0">
+                                <a:rPr kumimoji="1" lang="en-US" altLang="ja-JP" sz="2000" b="0" i="1" smtClean="0">
                                   <a:latin typeface="Cambria Math" panose="02040503050406030204" pitchFamily="18" charset="0"/>
                                 </a:rPr>
                                 <m:t>𝐼</m:t>
@@ -8101,13 +8143,13 @@
                             </m:e>
                             <m:sub>
                               <m:r>
-                                <a:rPr kumimoji="1" lang="en-US" altLang="ja-JP" sz="2400" b="0" i="1" smtClean="0">
+                                <a:rPr kumimoji="1" lang="en-US" altLang="ja-JP" sz="2000" b="0" i="1" smtClean="0">
                                   <a:latin typeface="Cambria Math" panose="02040503050406030204" pitchFamily="18" charset="0"/>
                                 </a:rPr>
                                 <m:t>𝑏𝑖𝑎𝑠</m:t>
                               </m:r>
                               <m:r>
-                                <a:rPr kumimoji="1" lang="en-US" altLang="ja-JP" sz="2400" b="0" i="1" smtClean="0">
+                                <a:rPr kumimoji="1" lang="en-US" altLang="ja-JP" sz="2000" b="0" i="1" smtClean="0">
                                   <a:latin typeface="Cambria Math" panose="02040503050406030204" pitchFamily="18" charset="0"/>
                                 </a:rPr>
                                 <m:t>1</m:t>
@@ -8115,7 +8157,7 @@
                             </m:sub>
                           </m:sSub>
                           <m:r>
-                            <a:rPr kumimoji="1" lang="en-US" altLang="ja-JP" sz="2400" b="0" i="1" smtClean="0">
+                            <a:rPr kumimoji="1" lang="en-US" altLang="ja-JP" sz="2000" b="0" i="1" smtClean="0">
                               <a:latin typeface="Cambria Math" panose="02040503050406030204" pitchFamily="18" charset="0"/>
                             </a:rPr>
                             <m:t>−</m:t>
@@ -8123,14 +8165,14 @@
                           <m:sSub>
                             <m:sSubPr>
                               <m:ctrlPr>
-                                <a:rPr kumimoji="1" lang="en-US" altLang="ja-JP" sz="2400" b="0" i="1" smtClean="0">
+                                <a:rPr kumimoji="1" lang="en-US" altLang="ja-JP" sz="2000" b="0" i="1" smtClean="0">
                                   <a:latin typeface="Cambria Math" panose="02040503050406030204" pitchFamily="18" charset="0"/>
                                 </a:rPr>
                               </m:ctrlPr>
                             </m:sSubPr>
                             <m:e>
                               <m:r>
-                                <a:rPr kumimoji="1" lang="en-US" altLang="ja-JP" sz="2400" b="0" i="1" smtClean="0">
+                                <a:rPr kumimoji="1" lang="en-US" altLang="ja-JP" sz="2000" b="0" i="1" smtClean="0">
                                   <a:latin typeface="Cambria Math" panose="02040503050406030204" pitchFamily="18" charset="0"/>
                                 </a:rPr>
                                 <m:t>𝑖</m:t>
@@ -8138,13 +8180,13 @@
                             </m:e>
                             <m:sub>
                               <m:r>
-                                <a:rPr kumimoji="1" lang="en-US" altLang="ja-JP" sz="2400" b="0" i="1" smtClean="0">
+                                <a:rPr kumimoji="1" lang="en-US" altLang="ja-JP" sz="2000" b="0" i="1" smtClean="0">
                                   <a:latin typeface="Cambria Math" panose="02040503050406030204" pitchFamily="18" charset="0"/>
                                 </a:rPr>
                                 <m:t>𝐵</m:t>
                               </m:r>
                               <m:r>
-                                <a:rPr kumimoji="1" lang="en-US" altLang="ja-JP" sz="2400" b="0" i="1" smtClean="0">
+                                <a:rPr kumimoji="1" lang="en-US" altLang="ja-JP" sz="2000" b="0" i="1" smtClean="0">
                                   <a:latin typeface="Cambria Math" panose="02040503050406030204" pitchFamily="18" charset="0"/>
                                 </a:rPr>
                                 <m:t>1</m:t>
@@ -8154,7 +8196,7 @@
                         </m:num>
                         <m:den>
                           <m:r>
-                            <a:rPr kumimoji="1" lang="en-US" altLang="ja-JP" sz="2400" b="0" i="1" smtClean="0">
+                            <a:rPr kumimoji="1" lang="en-US" altLang="ja-JP" sz="2000" b="0" i="1" smtClean="0">
                               <a:latin typeface="Cambria Math" panose="02040503050406030204" pitchFamily="18" charset="0"/>
                             </a:rPr>
                             <m:t>2</m:t>
@@ -8162,7 +8204,7 @@
                         </m:den>
                       </m:f>
                       <m:r>
-                        <a:rPr kumimoji="1" lang="en-US" altLang="ja-JP" sz="2400" b="0" i="1" smtClean="0">
+                        <a:rPr kumimoji="1" lang="en-US" altLang="ja-JP" sz="2000" b="0" i="1" smtClean="0">
                           <a:latin typeface="Cambria Math" panose="02040503050406030204" pitchFamily="18" charset="0"/>
                         </a:rPr>
                         <m:t>+</m:t>
@@ -8170,14 +8212,14 @@
                       <m:sSub>
                         <m:sSubPr>
                           <m:ctrlPr>
-                            <a:rPr kumimoji="1" lang="en-US" altLang="ja-JP" sz="2400" b="0" i="1" smtClean="0">
+                            <a:rPr kumimoji="1" lang="en-US" altLang="ja-JP" sz="2000" b="0" i="1" smtClean="0">
                               <a:latin typeface="Cambria Math" panose="02040503050406030204" pitchFamily="18" charset="0"/>
                             </a:rPr>
                           </m:ctrlPr>
                         </m:sSubPr>
                         <m:e>
                           <m:r>
-                            <a:rPr kumimoji="1" lang="en-US" altLang="ja-JP" sz="2400" b="0" i="1" smtClean="0">
+                            <a:rPr kumimoji="1" lang="en-US" altLang="ja-JP" sz="2000" b="0" i="1" smtClean="0">
                               <a:latin typeface="Cambria Math" panose="02040503050406030204" pitchFamily="18" charset="0"/>
                             </a:rPr>
                             <m:t>𝑉</m:t>
@@ -8185,7 +8227,7 @@
                         </m:e>
                         <m:sub>
                           <m:r>
-                            <a:rPr kumimoji="1" lang="en-US" altLang="ja-JP" sz="2400" b="0" i="1" smtClean="0">
+                            <a:rPr kumimoji="1" lang="en-US" altLang="ja-JP" sz="2000" b="0" i="1" smtClean="0">
                               <a:latin typeface="Cambria Math" panose="02040503050406030204" pitchFamily="18" charset="0"/>
                             </a:rPr>
                             <m:t>𝐶𝑇𝑅𝐿</m:t>
@@ -8193,7 +8235,7 @@
                         </m:sub>
                       </m:sSub>
                       <m:r>
-                        <a:rPr kumimoji="1" lang="en-US" altLang="ja-JP" sz="2400" b="0" i="1" smtClean="0">
+                        <a:rPr kumimoji="1" lang="en-US" altLang="ja-JP" sz="2000" b="0" i="1" smtClean="0">
                           <a:latin typeface="Cambria Math" panose="02040503050406030204" pitchFamily="18" charset="0"/>
                         </a:rPr>
                         <m:t>⋅</m:t>
@@ -8202,7 +8244,7 @@
                         <m:radPr>
                           <m:degHide m:val="on"/>
                           <m:ctrlPr>
-                            <a:rPr kumimoji="1" lang="en-US" altLang="ja-JP" sz="2400" b="0" i="1" smtClean="0">
+                            <a:rPr kumimoji="1" lang="en-US" altLang="ja-JP" sz="2000" b="0" i="1" smtClean="0">
                               <a:latin typeface="Cambria Math" panose="02040503050406030204" pitchFamily="18" charset="0"/>
                             </a:rPr>
                           </m:ctrlPr>
@@ -8210,7 +8252,7 @@
                         <m:deg/>
                         <m:e>
                           <m:r>
-                            <a:rPr kumimoji="1" lang="en-US" altLang="ja-JP" sz="2400" b="0" i="1" smtClean="0">
+                            <a:rPr kumimoji="1" lang="en-US" altLang="ja-JP" sz="2000" b="0" i="1" smtClean="0">
                               <a:latin typeface="Cambria Math" panose="02040503050406030204" pitchFamily="18" charset="0"/>
                             </a:rPr>
                             <m:t>2</m:t>
@@ -8218,14 +8260,14 @@
                           <m:sSub>
                             <m:sSubPr>
                               <m:ctrlPr>
-                                <a:rPr kumimoji="1" lang="en-US" altLang="ja-JP" sz="2400" b="0" i="1" smtClean="0">
+                                <a:rPr kumimoji="1" lang="en-US" altLang="ja-JP" sz="2000" b="0" i="1" smtClean="0">
                                   <a:latin typeface="Cambria Math" panose="02040503050406030204" pitchFamily="18" charset="0"/>
                                 </a:rPr>
                               </m:ctrlPr>
                             </m:sSubPr>
                             <m:e>
                               <m:r>
-                                <a:rPr kumimoji="1" lang="en-US" altLang="ja-JP" sz="2400" b="0" i="1" smtClean="0">
+                                <a:rPr kumimoji="1" lang="en-US" altLang="ja-JP" sz="2000" b="0" i="1" smtClean="0">
                                   <a:latin typeface="Cambria Math" panose="02040503050406030204" pitchFamily="18" charset="0"/>
                                 </a:rPr>
                                 <m:t>𝐾</m:t>
@@ -8233,7 +8275,7 @@
                             </m:e>
                             <m:sub>
                               <m:r>
-                                <a:rPr kumimoji="1" lang="en-US" altLang="ja-JP" sz="2400" b="0" i="1" smtClean="0">
+                                <a:rPr kumimoji="1" lang="en-US" altLang="ja-JP" sz="2000" b="0" i="1" smtClean="0">
                                   <a:latin typeface="Cambria Math" panose="02040503050406030204" pitchFamily="18" charset="0"/>
                                 </a:rPr>
                                 <m:t>𝑝</m:t>
@@ -8241,7 +8283,7 @@
                             </m:sub>
                           </m:sSub>
                           <m:r>
-                            <a:rPr kumimoji="1" lang="en-US" altLang="ja-JP" sz="2400" b="0" i="1" smtClean="0">
+                            <a:rPr kumimoji="1" lang="en-US" altLang="ja-JP" sz="2000" b="0" i="1" smtClean="0">
                               <a:latin typeface="Cambria Math" panose="02040503050406030204" pitchFamily="18" charset="0"/>
                             </a:rPr>
                             <m:t>(</m:t>
@@ -8249,14 +8291,14 @@
                           <m:sSub>
                             <m:sSubPr>
                               <m:ctrlPr>
-                                <a:rPr kumimoji="1" lang="en-US" altLang="ja-JP" sz="2400" b="0" i="1" smtClean="0">
+                                <a:rPr kumimoji="1" lang="en-US" altLang="ja-JP" sz="2000" b="0" i="1" smtClean="0">
                                   <a:latin typeface="Cambria Math" panose="02040503050406030204" pitchFamily="18" charset="0"/>
                                 </a:rPr>
                               </m:ctrlPr>
                             </m:sSubPr>
                             <m:e>
                               <m:r>
-                                <a:rPr kumimoji="1" lang="en-US" altLang="ja-JP" sz="2400" b="0" i="1" smtClean="0">
+                                <a:rPr kumimoji="1" lang="en-US" altLang="ja-JP" sz="2000" b="0" i="1" smtClean="0">
                                   <a:latin typeface="Cambria Math" panose="02040503050406030204" pitchFamily="18" charset="0"/>
                                 </a:rPr>
                                 <m:t>𝐼</m:t>
@@ -8264,13 +8306,13 @@
                             </m:e>
                             <m:sub>
                               <m:r>
-                                <a:rPr kumimoji="1" lang="en-US" altLang="ja-JP" sz="2400" b="0" i="1" smtClean="0">
+                                <a:rPr kumimoji="1" lang="en-US" altLang="ja-JP" sz="2000" b="0" i="1" smtClean="0">
                                   <a:latin typeface="Cambria Math" panose="02040503050406030204" pitchFamily="18" charset="0"/>
                                 </a:rPr>
                                 <m:t>𝑏𝑖𝑎𝑠</m:t>
                               </m:r>
                               <m:r>
-                                <a:rPr kumimoji="1" lang="en-US" altLang="ja-JP" sz="2400" b="0" i="1" smtClean="0">
+                                <a:rPr kumimoji="1" lang="en-US" altLang="ja-JP" sz="2000" b="0" i="1" smtClean="0">
                                   <a:latin typeface="Cambria Math" panose="02040503050406030204" pitchFamily="18" charset="0"/>
                                 </a:rPr>
                                 <m:t>1</m:t>
@@ -8278,7 +8320,7 @@
                             </m:sub>
                           </m:sSub>
                           <m:r>
-                            <a:rPr kumimoji="1" lang="en-US" altLang="ja-JP" sz="2400" b="0" i="1" smtClean="0">
+                            <a:rPr kumimoji="1" lang="en-US" altLang="ja-JP" sz="2000" b="0" i="1" smtClean="0">
                               <a:latin typeface="Cambria Math" panose="02040503050406030204" pitchFamily="18" charset="0"/>
                             </a:rPr>
                             <m:t>−</m:t>
@@ -8286,14 +8328,14 @@
                           <m:sSub>
                             <m:sSubPr>
                               <m:ctrlPr>
-                                <a:rPr kumimoji="1" lang="en-US" altLang="ja-JP" sz="2400" b="0" i="1" smtClean="0">
+                                <a:rPr kumimoji="1" lang="en-US" altLang="ja-JP" sz="2000" b="0" i="1" smtClean="0">
                                   <a:latin typeface="Cambria Math" panose="02040503050406030204" pitchFamily="18" charset="0"/>
                                 </a:rPr>
                               </m:ctrlPr>
                             </m:sSubPr>
                             <m:e>
                               <m:r>
-                                <a:rPr kumimoji="1" lang="en-US" altLang="ja-JP" sz="2400" b="0" i="1" smtClean="0">
+                                <a:rPr kumimoji="1" lang="en-US" altLang="ja-JP" sz="2000" b="0" i="1" smtClean="0">
                                   <a:latin typeface="Cambria Math" panose="02040503050406030204" pitchFamily="18" charset="0"/>
                                 </a:rPr>
                                 <m:t>𝑖</m:t>
@@ -8301,13 +8343,13 @@
                             </m:e>
                             <m:sub>
                               <m:r>
-                                <a:rPr kumimoji="1" lang="en-US" altLang="ja-JP" sz="2400" b="0" i="1" smtClean="0">
+                                <a:rPr kumimoji="1" lang="en-US" altLang="ja-JP" sz="2000" b="0" i="1" smtClean="0">
                                   <a:latin typeface="Cambria Math" panose="02040503050406030204" pitchFamily="18" charset="0"/>
                                 </a:rPr>
                                 <m:t>𝐵</m:t>
                               </m:r>
                               <m:r>
-                                <a:rPr kumimoji="1" lang="en-US" altLang="ja-JP" sz="2400" b="0" i="1" smtClean="0">
+                                <a:rPr kumimoji="1" lang="en-US" altLang="ja-JP" sz="2000" b="0" i="1" smtClean="0">
                                   <a:latin typeface="Cambria Math" panose="02040503050406030204" pitchFamily="18" charset="0"/>
                                 </a:rPr>
                                 <m:t>1</m:t>
@@ -8315,30 +8357,18 @@
                             </m:sub>
                           </m:sSub>
                           <m:r>
-                            <a:rPr kumimoji="1" lang="en-US" altLang="ja-JP" sz="2400" b="0" i="1" smtClean="0">
+                            <a:rPr kumimoji="1" lang="en-US" altLang="ja-JP" sz="2000" b="0" i="1" smtClean="0">
                               <a:latin typeface="Cambria Math" panose="02040503050406030204" pitchFamily="18" charset="0"/>
                             </a:rPr>
                             <m:t>)</m:t>
                           </m:r>
                         </m:e>
                       </m:rad>
-                    </m:oMath>
-                  </m:oMathPara>
-                </a14:m>
-                <a:endParaRPr kumimoji="1" lang="en-US" altLang="ja-JP" sz="2400" dirty="0"/>
-              </a:p>
-              <a:p>
-                <a14:m>
-                  <m:oMathPara xmlns:m="http://schemas.openxmlformats.org/officeDocument/2006/math">
-                    <m:oMathParaPr>
-                      <m:jc m:val="centerGroup"/>
-                    </m:oMathParaPr>
-                    <m:oMath xmlns:m="http://schemas.openxmlformats.org/officeDocument/2006/math">
                       <m:rad>
                         <m:radPr>
                           <m:degHide m:val="on"/>
                           <m:ctrlPr>
-                            <a:rPr kumimoji="1" lang="en-US" altLang="ja-JP" sz="2400" b="0" i="1" smtClean="0">
+                            <a:rPr kumimoji="1" lang="en-US" altLang="ja-JP" sz="2000" b="0" i="1" smtClean="0">
                               <a:latin typeface="Cambria Math" panose="02040503050406030204" pitchFamily="18" charset="0"/>
                             </a:rPr>
                           </m:ctrlPr>
@@ -8348,14 +8378,14 @@
                           <m:sSub>
                             <m:sSubPr>
                               <m:ctrlPr>
-                                <a:rPr lang="en-US" altLang="ja-JP" sz="2400" i="1">
+                                <a:rPr lang="en-US" altLang="ja-JP" sz="2000" i="1">
                                   <a:latin typeface="Cambria Math" panose="02040503050406030204" pitchFamily="18" charset="0"/>
                                 </a:rPr>
                               </m:ctrlPr>
                             </m:sSubPr>
                             <m:e>
                               <m:r>
-                                <a:rPr lang="en-US" altLang="ja-JP" sz="2400" i="1">
+                                <a:rPr lang="en-US" altLang="ja-JP" sz="2000" i="1">
                                   <a:latin typeface="Cambria Math" panose="02040503050406030204" pitchFamily="18" charset="0"/>
                                 </a:rPr>
                                 <m:t>𝐼</m:t>
@@ -8363,13 +8393,13 @@
                             </m:e>
                             <m:sub>
                               <m:r>
-                                <a:rPr lang="en-US" altLang="ja-JP" sz="2400" i="1">
+                                <a:rPr lang="en-US" altLang="ja-JP" sz="2000" i="1">
                                   <a:latin typeface="Cambria Math" panose="02040503050406030204" pitchFamily="18" charset="0"/>
                                 </a:rPr>
                                 <m:t>𝑏𝑖𝑎𝑠</m:t>
                               </m:r>
                               <m:r>
-                                <a:rPr lang="en-US" altLang="ja-JP" sz="2400" i="1">
+                                <a:rPr lang="en-US" altLang="ja-JP" sz="2000" i="1">
                                   <a:latin typeface="Cambria Math" panose="02040503050406030204" pitchFamily="18" charset="0"/>
                                 </a:rPr>
                                 <m:t>1</m:t>
@@ -8377,7 +8407,7 @@
                             </m:sub>
                           </m:sSub>
                           <m:r>
-                            <a:rPr lang="en-US" altLang="ja-JP" sz="2400" i="1">
+                            <a:rPr lang="en-US" altLang="ja-JP" sz="2000" i="1">
                               <a:latin typeface="Cambria Math" panose="02040503050406030204" pitchFamily="18" charset="0"/>
                             </a:rPr>
                             <m:t>−</m:t>
@@ -8385,14 +8415,14 @@
                           <m:sSub>
                             <m:sSubPr>
                               <m:ctrlPr>
-                                <a:rPr lang="en-US" altLang="ja-JP" sz="2400" i="1">
+                                <a:rPr lang="en-US" altLang="ja-JP" sz="2000" i="1">
                                   <a:latin typeface="Cambria Math" panose="02040503050406030204" pitchFamily="18" charset="0"/>
                                 </a:rPr>
                               </m:ctrlPr>
                             </m:sSubPr>
                             <m:e>
                               <m:r>
-                                <a:rPr lang="en-US" altLang="ja-JP" sz="2400" i="1">
+                                <a:rPr lang="en-US" altLang="ja-JP" sz="2000" i="1">
                                   <a:latin typeface="Cambria Math" panose="02040503050406030204" pitchFamily="18" charset="0"/>
                                 </a:rPr>
                                 <m:t>𝑖</m:t>
@@ -8400,13 +8430,13 @@
                             </m:e>
                             <m:sub>
                               <m:r>
-                                <a:rPr lang="en-US" altLang="ja-JP" sz="2400" i="1">
+                                <a:rPr lang="en-US" altLang="ja-JP" sz="2000" i="1">
                                   <a:latin typeface="Cambria Math" panose="02040503050406030204" pitchFamily="18" charset="0"/>
                                 </a:rPr>
                                 <m:t>𝐵</m:t>
                               </m:r>
                               <m:r>
-                                <a:rPr lang="en-US" altLang="ja-JP" sz="2400" i="1">
+                                <a:rPr lang="en-US" altLang="ja-JP" sz="2000" i="1">
                                   <a:latin typeface="Cambria Math" panose="02040503050406030204" pitchFamily="18" charset="0"/>
                                 </a:rPr>
                                 <m:t>1</m:t>
@@ -8416,7 +8446,7 @@
                         </m:e>
                       </m:rad>
                       <m:r>
-                        <a:rPr kumimoji="1" lang="en-US" altLang="ja-JP" sz="2400" b="0" i="1" smtClean="0">
+                        <a:rPr kumimoji="1" lang="en-US" altLang="ja-JP" sz="2000" b="0" i="1" smtClean="0">
                           <a:latin typeface="Cambria Math" panose="02040503050406030204" pitchFamily="18" charset="0"/>
                         </a:rPr>
                         <m:t>⋅</m:t>
@@ -8424,7 +8454,7 @@
                       <m:d>
                         <m:dPr>
                           <m:ctrlPr>
-                            <a:rPr kumimoji="1" lang="en-US" altLang="ja-JP" sz="2400" b="0" i="1" smtClean="0">
+                            <a:rPr kumimoji="1" lang="en-US" altLang="ja-JP" sz="2000" b="0" i="1" smtClean="0">
                               <a:latin typeface="Cambria Math" panose="02040503050406030204" pitchFamily="18" charset="0"/>
                             </a:rPr>
                           </m:ctrlPr>
@@ -8434,7 +8464,7 @@
                             <m:radPr>
                               <m:degHide m:val="on"/>
                               <m:ctrlPr>
-                                <a:rPr kumimoji="1" lang="en-US" altLang="ja-JP" sz="2400" b="0" i="1" smtClean="0">
+                                <a:rPr kumimoji="1" lang="en-US" altLang="ja-JP" sz="2000" b="0" i="1" smtClean="0">
                                   <a:latin typeface="Cambria Math" panose="02040503050406030204" pitchFamily="18" charset="0"/>
                                 </a:rPr>
                               </m:ctrlPr>
@@ -8442,7 +8472,7 @@
                             <m:deg/>
                             <m:e>
                               <m:r>
-                                <a:rPr kumimoji="1" lang="en-US" altLang="ja-JP" sz="2400" b="0" i="1" smtClean="0">
+                                <a:rPr kumimoji="1" lang="en-US" altLang="ja-JP" sz="2000" b="0" i="1" smtClean="0">
                                   <a:latin typeface="Cambria Math" panose="02040503050406030204" pitchFamily="18" charset="0"/>
                                 </a:rPr>
                                 <m:t>2</m:t>
@@ -8450,14 +8480,14 @@
                               <m:sSub>
                                 <m:sSubPr>
                                   <m:ctrlPr>
-                                    <a:rPr kumimoji="1" lang="en-US" altLang="ja-JP" sz="2400" b="0" i="1" smtClean="0">
+                                    <a:rPr kumimoji="1" lang="en-US" altLang="ja-JP" sz="2000" b="0" i="1" smtClean="0">
                                       <a:latin typeface="Cambria Math" panose="02040503050406030204" pitchFamily="18" charset="0"/>
                                     </a:rPr>
                                   </m:ctrlPr>
                                 </m:sSubPr>
                                 <m:e>
                                   <m:r>
-                                    <a:rPr kumimoji="1" lang="en-US" altLang="ja-JP" sz="2400" b="0" i="1" smtClean="0">
+                                    <a:rPr kumimoji="1" lang="en-US" altLang="ja-JP" sz="2000" b="0" i="1" smtClean="0">
                                       <a:latin typeface="Cambria Math" panose="02040503050406030204" pitchFamily="18" charset="0"/>
                                     </a:rPr>
                                     <m:t>𝐾</m:t>
@@ -8465,7 +8495,7 @@
                                 </m:e>
                                 <m:sub>
                                   <m:r>
-                                    <a:rPr kumimoji="1" lang="en-US" altLang="ja-JP" sz="2400" b="0" i="1" smtClean="0">
+                                    <a:rPr kumimoji="1" lang="en-US" altLang="ja-JP" sz="2000" b="0" i="1" smtClean="0">
                                       <a:latin typeface="Cambria Math" panose="02040503050406030204" pitchFamily="18" charset="0"/>
                                     </a:rPr>
                                     <m:t>𝑝</m:t>
@@ -8475,7 +8505,7 @@
                             </m:e>
                           </m:rad>
                           <m:r>
-                            <a:rPr kumimoji="1" lang="en-US" altLang="ja-JP" sz="2400" b="0" i="1" smtClean="0">
+                            <a:rPr kumimoji="1" lang="en-US" altLang="ja-JP" sz="2000" b="0" i="1" smtClean="0">
                               <a:latin typeface="Cambria Math" panose="02040503050406030204" pitchFamily="18" charset="0"/>
                             </a:rPr>
                             <m:t>⋅</m:t>
@@ -8483,14 +8513,14 @@
                           <m:sSub>
                             <m:sSubPr>
                               <m:ctrlPr>
-                                <a:rPr kumimoji="1" lang="en-US" altLang="ja-JP" sz="2400" b="0" i="1" smtClean="0">
+                                <a:rPr kumimoji="1" lang="en-US" altLang="ja-JP" sz="2000" b="0" i="1" smtClean="0">
                                   <a:latin typeface="Cambria Math" panose="02040503050406030204" pitchFamily="18" charset="0"/>
                                 </a:rPr>
                               </m:ctrlPr>
                             </m:sSubPr>
                             <m:e>
                               <m:r>
-                                <a:rPr kumimoji="1" lang="en-US" altLang="ja-JP" sz="2400" b="0" i="1" smtClean="0">
+                                <a:rPr kumimoji="1" lang="en-US" altLang="ja-JP" sz="2000" b="0" i="1" smtClean="0">
                                   <a:latin typeface="Cambria Math" panose="02040503050406030204" pitchFamily="18" charset="0"/>
                                 </a:rPr>
                                 <m:t>𝑉</m:t>
@@ -8498,7 +8528,7 @@
                             </m:e>
                             <m:sub>
                               <m:r>
-                                <a:rPr kumimoji="1" lang="en-US" altLang="ja-JP" sz="2400" b="0" i="1" smtClean="0">
+                                <a:rPr kumimoji="1" lang="en-US" altLang="ja-JP" sz="2000" b="0" i="1" smtClean="0">
                                   <a:latin typeface="Cambria Math" panose="02040503050406030204" pitchFamily="18" charset="0"/>
                                 </a:rPr>
                                 <m:t>𝐶𝑇𝑅𝐿</m:t>
@@ -8506,7 +8536,7 @@
                             </m:sub>
                           </m:sSub>
                           <m:r>
-                            <a:rPr kumimoji="1" lang="en-US" altLang="ja-JP" sz="2400" b="0" i="1" smtClean="0">
+                            <a:rPr kumimoji="1" lang="en-US" altLang="ja-JP" sz="2000" b="0" i="1" smtClean="0">
                               <a:latin typeface="Cambria Math" panose="02040503050406030204" pitchFamily="18" charset="0"/>
                             </a:rPr>
                             <m:t>+</m:t>
@@ -8514,7 +8544,7 @@
                           <m:f>
                             <m:fPr>
                               <m:ctrlPr>
-                                <a:rPr kumimoji="1" lang="en-US" altLang="ja-JP" sz="2400" b="0" i="1" smtClean="0">
+                                <a:rPr kumimoji="1" lang="en-US" altLang="ja-JP" sz="2000" b="0" i="1" smtClean="0">
                                   <a:latin typeface="Cambria Math" panose="02040503050406030204" pitchFamily="18" charset="0"/>
                                 </a:rPr>
                               </m:ctrlPr>
@@ -8524,7 +8554,7 @@
                                 <m:radPr>
                                   <m:degHide m:val="on"/>
                                   <m:ctrlPr>
-                                    <a:rPr lang="en-US" altLang="ja-JP" sz="2400" i="1">
+                                    <a:rPr lang="en-US" altLang="ja-JP" sz="2000" i="1">
                                       <a:latin typeface="Cambria Math" panose="02040503050406030204" pitchFamily="18" charset="0"/>
                                     </a:rPr>
                                   </m:ctrlPr>
@@ -8534,14 +8564,14 @@
                                   <m:sSub>
                                     <m:sSubPr>
                                       <m:ctrlPr>
-                                        <a:rPr lang="en-US" altLang="ja-JP" sz="2400" i="1">
+                                        <a:rPr lang="en-US" altLang="ja-JP" sz="2000" i="1">
                                           <a:latin typeface="Cambria Math" panose="02040503050406030204" pitchFamily="18" charset="0"/>
                                         </a:rPr>
                                       </m:ctrlPr>
                                     </m:sSubPr>
                                     <m:e>
                                       <m:r>
-                                        <a:rPr lang="en-US" altLang="ja-JP" sz="2400" i="1">
+                                        <a:rPr lang="en-US" altLang="ja-JP" sz="2000" i="1">
                                           <a:latin typeface="Cambria Math" panose="02040503050406030204" pitchFamily="18" charset="0"/>
                                         </a:rPr>
                                         <m:t>𝐼</m:t>
@@ -8549,13 +8579,13 @@
                                     </m:e>
                                     <m:sub>
                                       <m:r>
-                                        <a:rPr lang="en-US" altLang="ja-JP" sz="2400" i="1">
+                                        <a:rPr lang="en-US" altLang="ja-JP" sz="2000" i="1">
                                           <a:latin typeface="Cambria Math" panose="02040503050406030204" pitchFamily="18" charset="0"/>
                                         </a:rPr>
                                         <m:t>𝑏𝑖𝑎𝑠</m:t>
                                       </m:r>
                                       <m:r>
-                                        <a:rPr lang="en-US" altLang="ja-JP" sz="2400" i="1">
+                                        <a:rPr lang="en-US" altLang="ja-JP" sz="2000" i="1">
                                           <a:latin typeface="Cambria Math" panose="02040503050406030204" pitchFamily="18" charset="0"/>
                                         </a:rPr>
                                         <m:t>1</m:t>
@@ -8563,7 +8593,7 @@
                                     </m:sub>
                                   </m:sSub>
                                   <m:r>
-                                    <a:rPr lang="en-US" altLang="ja-JP" sz="2400" i="1">
+                                    <a:rPr lang="en-US" altLang="ja-JP" sz="2000" i="1">
                                       <a:latin typeface="Cambria Math" panose="02040503050406030204" pitchFamily="18" charset="0"/>
                                     </a:rPr>
                                     <m:t>−</m:t>
@@ -8571,14 +8601,14 @@
                                   <m:sSub>
                                     <m:sSubPr>
                                       <m:ctrlPr>
-                                        <a:rPr lang="en-US" altLang="ja-JP" sz="2400" i="1">
+                                        <a:rPr lang="en-US" altLang="ja-JP" sz="2000" i="1">
                                           <a:latin typeface="Cambria Math" panose="02040503050406030204" pitchFamily="18" charset="0"/>
                                         </a:rPr>
                                       </m:ctrlPr>
                                     </m:sSubPr>
                                     <m:e>
                                       <m:r>
-                                        <a:rPr lang="en-US" altLang="ja-JP" sz="2400" i="1">
+                                        <a:rPr lang="en-US" altLang="ja-JP" sz="2000" i="1">
                                           <a:latin typeface="Cambria Math" panose="02040503050406030204" pitchFamily="18" charset="0"/>
                                         </a:rPr>
                                         <m:t>𝑖</m:t>
@@ -8586,13 +8616,13 @@
                                     </m:e>
                                     <m:sub>
                                       <m:r>
-                                        <a:rPr lang="en-US" altLang="ja-JP" sz="2400" i="1">
+                                        <a:rPr lang="en-US" altLang="ja-JP" sz="2000" i="1">
                                           <a:latin typeface="Cambria Math" panose="02040503050406030204" pitchFamily="18" charset="0"/>
                                         </a:rPr>
                                         <m:t>𝐵</m:t>
                                       </m:r>
                                       <m:r>
-                                        <a:rPr lang="en-US" altLang="ja-JP" sz="2400" i="1">
+                                        <a:rPr lang="en-US" altLang="ja-JP" sz="2000" i="1">
                                           <a:latin typeface="Cambria Math" panose="02040503050406030204" pitchFamily="18" charset="0"/>
                                         </a:rPr>
                                         <m:t>1</m:t>
@@ -8604,7 +8634,7 @@
                             </m:num>
                             <m:den>
                               <m:r>
-                                <a:rPr kumimoji="1" lang="en-US" altLang="ja-JP" sz="2400" b="0" i="1" smtClean="0">
+                                <a:rPr kumimoji="1" lang="en-US" altLang="ja-JP" sz="2000" b="0" i="1" smtClean="0">
                                   <a:latin typeface="Cambria Math" panose="02040503050406030204" pitchFamily="18" charset="0"/>
                                 </a:rPr>
                                 <m:t>2</m:t>
@@ -8616,7 +8646,7 @@
                     </m:oMath>
                   </m:oMathPara>
                 </a14:m>
-                <a:endParaRPr kumimoji="1" lang="en-US" altLang="ja-JP" sz="2400" dirty="0"/>
+                <a:endParaRPr kumimoji="1" lang="en-US" altLang="ja-JP" sz="2000" dirty="0"/>
               </a:p>
               <a:p>
                 <a:r>
@@ -8626,6 +8656,7 @@
                 <a:endParaRPr lang="en-US" altLang="ja-JP" sz="2400" dirty="0"/>
               </a:p>
               <a:p>
+                <a:pPr/>
                 <a14:m>
                   <m:oMathPara xmlns:m="http://schemas.openxmlformats.org/officeDocument/2006/math">
                     <m:oMathParaPr>
@@ -8925,6 +8956,7 @@
                 <a:endParaRPr kumimoji="1" lang="en-US" altLang="ja-JP" sz="2400" b="0" dirty="0"/>
               </a:p>
               <a:p>
+                <a:pPr/>
                 <a14:m>
                   <m:oMathPara xmlns:m="http://schemas.openxmlformats.org/officeDocument/2006/math">
                     <m:oMathParaPr>
@@ -9311,7 +9343,7 @@
             <p:spPr>
               <a:xfrm>
                 <a:off x="495300" y="1690688"/>
-                <a:ext cx="11201400" cy="4824013"/>
+                <a:ext cx="11201400" cy="3846951"/>
               </a:xfrm>
               <a:prstGeom prst="rect">
                 <a:avLst/>
@@ -9432,8 +9464,8 @@
           </a:p>
         </p:txBody>
       </p:sp>
-      <mc:AlternateContent xmlns:mc="http://schemas.openxmlformats.org/markup-compatibility/2006">
-        <mc:Choice xmlns:a14="http://schemas.microsoft.com/office/drawing/2010/main" Requires="a14">
+      <mc:AlternateContent xmlns:mc="http://schemas.openxmlformats.org/markup-compatibility/2006" xmlns:a14="http://schemas.microsoft.com/office/drawing/2010/main">
+        <mc:Choice Requires="a14">
           <p:sp>
             <p:nvSpPr>
               <p:cNvPr id="7" name="テキスト ボックス 6">
@@ -9908,7 +9940,6 @@
                 <a:endParaRPr kumimoji="1" lang="en-US" altLang="ja-JP" sz="2400" dirty="0"/>
               </a:p>
               <a:p>
-                <a:pPr/>
                 <a:r>
                   <a:rPr kumimoji="1" lang="ja-JP" altLang="en-US" sz="2400" dirty="0"/>
                   <a:t>従って</a:t>
@@ -11783,7 +11814,6 @@
                 <a:endParaRPr kumimoji="1" lang="en-US" altLang="ja-JP" dirty="0"/>
               </a:p>
               <a:p>
-                <a:pPr/>
                 <a:r>
                   <a:rPr lang="ja-JP" altLang="en-US" dirty="0"/>
                   <a:t>これを</a:t>
@@ -11881,7 +11911,7 @@
             </p:txBody>
           </p:sp>
         </mc:Choice>
-        <mc:Fallback>
+        <mc:Fallback xmlns="">
           <p:sp>
             <p:nvSpPr>
               <p:cNvPr id="7" name="テキスト ボックス 6">
@@ -12020,8 +12050,8 @@
           </a:p>
         </p:txBody>
       </p:sp>
-      <mc:AlternateContent xmlns:mc="http://schemas.openxmlformats.org/markup-compatibility/2006">
-        <mc:Choice xmlns:a14="http://schemas.microsoft.com/office/drawing/2010/main" Requires="a14">
+      <mc:AlternateContent xmlns:mc="http://schemas.openxmlformats.org/markup-compatibility/2006" xmlns:a14="http://schemas.microsoft.com/office/drawing/2010/main">
+        <mc:Choice Requires="a14">
           <p:sp>
             <p:nvSpPr>
               <p:cNvPr id="4" name="テキスト ボックス 3">
@@ -12252,6 +12282,7 @@
                 <a:endParaRPr lang="en-US" altLang="ja-JP" sz="2400" dirty="0"/>
               </a:p>
               <a:p>
+                <a:pPr/>
                 <a14:m>
                   <m:oMathPara xmlns:m="http://schemas.openxmlformats.org/officeDocument/2006/math">
                     <m:oMathParaPr>
@@ -12622,6 +12653,7 @@
                 <a:endParaRPr lang="en-US" altLang="ja-JP" b="0" dirty="0"/>
               </a:p>
               <a:p>
+                <a:pPr/>
                 <a14:m>
                   <m:oMathPara xmlns:m="http://schemas.openxmlformats.org/officeDocument/2006/math">
                     <m:oMathParaPr>
@@ -12881,6 +12913,7 @@
                 <a:endParaRPr kumimoji="1" lang="en-US" altLang="ja-JP" dirty="0"/>
               </a:p>
               <a:p>
+                <a:pPr/>
                 <a14:m>
                   <m:oMathPara xmlns:m="http://schemas.openxmlformats.org/officeDocument/2006/math">
                     <m:oMathParaPr>
@@ -14471,7 +14504,7 @@
             </p:txBody>
           </p:sp>
         </mc:Choice>
-        <mc:Fallback>
+        <mc:Fallback xmlns="">
           <p:sp>
             <p:nvSpPr>
               <p:cNvPr id="4" name="テキスト ボックス 3">
@@ -14610,8 +14643,8 @@
           </a:p>
         </p:txBody>
       </p:sp>
-      <mc:AlternateContent xmlns:mc="http://schemas.openxmlformats.org/markup-compatibility/2006">
-        <mc:Choice xmlns:a14="http://schemas.microsoft.com/office/drawing/2010/main" Requires="a14">
+      <mc:AlternateContent xmlns:mc="http://schemas.openxmlformats.org/markup-compatibility/2006" xmlns:a14="http://schemas.microsoft.com/office/drawing/2010/main">
+        <mc:Choice Requires="a14">
           <p:sp>
             <p:nvSpPr>
               <p:cNvPr id="5" name="テキスト ボックス 4">
@@ -16231,7 +16264,7 @@
             </p:txBody>
           </p:sp>
         </mc:Choice>
-        <mc:Fallback>
+        <mc:Fallback xmlns="">
           <p:sp>
             <p:nvSpPr>
               <p:cNvPr id="5" name="テキスト ボックス 4">
@@ -16276,8 +16309,8 @@
           </p:sp>
         </mc:Fallback>
       </mc:AlternateContent>
-      <mc:AlternateContent xmlns:mc="http://schemas.openxmlformats.org/markup-compatibility/2006">
-        <mc:Choice xmlns:a14="http://schemas.microsoft.com/office/drawing/2010/main" Requires="a14">
+      <mc:AlternateContent xmlns:mc="http://schemas.openxmlformats.org/markup-compatibility/2006" xmlns:a14="http://schemas.microsoft.com/office/drawing/2010/main">
+        <mc:Choice Requires="a14">
           <p:sp>
             <p:nvSpPr>
               <p:cNvPr id="7" name="テキスト ボックス 6">
@@ -17126,7 +17159,7 @@
             </p:txBody>
           </p:sp>
         </mc:Choice>
-        <mc:Fallback>
+        <mc:Fallback xmlns="">
           <p:sp>
             <p:nvSpPr>
               <p:cNvPr id="7" name="テキスト ボックス 6">
@@ -17572,8 +17605,8 @@
           </a:p>
         </p:txBody>
       </p:sp>
-      <mc:AlternateContent xmlns:mc="http://schemas.openxmlformats.org/markup-compatibility/2006">
-        <mc:Choice xmlns:a14="http://schemas.microsoft.com/office/drawing/2010/main" Requires="a14">
+      <mc:AlternateContent xmlns:mc="http://schemas.openxmlformats.org/markup-compatibility/2006" xmlns:a14="http://schemas.microsoft.com/office/drawing/2010/main">
+        <mc:Choice Requires="a14">
           <p:sp>
             <p:nvSpPr>
               <p:cNvPr id="6" name="テキスト ボックス 5">
@@ -17719,6 +17752,7 @@
                 <a:endParaRPr kumimoji="1" lang="en-US" altLang="ja-JP" sz="2800" dirty="0"/>
               </a:p>
               <a:p>
+                <a:pPr/>
                 <a14:m>
                   <m:oMathPara xmlns:m="http://schemas.openxmlformats.org/officeDocument/2006/math">
                     <m:oMathParaPr>
@@ -17978,6 +18012,7 @@
                 <a:endParaRPr kumimoji="1" lang="en-US" altLang="ja-JP" sz="2800" b="0" dirty="0"/>
               </a:p>
               <a:p>
+                <a:pPr/>
                 <a14:m>
                   <m:oMathPara xmlns:m="http://schemas.openxmlformats.org/officeDocument/2006/math">
                     <m:oMathParaPr>
@@ -18247,7 +18282,7 @@
             </p:txBody>
           </p:sp>
         </mc:Choice>
-        <mc:Fallback>
+        <mc:Fallback xmlns="">
           <p:sp>
             <p:nvSpPr>
               <p:cNvPr id="6" name="テキスト ボックス 5">
@@ -18292,8 +18327,8 @@
           </p:sp>
         </mc:Fallback>
       </mc:AlternateContent>
-      <mc:AlternateContent xmlns:mc="http://schemas.openxmlformats.org/markup-compatibility/2006">
-        <mc:Choice xmlns:a14="http://schemas.microsoft.com/office/drawing/2010/main" Requires="a14">
+      <mc:AlternateContent xmlns:mc="http://schemas.openxmlformats.org/markup-compatibility/2006" xmlns:a14="http://schemas.microsoft.com/office/drawing/2010/main">
+        <mc:Choice Requires="a14">
           <p:sp>
             <p:nvSpPr>
               <p:cNvPr id="7" name="テキスト ボックス 6">
@@ -18322,6 +18357,7 @@
               </a:bodyPr>
               <a:lstStyle/>
               <a:p>
+                <a:pPr/>
                 <a14:m>
                   <m:oMathPara xmlns:m="http://schemas.openxmlformats.org/officeDocument/2006/math">
                     <m:oMathParaPr>
@@ -18544,7 +18580,7 @@
             </p:txBody>
           </p:sp>
         </mc:Choice>
-        <mc:Fallback>
+        <mc:Fallback xmlns="">
           <p:sp>
             <p:nvSpPr>
               <p:cNvPr id="7" name="テキスト ボックス 6">
@@ -18723,8 +18759,8 @@
           </a:p>
         </p:txBody>
       </p:sp>
-      <mc:AlternateContent xmlns:mc="http://schemas.openxmlformats.org/markup-compatibility/2006">
-        <mc:Choice xmlns:a14="http://schemas.microsoft.com/office/drawing/2010/main" Requires="a14">
+      <mc:AlternateContent xmlns:mc="http://schemas.openxmlformats.org/markup-compatibility/2006" xmlns:a14="http://schemas.microsoft.com/office/drawing/2010/main">
+        <mc:Choice Requires="a14">
           <p:sp>
             <p:nvSpPr>
               <p:cNvPr id="4" name="テキスト ボックス 3">
@@ -18764,6 +18800,7 @@
                 </a:endParaRPr>
               </a:p>
               <a:p>
+                <a:pPr/>
                 <a14:m>
                   <m:oMathPara xmlns:m="http://schemas.openxmlformats.org/officeDocument/2006/math">
                     <m:oMathParaPr>
@@ -19104,6 +19141,7 @@
                 </a:endParaRPr>
               </a:p>
               <a:p>
+                <a:pPr/>
                 <a14:m>
                   <m:oMathPara xmlns:m="http://schemas.openxmlformats.org/officeDocument/2006/math">
                     <m:oMathParaPr>
@@ -19388,6 +19426,7 @@
                 </a:endParaRPr>
               </a:p>
               <a:p>
+                <a:pPr/>
                 <a14:m>
                   <m:oMathPara xmlns:m="http://schemas.openxmlformats.org/officeDocument/2006/math">
                     <m:oMathParaPr>
@@ -19608,6 +19647,7 @@
                 </a:endParaRPr>
               </a:p>
               <a:p>
+                <a:pPr/>
                 <a14:m>
                   <m:oMathPara xmlns:m="http://schemas.openxmlformats.org/officeDocument/2006/math">
                     <m:oMathParaPr>
@@ -19859,7 +19899,7 @@
             </p:txBody>
           </p:sp>
         </mc:Choice>
-        <mc:Fallback>
+        <mc:Fallback xmlns="">
           <p:sp>
             <p:nvSpPr>
               <p:cNvPr id="4" name="テキスト ボックス 3">
@@ -20002,8 +20042,8 @@
           </a:p>
         </p:txBody>
       </p:sp>
-      <mc:AlternateContent xmlns:mc="http://schemas.openxmlformats.org/markup-compatibility/2006">
-        <mc:Choice xmlns:a14="http://schemas.microsoft.com/office/drawing/2010/main" Requires="a14">
+      <mc:AlternateContent xmlns:mc="http://schemas.openxmlformats.org/markup-compatibility/2006" xmlns:a14="http://schemas.microsoft.com/office/drawing/2010/main">
+        <mc:Choice Requires="a14">
           <p:sp>
             <p:nvSpPr>
               <p:cNvPr id="4" name="テキスト ボックス 3">
@@ -20065,6 +20105,7 @@
                 <a:endParaRPr kumimoji="1" lang="en-US" altLang="ja-JP" sz="2800" dirty="0"/>
               </a:p>
               <a:p>
+                <a:pPr/>
                 <a14:m>
                   <m:oMathPara xmlns:m="http://schemas.openxmlformats.org/officeDocument/2006/math">
                     <m:oMathParaPr>
@@ -20320,6 +20361,7 @@
                 <a:endParaRPr lang="en-US" altLang="ja-JP" sz="2400" dirty="0"/>
               </a:p>
               <a:p>
+                <a:pPr/>
                 <a14:m>
                   <m:oMathPara xmlns:m="http://schemas.openxmlformats.org/officeDocument/2006/math">
                     <m:oMathParaPr>
@@ -20777,7 +20819,7 @@
             </p:txBody>
           </p:sp>
         </mc:Choice>
-        <mc:Fallback>
+        <mc:Fallback xmlns="">
           <p:sp>
             <p:nvSpPr>
               <p:cNvPr id="4" name="テキスト ボックス 3">
@@ -20924,8 +20966,8 @@
           </a:p>
         </p:txBody>
       </p:sp>
-      <mc:AlternateContent xmlns:mc="http://schemas.openxmlformats.org/markup-compatibility/2006">
-        <mc:Choice xmlns:a14="http://schemas.microsoft.com/office/drawing/2010/main" Requires="a14">
+      <mc:AlternateContent xmlns:mc="http://schemas.openxmlformats.org/markup-compatibility/2006" xmlns:a14="http://schemas.microsoft.com/office/drawing/2010/main">
+        <mc:Choice Requires="a14">
           <p:sp>
             <p:nvSpPr>
               <p:cNvPr id="8" name="テキスト ボックス 7">
@@ -20966,6 +21008,7 @@
                 <a:endParaRPr kumimoji="1" lang="en-US" altLang="ja-JP" sz="2800" dirty="0"/>
               </a:p>
               <a:p>
+                <a:pPr/>
                 <a14:m>
                   <m:oMathPara xmlns:m="http://schemas.openxmlformats.org/officeDocument/2006/math">
                     <m:oMathParaPr>
@@ -21225,6 +21268,7 @@
                 <a:endParaRPr kumimoji="1" lang="en-US" altLang="ja-JP" sz="2400" b="0" dirty="0"/>
               </a:p>
               <a:p>
+                <a:pPr/>
                 <a14:m>
                   <m:oMathPara xmlns:m="http://schemas.openxmlformats.org/officeDocument/2006/math">
                     <m:oMathParaPr>
@@ -21492,6 +21536,7 @@
                 <a:endParaRPr kumimoji="1" lang="en-US" altLang="ja-JP" sz="2800" dirty="0"/>
               </a:p>
               <a:p>
+                <a:pPr/>
                 <a14:m>
                   <m:oMathPara xmlns:m="http://schemas.openxmlformats.org/officeDocument/2006/math">
                     <m:oMathParaPr>
@@ -21714,7 +21759,7 @@
             </p:txBody>
           </p:sp>
         </mc:Choice>
-        <mc:Fallback>
+        <mc:Fallback xmlns="">
           <p:sp>
             <p:nvSpPr>
               <p:cNvPr id="8" name="テキスト ボックス 7">
@@ -21897,8 +21942,8 @@
           </a:p>
         </p:txBody>
       </p:sp>
-      <mc:AlternateContent xmlns:mc="http://schemas.openxmlformats.org/markup-compatibility/2006">
-        <mc:Choice xmlns:a14="http://schemas.microsoft.com/office/drawing/2010/main" Requires="a14">
+      <mc:AlternateContent xmlns:mc="http://schemas.openxmlformats.org/markup-compatibility/2006" xmlns:a14="http://schemas.microsoft.com/office/drawing/2010/main">
+        <mc:Choice Requires="a14">
           <p:sp>
             <p:nvSpPr>
               <p:cNvPr id="4" name="テキスト ボックス 3">
@@ -21935,6 +21980,7 @@
                 <a:endParaRPr lang="en-US" altLang="ja-JP" sz="2800" dirty="0"/>
               </a:p>
               <a:p>
+                <a:pPr/>
                 <a14:m>
                   <m:oMathPara xmlns:m="http://schemas.openxmlformats.org/officeDocument/2006/math">
                     <m:oMathParaPr>
@@ -22273,6 +22319,7 @@
                 <a:endParaRPr kumimoji="1" lang="en-US" altLang="ja-JP" sz="2800" dirty="0"/>
               </a:p>
               <a:p>
+                <a:pPr/>
                 <a14:m>
                   <m:oMathPara xmlns:m="http://schemas.openxmlformats.org/officeDocument/2006/math">
                     <m:oMathParaPr>
@@ -22426,7 +22473,7 @@
                       <m:f>
                         <m:fPr>
                           <m:ctrlPr>
-                            <a:rPr lang="en-US" altLang="ja-JP" sz="2800" b="0" i="0" smtClean="0">
+                            <a:rPr lang="en-US" altLang="ja-JP" sz="2800" b="0" i="1" smtClean="0">
                               <a:latin typeface="Cambria Math" panose="02040503050406030204" pitchFamily="18" charset="0"/>
                             </a:rPr>
                           </m:ctrlPr>
@@ -22435,7 +22482,7 @@
                           <m:sSub>
                             <m:sSubPr>
                               <m:ctrlPr>
-                                <a:rPr lang="en-US" altLang="ja-JP" sz="2800" b="0" i="0" smtClean="0">
+                                <a:rPr lang="en-US" altLang="ja-JP" sz="2800" b="0" i="1" smtClean="0">
                                   <a:latin typeface="Cambria Math" panose="02040503050406030204" pitchFamily="18" charset="0"/>
                                 </a:rPr>
                               </m:ctrlPr>
@@ -22540,16 +22587,7 @@
                       <a:rPr kumimoji="1" lang="en-US" altLang="ja-JP" sz="2800" b="0" i="0" smtClean="0">
                         <a:latin typeface="Cambria Math" panose="02040503050406030204" pitchFamily="18" charset="0"/>
                       </a:rPr>
-                      <m:t>Δ</m:t>
-                    </m:r>
-                    <m:r>
-                      <m:rPr>
-                        <m:sty m:val="p"/>
-                      </m:rPr>
-                      <a:rPr kumimoji="1" lang="en-US" altLang="ja-JP" sz="2800" b="0" i="0" smtClean="0">
-                        <a:latin typeface="Cambria Math" panose="02040503050406030204" pitchFamily="18" charset="0"/>
-                      </a:rPr>
-                      <m:t>i</m:t>
+                      <m:t>Δi</m:t>
                     </m:r>
                   </m:oMath>
                 </a14:m>
@@ -22564,6 +22602,7 @@
                 </a:endParaRPr>
               </a:p>
               <a:p>
+                <a:pPr/>
                 <a14:m>
                   <m:oMathPara xmlns:m="http://schemas.openxmlformats.org/officeDocument/2006/math">
                     <m:oMathParaPr>
@@ -22693,13 +22732,7 @@
                                         <a:rPr kumimoji="1" lang="en-US" altLang="ja-JP" sz="2800" b="0" i="1" smtClean="0">
                                           <a:latin typeface="Cambria Math" panose="02040503050406030204" pitchFamily="18" charset="0"/>
                                         </a:rPr>
-                                        <m:t>1</m:t>
-                                      </m:r>
-                                      <m:r>
-                                        <a:rPr kumimoji="1" lang="en-US" altLang="ja-JP" sz="2800" b="0" i="1" smtClean="0">
-                                          <a:latin typeface="Cambria Math" panose="02040503050406030204" pitchFamily="18" charset="0"/>
-                                        </a:rPr>
-                                        <m:t>−</m:t>
+                                        <m:t>1−</m:t>
                                       </m:r>
                                       <m:f>
                                         <m:fPr>
@@ -22828,7 +22861,7 @@
             </p:txBody>
           </p:sp>
         </mc:Choice>
-        <mc:Fallback>
+        <mc:Fallback xmlns="">
           <p:sp>
             <p:nvSpPr>
               <p:cNvPr id="4" name="テキスト ボックス 3">
@@ -22975,8 +23008,8 @@
           </a:p>
         </p:txBody>
       </p:sp>
-      <mc:AlternateContent xmlns:mc="http://schemas.openxmlformats.org/markup-compatibility/2006">
-        <mc:Choice xmlns:a14="http://schemas.microsoft.com/office/drawing/2010/main" Requires="a14">
+      <mc:AlternateContent xmlns:mc="http://schemas.openxmlformats.org/markup-compatibility/2006" xmlns:a14="http://schemas.microsoft.com/office/drawing/2010/main">
+        <mc:Choice Requires="a14">
           <p:sp>
             <p:nvSpPr>
               <p:cNvPr id="6" name="テキスト ボックス 5">
@@ -23037,6 +23070,7 @@
                 <a:endParaRPr kumimoji="1" lang="en-US" altLang="ja-JP" sz="2800" dirty="0"/>
               </a:p>
               <a:p>
+                <a:pPr/>
                 <a14:m>
                   <m:oMathPara xmlns:m="http://schemas.openxmlformats.org/officeDocument/2006/math">
                     <m:oMathParaPr>
@@ -23286,6 +23320,7 @@
                 <a:endParaRPr lang="en-US" altLang="ja-JP" sz="2800" dirty="0"/>
               </a:p>
               <a:p>
+                <a:pPr/>
                 <a14:m>
                   <m:oMathPara xmlns:m="http://schemas.openxmlformats.org/officeDocument/2006/math">
                     <m:oMathParaPr>
@@ -23740,7 +23775,7 @@
             </p:txBody>
           </p:sp>
         </mc:Choice>
-        <mc:Fallback>
+        <mc:Fallback xmlns="">
           <p:sp>
             <p:nvSpPr>
               <p:cNvPr id="6" name="テキスト ボックス 5">

--- a/folded_gilbert/20230710/折り返し型ギルバート乗算回路の設計.pptx
+++ b/folded_gilbert/20230710/折り返し型ギルバート乗算回路の設計.pptx
@@ -5,7 +5,7 @@
     <p:sldMasterId id="2147483648" r:id="rId1"/>
   </p:sldMasterIdLst>
   <p:notesMasterIdLst>
-    <p:notesMasterId r:id="rId16"/>
+    <p:notesMasterId r:id="rId21"/>
   </p:notesMasterIdLst>
   <p:sldIdLst>
     <p:sldId id="256" r:id="rId2"/>
@@ -22,6 +22,11 @@
     <p:sldId id="267" r:id="rId13"/>
     <p:sldId id="268" r:id="rId14"/>
     <p:sldId id="269" r:id="rId15"/>
+    <p:sldId id="270" r:id="rId16"/>
+    <p:sldId id="271" r:id="rId17"/>
+    <p:sldId id="272" r:id="rId18"/>
+    <p:sldId id="273" r:id="rId19"/>
+    <p:sldId id="274" r:id="rId20"/>
   </p:sldIdLst>
   <p:sldSz cx="12192000" cy="6858000"/>
   <p:notesSz cx="6858000" cy="9144000"/>
@@ -133,7 +138,7 @@
   <pc:docChgLst>
     <pc:chgData name="Kojima Hikaru" userId="46d0e59221d47790" providerId="LiveId" clId="{6F7E86D5-1DB5-4E6A-9CA3-2FB214EF69E4}"/>
     <pc:docChg chg="undo custSel addSld delSld modSld sldOrd">
-      <pc:chgData name="Kojima Hikaru" userId="46d0e59221d47790" providerId="LiveId" clId="{6F7E86D5-1DB5-4E6A-9CA3-2FB214EF69E4}" dt="2023-07-08T08:56:21.542" v="757" actId="20577"/>
+      <pc:chgData name="Kojima Hikaru" userId="46d0e59221d47790" providerId="LiveId" clId="{6F7E86D5-1DB5-4E6A-9CA3-2FB214EF69E4}" dt="2023-07-09T00:23:32.299" v="918" actId="732"/>
       <pc:docMkLst>
         <pc:docMk/>
       </pc:docMkLst>
@@ -243,6 +248,68 @@
           <pc:sldMk cId="3035650332" sldId="269"/>
         </pc:sldMkLst>
       </pc:sldChg>
+      <pc:sldChg chg="addSp modSp new mod">
+        <pc:chgData name="Kojima Hikaru" userId="46d0e59221d47790" providerId="LiveId" clId="{6F7E86D5-1DB5-4E6A-9CA3-2FB214EF69E4}" dt="2023-07-09T00:22:52.838" v="915"/>
+        <pc:sldMkLst>
+          <pc:docMk/>
+          <pc:sldMk cId="498527897" sldId="273"/>
+        </pc:sldMkLst>
+        <pc:spChg chg="mod">
+          <ac:chgData name="Kojima Hikaru" userId="46d0e59221d47790" providerId="LiveId" clId="{6F7E86D5-1DB5-4E6A-9CA3-2FB214EF69E4}" dt="2023-07-09T00:11:40.317" v="787"/>
+          <ac:spMkLst>
+            <pc:docMk/>
+            <pc:sldMk cId="498527897" sldId="273"/>
+            <ac:spMk id="2" creationId="{DCFA45A2-DFFF-1209-BDA3-FD5797C62835}"/>
+          </ac:spMkLst>
+        </pc:spChg>
+        <pc:spChg chg="add mod">
+          <ac:chgData name="Kojima Hikaru" userId="46d0e59221d47790" providerId="LiveId" clId="{6F7E86D5-1DB5-4E6A-9CA3-2FB214EF69E4}" dt="2023-07-09T00:22:52.838" v="915"/>
+          <ac:spMkLst>
+            <pc:docMk/>
+            <pc:sldMk cId="498527897" sldId="273"/>
+            <ac:spMk id="7" creationId="{D5764DBE-CD56-0EFD-3916-A3270FBABF28}"/>
+          </ac:spMkLst>
+        </pc:spChg>
+        <pc:graphicFrameChg chg="add mod">
+          <ac:chgData name="Kojima Hikaru" userId="46d0e59221d47790" providerId="LiveId" clId="{6F7E86D5-1DB5-4E6A-9CA3-2FB214EF69E4}" dt="2023-07-09T00:20:29.015" v="831" actId="1076"/>
+          <ac:graphicFrameMkLst>
+            <pc:docMk/>
+            <pc:sldMk cId="498527897" sldId="273"/>
+            <ac:graphicFrameMk id="6" creationId="{04B1727A-BC0F-001D-F192-ADC0DCF2C099}"/>
+          </ac:graphicFrameMkLst>
+        </pc:graphicFrameChg>
+        <pc:picChg chg="add mod">
+          <ac:chgData name="Kojima Hikaru" userId="46d0e59221d47790" providerId="LiveId" clId="{6F7E86D5-1DB5-4E6A-9CA3-2FB214EF69E4}" dt="2023-07-09T00:13:36.804" v="796" actId="1076"/>
+          <ac:picMkLst>
+            <pc:docMk/>
+            <pc:sldMk cId="498527897" sldId="273"/>
+            <ac:picMk id="5" creationId="{B9DC66E6-3D90-DEBF-A241-B1AF21B9F8D5}"/>
+          </ac:picMkLst>
+        </pc:picChg>
+      </pc:sldChg>
+      <pc:sldChg chg="addSp modSp new mod">
+        <pc:chgData name="Kojima Hikaru" userId="46d0e59221d47790" providerId="LiveId" clId="{6F7E86D5-1DB5-4E6A-9CA3-2FB214EF69E4}" dt="2023-07-09T00:23:32.299" v="918" actId="732"/>
+        <pc:sldMkLst>
+          <pc:docMk/>
+          <pc:sldMk cId="3242141799" sldId="274"/>
+        </pc:sldMkLst>
+        <pc:spChg chg="mod">
+          <ac:chgData name="Kojima Hikaru" userId="46d0e59221d47790" providerId="LiveId" clId="{6F7E86D5-1DB5-4E6A-9CA3-2FB214EF69E4}" dt="2023-07-09T00:19:32.588" v="829"/>
+          <ac:spMkLst>
+            <pc:docMk/>
+            <pc:sldMk cId="3242141799" sldId="274"/>
+            <ac:spMk id="2" creationId="{E0A8C6A8-1258-4095-56EA-CDAD3968E7D3}"/>
+          </ac:spMkLst>
+        </pc:spChg>
+        <pc:picChg chg="add mod modCrop">
+          <ac:chgData name="Kojima Hikaru" userId="46d0e59221d47790" providerId="LiveId" clId="{6F7E86D5-1DB5-4E6A-9CA3-2FB214EF69E4}" dt="2023-07-09T00:23:32.299" v="918" actId="732"/>
+          <ac:picMkLst>
+            <pc:docMk/>
+            <pc:sldMk cId="3242141799" sldId="274"/>
+            <ac:picMk id="4" creationId="{CBE5754D-924D-A958-60CE-E6FE12CD9AA2}"/>
+          </ac:picMkLst>
+        </pc:picChg>
+      </pc:sldChg>
     </pc:docChg>
   </pc:docChgLst>
 </pc:chgInfo>
@@ -330,7 +397,7 @@
           <a:p>
             <a:fld id="{B7A18E8B-30D4-4256-84DB-882D5A2C9CEC}" type="datetimeFigureOut">
               <a:rPr kumimoji="1" lang="ja-JP" altLang="en-US" smtClean="0"/>
-              <a:t>2023/7/8</a:t>
+              <a:t>2023/7/9</a:t>
             </a:fld>
             <a:endParaRPr kumimoji="1" lang="ja-JP" altLang="en-US"/>
           </a:p>
@@ -776,7 +843,7 @@
           <a:p>
             <a:fld id="{45D861AB-AFC6-4ECB-A557-58404CB5BE66}" type="datetime1">
               <a:rPr kumimoji="1" lang="ja-JP" altLang="en-US" smtClean="0"/>
-              <a:t>2023/7/8</a:t>
+              <a:t>2023/7/9</a:t>
             </a:fld>
             <a:endParaRPr kumimoji="1" lang="ja-JP" altLang="en-US"/>
           </a:p>
@@ -1006,7 +1073,7 @@
           <a:p>
             <a:fld id="{8ABF89E2-2099-478D-B96B-E032456A6B04}" type="datetime1">
               <a:rPr kumimoji="1" lang="ja-JP" altLang="en-US" smtClean="0"/>
-              <a:t>2023/7/8</a:t>
+              <a:t>2023/7/9</a:t>
             </a:fld>
             <a:endParaRPr kumimoji="1" lang="ja-JP" altLang="en-US"/>
           </a:p>
@@ -1246,7 +1313,7 @@
           <a:p>
             <a:fld id="{3C2A495E-CE7B-48CB-9DBB-F72DC6E328F8}" type="datetime1">
               <a:rPr kumimoji="1" lang="ja-JP" altLang="en-US" smtClean="0"/>
-              <a:t>2023/7/8</a:t>
+              <a:t>2023/7/9</a:t>
             </a:fld>
             <a:endParaRPr kumimoji="1" lang="ja-JP" altLang="en-US"/>
           </a:p>
@@ -1476,7 +1543,7 @@
           <a:p>
             <a:fld id="{E7D7A3FE-D7E3-41DF-912F-49AFEF78A4E5}" type="datetime1">
               <a:rPr kumimoji="1" lang="ja-JP" altLang="en-US" smtClean="0"/>
-              <a:t>2023/7/8</a:t>
+              <a:t>2023/7/9</a:t>
             </a:fld>
             <a:endParaRPr kumimoji="1" lang="ja-JP" altLang="en-US"/>
           </a:p>
@@ -1751,7 +1818,7 @@
           <a:p>
             <a:fld id="{2B086DB5-A94C-49EE-B263-CCDAFC098C82}" type="datetime1">
               <a:rPr kumimoji="1" lang="ja-JP" altLang="en-US" smtClean="0"/>
-              <a:t>2023/7/8</a:t>
+              <a:t>2023/7/9</a:t>
             </a:fld>
             <a:endParaRPr kumimoji="1" lang="ja-JP" altLang="en-US"/>
           </a:p>
@@ -2080,7 +2147,7 @@
           <a:p>
             <a:fld id="{4C42B56C-05C2-4308-B924-E975157BB2D8}" type="datetime1">
               <a:rPr kumimoji="1" lang="ja-JP" altLang="en-US" smtClean="0"/>
-              <a:t>2023/7/8</a:t>
+              <a:t>2023/7/9</a:t>
             </a:fld>
             <a:endParaRPr kumimoji="1" lang="ja-JP" altLang="en-US"/>
           </a:p>
@@ -2556,7 +2623,7 @@
           <a:p>
             <a:fld id="{90A70839-13A3-41A5-B553-8AA1A0D950E5}" type="datetime1">
               <a:rPr kumimoji="1" lang="ja-JP" altLang="en-US" smtClean="0"/>
-              <a:t>2023/7/8</a:t>
+              <a:t>2023/7/9</a:t>
             </a:fld>
             <a:endParaRPr kumimoji="1" lang="ja-JP" altLang="en-US"/>
           </a:p>
@@ -2697,7 +2764,7 @@
           <a:p>
             <a:fld id="{C05A77DF-92B2-40E8-AD73-804BBE4C145F}" type="datetime1">
               <a:rPr kumimoji="1" lang="ja-JP" altLang="en-US" smtClean="0"/>
-              <a:t>2023/7/8</a:t>
+              <a:t>2023/7/9</a:t>
             </a:fld>
             <a:endParaRPr kumimoji="1" lang="ja-JP" altLang="en-US"/>
           </a:p>
@@ -2810,7 +2877,7 @@
           <a:p>
             <a:fld id="{C3288645-811C-431B-BC50-D0D5773CD747}" type="datetime1">
               <a:rPr kumimoji="1" lang="ja-JP" altLang="en-US" smtClean="0"/>
-              <a:t>2023/7/8</a:t>
+              <a:t>2023/7/9</a:t>
             </a:fld>
             <a:endParaRPr kumimoji="1" lang="ja-JP" altLang="en-US"/>
           </a:p>
@@ -3153,7 +3220,7 @@
           <a:p>
             <a:fld id="{12E56AA4-8E2A-4AB3-BD72-43A2D06084F2}" type="datetime1">
               <a:rPr kumimoji="1" lang="ja-JP" altLang="en-US" smtClean="0"/>
-              <a:t>2023/7/8</a:t>
+              <a:t>2023/7/9</a:t>
             </a:fld>
             <a:endParaRPr kumimoji="1" lang="ja-JP" altLang="en-US"/>
           </a:p>
@@ -3441,7 +3508,7 @@
           <a:p>
             <a:fld id="{72B176E2-80FC-4587-8A86-67AA5E628781}" type="datetime1">
               <a:rPr kumimoji="1" lang="ja-JP" altLang="en-US" smtClean="0"/>
-              <a:t>2023/7/8</a:t>
+              <a:t>2023/7/9</a:t>
             </a:fld>
             <a:endParaRPr kumimoji="1" lang="ja-JP" altLang="en-US"/>
           </a:p>
@@ -3714,7 +3781,7 @@
           <a:p>
             <a:fld id="{5A1B423D-905D-4F5D-ACAA-573BDD30C9EB}" type="datetime1">
               <a:rPr kumimoji="1" lang="ja-JP" altLang="en-US" smtClean="0"/>
-              <a:t>2023/7/8</a:t>
+              <a:t>2023/7/9</a:t>
             </a:fld>
             <a:endParaRPr kumimoji="1" lang="ja-JP" altLang="en-US"/>
           </a:p>
@@ -7947,8 +8014,8 @@
           </a:p>
         </p:txBody>
       </p:sp>
-      <mc:AlternateContent xmlns:mc="http://schemas.openxmlformats.org/markup-compatibility/2006">
-        <mc:Choice xmlns:a14="http://schemas.microsoft.com/office/drawing/2010/main" Requires="a14">
+      <mc:AlternateContent xmlns:mc="http://schemas.openxmlformats.org/markup-compatibility/2006" xmlns:a14="http://schemas.microsoft.com/office/drawing/2010/main">
+        <mc:Choice Requires="a14">
           <p:sp>
             <p:nvSpPr>
               <p:cNvPr id="4" name="テキスト ボックス 3">
@@ -9144,7 +9211,7 @@
             </p:txBody>
           </p:sp>
         </mc:Choice>
-        <mc:Fallback>
+        <mc:Fallback xmlns="">
           <p:sp>
             <p:nvSpPr>
               <p:cNvPr id="4" name="テキスト ボックス 3">
@@ -9283,8 +9350,8 @@
           </a:p>
         </p:txBody>
       </p:sp>
-      <mc:AlternateContent xmlns:mc="http://schemas.openxmlformats.org/markup-compatibility/2006">
-        <mc:Choice xmlns:a14="http://schemas.microsoft.com/office/drawing/2010/main" Requires="a14">
+      <mc:AlternateContent xmlns:mc="http://schemas.openxmlformats.org/markup-compatibility/2006" xmlns:a14="http://schemas.microsoft.com/office/drawing/2010/main">
+        <mc:Choice Requires="a14">
           <p:sp>
             <p:nvSpPr>
               <p:cNvPr id="7" name="テキスト ボックス 6">
@@ -10396,6 +10463,37 @@
                             </m:r>
                           </m:sub>
                         </m:sSub>
+                        <m:r>
+                          <a:rPr lang="en-US" altLang="ja-JP" sz="2400" b="0" i="1" smtClean="0">
+                            <a:latin typeface="Cambria Math" panose="02040503050406030204" pitchFamily="18" charset="0"/>
+                          </a:rPr>
+                          <m:t>,−</m:t>
+                        </m:r>
+                        <m:sSub>
+                          <m:sSubPr>
+                            <m:ctrlPr>
+                              <a:rPr lang="en-US" altLang="ja-JP" sz="2400" b="0" i="1" smtClean="0">
+                                <a:latin typeface="Cambria Math" panose="02040503050406030204" pitchFamily="18" charset="0"/>
+                              </a:rPr>
+                            </m:ctrlPr>
+                          </m:sSubPr>
+                          <m:e>
+                            <m:r>
+                              <a:rPr lang="en-US" altLang="ja-JP" sz="2400" b="0" i="1" smtClean="0">
+                                <a:latin typeface="Cambria Math" panose="02040503050406030204" pitchFamily="18" charset="0"/>
+                              </a:rPr>
+                              <m:t>𝑉</m:t>
+                            </m:r>
+                          </m:e>
+                          <m:sub>
+                            <m:r>
+                              <a:rPr lang="en-US" altLang="ja-JP" sz="2400" b="0" i="1" smtClean="0">
+                                <a:latin typeface="Cambria Math" panose="02040503050406030204" pitchFamily="18" charset="0"/>
+                              </a:rPr>
+                              <m:t>𝐶𝑇𝑅𝐿</m:t>
+                            </m:r>
+                          </m:sub>
+                        </m:sSub>
                       </m:e>
                     </m:d>
                   </m:oMath>
@@ -10451,7 +10549,7 @@
             </p:txBody>
           </p:sp>
         </mc:Choice>
-        <mc:Fallback>
+        <mc:Fallback xmlns="">
           <p:sp>
             <p:nvSpPr>
               <p:cNvPr id="7" name="テキスト ボックス 6">
@@ -10590,8 +10688,8 @@
           </a:p>
         </p:txBody>
       </p:sp>
-      <mc:AlternateContent xmlns:mc="http://schemas.openxmlformats.org/markup-compatibility/2006">
-        <mc:Choice xmlns:a14="http://schemas.microsoft.com/office/drawing/2010/main" Requires="a14">
+      <mc:AlternateContent xmlns:mc="http://schemas.openxmlformats.org/markup-compatibility/2006" xmlns:a14="http://schemas.microsoft.com/office/drawing/2010/main">
+        <mc:Choice Requires="a14">
           <p:sp>
             <p:nvSpPr>
               <p:cNvPr id="4" name="テキスト ボックス 3">
@@ -10892,6 +10990,7 @@
                 <a:endParaRPr kumimoji="1" lang="en-US" altLang="ja-JP" sz="2400" b="0" dirty="0"/>
               </a:p>
               <a:p>
+                <a:pPr/>
                 <a14:m>
                   <m:oMathPara xmlns:m="http://schemas.openxmlformats.org/officeDocument/2006/math">
                     <m:oMathParaPr>
@@ -11364,6 +11463,7 @@
                 <a:endParaRPr kumimoji="1" lang="en-US" altLang="ja-JP" sz="2400" dirty="0"/>
               </a:p>
               <a:p>
+                <a:pPr/>
                 <a14:m>
                   <m:oMathPara xmlns:m="http://schemas.openxmlformats.org/officeDocument/2006/math">
                     <m:oMathParaPr>
@@ -11649,6 +11749,7 @@
                 <a:endParaRPr kumimoji="1" lang="en-US" altLang="ja-JP" sz="2400" b="0" dirty="0"/>
               </a:p>
               <a:p>
+                <a:pPr/>
                 <a14:m>
                   <m:oMathPara xmlns:m="http://schemas.openxmlformats.org/officeDocument/2006/math">
                     <m:oMathParaPr>
@@ -11701,6 +11802,43 @@
                               </m:r>
                             </m:sub>
                           </m:sSub>
+                          <m:r>
+                            <a:rPr kumimoji="1" lang="en-US" altLang="ja-JP" sz="2400" b="0" i="1" smtClean="0">
+                              <a:latin typeface="Cambria Math" panose="02040503050406030204" pitchFamily="18" charset="0"/>
+                            </a:rPr>
+                            <m:t>,</m:t>
+                          </m:r>
+                          <m:sSub>
+                            <m:sSubPr>
+                              <m:ctrlPr>
+                                <a:rPr kumimoji="1" lang="en-US" altLang="ja-JP" sz="2400" b="0" i="1" smtClean="0">
+                                  <a:latin typeface="Cambria Math" panose="02040503050406030204" pitchFamily="18" charset="0"/>
+                                </a:rPr>
+                              </m:ctrlPr>
+                            </m:sSubPr>
+                            <m:e>
+                              <m:r>
+                                <a:rPr kumimoji="1" lang="en-US" altLang="ja-JP" sz="2400" b="0" i="1" smtClean="0">
+                                  <a:latin typeface="Cambria Math" panose="02040503050406030204" pitchFamily="18" charset="0"/>
+                                </a:rPr>
+                                <m:t>−</m:t>
+                              </m:r>
+                              <m:r>
+                                <a:rPr kumimoji="1" lang="en-US" altLang="ja-JP" sz="2400" b="0" i="1" smtClean="0">
+                                  <a:latin typeface="Cambria Math" panose="02040503050406030204" pitchFamily="18" charset="0"/>
+                                </a:rPr>
+                                <m:t>𝑉</m:t>
+                              </m:r>
+                            </m:e>
+                            <m:sub>
+                              <m:r>
+                                <a:rPr kumimoji="1" lang="en-US" altLang="ja-JP" sz="2400" b="0" i="1" smtClean="0">
+                                  <a:latin typeface="Cambria Math" panose="02040503050406030204" pitchFamily="18" charset="0"/>
+                                </a:rPr>
+                                <m:t>𝐶𝑇𝑅𝐿</m:t>
+                              </m:r>
+                            </m:sub>
+                          </m:sSub>
                         </m:e>
                       </m:d>
                       <m:r>
@@ -11719,10 +11857,16 @@
                         </m:fPr>
                         <m:num>
                           <m:r>
+                            <a:rPr lang="en-US" altLang="ja-JP" sz="2400" b="0" i="1" smtClean="0">
+                              <a:latin typeface="Cambria Math" panose="02040503050406030204" pitchFamily="18" charset="0"/>
+                            </a:rPr>
+                            <m:t>𝜕</m:t>
+                          </m:r>
+                          <m:r>
                             <a:rPr lang="en-US" altLang="ja-JP" sz="2400" i="1">
                               <a:latin typeface="Cambria Math" panose="02040503050406030204" pitchFamily="18" charset="0"/>
                             </a:rPr>
-                            <m:t>𝑑h</m:t>
+                            <m:t>h</m:t>
                           </m:r>
                           <m:d>
                             <m:dPr>
@@ -11733,28 +11877,34 @@
                               </m:ctrlPr>
                             </m:dPr>
                             <m:e>
+                              <m:r>
+                                <a:rPr lang="en-US" altLang="ja-JP" sz="2400" b="0" i="1" smtClean="0">
+                                  <a:latin typeface="Cambria Math" panose="02040503050406030204" pitchFamily="18" charset="0"/>
+                                </a:rPr>
+                                <m:t>0,−</m:t>
+                              </m:r>
                               <m:sSub>
                                 <m:sSubPr>
                                   <m:ctrlPr>
-                                    <a:rPr lang="en-US" altLang="ja-JP" sz="2400" i="1">
+                                    <a:rPr lang="en-US" altLang="ja-JP" sz="2400" b="0" i="1" smtClean="0">
                                       <a:latin typeface="Cambria Math" panose="02040503050406030204" pitchFamily="18" charset="0"/>
                                     </a:rPr>
                                   </m:ctrlPr>
                                 </m:sSubPr>
                                 <m:e>
                                   <m:r>
-                                    <a:rPr lang="en-US" altLang="ja-JP" sz="2400" i="1">
+                                    <a:rPr lang="en-US" altLang="ja-JP" sz="2400" b="0" i="1" smtClean="0">
                                       <a:latin typeface="Cambria Math" panose="02040503050406030204" pitchFamily="18" charset="0"/>
                                     </a:rPr>
-                                    <m:t>𝑣</m:t>
+                                    <m:t>𝑉</m:t>
                                   </m:r>
                                 </m:e>
                                 <m:sub>
                                   <m:r>
-                                    <a:rPr lang="en-US" altLang="ja-JP" sz="2400" i="1">
+                                    <a:rPr lang="en-US" altLang="ja-JP" sz="2400" b="0" i="1" smtClean="0">
                                       <a:latin typeface="Cambria Math" panose="02040503050406030204" pitchFamily="18" charset="0"/>
                                     </a:rPr>
-                                    <m:t>𝑖𝑛</m:t>
+                                    <m:t>𝐶𝑇𝑅𝐿</m:t>
                                   </m:r>
                                 </m:sub>
                               </m:sSub>
@@ -11763,10 +11913,10 @@
                         </m:num>
                         <m:den>
                           <m:r>
-                            <a:rPr lang="en-US" altLang="ja-JP" sz="2400" i="1">
-                              <a:latin typeface="Cambria Math" panose="02040503050406030204" pitchFamily="18" charset="0"/>
-                            </a:rPr>
-                            <m:t>𝑑</m:t>
+                            <a:rPr lang="en-US" altLang="ja-JP" sz="2400" b="0" i="1" smtClean="0">
+                              <a:latin typeface="Cambria Math" panose="02040503050406030204" pitchFamily="18" charset="0"/>
+                            </a:rPr>
+                            <m:t>𝜕</m:t>
                           </m:r>
                           <m:sSub>
                             <m:sSubPr>
@@ -11851,8 +12001,33 @@
                             <a:rPr lang="en-US" altLang="ja-JP" sz="2400" b="0" i="1" smtClean="0">
                               <a:latin typeface="Cambria Math" panose="02040503050406030204" pitchFamily="18" charset="0"/>
                             </a:rPr>
-                            <m:t>0</m:t>
-                          </m:r>
+                            <m:t>0,−</m:t>
+                          </m:r>
+                          <m:sSub>
+                            <m:sSubPr>
+                              <m:ctrlPr>
+                                <a:rPr lang="en-US" altLang="ja-JP" sz="2400" b="0" i="1" smtClean="0">
+                                  <a:latin typeface="Cambria Math" panose="02040503050406030204" pitchFamily="18" charset="0"/>
+                                </a:rPr>
+                              </m:ctrlPr>
+                            </m:sSubPr>
+                            <m:e>
+                              <m:r>
+                                <a:rPr lang="en-US" altLang="ja-JP" sz="2400" b="0" i="1" smtClean="0">
+                                  <a:latin typeface="Cambria Math" panose="02040503050406030204" pitchFamily="18" charset="0"/>
+                                </a:rPr>
+                                <m:t>𝑉</m:t>
+                              </m:r>
+                            </m:e>
+                            <m:sub>
+                              <m:r>
+                                <a:rPr lang="en-US" altLang="ja-JP" sz="2400" b="0" i="1" smtClean="0">
+                                  <a:latin typeface="Cambria Math" panose="02040503050406030204" pitchFamily="18" charset="0"/>
+                                </a:rPr>
+                                <m:t>𝐶𝑇𝑅𝐿</m:t>
+                              </m:r>
+                            </m:sub>
+                          </m:sSub>
                         </m:e>
                       </m:d>
                     </m:oMath>
@@ -11861,6 +12036,7 @@
                 <a:endParaRPr lang="en-US" altLang="ja-JP" sz="2400" b="0" dirty="0"/>
               </a:p>
               <a:p>
+                <a:pPr/>
                 <a14:m>
                   <m:oMathPara xmlns:m="http://schemas.openxmlformats.org/officeDocument/2006/math">
                     <m:oMathParaPr>
@@ -12415,7 +12591,7 @@
             </p:txBody>
           </p:sp>
         </mc:Choice>
-        <mc:Fallback>
+        <mc:Fallback xmlns="">
           <p:sp>
             <p:nvSpPr>
               <p:cNvPr id="4" name="テキスト ボックス 3">
@@ -12550,7 +12726,7 @@
               <a:rPr kumimoji="1" lang="ja-JP" altLang="en-US" smtClean="0"/>
               <a:t>14</a:t>
             </a:fld>
-            <a:endParaRPr kumimoji="1" lang="ja-JP" altLang="en-US"/>
+            <a:endParaRPr kumimoji="1" lang="ja-JP" altLang="en-US" dirty="0"/>
           </a:p>
         </p:txBody>
       </p:sp>
@@ -12590,8 +12766,8 @@
           </a:prstGeom>
         </p:spPr>
       </p:pic>
-      <mc:AlternateContent xmlns:mc="http://schemas.openxmlformats.org/markup-compatibility/2006">
-        <mc:Choice xmlns:a14="http://schemas.microsoft.com/office/drawing/2010/main" Requires="a14">
+      <mc:AlternateContent xmlns:mc="http://schemas.openxmlformats.org/markup-compatibility/2006" xmlns:a14="http://schemas.microsoft.com/office/drawing/2010/main">
+        <mc:Choice Requires="a14">
           <p:sp>
             <p:nvSpPr>
               <p:cNvPr id="5" name="テキスト ボックス 4">
@@ -13164,7 +13340,7 @@
             </p:txBody>
           </p:sp>
         </mc:Choice>
-        <mc:Fallback>
+        <mc:Fallback xmlns="">
           <p:sp>
             <p:nvSpPr>
               <p:cNvPr id="5" name="テキスト ボックス 4">
@@ -13209,8 +13385,8 @@
           </p:sp>
         </mc:Fallback>
       </mc:AlternateContent>
-      <mc:AlternateContent xmlns:mc="http://schemas.openxmlformats.org/markup-compatibility/2006">
-        <mc:Choice xmlns:a14="http://schemas.microsoft.com/office/drawing/2010/main" Requires="a14">
+      <mc:AlternateContent xmlns:mc="http://schemas.openxmlformats.org/markup-compatibility/2006" xmlns:a14="http://schemas.microsoft.com/office/drawing/2010/main">
+        <mc:Choice Requires="a14">
           <p:sp>
             <p:nvSpPr>
               <p:cNvPr id="6" name="テキスト ボックス 5">
@@ -13225,8 +13401,8 @@
             </p:nvSpPr>
             <p:spPr>
               <a:xfrm>
-                <a:off x="8568813" y="4552336"/>
-                <a:ext cx="2418735" cy="461665"/>
+                <a:off x="8084719" y="4548915"/>
+                <a:ext cx="3485535" cy="1569660"/>
               </a:xfrm>
               <a:prstGeom prst="rect">
                 <a:avLst/>
@@ -13283,6 +13459,470 @@
                         </a:rPr>
                         <m:t>=</m:t>
                       </m:r>
+                      <m:r>
+                        <a:rPr kumimoji="1" lang="en-US" altLang="ja-JP" sz="2400" b="0" i="1" smtClean="0">
+                          <a:latin typeface="Cambria Math" panose="02040503050406030204" pitchFamily="18" charset="0"/>
+                        </a:rPr>
+                        <m:t>h</m:t>
+                      </m:r>
+                      <m:r>
+                        <a:rPr kumimoji="1" lang="en-US" altLang="ja-JP" sz="2400" b="0" i="1" smtClean="0">
+                          <a:latin typeface="Cambria Math" panose="02040503050406030204" pitchFamily="18" charset="0"/>
+                        </a:rPr>
+                        <m:t>(</m:t>
+                      </m:r>
+                      <m:sSub>
+                        <m:sSubPr>
+                          <m:ctrlPr>
+                            <a:rPr kumimoji="1" lang="en-US" altLang="ja-JP" sz="2400" b="0" i="1" smtClean="0">
+                              <a:latin typeface="Cambria Math" panose="02040503050406030204" pitchFamily="18" charset="0"/>
+                            </a:rPr>
+                          </m:ctrlPr>
+                        </m:sSubPr>
+                        <m:e>
+                          <m:r>
+                            <a:rPr kumimoji="1" lang="en-US" altLang="ja-JP" sz="2400" b="0" i="1" smtClean="0">
+                              <a:latin typeface="Cambria Math" panose="02040503050406030204" pitchFamily="18" charset="0"/>
+                            </a:rPr>
+                            <m:t>+</m:t>
+                          </m:r>
+                          <m:r>
+                            <a:rPr kumimoji="1" lang="en-US" altLang="ja-JP" sz="2400" b="0" i="1" smtClean="0">
+                              <a:latin typeface="Cambria Math" panose="02040503050406030204" pitchFamily="18" charset="0"/>
+                            </a:rPr>
+                            <m:t>𝑣</m:t>
+                          </m:r>
+                        </m:e>
+                        <m:sub>
+                          <m:r>
+                            <a:rPr kumimoji="1" lang="en-US" altLang="ja-JP" sz="2400" b="0" i="1" smtClean="0">
+                              <a:latin typeface="Cambria Math" panose="02040503050406030204" pitchFamily="18" charset="0"/>
+                            </a:rPr>
+                            <m:t>𝑖𝑛</m:t>
+                          </m:r>
+                        </m:sub>
+                      </m:sSub>
+                      <m:r>
+                        <a:rPr kumimoji="1" lang="en-US" altLang="ja-JP" sz="2400" b="0" i="1" smtClean="0">
+                          <a:latin typeface="Cambria Math" panose="02040503050406030204" pitchFamily="18" charset="0"/>
+                        </a:rPr>
+                        <m:t>,−</m:t>
+                      </m:r>
+                      <m:sSub>
+                        <m:sSubPr>
+                          <m:ctrlPr>
+                            <a:rPr kumimoji="1" lang="en-US" altLang="ja-JP" sz="2400" b="0" i="1" smtClean="0">
+                              <a:latin typeface="Cambria Math" panose="02040503050406030204" pitchFamily="18" charset="0"/>
+                            </a:rPr>
+                          </m:ctrlPr>
+                        </m:sSubPr>
+                        <m:e>
+                          <m:r>
+                            <a:rPr kumimoji="1" lang="en-US" altLang="ja-JP" sz="2400" b="0" i="1" smtClean="0">
+                              <a:latin typeface="Cambria Math" panose="02040503050406030204" pitchFamily="18" charset="0"/>
+                            </a:rPr>
+                            <m:t>𝑉</m:t>
+                          </m:r>
+                        </m:e>
+                        <m:sub>
+                          <m:r>
+                            <a:rPr kumimoji="1" lang="en-US" altLang="ja-JP" sz="2400" b="0" i="1" smtClean="0">
+                              <a:latin typeface="Cambria Math" panose="02040503050406030204" pitchFamily="18" charset="0"/>
+                            </a:rPr>
+                            <m:t>𝐶𝑇𝑅𝐿</m:t>
+                          </m:r>
+                        </m:sub>
+                      </m:sSub>
+                      <m:r>
+                        <a:rPr kumimoji="1" lang="en-US" altLang="ja-JP" sz="2400" b="0" i="1" smtClean="0">
+                          <a:latin typeface="Cambria Math" panose="02040503050406030204" pitchFamily="18" charset="0"/>
+                        </a:rPr>
+                        <m:t>)</m:t>
+                      </m:r>
+                    </m:oMath>
+                  </m:oMathPara>
+                </a14:m>
+                <a:endParaRPr kumimoji="1" lang="en-US" altLang="ja-JP" sz="2400" b="0" dirty="0"/>
+              </a:p>
+              <a:p>
+                <a:pPr algn="l"/>
+                <a14:m>
+                  <m:oMathPara xmlns:m="http://schemas.openxmlformats.org/officeDocument/2006/math">
+                    <m:oMathParaPr>
+                      <m:jc m:val="centerGroup"/>
+                    </m:oMathParaPr>
+                    <m:oMath xmlns:m="http://schemas.openxmlformats.org/officeDocument/2006/math">
+                      <m:sSub>
+                        <m:sSubPr>
+                          <m:ctrlPr>
+                            <a:rPr kumimoji="1" lang="en-US" altLang="ja-JP" sz="2400" b="0" i="1" smtClean="0">
+                              <a:latin typeface="Cambria Math" panose="02040503050406030204" pitchFamily="18" charset="0"/>
+                            </a:rPr>
+                          </m:ctrlPr>
+                        </m:sSubPr>
+                        <m:e>
+                          <m:r>
+                            <a:rPr kumimoji="1" lang="en-US" altLang="ja-JP" sz="2400" b="0" i="1" smtClean="0">
+                              <a:latin typeface="Cambria Math" panose="02040503050406030204" pitchFamily="18" charset="0"/>
+                            </a:rPr>
+                            <m:t>𝑖</m:t>
+                          </m:r>
+                        </m:e>
+                        <m:sub>
+                          <m:r>
+                            <a:rPr kumimoji="1" lang="en-US" altLang="ja-JP" sz="2400" b="0" i="1" smtClean="0">
+                              <a:latin typeface="Cambria Math" panose="02040503050406030204" pitchFamily="18" charset="0"/>
+                            </a:rPr>
+                            <m:t>𝐴</m:t>
+                          </m:r>
+                          <m:r>
+                            <a:rPr kumimoji="1" lang="en-US" altLang="ja-JP" sz="2400" b="0" i="1" smtClean="0">
+                              <a:latin typeface="Cambria Math" panose="02040503050406030204" pitchFamily="18" charset="0"/>
+                            </a:rPr>
+                            <m:t>2</m:t>
+                          </m:r>
+                        </m:sub>
+                      </m:sSub>
+                      <m:r>
+                        <a:rPr kumimoji="1" lang="en-US" altLang="ja-JP" sz="2400" b="0" i="1" smtClean="0">
+                          <a:latin typeface="Cambria Math" panose="02040503050406030204" pitchFamily="18" charset="0"/>
+                        </a:rPr>
+                        <m:t>=</m:t>
+                      </m:r>
+                      <m:r>
+                        <a:rPr kumimoji="1" lang="en-US" altLang="ja-JP" sz="2400" b="0" i="1" smtClean="0">
+                          <a:latin typeface="Cambria Math" panose="02040503050406030204" pitchFamily="18" charset="0"/>
+                        </a:rPr>
+                        <m:t>h</m:t>
+                      </m:r>
+                      <m:r>
+                        <a:rPr kumimoji="1" lang="en-US" altLang="ja-JP" sz="2400" b="0" i="1" smtClean="0">
+                          <a:latin typeface="Cambria Math" panose="02040503050406030204" pitchFamily="18" charset="0"/>
+                        </a:rPr>
+                        <m:t>(+</m:t>
+                      </m:r>
+                      <m:sSub>
+                        <m:sSubPr>
+                          <m:ctrlPr>
+                            <a:rPr kumimoji="1" lang="en-US" altLang="ja-JP" sz="2400" b="0" i="1" smtClean="0">
+                              <a:latin typeface="Cambria Math" panose="02040503050406030204" pitchFamily="18" charset="0"/>
+                            </a:rPr>
+                          </m:ctrlPr>
+                        </m:sSubPr>
+                        <m:e>
+                          <m:r>
+                            <a:rPr kumimoji="1" lang="en-US" altLang="ja-JP" sz="2400" b="0" i="1" smtClean="0">
+                              <a:latin typeface="Cambria Math" panose="02040503050406030204" pitchFamily="18" charset="0"/>
+                            </a:rPr>
+                            <m:t>𝑣</m:t>
+                          </m:r>
+                        </m:e>
+                        <m:sub>
+                          <m:r>
+                            <a:rPr kumimoji="1" lang="en-US" altLang="ja-JP" sz="2400" b="0" i="1" smtClean="0">
+                              <a:latin typeface="Cambria Math" panose="02040503050406030204" pitchFamily="18" charset="0"/>
+                            </a:rPr>
+                            <m:t>𝑖𝑛</m:t>
+                          </m:r>
+                        </m:sub>
+                      </m:sSub>
+                      <m:r>
+                        <a:rPr kumimoji="1" lang="en-US" altLang="ja-JP" sz="2400" b="0" i="1" smtClean="0">
+                          <a:latin typeface="Cambria Math" panose="02040503050406030204" pitchFamily="18" charset="0"/>
+                        </a:rPr>
+                        <m:t>,+</m:t>
+                      </m:r>
+                      <m:sSub>
+                        <m:sSubPr>
+                          <m:ctrlPr>
+                            <a:rPr kumimoji="1" lang="en-US" altLang="ja-JP" sz="2400" b="0" i="1" smtClean="0">
+                              <a:latin typeface="Cambria Math" panose="02040503050406030204" pitchFamily="18" charset="0"/>
+                            </a:rPr>
+                          </m:ctrlPr>
+                        </m:sSubPr>
+                        <m:e>
+                          <m:r>
+                            <a:rPr kumimoji="1" lang="en-US" altLang="ja-JP" sz="2400" b="0" i="1" smtClean="0">
+                              <a:latin typeface="Cambria Math" panose="02040503050406030204" pitchFamily="18" charset="0"/>
+                            </a:rPr>
+                            <m:t>𝑉</m:t>
+                          </m:r>
+                        </m:e>
+                        <m:sub>
+                          <m:r>
+                            <a:rPr kumimoji="1" lang="en-US" altLang="ja-JP" sz="2400" b="0" i="1" smtClean="0">
+                              <a:latin typeface="Cambria Math" panose="02040503050406030204" pitchFamily="18" charset="0"/>
+                            </a:rPr>
+                            <m:t>𝐶𝑇𝑅𝐿</m:t>
+                          </m:r>
+                        </m:sub>
+                      </m:sSub>
+                      <m:r>
+                        <a:rPr kumimoji="1" lang="en-US" altLang="ja-JP" sz="2400" b="0" i="1" smtClean="0">
+                          <a:latin typeface="Cambria Math" panose="02040503050406030204" pitchFamily="18" charset="0"/>
+                        </a:rPr>
+                        <m:t>)</m:t>
+                      </m:r>
+                    </m:oMath>
+                  </m:oMathPara>
+                </a14:m>
+                <a:endParaRPr lang="en-US" altLang="ja-JP" sz="2400" dirty="0"/>
+              </a:p>
+              <a:p>
+                <a:pPr algn="l"/>
+                <a14:m>
+                  <m:oMathPara xmlns:m="http://schemas.openxmlformats.org/officeDocument/2006/math">
+                    <m:oMathParaPr>
+                      <m:jc m:val="centerGroup"/>
+                    </m:oMathParaPr>
+                    <m:oMath xmlns:m="http://schemas.openxmlformats.org/officeDocument/2006/math">
+                      <m:sSub>
+                        <m:sSubPr>
+                          <m:ctrlPr>
+                            <a:rPr kumimoji="1" lang="en-US" altLang="ja-JP" sz="2400" b="0" i="1" smtClean="0">
+                              <a:latin typeface="Cambria Math" panose="02040503050406030204" pitchFamily="18" charset="0"/>
+                            </a:rPr>
+                          </m:ctrlPr>
+                        </m:sSubPr>
+                        <m:e>
+                          <m:r>
+                            <a:rPr kumimoji="1" lang="en-US" altLang="ja-JP" sz="2400" b="0" i="1" smtClean="0">
+                              <a:latin typeface="Cambria Math" panose="02040503050406030204" pitchFamily="18" charset="0"/>
+                            </a:rPr>
+                            <m:t>𝑖</m:t>
+                          </m:r>
+                        </m:e>
+                        <m:sub>
+                          <m:r>
+                            <a:rPr kumimoji="1" lang="en-US" altLang="ja-JP" sz="2400" b="0" i="1" smtClean="0">
+                              <a:latin typeface="Cambria Math" panose="02040503050406030204" pitchFamily="18" charset="0"/>
+                            </a:rPr>
+                            <m:t>𝐴</m:t>
+                          </m:r>
+                          <m:r>
+                            <a:rPr kumimoji="1" lang="en-US" altLang="ja-JP" sz="2400" b="0" i="1" smtClean="0">
+                              <a:latin typeface="Cambria Math" panose="02040503050406030204" pitchFamily="18" charset="0"/>
+                            </a:rPr>
+                            <m:t>3</m:t>
+                          </m:r>
+                        </m:sub>
+                      </m:sSub>
+                      <m:r>
+                        <a:rPr kumimoji="1" lang="en-US" altLang="ja-JP" sz="2400" b="0" i="1" smtClean="0">
+                          <a:latin typeface="Cambria Math" panose="02040503050406030204" pitchFamily="18" charset="0"/>
+                        </a:rPr>
+                        <m:t>=</m:t>
+                      </m:r>
+                      <m:r>
+                        <a:rPr kumimoji="1" lang="en-US" altLang="ja-JP" sz="2400" b="0" i="1" smtClean="0">
+                          <a:latin typeface="Cambria Math" panose="02040503050406030204" pitchFamily="18" charset="0"/>
+                        </a:rPr>
+                        <m:t>h</m:t>
+                      </m:r>
+                      <m:r>
+                        <a:rPr kumimoji="1" lang="en-US" altLang="ja-JP" sz="2400" b="0" i="1" smtClean="0">
+                          <a:latin typeface="Cambria Math" panose="02040503050406030204" pitchFamily="18" charset="0"/>
+                        </a:rPr>
+                        <m:t>(</m:t>
+                      </m:r>
+                      <m:sSub>
+                        <m:sSubPr>
+                          <m:ctrlPr>
+                            <a:rPr kumimoji="1" lang="en-US" altLang="ja-JP" sz="2400" b="0" i="1" smtClean="0">
+                              <a:latin typeface="Cambria Math" panose="02040503050406030204" pitchFamily="18" charset="0"/>
+                            </a:rPr>
+                          </m:ctrlPr>
+                        </m:sSubPr>
+                        <m:e>
+                          <m:r>
+                            <a:rPr kumimoji="1" lang="en-US" altLang="ja-JP" sz="2400" b="0" i="1" smtClean="0">
+                              <a:latin typeface="Cambria Math" panose="02040503050406030204" pitchFamily="18" charset="0"/>
+                            </a:rPr>
+                            <m:t>−</m:t>
+                          </m:r>
+                          <m:r>
+                            <a:rPr kumimoji="1" lang="en-US" altLang="ja-JP" sz="2400" b="0" i="1" smtClean="0">
+                              <a:latin typeface="Cambria Math" panose="02040503050406030204" pitchFamily="18" charset="0"/>
+                            </a:rPr>
+                            <m:t>𝑣</m:t>
+                          </m:r>
+                        </m:e>
+                        <m:sub>
+                          <m:r>
+                            <a:rPr kumimoji="1" lang="en-US" altLang="ja-JP" sz="2400" b="0" i="1" smtClean="0">
+                              <a:latin typeface="Cambria Math" panose="02040503050406030204" pitchFamily="18" charset="0"/>
+                            </a:rPr>
+                            <m:t>𝑖𝑛</m:t>
+                          </m:r>
+                        </m:sub>
+                      </m:sSub>
+                      <m:r>
+                        <a:rPr kumimoji="1" lang="en-US" altLang="ja-JP" sz="2400" b="0" i="1" smtClean="0">
+                          <a:latin typeface="Cambria Math" panose="02040503050406030204" pitchFamily="18" charset="0"/>
+                        </a:rPr>
+                        <m:t>,+</m:t>
+                      </m:r>
+                      <m:sSub>
+                        <m:sSubPr>
+                          <m:ctrlPr>
+                            <a:rPr kumimoji="1" lang="en-US" altLang="ja-JP" sz="2400" b="0" i="1" smtClean="0">
+                              <a:latin typeface="Cambria Math" panose="02040503050406030204" pitchFamily="18" charset="0"/>
+                            </a:rPr>
+                          </m:ctrlPr>
+                        </m:sSubPr>
+                        <m:e>
+                          <m:r>
+                            <a:rPr kumimoji="1" lang="en-US" altLang="ja-JP" sz="2400" b="0" i="1" smtClean="0">
+                              <a:latin typeface="Cambria Math" panose="02040503050406030204" pitchFamily="18" charset="0"/>
+                            </a:rPr>
+                            <m:t>𝑉</m:t>
+                          </m:r>
+                        </m:e>
+                        <m:sub>
+                          <m:r>
+                            <a:rPr kumimoji="1" lang="en-US" altLang="ja-JP" sz="2400" b="0" i="1" smtClean="0">
+                              <a:latin typeface="Cambria Math" panose="02040503050406030204" pitchFamily="18" charset="0"/>
+                            </a:rPr>
+                            <m:t>𝐶𝑇𝑅𝐿</m:t>
+                          </m:r>
+                        </m:sub>
+                      </m:sSub>
+                      <m:r>
+                        <a:rPr kumimoji="1" lang="en-US" altLang="ja-JP" sz="2400" b="0" i="1" smtClean="0">
+                          <a:latin typeface="Cambria Math" panose="02040503050406030204" pitchFamily="18" charset="0"/>
+                        </a:rPr>
+                        <m:t>)</m:t>
+                      </m:r>
+                    </m:oMath>
+                  </m:oMathPara>
+                </a14:m>
+                <a:endParaRPr kumimoji="1" lang="en-US" altLang="ja-JP" sz="2400" b="0" dirty="0"/>
+              </a:p>
+              <a:p>
+                <a:pPr algn="l"/>
+                <a14:m>
+                  <m:oMathPara xmlns:m="http://schemas.openxmlformats.org/officeDocument/2006/math">
+                    <m:oMathParaPr>
+                      <m:jc m:val="centerGroup"/>
+                    </m:oMathParaPr>
+                    <m:oMath xmlns:m="http://schemas.openxmlformats.org/officeDocument/2006/math">
+                      <m:sSub>
+                        <m:sSubPr>
+                          <m:ctrlPr>
+                            <a:rPr kumimoji="1" lang="en-US" altLang="ja-JP" sz="2400" b="0" i="1" smtClean="0">
+                              <a:latin typeface="Cambria Math" panose="02040503050406030204" pitchFamily="18" charset="0"/>
+                            </a:rPr>
+                          </m:ctrlPr>
+                        </m:sSubPr>
+                        <m:e>
+                          <m:r>
+                            <a:rPr kumimoji="1" lang="en-US" altLang="ja-JP" sz="2400" b="0" i="1" smtClean="0">
+                              <a:latin typeface="Cambria Math" panose="02040503050406030204" pitchFamily="18" charset="0"/>
+                            </a:rPr>
+                            <m:t>𝑖</m:t>
+                          </m:r>
+                        </m:e>
+                        <m:sub>
+                          <m:r>
+                            <a:rPr kumimoji="1" lang="en-US" altLang="ja-JP" sz="2400" b="0" i="1" smtClean="0">
+                              <a:latin typeface="Cambria Math" panose="02040503050406030204" pitchFamily="18" charset="0"/>
+                            </a:rPr>
+                            <m:t>𝐴</m:t>
+                          </m:r>
+                          <m:r>
+                            <a:rPr kumimoji="1" lang="en-US" altLang="ja-JP" sz="2400" b="0" i="1" smtClean="0">
+                              <a:latin typeface="Cambria Math" panose="02040503050406030204" pitchFamily="18" charset="0"/>
+                            </a:rPr>
+                            <m:t>4</m:t>
+                          </m:r>
+                        </m:sub>
+                      </m:sSub>
+                      <m:r>
+                        <a:rPr kumimoji="1" lang="en-US" altLang="ja-JP" sz="2400" b="0" i="1" smtClean="0">
+                          <a:latin typeface="Cambria Math" panose="02040503050406030204" pitchFamily="18" charset="0"/>
+                        </a:rPr>
+                        <m:t>=</m:t>
+                      </m:r>
+                      <m:r>
+                        <a:rPr kumimoji="1" lang="en-US" altLang="ja-JP" sz="2400" b="0" i="1" smtClean="0">
+                          <a:latin typeface="Cambria Math" panose="02040503050406030204" pitchFamily="18" charset="0"/>
+                        </a:rPr>
+                        <m:t>h</m:t>
+                      </m:r>
+                      <m:r>
+                        <a:rPr kumimoji="1" lang="en-US" altLang="ja-JP" sz="2400" b="0" i="1" smtClean="0">
+                          <a:latin typeface="Cambria Math" panose="02040503050406030204" pitchFamily="18" charset="0"/>
+                        </a:rPr>
+                        <m:t>(</m:t>
+                      </m:r>
+                      <m:sSub>
+                        <m:sSubPr>
+                          <m:ctrlPr>
+                            <a:rPr kumimoji="1" lang="en-US" altLang="ja-JP" sz="2400" b="0" i="1" smtClean="0">
+                              <a:latin typeface="Cambria Math" panose="02040503050406030204" pitchFamily="18" charset="0"/>
+                            </a:rPr>
+                          </m:ctrlPr>
+                        </m:sSubPr>
+                        <m:e>
+                          <m:r>
+                            <a:rPr kumimoji="1" lang="en-US" altLang="ja-JP" sz="2400" b="0" i="1" smtClean="0">
+                              <a:latin typeface="Cambria Math" panose="02040503050406030204" pitchFamily="18" charset="0"/>
+                            </a:rPr>
+                            <m:t>−</m:t>
+                          </m:r>
+                          <m:r>
+                            <a:rPr kumimoji="1" lang="en-US" altLang="ja-JP" sz="2400" b="0" i="1" smtClean="0">
+                              <a:latin typeface="Cambria Math" panose="02040503050406030204" pitchFamily="18" charset="0"/>
+                            </a:rPr>
+                            <m:t>𝑣</m:t>
+                          </m:r>
+                        </m:e>
+                        <m:sub>
+                          <m:r>
+                            <a:rPr kumimoji="1" lang="en-US" altLang="ja-JP" sz="2400" b="0" i="1" smtClean="0">
+                              <a:latin typeface="Cambria Math" panose="02040503050406030204" pitchFamily="18" charset="0"/>
+                            </a:rPr>
+                            <m:t>𝑖𝑛</m:t>
+                          </m:r>
+                        </m:sub>
+                      </m:sSub>
+                      <m:r>
+                        <a:rPr kumimoji="1" lang="en-US" altLang="ja-JP" sz="2400" b="0" i="1" smtClean="0">
+                          <a:latin typeface="Cambria Math" panose="02040503050406030204" pitchFamily="18" charset="0"/>
+                        </a:rPr>
+                        <m:t>,−</m:t>
+                      </m:r>
+                      <m:sSub>
+                        <m:sSubPr>
+                          <m:ctrlPr>
+                            <a:rPr kumimoji="1" lang="en-US" altLang="ja-JP" sz="2400" b="0" i="1" smtClean="0">
+                              <a:latin typeface="Cambria Math" panose="02040503050406030204" pitchFamily="18" charset="0"/>
+                            </a:rPr>
+                          </m:ctrlPr>
+                        </m:sSubPr>
+                        <m:e>
+                          <m:r>
+                            <a:rPr kumimoji="1" lang="en-US" altLang="ja-JP" sz="2400" b="0" i="1" smtClean="0">
+                              <a:latin typeface="Cambria Math" panose="02040503050406030204" pitchFamily="18" charset="0"/>
+                            </a:rPr>
+                            <m:t>𝑉</m:t>
+                          </m:r>
+                        </m:e>
+                        <m:sub>
+                          <m:r>
+                            <a:rPr kumimoji="1" lang="en-US" altLang="ja-JP" sz="2400" b="0" i="1" smtClean="0">
+                              <a:latin typeface="Cambria Math" panose="02040503050406030204" pitchFamily="18" charset="0"/>
+                            </a:rPr>
+                            <m:t>𝐶𝑇𝑅𝐿</m:t>
+                          </m:r>
+                        </m:sub>
+                      </m:sSub>
+                      <m:r>
+                        <a:rPr kumimoji="1" lang="en-US" altLang="ja-JP" sz="2400" b="0" i="1" smtClean="0">
+                          <a:latin typeface="Cambria Math" panose="02040503050406030204" pitchFamily="18" charset="0"/>
+                        </a:rPr>
+                        <m:t>)</m:t>
+                      </m:r>
                     </m:oMath>
                   </m:oMathPara>
                 </a14:m>
@@ -13291,7 +13931,7 @@
             </p:txBody>
           </p:sp>
         </mc:Choice>
-        <mc:Fallback>
+        <mc:Fallback xmlns="">
           <p:sp>
             <p:nvSpPr>
               <p:cNvPr id="6" name="テキスト ボックス 5">
@@ -13308,8 +13948,8 @@
             </p:nvSpPr>
             <p:spPr>
               <a:xfrm>
-                <a:off x="8568813" y="4552336"/>
-                <a:ext cx="2418735" cy="461665"/>
+                <a:off x="8084719" y="4548915"/>
+                <a:ext cx="3485535" cy="1569660"/>
               </a:xfrm>
               <a:prstGeom prst="rect">
                 <a:avLst/>
@@ -13317,7 +13957,7 @@
               <a:blipFill>
                 <a:blip r:embed="rId4"/>
                 <a:stretch>
-                  <a:fillRect/>
+                  <a:fillRect b="-3876"/>
                 </a:stretch>
               </a:blipFill>
             </p:spPr>
@@ -13340,6 +13980,7788 @@
     <p:extLst>
       <p:ext uri="{BB962C8B-B14F-4D97-AF65-F5344CB8AC3E}">
         <p14:creationId xmlns:p14="http://schemas.microsoft.com/office/powerpoint/2010/main" val="1321819312"/>
+      </p:ext>
+    </p:extLst>
+  </p:cSld>
+  <p:clrMapOvr>
+    <a:masterClrMapping/>
+  </p:clrMapOvr>
+</p:sld>
+</file>
+
+<file path=ppt/slides/slide15.xml><?xml version="1.0" encoding="utf-8"?>
+<p:sld xmlns:a="http://schemas.openxmlformats.org/drawingml/2006/main" xmlns:r="http://schemas.openxmlformats.org/officeDocument/2006/relationships" xmlns:p="http://schemas.openxmlformats.org/presentationml/2006/main">
+  <p:cSld>
+    <p:spTree>
+      <p:nvGrpSpPr>
+        <p:cNvPr id="1" name=""/>
+        <p:cNvGrpSpPr/>
+        <p:nvPr/>
+      </p:nvGrpSpPr>
+      <p:grpSpPr>
+        <a:xfrm>
+          <a:off x="0" y="0"/>
+          <a:ext cx="0" cy="0"/>
+          <a:chOff x="0" y="0"/>
+          <a:chExt cx="0" cy="0"/>
+        </a:xfrm>
+      </p:grpSpPr>
+      <p:sp>
+        <p:nvSpPr>
+          <p:cNvPr id="2" name="タイトル 1">
+            <a:extLst>
+              <a:ext uri="{FF2B5EF4-FFF2-40B4-BE49-F238E27FC236}">
+                <a16:creationId xmlns:a16="http://schemas.microsoft.com/office/drawing/2014/main" id="{3E817C77-BBC9-4198-BCBC-E56CFC5A213F}"/>
+              </a:ext>
+            </a:extLst>
+          </p:cNvPr>
+          <p:cNvSpPr>
+            <a:spLocks noGrp="1"/>
+          </p:cNvSpPr>
+          <p:nvPr>
+            <p:ph type="title"/>
+          </p:nvPr>
+        </p:nvSpPr>
+        <p:spPr/>
+        <p:txBody>
+          <a:bodyPr/>
+          <a:lstStyle/>
+          <a:p>
+            <a:r>
+              <a:rPr kumimoji="1" lang="ja-JP" altLang="en-US" dirty="0"/>
+              <a:t>折り返し型乗算回路の利得計算</a:t>
+            </a:r>
+            <a:br>
+              <a:rPr kumimoji="1" lang="en-US" altLang="ja-JP" dirty="0"/>
+            </a:br>
+            <a:r>
+              <a:rPr kumimoji="1" lang="ja-JP" altLang="en-US" dirty="0"/>
+              <a:t>各部の電流</a:t>
+            </a:r>
+          </a:p>
+        </p:txBody>
+      </p:sp>
+      <p:sp>
+        <p:nvSpPr>
+          <p:cNvPr id="3" name="スライド番号プレースホルダー 2">
+            <a:extLst>
+              <a:ext uri="{FF2B5EF4-FFF2-40B4-BE49-F238E27FC236}">
+                <a16:creationId xmlns:a16="http://schemas.microsoft.com/office/drawing/2014/main" id="{8D5951E8-16B6-4354-7F2C-532C276E3574}"/>
+              </a:ext>
+            </a:extLst>
+          </p:cNvPr>
+          <p:cNvSpPr>
+            <a:spLocks noGrp="1"/>
+          </p:cNvSpPr>
+          <p:nvPr>
+            <p:ph type="sldNum" sz="quarter" idx="12"/>
+          </p:nvPr>
+        </p:nvSpPr>
+        <p:spPr/>
+        <p:txBody>
+          <a:bodyPr/>
+          <a:lstStyle/>
+          <a:p>
+            <a:fld id="{A742575F-3C2A-495A-A52F-17634B579F22}" type="slidenum">
+              <a:rPr kumimoji="1" lang="ja-JP" altLang="en-US" smtClean="0"/>
+              <a:t>15</a:t>
+            </a:fld>
+            <a:endParaRPr kumimoji="1" lang="ja-JP" altLang="en-US"/>
+          </a:p>
+        </p:txBody>
+      </p:sp>
+      <mc:AlternateContent xmlns:mc="http://schemas.openxmlformats.org/markup-compatibility/2006" xmlns:a14="http://schemas.microsoft.com/office/drawing/2010/main">
+        <mc:Choice Requires="a14">
+          <p:sp>
+            <p:nvSpPr>
+              <p:cNvPr id="4" name="テキスト ボックス 3">
+                <a:extLst>
+                  <a:ext uri="{FF2B5EF4-FFF2-40B4-BE49-F238E27FC236}">
+                    <a16:creationId xmlns:a16="http://schemas.microsoft.com/office/drawing/2014/main" id="{D8925E0E-ABEF-CC43-84FF-2F683791FDE8}"/>
+                  </a:ext>
+                </a:extLst>
+              </p:cNvPr>
+              <p:cNvSpPr txBox="1"/>
+              <p:nvPr/>
+            </p:nvSpPr>
+            <p:spPr>
+              <a:xfrm>
+                <a:off x="0" y="1789300"/>
+                <a:ext cx="12192000" cy="4112216"/>
+              </a:xfrm>
+              <a:prstGeom prst="rect">
+                <a:avLst/>
+              </a:prstGeom>
+              <a:noFill/>
+            </p:spPr>
+            <p:txBody>
+              <a:bodyPr wrap="square" rtlCol="0">
+                <a:spAutoFit/>
+              </a:bodyPr>
+              <a:lstStyle/>
+              <a:p>
+                <a:pPr/>
+                <a14:m>
+                  <m:oMathPara xmlns:m="http://schemas.openxmlformats.org/officeDocument/2006/math">
+                    <m:oMathParaPr>
+                      <m:jc m:val="centerGroup"/>
+                    </m:oMathParaPr>
+                    <m:oMath xmlns:m="http://schemas.openxmlformats.org/officeDocument/2006/math">
+                      <m:r>
+                        <a:rPr kumimoji="1" lang="en-US" altLang="ja-JP" sz="2000" b="0" i="1" smtClean="0">
+                          <a:latin typeface="Cambria Math" panose="02040503050406030204" pitchFamily="18" charset="0"/>
+                        </a:rPr>
+                        <m:t>h</m:t>
+                      </m:r>
+                      <m:d>
+                        <m:dPr>
+                          <m:ctrlPr>
+                            <a:rPr kumimoji="1" lang="en-US" altLang="ja-JP" sz="2000" b="0" i="1" smtClean="0">
+                              <a:latin typeface="Cambria Math" panose="02040503050406030204" pitchFamily="18" charset="0"/>
+                            </a:rPr>
+                          </m:ctrlPr>
+                        </m:dPr>
+                        <m:e>
+                          <m:sSub>
+                            <m:sSubPr>
+                              <m:ctrlPr>
+                                <a:rPr kumimoji="1" lang="en-US" altLang="ja-JP" sz="2000" b="0" i="1" smtClean="0">
+                                  <a:latin typeface="Cambria Math" panose="02040503050406030204" pitchFamily="18" charset="0"/>
+                                </a:rPr>
+                              </m:ctrlPr>
+                            </m:sSubPr>
+                            <m:e>
+                              <m:r>
+                                <a:rPr kumimoji="1" lang="en-US" altLang="ja-JP" sz="2000" b="0" i="1" smtClean="0">
+                                  <a:latin typeface="Cambria Math" panose="02040503050406030204" pitchFamily="18" charset="0"/>
+                                </a:rPr>
+                                <m:t>𝑣</m:t>
+                              </m:r>
+                            </m:e>
+                            <m:sub>
+                              <m:r>
+                                <a:rPr kumimoji="1" lang="en-US" altLang="ja-JP" sz="2000" b="0" i="1" smtClean="0">
+                                  <a:latin typeface="Cambria Math" panose="02040503050406030204" pitchFamily="18" charset="0"/>
+                                </a:rPr>
+                                <m:t>𝑖𝑛</m:t>
+                              </m:r>
+                            </m:sub>
+                          </m:sSub>
+                          <m:r>
+                            <a:rPr kumimoji="1" lang="en-US" altLang="ja-JP" sz="2000" b="0" i="1" smtClean="0">
+                              <a:latin typeface="Cambria Math" panose="02040503050406030204" pitchFamily="18" charset="0"/>
+                            </a:rPr>
+                            <m:t>,−</m:t>
+                          </m:r>
+                          <m:sSub>
+                            <m:sSubPr>
+                              <m:ctrlPr>
+                                <a:rPr kumimoji="1" lang="en-US" altLang="ja-JP" sz="2000" b="0" i="1" smtClean="0">
+                                  <a:latin typeface="Cambria Math" panose="02040503050406030204" pitchFamily="18" charset="0"/>
+                                </a:rPr>
+                              </m:ctrlPr>
+                            </m:sSubPr>
+                            <m:e>
+                              <m:r>
+                                <a:rPr kumimoji="1" lang="en-US" altLang="ja-JP" sz="2000" b="0" i="1" smtClean="0">
+                                  <a:latin typeface="Cambria Math" panose="02040503050406030204" pitchFamily="18" charset="0"/>
+                                </a:rPr>
+                                <m:t>𝑉</m:t>
+                              </m:r>
+                            </m:e>
+                            <m:sub>
+                              <m:r>
+                                <a:rPr kumimoji="1" lang="en-US" altLang="ja-JP" sz="2000" b="0" i="1" smtClean="0">
+                                  <a:latin typeface="Cambria Math" panose="02040503050406030204" pitchFamily="18" charset="0"/>
+                                </a:rPr>
+                                <m:t>𝐶𝑇𝑅𝐿</m:t>
+                              </m:r>
+                            </m:sub>
+                          </m:sSub>
+                        </m:e>
+                      </m:d>
+                      <m:r>
+                        <a:rPr lang="en-US" altLang="ja-JP" sz="2000" i="1">
+                          <a:latin typeface="Cambria Math" panose="02040503050406030204" pitchFamily="18" charset="0"/>
+                        </a:rPr>
+                        <m:t>=</m:t>
+                      </m:r>
+                      <m:r>
+                        <a:rPr lang="en-US" altLang="ja-JP" sz="2000">
+                          <a:latin typeface="Cambria Math" panose="02040503050406030204" pitchFamily="18" charset="0"/>
+                        </a:rPr>
+                        <m:t>−</m:t>
+                      </m:r>
+                      <m:rad>
+                        <m:radPr>
+                          <m:degHide m:val="on"/>
+                          <m:ctrlPr>
+                            <a:rPr lang="en-US" altLang="ja-JP" sz="2000" i="1">
+                              <a:latin typeface="Cambria Math" panose="02040503050406030204" pitchFamily="18" charset="0"/>
+                            </a:rPr>
+                          </m:ctrlPr>
+                        </m:radPr>
+                        <m:deg/>
+                        <m:e>
+                          <m:r>
+                            <a:rPr lang="en-US" altLang="ja-JP" sz="2000" i="1">
+                              <a:latin typeface="Cambria Math" panose="02040503050406030204" pitchFamily="18" charset="0"/>
+                            </a:rPr>
+                            <m:t>2</m:t>
+                          </m:r>
+                          <m:sSub>
+                            <m:sSubPr>
+                              <m:ctrlPr>
+                                <a:rPr lang="en-US" altLang="ja-JP" sz="2000" i="1">
+                                  <a:latin typeface="Cambria Math" panose="02040503050406030204" pitchFamily="18" charset="0"/>
+                                </a:rPr>
+                              </m:ctrlPr>
+                            </m:sSubPr>
+                            <m:e>
+                              <m:r>
+                                <a:rPr lang="en-US" altLang="ja-JP" sz="2000" i="1">
+                                  <a:latin typeface="Cambria Math" panose="02040503050406030204" pitchFamily="18" charset="0"/>
+                                </a:rPr>
+                                <m:t>𝐾</m:t>
+                              </m:r>
+                            </m:e>
+                            <m:sub>
+                              <m:r>
+                                <a:rPr lang="en-US" altLang="ja-JP" sz="2000" i="1">
+                                  <a:latin typeface="Cambria Math" panose="02040503050406030204" pitchFamily="18" charset="0"/>
+                                </a:rPr>
+                                <m:t>𝑛</m:t>
+                              </m:r>
+                            </m:sub>
+                          </m:sSub>
+                          <m:sSub>
+                            <m:sSubPr>
+                              <m:ctrlPr>
+                                <a:rPr lang="en-US" altLang="ja-JP" sz="2000" i="1">
+                                  <a:latin typeface="Cambria Math" panose="02040503050406030204" pitchFamily="18" charset="0"/>
+                                </a:rPr>
+                              </m:ctrlPr>
+                            </m:sSubPr>
+                            <m:e>
+                              <m:r>
+                                <a:rPr lang="en-US" altLang="ja-JP" sz="2000" i="1">
+                                  <a:latin typeface="Cambria Math" panose="02040503050406030204" pitchFamily="18" charset="0"/>
+                                </a:rPr>
+                                <m:t>𝐼</m:t>
+                              </m:r>
+                            </m:e>
+                            <m:sub>
+                              <m:r>
+                                <a:rPr lang="en-US" altLang="ja-JP" sz="2000" i="1">
+                                  <a:latin typeface="Cambria Math" panose="02040503050406030204" pitchFamily="18" charset="0"/>
+                                </a:rPr>
+                                <m:t>𝐶</m:t>
+                              </m:r>
+                            </m:sub>
+                          </m:sSub>
+                        </m:e>
+                      </m:rad>
+                      <m:d>
+                        <m:dPr>
+                          <m:ctrlPr>
+                            <a:rPr lang="en-US" altLang="ja-JP" sz="2000" i="1">
+                              <a:latin typeface="Cambria Math" panose="02040503050406030204" pitchFamily="18" charset="0"/>
+                            </a:rPr>
+                          </m:ctrlPr>
+                        </m:dPr>
+                        <m:e>
+                          <m:f>
+                            <m:fPr>
+                              <m:ctrlPr>
+                                <a:rPr lang="en-US" altLang="ja-JP" sz="2000" i="1">
+                                  <a:latin typeface="Cambria Math" panose="02040503050406030204" pitchFamily="18" charset="0"/>
+                                </a:rPr>
+                              </m:ctrlPr>
+                            </m:fPr>
+                            <m:num>
+                              <m:r>
+                                <a:rPr lang="en-US" altLang="ja-JP" sz="2000" i="1">
+                                  <a:latin typeface="Cambria Math" panose="02040503050406030204" pitchFamily="18" charset="0"/>
+                                </a:rPr>
+                                <m:t>1</m:t>
+                              </m:r>
+                            </m:num>
+                            <m:den>
+                              <m:r>
+                                <a:rPr lang="en-US" altLang="ja-JP" sz="2000" i="1">
+                                  <a:latin typeface="Cambria Math" panose="02040503050406030204" pitchFamily="18" charset="0"/>
+                                </a:rPr>
+                                <m:t>2</m:t>
+                              </m:r>
+                            </m:den>
+                          </m:f>
+                          <m:r>
+                            <a:rPr lang="en-US" altLang="ja-JP" sz="2000" i="1">
+                              <a:latin typeface="Cambria Math" panose="02040503050406030204" pitchFamily="18" charset="0"/>
+                            </a:rPr>
+                            <m:t>+</m:t>
+                          </m:r>
+                          <m:rad>
+                            <m:radPr>
+                              <m:degHide m:val="on"/>
+                              <m:ctrlPr>
+                                <a:rPr lang="en-US" altLang="ja-JP" sz="2000" i="1">
+                                  <a:latin typeface="Cambria Math" panose="02040503050406030204" pitchFamily="18" charset="0"/>
+                                </a:rPr>
+                              </m:ctrlPr>
+                            </m:radPr>
+                            <m:deg/>
+                            <m:e>
+                              <m:f>
+                                <m:fPr>
+                                  <m:ctrlPr>
+                                    <a:rPr lang="en-US" altLang="ja-JP" sz="2000" i="1">
+                                      <a:latin typeface="Cambria Math" panose="02040503050406030204" pitchFamily="18" charset="0"/>
+                                    </a:rPr>
+                                  </m:ctrlPr>
+                                </m:fPr>
+                                <m:num>
+                                  <m:sSub>
+                                    <m:sSubPr>
+                                      <m:ctrlPr>
+                                        <a:rPr lang="en-US" altLang="ja-JP" sz="2000" i="1">
+                                          <a:latin typeface="Cambria Math" panose="02040503050406030204" pitchFamily="18" charset="0"/>
+                                        </a:rPr>
+                                      </m:ctrlPr>
+                                    </m:sSubPr>
+                                    <m:e>
+                                      <m:r>
+                                        <a:rPr lang="en-US" altLang="ja-JP" sz="2000" i="1">
+                                          <a:latin typeface="Cambria Math" panose="02040503050406030204" pitchFamily="18" charset="0"/>
+                                        </a:rPr>
+                                        <m:t>𝐾</m:t>
+                                      </m:r>
+                                    </m:e>
+                                    <m:sub>
+                                      <m:r>
+                                        <a:rPr lang="en-US" altLang="ja-JP" sz="2000" i="1">
+                                          <a:latin typeface="Cambria Math" panose="02040503050406030204" pitchFamily="18" charset="0"/>
+                                        </a:rPr>
+                                        <m:t>𝑝</m:t>
+                                      </m:r>
+                                    </m:sub>
+                                  </m:sSub>
+                                </m:num>
+                                <m:den>
+                                  <m:r>
+                                    <a:rPr lang="en-US" altLang="ja-JP" sz="2000" i="1">
+                                      <a:latin typeface="Cambria Math" panose="02040503050406030204" pitchFamily="18" charset="0"/>
+                                    </a:rPr>
+                                    <m:t>2</m:t>
+                                  </m:r>
+                                  <m:sSub>
+                                    <m:sSubPr>
+                                      <m:ctrlPr>
+                                        <a:rPr lang="en-US" altLang="ja-JP" sz="2000" i="1">
+                                          <a:latin typeface="Cambria Math" panose="02040503050406030204" pitchFamily="18" charset="0"/>
+                                        </a:rPr>
+                                      </m:ctrlPr>
+                                    </m:sSubPr>
+                                    <m:e>
+                                      <m:r>
+                                        <a:rPr lang="en-US" altLang="ja-JP" sz="2000" i="1">
+                                          <a:latin typeface="Cambria Math" panose="02040503050406030204" pitchFamily="18" charset="0"/>
+                                        </a:rPr>
+                                        <m:t>𝐼</m:t>
+                                      </m:r>
+                                    </m:e>
+                                    <m:sub>
+                                      <m:r>
+                                        <a:rPr lang="en-US" altLang="ja-JP" sz="2000" i="1">
+                                          <a:latin typeface="Cambria Math" panose="02040503050406030204" pitchFamily="18" charset="0"/>
+                                        </a:rPr>
+                                        <m:t>𝑏𝑖𝑎𝑠</m:t>
+                                      </m:r>
+                                      <m:r>
+                                        <a:rPr lang="en-US" altLang="ja-JP" sz="2000" i="1">
+                                          <a:latin typeface="Cambria Math" panose="02040503050406030204" pitchFamily="18" charset="0"/>
+                                        </a:rPr>
+                                        <m:t>1</m:t>
+                                      </m:r>
+                                    </m:sub>
+                                  </m:sSub>
+                                  <m:r>
+                                    <a:rPr lang="en-US" altLang="ja-JP" sz="2000" i="1">
+                                      <a:latin typeface="Cambria Math" panose="02040503050406030204" pitchFamily="18" charset="0"/>
+                                    </a:rPr>
+                                    <m:t>−</m:t>
+                                  </m:r>
+                                  <m:sSub>
+                                    <m:sSubPr>
+                                      <m:ctrlPr>
+                                        <a:rPr lang="en-US" altLang="ja-JP" sz="2000" i="1">
+                                          <a:latin typeface="Cambria Math" panose="02040503050406030204" pitchFamily="18" charset="0"/>
+                                        </a:rPr>
+                                      </m:ctrlPr>
+                                    </m:sSubPr>
+                                    <m:e>
+                                      <m:r>
+                                        <a:rPr lang="en-US" altLang="ja-JP" sz="2000" i="1">
+                                          <a:latin typeface="Cambria Math" panose="02040503050406030204" pitchFamily="18" charset="0"/>
+                                        </a:rPr>
+                                        <m:t>𝐼</m:t>
+                                      </m:r>
+                                    </m:e>
+                                    <m:sub>
+                                      <m:r>
+                                        <a:rPr lang="en-US" altLang="ja-JP" sz="2000" i="1">
+                                          <a:latin typeface="Cambria Math" panose="02040503050406030204" pitchFamily="18" charset="0"/>
+                                        </a:rPr>
+                                        <m:t>𝐶</m:t>
+                                      </m:r>
+                                    </m:sub>
+                                  </m:sSub>
+                                </m:den>
+                              </m:f>
+                            </m:e>
+                          </m:rad>
+                          <m:r>
+                            <a:rPr lang="en-US" altLang="ja-JP" sz="2000" i="1">
+                              <a:latin typeface="Cambria Math" panose="02040503050406030204" pitchFamily="18" charset="0"/>
+                            </a:rPr>
+                            <m:t>⋅</m:t>
+                          </m:r>
+                          <m:sSub>
+                            <m:sSubPr>
+                              <m:ctrlPr>
+                                <a:rPr lang="en-US" altLang="ja-JP" sz="2000" i="1">
+                                  <a:latin typeface="Cambria Math" panose="02040503050406030204" pitchFamily="18" charset="0"/>
+                                </a:rPr>
+                              </m:ctrlPr>
+                            </m:sSubPr>
+                            <m:e>
+                              <m:r>
+                                <a:rPr lang="en-US" altLang="ja-JP" sz="2000" i="1">
+                                  <a:latin typeface="Cambria Math" panose="02040503050406030204" pitchFamily="18" charset="0"/>
+                                </a:rPr>
+                                <m:t>𝑉</m:t>
+                              </m:r>
+                            </m:e>
+                            <m:sub>
+                              <m:r>
+                                <a:rPr lang="en-US" altLang="ja-JP" sz="2000" i="1">
+                                  <a:latin typeface="Cambria Math" panose="02040503050406030204" pitchFamily="18" charset="0"/>
+                                </a:rPr>
+                                <m:t>𝐶𝑇𝑅𝐿</m:t>
+                              </m:r>
+                            </m:sub>
+                          </m:sSub>
+                        </m:e>
+                      </m:d>
+                      <m:r>
+                        <a:rPr lang="en-US" altLang="ja-JP" sz="2000" i="1">
+                          <a:latin typeface="Cambria Math" panose="02040503050406030204" pitchFamily="18" charset="0"/>
+                        </a:rPr>
+                        <m:t>⋅</m:t>
+                      </m:r>
+                      <m:sSub>
+                        <m:sSubPr>
+                          <m:ctrlPr>
+                            <a:rPr lang="en-US" altLang="ja-JP" sz="2000" i="1">
+                              <a:latin typeface="Cambria Math" panose="02040503050406030204" pitchFamily="18" charset="0"/>
+                            </a:rPr>
+                          </m:ctrlPr>
+                        </m:sSubPr>
+                        <m:e>
+                          <m:r>
+                            <a:rPr lang="en-US" altLang="ja-JP" sz="2000" i="1">
+                              <a:latin typeface="Cambria Math" panose="02040503050406030204" pitchFamily="18" charset="0"/>
+                            </a:rPr>
+                            <m:t>𝑣</m:t>
+                          </m:r>
+                        </m:e>
+                        <m:sub>
+                          <m:r>
+                            <a:rPr lang="en-US" altLang="ja-JP" sz="2000" i="1">
+                              <a:latin typeface="Cambria Math" panose="02040503050406030204" pitchFamily="18" charset="0"/>
+                            </a:rPr>
+                            <m:t>𝑖𝑛</m:t>
+                          </m:r>
+                        </m:sub>
+                      </m:sSub>
+                      <m:r>
+                        <a:rPr lang="en-US" altLang="ja-JP" sz="2000" i="1">
+                          <a:latin typeface="Cambria Math" panose="02040503050406030204" pitchFamily="18" charset="0"/>
+                        </a:rPr>
+                        <m:t>+</m:t>
+                      </m:r>
+                      <m:f>
+                        <m:fPr>
+                          <m:ctrlPr>
+                            <a:rPr lang="en-US" altLang="ja-JP" sz="2000" i="1">
+                              <a:latin typeface="Cambria Math" panose="02040503050406030204" pitchFamily="18" charset="0"/>
+                            </a:rPr>
+                          </m:ctrlPr>
+                        </m:fPr>
+                        <m:num>
+                          <m:r>
+                            <a:rPr lang="en-US" altLang="ja-JP" sz="2000" i="1">
+                              <a:latin typeface="Cambria Math" panose="02040503050406030204" pitchFamily="18" charset="0"/>
+                            </a:rPr>
+                            <m:t>2</m:t>
+                          </m:r>
+                          <m:sSub>
+                            <m:sSubPr>
+                              <m:ctrlPr>
+                                <a:rPr lang="en-US" altLang="ja-JP" sz="2000" i="1">
+                                  <a:latin typeface="Cambria Math" panose="02040503050406030204" pitchFamily="18" charset="0"/>
+                                </a:rPr>
+                              </m:ctrlPr>
+                            </m:sSubPr>
+                            <m:e>
+                              <m:r>
+                                <a:rPr lang="en-US" altLang="ja-JP" sz="2000" i="1">
+                                  <a:latin typeface="Cambria Math" panose="02040503050406030204" pitchFamily="18" charset="0"/>
+                                </a:rPr>
+                                <m:t>𝐼</m:t>
+                              </m:r>
+                            </m:e>
+                            <m:sub>
+                              <m:r>
+                                <a:rPr lang="en-US" altLang="ja-JP" sz="2000" i="1">
+                                  <a:latin typeface="Cambria Math" panose="02040503050406030204" pitchFamily="18" charset="0"/>
+                                </a:rPr>
+                                <m:t>𝑏𝑖𝑎𝑠</m:t>
+                              </m:r>
+                              <m:r>
+                                <a:rPr lang="en-US" altLang="ja-JP" sz="2000" i="1">
+                                  <a:latin typeface="Cambria Math" panose="02040503050406030204" pitchFamily="18" charset="0"/>
+                                </a:rPr>
+                                <m:t>1</m:t>
+                              </m:r>
+                            </m:sub>
+                          </m:sSub>
+                          <m:r>
+                            <a:rPr lang="en-US" altLang="ja-JP" sz="2000" i="1">
+                              <a:latin typeface="Cambria Math" panose="02040503050406030204" pitchFamily="18" charset="0"/>
+                            </a:rPr>
+                            <m:t>−</m:t>
+                          </m:r>
+                          <m:sSub>
+                            <m:sSubPr>
+                              <m:ctrlPr>
+                                <a:rPr lang="en-US" altLang="ja-JP" sz="2000" i="1">
+                                  <a:latin typeface="Cambria Math" panose="02040503050406030204" pitchFamily="18" charset="0"/>
+                                </a:rPr>
+                              </m:ctrlPr>
+                            </m:sSubPr>
+                            <m:e>
+                              <m:r>
+                                <a:rPr lang="en-US" altLang="ja-JP" sz="2000" i="1">
+                                  <a:latin typeface="Cambria Math" panose="02040503050406030204" pitchFamily="18" charset="0"/>
+                                </a:rPr>
+                                <m:t>𝐼</m:t>
+                              </m:r>
+                            </m:e>
+                            <m:sub>
+                              <m:r>
+                                <a:rPr lang="en-US" altLang="ja-JP" sz="2000" i="1">
+                                  <a:latin typeface="Cambria Math" panose="02040503050406030204" pitchFamily="18" charset="0"/>
+                                </a:rPr>
+                                <m:t>𝐶</m:t>
+                              </m:r>
+                            </m:sub>
+                          </m:sSub>
+                        </m:num>
+                        <m:den>
+                          <m:r>
+                            <a:rPr lang="en-US" altLang="ja-JP" sz="2000" i="1">
+                              <a:latin typeface="Cambria Math" panose="02040503050406030204" pitchFamily="18" charset="0"/>
+                            </a:rPr>
+                            <m:t>4</m:t>
+                          </m:r>
+                        </m:den>
+                      </m:f>
+                      <m:r>
+                        <a:rPr lang="en-US" altLang="ja-JP" sz="2000" i="1">
+                          <a:latin typeface="Cambria Math" panose="02040503050406030204" pitchFamily="18" charset="0"/>
+                        </a:rPr>
+                        <m:t>+</m:t>
+                      </m:r>
+                      <m:sSub>
+                        <m:sSubPr>
+                          <m:ctrlPr>
+                            <a:rPr lang="en-US" altLang="ja-JP" sz="2000" i="1">
+                              <a:latin typeface="Cambria Math" panose="02040503050406030204" pitchFamily="18" charset="0"/>
+                            </a:rPr>
+                          </m:ctrlPr>
+                        </m:sSubPr>
+                        <m:e>
+                          <m:r>
+                            <a:rPr lang="en-US" altLang="ja-JP" sz="2000" i="1">
+                              <a:latin typeface="Cambria Math" panose="02040503050406030204" pitchFamily="18" charset="0"/>
+                            </a:rPr>
+                            <m:t>𝑉</m:t>
+                          </m:r>
+                        </m:e>
+                        <m:sub>
+                          <m:r>
+                            <a:rPr lang="en-US" altLang="ja-JP" sz="2000" i="1">
+                              <a:latin typeface="Cambria Math" panose="02040503050406030204" pitchFamily="18" charset="0"/>
+                            </a:rPr>
+                            <m:t>𝐶𝑇𝑅𝐿</m:t>
+                          </m:r>
+                        </m:sub>
+                      </m:sSub>
+                      <m:rad>
+                        <m:radPr>
+                          <m:degHide m:val="on"/>
+                          <m:ctrlPr>
+                            <a:rPr lang="en-US" altLang="ja-JP" sz="2000" i="1">
+                              <a:latin typeface="Cambria Math" panose="02040503050406030204" pitchFamily="18" charset="0"/>
+                            </a:rPr>
+                          </m:ctrlPr>
+                        </m:radPr>
+                        <m:deg/>
+                        <m:e>
+                          <m:sSub>
+                            <m:sSubPr>
+                              <m:ctrlPr>
+                                <a:rPr lang="en-US" altLang="ja-JP" sz="2000" i="1">
+                                  <a:latin typeface="Cambria Math" panose="02040503050406030204" pitchFamily="18" charset="0"/>
+                                </a:rPr>
+                              </m:ctrlPr>
+                            </m:sSubPr>
+                            <m:e>
+                              <m:r>
+                                <a:rPr lang="en-US" altLang="ja-JP" sz="2000" i="1">
+                                  <a:latin typeface="Cambria Math" panose="02040503050406030204" pitchFamily="18" charset="0"/>
+                                </a:rPr>
+                                <m:t>𝐾</m:t>
+                              </m:r>
+                            </m:e>
+                            <m:sub>
+                              <m:r>
+                                <a:rPr lang="en-US" altLang="ja-JP" sz="2000" i="1">
+                                  <a:latin typeface="Cambria Math" panose="02040503050406030204" pitchFamily="18" charset="0"/>
+                                </a:rPr>
+                                <m:t>𝑝</m:t>
+                              </m:r>
+                            </m:sub>
+                          </m:sSub>
+                          <m:r>
+                            <a:rPr lang="en-US" altLang="ja-JP" sz="2000" i="1">
+                              <a:latin typeface="Cambria Math" panose="02040503050406030204" pitchFamily="18" charset="0"/>
+                            </a:rPr>
+                            <m:t>(2</m:t>
+                          </m:r>
+                          <m:sSub>
+                            <m:sSubPr>
+                              <m:ctrlPr>
+                                <a:rPr lang="en-US" altLang="ja-JP" sz="2000" i="1">
+                                  <a:latin typeface="Cambria Math" panose="02040503050406030204" pitchFamily="18" charset="0"/>
+                                </a:rPr>
+                              </m:ctrlPr>
+                            </m:sSubPr>
+                            <m:e>
+                              <m:r>
+                                <a:rPr lang="en-US" altLang="ja-JP" sz="2000" i="1">
+                                  <a:latin typeface="Cambria Math" panose="02040503050406030204" pitchFamily="18" charset="0"/>
+                                </a:rPr>
+                                <m:t>𝐼</m:t>
+                              </m:r>
+                            </m:e>
+                            <m:sub>
+                              <m:r>
+                                <a:rPr lang="en-US" altLang="ja-JP" sz="2000" i="1">
+                                  <a:latin typeface="Cambria Math" panose="02040503050406030204" pitchFamily="18" charset="0"/>
+                                </a:rPr>
+                                <m:t>𝑏𝑖𝑎𝑠</m:t>
+                              </m:r>
+                              <m:r>
+                                <a:rPr lang="en-US" altLang="ja-JP" sz="2000" i="1">
+                                  <a:latin typeface="Cambria Math" panose="02040503050406030204" pitchFamily="18" charset="0"/>
+                                </a:rPr>
+                                <m:t>1</m:t>
+                              </m:r>
+                            </m:sub>
+                          </m:sSub>
+                          <m:r>
+                            <a:rPr lang="en-US" altLang="ja-JP" sz="2000" i="1">
+                              <a:latin typeface="Cambria Math" panose="02040503050406030204" pitchFamily="18" charset="0"/>
+                            </a:rPr>
+                            <m:t>−</m:t>
+                          </m:r>
+                          <m:sSub>
+                            <m:sSubPr>
+                              <m:ctrlPr>
+                                <a:rPr lang="en-US" altLang="ja-JP" sz="2000" i="1">
+                                  <a:latin typeface="Cambria Math" panose="02040503050406030204" pitchFamily="18" charset="0"/>
+                                </a:rPr>
+                              </m:ctrlPr>
+                            </m:sSubPr>
+                            <m:e>
+                              <m:r>
+                                <a:rPr lang="en-US" altLang="ja-JP" sz="2000" i="1">
+                                  <a:latin typeface="Cambria Math" panose="02040503050406030204" pitchFamily="18" charset="0"/>
+                                </a:rPr>
+                                <m:t>𝐼</m:t>
+                              </m:r>
+                            </m:e>
+                            <m:sub>
+                              <m:r>
+                                <a:rPr lang="en-US" altLang="ja-JP" sz="2000" i="1">
+                                  <a:latin typeface="Cambria Math" panose="02040503050406030204" pitchFamily="18" charset="0"/>
+                                </a:rPr>
+                                <m:t>𝐶</m:t>
+                              </m:r>
+                            </m:sub>
+                          </m:sSub>
+                          <m:r>
+                            <a:rPr lang="en-US" altLang="ja-JP" sz="2000" i="1">
+                              <a:latin typeface="Cambria Math" panose="02040503050406030204" pitchFamily="18" charset="0"/>
+                            </a:rPr>
+                            <m:t>)</m:t>
+                          </m:r>
+                        </m:e>
+                      </m:rad>
+                    </m:oMath>
+                  </m:oMathPara>
+                </a14:m>
+                <a:endParaRPr kumimoji="1" lang="en-US" altLang="ja-JP" sz="2400" dirty="0"/>
+              </a:p>
+              <a:p>
+                <a14:m>
+                  <m:oMath xmlns:m="http://schemas.openxmlformats.org/officeDocument/2006/math">
+                    <m:sSub>
+                      <m:sSubPr>
+                        <m:ctrlPr>
+                          <a:rPr lang="en-US" altLang="ja-JP" sz="2400" b="0" i="1" smtClean="0">
+                            <a:latin typeface="Cambria Math" panose="02040503050406030204" pitchFamily="18" charset="0"/>
+                          </a:rPr>
+                        </m:ctrlPr>
+                      </m:sSubPr>
+                      <m:e>
+                        <m:r>
+                          <a:rPr lang="en-US" altLang="ja-JP" sz="2400" b="0" i="1" smtClean="0">
+                            <a:latin typeface="Cambria Math" panose="02040503050406030204" pitchFamily="18" charset="0"/>
+                          </a:rPr>
+                          <m:t>𝑖</m:t>
+                        </m:r>
+                      </m:e>
+                      <m:sub>
+                        <m:r>
+                          <a:rPr lang="en-US" altLang="ja-JP" sz="2400" b="0" i="1" smtClean="0">
+                            <a:latin typeface="Cambria Math" panose="02040503050406030204" pitchFamily="18" charset="0"/>
+                          </a:rPr>
+                          <m:t>𝐴</m:t>
+                        </m:r>
+                        <m:r>
+                          <a:rPr lang="en-US" altLang="ja-JP" sz="2400" b="0" i="1" smtClean="0">
+                            <a:latin typeface="Cambria Math" panose="02040503050406030204" pitchFamily="18" charset="0"/>
+                          </a:rPr>
+                          <m:t>1</m:t>
+                        </m:r>
+                      </m:sub>
+                    </m:sSub>
+                    <m:r>
+                      <a:rPr lang="en-US" altLang="ja-JP" sz="2400" b="0" i="1" smtClean="0">
+                        <a:latin typeface="Cambria Math" panose="02040503050406030204" pitchFamily="18" charset="0"/>
+                      </a:rPr>
+                      <m:t>~</m:t>
+                    </m:r>
+                    <m:sSub>
+                      <m:sSubPr>
+                        <m:ctrlPr>
+                          <a:rPr lang="en-US" altLang="ja-JP" sz="2400" b="0" i="1" smtClean="0">
+                            <a:latin typeface="Cambria Math" panose="02040503050406030204" pitchFamily="18" charset="0"/>
+                          </a:rPr>
+                        </m:ctrlPr>
+                      </m:sSubPr>
+                      <m:e>
+                        <m:r>
+                          <a:rPr lang="en-US" altLang="ja-JP" sz="2400" b="0" i="1" smtClean="0">
+                            <a:latin typeface="Cambria Math" panose="02040503050406030204" pitchFamily="18" charset="0"/>
+                          </a:rPr>
+                          <m:t>𝑖</m:t>
+                        </m:r>
+                      </m:e>
+                      <m:sub>
+                        <m:r>
+                          <a:rPr lang="en-US" altLang="ja-JP" sz="2400" b="0" i="1" smtClean="0">
+                            <a:latin typeface="Cambria Math" panose="02040503050406030204" pitchFamily="18" charset="0"/>
+                          </a:rPr>
+                          <m:t>𝐴</m:t>
+                        </m:r>
+                        <m:r>
+                          <a:rPr lang="en-US" altLang="ja-JP" sz="2400" b="0" i="1" smtClean="0">
+                            <a:latin typeface="Cambria Math" panose="02040503050406030204" pitchFamily="18" charset="0"/>
+                          </a:rPr>
+                          <m:t>4</m:t>
+                        </m:r>
+                      </m:sub>
+                    </m:sSub>
+                  </m:oMath>
+                </a14:m>
+                <a:r>
+                  <a:rPr lang="ja-JP" altLang="en-US" sz="2400" dirty="0"/>
+                  <a:t>は</a:t>
+                </a:r>
+                <a14:m>
+                  <m:oMath xmlns:m="http://schemas.openxmlformats.org/officeDocument/2006/math">
+                    <m:sSub>
+                      <m:sSubPr>
+                        <m:ctrlPr>
+                          <a:rPr lang="en-US" altLang="ja-JP" sz="2400" b="0" i="1" dirty="0" smtClean="0">
+                            <a:latin typeface="Cambria Math" panose="02040503050406030204" pitchFamily="18" charset="0"/>
+                          </a:rPr>
+                        </m:ctrlPr>
+                      </m:sSubPr>
+                      <m:e>
+                        <m:r>
+                          <a:rPr lang="en-US" altLang="ja-JP" sz="2400" b="0" i="1" dirty="0" smtClean="0">
+                            <a:latin typeface="Cambria Math" panose="02040503050406030204" pitchFamily="18" charset="0"/>
+                          </a:rPr>
+                          <m:t>𝑣</m:t>
+                        </m:r>
+                      </m:e>
+                      <m:sub>
+                        <m:r>
+                          <a:rPr lang="en-US" altLang="ja-JP" sz="2400" b="0" i="1" dirty="0" smtClean="0">
+                            <a:latin typeface="Cambria Math" panose="02040503050406030204" pitchFamily="18" charset="0"/>
+                          </a:rPr>
+                          <m:t>𝑖𝑛</m:t>
+                        </m:r>
+                      </m:sub>
+                    </m:sSub>
+                  </m:oMath>
+                </a14:m>
+                <a:r>
+                  <a:rPr lang="ja-JP" altLang="en-US" sz="2400" dirty="0"/>
+                  <a:t>と</a:t>
+                </a:r>
+                <a14:m>
+                  <m:oMath xmlns:m="http://schemas.openxmlformats.org/officeDocument/2006/math">
+                    <m:sSub>
+                      <m:sSubPr>
+                        <m:ctrlPr>
+                          <a:rPr lang="en-US" altLang="ja-JP" sz="2400" b="0" i="1" dirty="0" smtClean="0">
+                            <a:latin typeface="Cambria Math" panose="02040503050406030204" pitchFamily="18" charset="0"/>
+                          </a:rPr>
+                        </m:ctrlPr>
+                      </m:sSubPr>
+                      <m:e>
+                        <m:r>
+                          <a:rPr lang="en-US" altLang="ja-JP" sz="2400" b="0" i="1" dirty="0" smtClean="0">
+                            <a:latin typeface="Cambria Math" panose="02040503050406030204" pitchFamily="18" charset="0"/>
+                          </a:rPr>
+                          <m:t>𝑉</m:t>
+                        </m:r>
+                      </m:e>
+                      <m:sub>
+                        <m:r>
+                          <a:rPr lang="en-US" altLang="ja-JP" sz="2400" b="0" i="1" dirty="0" smtClean="0">
+                            <a:latin typeface="Cambria Math" panose="02040503050406030204" pitchFamily="18" charset="0"/>
+                          </a:rPr>
+                          <m:t>𝐶𝑇𝐿𝑅</m:t>
+                        </m:r>
+                      </m:sub>
+                    </m:sSub>
+                  </m:oMath>
+                </a14:m>
+                <a:r>
+                  <a:rPr lang="ja-JP" altLang="en-US" sz="2400" dirty="0"/>
+                  <a:t>の符号が変わるだけなので簡便のため</a:t>
+                </a:r>
+                <a:endParaRPr lang="en-US" altLang="ja-JP" sz="2400" dirty="0"/>
+              </a:p>
+              <a:p>
+                <a:pPr/>
+                <a14:m>
+                  <m:oMathPara xmlns:m="http://schemas.openxmlformats.org/officeDocument/2006/math">
+                    <m:oMathParaPr>
+                      <m:jc m:val="centerGroup"/>
+                    </m:oMathParaPr>
+                    <m:oMath xmlns:m="http://schemas.openxmlformats.org/officeDocument/2006/math">
+                      <m:r>
+                        <a:rPr kumimoji="1" lang="en-US" altLang="ja-JP" sz="2400" b="0" i="1" smtClean="0">
+                          <a:latin typeface="Cambria Math" panose="02040503050406030204" pitchFamily="18" charset="0"/>
+                        </a:rPr>
+                        <m:t>𝐴</m:t>
+                      </m:r>
+                      <m:r>
+                        <a:rPr kumimoji="1" lang="en-US" altLang="ja-JP" sz="2400" b="0" i="1" smtClean="0">
+                          <a:latin typeface="Cambria Math" panose="02040503050406030204" pitchFamily="18" charset="0"/>
+                        </a:rPr>
+                        <m:t>=</m:t>
+                      </m:r>
+                      <m:r>
+                        <a:rPr lang="en-US" altLang="ja-JP" sz="2400">
+                          <a:latin typeface="Cambria Math" panose="02040503050406030204" pitchFamily="18" charset="0"/>
+                        </a:rPr>
+                        <m:t>−</m:t>
+                      </m:r>
+                      <m:rad>
+                        <m:radPr>
+                          <m:degHide m:val="on"/>
+                          <m:ctrlPr>
+                            <a:rPr lang="en-US" altLang="ja-JP" sz="2400" i="1">
+                              <a:latin typeface="Cambria Math" panose="02040503050406030204" pitchFamily="18" charset="0"/>
+                            </a:rPr>
+                          </m:ctrlPr>
+                        </m:radPr>
+                        <m:deg/>
+                        <m:e>
+                          <m:r>
+                            <a:rPr lang="en-US" altLang="ja-JP" sz="2400" i="1">
+                              <a:latin typeface="Cambria Math" panose="02040503050406030204" pitchFamily="18" charset="0"/>
+                            </a:rPr>
+                            <m:t>2</m:t>
+                          </m:r>
+                          <m:sSub>
+                            <m:sSubPr>
+                              <m:ctrlPr>
+                                <a:rPr lang="en-US" altLang="ja-JP" sz="2400" i="1">
+                                  <a:latin typeface="Cambria Math" panose="02040503050406030204" pitchFamily="18" charset="0"/>
+                                </a:rPr>
+                              </m:ctrlPr>
+                            </m:sSubPr>
+                            <m:e>
+                              <m:r>
+                                <a:rPr lang="en-US" altLang="ja-JP" sz="2400" i="1">
+                                  <a:latin typeface="Cambria Math" panose="02040503050406030204" pitchFamily="18" charset="0"/>
+                                </a:rPr>
+                                <m:t>𝐾</m:t>
+                              </m:r>
+                            </m:e>
+                            <m:sub>
+                              <m:r>
+                                <a:rPr lang="en-US" altLang="ja-JP" sz="2400" i="1">
+                                  <a:latin typeface="Cambria Math" panose="02040503050406030204" pitchFamily="18" charset="0"/>
+                                </a:rPr>
+                                <m:t>𝑛</m:t>
+                              </m:r>
+                            </m:sub>
+                          </m:sSub>
+                          <m:sSub>
+                            <m:sSubPr>
+                              <m:ctrlPr>
+                                <a:rPr lang="en-US" altLang="ja-JP" sz="2400" i="1">
+                                  <a:latin typeface="Cambria Math" panose="02040503050406030204" pitchFamily="18" charset="0"/>
+                                </a:rPr>
+                              </m:ctrlPr>
+                            </m:sSubPr>
+                            <m:e>
+                              <m:r>
+                                <a:rPr lang="en-US" altLang="ja-JP" sz="2400" i="1">
+                                  <a:latin typeface="Cambria Math" panose="02040503050406030204" pitchFamily="18" charset="0"/>
+                                </a:rPr>
+                                <m:t>𝐼</m:t>
+                              </m:r>
+                            </m:e>
+                            <m:sub>
+                              <m:r>
+                                <a:rPr lang="en-US" altLang="ja-JP" sz="2400" i="1">
+                                  <a:latin typeface="Cambria Math" panose="02040503050406030204" pitchFamily="18" charset="0"/>
+                                </a:rPr>
+                                <m:t>𝐶</m:t>
+                              </m:r>
+                            </m:sub>
+                          </m:sSub>
+                        </m:e>
+                      </m:rad>
+                      <m:r>
+                        <a:rPr lang="en-US" altLang="ja-JP" sz="2400" b="0" i="0" smtClean="0">
+                          <a:latin typeface="Cambria Math" panose="02040503050406030204" pitchFamily="18" charset="0"/>
+                        </a:rPr>
+                        <m:t>,</m:t>
+                      </m:r>
+                      <m:r>
+                        <a:rPr kumimoji="1" lang="en-US" altLang="ja-JP" sz="2400" b="0" i="1" smtClean="0">
+                          <a:latin typeface="Cambria Math" panose="02040503050406030204" pitchFamily="18" charset="0"/>
+                        </a:rPr>
+                        <m:t>𝐵</m:t>
+                      </m:r>
+                      <m:r>
+                        <a:rPr kumimoji="1" lang="en-US" altLang="ja-JP" sz="2400" b="0" i="1" smtClean="0">
+                          <a:latin typeface="Cambria Math" panose="02040503050406030204" pitchFamily="18" charset="0"/>
+                        </a:rPr>
+                        <m:t>=</m:t>
+                      </m:r>
+                      <m:rad>
+                        <m:radPr>
+                          <m:degHide m:val="on"/>
+                          <m:ctrlPr>
+                            <a:rPr lang="en-US" altLang="ja-JP" sz="2400" i="1">
+                              <a:latin typeface="Cambria Math" panose="02040503050406030204" pitchFamily="18" charset="0"/>
+                            </a:rPr>
+                          </m:ctrlPr>
+                        </m:radPr>
+                        <m:deg/>
+                        <m:e>
+                          <m:f>
+                            <m:fPr>
+                              <m:ctrlPr>
+                                <a:rPr lang="en-US" altLang="ja-JP" sz="2400" i="1">
+                                  <a:latin typeface="Cambria Math" panose="02040503050406030204" pitchFamily="18" charset="0"/>
+                                </a:rPr>
+                              </m:ctrlPr>
+                            </m:fPr>
+                            <m:num>
+                              <m:sSub>
+                                <m:sSubPr>
+                                  <m:ctrlPr>
+                                    <a:rPr lang="en-US" altLang="ja-JP" sz="2400" i="1">
+                                      <a:latin typeface="Cambria Math" panose="02040503050406030204" pitchFamily="18" charset="0"/>
+                                    </a:rPr>
+                                  </m:ctrlPr>
+                                </m:sSubPr>
+                                <m:e>
+                                  <m:r>
+                                    <a:rPr lang="en-US" altLang="ja-JP" sz="2400" i="1">
+                                      <a:latin typeface="Cambria Math" panose="02040503050406030204" pitchFamily="18" charset="0"/>
+                                    </a:rPr>
+                                    <m:t>𝐾</m:t>
+                                  </m:r>
+                                </m:e>
+                                <m:sub>
+                                  <m:r>
+                                    <a:rPr lang="en-US" altLang="ja-JP" sz="2400" i="1">
+                                      <a:latin typeface="Cambria Math" panose="02040503050406030204" pitchFamily="18" charset="0"/>
+                                    </a:rPr>
+                                    <m:t>𝑝</m:t>
+                                  </m:r>
+                                </m:sub>
+                              </m:sSub>
+                            </m:num>
+                            <m:den>
+                              <m:r>
+                                <a:rPr lang="en-US" altLang="ja-JP" sz="2400" i="1">
+                                  <a:latin typeface="Cambria Math" panose="02040503050406030204" pitchFamily="18" charset="0"/>
+                                </a:rPr>
+                                <m:t>2</m:t>
+                              </m:r>
+                              <m:sSub>
+                                <m:sSubPr>
+                                  <m:ctrlPr>
+                                    <a:rPr lang="en-US" altLang="ja-JP" sz="2400" i="1">
+                                      <a:latin typeface="Cambria Math" panose="02040503050406030204" pitchFamily="18" charset="0"/>
+                                    </a:rPr>
+                                  </m:ctrlPr>
+                                </m:sSubPr>
+                                <m:e>
+                                  <m:r>
+                                    <a:rPr lang="en-US" altLang="ja-JP" sz="2400" i="1">
+                                      <a:latin typeface="Cambria Math" panose="02040503050406030204" pitchFamily="18" charset="0"/>
+                                    </a:rPr>
+                                    <m:t>𝐼</m:t>
+                                  </m:r>
+                                </m:e>
+                                <m:sub>
+                                  <m:r>
+                                    <a:rPr lang="en-US" altLang="ja-JP" sz="2400" i="1">
+                                      <a:latin typeface="Cambria Math" panose="02040503050406030204" pitchFamily="18" charset="0"/>
+                                    </a:rPr>
+                                    <m:t>𝑏𝑖𝑎𝑠</m:t>
+                                  </m:r>
+                                  <m:r>
+                                    <a:rPr lang="en-US" altLang="ja-JP" sz="2400" i="1">
+                                      <a:latin typeface="Cambria Math" panose="02040503050406030204" pitchFamily="18" charset="0"/>
+                                    </a:rPr>
+                                    <m:t>1</m:t>
+                                  </m:r>
+                                </m:sub>
+                              </m:sSub>
+                              <m:r>
+                                <a:rPr lang="en-US" altLang="ja-JP" sz="2400" i="1">
+                                  <a:latin typeface="Cambria Math" panose="02040503050406030204" pitchFamily="18" charset="0"/>
+                                </a:rPr>
+                                <m:t>−</m:t>
+                              </m:r>
+                              <m:sSub>
+                                <m:sSubPr>
+                                  <m:ctrlPr>
+                                    <a:rPr lang="en-US" altLang="ja-JP" sz="2400" i="1">
+                                      <a:latin typeface="Cambria Math" panose="02040503050406030204" pitchFamily="18" charset="0"/>
+                                    </a:rPr>
+                                  </m:ctrlPr>
+                                </m:sSubPr>
+                                <m:e>
+                                  <m:r>
+                                    <a:rPr lang="en-US" altLang="ja-JP" sz="2400" i="1">
+                                      <a:latin typeface="Cambria Math" panose="02040503050406030204" pitchFamily="18" charset="0"/>
+                                    </a:rPr>
+                                    <m:t>𝐼</m:t>
+                                  </m:r>
+                                </m:e>
+                                <m:sub>
+                                  <m:r>
+                                    <a:rPr lang="en-US" altLang="ja-JP" sz="2400" i="1">
+                                      <a:latin typeface="Cambria Math" panose="02040503050406030204" pitchFamily="18" charset="0"/>
+                                    </a:rPr>
+                                    <m:t>𝐶</m:t>
+                                  </m:r>
+                                </m:sub>
+                              </m:sSub>
+                            </m:den>
+                          </m:f>
+                        </m:e>
+                      </m:rad>
+                      <m:r>
+                        <a:rPr lang="en-US" altLang="ja-JP" sz="2400" b="0" i="1" smtClean="0">
+                          <a:latin typeface="Cambria Math" panose="02040503050406030204" pitchFamily="18" charset="0"/>
+                        </a:rPr>
+                        <m:t>,</m:t>
+                      </m:r>
+                      <m:r>
+                        <a:rPr lang="en-US" altLang="ja-JP" sz="2400" b="0" i="1" smtClean="0">
+                          <a:latin typeface="Cambria Math" panose="02040503050406030204" pitchFamily="18" charset="0"/>
+                        </a:rPr>
+                        <m:t>𝐶</m:t>
+                      </m:r>
+                      <m:r>
+                        <a:rPr lang="en-US" altLang="ja-JP" sz="2400" b="0" i="1" smtClean="0">
+                          <a:latin typeface="Cambria Math" panose="02040503050406030204" pitchFamily="18" charset="0"/>
+                        </a:rPr>
+                        <m:t>=</m:t>
+                      </m:r>
+                      <m:f>
+                        <m:fPr>
+                          <m:ctrlPr>
+                            <a:rPr lang="en-US" altLang="ja-JP" sz="2400" i="1">
+                              <a:latin typeface="Cambria Math" panose="02040503050406030204" pitchFamily="18" charset="0"/>
+                            </a:rPr>
+                          </m:ctrlPr>
+                        </m:fPr>
+                        <m:num>
+                          <m:r>
+                            <a:rPr lang="en-US" altLang="ja-JP" sz="2400" i="1">
+                              <a:latin typeface="Cambria Math" panose="02040503050406030204" pitchFamily="18" charset="0"/>
+                            </a:rPr>
+                            <m:t>2</m:t>
+                          </m:r>
+                          <m:sSub>
+                            <m:sSubPr>
+                              <m:ctrlPr>
+                                <a:rPr lang="en-US" altLang="ja-JP" sz="2400" i="1">
+                                  <a:latin typeface="Cambria Math" panose="02040503050406030204" pitchFamily="18" charset="0"/>
+                                </a:rPr>
+                              </m:ctrlPr>
+                            </m:sSubPr>
+                            <m:e>
+                              <m:r>
+                                <a:rPr lang="en-US" altLang="ja-JP" sz="2400" i="1">
+                                  <a:latin typeface="Cambria Math" panose="02040503050406030204" pitchFamily="18" charset="0"/>
+                                </a:rPr>
+                                <m:t>𝐼</m:t>
+                              </m:r>
+                            </m:e>
+                            <m:sub>
+                              <m:r>
+                                <a:rPr lang="en-US" altLang="ja-JP" sz="2400" i="1">
+                                  <a:latin typeface="Cambria Math" panose="02040503050406030204" pitchFamily="18" charset="0"/>
+                                </a:rPr>
+                                <m:t>𝑏𝑖𝑎𝑠</m:t>
+                              </m:r>
+                              <m:r>
+                                <a:rPr lang="en-US" altLang="ja-JP" sz="2400" i="1">
+                                  <a:latin typeface="Cambria Math" panose="02040503050406030204" pitchFamily="18" charset="0"/>
+                                </a:rPr>
+                                <m:t>1</m:t>
+                              </m:r>
+                            </m:sub>
+                          </m:sSub>
+                          <m:r>
+                            <a:rPr lang="en-US" altLang="ja-JP" sz="2400" i="1">
+                              <a:latin typeface="Cambria Math" panose="02040503050406030204" pitchFamily="18" charset="0"/>
+                            </a:rPr>
+                            <m:t>−</m:t>
+                          </m:r>
+                          <m:sSub>
+                            <m:sSubPr>
+                              <m:ctrlPr>
+                                <a:rPr lang="en-US" altLang="ja-JP" sz="2400" i="1">
+                                  <a:latin typeface="Cambria Math" panose="02040503050406030204" pitchFamily="18" charset="0"/>
+                                </a:rPr>
+                              </m:ctrlPr>
+                            </m:sSubPr>
+                            <m:e>
+                              <m:r>
+                                <a:rPr lang="en-US" altLang="ja-JP" sz="2400" i="1">
+                                  <a:latin typeface="Cambria Math" panose="02040503050406030204" pitchFamily="18" charset="0"/>
+                                </a:rPr>
+                                <m:t>𝐼</m:t>
+                              </m:r>
+                            </m:e>
+                            <m:sub>
+                              <m:r>
+                                <a:rPr lang="en-US" altLang="ja-JP" sz="2400" i="1">
+                                  <a:latin typeface="Cambria Math" panose="02040503050406030204" pitchFamily="18" charset="0"/>
+                                </a:rPr>
+                                <m:t>𝐶</m:t>
+                              </m:r>
+                            </m:sub>
+                          </m:sSub>
+                        </m:num>
+                        <m:den>
+                          <m:r>
+                            <a:rPr lang="en-US" altLang="ja-JP" sz="2400" i="1">
+                              <a:latin typeface="Cambria Math" panose="02040503050406030204" pitchFamily="18" charset="0"/>
+                            </a:rPr>
+                            <m:t>4</m:t>
+                          </m:r>
+                        </m:den>
+                      </m:f>
+                      <m:r>
+                        <a:rPr lang="en-US" altLang="ja-JP" sz="2400" b="0" i="1" smtClean="0">
+                          <a:latin typeface="Cambria Math" panose="02040503050406030204" pitchFamily="18" charset="0"/>
+                        </a:rPr>
+                        <m:t>,</m:t>
+                      </m:r>
+                      <m:r>
+                        <a:rPr lang="en-US" altLang="ja-JP" sz="2400" b="0" i="1" smtClean="0">
+                          <a:latin typeface="Cambria Math" panose="02040503050406030204" pitchFamily="18" charset="0"/>
+                        </a:rPr>
+                        <m:t>𝐷</m:t>
+                      </m:r>
+                      <m:r>
+                        <a:rPr lang="en-US" altLang="ja-JP" sz="2400" b="0" i="1" smtClean="0">
+                          <a:latin typeface="Cambria Math" panose="02040503050406030204" pitchFamily="18" charset="0"/>
+                        </a:rPr>
+                        <m:t>=</m:t>
+                      </m:r>
+                      <m:rad>
+                        <m:radPr>
+                          <m:degHide m:val="on"/>
+                          <m:ctrlPr>
+                            <a:rPr lang="en-US" altLang="ja-JP" sz="2400" i="1">
+                              <a:latin typeface="Cambria Math" panose="02040503050406030204" pitchFamily="18" charset="0"/>
+                            </a:rPr>
+                          </m:ctrlPr>
+                        </m:radPr>
+                        <m:deg/>
+                        <m:e>
+                          <m:sSub>
+                            <m:sSubPr>
+                              <m:ctrlPr>
+                                <a:rPr lang="en-US" altLang="ja-JP" sz="2400" i="1">
+                                  <a:latin typeface="Cambria Math" panose="02040503050406030204" pitchFamily="18" charset="0"/>
+                                </a:rPr>
+                              </m:ctrlPr>
+                            </m:sSubPr>
+                            <m:e>
+                              <m:r>
+                                <a:rPr lang="en-US" altLang="ja-JP" sz="2400" i="1">
+                                  <a:latin typeface="Cambria Math" panose="02040503050406030204" pitchFamily="18" charset="0"/>
+                                </a:rPr>
+                                <m:t>𝐾</m:t>
+                              </m:r>
+                            </m:e>
+                            <m:sub>
+                              <m:r>
+                                <a:rPr lang="en-US" altLang="ja-JP" sz="2400" i="1">
+                                  <a:latin typeface="Cambria Math" panose="02040503050406030204" pitchFamily="18" charset="0"/>
+                                </a:rPr>
+                                <m:t>𝑝</m:t>
+                              </m:r>
+                            </m:sub>
+                          </m:sSub>
+                          <m:r>
+                            <a:rPr lang="en-US" altLang="ja-JP" sz="2400" i="1">
+                              <a:latin typeface="Cambria Math" panose="02040503050406030204" pitchFamily="18" charset="0"/>
+                            </a:rPr>
+                            <m:t>(2</m:t>
+                          </m:r>
+                          <m:sSub>
+                            <m:sSubPr>
+                              <m:ctrlPr>
+                                <a:rPr lang="en-US" altLang="ja-JP" sz="2400" i="1">
+                                  <a:latin typeface="Cambria Math" panose="02040503050406030204" pitchFamily="18" charset="0"/>
+                                </a:rPr>
+                              </m:ctrlPr>
+                            </m:sSubPr>
+                            <m:e>
+                              <m:r>
+                                <a:rPr lang="en-US" altLang="ja-JP" sz="2400" i="1">
+                                  <a:latin typeface="Cambria Math" panose="02040503050406030204" pitchFamily="18" charset="0"/>
+                                </a:rPr>
+                                <m:t>𝐼</m:t>
+                              </m:r>
+                            </m:e>
+                            <m:sub>
+                              <m:r>
+                                <a:rPr lang="en-US" altLang="ja-JP" sz="2400" i="1">
+                                  <a:latin typeface="Cambria Math" panose="02040503050406030204" pitchFamily="18" charset="0"/>
+                                </a:rPr>
+                                <m:t>𝑏𝑖𝑎𝑠</m:t>
+                              </m:r>
+                              <m:r>
+                                <a:rPr lang="en-US" altLang="ja-JP" sz="2400" i="1">
+                                  <a:latin typeface="Cambria Math" panose="02040503050406030204" pitchFamily="18" charset="0"/>
+                                </a:rPr>
+                                <m:t>1</m:t>
+                              </m:r>
+                            </m:sub>
+                          </m:sSub>
+                          <m:r>
+                            <a:rPr lang="en-US" altLang="ja-JP" sz="2400" i="1">
+                              <a:latin typeface="Cambria Math" panose="02040503050406030204" pitchFamily="18" charset="0"/>
+                            </a:rPr>
+                            <m:t>−</m:t>
+                          </m:r>
+                          <m:sSub>
+                            <m:sSubPr>
+                              <m:ctrlPr>
+                                <a:rPr lang="en-US" altLang="ja-JP" sz="2400" i="1">
+                                  <a:latin typeface="Cambria Math" panose="02040503050406030204" pitchFamily="18" charset="0"/>
+                                </a:rPr>
+                              </m:ctrlPr>
+                            </m:sSubPr>
+                            <m:e>
+                              <m:r>
+                                <a:rPr lang="en-US" altLang="ja-JP" sz="2400" i="1">
+                                  <a:latin typeface="Cambria Math" panose="02040503050406030204" pitchFamily="18" charset="0"/>
+                                </a:rPr>
+                                <m:t>𝐼</m:t>
+                              </m:r>
+                            </m:e>
+                            <m:sub>
+                              <m:r>
+                                <a:rPr lang="en-US" altLang="ja-JP" sz="2400" i="1">
+                                  <a:latin typeface="Cambria Math" panose="02040503050406030204" pitchFamily="18" charset="0"/>
+                                </a:rPr>
+                                <m:t>𝐶</m:t>
+                              </m:r>
+                            </m:sub>
+                          </m:sSub>
+                          <m:r>
+                            <a:rPr lang="en-US" altLang="ja-JP" sz="2400" i="1">
+                              <a:latin typeface="Cambria Math" panose="02040503050406030204" pitchFamily="18" charset="0"/>
+                            </a:rPr>
+                            <m:t>)</m:t>
+                          </m:r>
+                        </m:e>
+                      </m:rad>
+                    </m:oMath>
+                  </m:oMathPara>
+                </a14:m>
+                <a:endParaRPr kumimoji="1" lang="en-US" altLang="ja-JP" sz="2400" dirty="0"/>
+              </a:p>
+              <a:p>
+                <a:r>
+                  <a:rPr lang="ja-JP" altLang="en-US" sz="2400" dirty="0"/>
+                  <a:t>と置けば</a:t>
+                </a:r>
+                <a:endParaRPr lang="en-US" altLang="ja-JP" sz="2400" dirty="0"/>
+              </a:p>
+              <a:p>
+                <a:pPr/>
+                <a14:m>
+                  <m:oMathPara xmlns:m="http://schemas.openxmlformats.org/officeDocument/2006/math">
+                    <m:oMathParaPr>
+                      <m:jc m:val="centerGroup"/>
+                    </m:oMathParaPr>
+                    <m:oMath xmlns:m="http://schemas.openxmlformats.org/officeDocument/2006/math">
+                      <m:r>
+                        <a:rPr lang="en-US" altLang="ja-JP" sz="2400" i="1">
+                          <a:latin typeface="Cambria Math" panose="02040503050406030204" pitchFamily="18" charset="0"/>
+                        </a:rPr>
+                        <m:t>h</m:t>
+                      </m:r>
+                      <m:d>
+                        <m:dPr>
+                          <m:ctrlPr>
+                            <a:rPr lang="en-US" altLang="ja-JP" sz="2400" i="1">
+                              <a:latin typeface="Cambria Math" panose="02040503050406030204" pitchFamily="18" charset="0"/>
+                            </a:rPr>
+                          </m:ctrlPr>
+                        </m:dPr>
+                        <m:e>
+                          <m:sSub>
+                            <m:sSubPr>
+                              <m:ctrlPr>
+                                <a:rPr lang="en-US" altLang="ja-JP" sz="2400" i="1">
+                                  <a:latin typeface="Cambria Math" panose="02040503050406030204" pitchFamily="18" charset="0"/>
+                                </a:rPr>
+                              </m:ctrlPr>
+                            </m:sSubPr>
+                            <m:e>
+                              <m:r>
+                                <a:rPr lang="en-US" altLang="ja-JP" sz="2400" i="1">
+                                  <a:latin typeface="Cambria Math" panose="02040503050406030204" pitchFamily="18" charset="0"/>
+                                </a:rPr>
+                                <m:t>𝑣</m:t>
+                              </m:r>
+                            </m:e>
+                            <m:sub>
+                              <m:r>
+                                <a:rPr lang="en-US" altLang="ja-JP" sz="2400" i="1">
+                                  <a:latin typeface="Cambria Math" panose="02040503050406030204" pitchFamily="18" charset="0"/>
+                                </a:rPr>
+                                <m:t>𝑖𝑛</m:t>
+                              </m:r>
+                            </m:sub>
+                          </m:sSub>
+                          <m:r>
+                            <a:rPr lang="en-US" altLang="ja-JP" sz="2400" i="1">
+                              <a:latin typeface="Cambria Math" panose="02040503050406030204" pitchFamily="18" charset="0"/>
+                            </a:rPr>
+                            <m:t>,−</m:t>
+                          </m:r>
+                          <m:sSub>
+                            <m:sSubPr>
+                              <m:ctrlPr>
+                                <a:rPr lang="en-US" altLang="ja-JP" sz="2400" i="1">
+                                  <a:latin typeface="Cambria Math" panose="02040503050406030204" pitchFamily="18" charset="0"/>
+                                </a:rPr>
+                              </m:ctrlPr>
+                            </m:sSubPr>
+                            <m:e>
+                              <m:r>
+                                <a:rPr lang="en-US" altLang="ja-JP" sz="2400" i="1">
+                                  <a:latin typeface="Cambria Math" panose="02040503050406030204" pitchFamily="18" charset="0"/>
+                                </a:rPr>
+                                <m:t>𝑉</m:t>
+                              </m:r>
+                            </m:e>
+                            <m:sub>
+                              <m:r>
+                                <a:rPr lang="en-US" altLang="ja-JP" sz="2400" i="1">
+                                  <a:latin typeface="Cambria Math" panose="02040503050406030204" pitchFamily="18" charset="0"/>
+                                </a:rPr>
+                                <m:t>𝐶𝑇𝑅𝐿</m:t>
+                              </m:r>
+                            </m:sub>
+                          </m:sSub>
+                        </m:e>
+                      </m:d>
+                      <m:r>
+                        <a:rPr lang="en-US" altLang="ja-JP" sz="2400" b="0" i="1" smtClean="0">
+                          <a:latin typeface="Cambria Math" panose="02040503050406030204" pitchFamily="18" charset="0"/>
+                        </a:rPr>
+                        <m:t>=</m:t>
+                      </m:r>
+                      <m:r>
+                        <a:rPr lang="en-US" altLang="ja-JP" sz="2400" b="0" i="1" smtClean="0">
+                          <a:latin typeface="Cambria Math" panose="02040503050406030204" pitchFamily="18" charset="0"/>
+                        </a:rPr>
+                        <m:t>𝐴</m:t>
+                      </m:r>
+                      <m:r>
+                        <a:rPr lang="en-US" altLang="ja-JP" sz="2400" b="0" i="1" smtClean="0">
+                          <a:latin typeface="Cambria Math" panose="02040503050406030204" pitchFamily="18" charset="0"/>
+                        </a:rPr>
+                        <m:t>⋅</m:t>
+                      </m:r>
+                      <m:d>
+                        <m:dPr>
+                          <m:ctrlPr>
+                            <a:rPr lang="en-US" altLang="ja-JP" sz="2400" b="0" i="1" smtClean="0">
+                              <a:latin typeface="Cambria Math" panose="02040503050406030204" pitchFamily="18" charset="0"/>
+                            </a:rPr>
+                          </m:ctrlPr>
+                        </m:dPr>
+                        <m:e>
+                          <m:f>
+                            <m:fPr>
+                              <m:ctrlPr>
+                                <a:rPr lang="en-US" altLang="ja-JP" sz="2400" b="0" i="1" smtClean="0">
+                                  <a:latin typeface="Cambria Math" panose="02040503050406030204" pitchFamily="18" charset="0"/>
+                                </a:rPr>
+                              </m:ctrlPr>
+                            </m:fPr>
+                            <m:num>
+                              <m:r>
+                                <a:rPr lang="en-US" altLang="ja-JP" sz="2400" b="0" i="1" smtClean="0">
+                                  <a:latin typeface="Cambria Math" panose="02040503050406030204" pitchFamily="18" charset="0"/>
+                                </a:rPr>
+                                <m:t>1</m:t>
+                              </m:r>
+                            </m:num>
+                            <m:den>
+                              <m:r>
+                                <a:rPr lang="en-US" altLang="ja-JP" sz="2400" b="0" i="1" smtClean="0">
+                                  <a:latin typeface="Cambria Math" panose="02040503050406030204" pitchFamily="18" charset="0"/>
+                                </a:rPr>
+                                <m:t>2</m:t>
+                              </m:r>
+                            </m:den>
+                          </m:f>
+                          <m:r>
+                            <a:rPr lang="en-US" altLang="ja-JP" sz="2400" b="0" i="1" smtClean="0">
+                              <a:latin typeface="Cambria Math" panose="02040503050406030204" pitchFamily="18" charset="0"/>
+                            </a:rPr>
+                            <m:t>+</m:t>
+                          </m:r>
+                          <m:r>
+                            <a:rPr lang="en-US" altLang="ja-JP" sz="2400" b="0" i="1" smtClean="0">
+                              <a:latin typeface="Cambria Math" panose="02040503050406030204" pitchFamily="18" charset="0"/>
+                            </a:rPr>
+                            <m:t>𝐵</m:t>
+                          </m:r>
+                          <m:r>
+                            <a:rPr lang="en-US" altLang="ja-JP" sz="2400" b="0" i="1" smtClean="0">
+                              <a:latin typeface="Cambria Math" panose="02040503050406030204" pitchFamily="18" charset="0"/>
+                            </a:rPr>
+                            <m:t>⋅</m:t>
+                          </m:r>
+                          <m:sSub>
+                            <m:sSubPr>
+                              <m:ctrlPr>
+                                <a:rPr lang="en-US" altLang="ja-JP" sz="2400" b="0" i="1" smtClean="0">
+                                  <a:latin typeface="Cambria Math" panose="02040503050406030204" pitchFamily="18" charset="0"/>
+                                </a:rPr>
+                              </m:ctrlPr>
+                            </m:sSubPr>
+                            <m:e>
+                              <m:r>
+                                <a:rPr lang="en-US" altLang="ja-JP" sz="2400" b="0" i="1" smtClean="0">
+                                  <a:latin typeface="Cambria Math" panose="02040503050406030204" pitchFamily="18" charset="0"/>
+                                </a:rPr>
+                                <m:t>𝑉</m:t>
+                              </m:r>
+                            </m:e>
+                            <m:sub>
+                              <m:r>
+                                <a:rPr lang="en-US" altLang="ja-JP" sz="2400" b="0" i="1" smtClean="0">
+                                  <a:latin typeface="Cambria Math" panose="02040503050406030204" pitchFamily="18" charset="0"/>
+                                </a:rPr>
+                                <m:t>𝐶𝑇𝑅𝐿</m:t>
+                              </m:r>
+                            </m:sub>
+                          </m:sSub>
+                        </m:e>
+                      </m:d>
+                      <m:r>
+                        <a:rPr lang="en-US" altLang="ja-JP" sz="2400" b="0" i="1" smtClean="0">
+                          <a:latin typeface="Cambria Math" panose="02040503050406030204" pitchFamily="18" charset="0"/>
+                        </a:rPr>
+                        <m:t>⋅</m:t>
+                      </m:r>
+                      <m:sSub>
+                        <m:sSubPr>
+                          <m:ctrlPr>
+                            <a:rPr lang="en-US" altLang="ja-JP" sz="2400" b="0" i="1" smtClean="0">
+                              <a:latin typeface="Cambria Math" panose="02040503050406030204" pitchFamily="18" charset="0"/>
+                            </a:rPr>
+                          </m:ctrlPr>
+                        </m:sSubPr>
+                        <m:e>
+                          <m:r>
+                            <a:rPr lang="en-US" altLang="ja-JP" sz="2400" b="0" i="1" smtClean="0">
+                              <a:latin typeface="Cambria Math" panose="02040503050406030204" pitchFamily="18" charset="0"/>
+                            </a:rPr>
+                            <m:t>𝑣</m:t>
+                          </m:r>
+                        </m:e>
+                        <m:sub>
+                          <m:r>
+                            <a:rPr lang="en-US" altLang="ja-JP" sz="2400" b="0" i="1" smtClean="0">
+                              <a:latin typeface="Cambria Math" panose="02040503050406030204" pitchFamily="18" charset="0"/>
+                            </a:rPr>
+                            <m:t>𝑖𝑛</m:t>
+                          </m:r>
+                        </m:sub>
+                      </m:sSub>
+                      <m:r>
+                        <a:rPr lang="en-US" altLang="ja-JP" sz="2400" b="0" i="1" smtClean="0">
+                          <a:latin typeface="Cambria Math" panose="02040503050406030204" pitchFamily="18" charset="0"/>
+                        </a:rPr>
+                        <m:t>+</m:t>
+                      </m:r>
+                      <m:r>
+                        <a:rPr lang="en-US" altLang="ja-JP" sz="2400" b="0" i="1" smtClean="0">
+                          <a:latin typeface="Cambria Math" panose="02040503050406030204" pitchFamily="18" charset="0"/>
+                        </a:rPr>
+                        <m:t>𝐶</m:t>
+                      </m:r>
+                      <m:r>
+                        <a:rPr lang="en-US" altLang="ja-JP" sz="2400" b="0" i="1" smtClean="0">
+                          <a:latin typeface="Cambria Math" panose="02040503050406030204" pitchFamily="18" charset="0"/>
+                        </a:rPr>
+                        <m:t>+</m:t>
+                      </m:r>
+                      <m:r>
+                        <a:rPr lang="en-US" altLang="ja-JP" sz="2400" b="0" i="1" smtClean="0">
+                          <a:latin typeface="Cambria Math" panose="02040503050406030204" pitchFamily="18" charset="0"/>
+                        </a:rPr>
+                        <m:t>𝐷</m:t>
+                      </m:r>
+                      <m:r>
+                        <a:rPr lang="en-US" altLang="ja-JP" sz="2400" b="0" i="1" smtClean="0">
+                          <a:latin typeface="Cambria Math" panose="02040503050406030204" pitchFamily="18" charset="0"/>
+                        </a:rPr>
+                        <m:t>⋅</m:t>
+                      </m:r>
+                      <m:sSub>
+                        <m:sSubPr>
+                          <m:ctrlPr>
+                            <a:rPr lang="en-US" altLang="ja-JP" sz="2400" b="0" i="1" smtClean="0">
+                              <a:latin typeface="Cambria Math" panose="02040503050406030204" pitchFamily="18" charset="0"/>
+                            </a:rPr>
+                          </m:ctrlPr>
+                        </m:sSubPr>
+                        <m:e>
+                          <m:r>
+                            <a:rPr lang="en-US" altLang="ja-JP" sz="2400" b="0" i="1" smtClean="0">
+                              <a:latin typeface="Cambria Math" panose="02040503050406030204" pitchFamily="18" charset="0"/>
+                            </a:rPr>
+                            <m:t>𝑉</m:t>
+                          </m:r>
+                        </m:e>
+                        <m:sub>
+                          <m:r>
+                            <a:rPr lang="en-US" altLang="ja-JP" sz="2400" b="0" i="1" smtClean="0">
+                              <a:latin typeface="Cambria Math" panose="02040503050406030204" pitchFamily="18" charset="0"/>
+                            </a:rPr>
+                            <m:t>𝐶𝑇𝑅𝐿</m:t>
+                          </m:r>
+                        </m:sub>
+                      </m:sSub>
+                    </m:oMath>
+                  </m:oMathPara>
+                </a14:m>
+                <a:endParaRPr kumimoji="1" lang="en-US" altLang="ja-JP" sz="2400" dirty="0"/>
+              </a:p>
+              <a:p>
+                <a:r>
+                  <a:rPr lang="ja-JP" altLang="en-US" sz="2400" dirty="0"/>
+                  <a:t>と表せる。</a:t>
+                </a:r>
+                <a:endParaRPr kumimoji="1" lang="ja-JP" altLang="en-US" sz="2400" dirty="0"/>
+              </a:p>
+            </p:txBody>
+          </p:sp>
+        </mc:Choice>
+        <mc:Fallback xmlns="">
+          <p:sp>
+            <p:nvSpPr>
+              <p:cNvPr id="4" name="テキスト ボックス 3">
+                <a:extLst>
+                  <a:ext uri="{FF2B5EF4-FFF2-40B4-BE49-F238E27FC236}">
+                    <a16:creationId xmlns:a16="http://schemas.microsoft.com/office/drawing/2014/main" id="{D8925E0E-ABEF-CC43-84FF-2F683791FDE8}"/>
+                  </a:ext>
+                </a:extLst>
+              </p:cNvPr>
+              <p:cNvSpPr txBox="1">
+                <a:spLocks noRot="1" noChangeAspect="1" noMove="1" noResize="1" noEditPoints="1" noAdjustHandles="1" noChangeArrowheads="1" noChangeShapeType="1" noTextEdit="1"/>
+              </p:cNvSpPr>
+              <p:nvPr/>
+            </p:nvSpPr>
+            <p:spPr>
+              <a:xfrm>
+                <a:off x="0" y="1789300"/>
+                <a:ext cx="12192000" cy="4112216"/>
+              </a:xfrm>
+              <a:prstGeom prst="rect">
+                <a:avLst/>
+              </a:prstGeom>
+              <a:blipFill>
+                <a:blip r:embed="rId2"/>
+                <a:stretch>
+                  <a:fillRect l="-750" b="-2522"/>
+                </a:stretch>
+              </a:blipFill>
+            </p:spPr>
+            <p:txBody>
+              <a:bodyPr/>
+              <a:lstStyle/>
+              <a:p>
+                <a:r>
+                  <a:rPr lang="ja-JP" altLang="en-US">
+                    <a:noFill/>
+                  </a:rPr>
+                  <a:t> </a:t>
+                </a:r>
+              </a:p>
+            </p:txBody>
+          </p:sp>
+        </mc:Fallback>
+      </mc:AlternateContent>
+    </p:spTree>
+    <p:extLst>
+      <p:ext uri="{BB962C8B-B14F-4D97-AF65-F5344CB8AC3E}">
+        <p14:creationId xmlns:p14="http://schemas.microsoft.com/office/powerpoint/2010/main" val="2159479583"/>
+      </p:ext>
+    </p:extLst>
+  </p:cSld>
+  <p:clrMapOvr>
+    <a:masterClrMapping/>
+  </p:clrMapOvr>
+</p:sld>
+</file>
+
+<file path=ppt/slides/slide16.xml><?xml version="1.0" encoding="utf-8"?>
+<p:sld xmlns:a="http://schemas.openxmlformats.org/drawingml/2006/main" xmlns:r="http://schemas.openxmlformats.org/officeDocument/2006/relationships" xmlns:p="http://schemas.openxmlformats.org/presentationml/2006/main">
+  <p:cSld>
+    <p:spTree>
+      <p:nvGrpSpPr>
+        <p:cNvPr id="1" name=""/>
+        <p:cNvGrpSpPr/>
+        <p:nvPr/>
+      </p:nvGrpSpPr>
+      <p:grpSpPr>
+        <a:xfrm>
+          <a:off x="0" y="0"/>
+          <a:ext cx="0" cy="0"/>
+          <a:chOff x="0" y="0"/>
+          <a:chExt cx="0" cy="0"/>
+        </a:xfrm>
+      </p:grpSpPr>
+      <p:sp>
+        <p:nvSpPr>
+          <p:cNvPr id="2" name="タイトル 1">
+            <a:extLst>
+              <a:ext uri="{FF2B5EF4-FFF2-40B4-BE49-F238E27FC236}">
+                <a16:creationId xmlns:a16="http://schemas.microsoft.com/office/drawing/2014/main" id="{B2A03796-1BBB-9352-F5FB-D882933169EC}"/>
+              </a:ext>
+            </a:extLst>
+          </p:cNvPr>
+          <p:cNvSpPr>
+            <a:spLocks noGrp="1"/>
+          </p:cNvSpPr>
+          <p:nvPr>
+            <p:ph type="title"/>
+          </p:nvPr>
+        </p:nvSpPr>
+        <p:spPr/>
+        <p:txBody>
+          <a:bodyPr/>
+          <a:lstStyle/>
+          <a:p>
+            <a:r>
+              <a:rPr kumimoji="1" lang="ja-JP" altLang="en-US" dirty="0"/>
+              <a:t>折り返し型乗算回路の利得計算</a:t>
+            </a:r>
+            <a:br>
+              <a:rPr kumimoji="1" lang="en-US" altLang="ja-JP" dirty="0"/>
+            </a:br>
+            <a:r>
+              <a:rPr kumimoji="1" lang="ja-JP" altLang="en-US" dirty="0"/>
+              <a:t>各部の電流</a:t>
+            </a:r>
+          </a:p>
+        </p:txBody>
+      </p:sp>
+      <p:sp>
+        <p:nvSpPr>
+          <p:cNvPr id="3" name="スライド番号プレースホルダー 2">
+            <a:extLst>
+              <a:ext uri="{FF2B5EF4-FFF2-40B4-BE49-F238E27FC236}">
+                <a16:creationId xmlns:a16="http://schemas.microsoft.com/office/drawing/2014/main" id="{1756CABB-C855-DE10-7786-15A27BD4AE47}"/>
+              </a:ext>
+            </a:extLst>
+          </p:cNvPr>
+          <p:cNvSpPr>
+            <a:spLocks noGrp="1"/>
+          </p:cNvSpPr>
+          <p:nvPr>
+            <p:ph type="sldNum" sz="quarter" idx="12"/>
+          </p:nvPr>
+        </p:nvSpPr>
+        <p:spPr/>
+        <p:txBody>
+          <a:bodyPr/>
+          <a:lstStyle/>
+          <a:p>
+            <a:fld id="{A742575F-3C2A-495A-A52F-17634B579F22}" type="slidenum">
+              <a:rPr kumimoji="1" lang="ja-JP" altLang="en-US" smtClean="0"/>
+              <a:t>16</a:t>
+            </a:fld>
+            <a:endParaRPr kumimoji="1" lang="ja-JP" altLang="en-US"/>
+          </a:p>
+        </p:txBody>
+      </p:sp>
+      <mc:AlternateContent xmlns:mc="http://schemas.openxmlformats.org/markup-compatibility/2006" xmlns:a14="http://schemas.microsoft.com/office/drawing/2010/main">
+        <mc:Choice Requires="a14">
+          <p:sp>
+            <p:nvSpPr>
+              <p:cNvPr id="4" name="テキスト ボックス 3">
+                <a:extLst>
+                  <a:ext uri="{FF2B5EF4-FFF2-40B4-BE49-F238E27FC236}">
+                    <a16:creationId xmlns:a16="http://schemas.microsoft.com/office/drawing/2014/main" id="{EF874216-8402-436B-2DC4-7D09DBDB51F1}"/>
+                  </a:ext>
+                </a:extLst>
+              </p:cNvPr>
+              <p:cNvSpPr txBox="1"/>
+              <p:nvPr/>
+            </p:nvSpPr>
+            <p:spPr>
+              <a:xfrm>
+                <a:off x="1613647" y="1690688"/>
+                <a:ext cx="8964705" cy="4765920"/>
+              </a:xfrm>
+              <a:prstGeom prst="rect">
+                <a:avLst/>
+              </a:prstGeom>
+              <a:noFill/>
+            </p:spPr>
+            <p:txBody>
+              <a:bodyPr wrap="square" rtlCol="0">
+                <a:spAutoFit/>
+              </a:bodyPr>
+              <a:lstStyle/>
+              <a:p>
+                <a:pPr algn="l"/>
+                <a14:m>
+                  <m:oMathPara xmlns:m="http://schemas.openxmlformats.org/officeDocument/2006/math">
+                    <m:oMathParaPr>
+                      <m:jc m:val="centerGroup"/>
+                    </m:oMathParaPr>
+                    <m:oMath xmlns:m="http://schemas.openxmlformats.org/officeDocument/2006/math">
+                      <m:sSub>
+                        <m:sSubPr>
+                          <m:ctrlPr>
+                            <a:rPr kumimoji="1" lang="en-US" altLang="ja-JP" sz="2400" b="0" i="1" smtClean="0">
+                              <a:latin typeface="Cambria Math" panose="02040503050406030204" pitchFamily="18" charset="0"/>
+                            </a:rPr>
+                          </m:ctrlPr>
+                        </m:sSubPr>
+                        <m:e>
+                          <m:r>
+                            <a:rPr kumimoji="1" lang="en-US" altLang="ja-JP" sz="2400" b="0" i="1" smtClean="0">
+                              <a:latin typeface="Cambria Math" panose="02040503050406030204" pitchFamily="18" charset="0"/>
+                            </a:rPr>
+                            <m:t>𝑖</m:t>
+                          </m:r>
+                        </m:e>
+                        <m:sub>
+                          <m:r>
+                            <a:rPr kumimoji="1" lang="en-US" altLang="ja-JP" sz="2400" b="0" i="1" smtClean="0">
+                              <a:latin typeface="Cambria Math" panose="02040503050406030204" pitchFamily="18" charset="0"/>
+                            </a:rPr>
+                            <m:t>𝐴</m:t>
+                          </m:r>
+                          <m:r>
+                            <a:rPr kumimoji="1" lang="en-US" altLang="ja-JP" sz="2400" b="0" i="1" smtClean="0">
+                              <a:latin typeface="Cambria Math" panose="02040503050406030204" pitchFamily="18" charset="0"/>
+                            </a:rPr>
+                            <m:t>1</m:t>
+                          </m:r>
+                        </m:sub>
+                      </m:sSub>
+                      <m:r>
+                        <a:rPr kumimoji="1" lang="en-US" altLang="ja-JP" sz="2400" b="0" i="1" smtClean="0">
+                          <a:latin typeface="Cambria Math" panose="02040503050406030204" pitchFamily="18" charset="0"/>
+                        </a:rPr>
+                        <m:t>−</m:t>
+                      </m:r>
+                      <m:sSub>
+                        <m:sSubPr>
+                          <m:ctrlPr>
+                            <a:rPr kumimoji="1" lang="en-US" altLang="ja-JP" sz="2400" b="0" i="1" smtClean="0">
+                              <a:latin typeface="Cambria Math" panose="02040503050406030204" pitchFamily="18" charset="0"/>
+                            </a:rPr>
+                          </m:ctrlPr>
+                        </m:sSubPr>
+                        <m:e>
+                          <m:r>
+                            <a:rPr kumimoji="1" lang="en-US" altLang="ja-JP" sz="2400" b="0" i="1" smtClean="0">
+                              <a:latin typeface="Cambria Math" panose="02040503050406030204" pitchFamily="18" charset="0"/>
+                            </a:rPr>
+                            <m:t>𝑖</m:t>
+                          </m:r>
+                        </m:e>
+                        <m:sub>
+                          <m:r>
+                            <a:rPr kumimoji="1" lang="en-US" altLang="ja-JP" sz="2400" b="0" i="1" smtClean="0">
+                              <a:latin typeface="Cambria Math" panose="02040503050406030204" pitchFamily="18" charset="0"/>
+                            </a:rPr>
+                            <m:t>𝐴</m:t>
+                          </m:r>
+                          <m:r>
+                            <a:rPr kumimoji="1" lang="en-US" altLang="ja-JP" sz="2400" b="0" i="1" smtClean="0">
+                              <a:latin typeface="Cambria Math" panose="02040503050406030204" pitchFamily="18" charset="0"/>
+                            </a:rPr>
+                            <m:t>2</m:t>
+                          </m:r>
+                        </m:sub>
+                      </m:sSub>
+                      <m:r>
+                        <a:rPr kumimoji="1" lang="en-US" altLang="ja-JP" sz="2400" b="0" i="1" smtClean="0">
+                          <a:latin typeface="Cambria Math" panose="02040503050406030204" pitchFamily="18" charset="0"/>
+                        </a:rPr>
+                        <m:t>+</m:t>
+                      </m:r>
+                      <m:sSub>
+                        <m:sSubPr>
+                          <m:ctrlPr>
+                            <a:rPr kumimoji="1" lang="en-US" altLang="ja-JP" sz="2400" b="0" i="1" smtClean="0">
+                              <a:latin typeface="Cambria Math" panose="02040503050406030204" pitchFamily="18" charset="0"/>
+                            </a:rPr>
+                          </m:ctrlPr>
+                        </m:sSubPr>
+                        <m:e>
+                          <m:r>
+                            <a:rPr kumimoji="1" lang="en-US" altLang="ja-JP" sz="2400" b="0" i="1" smtClean="0">
+                              <a:latin typeface="Cambria Math" panose="02040503050406030204" pitchFamily="18" charset="0"/>
+                            </a:rPr>
+                            <m:t>𝑖</m:t>
+                          </m:r>
+                        </m:e>
+                        <m:sub>
+                          <m:r>
+                            <a:rPr kumimoji="1" lang="en-US" altLang="ja-JP" sz="2400" b="0" i="1" smtClean="0">
+                              <a:latin typeface="Cambria Math" panose="02040503050406030204" pitchFamily="18" charset="0"/>
+                            </a:rPr>
+                            <m:t>𝐴</m:t>
+                          </m:r>
+                          <m:r>
+                            <a:rPr kumimoji="1" lang="en-US" altLang="ja-JP" sz="2400" b="0" i="1" smtClean="0">
+                              <a:latin typeface="Cambria Math" panose="02040503050406030204" pitchFamily="18" charset="0"/>
+                            </a:rPr>
+                            <m:t>3</m:t>
+                          </m:r>
+                        </m:sub>
+                      </m:sSub>
+                      <m:r>
+                        <a:rPr kumimoji="1" lang="en-US" altLang="ja-JP" sz="2400" b="0" i="1" smtClean="0">
+                          <a:latin typeface="Cambria Math" panose="02040503050406030204" pitchFamily="18" charset="0"/>
+                        </a:rPr>
+                        <m:t>−</m:t>
+                      </m:r>
+                      <m:sSub>
+                        <m:sSubPr>
+                          <m:ctrlPr>
+                            <a:rPr kumimoji="1" lang="en-US" altLang="ja-JP" sz="2400" b="0" i="1" smtClean="0">
+                              <a:latin typeface="Cambria Math" panose="02040503050406030204" pitchFamily="18" charset="0"/>
+                            </a:rPr>
+                          </m:ctrlPr>
+                        </m:sSubPr>
+                        <m:e>
+                          <m:r>
+                            <a:rPr kumimoji="1" lang="en-US" altLang="ja-JP" sz="2400" b="0" i="1" smtClean="0">
+                              <a:latin typeface="Cambria Math" panose="02040503050406030204" pitchFamily="18" charset="0"/>
+                            </a:rPr>
+                            <m:t>𝑖</m:t>
+                          </m:r>
+                        </m:e>
+                        <m:sub>
+                          <m:r>
+                            <a:rPr kumimoji="1" lang="en-US" altLang="ja-JP" sz="2400" b="0" i="1" smtClean="0">
+                              <a:latin typeface="Cambria Math" panose="02040503050406030204" pitchFamily="18" charset="0"/>
+                            </a:rPr>
+                            <m:t>𝐴</m:t>
+                          </m:r>
+                          <m:r>
+                            <a:rPr kumimoji="1" lang="en-US" altLang="ja-JP" sz="2400" b="0" i="1" smtClean="0">
+                              <a:latin typeface="Cambria Math" panose="02040503050406030204" pitchFamily="18" charset="0"/>
+                            </a:rPr>
+                            <m:t>4</m:t>
+                          </m:r>
+                        </m:sub>
+                      </m:sSub>
+                    </m:oMath>
+                  </m:oMathPara>
+                </a14:m>
+                <a:endParaRPr kumimoji="1" lang="en-US" altLang="ja-JP" sz="2400" dirty="0"/>
+              </a:p>
+              <a:p>
+                <a:pPr/>
+                <a14:m>
+                  <m:oMathPara xmlns:m="http://schemas.openxmlformats.org/officeDocument/2006/math">
+                    <m:oMathParaPr>
+                      <m:jc m:val="centerGroup"/>
+                    </m:oMathParaPr>
+                    <m:oMath xmlns:m="http://schemas.openxmlformats.org/officeDocument/2006/math">
+                      <m:r>
+                        <a:rPr kumimoji="1" lang="en-US" altLang="ja-JP" sz="2000" b="0" i="1" smtClean="0">
+                          <a:latin typeface="Cambria Math" panose="02040503050406030204" pitchFamily="18" charset="0"/>
+                        </a:rPr>
+                        <m:t>=</m:t>
+                      </m:r>
+                      <m:r>
+                        <a:rPr kumimoji="1" lang="en-US" altLang="ja-JP" sz="2000" b="0" i="1" smtClean="0">
+                          <a:latin typeface="Cambria Math" panose="02040503050406030204" pitchFamily="18" charset="0"/>
+                        </a:rPr>
+                        <m:t>h</m:t>
+                      </m:r>
+                      <m:d>
+                        <m:dPr>
+                          <m:ctrlPr>
+                            <a:rPr kumimoji="1" lang="en-US" altLang="ja-JP" sz="2000" b="0" i="1" smtClean="0">
+                              <a:latin typeface="Cambria Math" panose="02040503050406030204" pitchFamily="18" charset="0"/>
+                            </a:rPr>
+                          </m:ctrlPr>
+                        </m:dPr>
+                        <m:e>
+                          <m:sSub>
+                            <m:sSubPr>
+                              <m:ctrlPr>
+                                <a:rPr kumimoji="1" lang="en-US" altLang="ja-JP" sz="2000" b="0" i="1" smtClean="0">
+                                  <a:latin typeface="Cambria Math" panose="02040503050406030204" pitchFamily="18" charset="0"/>
+                                </a:rPr>
+                              </m:ctrlPr>
+                            </m:sSubPr>
+                            <m:e>
+                              <m:r>
+                                <a:rPr kumimoji="1" lang="en-US" altLang="ja-JP" sz="2000" b="0" i="1" smtClean="0">
+                                  <a:latin typeface="Cambria Math" panose="02040503050406030204" pitchFamily="18" charset="0"/>
+                                </a:rPr>
+                                <m:t>𝑣</m:t>
+                              </m:r>
+                            </m:e>
+                            <m:sub>
+                              <m:r>
+                                <a:rPr kumimoji="1" lang="en-US" altLang="ja-JP" sz="2000" b="0" i="1" smtClean="0">
+                                  <a:latin typeface="Cambria Math" panose="02040503050406030204" pitchFamily="18" charset="0"/>
+                                </a:rPr>
+                                <m:t>𝑖𝑛</m:t>
+                              </m:r>
+                            </m:sub>
+                          </m:sSub>
+                          <m:r>
+                            <a:rPr kumimoji="1" lang="en-US" altLang="ja-JP" sz="2000" b="0" i="1" smtClean="0">
+                              <a:latin typeface="Cambria Math" panose="02040503050406030204" pitchFamily="18" charset="0"/>
+                            </a:rPr>
+                            <m:t>,−</m:t>
+                          </m:r>
+                          <m:sSub>
+                            <m:sSubPr>
+                              <m:ctrlPr>
+                                <a:rPr kumimoji="1" lang="en-US" altLang="ja-JP" sz="2000" b="0" i="1" smtClean="0">
+                                  <a:latin typeface="Cambria Math" panose="02040503050406030204" pitchFamily="18" charset="0"/>
+                                </a:rPr>
+                              </m:ctrlPr>
+                            </m:sSubPr>
+                            <m:e>
+                              <m:r>
+                                <a:rPr kumimoji="1" lang="en-US" altLang="ja-JP" sz="2000" b="0" i="1" smtClean="0">
+                                  <a:latin typeface="Cambria Math" panose="02040503050406030204" pitchFamily="18" charset="0"/>
+                                </a:rPr>
+                                <m:t>𝑉</m:t>
+                              </m:r>
+                            </m:e>
+                            <m:sub>
+                              <m:r>
+                                <a:rPr kumimoji="1" lang="en-US" altLang="ja-JP" sz="2000" b="0" i="1" smtClean="0">
+                                  <a:latin typeface="Cambria Math" panose="02040503050406030204" pitchFamily="18" charset="0"/>
+                                </a:rPr>
+                                <m:t>𝐶𝑇𝑅𝐿</m:t>
+                              </m:r>
+                            </m:sub>
+                          </m:sSub>
+                        </m:e>
+                      </m:d>
+                      <m:r>
+                        <a:rPr lang="en-US" altLang="ja-JP" sz="2000" i="1">
+                          <a:latin typeface="Cambria Math" panose="02040503050406030204" pitchFamily="18" charset="0"/>
+                        </a:rPr>
+                        <m:t>−</m:t>
+                      </m:r>
+                      <m:r>
+                        <a:rPr lang="en-US" altLang="ja-JP" sz="2000" i="1">
+                          <a:latin typeface="Cambria Math" panose="02040503050406030204" pitchFamily="18" charset="0"/>
+                        </a:rPr>
+                        <m:t>h</m:t>
+                      </m:r>
+                      <m:d>
+                        <m:dPr>
+                          <m:ctrlPr>
+                            <a:rPr lang="en-US" altLang="ja-JP" sz="2000" i="1">
+                              <a:latin typeface="Cambria Math" panose="02040503050406030204" pitchFamily="18" charset="0"/>
+                            </a:rPr>
+                          </m:ctrlPr>
+                        </m:dPr>
+                        <m:e>
+                          <m:sSub>
+                            <m:sSubPr>
+                              <m:ctrlPr>
+                                <a:rPr lang="en-US" altLang="ja-JP" sz="2000" i="1">
+                                  <a:latin typeface="Cambria Math" panose="02040503050406030204" pitchFamily="18" charset="0"/>
+                                </a:rPr>
+                              </m:ctrlPr>
+                            </m:sSubPr>
+                            <m:e>
+                              <m:r>
+                                <a:rPr lang="en-US" altLang="ja-JP" sz="2000" i="1">
+                                  <a:latin typeface="Cambria Math" panose="02040503050406030204" pitchFamily="18" charset="0"/>
+                                </a:rPr>
+                                <m:t>𝑣</m:t>
+                              </m:r>
+                            </m:e>
+                            <m:sub>
+                              <m:r>
+                                <a:rPr lang="en-US" altLang="ja-JP" sz="2000" i="1">
+                                  <a:latin typeface="Cambria Math" panose="02040503050406030204" pitchFamily="18" charset="0"/>
+                                </a:rPr>
+                                <m:t>𝑖𝑛</m:t>
+                              </m:r>
+                            </m:sub>
+                          </m:sSub>
+                          <m:r>
+                            <a:rPr lang="en-US" altLang="ja-JP" sz="2000" i="1">
+                              <a:latin typeface="Cambria Math" panose="02040503050406030204" pitchFamily="18" charset="0"/>
+                            </a:rPr>
+                            <m:t>,</m:t>
+                          </m:r>
+                          <m:sSub>
+                            <m:sSubPr>
+                              <m:ctrlPr>
+                                <a:rPr lang="en-US" altLang="ja-JP" sz="2000" i="1">
+                                  <a:latin typeface="Cambria Math" panose="02040503050406030204" pitchFamily="18" charset="0"/>
+                                </a:rPr>
+                              </m:ctrlPr>
+                            </m:sSubPr>
+                            <m:e>
+                              <m:r>
+                                <a:rPr lang="en-US" altLang="ja-JP" sz="2000" i="1">
+                                  <a:latin typeface="Cambria Math" panose="02040503050406030204" pitchFamily="18" charset="0"/>
+                                </a:rPr>
+                                <m:t>𝑉</m:t>
+                              </m:r>
+                            </m:e>
+                            <m:sub>
+                              <m:r>
+                                <a:rPr lang="en-US" altLang="ja-JP" sz="2000" i="1">
+                                  <a:latin typeface="Cambria Math" panose="02040503050406030204" pitchFamily="18" charset="0"/>
+                                </a:rPr>
+                                <m:t>𝐶𝑇𝑅𝐿</m:t>
+                              </m:r>
+                            </m:sub>
+                          </m:sSub>
+                        </m:e>
+                      </m:d>
+                      <m:r>
+                        <a:rPr lang="en-US" altLang="ja-JP" sz="2000" b="0" i="1" smtClean="0">
+                          <a:latin typeface="Cambria Math" panose="02040503050406030204" pitchFamily="18" charset="0"/>
+                        </a:rPr>
+                        <m:t>+</m:t>
+                      </m:r>
+                      <m:r>
+                        <a:rPr lang="en-US" altLang="ja-JP" sz="2000" i="1">
+                          <a:latin typeface="Cambria Math" panose="02040503050406030204" pitchFamily="18" charset="0"/>
+                        </a:rPr>
+                        <m:t>h</m:t>
+                      </m:r>
+                      <m:d>
+                        <m:dPr>
+                          <m:ctrlPr>
+                            <a:rPr lang="en-US" altLang="ja-JP" sz="2000" i="1">
+                              <a:latin typeface="Cambria Math" panose="02040503050406030204" pitchFamily="18" charset="0"/>
+                            </a:rPr>
+                          </m:ctrlPr>
+                        </m:dPr>
+                        <m:e>
+                          <m:r>
+                            <a:rPr lang="en-US" altLang="ja-JP" sz="2000" b="0" i="1" smtClean="0">
+                              <a:latin typeface="Cambria Math" panose="02040503050406030204" pitchFamily="18" charset="0"/>
+                            </a:rPr>
+                            <m:t>−</m:t>
+                          </m:r>
+                          <m:sSub>
+                            <m:sSubPr>
+                              <m:ctrlPr>
+                                <a:rPr lang="en-US" altLang="ja-JP" sz="2000" i="1">
+                                  <a:latin typeface="Cambria Math" panose="02040503050406030204" pitchFamily="18" charset="0"/>
+                                </a:rPr>
+                              </m:ctrlPr>
+                            </m:sSubPr>
+                            <m:e>
+                              <m:r>
+                                <a:rPr lang="en-US" altLang="ja-JP" sz="2000" i="1">
+                                  <a:latin typeface="Cambria Math" panose="02040503050406030204" pitchFamily="18" charset="0"/>
+                                </a:rPr>
+                                <m:t>𝑣</m:t>
+                              </m:r>
+                            </m:e>
+                            <m:sub>
+                              <m:r>
+                                <a:rPr lang="en-US" altLang="ja-JP" sz="2000" i="1">
+                                  <a:latin typeface="Cambria Math" panose="02040503050406030204" pitchFamily="18" charset="0"/>
+                                </a:rPr>
+                                <m:t>𝑖𝑛</m:t>
+                              </m:r>
+                            </m:sub>
+                          </m:sSub>
+                          <m:r>
+                            <a:rPr lang="en-US" altLang="ja-JP" sz="2000" i="1">
+                              <a:latin typeface="Cambria Math" panose="02040503050406030204" pitchFamily="18" charset="0"/>
+                            </a:rPr>
+                            <m:t>,</m:t>
+                          </m:r>
+                          <m:sSub>
+                            <m:sSubPr>
+                              <m:ctrlPr>
+                                <a:rPr lang="en-US" altLang="ja-JP" sz="2000" i="1">
+                                  <a:latin typeface="Cambria Math" panose="02040503050406030204" pitchFamily="18" charset="0"/>
+                                </a:rPr>
+                              </m:ctrlPr>
+                            </m:sSubPr>
+                            <m:e>
+                              <m:r>
+                                <a:rPr lang="en-US" altLang="ja-JP" sz="2000" i="1">
+                                  <a:latin typeface="Cambria Math" panose="02040503050406030204" pitchFamily="18" charset="0"/>
+                                </a:rPr>
+                                <m:t>𝑉</m:t>
+                              </m:r>
+                            </m:e>
+                            <m:sub>
+                              <m:r>
+                                <a:rPr lang="en-US" altLang="ja-JP" sz="2000" i="1">
+                                  <a:latin typeface="Cambria Math" panose="02040503050406030204" pitchFamily="18" charset="0"/>
+                                </a:rPr>
+                                <m:t>𝐶𝑇𝑅𝐿</m:t>
+                              </m:r>
+                            </m:sub>
+                          </m:sSub>
+                        </m:e>
+                      </m:d>
+                      <m:r>
+                        <a:rPr lang="en-US" altLang="ja-JP" sz="2000" b="0" i="1" smtClean="0">
+                          <a:latin typeface="Cambria Math" panose="02040503050406030204" pitchFamily="18" charset="0"/>
+                        </a:rPr>
+                        <m:t>−</m:t>
+                      </m:r>
+                      <m:r>
+                        <a:rPr lang="en-US" altLang="ja-JP" sz="2000" i="1">
+                          <a:latin typeface="Cambria Math" panose="02040503050406030204" pitchFamily="18" charset="0"/>
+                        </a:rPr>
+                        <m:t>h</m:t>
+                      </m:r>
+                      <m:r>
+                        <a:rPr lang="en-US" altLang="ja-JP" sz="2000" i="1">
+                          <a:latin typeface="Cambria Math" panose="02040503050406030204" pitchFamily="18" charset="0"/>
+                        </a:rPr>
+                        <m:t>(</m:t>
+                      </m:r>
+                      <m:sSub>
+                        <m:sSubPr>
+                          <m:ctrlPr>
+                            <a:rPr lang="en-US" altLang="ja-JP" sz="2000" i="1">
+                              <a:latin typeface="Cambria Math" panose="02040503050406030204" pitchFamily="18" charset="0"/>
+                            </a:rPr>
+                          </m:ctrlPr>
+                        </m:sSubPr>
+                        <m:e>
+                          <m:r>
+                            <a:rPr lang="en-US" altLang="ja-JP" sz="2000" b="0" i="1" smtClean="0">
+                              <a:latin typeface="Cambria Math" panose="02040503050406030204" pitchFamily="18" charset="0"/>
+                            </a:rPr>
+                            <m:t>−</m:t>
+                          </m:r>
+                          <m:r>
+                            <a:rPr lang="en-US" altLang="ja-JP" sz="2000" i="1">
+                              <a:latin typeface="Cambria Math" panose="02040503050406030204" pitchFamily="18" charset="0"/>
+                            </a:rPr>
+                            <m:t>𝑣</m:t>
+                          </m:r>
+                        </m:e>
+                        <m:sub>
+                          <m:r>
+                            <a:rPr lang="en-US" altLang="ja-JP" sz="2000" i="1">
+                              <a:latin typeface="Cambria Math" panose="02040503050406030204" pitchFamily="18" charset="0"/>
+                            </a:rPr>
+                            <m:t>𝑖𝑛</m:t>
+                          </m:r>
+                        </m:sub>
+                      </m:sSub>
+                      <m:r>
+                        <a:rPr lang="en-US" altLang="ja-JP" sz="2000" i="1">
+                          <a:latin typeface="Cambria Math" panose="02040503050406030204" pitchFamily="18" charset="0"/>
+                        </a:rPr>
+                        <m:t>,</m:t>
+                      </m:r>
+                      <m:r>
+                        <a:rPr lang="en-US" altLang="ja-JP" sz="2000" b="0" i="1" smtClean="0">
+                          <a:latin typeface="Cambria Math" panose="02040503050406030204" pitchFamily="18" charset="0"/>
+                        </a:rPr>
+                        <m:t>−</m:t>
+                      </m:r>
+                      <m:sSub>
+                        <m:sSubPr>
+                          <m:ctrlPr>
+                            <a:rPr lang="en-US" altLang="ja-JP" sz="2000" i="1">
+                              <a:latin typeface="Cambria Math" panose="02040503050406030204" pitchFamily="18" charset="0"/>
+                            </a:rPr>
+                          </m:ctrlPr>
+                        </m:sSubPr>
+                        <m:e>
+                          <m:r>
+                            <a:rPr lang="en-US" altLang="ja-JP" sz="2000" i="1">
+                              <a:latin typeface="Cambria Math" panose="02040503050406030204" pitchFamily="18" charset="0"/>
+                            </a:rPr>
+                            <m:t>𝑉</m:t>
+                          </m:r>
+                        </m:e>
+                        <m:sub>
+                          <m:r>
+                            <a:rPr lang="en-US" altLang="ja-JP" sz="2000" i="1">
+                              <a:latin typeface="Cambria Math" panose="02040503050406030204" pitchFamily="18" charset="0"/>
+                            </a:rPr>
+                            <m:t>𝐶𝑇𝑅𝐿</m:t>
+                          </m:r>
+                        </m:sub>
+                      </m:sSub>
+                      <m:r>
+                        <a:rPr lang="en-US" altLang="ja-JP" sz="2000" i="1">
+                          <a:latin typeface="Cambria Math" panose="02040503050406030204" pitchFamily="18" charset="0"/>
+                        </a:rPr>
+                        <m:t>)</m:t>
+                      </m:r>
+                    </m:oMath>
+                  </m:oMathPara>
+                </a14:m>
+                <a:endParaRPr kumimoji="1" lang="en-US" altLang="ja-JP" sz="2000" dirty="0"/>
+              </a:p>
+              <a:p>
+                <a:pPr/>
+                <a14:m>
+                  <m:oMathPara xmlns:m="http://schemas.openxmlformats.org/officeDocument/2006/math">
+                    <m:oMathParaPr>
+                      <m:jc m:val="centerGroup"/>
+                    </m:oMathParaPr>
+                    <m:oMath xmlns:m="http://schemas.openxmlformats.org/officeDocument/2006/math">
+                      <m:r>
+                        <a:rPr kumimoji="1" lang="en-US" altLang="ja-JP" sz="2400" b="0" i="1" smtClean="0">
+                          <a:latin typeface="Cambria Math" panose="02040503050406030204" pitchFamily="18" charset="0"/>
+                        </a:rPr>
+                        <m:t>=</m:t>
+                      </m:r>
+                      <m:r>
+                        <a:rPr lang="en-US" altLang="ja-JP" sz="2400" i="1">
+                          <a:latin typeface="Cambria Math" panose="02040503050406030204" pitchFamily="18" charset="0"/>
+                        </a:rPr>
+                        <m:t>𝐴</m:t>
+                      </m:r>
+                      <m:r>
+                        <a:rPr lang="en-US" altLang="ja-JP" sz="2400" i="1">
+                          <a:latin typeface="Cambria Math" panose="02040503050406030204" pitchFamily="18" charset="0"/>
+                        </a:rPr>
+                        <m:t>⋅</m:t>
+                      </m:r>
+                      <m:d>
+                        <m:dPr>
+                          <m:ctrlPr>
+                            <a:rPr lang="en-US" altLang="ja-JP" sz="2400" i="1">
+                              <a:latin typeface="Cambria Math" panose="02040503050406030204" pitchFamily="18" charset="0"/>
+                            </a:rPr>
+                          </m:ctrlPr>
+                        </m:dPr>
+                        <m:e>
+                          <m:f>
+                            <m:fPr>
+                              <m:ctrlPr>
+                                <a:rPr lang="en-US" altLang="ja-JP" sz="2400" i="1">
+                                  <a:latin typeface="Cambria Math" panose="02040503050406030204" pitchFamily="18" charset="0"/>
+                                </a:rPr>
+                              </m:ctrlPr>
+                            </m:fPr>
+                            <m:num>
+                              <m:r>
+                                <a:rPr lang="en-US" altLang="ja-JP" sz="2400" i="1">
+                                  <a:latin typeface="Cambria Math" panose="02040503050406030204" pitchFamily="18" charset="0"/>
+                                </a:rPr>
+                                <m:t>1</m:t>
+                              </m:r>
+                            </m:num>
+                            <m:den>
+                              <m:r>
+                                <a:rPr lang="en-US" altLang="ja-JP" sz="2400" i="1">
+                                  <a:latin typeface="Cambria Math" panose="02040503050406030204" pitchFamily="18" charset="0"/>
+                                </a:rPr>
+                                <m:t>2</m:t>
+                              </m:r>
+                            </m:den>
+                          </m:f>
+                          <m:r>
+                            <a:rPr lang="en-US" altLang="ja-JP" sz="2400" i="1">
+                              <a:latin typeface="Cambria Math" panose="02040503050406030204" pitchFamily="18" charset="0"/>
+                            </a:rPr>
+                            <m:t>+</m:t>
+                          </m:r>
+                          <m:r>
+                            <a:rPr lang="en-US" altLang="ja-JP" sz="2400" i="1">
+                              <a:latin typeface="Cambria Math" panose="02040503050406030204" pitchFamily="18" charset="0"/>
+                            </a:rPr>
+                            <m:t>𝐵</m:t>
+                          </m:r>
+                          <m:r>
+                            <a:rPr lang="en-US" altLang="ja-JP" sz="2400" i="1">
+                              <a:latin typeface="Cambria Math" panose="02040503050406030204" pitchFamily="18" charset="0"/>
+                            </a:rPr>
+                            <m:t>⋅</m:t>
+                          </m:r>
+                          <m:sSub>
+                            <m:sSubPr>
+                              <m:ctrlPr>
+                                <a:rPr lang="en-US" altLang="ja-JP" sz="2400" i="1">
+                                  <a:latin typeface="Cambria Math" panose="02040503050406030204" pitchFamily="18" charset="0"/>
+                                </a:rPr>
+                              </m:ctrlPr>
+                            </m:sSubPr>
+                            <m:e>
+                              <m:r>
+                                <a:rPr lang="en-US" altLang="ja-JP" sz="2400" i="1">
+                                  <a:latin typeface="Cambria Math" panose="02040503050406030204" pitchFamily="18" charset="0"/>
+                                </a:rPr>
+                                <m:t>𝑉</m:t>
+                              </m:r>
+                            </m:e>
+                            <m:sub>
+                              <m:r>
+                                <a:rPr lang="en-US" altLang="ja-JP" sz="2400" i="1">
+                                  <a:latin typeface="Cambria Math" panose="02040503050406030204" pitchFamily="18" charset="0"/>
+                                </a:rPr>
+                                <m:t>𝐶𝑇𝑅𝐿</m:t>
+                              </m:r>
+                            </m:sub>
+                          </m:sSub>
+                        </m:e>
+                      </m:d>
+                      <m:r>
+                        <a:rPr lang="en-US" altLang="ja-JP" sz="2400" i="1">
+                          <a:latin typeface="Cambria Math" panose="02040503050406030204" pitchFamily="18" charset="0"/>
+                        </a:rPr>
+                        <m:t>⋅</m:t>
+                      </m:r>
+                      <m:sSub>
+                        <m:sSubPr>
+                          <m:ctrlPr>
+                            <a:rPr lang="en-US" altLang="ja-JP" sz="2400" i="1">
+                              <a:latin typeface="Cambria Math" panose="02040503050406030204" pitchFamily="18" charset="0"/>
+                            </a:rPr>
+                          </m:ctrlPr>
+                        </m:sSubPr>
+                        <m:e>
+                          <m:r>
+                            <a:rPr lang="en-US" altLang="ja-JP" sz="2400" i="1">
+                              <a:latin typeface="Cambria Math" panose="02040503050406030204" pitchFamily="18" charset="0"/>
+                            </a:rPr>
+                            <m:t>𝑣</m:t>
+                          </m:r>
+                        </m:e>
+                        <m:sub>
+                          <m:r>
+                            <a:rPr lang="en-US" altLang="ja-JP" sz="2400" i="1">
+                              <a:latin typeface="Cambria Math" panose="02040503050406030204" pitchFamily="18" charset="0"/>
+                            </a:rPr>
+                            <m:t>𝑖𝑛</m:t>
+                          </m:r>
+                        </m:sub>
+                      </m:sSub>
+                      <m:r>
+                        <a:rPr lang="en-US" altLang="ja-JP" sz="2400" i="1">
+                          <a:latin typeface="Cambria Math" panose="02040503050406030204" pitchFamily="18" charset="0"/>
+                        </a:rPr>
+                        <m:t>+</m:t>
+                      </m:r>
+                      <m:r>
+                        <a:rPr lang="en-US" altLang="ja-JP" sz="2400" i="1">
+                          <a:latin typeface="Cambria Math" panose="02040503050406030204" pitchFamily="18" charset="0"/>
+                        </a:rPr>
+                        <m:t>𝐶</m:t>
+                      </m:r>
+                      <m:r>
+                        <a:rPr lang="en-US" altLang="ja-JP" sz="2400" i="1">
+                          <a:latin typeface="Cambria Math" panose="02040503050406030204" pitchFamily="18" charset="0"/>
+                        </a:rPr>
+                        <m:t>+</m:t>
+                      </m:r>
+                      <m:r>
+                        <a:rPr lang="en-US" altLang="ja-JP" sz="2400" i="1">
+                          <a:latin typeface="Cambria Math" panose="02040503050406030204" pitchFamily="18" charset="0"/>
+                        </a:rPr>
+                        <m:t>𝐷</m:t>
+                      </m:r>
+                      <m:r>
+                        <a:rPr lang="en-US" altLang="ja-JP" sz="2400" i="1">
+                          <a:latin typeface="Cambria Math" panose="02040503050406030204" pitchFamily="18" charset="0"/>
+                        </a:rPr>
+                        <m:t>⋅</m:t>
+                      </m:r>
+                      <m:sSub>
+                        <m:sSubPr>
+                          <m:ctrlPr>
+                            <a:rPr lang="en-US" altLang="ja-JP" sz="2400" i="1">
+                              <a:latin typeface="Cambria Math" panose="02040503050406030204" pitchFamily="18" charset="0"/>
+                            </a:rPr>
+                          </m:ctrlPr>
+                        </m:sSubPr>
+                        <m:e>
+                          <m:r>
+                            <a:rPr lang="en-US" altLang="ja-JP" sz="2400" i="1">
+                              <a:latin typeface="Cambria Math" panose="02040503050406030204" pitchFamily="18" charset="0"/>
+                            </a:rPr>
+                            <m:t>𝑉</m:t>
+                          </m:r>
+                        </m:e>
+                        <m:sub>
+                          <m:r>
+                            <a:rPr lang="en-US" altLang="ja-JP" sz="2400" i="1">
+                              <a:latin typeface="Cambria Math" panose="02040503050406030204" pitchFamily="18" charset="0"/>
+                            </a:rPr>
+                            <m:t>𝐶𝑇𝑅𝐿</m:t>
+                          </m:r>
+                        </m:sub>
+                      </m:sSub>
+                    </m:oMath>
+                  </m:oMathPara>
+                </a14:m>
+                <a:endParaRPr kumimoji="1" lang="en-US" altLang="ja-JP" sz="2400" dirty="0"/>
+              </a:p>
+              <a:p>
+                <a:pPr/>
+                <a14:m>
+                  <m:oMathPara xmlns:m="http://schemas.openxmlformats.org/officeDocument/2006/math">
+                    <m:oMathParaPr>
+                      <m:jc m:val="centerGroup"/>
+                    </m:oMathParaPr>
+                    <m:oMath xmlns:m="http://schemas.openxmlformats.org/officeDocument/2006/math">
+                      <m:r>
+                        <a:rPr kumimoji="1" lang="en-US" altLang="ja-JP" sz="2400" b="0" i="1" smtClean="0">
+                          <a:latin typeface="Cambria Math" panose="02040503050406030204" pitchFamily="18" charset="0"/>
+                        </a:rPr>
+                        <m:t>−</m:t>
+                      </m:r>
+                      <m:r>
+                        <a:rPr lang="en-US" altLang="ja-JP" sz="2400" i="1">
+                          <a:latin typeface="Cambria Math" panose="02040503050406030204" pitchFamily="18" charset="0"/>
+                        </a:rPr>
+                        <m:t>𝐴</m:t>
+                      </m:r>
+                      <m:r>
+                        <a:rPr lang="en-US" altLang="ja-JP" sz="2400" i="1">
+                          <a:latin typeface="Cambria Math" panose="02040503050406030204" pitchFamily="18" charset="0"/>
+                        </a:rPr>
+                        <m:t>⋅</m:t>
+                      </m:r>
+                      <m:d>
+                        <m:dPr>
+                          <m:ctrlPr>
+                            <a:rPr lang="en-US" altLang="ja-JP" sz="2400" i="1">
+                              <a:latin typeface="Cambria Math" panose="02040503050406030204" pitchFamily="18" charset="0"/>
+                            </a:rPr>
+                          </m:ctrlPr>
+                        </m:dPr>
+                        <m:e>
+                          <m:f>
+                            <m:fPr>
+                              <m:ctrlPr>
+                                <a:rPr lang="en-US" altLang="ja-JP" sz="2400" i="1">
+                                  <a:latin typeface="Cambria Math" panose="02040503050406030204" pitchFamily="18" charset="0"/>
+                                </a:rPr>
+                              </m:ctrlPr>
+                            </m:fPr>
+                            <m:num>
+                              <m:r>
+                                <a:rPr lang="en-US" altLang="ja-JP" sz="2400" i="1">
+                                  <a:latin typeface="Cambria Math" panose="02040503050406030204" pitchFamily="18" charset="0"/>
+                                </a:rPr>
+                                <m:t>1</m:t>
+                              </m:r>
+                            </m:num>
+                            <m:den>
+                              <m:r>
+                                <a:rPr lang="en-US" altLang="ja-JP" sz="2400" i="1">
+                                  <a:latin typeface="Cambria Math" panose="02040503050406030204" pitchFamily="18" charset="0"/>
+                                </a:rPr>
+                                <m:t>2</m:t>
+                              </m:r>
+                            </m:den>
+                          </m:f>
+                          <m:r>
+                            <a:rPr lang="en-US" altLang="ja-JP" sz="2400" b="0" i="1" smtClean="0">
+                              <a:latin typeface="Cambria Math" panose="02040503050406030204" pitchFamily="18" charset="0"/>
+                            </a:rPr>
+                            <m:t>−</m:t>
+                          </m:r>
+                          <m:r>
+                            <a:rPr lang="en-US" altLang="ja-JP" sz="2400" i="1">
+                              <a:latin typeface="Cambria Math" panose="02040503050406030204" pitchFamily="18" charset="0"/>
+                            </a:rPr>
+                            <m:t>𝐵</m:t>
+                          </m:r>
+                          <m:r>
+                            <a:rPr lang="en-US" altLang="ja-JP" sz="2400" i="1">
+                              <a:latin typeface="Cambria Math" panose="02040503050406030204" pitchFamily="18" charset="0"/>
+                            </a:rPr>
+                            <m:t>⋅</m:t>
+                          </m:r>
+                          <m:sSub>
+                            <m:sSubPr>
+                              <m:ctrlPr>
+                                <a:rPr lang="en-US" altLang="ja-JP" sz="2400" i="1">
+                                  <a:latin typeface="Cambria Math" panose="02040503050406030204" pitchFamily="18" charset="0"/>
+                                </a:rPr>
+                              </m:ctrlPr>
+                            </m:sSubPr>
+                            <m:e>
+                              <m:r>
+                                <a:rPr lang="en-US" altLang="ja-JP" sz="2400" i="1">
+                                  <a:latin typeface="Cambria Math" panose="02040503050406030204" pitchFamily="18" charset="0"/>
+                                </a:rPr>
+                                <m:t>𝑉</m:t>
+                              </m:r>
+                            </m:e>
+                            <m:sub>
+                              <m:r>
+                                <a:rPr lang="en-US" altLang="ja-JP" sz="2400" i="1">
+                                  <a:latin typeface="Cambria Math" panose="02040503050406030204" pitchFamily="18" charset="0"/>
+                                </a:rPr>
+                                <m:t>𝐶𝑇𝑅𝐿</m:t>
+                              </m:r>
+                            </m:sub>
+                          </m:sSub>
+                        </m:e>
+                      </m:d>
+                      <m:r>
+                        <a:rPr lang="en-US" altLang="ja-JP" sz="2400" i="1">
+                          <a:latin typeface="Cambria Math" panose="02040503050406030204" pitchFamily="18" charset="0"/>
+                        </a:rPr>
+                        <m:t>⋅</m:t>
+                      </m:r>
+                      <m:sSub>
+                        <m:sSubPr>
+                          <m:ctrlPr>
+                            <a:rPr lang="en-US" altLang="ja-JP" sz="2400" i="1">
+                              <a:latin typeface="Cambria Math" panose="02040503050406030204" pitchFamily="18" charset="0"/>
+                            </a:rPr>
+                          </m:ctrlPr>
+                        </m:sSubPr>
+                        <m:e>
+                          <m:r>
+                            <a:rPr lang="en-US" altLang="ja-JP" sz="2400" i="1">
+                              <a:latin typeface="Cambria Math" panose="02040503050406030204" pitchFamily="18" charset="0"/>
+                            </a:rPr>
+                            <m:t>𝑣</m:t>
+                          </m:r>
+                        </m:e>
+                        <m:sub>
+                          <m:r>
+                            <a:rPr lang="en-US" altLang="ja-JP" sz="2400" i="1">
+                              <a:latin typeface="Cambria Math" panose="02040503050406030204" pitchFamily="18" charset="0"/>
+                            </a:rPr>
+                            <m:t>𝑖𝑛</m:t>
+                          </m:r>
+                        </m:sub>
+                      </m:sSub>
+                      <m:r>
+                        <a:rPr lang="en-US" altLang="ja-JP" sz="2400" b="0" i="1" smtClean="0">
+                          <a:latin typeface="Cambria Math" panose="02040503050406030204" pitchFamily="18" charset="0"/>
+                        </a:rPr>
+                        <m:t>−</m:t>
+                      </m:r>
+                      <m:r>
+                        <a:rPr lang="en-US" altLang="ja-JP" sz="2400" i="1">
+                          <a:latin typeface="Cambria Math" panose="02040503050406030204" pitchFamily="18" charset="0"/>
+                        </a:rPr>
+                        <m:t>𝐶</m:t>
+                      </m:r>
+                      <m:r>
+                        <a:rPr lang="en-US" altLang="ja-JP" sz="2400" i="1">
+                          <a:latin typeface="Cambria Math" panose="02040503050406030204" pitchFamily="18" charset="0"/>
+                        </a:rPr>
+                        <m:t>+</m:t>
+                      </m:r>
+                      <m:r>
+                        <a:rPr lang="en-US" altLang="ja-JP" sz="2400" i="1">
+                          <a:latin typeface="Cambria Math" panose="02040503050406030204" pitchFamily="18" charset="0"/>
+                        </a:rPr>
+                        <m:t>𝐷</m:t>
+                      </m:r>
+                      <m:r>
+                        <a:rPr lang="en-US" altLang="ja-JP" sz="2400" i="1">
+                          <a:latin typeface="Cambria Math" panose="02040503050406030204" pitchFamily="18" charset="0"/>
+                        </a:rPr>
+                        <m:t>⋅</m:t>
+                      </m:r>
+                      <m:sSub>
+                        <m:sSubPr>
+                          <m:ctrlPr>
+                            <a:rPr lang="en-US" altLang="ja-JP" sz="2400" i="1">
+                              <a:latin typeface="Cambria Math" panose="02040503050406030204" pitchFamily="18" charset="0"/>
+                            </a:rPr>
+                          </m:ctrlPr>
+                        </m:sSubPr>
+                        <m:e>
+                          <m:r>
+                            <a:rPr lang="en-US" altLang="ja-JP" sz="2400" i="1">
+                              <a:latin typeface="Cambria Math" panose="02040503050406030204" pitchFamily="18" charset="0"/>
+                            </a:rPr>
+                            <m:t>𝑉</m:t>
+                          </m:r>
+                        </m:e>
+                        <m:sub>
+                          <m:r>
+                            <a:rPr lang="en-US" altLang="ja-JP" sz="2400" i="1">
+                              <a:latin typeface="Cambria Math" panose="02040503050406030204" pitchFamily="18" charset="0"/>
+                            </a:rPr>
+                            <m:t>𝐶𝑇𝑅𝐿</m:t>
+                          </m:r>
+                        </m:sub>
+                      </m:sSub>
+                    </m:oMath>
+                  </m:oMathPara>
+                </a14:m>
+                <a:endParaRPr kumimoji="1" lang="en-US" altLang="ja-JP" sz="2400" dirty="0"/>
+              </a:p>
+              <a:p>
+                <a:pPr/>
+                <a14:m>
+                  <m:oMathPara xmlns:m="http://schemas.openxmlformats.org/officeDocument/2006/math">
+                    <m:oMathParaPr>
+                      <m:jc m:val="centerGroup"/>
+                    </m:oMathParaPr>
+                    <m:oMath xmlns:m="http://schemas.openxmlformats.org/officeDocument/2006/math">
+                      <m:r>
+                        <a:rPr lang="en-US" altLang="ja-JP" sz="2400" b="0" i="1" smtClean="0">
+                          <a:latin typeface="Cambria Math" panose="02040503050406030204" pitchFamily="18" charset="0"/>
+                        </a:rPr>
+                        <m:t>−</m:t>
+                      </m:r>
+                      <m:r>
+                        <a:rPr lang="en-US" altLang="ja-JP" sz="2400" b="0" i="1" smtClean="0">
+                          <a:latin typeface="Cambria Math" panose="02040503050406030204" pitchFamily="18" charset="0"/>
+                        </a:rPr>
+                        <m:t>𝐴</m:t>
+                      </m:r>
+                      <m:r>
+                        <a:rPr lang="en-US" altLang="ja-JP" sz="2400" b="0" i="1" smtClean="0">
+                          <a:latin typeface="Cambria Math" panose="02040503050406030204" pitchFamily="18" charset="0"/>
+                        </a:rPr>
+                        <m:t>⋅</m:t>
+                      </m:r>
+                      <m:d>
+                        <m:dPr>
+                          <m:ctrlPr>
+                            <a:rPr lang="en-US" altLang="ja-JP" sz="2400" b="0" i="1" smtClean="0">
+                              <a:latin typeface="Cambria Math" panose="02040503050406030204" pitchFamily="18" charset="0"/>
+                            </a:rPr>
+                          </m:ctrlPr>
+                        </m:dPr>
+                        <m:e>
+                          <m:f>
+                            <m:fPr>
+                              <m:ctrlPr>
+                                <a:rPr lang="en-US" altLang="ja-JP" sz="2400" b="0" i="1" smtClean="0">
+                                  <a:latin typeface="Cambria Math" panose="02040503050406030204" pitchFamily="18" charset="0"/>
+                                </a:rPr>
+                              </m:ctrlPr>
+                            </m:fPr>
+                            <m:num>
+                              <m:r>
+                                <a:rPr lang="en-US" altLang="ja-JP" sz="2400" b="0" i="1" smtClean="0">
+                                  <a:latin typeface="Cambria Math" panose="02040503050406030204" pitchFamily="18" charset="0"/>
+                                </a:rPr>
+                                <m:t>1</m:t>
+                              </m:r>
+                            </m:num>
+                            <m:den>
+                              <m:r>
+                                <a:rPr lang="en-US" altLang="ja-JP" sz="2400" b="0" i="1" smtClean="0">
+                                  <a:latin typeface="Cambria Math" panose="02040503050406030204" pitchFamily="18" charset="0"/>
+                                </a:rPr>
+                                <m:t>2</m:t>
+                              </m:r>
+                            </m:den>
+                          </m:f>
+                          <m:r>
+                            <a:rPr lang="en-US" altLang="ja-JP" sz="2400" b="0" i="1" smtClean="0">
+                              <a:latin typeface="Cambria Math" panose="02040503050406030204" pitchFamily="18" charset="0"/>
+                            </a:rPr>
+                            <m:t>−</m:t>
+                          </m:r>
+                          <m:r>
+                            <a:rPr lang="en-US" altLang="ja-JP" sz="2400" b="0" i="1" smtClean="0">
+                              <a:latin typeface="Cambria Math" panose="02040503050406030204" pitchFamily="18" charset="0"/>
+                            </a:rPr>
+                            <m:t>𝐵</m:t>
+                          </m:r>
+                          <m:r>
+                            <a:rPr lang="en-US" altLang="ja-JP" sz="2400" b="0" i="1" smtClean="0">
+                              <a:latin typeface="Cambria Math" panose="02040503050406030204" pitchFamily="18" charset="0"/>
+                            </a:rPr>
+                            <m:t>⋅</m:t>
+                          </m:r>
+                          <m:sSub>
+                            <m:sSubPr>
+                              <m:ctrlPr>
+                                <a:rPr lang="en-US" altLang="ja-JP" sz="2400" b="0" i="1" smtClean="0">
+                                  <a:latin typeface="Cambria Math" panose="02040503050406030204" pitchFamily="18" charset="0"/>
+                                </a:rPr>
+                              </m:ctrlPr>
+                            </m:sSubPr>
+                            <m:e>
+                              <m:r>
+                                <a:rPr lang="en-US" altLang="ja-JP" sz="2400" b="0" i="1" smtClean="0">
+                                  <a:latin typeface="Cambria Math" panose="02040503050406030204" pitchFamily="18" charset="0"/>
+                                </a:rPr>
+                                <m:t>𝑉</m:t>
+                              </m:r>
+                            </m:e>
+                            <m:sub>
+                              <m:r>
+                                <a:rPr lang="en-US" altLang="ja-JP" sz="2400" b="0" i="1" smtClean="0">
+                                  <a:latin typeface="Cambria Math" panose="02040503050406030204" pitchFamily="18" charset="0"/>
+                                </a:rPr>
+                                <m:t>𝐶𝑇𝑅𝐿</m:t>
+                              </m:r>
+                            </m:sub>
+                          </m:sSub>
+                        </m:e>
+                      </m:d>
+                      <m:r>
+                        <a:rPr lang="en-US" altLang="ja-JP" sz="2400" b="0" i="1" smtClean="0">
+                          <a:latin typeface="Cambria Math" panose="02040503050406030204" pitchFamily="18" charset="0"/>
+                        </a:rPr>
+                        <m:t>⋅</m:t>
+                      </m:r>
+                      <m:sSub>
+                        <m:sSubPr>
+                          <m:ctrlPr>
+                            <a:rPr lang="en-US" altLang="ja-JP" sz="2400" b="0" i="1" smtClean="0">
+                              <a:latin typeface="Cambria Math" panose="02040503050406030204" pitchFamily="18" charset="0"/>
+                            </a:rPr>
+                          </m:ctrlPr>
+                        </m:sSubPr>
+                        <m:e>
+                          <m:r>
+                            <a:rPr lang="en-US" altLang="ja-JP" sz="2400" b="0" i="1" smtClean="0">
+                              <a:latin typeface="Cambria Math" panose="02040503050406030204" pitchFamily="18" charset="0"/>
+                            </a:rPr>
+                            <m:t>𝑣</m:t>
+                          </m:r>
+                        </m:e>
+                        <m:sub>
+                          <m:r>
+                            <a:rPr lang="en-US" altLang="ja-JP" sz="2400" b="0" i="1" smtClean="0">
+                              <a:latin typeface="Cambria Math" panose="02040503050406030204" pitchFamily="18" charset="0"/>
+                            </a:rPr>
+                            <m:t>𝑖𝑛</m:t>
+                          </m:r>
+                        </m:sub>
+                      </m:sSub>
+                      <m:r>
+                        <a:rPr lang="en-US" altLang="ja-JP" sz="2400" b="0" i="1" smtClean="0">
+                          <a:latin typeface="Cambria Math" panose="02040503050406030204" pitchFamily="18" charset="0"/>
+                        </a:rPr>
+                        <m:t>+</m:t>
+                      </m:r>
+                      <m:r>
+                        <a:rPr lang="en-US" altLang="ja-JP" sz="2400" b="0" i="1" smtClean="0">
+                          <a:latin typeface="Cambria Math" panose="02040503050406030204" pitchFamily="18" charset="0"/>
+                        </a:rPr>
+                        <m:t>𝐶</m:t>
+                      </m:r>
+                      <m:r>
+                        <a:rPr lang="en-US" altLang="ja-JP" sz="2400" b="0" i="1" smtClean="0">
+                          <a:latin typeface="Cambria Math" panose="02040503050406030204" pitchFamily="18" charset="0"/>
+                        </a:rPr>
+                        <m:t>−</m:t>
+                      </m:r>
+                      <m:r>
+                        <a:rPr lang="en-US" altLang="ja-JP" sz="2400" b="0" i="1" smtClean="0">
+                          <a:latin typeface="Cambria Math" panose="02040503050406030204" pitchFamily="18" charset="0"/>
+                        </a:rPr>
+                        <m:t>𝐷</m:t>
+                      </m:r>
+                      <m:r>
+                        <a:rPr lang="en-US" altLang="ja-JP" sz="2400" b="0" i="1" smtClean="0">
+                          <a:latin typeface="Cambria Math" panose="02040503050406030204" pitchFamily="18" charset="0"/>
+                        </a:rPr>
+                        <m:t>⋅</m:t>
+                      </m:r>
+                      <m:sSub>
+                        <m:sSubPr>
+                          <m:ctrlPr>
+                            <a:rPr lang="en-US" altLang="ja-JP" sz="2400" b="0" i="1" smtClean="0">
+                              <a:latin typeface="Cambria Math" panose="02040503050406030204" pitchFamily="18" charset="0"/>
+                            </a:rPr>
+                          </m:ctrlPr>
+                        </m:sSubPr>
+                        <m:e>
+                          <m:r>
+                            <a:rPr lang="en-US" altLang="ja-JP" sz="2400" b="0" i="1" smtClean="0">
+                              <a:latin typeface="Cambria Math" panose="02040503050406030204" pitchFamily="18" charset="0"/>
+                            </a:rPr>
+                            <m:t>𝑉</m:t>
+                          </m:r>
+                        </m:e>
+                        <m:sub>
+                          <m:r>
+                            <a:rPr lang="en-US" altLang="ja-JP" sz="2400" b="0" i="1" smtClean="0">
+                              <a:latin typeface="Cambria Math" panose="02040503050406030204" pitchFamily="18" charset="0"/>
+                            </a:rPr>
+                            <m:t>𝐶𝑇𝑅𝐿</m:t>
+                          </m:r>
+                        </m:sub>
+                      </m:sSub>
+                    </m:oMath>
+                  </m:oMathPara>
+                </a14:m>
+                <a:endParaRPr kumimoji="1" lang="en-US" altLang="ja-JP" sz="2400" dirty="0"/>
+              </a:p>
+              <a:p>
+                <a:pPr/>
+                <a14:m>
+                  <m:oMathPara xmlns:m="http://schemas.openxmlformats.org/officeDocument/2006/math">
+                    <m:oMathParaPr>
+                      <m:jc m:val="centerGroup"/>
+                    </m:oMathParaPr>
+                    <m:oMath xmlns:m="http://schemas.openxmlformats.org/officeDocument/2006/math">
+                      <m:r>
+                        <a:rPr kumimoji="1" lang="en-US" altLang="ja-JP" sz="2400" b="0" i="1" smtClean="0">
+                          <a:latin typeface="Cambria Math" panose="02040503050406030204" pitchFamily="18" charset="0"/>
+                        </a:rPr>
+                        <m:t>+</m:t>
+                      </m:r>
+                      <m:r>
+                        <a:rPr lang="en-US" altLang="ja-JP" sz="2400" i="1">
+                          <a:latin typeface="Cambria Math" panose="02040503050406030204" pitchFamily="18" charset="0"/>
+                        </a:rPr>
+                        <m:t>𝐴</m:t>
+                      </m:r>
+                      <m:r>
+                        <a:rPr lang="en-US" altLang="ja-JP" sz="2400" i="1">
+                          <a:latin typeface="Cambria Math" panose="02040503050406030204" pitchFamily="18" charset="0"/>
+                        </a:rPr>
+                        <m:t>⋅</m:t>
+                      </m:r>
+                      <m:d>
+                        <m:dPr>
+                          <m:ctrlPr>
+                            <a:rPr lang="en-US" altLang="ja-JP" sz="2400" i="1">
+                              <a:latin typeface="Cambria Math" panose="02040503050406030204" pitchFamily="18" charset="0"/>
+                            </a:rPr>
+                          </m:ctrlPr>
+                        </m:dPr>
+                        <m:e>
+                          <m:f>
+                            <m:fPr>
+                              <m:ctrlPr>
+                                <a:rPr lang="en-US" altLang="ja-JP" sz="2400" i="1">
+                                  <a:latin typeface="Cambria Math" panose="02040503050406030204" pitchFamily="18" charset="0"/>
+                                </a:rPr>
+                              </m:ctrlPr>
+                            </m:fPr>
+                            <m:num>
+                              <m:r>
+                                <a:rPr lang="en-US" altLang="ja-JP" sz="2400" i="1">
+                                  <a:latin typeface="Cambria Math" panose="02040503050406030204" pitchFamily="18" charset="0"/>
+                                </a:rPr>
+                                <m:t>1</m:t>
+                              </m:r>
+                            </m:num>
+                            <m:den>
+                              <m:r>
+                                <a:rPr lang="en-US" altLang="ja-JP" sz="2400" i="1">
+                                  <a:latin typeface="Cambria Math" panose="02040503050406030204" pitchFamily="18" charset="0"/>
+                                </a:rPr>
+                                <m:t>2</m:t>
+                              </m:r>
+                            </m:den>
+                          </m:f>
+                          <m:r>
+                            <a:rPr lang="en-US" altLang="ja-JP" sz="2400" i="1">
+                              <a:latin typeface="Cambria Math" panose="02040503050406030204" pitchFamily="18" charset="0"/>
+                            </a:rPr>
+                            <m:t>+</m:t>
+                          </m:r>
+                          <m:r>
+                            <a:rPr lang="en-US" altLang="ja-JP" sz="2400" i="1">
+                              <a:latin typeface="Cambria Math" panose="02040503050406030204" pitchFamily="18" charset="0"/>
+                            </a:rPr>
+                            <m:t>𝐵</m:t>
+                          </m:r>
+                          <m:r>
+                            <a:rPr lang="en-US" altLang="ja-JP" sz="2400" i="1">
+                              <a:latin typeface="Cambria Math" panose="02040503050406030204" pitchFamily="18" charset="0"/>
+                            </a:rPr>
+                            <m:t>⋅</m:t>
+                          </m:r>
+                          <m:sSub>
+                            <m:sSubPr>
+                              <m:ctrlPr>
+                                <a:rPr lang="en-US" altLang="ja-JP" sz="2400" i="1">
+                                  <a:latin typeface="Cambria Math" panose="02040503050406030204" pitchFamily="18" charset="0"/>
+                                </a:rPr>
+                              </m:ctrlPr>
+                            </m:sSubPr>
+                            <m:e>
+                              <m:r>
+                                <a:rPr lang="en-US" altLang="ja-JP" sz="2400" i="1">
+                                  <a:latin typeface="Cambria Math" panose="02040503050406030204" pitchFamily="18" charset="0"/>
+                                </a:rPr>
+                                <m:t>𝑉</m:t>
+                              </m:r>
+                            </m:e>
+                            <m:sub>
+                              <m:r>
+                                <a:rPr lang="en-US" altLang="ja-JP" sz="2400" i="1">
+                                  <a:latin typeface="Cambria Math" panose="02040503050406030204" pitchFamily="18" charset="0"/>
+                                </a:rPr>
+                                <m:t>𝐶𝑇𝑅𝐿</m:t>
+                              </m:r>
+                            </m:sub>
+                          </m:sSub>
+                        </m:e>
+                      </m:d>
+                      <m:r>
+                        <a:rPr lang="en-US" altLang="ja-JP" sz="2400" i="1">
+                          <a:latin typeface="Cambria Math" panose="02040503050406030204" pitchFamily="18" charset="0"/>
+                        </a:rPr>
+                        <m:t>⋅</m:t>
+                      </m:r>
+                      <m:sSub>
+                        <m:sSubPr>
+                          <m:ctrlPr>
+                            <a:rPr lang="en-US" altLang="ja-JP" sz="2400" i="1">
+                              <a:latin typeface="Cambria Math" panose="02040503050406030204" pitchFamily="18" charset="0"/>
+                            </a:rPr>
+                          </m:ctrlPr>
+                        </m:sSubPr>
+                        <m:e>
+                          <m:r>
+                            <a:rPr lang="en-US" altLang="ja-JP" sz="2400" i="1">
+                              <a:latin typeface="Cambria Math" panose="02040503050406030204" pitchFamily="18" charset="0"/>
+                            </a:rPr>
+                            <m:t>𝑣</m:t>
+                          </m:r>
+                        </m:e>
+                        <m:sub>
+                          <m:r>
+                            <a:rPr lang="en-US" altLang="ja-JP" sz="2400" i="1">
+                              <a:latin typeface="Cambria Math" panose="02040503050406030204" pitchFamily="18" charset="0"/>
+                            </a:rPr>
+                            <m:t>𝑖𝑛</m:t>
+                          </m:r>
+                        </m:sub>
+                      </m:sSub>
+                      <m:r>
+                        <a:rPr lang="en-US" altLang="ja-JP" sz="2400" b="0" i="1" smtClean="0">
+                          <a:latin typeface="Cambria Math" panose="02040503050406030204" pitchFamily="18" charset="0"/>
+                        </a:rPr>
+                        <m:t>−</m:t>
+                      </m:r>
+                      <m:r>
+                        <a:rPr lang="en-US" altLang="ja-JP" sz="2400" i="1">
+                          <a:latin typeface="Cambria Math" panose="02040503050406030204" pitchFamily="18" charset="0"/>
+                        </a:rPr>
+                        <m:t>𝐶</m:t>
+                      </m:r>
+                      <m:r>
+                        <a:rPr lang="en-US" altLang="ja-JP" sz="2400" b="0" i="1" smtClean="0">
+                          <a:latin typeface="Cambria Math" panose="02040503050406030204" pitchFamily="18" charset="0"/>
+                        </a:rPr>
+                        <m:t>−</m:t>
+                      </m:r>
+                      <m:r>
+                        <a:rPr lang="en-US" altLang="ja-JP" sz="2400" i="1">
+                          <a:latin typeface="Cambria Math" panose="02040503050406030204" pitchFamily="18" charset="0"/>
+                        </a:rPr>
+                        <m:t>𝐷</m:t>
+                      </m:r>
+                      <m:r>
+                        <a:rPr lang="en-US" altLang="ja-JP" sz="2400" i="1">
+                          <a:latin typeface="Cambria Math" panose="02040503050406030204" pitchFamily="18" charset="0"/>
+                        </a:rPr>
+                        <m:t>⋅</m:t>
+                      </m:r>
+                      <m:sSub>
+                        <m:sSubPr>
+                          <m:ctrlPr>
+                            <a:rPr lang="en-US" altLang="ja-JP" sz="2400" i="1">
+                              <a:latin typeface="Cambria Math" panose="02040503050406030204" pitchFamily="18" charset="0"/>
+                            </a:rPr>
+                          </m:ctrlPr>
+                        </m:sSubPr>
+                        <m:e>
+                          <m:r>
+                            <a:rPr lang="en-US" altLang="ja-JP" sz="2400" i="1">
+                              <a:latin typeface="Cambria Math" panose="02040503050406030204" pitchFamily="18" charset="0"/>
+                            </a:rPr>
+                            <m:t>𝑉</m:t>
+                          </m:r>
+                        </m:e>
+                        <m:sub>
+                          <m:r>
+                            <a:rPr lang="en-US" altLang="ja-JP" sz="2400" i="1">
+                              <a:latin typeface="Cambria Math" panose="02040503050406030204" pitchFamily="18" charset="0"/>
+                            </a:rPr>
+                            <m:t>𝐶𝑇𝑅𝐿</m:t>
+                          </m:r>
+                        </m:sub>
+                      </m:sSub>
+                    </m:oMath>
+                  </m:oMathPara>
+                </a14:m>
+                <a:endParaRPr kumimoji="1" lang="en-US" altLang="ja-JP" sz="2000" dirty="0"/>
+              </a:p>
+              <a:p>
+                <a:r>
+                  <a:rPr lang="ja-JP" altLang="en-US" sz="2000" dirty="0"/>
+                  <a:t>整理すると</a:t>
+                </a:r>
+                <a:endParaRPr lang="en-US" altLang="ja-JP" sz="2000" dirty="0"/>
+              </a:p>
+              <a:p>
+                <a:pPr/>
+                <a14:m>
+                  <m:oMathPara xmlns:m="http://schemas.openxmlformats.org/officeDocument/2006/math">
+                    <m:oMathParaPr>
+                      <m:jc m:val="centerGroup"/>
+                    </m:oMathParaPr>
+                    <m:oMath xmlns:m="http://schemas.openxmlformats.org/officeDocument/2006/math">
+                      <m:sSub>
+                        <m:sSubPr>
+                          <m:ctrlPr>
+                            <a:rPr lang="en-US" altLang="ja-JP" sz="2400" i="1">
+                              <a:latin typeface="Cambria Math" panose="02040503050406030204" pitchFamily="18" charset="0"/>
+                            </a:rPr>
+                          </m:ctrlPr>
+                        </m:sSubPr>
+                        <m:e>
+                          <m:r>
+                            <a:rPr lang="en-US" altLang="ja-JP" sz="2400" i="1">
+                              <a:latin typeface="Cambria Math" panose="02040503050406030204" pitchFamily="18" charset="0"/>
+                            </a:rPr>
+                            <m:t>𝑖</m:t>
+                          </m:r>
+                        </m:e>
+                        <m:sub>
+                          <m:r>
+                            <a:rPr lang="en-US" altLang="ja-JP" sz="2400" i="1">
+                              <a:latin typeface="Cambria Math" panose="02040503050406030204" pitchFamily="18" charset="0"/>
+                            </a:rPr>
+                            <m:t>𝐴</m:t>
+                          </m:r>
+                          <m:r>
+                            <a:rPr lang="en-US" altLang="ja-JP" sz="2400" i="1">
+                              <a:latin typeface="Cambria Math" panose="02040503050406030204" pitchFamily="18" charset="0"/>
+                            </a:rPr>
+                            <m:t>1</m:t>
+                          </m:r>
+                        </m:sub>
+                      </m:sSub>
+                      <m:r>
+                        <a:rPr lang="en-US" altLang="ja-JP" sz="2400" i="1">
+                          <a:latin typeface="Cambria Math" panose="02040503050406030204" pitchFamily="18" charset="0"/>
+                        </a:rPr>
+                        <m:t>−</m:t>
+                      </m:r>
+                      <m:sSub>
+                        <m:sSubPr>
+                          <m:ctrlPr>
+                            <a:rPr lang="en-US" altLang="ja-JP" sz="2400" i="1">
+                              <a:latin typeface="Cambria Math" panose="02040503050406030204" pitchFamily="18" charset="0"/>
+                            </a:rPr>
+                          </m:ctrlPr>
+                        </m:sSubPr>
+                        <m:e>
+                          <m:r>
+                            <a:rPr lang="en-US" altLang="ja-JP" sz="2400" i="1">
+                              <a:latin typeface="Cambria Math" panose="02040503050406030204" pitchFamily="18" charset="0"/>
+                            </a:rPr>
+                            <m:t>𝑖</m:t>
+                          </m:r>
+                        </m:e>
+                        <m:sub>
+                          <m:r>
+                            <a:rPr lang="en-US" altLang="ja-JP" sz="2400" i="1">
+                              <a:latin typeface="Cambria Math" panose="02040503050406030204" pitchFamily="18" charset="0"/>
+                            </a:rPr>
+                            <m:t>𝐴</m:t>
+                          </m:r>
+                          <m:r>
+                            <a:rPr lang="en-US" altLang="ja-JP" sz="2400" i="1">
+                              <a:latin typeface="Cambria Math" panose="02040503050406030204" pitchFamily="18" charset="0"/>
+                            </a:rPr>
+                            <m:t>2</m:t>
+                          </m:r>
+                        </m:sub>
+                      </m:sSub>
+                      <m:r>
+                        <a:rPr lang="en-US" altLang="ja-JP" sz="2400" i="1">
+                          <a:latin typeface="Cambria Math" panose="02040503050406030204" pitchFamily="18" charset="0"/>
+                        </a:rPr>
+                        <m:t>+</m:t>
+                      </m:r>
+                      <m:sSub>
+                        <m:sSubPr>
+                          <m:ctrlPr>
+                            <a:rPr lang="en-US" altLang="ja-JP" sz="2400" i="1">
+                              <a:latin typeface="Cambria Math" panose="02040503050406030204" pitchFamily="18" charset="0"/>
+                            </a:rPr>
+                          </m:ctrlPr>
+                        </m:sSubPr>
+                        <m:e>
+                          <m:r>
+                            <a:rPr lang="en-US" altLang="ja-JP" sz="2400" i="1">
+                              <a:latin typeface="Cambria Math" panose="02040503050406030204" pitchFamily="18" charset="0"/>
+                            </a:rPr>
+                            <m:t>𝑖</m:t>
+                          </m:r>
+                        </m:e>
+                        <m:sub>
+                          <m:r>
+                            <a:rPr lang="en-US" altLang="ja-JP" sz="2400" i="1">
+                              <a:latin typeface="Cambria Math" panose="02040503050406030204" pitchFamily="18" charset="0"/>
+                            </a:rPr>
+                            <m:t>𝐴</m:t>
+                          </m:r>
+                          <m:r>
+                            <a:rPr lang="en-US" altLang="ja-JP" sz="2400" i="1">
+                              <a:latin typeface="Cambria Math" panose="02040503050406030204" pitchFamily="18" charset="0"/>
+                            </a:rPr>
+                            <m:t>3</m:t>
+                          </m:r>
+                        </m:sub>
+                      </m:sSub>
+                      <m:r>
+                        <a:rPr lang="en-US" altLang="ja-JP" sz="2400" i="1">
+                          <a:latin typeface="Cambria Math" panose="02040503050406030204" pitchFamily="18" charset="0"/>
+                        </a:rPr>
+                        <m:t>−</m:t>
+                      </m:r>
+                      <m:sSub>
+                        <m:sSubPr>
+                          <m:ctrlPr>
+                            <a:rPr lang="en-US" altLang="ja-JP" sz="2400" i="1">
+                              <a:latin typeface="Cambria Math" panose="02040503050406030204" pitchFamily="18" charset="0"/>
+                            </a:rPr>
+                          </m:ctrlPr>
+                        </m:sSubPr>
+                        <m:e>
+                          <m:r>
+                            <a:rPr lang="en-US" altLang="ja-JP" sz="2400" i="1">
+                              <a:latin typeface="Cambria Math" panose="02040503050406030204" pitchFamily="18" charset="0"/>
+                            </a:rPr>
+                            <m:t>𝑖</m:t>
+                          </m:r>
+                        </m:e>
+                        <m:sub>
+                          <m:r>
+                            <a:rPr lang="en-US" altLang="ja-JP" sz="2400" i="1">
+                              <a:latin typeface="Cambria Math" panose="02040503050406030204" pitchFamily="18" charset="0"/>
+                            </a:rPr>
+                            <m:t>𝐴</m:t>
+                          </m:r>
+                          <m:r>
+                            <a:rPr lang="en-US" altLang="ja-JP" sz="2400" i="1">
+                              <a:latin typeface="Cambria Math" panose="02040503050406030204" pitchFamily="18" charset="0"/>
+                            </a:rPr>
+                            <m:t>4</m:t>
+                          </m:r>
+                        </m:sub>
+                      </m:sSub>
+                      <m:r>
+                        <a:rPr lang="en-US" altLang="ja-JP" sz="2400" b="0" i="1" smtClean="0">
+                          <a:latin typeface="Cambria Math" panose="02040503050406030204" pitchFamily="18" charset="0"/>
+                        </a:rPr>
+                        <m:t>=4</m:t>
+                      </m:r>
+                      <m:r>
+                        <a:rPr lang="en-US" altLang="ja-JP" sz="2400" b="0" i="1" smtClean="0">
+                          <a:latin typeface="Cambria Math" panose="02040503050406030204" pitchFamily="18" charset="0"/>
+                        </a:rPr>
+                        <m:t>𝐴𝐵</m:t>
+                      </m:r>
+                      <m:r>
+                        <a:rPr lang="en-US" altLang="ja-JP" sz="2400" b="0" i="1" smtClean="0">
+                          <a:latin typeface="Cambria Math" panose="02040503050406030204" pitchFamily="18" charset="0"/>
+                        </a:rPr>
+                        <m:t>⋅</m:t>
+                      </m:r>
+                      <m:sSub>
+                        <m:sSubPr>
+                          <m:ctrlPr>
+                            <a:rPr lang="en-US" altLang="ja-JP" sz="2400" b="0" i="1" smtClean="0">
+                              <a:latin typeface="Cambria Math" panose="02040503050406030204" pitchFamily="18" charset="0"/>
+                            </a:rPr>
+                          </m:ctrlPr>
+                        </m:sSubPr>
+                        <m:e>
+                          <m:r>
+                            <a:rPr lang="en-US" altLang="ja-JP" sz="2400" b="0" i="1" smtClean="0">
+                              <a:latin typeface="Cambria Math" panose="02040503050406030204" pitchFamily="18" charset="0"/>
+                            </a:rPr>
+                            <m:t>𝑉</m:t>
+                          </m:r>
+                        </m:e>
+                        <m:sub>
+                          <m:r>
+                            <a:rPr lang="en-US" altLang="ja-JP" sz="2400" b="0" i="1" smtClean="0">
+                              <a:latin typeface="Cambria Math" panose="02040503050406030204" pitchFamily="18" charset="0"/>
+                            </a:rPr>
+                            <m:t>𝐶𝑇𝑅𝐿</m:t>
+                          </m:r>
+                        </m:sub>
+                      </m:sSub>
+                      <m:r>
+                        <a:rPr lang="en-US" altLang="ja-JP" sz="2400" b="0" i="1" smtClean="0">
+                          <a:latin typeface="Cambria Math" panose="02040503050406030204" pitchFamily="18" charset="0"/>
+                        </a:rPr>
+                        <m:t>⋅</m:t>
+                      </m:r>
+                      <m:sSub>
+                        <m:sSubPr>
+                          <m:ctrlPr>
+                            <a:rPr lang="en-US" altLang="ja-JP" sz="2400" b="0" i="1" smtClean="0">
+                              <a:latin typeface="Cambria Math" panose="02040503050406030204" pitchFamily="18" charset="0"/>
+                            </a:rPr>
+                          </m:ctrlPr>
+                        </m:sSubPr>
+                        <m:e>
+                          <m:r>
+                            <a:rPr lang="en-US" altLang="ja-JP" sz="2400" b="0" i="1" smtClean="0">
+                              <a:latin typeface="Cambria Math" panose="02040503050406030204" pitchFamily="18" charset="0"/>
+                            </a:rPr>
+                            <m:t>𝑣</m:t>
+                          </m:r>
+                        </m:e>
+                        <m:sub>
+                          <m:r>
+                            <a:rPr lang="en-US" altLang="ja-JP" sz="2400" b="0" i="1" smtClean="0">
+                              <a:latin typeface="Cambria Math" panose="02040503050406030204" pitchFamily="18" charset="0"/>
+                            </a:rPr>
+                            <m:t>𝑖𝑛</m:t>
+                          </m:r>
+                        </m:sub>
+                      </m:sSub>
+                    </m:oMath>
+                  </m:oMathPara>
+                </a14:m>
+                <a:endParaRPr kumimoji="1" lang="ja-JP" altLang="en-US" sz="2000" dirty="0"/>
+              </a:p>
+            </p:txBody>
+          </p:sp>
+        </mc:Choice>
+        <mc:Fallback xmlns="">
+          <p:sp>
+            <p:nvSpPr>
+              <p:cNvPr id="4" name="テキスト ボックス 3">
+                <a:extLst>
+                  <a:ext uri="{FF2B5EF4-FFF2-40B4-BE49-F238E27FC236}">
+                    <a16:creationId xmlns:a16="http://schemas.microsoft.com/office/drawing/2014/main" id="{EF874216-8402-436B-2DC4-7D09DBDB51F1}"/>
+                  </a:ext>
+                </a:extLst>
+              </p:cNvPr>
+              <p:cNvSpPr txBox="1">
+                <a:spLocks noRot="1" noChangeAspect="1" noMove="1" noResize="1" noEditPoints="1" noAdjustHandles="1" noChangeArrowheads="1" noChangeShapeType="1" noTextEdit="1"/>
+              </p:cNvSpPr>
+              <p:nvPr/>
+            </p:nvSpPr>
+            <p:spPr>
+              <a:xfrm>
+                <a:off x="1613647" y="1690688"/>
+                <a:ext cx="8964705" cy="4765920"/>
+              </a:xfrm>
+              <a:prstGeom prst="rect">
+                <a:avLst/>
+              </a:prstGeom>
+              <a:blipFill>
+                <a:blip r:embed="rId2"/>
+                <a:stretch>
+                  <a:fillRect l="-748"/>
+                </a:stretch>
+              </a:blipFill>
+            </p:spPr>
+            <p:txBody>
+              <a:bodyPr/>
+              <a:lstStyle/>
+              <a:p>
+                <a:r>
+                  <a:rPr lang="ja-JP" altLang="en-US">
+                    <a:noFill/>
+                  </a:rPr>
+                  <a:t> </a:t>
+                </a:r>
+              </a:p>
+            </p:txBody>
+          </p:sp>
+        </mc:Fallback>
+      </mc:AlternateContent>
+    </p:spTree>
+    <p:extLst>
+      <p:ext uri="{BB962C8B-B14F-4D97-AF65-F5344CB8AC3E}">
+        <p14:creationId xmlns:p14="http://schemas.microsoft.com/office/powerpoint/2010/main" val="874549196"/>
+      </p:ext>
+    </p:extLst>
+  </p:cSld>
+  <p:clrMapOvr>
+    <a:masterClrMapping/>
+  </p:clrMapOvr>
+</p:sld>
+</file>
+
+<file path=ppt/slides/slide17.xml><?xml version="1.0" encoding="utf-8"?>
+<p:sld xmlns:a="http://schemas.openxmlformats.org/drawingml/2006/main" xmlns:r="http://schemas.openxmlformats.org/officeDocument/2006/relationships" xmlns:p="http://schemas.openxmlformats.org/presentationml/2006/main">
+  <p:cSld>
+    <p:spTree>
+      <p:nvGrpSpPr>
+        <p:cNvPr id="1" name=""/>
+        <p:cNvGrpSpPr/>
+        <p:nvPr/>
+      </p:nvGrpSpPr>
+      <p:grpSpPr>
+        <a:xfrm>
+          <a:off x="0" y="0"/>
+          <a:ext cx="0" cy="0"/>
+          <a:chOff x="0" y="0"/>
+          <a:chExt cx="0" cy="0"/>
+        </a:xfrm>
+      </p:grpSpPr>
+      <p:sp>
+        <p:nvSpPr>
+          <p:cNvPr id="2" name="タイトル 1">
+            <a:extLst>
+              <a:ext uri="{FF2B5EF4-FFF2-40B4-BE49-F238E27FC236}">
+                <a16:creationId xmlns:a16="http://schemas.microsoft.com/office/drawing/2014/main" id="{4E5B7040-6CC8-2705-C7EC-DB1FCE31A732}"/>
+              </a:ext>
+            </a:extLst>
+          </p:cNvPr>
+          <p:cNvSpPr>
+            <a:spLocks noGrp="1"/>
+          </p:cNvSpPr>
+          <p:nvPr>
+            <p:ph type="title"/>
+          </p:nvPr>
+        </p:nvSpPr>
+        <p:spPr/>
+        <p:txBody>
+          <a:bodyPr/>
+          <a:lstStyle/>
+          <a:p>
+            <a:r>
+              <a:rPr kumimoji="1" lang="ja-JP" altLang="en-US" dirty="0"/>
+              <a:t>折り返し型乗算回路の利得計算</a:t>
+            </a:r>
+            <a:br>
+              <a:rPr kumimoji="1" lang="en-US" altLang="ja-JP" dirty="0"/>
+            </a:br>
+            <a:r>
+              <a:rPr kumimoji="1" lang="ja-JP" altLang="en-US" dirty="0"/>
+              <a:t>各部の電流</a:t>
+            </a:r>
+          </a:p>
+        </p:txBody>
+      </p:sp>
+      <p:sp>
+        <p:nvSpPr>
+          <p:cNvPr id="3" name="スライド番号プレースホルダー 2">
+            <a:extLst>
+              <a:ext uri="{FF2B5EF4-FFF2-40B4-BE49-F238E27FC236}">
+                <a16:creationId xmlns:a16="http://schemas.microsoft.com/office/drawing/2014/main" id="{484031F8-7457-6685-9A23-73855DA85704}"/>
+              </a:ext>
+            </a:extLst>
+          </p:cNvPr>
+          <p:cNvSpPr>
+            <a:spLocks noGrp="1"/>
+          </p:cNvSpPr>
+          <p:nvPr>
+            <p:ph type="sldNum" sz="quarter" idx="12"/>
+          </p:nvPr>
+        </p:nvSpPr>
+        <p:spPr/>
+        <p:txBody>
+          <a:bodyPr/>
+          <a:lstStyle/>
+          <a:p>
+            <a:fld id="{A742575F-3C2A-495A-A52F-17634B579F22}" type="slidenum">
+              <a:rPr kumimoji="1" lang="ja-JP" altLang="en-US" smtClean="0"/>
+              <a:t>17</a:t>
+            </a:fld>
+            <a:endParaRPr kumimoji="1" lang="ja-JP" altLang="en-US"/>
+          </a:p>
+        </p:txBody>
+      </p:sp>
+      <mc:AlternateContent xmlns:mc="http://schemas.openxmlformats.org/markup-compatibility/2006" xmlns:a14="http://schemas.microsoft.com/office/drawing/2010/main">
+        <mc:Choice Requires="a14">
+          <p:sp>
+            <p:nvSpPr>
+              <p:cNvPr id="5" name="テキスト ボックス 4">
+                <a:extLst>
+                  <a:ext uri="{FF2B5EF4-FFF2-40B4-BE49-F238E27FC236}">
+                    <a16:creationId xmlns:a16="http://schemas.microsoft.com/office/drawing/2014/main" id="{33750A2A-1F70-D21E-F9CD-0D8901F2D9C3}"/>
+                  </a:ext>
+                </a:extLst>
+              </p:cNvPr>
+              <p:cNvSpPr txBox="1"/>
+              <p:nvPr/>
+            </p:nvSpPr>
+            <p:spPr>
+              <a:xfrm>
+                <a:off x="1371600" y="1871820"/>
+                <a:ext cx="9448800" cy="4134273"/>
+              </a:xfrm>
+              <a:prstGeom prst="rect">
+                <a:avLst/>
+              </a:prstGeom>
+              <a:noFill/>
+            </p:spPr>
+            <p:txBody>
+              <a:bodyPr wrap="square" rtlCol="0">
+                <a:spAutoFit/>
+              </a:bodyPr>
+              <a:lstStyle/>
+              <a:p>
+                <a:pPr algn="l"/>
+                <a14:m>
+                  <m:oMath xmlns:m="http://schemas.openxmlformats.org/officeDocument/2006/math">
+                    <m:r>
+                      <a:rPr kumimoji="1" lang="en-US" altLang="ja-JP" sz="2400" b="0" i="1" smtClean="0">
+                        <a:latin typeface="Cambria Math" panose="02040503050406030204" pitchFamily="18" charset="0"/>
+                      </a:rPr>
+                      <m:t>𝐴</m:t>
+                    </m:r>
+                    <m:r>
+                      <a:rPr kumimoji="1" lang="en-US" altLang="ja-JP" sz="2400" b="0" i="1" smtClean="0">
+                        <a:latin typeface="Cambria Math" panose="02040503050406030204" pitchFamily="18" charset="0"/>
+                      </a:rPr>
+                      <m:t>=</m:t>
+                    </m:r>
+                    <m:r>
+                      <a:rPr lang="en-US" altLang="ja-JP" sz="2400">
+                        <a:latin typeface="Cambria Math" panose="02040503050406030204" pitchFamily="18" charset="0"/>
+                      </a:rPr>
+                      <m:t>−</m:t>
+                    </m:r>
+                    <m:rad>
+                      <m:radPr>
+                        <m:degHide m:val="on"/>
+                        <m:ctrlPr>
+                          <a:rPr lang="en-US" altLang="ja-JP" sz="2400" i="1">
+                            <a:latin typeface="Cambria Math" panose="02040503050406030204" pitchFamily="18" charset="0"/>
+                          </a:rPr>
+                        </m:ctrlPr>
+                      </m:radPr>
+                      <m:deg/>
+                      <m:e>
+                        <m:r>
+                          <a:rPr lang="en-US" altLang="ja-JP" sz="2400" i="1">
+                            <a:latin typeface="Cambria Math" panose="02040503050406030204" pitchFamily="18" charset="0"/>
+                          </a:rPr>
+                          <m:t>2</m:t>
+                        </m:r>
+                        <m:sSub>
+                          <m:sSubPr>
+                            <m:ctrlPr>
+                              <a:rPr lang="en-US" altLang="ja-JP" sz="2400" i="1">
+                                <a:latin typeface="Cambria Math" panose="02040503050406030204" pitchFamily="18" charset="0"/>
+                              </a:rPr>
+                            </m:ctrlPr>
+                          </m:sSubPr>
+                          <m:e>
+                            <m:r>
+                              <a:rPr lang="en-US" altLang="ja-JP" sz="2400" i="1">
+                                <a:latin typeface="Cambria Math" panose="02040503050406030204" pitchFamily="18" charset="0"/>
+                              </a:rPr>
+                              <m:t>𝐾</m:t>
+                            </m:r>
+                          </m:e>
+                          <m:sub>
+                            <m:r>
+                              <a:rPr lang="en-US" altLang="ja-JP" sz="2400" i="1">
+                                <a:latin typeface="Cambria Math" panose="02040503050406030204" pitchFamily="18" charset="0"/>
+                              </a:rPr>
+                              <m:t>𝑛</m:t>
+                            </m:r>
+                          </m:sub>
+                        </m:sSub>
+                        <m:sSub>
+                          <m:sSubPr>
+                            <m:ctrlPr>
+                              <a:rPr lang="en-US" altLang="ja-JP" sz="2400" i="1">
+                                <a:latin typeface="Cambria Math" panose="02040503050406030204" pitchFamily="18" charset="0"/>
+                              </a:rPr>
+                            </m:ctrlPr>
+                          </m:sSubPr>
+                          <m:e>
+                            <m:r>
+                              <a:rPr lang="en-US" altLang="ja-JP" sz="2400" i="1">
+                                <a:latin typeface="Cambria Math" panose="02040503050406030204" pitchFamily="18" charset="0"/>
+                              </a:rPr>
+                              <m:t>𝐼</m:t>
+                            </m:r>
+                          </m:e>
+                          <m:sub>
+                            <m:r>
+                              <a:rPr lang="en-US" altLang="ja-JP" sz="2400" i="1">
+                                <a:latin typeface="Cambria Math" panose="02040503050406030204" pitchFamily="18" charset="0"/>
+                              </a:rPr>
+                              <m:t>𝐶</m:t>
+                            </m:r>
+                          </m:sub>
+                        </m:sSub>
+                      </m:e>
+                    </m:rad>
+                    <m:r>
+                      <a:rPr lang="en-US" altLang="ja-JP" sz="2400" b="0" i="0" smtClean="0">
+                        <a:latin typeface="Cambria Math" panose="02040503050406030204" pitchFamily="18" charset="0"/>
+                      </a:rPr>
+                      <m:t>,</m:t>
+                    </m:r>
+                    <m:r>
+                      <a:rPr kumimoji="1" lang="en-US" altLang="ja-JP" sz="2400" b="0" i="1" smtClean="0">
+                        <a:latin typeface="Cambria Math" panose="02040503050406030204" pitchFamily="18" charset="0"/>
+                      </a:rPr>
+                      <m:t>𝐵</m:t>
+                    </m:r>
+                    <m:r>
+                      <a:rPr kumimoji="1" lang="en-US" altLang="ja-JP" sz="2400" b="0" i="1" smtClean="0">
+                        <a:latin typeface="Cambria Math" panose="02040503050406030204" pitchFamily="18" charset="0"/>
+                      </a:rPr>
+                      <m:t>=</m:t>
+                    </m:r>
+                    <m:rad>
+                      <m:radPr>
+                        <m:degHide m:val="on"/>
+                        <m:ctrlPr>
+                          <a:rPr lang="en-US" altLang="ja-JP" sz="2400" i="1">
+                            <a:latin typeface="Cambria Math" panose="02040503050406030204" pitchFamily="18" charset="0"/>
+                          </a:rPr>
+                        </m:ctrlPr>
+                      </m:radPr>
+                      <m:deg/>
+                      <m:e>
+                        <m:f>
+                          <m:fPr>
+                            <m:ctrlPr>
+                              <a:rPr lang="en-US" altLang="ja-JP" sz="2400" i="1">
+                                <a:latin typeface="Cambria Math" panose="02040503050406030204" pitchFamily="18" charset="0"/>
+                              </a:rPr>
+                            </m:ctrlPr>
+                          </m:fPr>
+                          <m:num>
+                            <m:sSub>
+                              <m:sSubPr>
+                                <m:ctrlPr>
+                                  <a:rPr lang="en-US" altLang="ja-JP" sz="2400" i="1">
+                                    <a:latin typeface="Cambria Math" panose="02040503050406030204" pitchFamily="18" charset="0"/>
+                                  </a:rPr>
+                                </m:ctrlPr>
+                              </m:sSubPr>
+                              <m:e>
+                                <m:r>
+                                  <a:rPr lang="en-US" altLang="ja-JP" sz="2400" i="1">
+                                    <a:latin typeface="Cambria Math" panose="02040503050406030204" pitchFamily="18" charset="0"/>
+                                  </a:rPr>
+                                  <m:t>𝐾</m:t>
+                                </m:r>
+                              </m:e>
+                              <m:sub>
+                                <m:r>
+                                  <a:rPr lang="en-US" altLang="ja-JP" sz="2400" i="1">
+                                    <a:latin typeface="Cambria Math" panose="02040503050406030204" pitchFamily="18" charset="0"/>
+                                  </a:rPr>
+                                  <m:t>𝑝</m:t>
+                                </m:r>
+                              </m:sub>
+                            </m:sSub>
+                          </m:num>
+                          <m:den>
+                            <m:r>
+                              <a:rPr lang="en-US" altLang="ja-JP" sz="2400" i="1">
+                                <a:latin typeface="Cambria Math" panose="02040503050406030204" pitchFamily="18" charset="0"/>
+                              </a:rPr>
+                              <m:t>2</m:t>
+                            </m:r>
+                            <m:sSub>
+                              <m:sSubPr>
+                                <m:ctrlPr>
+                                  <a:rPr lang="en-US" altLang="ja-JP" sz="2400" i="1">
+                                    <a:latin typeface="Cambria Math" panose="02040503050406030204" pitchFamily="18" charset="0"/>
+                                  </a:rPr>
+                                </m:ctrlPr>
+                              </m:sSubPr>
+                              <m:e>
+                                <m:r>
+                                  <a:rPr lang="en-US" altLang="ja-JP" sz="2400" i="1">
+                                    <a:latin typeface="Cambria Math" panose="02040503050406030204" pitchFamily="18" charset="0"/>
+                                  </a:rPr>
+                                  <m:t>𝐼</m:t>
+                                </m:r>
+                              </m:e>
+                              <m:sub>
+                                <m:r>
+                                  <a:rPr lang="en-US" altLang="ja-JP" sz="2400" i="1">
+                                    <a:latin typeface="Cambria Math" panose="02040503050406030204" pitchFamily="18" charset="0"/>
+                                  </a:rPr>
+                                  <m:t>𝑏𝑖𝑎𝑠</m:t>
+                                </m:r>
+                                <m:r>
+                                  <a:rPr lang="en-US" altLang="ja-JP" sz="2400" i="1">
+                                    <a:latin typeface="Cambria Math" panose="02040503050406030204" pitchFamily="18" charset="0"/>
+                                  </a:rPr>
+                                  <m:t>1</m:t>
+                                </m:r>
+                              </m:sub>
+                            </m:sSub>
+                            <m:r>
+                              <a:rPr lang="en-US" altLang="ja-JP" sz="2400" i="1">
+                                <a:latin typeface="Cambria Math" panose="02040503050406030204" pitchFamily="18" charset="0"/>
+                              </a:rPr>
+                              <m:t>−</m:t>
+                            </m:r>
+                            <m:sSub>
+                              <m:sSubPr>
+                                <m:ctrlPr>
+                                  <a:rPr lang="en-US" altLang="ja-JP" sz="2400" i="1">
+                                    <a:latin typeface="Cambria Math" panose="02040503050406030204" pitchFamily="18" charset="0"/>
+                                  </a:rPr>
+                                </m:ctrlPr>
+                              </m:sSubPr>
+                              <m:e>
+                                <m:r>
+                                  <a:rPr lang="en-US" altLang="ja-JP" sz="2400" i="1">
+                                    <a:latin typeface="Cambria Math" panose="02040503050406030204" pitchFamily="18" charset="0"/>
+                                  </a:rPr>
+                                  <m:t>𝐼</m:t>
+                                </m:r>
+                              </m:e>
+                              <m:sub>
+                                <m:r>
+                                  <a:rPr lang="en-US" altLang="ja-JP" sz="2400" i="1">
+                                    <a:latin typeface="Cambria Math" panose="02040503050406030204" pitchFamily="18" charset="0"/>
+                                  </a:rPr>
+                                  <m:t>𝐶</m:t>
+                                </m:r>
+                              </m:sub>
+                            </m:sSub>
+                          </m:den>
+                        </m:f>
+                      </m:e>
+                    </m:rad>
+                  </m:oMath>
+                </a14:m>
+                <a:r>
+                  <a:rPr lang="ja-JP" altLang="en-US" sz="2400" dirty="0">
+                    <a:latin typeface="Cambria Math" panose="02040503050406030204" pitchFamily="18" charset="0"/>
+                  </a:rPr>
+                  <a:t>より</a:t>
+                </a:r>
+                <a:endParaRPr lang="en-US" altLang="ja-JP" sz="2400" dirty="0">
+                  <a:latin typeface="Cambria Math" panose="02040503050406030204" pitchFamily="18" charset="0"/>
+                </a:endParaRPr>
+              </a:p>
+              <a:p>
+                <a:pPr algn="l"/>
+                <a14:m>
+                  <m:oMathPara xmlns:m="http://schemas.openxmlformats.org/officeDocument/2006/math">
+                    <m:oMathParaPr>
+                      <m:jc m:val="centerGroup"/>
+                    </m:oMathParaPr>
+                    <m:oMath xmlns:m="http://schemas.openxmlformats.org/officeDocument/2006/math">
+                      <m:sSub>
+                        <m:sSubPr>
+                          <m:ctrlPr>
+                            <a:rPr lang="en-US" altLang="ja-JP" sz="2400" i="1" smtClean="0">
+                              <a:latin typeface="Cambria Math" panose="02040503050406030204" pitchFamily="18" charset="0"/>
+                            </a:rPr>
+                          </m:ctrlPr>
+                        </m:sSubPr>
+                        <m:e>
+                          <m:r>
+                            <a:rPr lang="en-US" altLang="ja-JP" sz="2400" i="1">
+                              <a:latin typeface="Cambria Math" panose="02040503050406030204" pitchFamily="18" charset="0"/>
+                            </a:rPr>
+                            <m:t>𝑖</m:t>
+                          </m:r>
+                        </m:e>
+                        <m:sub>
+                          <m:r>
+                            <a:rPr lang="en-US" altLang="ja-JP" sz="2400" i="1">
+                              <a:latin typeface="Cambria Math" panose="02040503050406030204" pitchFamily="18" charset="0"/>
+                            </a:rPr>
+                            <m:t>𝐴</m:t>
+                          </m:r>
+                          <m:r>
+                            <a:rPr lang="en-US" altLang="ja-JP" sz="2400" i="1">
+                              <a:latin typeface="Cambria Math" panose="02040503050406030204" pitchFamily="18" charset="0"/>
+                            </a:rPr>
+                            <m:t>1</m:t>
+                          </m:r>
+                        </m:sub>
+                      </m:sSub>
+                      <m:r>
+                        <a:rPr lang="en-US" altLang="ja-JP" sz="2400" i="1">
+                          <a:latin typeface="Cambria Math" panose="02040503050406030204" pitchFamily="18" charset="0"/>
+                        </a:rPr>
+                        <m:t>−</m:t>
+                      </m:r>
+                      <m:sSub>
+                        <m:sSubPr>
+                          <m:ctrlPr>
+                            <a:rPr lang="en-US" altLang="ja-JP" sz="2400" i="1">
+                              <a:latin typeface="Cambria Math" panose="02040503050406030204" pitchFamily="18" charset="0"/>
+                            </a:rPr>
+                          </m:ctrlPr>
+                        </m:sSubPr>
+                        <m:e>
+                          <m:r>
+                            <a:rPr lang="en-US" altLang="ja-JP" sz="2400" i="1">
+                              <a:latin typeface="Cambria Math" panose="02040503050406030204" pitchFamily="18" charset="0"/>
+                            </a:rPr>
+                            <m:t>𝑖</m:t>
+                          </m:r>
+                        </m:e>
+                        <m:sub>
+                          <m:r>
+                            <a:rPr lang="en-US" altLang="ja-JP" sz="2400" i="1">
+                              <a:latin typeface="Cambria Math" panose="02040503050406030204" pitchFamily="18" charset="0"/>
+                            </a:rPr>
+                            <m:t>𝐴</m:t>
+                          </m:r>
+                          <m:r>
+                            <a:rPr lang="en-US" altLang="ja-JP" sz="2400" i="1">
+                              <a:latin typeface="Cambria Math" panose="02040503050406030204" pitchFamily="18" charset="0"/>
+                            </a:rPr>
+                            <m:t>2</m:t>
+                          </m:r>
+                        </m:sub>
+                      </m:sSub>
+                      <m:r>
+                        <a:rPr lang="en-US" altLang="ja-JP" sz="2400" i="1">
+                          <a:latin typeface="Cambria Math" panose="02040503050406030204" pitchFamily="18" charset="0"/>
+                        </a:rPr>
+                        <m:t>+</m:t>
+                      </m:r>
+                      <m:sSub>
+                        <m:sSubPr>
+                          <m:ctrlPr>
+                            <a:rPr lang="en-US" altLang="ja-JP" sz="2400" i="1">
+                              <a:latin typeface="Cambria Math" panose="02040503050406030204" pitchFamily="18" charset="0"/>
+                            </a:rPr>
+                          </m:ctrlPr>
+                        </m:sSubPr>
+                        <m:e>
+                          <m:r>
+                            <a:rPr lang="en-US" altLang="ja-JP" sz="2400" i="1">
+                              <a:latin typeface="Cambria Math" panose="02040503050406030204" pitchFamily="18" charset="0"/>
+                            </a:rPr>
+                            <m:t>𝑖</m:t>
+                          </m:r>
+                        </m:e>
+                        <m:sub>
+                          <m:r>
+                            <a:rPr lang="en-US" altLang="ja-JP" sz="2400" i="1">
+                              <a:latin typeface="Cambria Math" panose="02040503050406030204" pitchFamily="18" charset="0"/>
+                            </a:rPr>
+                            <m:t>𝐴</m:t>
+                          </m:r>
+                          <m:r>
+                            <a:rPr lang="en-US" altLang="ja-JP" sz="2400" i="1">
+                              <a:latin typeface="Cambria Math" panose="02040503050406030204" pitchFamily="18" charset="0"/>
+                            </a:rPr>
+                            <m:t>3</m:t>
+                          </m:r>
+                        </m:sub>
+                      </m:sSub>
+                      <m:r>
+                        <a:rPr lang="en-US" altLang="ja-JP" sz="2400" i="1">
+                          <a:latin typeface="Cambria Math" panose="02040503050406030204" pitchFamily="18" charset="0"/>
+                        </a:rPr>
+                        <m:t>−</m:t>
+                      </m:r>
+                      <m:sSub>
+                        <m:sSubPr>
+                          <m:ctrlPr>
+                            <a:rPr lang="en-US" altLang="ja-JP" sz="2400" i="1">
+                              <a:latin typeface="Cambria Math" panose="02040503050406030204" pitchFamily="18" charset="0"/>
+                            </a:rPr>
+                          </m:ctrlPr>
+                        </m:sSubPr>
+                        <m:e>
+                          <m:r>
+                            <a:rPr lang="en-US" altLang="ja-JP" sz="2400" i="1">
+                              <a:latin typeface="Cambria Math" panose="02040503050406030204" pitchFamily="18" charset="0"/>
+                            </a:rPr>
+                            <m:t>𝑖</m:t>
+                          </m:r>
+                        </m:e>
+                        <m:sub>
+                          <m:r>
+                            <a:rPr lang="en-US" altLang="ja-JP" sz="2400" i="1">
+                              <a:latin typeface="Cambria Math" panose="02040503050406030204" pitchFamily="18" charset="0"/>
+                            </a:rPr>
+                            <m:t>𝐴</m:t>
+                          </m:r>
+                          <m:r>
+                            <a:rPr lang="en-US" altLang="ja-JP" sz="2400" i="1">
+                              <a:latin typeface="Cambria Math" panose="02040503050406030204" pitchFamily="18" charset="0"/>
+                            </a:rPr>
+                            <m:t>4</m:t>
+                          </m:r>
+                        </m:sub>
+                      </m:sSub>
+                      <m:r>
+                        <a:rPr lang="en-US" altLang="ja-JP" sz="2400" b="0" i="1" smtClean="0">
+                          <a:latin typeface="Cambria Math" panose="02040503050406030204" pitchFamily="18" charset="0"/>
+                        </a:rPr>
+                        <m:t>=4</m:t>
+                      </m:r>
+                      <m:r>
+                        <a:rPr lang="en-US" altLang="ja-JP" sz="2400" b="0" i="1" smtClean="0">
+                          <a:latin typeface="Cambria Math" panose="02040503050406030204" pitchFamily="18" charset="0"/>
+                        </a:rPr>
+                        <m:t>𝐴𝐵</m:t>
+                      </m:r>
+                      <m:r>
+                        <a:rPr lang="en-US" altLang="ja-JP" sz="2400" b="0" i="1" smtClean="0">
+                          <a:latin typeface="Cambria Math" panose="02040503050406030204" pitchFamily="18" charset="0"/>
+                        </a:rPr>
+                        <m:t>⋅</m:t>
+                      </m:r>
+                      <m:sSub>
+                        <m:sSubPr>
+                          <m:ctrlPr>
+                            <a:rPr lang="en-US" altLang="ja-JP" sz="2400" b="0" i="1" smtClean="0">
+                              <a:latin typeface="Cambria Math" panose="02040503050406030204" pitchFamily="18" charset="0"/>
+                            </a:rPr>
+                          </m:ctrlPr>
+                        </m:sSubPr>
+                        <m:e>
+                          <m:r>
+                            <a:rPr lang="en-US" altLang="ja-JP" sz="2400" b="0" i="1" smtClean="0">
+                              <a:latin typeface="Cambria Math" panose="02040503050406030204" pitchFamily="18" charset="0"/>
+                            </a:rPr>
+                            <m:t>𝑉</m:t>
+                          </m:r>
+                        </m:e>
+                        <m:sub>
+                          <m:r>
+                            <a:rPr lang="en-US" altLang="ja-JP" sz="2400" b="0" i="1" smtClean="0">
+                              <a:latin typeface="Cambria Math" panose="02040503050406030204" pitchFamily="18" charset="0"/>
+                            </a:rPr>
+                            <m:t>𝐶𝑇𝑅𝐿</m:t>
+                          </m:r>
+                        </m:sub>
+                      </m:sSub>
+                      <m:r>
+                        <a:rPr lang="en-US" altLang="ja-JP" sz="2400" b="0" i="1" smtClean="0">
+                          <a:latin typeface="Cambria Math" panose="02040503050406030204" pitchFamily="18" charset="0"/>
+                        </a:rPr>
+                        <m:t>⋅</m:t>
+                      </m:r>
+                      <m:sSub>
+                        <m:sSubPr>
+                          <m:ctrlPr>
+                            <a:rPr lang="en-US" altLang="ja-JP" sz="2400" b="0" i="1" smtClean="0">
+                              <a:latin typeface="Cambria Math" panose="02040503050406030204" pitchFamily="18" charset="0"/>
+                            </a:rPr>
+                          </m:ctrlPr>
+                        </m:sSubPr>
+                        <m:e>
+                          <m:r>
+                            <a:rPr lang="en-US" altLang="ja-JP" sz="2400" b="0" i="1" smtClean="0">
+                              <a:latin typeface="Cambria Math" panose="02040503050406030204" pitchFamily="18" charset="0"/>
+                            </a:rPr>
+                            <m:t>𝑣</m:t>
+                          </m:r>
+                        </m:e>
+                        <m:sub>
+                          <m:r>
+                            <a:rPr lang="en-US" altLang="ja-JP" sz="2400" b="0" i="1" smtClean="0">
+                              <a:latin typeface="Cambria Math" panose="02040503050406030204" pitchFamily="18" charset="0"/>
+                            </a:rPr>
+                            <m:t>𝑖𝑛</m:t>
+                          </m:r>
+                        </m:sub>
+                      </m:sSub>
+                    </m:oMath>
+                  </m:oMathPara>
+                </a14:m>
+                <a:endParaRPr kumimoji="1" lang="en-US" altLang="ja-JP" sz="2400" dirty="0"/>
+              </a:p>
+              <a:p>
+                <a:pPr algn="l"/>
+                <a14:m>
+                  <m:oMathPara xmlns:m="http://schemas.openxmlformats.org/officeDocument/2006/math">
+                    <m:oMathParaPr>
+                      <m:jc m:val="centerGroup"/>
+                    </m:oMathParaPr>
+                    <m:oMath xmlns:m="http://schemas.openxmlformats.org/officeDocument/2006/math">
+                      <m:r>
+                        <a:rPr kumimoji="1" lang="en-US" altLang="ja-JP" sz="2400" b="0" i="1" smtClean="0">
+                          <a:latin typeface="Cambria Math" panose="02040503050406030204" pitchFamily="18" charset="0"/>
+                        </a:rPr>
+                        <m:t>=−4</m:t>
+                      </m:r>
+                      <m:rad>
+                        <m:radPr>
+                          <m:degHide m:val="on"/>
+                          <m:ctrlPr>
+                            <a:rPr kumimoji="1" lang="en-US" altLang="ja-JP" sz="2400" b="0" i="1" smtClean="0">
+                              <a:latin typeface="Cambria Math" panose="02040503050406030204" pitchFamily="18" charset="0"/>
+                            </a:rPr>
+                          </m:ctrlPr>
+                        </m:radPr>
+                        <m:deg/>
+                        <m:e>
+                          <m:f>
+                            <m:fPr>
+                              <m:ctrlPr>
+                                <a:rPr kumimoji="1" lang="en-US" altLang="ja-JP" sz="2400" b="0" i="1" smtClean="0">
+                                  <a:latin typeface="Cambria Math" panose="02040503050406030204" pitchFamily="18" charset="0"/>
+                                </a:rPr>
+                              </m:ctrlPr>
+                            </m:fPr>
+                            <m:num>
+                              <m:r>
+                                <a:rPr kumimoji="1" lang="en-US" altLang="ja-JP" sz="2400" b="0" i="1" smtClean="0">
+                                  <a:latin typeface="Cambria Math" panose="02040503050406030204" pitchFamily="18" charset="0"/>
+                                </a:rPr>
+                                <m:t>2</m:t>
+                              </m:r>
+                              <m:sSub>
+                                <m:sSubPr>
+                                  <m:ctrlPr>
+                                    <a:rPr kumimoji="1" lang="en-US" altLang="ja-JP" sz="2400" b="0" i="1" smtClean="0">
+                                      <a:latin typeface="Cambria Math" panose="02040503050406030204" pitchFamily="18" charset="0"/>
+                                    </a:rPr>
+                                  </m:ctrlPr>
+                                </m:sSubPr>
+                                <m:e>
+                                  <m:r>
+                                    <a:rPr kumimoji="1" lang="en-US" altLang="ja-JP" sz="2400" b="0" i="1" smtClean="0">
+                                      <a:latin typeface="Cambria Math" panose="02040503050406030204" pitchFamily="18" charset="0"/>
+                                    </a:rPr>
+                                    <m:t>𝐾</m:t>
+                                  </m:r>
+                                </m:e>
+                                <m:sub>
+                                  <m:r>
+                                    <a:rPr kumimoji="1" lang="en-US" altLang="ja-JP" sz="2400" b="0" i="1" smtClean="0">
+                                      <a:latin typeface="Cambria Math" panose="02040503050406030204" pitchFamily="18" charset="0"/>
+                                    </a:rPr>
+                                    <m:t>𝑝</m:t>
+                                  </m:r>
+                                </m:sub>
+                              </m:sSub>
+                              <m:sSub>
+                                <m:sSubPr>
+                                  <m:ctrlPr>
+                                    <a:rPr kumimoji="1" lang="en-US" altLang="ja-JP" sz="2400" b="0" i="1" smtClean="0">
+                                      <a:latin typeface="Cambria Math" panose="02040503050406030204" pitchFamily="18" charset="0"/>
+                                    </a:rPr>
+                                  </m:ctrlPr>
+                                </m:sSubPr>
+                                <m:e>
+                                  <m:r>
+                                    <a:rPr kumimoji="1" lang="en-US" altLang="ja-JP" sz="2400" b="0" i="1" smtClean="0">
+                                      <a:latin typeface="Cambria Math" panose="02040503050406030204" pitchFamily="18" charset="0"/>
+                                    </a:rPr>
+                                    <m:t>𝐾</m:t>
+                                  </m:r>
+                                </m:e>
+                                <m:sub>
+                                  <m:r>
+                                    <a:rPr kumimoji="1" lang="en-US" altLang="ja-JP" sz="2400" b="0" i="1" smtClean="0">
+                                      <a:latin typeface="Cambria Math" panose="02040503050406030204" pitchFamily="18" charset="0"/>
+                                    </a:rPr>
+                                    <m:t>𝑛</m:t>
+                                  </m:r>
+                                </m:sub>
+                              </m:sSub>
+                              <m:sSub>
+                                <m:sSubPr>
+                                  <m:ctrlPr>
+                                    <a:rPr kumimoji="1" lang="en-US" altLang="ja-JP" sz="2400" b="0" i="1" smtClean="0">
+                                      <a:latin typeface="Cambria Math" panose="02040503050406030204" pitchFamily="18" charset="0"/>
+                                    </a:rPr>
+                                  </m:ctrlPr>
+                                </m:sSubPr>
+                                <m:e>
+                                  <m:r>
+                                    <a:rPr kumimoji="1" lang="en-US" altLang="ja-JP" sz="2400" b="0" i="1" smtClean="0">
+                                      <a:latin typeface="Cambria Math" panose="02040503050406030204" pitchFamily="18" charset="0"/>
+                                    </a:rPr>
+                                    <m:t>𝐼</m:t>
+                                  </m:r>
+                                </m:e>
+                                <m:sub>
+                                  <m:r>
+                                    <a:rPr kumimoji="1" lang="en-US" altLang="ja-JP" sz="2400" b="0" i="1" smtClean="0">
+                                      <a:latin typeface="Cambria Math" panose="02040503050406030204" pitchFamily="18" charset="0"/>
+                                    </a:rPr>
+                                    <m:t>𝐶</m:t>
+                                  </m:r>
+                                </m:sub>
+                              </m:sSub>
+                            </m:num>
+                            <m:den>
+                              <m:r>
+                                <a:rPr kumimoji="1" lang="en-US" altLang="ja-JP" sz="2400" b="0" i="1" smtClean="0">
+                                  <a:latin typeface="Cambria Math" panose="02040503050406030204" pitchFamily="18" charset="0"/>
+                                </a:rPr>
+                                <m:t>2</m:t>
+                              </m:r>
+                              <m:sSub>
+                                <m:sSubPr>
+                                  <m:ctrlPr>
+                                    <a:rPr kumimoji="1" lang="en-US" altLang="ja-JP" sz="2400" b="0" i="1" smtClean="0">
+                                      <a:latin typeface="Cambria Math" panose="02040503050406030204" pitchFamily="18" charset="0"/>
+                                    </a:rPr>
+                                  </m:ctrlPr>
+                                </m:sSubPr>
+                                <m:e>
+                                  <m:r>
+                                    <a:rPr kumimoji="1" lang="en-US" altLang="ja-JP" sz="2400" b="0" i="1" smtClean="0">
+                                      <a:latin typeface="Cambria Math" panose="02040503050406030204" pitchFamily="18" charset="0"/>
+                                    </a:rPr>
+                                    <m:t>𝐼</m:t>
+                                  </m:r>
+                                </m:e>
+                                <m:sub>
+                                  <m:r>
+                                    <a:rPr kumimoji="1" lang="en-US" altLang="ja-JP" sz="2400" b="0" i="1" smtClean="0">
+                                      <a:latin typeface="Cambria Math" panose="02040503050406030204" pitchFamily="18" charset="0"/>
+                                    </a:rPr>
+                                    <m:t>𝑏𝑖𝑎𝑠</m:t>
+                                  </m:r>
+                                  <m:r>
+                                    <a:rPr kumimoji="1" lang="en-US" altLang="ja-JP" sz="2400" b="0" i="1" smtClean="0">
+                                      <a:latin typeface="Cambria Math" panose="02040503050406030204" pitchFamily="18" charset="0"/>
+                                    </a:rPr>
+                                    <m:t>1</m:t>
+                                  </m:r>
+                                </m:sub>
+                              </m:sSub>
+                              <m:r>
+                                <a:rPr kumimoji="1" lang="en-US" altLang="ja-JP" sz="2400" b="0" i="1" smtClean="0">
+                                  <a:latin typeface="Cambria Math" panose="02040503050406030204" pitchFamily="18" charset="0"/>
+                                </a:rPr>
+                                <m:t>−</m:t>
+                              </m:r>
+                              <m:sSub>
+                                <m:sSubPr>
+                                  <m:ctrlPr>
+                                    <a:rPr kumimoji="1" lang="en-US" altLang="ja-JP" sz="2400" b="0" i="1" smtClean="0">
+                                      <a:latin typeface="Cambria Math" panose="02040503050406030204" pitchFamily="18" charset="0"/>
+                                    </a:rPr>
+                                  </m:ctrlPr>
+                                </m:sSubPr>
+                                <m:e>
+                                  <m:r>
+                                    <a:rPr kumimoji="1" lang="en-US" altLang="ja-JP" sz="2400" b="0" i="1" smtClean="0">
+                                      <a:latin typeface="Cambria Math" panose="02040503050406030204" pitchFamily="18" charset="0"/>
+                                    </a:rPr>
+                                    <m:t>𝐼</m:t>
+                                  </m:r>
+                                </m:e>
+                                <m:sub>
+                                  <m:r>
+                                    <a:rPr kumimoji="1" lang="en-US" altLang="ja-JP" sz="2400" b="0" i="1" smtClean="0">
+                                      <a:latin typeface="Cambria Math" panose="02040503050406030204" pitchFamily="18" charset="0"/>
+                                    </a:rPr>
+                                    <m:t>𝐶</m:t>
+                                  </m:r>
+                                </m:sub>
+                              </m:sSub>
+                            </m:den>
+                          </m:f>
+                        </m:e>
+                      </m:rad>
+                      <m:r>
+                        <a:rPr kumimoji="1" lang="en-US" altLang="ja-JP" sz="2400" b="0" i="1" smtClean="0">
+                          <a:latin typeface="Cambria Math" panose="02040503050406030204" pitchFamily="18" charset="0"/>
+                        </a:rPr>
+                        <m:t>⋅</m:t>
+                      </m:r>
+                      <m:sSub>
+                        <m:sSubPr>
+                          <m:ctrlPr>
+                            <a:rPr kumimoji="1" lang="en-US" altLang="ja-JP" sz="2400" b="0" i="1" smtClean="0">
+                              <a:latin typeface="Cambria Math" panose="02040503050406030204" pitchFamily="18" charset="0"/>
+                            </a:rPr>
+                          </m:ctrlPr>
+                        </m:sSubPr>
+                        <m:e>
+                          <m:r>
+                            <a:rPr kumimoji="1" lang="en-US" altLang="ja-JP" sz="2400" b="0" i="1" smtClean="0">
+                              <a:latin typeface="Cambria Math" panose="02040503050406030204" pitchFamily="18" charset="0"/>
+                            </a:rPr>
+                            <m:t>𝑉</m:t>
+                          </m:r>
+                        </m:e>
+                        <m:sub>
+                          <m:r>
+                            <a:rPr kumimoji="1" lang="en-US" altLang="ja-JP" sz="2400" b="0" i="1" smtClean="0">
+                              <a:latin typeface="Cambria Math" panose="02040503050406030204" pitchFamily="18" charset="0"/>
+                            </a:rPr>
+                            <m:t>𝐶𝑇𝑅𝐿</m:t>
+                          </m:r>
+                        </m:sub>
+                      </m:sSub>
+                      <m:r>
+                        <a:rPr kumimoji="1" lang="en-US" altLang="ja-JP" sz="2400" b="0" i="1" smtClean="0">
+                          <a:latin typeface="Cambria Math" panose="02040503050406030204" pitchFamily="18" charset="0"/>
+                        </a:rPr>
+                        <m:t>⋅</m:t>
+                      </m:r>
+                      <m:sSub>
+                        <m:sSubPr>
+                          <m:ctrlPr>
+                            <a:rPr kumimoji="1" lang="en-US" altLang="ja-JP" sz="2400" b="0" i="1" smtClean="0">
+                              <a:latin typeface="Cambria Math" panose="02040503050406030204" pitchFamily="18" charset="0"/>
+                            </a:rPr>
+                          </m:ctrlPr>
+                        </m:sSubPr>
+                        <m:e>
+                          <m:r>
+                            <a:rPr kumimoji="1" lang="en-US" altLang="ja-JP" sz="2400" b="0" i="1" smtClean="0">
+                              <a:latin typeface="Cambria Math" panose="02040503050406030204" pitchFamily="18" charset="0"/>
+                            </a:rPr>
+                            <m:t>𝑣</m:t>
+                          </m:r>
+                        </m:e>
+                        <m:sub>
+                          <m:r>
+                            <a:rPr kumimoji="1" lang="en-US" altLang="ja-JP" sz="2400" b="0" i="1" smtClean="0">
+                              <a:latin typeface="Cambria Math" panose="02040503050406030204" pitchFamily="18" charset="0"/>
+                            </a:rPr>
+                            <m:t>𝑖𝑛</m:t>
+                          </m:r>
+                        </m:sub>
+                      </m:sSub>
+                    </m:oMath>
+                  </m:oMathPara>
+                </a14:m>
+                <a:endParaRPr kumimoji="1" lang="en-US" altLang="ja-JP" sz="2400" dirty="0"/>
+              </a:p>
+              <a:p>
+                <a:pPr algn="l"/>
+                <a:r>
+                  <a:rPr kumimoji="1" lang="ja-JP" altLang="en-US" sz="2400" dirty="0"/>
+                  <a:t>したがって、全体の利得は</a:t>
+                </a:r>
+                <a:endParaRPr kumimoji="1" lang="en-US" altLang="ja-JP" sz="2400" dirty="0"/>
+              </a:p>
+              <a:p>
+                <a:pPr/>
+                <a14:m>
+                  <m:oMathPara xmlns:m="http://schemas.openxmlformats.org/officeDocument/2006/math">
+                    <m:oMathParaPr>
+                      <m:jc m:val="centerGroup"/>
+                    </m:oMathParaPr>
+                    <m:oMath xmlns:m="http://schemas.openxmlformats.org/officeDocument/2006/math">
+                      <m:sSub>
+                        <m:sSubPr>
+                          <m:ctrlPr>
+                            <a:rPr kumimoji="1" lang="en-US" altLang="ja-JP" sz="2400" b="0" i="1" smtClean="0">
+                              <a:latin typeface="Cambria Math" panose="02040503050406030204" pitchFamily="18" charset="0"/>
+                            </a:rPr>
+                          </m:ctrlPr>
+                        </m:sSubPr>
+                        <m:e>
+                          <m:r>
+                            <a:rPr kumimoji="1" lang="en-US" altLang="ja-JP" sz="2400" b="0" i="1" smtClean="0">
+                              <a:latin typeface="Cambria Math" panose="02040503050406030204" pitchFamily="18" charset="0"/>
+                            </a:rPr>
+                            <m:t>𝑅</m:t>
+                          </m:r>
+                        </m:e>
+                        <m:sub>
+                          <m:r>
+                            <a:rPr kumimoji="1" lang="en-US" altLang="ja-JP" sz="2400" b="0" i="1" smtClean="0">
+                              <a:latin typeface="Cambria Math" panose="02040503050406030204" pitchFamily="18" charset="0"/>
+                            </a:rPr>
+                            <m:t>𝐿</m:t>
+                          </m:r>
+                        </m:sub>
+                      </m:sSub>
+                      <m:r>
+                        <a:rPr kumimoji="1" lang="en-US" altLang="ja-JP" sz="2400" b="0" i="1" smtClean="0">
+                          <a:latin typeface="Cambria Math" panose="02040503050406030204" pitchFamily="18" charset="0"/>
+                        </a:rPr>
+                        <m:t>⋅</m:t>
+                      </m:r>
+                      <m:d>
+                        <m:dPr>
+                          <m:ctrlPr>
+                            <a:rPr kumimoji="1" lang="en-US" altLang="ja-JP" sz="2400" b="0" i="1" smtClean="0">
+                              <a:latin typeface="Cambria Math" panose="02040503050406030204" pitchFamily="18" charset="0"/>
+                            </a:rPr>
+                          </m:ctrlPr>
+                        </m:dPr>
+                        <m:e>
+                          <m:sSub>
+                            <m:sSubPr>
+                              <m:ctrlPr>
+                                <a:rPr lang="en-US" altLang="ja-JP" sz="2400" i="1">
+                                  <a:latin typeface="Cambria Math" panose="02040503050406030204" pitchFamily="18" charset="0"/>
+                                </a:rPr>
+                              </m:ctrlPr>
+                            </m:sSubPr>
+                            <m:e>
+                              <m:r>
+                                <a:rPr lang="en-US" altLang="ja-JP" sz="2400" i="1">
+                                  <a:latin typeface="Cambria Math" panose="02040503050406030204" pitchFamily="18" charset="0"/>
+                                </a:rPr>
+                                <m:t>𝑖</m:t>
+                              </m:r>
+                            </m:e>
+                            <m:sub>
+                              <m:r>
+                                <a:rPr lang="en-US" altLang="ja-JP" sz="2400" i="1">
+                                  <a:latin typeface="Cambria Math" panose="02040503050406030204" pitchFamily="18" charset="0"/>
+                                </a:rPr>
+                                <m:t>𝐴</m:t>
+                              </m:r>
+                              <m:r>
+                                <a:rPr lang="en-US" altLang="ja-JP" sz="2400" i="1">
+                                  <a:latin typeface="Cambria Math" panose="02040503050406030204" pitchFamily="18" charset="0"/>
+                                </a:rPr>
+                                <m:t>1</m:t>
+                              </m:r>
+                            </m:sub>
+                          </m:sSub>
+                          <m:r>
+                            <a:rPr lang="en-US" altLang="ja-JP" sz="2400" i="1">
+                              <a:latin typeface="Cambria Math" panose="02040503050406030204" pitchFamily="18" charset="0"/>
+                            </a:rPr>
+                            <m:t>−</m:t>
+                          </m:r>
+                          <m:sSub>
+                            <m:sSubPr>
+                              <m:ctrlPr>
+                                <a:rPr lang="en-US" altLang="ja-JP" sz="2400" i="1">
+                                  <a:latin typeface="Cambria Math" panose="02040503050406030204" pitchFamily="18" charset="0"/>
+                                </a:rPr>
+                              </m:ctrlPr>
+                            </m:sSubPr>
+                            <m:e>
+                              <m:r>
+                                <a:rPr lang="en-US" altLang="ja-JP" sz="2400" i="1">
+                                  <a:latin typeface="Cambria Math" panose="02040503050406030204" pitchFamily="18" charset="0"/>
+                                </a:rPr>
+                                <m:t>𝑖</m:t>
+                              </m:r>
+                            </m:e>
+                            <m:sub>
+                              <m:r>
+                                <a:rPr lang="en-US" altLang="ja-JP" sz="2400" i="1">
+                                  <a:latin typeface="Cambria Math" panose="02040503050406030204" pitchFamily="18" charset="0"/>
+                                </a:rPr>
+                                <m:t>𝐴</m:t>
+                              </m:r>
+                              <m:r>
+                                <a:rPr lang="en-US" altLang="ja-JP" sz="2400" i="1">
+                                  <a:latin typeface="Cambria Math" panose="02040503050406030204" pitchFamily="18" charset="0"/>
+                                </a:rPr>
+                                <m:t>2</m:t>
+                              </m:r>
+                            </m:sub>
+                          </m:sSub>
+                          <m:r>
+                            <a:rPr lang="en-US" altLang="ja-JP" sz="2400" i="1">
+                              <a:latin typeface="Cambria Math" panose="02040503050406030204" pitchFamily="18" charset="0"/>
+                            </a:rPr>
+                            <m:t>+</m:t>
+                          </m:r>
+                          <m:sSub>
+                            <m:sSubPr>
+                              <m:ctrlPr>
+                                <a:rPr lang="en-US" altLang="ja-JP" sz="2400" i="1">
+                                  <a:latin typeface="Cambria Math" panose="02040503050406030204" pitchFamily="18" charset="0"/>
+                                </a:rPr>
+                              </m:ctrlPr>
+                            </m:sSubPr>
+                            <m:e>
+                              <m:r>
+                                <a:rPr lang="en-US" altLang="ja-JP" sz="2400" i="1">
+                                  <a:latin typeface="Cambria Math" panose="02040503050406030204" pitchFamily="18" charset="0"/>
+                                </a:rPr>
+                                <m:t>𝑖</m:t>
+                              </m:r>
+                            </m:e>
+                            <m:sub>
+                              <m:r>
+                                <a:rPr lang="en-US" altLang="ja-JP" sz="2400" i="1">
+                                  <a:latin typeface="Cambria Math" panose="02040503050406030204" pitchFamily="18" charset="0"/>
+                                </a:rPr>
+                                <m:t>𝐴</m:t>
+                              </m:r>
+                              <m:r>
+                                <a:rPr lang="en-US" altLang="ja-JP" sz="2400" i="1">
+                                  <a:latin typeface="Cambria Math" panose="02040503050406030204" pitchFamily="18" charset="0"/>
+                                </a:rPr>
+                                <m:t>3</m:t>
+                              </m:r>
+                            </m:sub>
+                          </m:sSub>
+                          <m:r>
+                            <a:rPr lang="en-US" altLang="ja-JP" sz="2400" i="1">
+                              <a:latin typeface="Cambria Math" panose="02040503050406030204" pitchFamily="18" charset="0"/>
+                            </a:rPr>
+                            <m:t>−</m:t>
+                          </m:r>
+                          <m:sSub>
+                            <m:sSubPr>
+                              <m:ctrlPr>
+                                <a:rPr lang="en-US" altLang="ja-JP" sz="2400" i="1">
+                                  <a:latin typeface="Cambria Math" panose="02040503050406030204" pitchFamily="18" charset="0"/>
+                                </a:rPr>
+                              </m:ctrlPr>
+                            </m:sSubPr>
+                            <m:e>
+                              <m:r>
+                                <a:rPr lang="en-US" altLang="ja-JP" sz="2400" i="1">
+                                  <a:latin typeface="Cambria Math" panose="02040503050406030204" pitchFamily="18" charset="0"/>
+                                </a:rPr>
+                                <m:t>𝑖</m:t>
+                              </m:r>
+                            </m:e>
+                            <m:sub>
+                              <m:r>
+                                <a:rPr lang="en-US" altLang="ja-JP" sz="2400" i="1">
+                                  <a:latin typeface="Cambria Math" panose="02040503050406030204" pitchFamily="18" charset="0"/>
+                                </a:rPr>
+                                <m:t>𝐴</m:t>
+                              </m:r>
+                              <m:r>
+                                <a:rPr lang="en-US" altLang="ja-JP" sz="2400" i="1">
+                                  <a:latin typeface="Cambria Math" panose="02040503050406030204" pitchFamily="18" charset="0"/>
+                                </a:rPr>
+                                <m:t>4</m:t>
+                              </m:r>
+                            </m:sub>
+                          </m:sSub>
+                        </m:e>
+                      </m:d>
+                      <m:r>
+                        <a:rPr lang="en-US" altLang="ja-JP" sz="2400" i="1">
+                          <a:latin typeface="Cambria Math" panose="02040503050406030204" pitchFamily="18" charset="0"/>
+                        </a:rPr>
+                        <m:t>=−4</m:t>
+                      </m:r>
+                      <m:sSub>
+                        <m:sSubPr>
+                          <m:ctrlPr>
+                            <a:rPr lang="en-US" altLang="ja-JP" sz="2400" b="0" i="1" smtClean="0">
+                              <a:latin typeface="Cambria Math" panose="02040503050406030204" pitchFamily="18" charset="0"/>
+                            </a:rPr>
+                          </m:ctrlPr>
+                        </m:sSubPr>
+                        <m:e>
+                          <m:r>
+                            <a:rPr lang="en-US" altLang="ja-JP" sz="2400" b="0" i="1" smtClean="0">
+                              <a:latin typeface="Cambria Math" panose="02040503050406030204" pitchFamily="18" charset="0"/>
+                            </a:rPr>
+                            <m:t>𝑅</m:t>
+                          </m:r>
+                        </m:e>
+                        <m:sub>
+                          <m:r>
+                            <a:rPr lang="en-US" altLang="ja-JP" sz="2400" b="0" i="1" smtClean="0">
+                              <a:latin typeface="Cambria Math" panose="02040503050406030204" pitchFamily="18" charset="0"/>
+                            </a:rPr>
+                            <m:t>𝐿</m:t>
+                          </m:r>
+                        </m:sub>
+                      </m:sSub>
+                      <m:rad>
+                        <m:radPr>
+                          <m:degHide m:val="on"/>
+                          <m:ctrlPr>
+                            <a:rPr lang="en-US" altLang="ja-JP" sz="2400" i="1">
+                              <a:latin typeface="Cambria Math" panose="02040503050406030204" pitchFamily="18" charset="0"/>
+                            </a:rPr>
+                          </m:ctrlPr>
+                        </m:radPr>
+                        <m:deg/>
+                        <m:e>
+                          <m:f>
+                            <m:fPr>
+                              <m:ctrlPr>
+                                <a:rPr lang="en-US" altLang="ja-JP" sz="2400" i="1">
+                                  <a:latin typeface="Cambria Math" panose="02040503050406030204" pitchFamily="18" charset="0"/>
+                                </a:rPr>
+                              </m:ctrlPr>
+                            </m:fPr>
+                            <m:num>
+                              <m:r>
+                                <a:rPr lang="en-US" altLang="ja-JP" sz="2400" i="1">
+                                  <a:latin typeface="Cambria Math" panose="02040503050406030204" pitchFamily="18" charset="0"/>
+                                </a:rPr>
+                                <m:t>2</m:t>
+                              </m:r>
+                              <m:sSub>
+                                <m:sSubPr>
+                                  <m:ctrlPr>
+                                    <a:rPr lang="en-US" altLang="ja-JP" sz="2400" i="1">
+                                      <a:latin typeface="Cambria Math" panose="02040503050406030204" pitchFamily="18" charset="0"/>
+                                    </a:rPr>
+                                  </m:ctrlPr>
+                                </m:sSubPr>
+                                <m:e>
+                                  <m:r>
+                                    <a:rPr lang="en-US" altLang="ja-JP" sz="2400" i="1">
+                                      <a:latin typeface="Cambria Math" panose="02040503050406030204" pitchFamily="18" charset="0"/>
+                                    </a:rPr>
+                                    <m:t>𝐾</m:t>
+                                  </m:r>
+                                </m:e>
+                                <m:sub>
+                                  <m:r>
+                                    <a:rPr lang="en-US" altLang="ja-JP" sz="2400" i="1">
+                                      <a:latin typeface="Cambria Math" panose="02040503050406030204" pitchFamily="18" charset="0"/>
+                                    </a:rPr>
+                                    <m:t>𝑝</m:t>
+                                  </m:r>
+                                </m:sub>
+                              </m:sSub>
+                              <m:sSub>
+                                <m:sSubPr>
+                                  <m:ctrlPr>
+                                    <a:rPr lang="en-US" altLang="ja-JP" sz="2400" i="1">
+                                      <a:latin typeface="Cambria Math" panose="02040503050406030204" pitchFamily="18" charset="0"/>
+                                    </a:rPr>
+                                  </m:ctrlPr>
+                                </m:sSubPr>
+                                <m:e>
+                                  <m:r>
+                                    <a:rPr lang="en-US" altLang="ja-JP" sz="2400" i="1">
+                                      <a:latin typeface="Cambria Math" panose="02040503050406030204" pitchFamily="18" charset="0"/>
+                                    </a:rPr>
+                                    <m:t>𝐾</m:t>
+                                  </m:r>
+                                </m:e>
+                                <m:sub>
+                                  <m:r>
+                                    <a:rPr lang="en-US" altLang="ja-JP" sz="2400" i="1">
+                                      <a:latin typeface="Cambria Math" panose="02040503050406030204" pitchFamily="18" charset="0"/>
+                                    </a:rPr>
+                                    <m:t>𝑛</m:t>
+                                  </m:r>
+                                </m:sub>
+                              </m:sSub>
+                              <m:sSub>
+                                <m:sSubPr>
+                                  <m:ctrlPr>
+                                    <a:rPr lang="en-US" altLang="ja-JP" sz="2400" i="1">
+                                      <a:latin typeface="Cambria Math" panose="02040503050406030204" pitchFamily="18" charset="0"/>
+                                    </a:rPr>
+                                  </m:ctrlPr>
+                                </m:sSubPr>
+                                <m:e>
+                                  <m:r>
+                                    <a:rPr lang="en-US" altLang="ja-JP" sz="2400" i="1">
+                                      <a:latin typeface="Cambria Math" panose="02040503050406030204" pitchFamily="18" charset="0"/>
+                                    </a:rPr>
+                                    <m:t>𝐼</m:t>
+                                  </m:r>
+                                </m:e>
+                                <m:sub>
+                                  <m:r>
+                                    <a:rPr lang="en-US" altLang="ja-JP" sz="2400" i="1">
+                                      <a:latin typeface="Cambria Math" panose="02040503050406030204" pitchFamily="18" charset="0"/>
+                                    </a:rPr>
+                                    <m:t>𝐶</m:t>
+                                  </m:r>
+                                </m:sub>
+                              </m:sSub>
+                            </m:num>
+                            <m:den>
+                              <m:r>
+                                <a:rPr lang="en-US" altLang="ja-JP" sz="2400" i="1">
+                                  <a:latin typeface="Cambria Math" panose="02040503050406030204" pitchFamily="18" charset="0"/>
+                                </a:rPr>
+                                <m:t>2</m:t>
+                              </m:r>
+                              <m:sSub>
+                                <m:sSubPr>
+                                  <m:ctrlPr>
+                                    <a:rPr lang="en-US" altLang="ja-JP" sz="2400" i="1">
+                                      <a:latin typeface="Cambria Math" panose="02040503050406030204" pitchFamily="18" charset="0"/>
+                                    </a:rPr>
+                                  </m:ctrlPr>
+                                </m:sSubPr>
+                                <m:e>
+                                  <m:r>
+                                    <a:rPr lang="en-US" altLang="ja-JP" sz="2400" i="1">
+                                      <a:latin typeface="Cambria Math" panose="02040503050406030204" pitchFamily="18" charset="0"/>
+                                    </a:rPr>
+                                    <m:t>𝐼</m:t>
+                                  </m:r>
+                                </m:e>
+                                <m:sub>
+                                  <m:r>
+                                    <a:rPr lang="en-US" altLang="ja-JP" sz="2400" i="1">
+                                      <a:latin typeface="Cambria Math" panose="02040503050406030204" pitchFamily="18" charset="0"/>
+                                    </a:rPr>
+                                    <m:t>𝑏𝑖𝑎𝑠</m:t>
+                                  </m:r>
+                                  <m:r>
+                                    <a:rPr lang="en-US" altLang="ja-JP" sz="2400" i="1">
+                                      <a:latin typeface="Cambria Math" panose="02040503050406030204" pitchFamily="18" charset="0"/>
+                                    </a:rPr>
+                                    <m:t>1</m:t>
+                                  </m:r>
+                                </m:sub>
+                              </m:sSub>
+                              <m:r>
+                                <a:rPr lang="en-US" altLang="ja-JP" sz="2400" i="1">
+                                  <a:latin typeface="Cambria Math" panose="02040503050406030204" pitchFamily="18" charset="0"/>
+                                </a:rPr>
+                                <m:t>−</m:t>
+                              </m:r>
+                              <m:sSub>
+                                <m:sSubPr>
+                                  <m:ctrlPr>
+                                    <a:rPr lang="en-US" altLang="ja-JP" sz="2400" i="1">
+                                      <a:latin typeface="Cambria Math" panose="02040503050406030204" pitchFamily="18" charset="0"/>
+                                    </a:rPr>
+                                  </m:ctrlPr>
+                                </m:sSubPr>
+                                <m:e>
+                                  <m:r>
+                                    <a:rPr lang="en-US" altLang="ja-JP" sz="2400" i="1">
+                                      <a:latin typeface="Cambria Math" panose="02040503050406030204" pitchFamily="18" charset="0"/>
+                                    </a:rPr>
+                                    <m:t>𝐼</m:t>
+                                  </m:r>
+                                </m:e>
+                                <m:sub>
+                                  <m:r>
+                                    <a:rPr lang="en-US" altLang="ja-JP" sz="2400" i="1">
+                                      <a:latin typeface="Cambria Math" panose="02040503050406030204" pitchFamily="18" charset="0"/>
+                                    </a:rPr>
+                                    <m:t>𝐶</m:t>
+                                  </m:r>
+                                </m:sub>
+                              </m:sSub>
+                            </m:den>
+                          </m:f>
+                        </m:e>
+                      </m:rad>
+                      <m:r>
+                        <a:rPr lang="en-US" altLang="ja-JP" sz="2400" i="1">
+                          <a:latin typeface="Cambria Math" panose="02040503050406030204" pitchFamily="18" charset="0"/>
+                        </a:rPr>
+                        <m:t>⋅</m:t>
+                      </m:r>
+                      <m:sSub>
+                        <m:sSubPr>
+                          <m:ctrlPr>
+                            <a:rPr lang="en-US" altLang="ja-JP" sz="2400" i="1">
+                              <a:latin typeface="Cambria Math" panose="02040503050406030204" pitchFamily="18" charset="0"/>
+                            </a:rPr>
+                          </m:ctrlPr>
+                        </m:sSubPr>
+                        <m:e>
+                          <m:r>
+                            <a:rPr lang="en-US" altLang="ja-JP" sz="2400" i="1">
+                              <a:latin typeface="Cambria Math" panose="02040503050406030204" pitchFamily="18" charset="0"/>
+                            </a:rPr>
+                            <m:t>𝑉</m:t>
+                          </m:r>
+                        </m:e>
+                        <m:sub>
+                          <m:r>
+                            <a:rPr lang="en-US" altLang="ja-JP" sz="2400" i="1">
+                              <a:latin typeface="Cambria Math" panose="02040503050406030204" pitchFamily="18" charset="0"/>
+                            </a:rPr>
+                            <m:t>𝐶𝑇𝑅𝐿</m:t>
+                          </m:r>
+                        </m:sub>
+                      </m:sSub>
+                      <m:r>
+                        <a:rPr lang="en-US" altLang="ja-JP" sz="2400" i="1">
+                          <a:latin typeface="Cambria Math" panose="02040503050406030204" pitchFamily="18" charset="0"/>
+                        </a:rPr>
+                        <m:t>⋅</m:t>
+                      </m:r>
+                      <m:sSub>
+                        <m:sSubPr>
+                          <m:ctrlPr>
+                            <a:rPr lang="en-US" altLang="ja-JP" sz="2400" i="1">
+                              <a:latin typeface="Cambria Math" panose="02040503050406030204" pitchFamily="18" charset="0"/>
+                            </a:rPr>
+                          </m:ctrlPr>
+                        </m:sSubPr>
+                        <m:e>
+                          <m:r>
+                            <a:rPr lang="en-US" altLang="ja-JP" sz="2400" i="1">
+                              <a:latin typeface="Cambria Math" panose="02040503050406030204" pitchFamily="18" charset="0"/>
+                            </a:rPr>
+                            <m:t>𝑣</m:t>
+                          </m:r>
+                        </m:e>
+                        <m:sub>
+                          <m:r>
+                            <a:rPr lang="en-US" altLang="ja-JP" sz="2400" i="1">
+                              <a:latin typeface="Cambria Math" panose="02040503050406030204" pitchFamily="18" charset="0"/>
+                            </a:rPr>
+                            <m:t>𝑖𝑛</m:t>
+                          </m:r>
+                        </m:sub>
+                      </m:sSub>
+                    </m:oMath>
+                  </m:oMathPara>
+                </a14:m>
+                <a:endParaRPr kumimoji="1" lang="en-US" altLang="ja-JP" sz="2400" dirty="0"/>
+              </a:p>
+              <a:p>
+                <a:r>
+                  <a:rPr lang="ja-JP" altLang="en-US" sz="2400" dirty="0"/>
+                  <a:t>と、求めることができた。</a:t>
+                </a:r>
+                <a:endParaRPr kumimoji="1" lang="ja-JP" altLang="en-US" sz="2400" dirty="0"/>
+              </a:p>
+            </p:txBody>
+          </p:sp>
+        </mc:Choice>
+        <mc:Fallback xmlns="">
+          <p:sp>
+            <p:nvSpPr>
+              <p:cNvPr id="5" name="テキスト ボックス 4">
+                <a:extLst>
+                  <a:ext uri="{FF2B5EF4-FFF2-40B4-BE49-F238E27FC236}">
+                    <a16:creationId xmlns:a16="http://schemas.microsoft.com/office/drawing/2014/main" id="{33750A2A-1F70-D21E-F9CD-0D8901F2D9C3}"/>
+                  </a:ext>
+                </a:extLst>
+              </p:cNvPr>
+              <p:cNvSpPr txBox="1">
+                <a:spLocks noRot="1" noChangeAspect="1" noMove="1" noResize="1" noEditPoints="1" noAdjustHandles="1" noChangeArrowheads="1" noChangeShapeType="1" noTextEdit="1"/>
+              </p:cNvSpPr>
+              <p:nvPr/>
+            </p:nvSpPr>
+            <p:spPr>
+              <a:xfrm>
+                <a:off x="1371600" y="1871820"/>
+                <a:ext cx="9448800" cy="4134273"/>
+              </a:xfrm>
+              <a:prstGeom prst="rect">
+                <a:avLst/>
+              </a:prstGeom>
+              <a:blipFill>
+                <a:blip r:embed="rId2"/>
+                <a:stretch>
+                  <a:fillRect l="-968" b="-2507"/>
+                </a:stretch>
+              </a:blipFill>
+            </p:spPr>
+            <p:txBody>
+              <a:bodyPr/>
+              <a:lstStyle/>
+              <a:p>
+                <a:r>
+                  <a:rPr lang="ja-JP" altLang="en-US">
+                    <a:noFill/>
+                  </a:rPr>
+                  <a:t> </a:t>
+                </a:r>
+              </a:p>
+            </p:txBody>
+          </p:sp>
+        </mc:Fallback>
+      </mc:AlternateContent>
+    </p:spTree>
+    <p:extLst>
+      <p:ext uri="{BB962C8B-B14F-4D97-AF65-F5344CB8AC3E}">
+        <p14:creationId xmlns:p14="http://schemas.microsoft.com/office/powerpoint/2010/main" val="315221228"/>
+      </p:ext>
+    </p:extLst>
+  </p:cSld>
+  <p:clrMapOvr>
+    <a:masterClrMapping/>
+  </p:clrMapOvr>
+</p:sld>
+</file>
+
+<file path=ppt/slides/slide18.xml><?xml version="1.0" encoding="utf-8"?>
+<p:sld xmlns:a="http://schemas.openxmlformats.org/drawingml/2006/main" xmlns:r="http://schemas.openxmlformats.org/officeDocument/2006/relationships" xmlns:p="http://schemas.openxmlformats.org/presentationml/2006/main">
+  <p:cSld>
+    <p:spTree>
+      <p:nvGrpSpPr>
+        <p:cNvPr id="1" name=""/>
+        <p:cNvGrpSpPr/>
+        <p:nvPr/>
+      </p:nvGrpSpPr>
+      <p:grpSpPr>
+        <a:xfrm>
+          <a:off x="0" y="0"/>
+          <a:ext cx="0" cy="0"/>
+          <a:chOff x="0" y="0"/>
+          <a:chExt cx="0" cy="0"/>
+        </a:xfrm>
+      </p:grpSpPr>
+      <p:sp>
+        <p:nvSpPr>
+          <p:cNvPr id="2" name="タイトル 1">
+            <a:extLst>
+              <a:ext uri="{FF2B5EF4-FFF2-40B4-BE49-F238E27FC236}">
+                <a16:creationId xmlns:a16="http://schemas.microsoft.com/office/drawing/2014/main" id="{DCFA45A2-DFFF-1209-BDA3-FD5797C62835}"/>
+              </a:ext>
+            </a:extLst>
+          </p:cNvPr>
+          <p:cNvSpPr>
+            <a:spLocks noGrp="1"/>
+          </p:cNvSpPr>
+          <p:nvPr>
+            <p:ph type="title"/>
+          </p:nvPr>
+        </p:nvSpPr>
+        <p:spPr/>
+        <p:txBody>
+          <a:bodyPr/>
+          <a:lstStyle/>
+          <a:p>
+            <a:r>
+              <a:rPr kumimoji="1" lang="ja-JP" altLang="en-US" dirty="0"/>
+              <a:t>従来型の設計値</a:t>
+            </a:r>
+          </a:p>
+        </p:txBody>
+      </p:sp>
+      <p:sp>
+        <p:nvSpPr>
+          <p:cNvPr id="3" name="スライド番号プレースホルダー 2">
+            <a:extLst>
+              <a:ext uri="{FF2B5EF4-FFF2-40B4-BE49-F238E27FC236}">
+                <a16:creationId xmlns:a16="http://schemas.microsoft.com/office/drawing/2014/main" id="{A8EDCD54-783D-7FF5-030C-BB18465B6564}"/>
+              </a:ext>
+            </a:extLst>
+          </p:cNvPr>
+          <p:cNvSpPr>
+            <a:spLocks noGrp="1"/>
+          </p:cNvSpPr>
+          <p:nvPr>
+            <p:ph type="sldNum" sz="quarter" idx="12"/>
+          </p:nvPr>
+        </p:nvSpPr>
+        <p:spPr/>
+        <p:txBody>
+          <a:bodyPr/>
+          <a:lstStyle/>
+          <a:p>
+            <a:fld id="{A742575F-3C2A-495A-A52F-17634B579F22}" type="slidenum">
+              <a:rPr kumimoji="1" lang="ja-JP" altLang="en-US" smtClean="0"/>
+              <a:t>18</a:t>
+            </a:fld>
+            <a:endParaRPr kumimoji="1" lang="ja-JP" altLang="en-US"/>
+          </a:p>
+        </p:txBody>
+      </p:sp>
+      <p:pic>
+        <p:nvPicPr>
+          <p:cNvPr id="5" name="図 4" descr="星のマーク&#10;&#10;中程度の精度で自動的に生成された説明">
+            <a:extLst>
+              <a:ext uri="{FF2B5EF4-FFF2-40B4-BE49-F238E27FC236}">
+                <a16:creationId xmlns:a16="http://schemas.microsoft.com/office/drawing/2014/main" id="{B9DC66E6-3D90-DEBF-A241-B1AF21B9F8D5}"/>
+              </a:ext>
+            </a:extLst>
+          </p:cNvPr>
+          <p:cNvPicPr>
+            <a:picLocks noChangeAspect="1"/>
+          </p:cNvPicPr>
+          <p:nvPr/>
+        </p:nvPicPr>
+        <p:blipFill>
+          <a:blip r:embed="rId2">
+            <a:extLst>
+              <a:ext uri="{28A0092B-C50C-407E-A947-70E740481C1C}">
+                <a14:useLocalDpi xmlns:a14="http://schemas.microsoft.com/office/drawing/2010/main" val="0"/>
+              </a:ext>
+            </a:extLst>
+          </a:blip>
+          <a:stretch>
+            <a:fillRect/>
+          </a:stretch>
+        </p:blipFill>
+        <p:spPr>
+          <a:xfrm>
+            <a:off x="-317594" y="1387475"/>
+            <a:ext cx="6972081" cy="5334000"/>
+          </a:xfrm>
+          <a:prstGeom prst="rect">
+            <a:avLst/>
+          </a:prstGeom>
+        </p:spPr>
+      </p:pic>
+      <mc:AlternateContent xmlns:mc="http://schemas.openxmlformats.org/markup-compatibility/2006">
+        <mc:Choice xmlns:a14="http://schemas.microsoft.com/office/drawing/2010/main" Requires="a14">
+          <p:graphicFrame>
+            <p:nvGraphicFramePr>
+              <p:cNvPr id="6" name="表 5">
+                <a:extLst>
+                  <a:ext uri="{FF2B5EF4-FFF2-40B4-BE49-F238E27FC236}">
+                    <a16:creationId xmlns:a16="http://schemas.microsoft.com/office/drawing/2014/main" id="{04B1727A-BC0F-001D-F192-ADC0DCF2C099}"/>
+                  </a:ext>
+                </a:extLst>
+              </p:cNvPr>
+              <p:cNvGraphicFramePr>
+                <a:graphicFrameLocks noGrp="1"/>
+              </p:cNvGraphicFramePr>
+              <p:nvPr>
+                <p:extLst>
+                  <p:ext uri="{D42A27DB-BD31-4B8C-83A1-F6EECF244321}">
+                    <p14:modId xmlns:p14="http://schemas.microsoft.com/office/powerpoint/2010/main" val="2117483545"/>
+                  </p:ext>
+                </p:extLst>
+              </p:nvPr>
+            </p:nvGraphicFramePr>
+            <p:xfrm>
+              <a:off x="6654487" y="858838"/>
+              <a:ext cx="5423648" cy="3708400"/>
+            </p:xfrm>
+            <a:graphic>
+              <a:graphicData uri="http://schemas.openxmlformats.org/drawingml/2006/table">
+                <a:tbl>
+                  <a:tblPr bandRow="1">
+                    <a:tableStyleId>{5C22544A-7EE6-4342-B048-85BDC9FD1C3A}</a:tableStyleId>
+                  </a:tblPr>
+                  <a:tblGrid>
+                    <a:gridCol w="1355912">
+                      <a:extLst>
+                        <a:ext uri="{9D8B030D-6E8A-4147-A177-3AD203B41FA5}">
+                          <a16:colId xmlns:a16="http://schemas.microsoft.com/office/drawing/2014/main" val="2168990376"/>
+                        </a:ext>
+                      </a:extLst>
+                    </a:gridCol>
+                    <a:gridCol w="1355912">
+                      <a:extLst>
+                        <a:ext uri="{9D8B030D-6E8A-4147-A177-3AD203B41FA5}">
+                          <a16:colId xmlns:a16="http://schemas.microsoft.com/office/drawing/2014/main" val="3828255977"/>
+                        </a:ext>
+                      </a:extLst>
+                    </a:gridCol>
+                    <a:gridCol w="1355912">
+                      <a:extLst>
+                        <a:ext uri="{9D8B030D-6E8A-4147-A177-3AD203B41FA5}">
+                          <a16:colId xmlns:a16="http://schemas.microsoft.com/office/drawing/2014/main" val="2615429296"/>
+                        </a:ext>
+                      </a:extLst>
+                    </a:gridCol>
+                    <a:gridCol w="1355912">
+                      <a:extLst>
+                        <a:ext uri="{9D8B030D-6E8A-4147-A177-3AD203B41FA5}">
+                          <a16:colId xmlns:a16="http://schemas.microsoft.com/office/drawing/2014/main" val="3947336299"/>
+                        </a:ext>
+                      </a:extLst>
+                    </a:gridCol>
+                  </a:tblGrid>
+                  <a:tr h="370840">
+                    <a:tc>
+                      <a:txBody>
+                        <a:bodyPr/>
+                        <a:lstStyle/>
+                        <a:p>
+                          <a:endParaRPr kumimoji="1" lang="ja-JP" altLang="en-US" dirty="0"/>
+                        </a:p>
+                      </a:txBody>
+                      <a:tcPr/>
+                    </a:tc>
+                    <a:tc>
+                      <a:txBody>
+                        <a:bodyPr/>
+                        <a:lstStyle/>
+                        <a:p>
+                          <a:pPr/>
+                          <a14:m>
+                            <m:oMathPara xmlns:m="http://schemas.openxmlformats.org/officeDocument/2006/math">
+                              <m:oMathParaPr>
+                                <m:jc m:val="centerGroup"/>
+                              </m:oMathParaPr>
+                              <m:oMath xmlns:m="http://schemas.openxmlformats.org/officeDocument/2006/math">
+                                <m:r>
+                                  <a:rPr kumimoji="1" lang="en-US" altLang="ja-JP" b="0" i="1" smtClean="0">
+                                    <a:latin typeface="Cambria Math" panose="02040503050406030204" pitchFamily="18" charset="0"/>
+                                  </a:rPr>
+                                  <m:t>[</m:t>
+                                </m:r>
+                                <m:r>
+                                  <m:rPr>
+                                    <m:sty m:val="p"/>
+                                  </m:rPr>
+                                  <a:rPr kumimoji="1" lang="en-US" altLang="ja-JP" b="0" i="0" smtClean="0">
+                                    <a:latin typeface="Cambria Math" panose="02040503050406030204" pitchFamily="18" charset="0"/>
+                                  </a:rPr>
+                                  <m:t>V</m:t>
+                                </m:r>
+                                <m:r>
+                                  <a:rPr kumimoji="1" lang="en-US" altLang="ja-JP" b="0" i="1" smtClean="0">
+                                    <a:latin typeface="Cambria Math" panose="02040503050406030204" pitchFamily="18" charset="0"/>
+                                  </a:rPr>
+                                  <m:t>]</m:t>
+                                </m:r>
+                              </m:oMath>
+                            </m:oMathPara>
+                          </a14:m>
+                          <a:endParaRPr kumimoji="1" lang="ja-JP" altLang="en-US" dirty="0"/>
+                        </a:p>
+                      </a:txBody>
+                      <a:tcPr/>
+                    </a:tc>
+                    <a:tc>
+                      <a:txBody>
+                        <a:bodyPr/>
+                        <a:lstStyle/>
+                        <a:p>
+                          <a:endParaRPr kumimoji="1" lang="ja-JP" altLang="en-US"/>
+                        </a:p>
+                      </a:txBody>
+                      <a:tcPr/>
+                    </a:tc>
+                    <a:tc>
+                      <a:txBody>
+                        <a:bodyPr/>
+                        <a:lstStyle/>
+                        <a:p>
+                          <a:pPr marL="0" marR="0" lvl="0" indent="0" algn="l" defTabSz="914400" rtl="0" eaLnBrk="1" fontAlgn="auto" latinLnBrk="0" hangingPunct="1">
+                            <a:lnSpc>
+                              <a:spcPct val="100000"/>
+                            </a:lnSpc>
+                            <a:spcBef>
+                              <a:spcPts val="0"/>
+                            </a:spcBef>
+                            <a:spcAft>
+                              <a:spcPts val="0"/>
+                            </a:spcAft>
+                            <a:buClrTx/>
+                            <a:buSzTx/>
+                            <a:buFontTx/>
+                            <a:buNone/>
+                            <a:tabLst/>
+                            <a:defRPr/>
+                          </a:pPr>
+                          <a14:m>
+                            <m:oMathPara xmlns:m="http://schemas.openxmlformats.org/officeDocument/2006/math">
+                              <m:oMathParaPr>
+                                <m:jc m:val="centerGroup"/>
+                              </m:oMathParaPr>
+                              <m:oMath xmlns:m="http://schemas.openxmlformats.org/officeDocument/2006/math">
+                                <m:r>
+                                  <a:rPr kumimoji="1" lang="en-US" altLang="ja-JP" b="0" i="1" smtClean="0">
+                                    <a:latin typeface="Cambria Math" panose="02040503050406030204" pitchFamily="18" charset="0"/>
+                                  </a:rPr>
+                                  <m:t>[</m:t>
+                                </m:r>
+                                <m:r>
+                                  <m:rPr>
+                                    <m:sty m:val="p"/>
+                                  </m:rPr>
+                                  <a:rPr kumimoji="1" lang="en-US" altLang="ja-JP" b="0" i="0" smtClean="0">
+                                    <a:latin typeface="Cambria Math" panose="02040503050406030204" pitchFamily="18" charset="0"/>
+                                  </a:rPr>
+                                  <m:t>V</m:t>
+                                </m:r>
+                                <m:r>
+                                  <a:rPr kumimoji="1" lang="en-US" altLang="ja-JP" b="0" i="1" smtClean="0">
+                                    <a:latin typeface="Cambria Math" panose="02040503050406030204" pitchFamily="18" charset="0"/>
+                                  </a:rPr>
+                                  <m:t>]</m:t>
+                                </m:r>
+                              </m:oMath>
+                            </m:oMathPara>
+                          </a14:m>
+                          <a:endParaRPr kumimoji="1" lang="ja-JP" altLang="en-US" dirty="0"/>
+                        </a:p>
+                      </a:txBody>
+                      <a:tcPr/>
+                    </a:tc>
+                    <a:extLst>
+                      <a:ext uri="{0D108BD9-81ED-4DB2-BD59-A6C34878D82A}">
+                        <a16:rowId xmlns:a16="http://schemas.microsoft.com/office/drawing/2014/main" val="1326139856"/>
+                      </a:ext>
+                    </a:extLst>
+                  </a:tr>
+                  <a:tr h="370840">
+                    <a:tc>
+                      <a:txBody>
+                        <a:bodyPr/>
+                        <a:lstStyle/>
+                        <a:p>
+                          <a:pPr/>
+                          <a14:m>
+                            <m:oMathPara xmlns:m="http://schemas.openxmlformats.org/officeDocument/2006/math">
+                              <m:oMathParaPr>
+                                <m:jc m:val="centerGroup"/>
+                              </m:oMathParaPr>
+                              <m:oMath xmlns:m="http://schemas.openxmlformats.org/officeDocument/2006/math">
+                                <m:sSub>
+                                  <m:sSubPr>
+                                    <m:ctrlPr>
+                                      <a:rPr kumimoji="1" lang="en-US" altLang="ja-JP" b="0" i="1" smtClean="0">
+                                        <a:latin typeface="Cambria Math" panose="02040503050406030204" pitchFamily="18" charset="0"/>
+                                      </a:rPr>
+                                    </m:ctrlPr>
+                                  </m:sSubPr>
+                                  <m:e>
+                                    <m:r>
+                                      <a:rPr kumimoji="1" lang="en-US" altLang="ja-JP" b="0" i="1" smtClean="0">
+                                        <a:latin typeface="Cambria Math" panose="02040503050406030204" pitchFamily="18" charset="0"/>
+                                      </a:rPr>
+                                      <m:t>𝑉</m:t>
+                                    </m:r>
+                                  </m:e>
+                                  <m:sub>
+                                    <m:r>
+                                      <a:rPr kumimoji="1" lang="en-US" altLang="ja-JP" b="0" i="1" smtClean="0">
+                                        <a:latin typeface="Cambria Math" panose="02040503050406030204" pitchFamily="18" charset="0"/>
+                                      </a:rPr>
+                                      <m:t>𝐴</m:t>
+                                    </m:r>
+                                  </m:sub>
+                                </m:sSub>
+                              </m:oMath>
+                            </m:oMathPara>
+                          </a14:m>
+                          <a:endParaRPr kumimoji="1" lang="ja-JP" altLang="en-US" dirty="0"/>
+                        </a:p>
+                      </a:txBody>
+                      <a:tcPr/>
+                    </a:tc>
+                    <a:tc>
+                      <a:txBody>
+                        <a:bodyPr/>
+                        <a:lstStyle/>
+                        <a:p>
+                          <a:pPr/>
+                          <a14:m>
+                            <m:oMathPara xmlns:m="http://schemas.openxmlformats.org/officeDocument/2006/math">
+                              <m:oMathParaPr>
+                                <m:jc m:val="centerGroup"/>
+                              </m:oMathParaPr>
+                              <m:oMath xmlns:m="http://schemas.openxmlformats.org/officeDocument/2006/math">
+                                <m:r>
+                                  <a:rPr kumimoji="1" lang="en-US" altLang="ja-JP" sz="1800" b="0" i="1" u="none" strike="noStrike" kern="1200" cap="none" spc="0" normalizeH="0" baseline="0" noProof="0" smtClean="0">
+                                    <a:ln>
+                                      <a:noFill/>
+                                    </a:ln>
+                                    <a:solidFill>
+                                      <a:prstClr val="black"/>
+                                    </a:solidFill>
+                                    <a:effectLst/>
+                                    <a:uLnTx/>
+                                    <a:uFillTx/>
+                                    <a:latin typeface="Cambria Math" panose="02040503050406030204" pitchFamily="18" charset="0"/>
+                                    <a:ea typeface="游ゴシック" panose="020B0400000000000000" pitchFamily="50" charset="-128"/>
+                                    <a:cs typeface="+mn-cs"/>
+                                  </a:rPr>
+                                  <m:t>1.59</m:t>
+                                </m:r>
+                              </m:oMath>
+                            </m:oMathPara>
+                          </a14:m>
+                          <a:endParaRPr kumimoji="1" lang="ja-JP" altLang="en-US" dirty="0"/>
+                        </a:p>
+                      </a:txBody>
+                      <a:tcPr/>
+                    </a:tc>
+                    <a:tc>
+                      <a:txBody>
+                        <a:bodyPr/>
+                        <a:lstStyle/>
+                        <a:p>
+                          <a:pPr/>
+                          <a14:m>
+                            <m:oMathPara xmlns:m="http://schemas.openxmlformats.org/officeDocument/2006/math">
+                              <m:oMathParaPr>
+                                <m:jc m:val="centerGroup"/>
+                              </m:oMathParaPr>
+                              <m:oMath xmlns:m="http://schemas.openxmlformats.org/officeDocument/2006/math">
+                                <m:sSub>
+                                  <m:sSubPr>
+                                    <m:ctrlPr>
+                                      <a:rPr kumimoji="1" lang="en-US" altLang="ja-JP" sz="1800" b="0" i="1" u="none" strike="noStrike" kern="1200" cap="none" spc="0" normalizeH="0" baseline="0" noProof="0" smtClean="0">
+                                        <a:ln>
+                                          <a:noFill/>
+                                        </a:ln>
+                                        <a:solidFill>
+                                          <a:prstClr val="black"/>
+                                        </a:solidFill>
+                                        <a:effectLst/>
+                                        <a:uLnTx/>
+                                        <a:uFillTx/>
+                                        <a:latin typeface="Cambria Math" panose="02040503050406030204" pitchFamily="18" charset="0"/>
+                                        <a:ea typeface="游ゴシック" panose="020B0400000000000000" pitchFamily="50" charset="-128"/>
+                                        <a:cs typeface="+mn-cs"/>
+                                      </a:rPr>
+                                    </m:ctrlPr>
+                                  </m:sSubPr>
+                                  <m:e>
+                                    <m:r>
+                                      <a:rPr kumimoji="1" lang="en-US" altLang="ja-JP" sz="1800" b="0" i="1" u="none" strike="noStrike" kern="1200" cap="none" spc="0" normalizeH="0" baseline="0" noProof="0" smtClean="0">
+                                        <a:ln>
+                                          <a:noFill/>
+                                        </a:ln>
+                                        <a:solidFill>
+                                          <a:prstClr val="black"/>
+                                        </a:solidFill>
+                                        <a:effectLst/>
+                                        <a:uLnTx/>
+                                        <a:uFillTx/>
+                                        <a:latin typeface="Cambria Math" panose="02040503050406030204" pitchFamily="18" charset="0"/>
+                                        <a:ea typeface="游ゴシック" panose="020B0400000000000000" pitchFamily="50" charset="-128"/>
+                                        <a:cs typeface="+mn-cs"/>
+                                      </a:rPr>
+                                      <m:t>𝑉</m:t>
+                                    </m:r>
+                                  </m:e>
+                                  <m:sub>
+                                    <m:r>
+                                      <a:rPr kumimoji="1" lang="en-US" altLang="ja-JP" sz="1800" b="0" i="1" u="none" strike="noStrike" kern="1200" cap="none" spc="0" normalizeH="0" baseline="0" noProof="0" smtClean="0">
+                                        <a:ln>
+                                          <a:noFill/>
+                                        </a:ln>
+                                        <a:solidFill>
+                                          <a:prstClr val="black"/>
+                                        </a:solidFill>
+                                        <a:effectLst/>
+                                        <a:uLnTx/>
+                                        <a:uFillTx/>
+                                        <a:latin typeface="Cambria Math" panose="02040503050406030204" pitchFamily="18" charset="0"/>
+                                        <a:ea typeface="游ゴシック" panose="020B0400000000000000" pitchFamily="50" charset="-128"/>
+                                        <a:cs typeface="+mn-cs"/>
+                                      </a:rPr>
+                                      <m:t>𝑜𝑢𝑡</m:t>
+                                    </m:r>
+                                  </m:sub>
+                                </m:sSub>
+                              </m:oMath>
+                            </m:oMathPara>
+                          </a14:m>
+                          <a:endParaRPr kumimoji="1" lang="ja-JP" altLang="en-US" dirty="0"/>
+                        </a:p>
+                      </a:txBody>
+                      <a:tcPr/>
+                    </a:tc>
+                    <a:tc>
+                      <a:txBody>
+                        <a:bodyPr/>
+                        <a:lstStyle/>
+                        <a:p>
+                          <a:pPr/>
+                          <a14:m>
+                            <m:oMathPara xmlns:m="http://schemas.openxmlformats.org/officeDocument/2006/math">
+                              <m:oMathParaPr>
+                                <m:jc m:val="centerGroup"/>
+                              </m:oMathParaPr>
+                              <m:oMath xmlns:m="http://schemas.openxmlformats.org/officeDocument/2006/math">
+                                <m:r>
+                                  <a:rPr kumimoji="1" lang="en-US" altLang="ja-JP" sz="1800" b="0" i="1" u="none" strike="noStrike" kern="1200" cap="none" spc="0" normalizeH="0" baseline="0" noProof="0" smtClean="0">
+                                    <a:ln>
+                                      <a:noFill/>
+                                    </a:ln>
+                                    <a:solidFill>
+                                      <a:prstClr val="black"/>
+                                    </a:solidFill>
+                                    <a:effectLst/>
+                                    <a:uLnTx/>
+                                    <a:uFillTx/>
+                                    <a:latin typeface="Cambria Math" panose="02040503050406030204" pitchFamily="18" charset="0"/>
+                                    <a:ea typeface="游ゴシック" panose="020B0400000000000000" pitchFamily="50" charset="-128"/>
+                                    <a:cs typeface="+mn-cs"/>
+                                  </a:rPr>
+                                  <m:t>1.5</m:t>
+                                </m:r>
+                              </m:oMath>
+                            </m:oMathPara>
+                          </a14:m>
+                          <a:endParaRPr kumimoji="1" lang="ja-JP" altLang="en-US" dirty="0"/>
+                        </a:p>
+                      </a:txBody>
+                      <a:tcPr/>
+                    </a:tc>
+                    <a:extLst>
+                      <a:ext uri="{0D108BD9-81ED-4DB2-BD59-A6C34878D82A}">
+                        <a16:rowId xmlns:a16="http://schemas.microsoft.com/office/drawing/2014/main" val="48036666"/>
+                      </a:ext>
+                    </a:extLst>
+                  </a:tr>
+                  <a:tr h="370840">
+                    <a:tc>
+                      <a:txBody>
+                        <a:bodyPr/>
+                        <a:lstStyle/>
+                        <a:p>
+                          <a:pPr/>
+                          <a14:m>
+                            <m:oMathPara xmlns:m="http://schemas.openxmlformats.org/officeDocument/2006/math">
+                              <m:oMathParaPr>
+                                <m:jc m:val="centerGroup"/>
+                              </m:oMathParaPr>
+                              <m:oMath xmlns:m="http://schemas.openxmlformats.org/officeDocument/2006/math">
+                                <m:sSub>
+                                  <m:sSubPr>
+                                    <m:ctrlPr>
+                                      <a:rPr kumimoji="1" lang="en-US" altLang="ja-JP" sz="1800" b="0" i="1" u="none" strike="noStrike" kern="1200" cap="none" spc="0" normalizeH="0" baseline="0" noProof="0" smtClean="0">
+                                        <a:ln>
+                                          <a:noFill/>
+                                        </a:ln>
+                                        <a:solidFill>
+                                          <a:prstClr val="black"/>
+                                        </a:solidFill>
+                                        <a:effectLst/>
+                                        <a:uLnTx/>
+                                        <a:uFillTx/>
+                                        <a:latin typeface="Cambria Math" panose="02040503050406030204" pitchFamily="18" charset="0"/>
+                                        <a:ea typeface="游ゴシック" panose="020B0400000000000000" pitchFamily="50" charset="-128"/>
+                                        <a:cs typeface="+mn-cs"/>
+                                      </a:rPr>
+                                    </m:ctrlPr>
+                                  </m:sSubPr>
+                                  <m:e>
+                                    <m:r>
+                                      <a:rPr kumimoji="1" lang="en-US" altLang="ja-JP" sz="1800" b="0" i="1" u="none" strike="noStrike" kern="1200" cap="none" spc="0" normalizeH="0" baseline="0" noProof="0" smtClean="0">
+                                        <a:ln>
+                                          <a:noFill/>
+                                        </a:ln>
+                                        <a:solidFill>
+                                          <a:prstClr val="black"/>
+                                        </a:solidFill>
+                                        <a:effectLst/>
+                                        <a:uLnTx/>
+                                        <a:uFillTx/>
+                                        <a:latin typeface="Cambria Math" panose="02040503050406030204" pitchFamily="18" charset="0"/>
+                                        <a:ea typeface="游ゴシック" panose="020B0400000000000000" pitchFamily="50" charset="-128"/>
+                                        <a:cs typeface="+mn-cs"/>
+                                      </a:rPr>
+                                      <m:t>𝑉</m:t>
+                                    </m:r>
+                                  </m:e>
+                                  <m:sub>
+                                    <m:r>
+                                      <a:rPr kumimoji="1" lang="en-US" altLang="ja-JP" sz="1800" b="0" i="1" u="none" strike="noStrike" kern="1200" cap="none" spc="0" normalizeH="0" baseline="0" noProof="0" smtClean="0">
+                                        <a:ln>
+                                          <a:noFill/>
+                                        </a:ln>
+                                        <a:solidFill>
+                                          <a:prstClr val="black"/>
+                                        </a:solidFill>
+                                        <a:effectLst/>
+                                        <a:uLnTx/>
+                                        <a:uFillTx/>
+                                        <a:latin typeface="Cambria Math" panose="02040503050406030204" pitchFamily="18" charset="0"/>
+                                        <a:ea typeface="游ゴシック" panose="020B0400000000000000" pitchFamily="50" charset="-128"/>
+                                        <a:cs typeface="+mn-cs"/>
+                                      </a:rPr>
+                                      <m:t>𝐵</m:t>
+                                    </m:r>
+                                  </m:sub>
+                                </m:sSub>
+                              </m:oMath>
+                            </m:oMathPara>
+                          </a14:m>
+                          <a:endParaRPr kumimoji="1" lang="ja-JP" altLang="en-US" dirty="0"/>
+                        </a:p>
+                      </a:txBody>
+                      <a:tcPr/>
+                    </a:tc>
+                    <a:tc>
+                      <a:txBody>
+                        <a:bodyPr/>
+                        <a:lstStyle/>
+                        <a:p>
+                          <a:pPr/>
+                          <a14:m>
+                            <m:oMathPara xmlns:m="http://schemas.openxmlformats.org/officeDocument/2006/math">
+                              <m:oMathParaPr>
+                                <m:jc m:val="centerGroup"/>
+                              </m:oMathParaPr>
+                              <m:oMath xmlns:m="http://schemas.openxmlformats.org/officeDocument/2006/math">
+                                <m:r>
+                                  <a:rPr kumimoji="1" lang="en-US" altLang="ja-JP" sz="1800" b="0" i="1" u="none" strike="noStrike" kern="1200" cap="none" spc="0" normalizeH="0" baseline="0" noProof="0" smtClean="0">
+                                    <a:ln>
+                                      <a:noFill/>
+                                    </a:ln>
+                                    <a:solidFill>
+                                      <a:prstClr val="black"/>
+                                    </a:solidFill>
+                                    <a:effectLst/>
+                                    <a:uLnTx/>
+                                    <a:uFillTx/>
+                                    <a:latin typeface="Cambria Math" panose="02040503050406030204" pitchFamily="18" charset="0"/>
+                                    <a:ea typeface="游ゴシック" panose="020B0400000000000000" pitchFamily="50" charset="-128"/>
+                                    <a:cs typeface="+mn-cs"/>
+                                  </a:rPr>
+                                  <m:t>1.09</m:t>
+                                </m:r>
+                              </m:oMath>
+                            </m:oMathPara>
+                          </a14:m>
+                          <a:endParaRPr kumimoji="1" lang="ja-JP" altLang="en-US" dirty="0"/>
+                        </a:p>
+                      </a:txBody>
+                      <a:tcPr/>
+                    </a:tc>
+                    <a:tc>
+                      <a:txBody>
+                        <a:bodyPr/>
+                        <a:lstStyle/>
+                        <a:p>
+                          <a:pPr/>
+                          <a14:m>
+                            <m:oMathPara xmlns:m="http://schemas.openxmlformats.org/officeDocument/2006/math">
+                              <m:oMathParaPr>
+                                <m:jc m:val="centerGroup"/>
+                              </m:oMathParaPr>
+                              <m:oMath xmlns:m="http://schemas.openxmlformats.org/officeDocument/2006/math">
+                                <m:sSub>
+                                  <m:sSubPr>
+                                    <m:ctrlPr>
+                                      <a:rPr kumimoji="1" lang="en-US" altLang="ja-JP" sz="1800" b="0" i="1" u="none" strike="noStrike" kern="1200" cap="none" spc="0" normalizeH="0" baseline="0" noProof="0" smtClean="0">
+                                        <a:ln>
+                                          <a:noFill/>
+                                        </a:ln>
+                                        <a:solidFill>
+                                          <a:prstClr val="black"/>
+                                        </a:solidFill>
+                                        <a:effectLst/>
+                                        <a:uLnTx/>
+                                        <a:uFillTx/>
+                                        <a:latin typeface="Cambria Math" panose="02040503050406030204" pitchFamily="18" charset="0"/>
+                                        <a:ea typeface="游ゴシック" panose="020B0400000000000000" pitchFamily="50" charset="-128"/>
+                                        <a:cs typeface="+mn-cs"/>
+                                      </a:rPr>
+                                    </m:ctrlPr>
+                                  </m:sSubPr>
+                                  <m:e>
+                                    <m:r>
+                                      <a:rPr kumimoji="1" lang="en-US" altLang="ja-JP" sz="1800" b="0" i="1" u="none" strike="noStrike" kern="1200" cap="none" spc="0" normalizeH="0" baseline="0" noProof="0" smtClean="0">
+                                        <a:ln>
+                                          <a:noFill/>
+                                        </a:ln>
+                                        <a:solidFill>
+                                          <a:prstClr val="black"/>
+                                        </a:solidFill>
+                                        <a:effectLst/>
+                                        <a:uLnTx/>
+                                        <a:uFillTx/>
+                                        <a:latin typeface="Cambria Math" panose="02040503050406030204" pitchFamily="18" charset="0"/>
+                                        <a:ea typeface="游ゴシック" panose="020B0400000000000000" pitchFamily="50" charset="-128"/>
+                                        <a:cs typeface="+mn-cs"/>
+                                      </a:rPr>
+                                      <m:t>𝑉</m:t>
+                                    </m:r>
+                                  </m:e>
+                                  <m:sub>
+                                    <m:r>
+                                      <a:rPr kumimoji="1" lang="en-US" altLang="ja-JP" sz="1800" b="0" i="1" u="none" strike="noStrike" kern="1200" cap="none" spc="0" normalizeH="0" baseline="0" noProof="0" smtClean="0">
+                                        <a:ln>
+                                          <a:noFill/>
+                                        </a:ln>
+                                        <a:solidFill>
+                                          <a:prstClr val="black"/>
+                                        </a:solidFill>
+                                        <a:effectLst/>
+                                        <a:uLnTx/>
+                                        <a:uFillTx/>
+                                        <a:latin typeface="Cambria Math" panose="02040503050406030204" pitchFamily="18" charset="0"/>
+                                        <a:ea typeface="游ゴシック" panose="020B0400000000000000" pitchFamily="50" charset="-128"/>
+                                        <a:cs typeface="+mn-cs"/>
+                                      </a:rPr>
+                                      <m:t>𝐴𝐵</m:t>
+                                    </m:r>
+                                  </m:sub>
+                                </m:sSub>
+                              </m:oMath>
+                            </m:oMathPara>
+                          </a14:m>
+                          <a:endParaRPr kumimoji="1" lang="ja-JP" altLang="en-US" dirty="0"/>
+                        </a:p>
+                      </a:txBody>
+                      <a:tcPr/>
+                    </a:tc>
+                    <a:tc>
+                      <a:txBody>
+                        <a:bodyPr/>
+                        <a:lstStyle/>
+                        <a:p>
+                          <a:pPr/>
+                          <a14:m>
+                            <m:oMathPara xmlns:m="http://schemas.openxmlformats.org/officeDocument/2006/math">
+                              <m:oMathParaPr>
+                                <m:jc m:val="centerGroup"/>
+                              </m:oMathParaPr>
+                              <m:oMath xmlns:m="http://schemas.openxmlformats.org/officeDocument/2006/math">
+                                <m:r>
+                                  <a:rPr kumimoji="1" lang="en-US" altLang="ja-JP" sz="1800" b="0" i="1" u="none" strike="noStrike" kern="1200" cap="none" spc="0" normalizeH="0" baseline="0" noProof="0" smtClean="0">
+                                    <a:ln>
+                                      <a:noFill/>
+                                    </a:ln>
+                                    <a:solidFill>
+                                      <a:prstClr val="black"/>
+                                    </a:solidFill>
+                                    <a:effectLst/>
+                                    <a:uLnTx/>
+                                    <a:uFillTx/>
+                                    <a:latin typeface="Cambria Math" panose="02040503050406030204" pitchFamily="18" charset="0"/>
+                                    <a:ea typeface="游ゴシック" panose="020B0400000000000000" pitchFamily="50" charset="-128"/>
+                                    <a:cs typeface="+mn-cs"/>
+                                  </a:rPr>
+                                  <m:t>0.8</m:t>
+                                </m:r>
+                              </m:oMath>
+                            </m:oMathPara>
+                          </a14:m>
+                          <a:endParaRPr kumimoji="1" lang="ja-JP" altLang="en-US" dirty="0"/>
+                        </a:p>
+                      </a:txBody>
+                      <a:tcPr/>
+                    </a:tc>
+                    <a:extLst>
+                      <a:ext uri="{0D108BD9-81ED-4DB2-BD59-A6C34878D82A}">
+                        <a16:rowId xmlns:a16="http://schemas.microsoft.com/office/drawing/2014/main" val="4092205570"/>
+                      </a:ext>
+                    </a:extLst>
+                  </a:tr>
+                  <a:tr h="370840">
+                    <a:tc>
+                      <a:txBody>
+                        <a:bodyPr/>
+                        <a:lstStyle/>
+                        <a:p>
+                          <a:pPr/>
+                          <a14:m>
+                            <m:oMathPara xmlns:m="http://schemas.openxmlformats.org/officeDocument/2006/math">
+                              <m:oMathParaPr>
+                                <m:jc m:val="centerGroup"/>
+                              </m:oMathParaPr>
+                              <m:oMath xmlns:m="http://schemas.openxmlformats.org/officeDocument/2006/math">
+                                <m:sSub>
+                                  <m:sSubPr>
+                                    <m:ctrlPr>
+                                      <a:rPr kumimoji="1" lang="en-US" altLang="ja-JP" sz="1800" b="0" i="1" u="none" strike="noStrike" kern="1200" cap="none" spc="0" normalizeH="0" baseline="0" noProof="0" smtClean="0">
+                                        <a:ln>
+                                          <a:noFill/>
+                                        </a:ln>
+                                        <a:solidFill>
+                                          <a:prstClr val="black"/>
+                                        </a:solidFill>
+                                        <a:effectLst/>
+                                        <a:uLnTx/>
+                                        <a:uFillTx/>
+                                        <a:latin typeface="Cambria Math" panose="02040503050406030204" pitchFamily="18" charset="0"/>
+                                        <a:ea typeface="游ゴシック" panose="020B0400000000000000" pitchFamily="50" charset="-128"/>
+                                        <a:cs typeface="+mn-cs"/>
+                                      </a:rPr>
+                                    </m:ctrlPr>
+                                  </m:sSubPr>
+                                  <m:e>
+                                    <m:r>
+                                      <a:rPr kumimoji="1" lang="en-US" altLang="ja-JP" sz="1800" b="0" i="1" u="none" strike="noStrike" kern="1200" cap="none" spc="0" normalizeH="0" baseline="0" noProof="0" smtClean="0">
+                                        <a:ln>
+                                          <a:noFill/>
+                                        </a:ln>
+                                        <a:solidFill>
+                                          <a:prstClr val="black"/>
+                                        </a:solidFill>
+                                        <a:effectLst/>
+                                        <a:uLnTx/>
+                                        <a:uFillTx/>
+                                        <a:latin typeface="Cambria Math" panose="02040503050406030204" pitchFamily="18" charset="0"/>
+                                        <a:ea typeface="游ゴシック" panose="020B0400000000000000" pitchFamily="50" charset="-128"/>
+                                        <a:cs typeface="+mn-cs"/>
+                                      </a:rPr>
+                                      <m:t>𝑉</m:t>
+                                    </m:r>
+                                  </m:e>
+                                  <m:sub>
+                                    <m:r>
+                                      <a:rPr kumimoji="1" lang="en-US" altLang="ja-JP" sz="1800" b="0" i="1" u="none" strike="noStrike" kern="1200" cap="none" spc="0" normalizeH="0" baseline="0" noProof="0" smtClean="0">
+                                        <a:ln>
+                                          <a:noFill/>
+                                        </a:ln>
+                                        <a:solidFill>
+                                          <a:prstClr val="black"/>
+                                        </a:solidFill>
+                                        <a:effectLst/>
+                                        <a:uLnTx/>
+                                        <a:uFillTx/>
+                                        <a:latin typeface="Cambria Math" panose="02040503050406030204" pitchFamily="18" charset="0"/>
+                                        <a:ea typeface="游ゴシック" panose="020B0400000000000000" pitchFamily="50" charset="-128"/>
+                                        <a:cs typeface="+mn-cs"/>
+                                      </a:rPr>
+                                      <m:t>𝐶</m:t>
+                                    </m:r>
+                                  </m:sub>
+                                </m:sSub>
+                              </m:oMath>
+                            </m:oMathPara>
+                          </a14:m>
+                          <a:endParaRPr kumimoji="1" lang="ja-JP" altLang="en-US" dirty="0"/>
+                        </a:p>
+                      </a:txBody>
+                      <a:tcPr/>
+                    </a:tc>
+                    <a:tc>
+                      <a:txBody>
+                        <a:bodyPr/>
+                        <a:lstStyle/>
+                        <a:p>
+                          <a:pPr/>
+                          <a14:m>
+                            <m:oMathPara xmlns:m="http://schemas.openxmlformats.org/officeDocument/2006/math">
+                              <m:oMathParaPr>
+                                <m:jc m:val="centerGroup"/>
+                              </m:oMathParaPr>
+                              <m:oMath xmlns:m="http://schemas.openxmlformats.org/officeDocument/2006/math">
+                                <m:r>
+                                  <a:rPr kumimoji="1" lang="en-US" altLang="ja-JP" b="0" i="1" smtClean="0">
+                                    <a:latin typeface="Cambria Math" panose="02040503050406030204" pitchFamily="18" charset="0"/>
+                                  </a:rPr>
+                                  <m:t>0.65</m:t>
+                                </m:r>
+                              </m:oMath>
+                            </m:oMathPara>
+                          </a14:m>
+                          <a:endParaRPr kumimoji="1" lang="ja-JP" altLang="en-US" dirty="0"/>
+                        </a:p>
+                      </a:txBody>
+                      <a:tcPr/>
+                    </a:tc>
+                    <a:tc>
+                      <a:txBody>
+                        <a:bodyPr/>
+                        <a:lstStyle/>
+                        <a:p>
+                          <a:pPr/>
+                          <a14:m>
+                            <m:oMathPara xmlns:m="http://schemas.openxmlformats.org/officeDocument/2006/math">
+                              <m:oMathParaPr>
+                                <m:jc m:val="centerGroup"/>
+                              </m:oMathParaPr>
+                              <m:oMath xmlns:m="http://schemas.openxmlformats.org/officeDocument/2006/math">
+                                <m:sSub>
+                                  <m:sSubPr>
+                                    <m:ctrlPr>
+                                      <a:rPr kumimoji="1" lang="en-US" altLang="ja-JP" sz="1800" b="0" i="1" u="none" strike="noStrike" kern="1200" cap="none" spc="0" normalizeH="0" baseline="0" noProof="0" smtClean="0">
+                                        <a:ln>
+                                          <a:noFill/>
+                                        </a:ln>
+                                        <a:solidFill>
+                                          <a:prstClr val="black"/>
+                                        </a:solidFill>
+                                        <a:effectLst/>
+                                        <a:uLnTx/>
+                                        <a:uFillTx/>
+                                        <a:latin typeface="Cambria Math" panose="02040503050406030204" pitchFamily="18" charset="0"/>
+                                        <a:ea typeface="游ゴシック" panose="020B0400000000000000" pitchFamily="50" charset="-128"/>
+                                        <a:cs typeface="+mn-cs"/>
+                                      </a:rPr>
+                                    </m:ctrlPr>
+                                  </m:sSubPr>
+                                  <m:e>
+                                    <m:r>
+                                      <a:rPr kumimoji="1" lang="en-US" altLang="ja-JP" sz="1800" b="0" i="1" u="none" strike="noStrike" kern="1200" cap="none" spc="0" normalizeH="0" baseline="0" noProof="0" smtClean="0">
+                                        <a:ln>
+                                          <a:noFill/>
+                                        </a:ln>
+                                        <a:solidFill>
+                                          <a:prstClr val="black"/>
+                                        </a:solidFill>
+                                        <a:effectLst/>
+                                        <a:uLnTx/>
+                                        <a:uFillTx/>
+                                        <a:latin typeface="Cambria Math" panose="02040503050406030204" pitchFamily="18" charset="0"/>
+                                        <a:ea typeface="游ゴシック" panose="020B0400000000000000" pitchFamily="50" charset="-128"/>
+                                        <a:cs typeface="+mn-cs"/>
+                                      </a:rPr>
+                                      <m:t>𝑉</m:t>
+                                    </m:r>
+                                  </m:e>
+                                  <m:sub>
+                                    <m:r>
+                                      <a:rPr kumimoji="1" lang="en-US" altLang="ja-JP" sz="1800" b="0" i="1" u="none" strike="noStrike" kern="1200" cap="none" spc="0" normalizeH="0" baseline="0" noProof="0" smtClean="0">
+                                        <a:ln>
+                                          <a:noFill/>
+                                        </a:ln>
+                                        <a:solidFill>
+                                          <a:prstClr val="black"/>
+                                        </a:solidFill>
+                                        <a:effectLst/>
+                                        <a:uLnTx/>
+                                        <a:uFillTx/>
+                                        <a:latin typeface="Cambria Math" panose="02040503050406030204" pitchFamily="18" charset="0"/>
+                                        <a:ea typeface="游ゴシック" panose="020B0400000000000000" pitchFamily="50" charset="-128"/>
+                                        <a:cs typeface="+mn-cs"/>
+                                      </a:rPr>
+                                      <m:t>𝑆</m:t>
+                                    </m:r>
+                                  </m:sub>
+                                </m:sSub>
+                              </m:oMath>
+                            </m:oMathPara>
+                          </a14:m>
+                          <a:endParaRPr kumimoji="1" lang="ja-JP" altLang="en-US" dirty="0"/>
+                        </a:p>
+                      </a:txBody>
+                      <a:tcPr/>
+                    </a:tc>
+                    <a:tc>
+                      <a:txBody>
+                        <a:bodyPr/>
+                        <a:lstStyle/>
+                        <a:p>
+                          <a:pPr/>
+                          <a14:m>
+                            <m:oMathPara xmlns:m="http://schemas.openxmlformats.org/officeDocument/2006/math">
+                              <m:oMathParaPr>
+                                <m:jc m:val="centerGroup"/>
+                              </m:oMathParaPr>
+                              <m:oMath xmlns:m="http://schemas.openxmlformats.org/officeDocument/2006/math">
+                                <m:r>
+                                  <a:rPr kumimoji="1" lang="en-US" altLang="ja-JP" sz="1800" b="0" i="1" u="none" strike="noStrike" kern="1200" cap="none" spc="0" normalizeH="0" baseline="0" noProof="0" smtClean="0">
+                                    <a:ln>
+                                      <a:noFill/>
+                                    </a:ln>
+                                    <a:solidFill>
+                                      <a:prstClr val="black"/>
+                                    </a:solidFill>
+                                    <a:effectLst/>
+                                    <a:uLnTx/>
+                                    <a:uFillTx/>
+                                    <a:latin typeface="Cambria Math" panose="02040503050406030204" pitchFamily="18" charset="0"/>
+                                    <a:ea typeface="游ゴシック" panose="020B0400000000000000" pitchFamily="50" charset="-128"/>
+                                    <a:cs typeface="+mn-cs"/>
+                                  </a:rPr>
+                                  <m:t>0.3</m:t>
+                                </m:r>
+                              </m:oMath>
+                            </m:oMathPara>
+                          </a14:m>
+                          <a:endParaRPr kumimoji="1" lang="ja-JP" altLang="en-US" dirty="0"/>
+                        </a:p>
+                      </a:txBody>
+                      <a:tcPr/>
+                    </a:tc>
+                    <a:extLst>
+                      <a:ext uri="{0D108BD9-81ED-4DB2-BD59-A6C34878D82A}">
+                        <a16:rowId xmlns:a16="http://schemas.microsoft.com/office/drawing/2014/main" val="2193699405"/>
+                      </a:ext>
+                    </a:extLst>
+                  </a:tr>
+                  <a:tr h="370840">
+                    <a:tc>
+                      <a:txBody>
+                        <a:bodyPr/>
+                        <a:lstStyle/>
+                        <a:p>
+                          <a:endParaRPr kumimoji="1" lang="ja-JP" altLang="en-US" dirty="0"/>
+                        </a:p>
+                      </a:txBody>
+                      <a:tcPr/>
+                    </a:tc>
+                    <a:tc>
+                      <a:txBody>
+                        <a:bodyPr/>
+                        <a:lstStyle/>
+                        <a:p>
+                          <a:pPr/>
+                          <a14:m>
+                            <m:oMathPara xmlns:m="http://schemas.openxmlformats.org/officeDocument/2006/math">
+                              <m:oMathParaPr>
+                                <m:jc m:val="centerGroup"/>
+                              </m:oMathParaPr>
+                              <m:oMath xmlns:m="http://schemas.openxmlformats.org/officeDocument/2006/math">
+                                <m:r>
+                                  <a:rPr kumimoji="1" lang="en-US" altLang="ja-JP" sz="1800" b="0" i="1" u="none" strike="noStrike" kern="1200" cap="none" spc="0" normalizeH="0" baseline="0" noProof="0" smtClean="0">
+                                    <a:ln>
+                                      <a:noFill/>
+                                    </a:ln>
+                                    <a:solidFill>
+                                      <a:prstClr val="black"/>
+                                    </a:solidFill>
+                                    <a:effectLst/>
+                                    <a:uLnTx/>
+                                    <a:uFillTx/>
+                                    <a:latin typeface="Cambria Math" panose="02040503050406030204" pitchFamily="18" charset="0"/>
+                                    <a:ea typeface="游ゴシック" panose="020B0400000000000000" pitchFamily="50" charset="-128"/>
+                                    <a:cs typeface="+mn-cs"/>
+                                  </a:rPr>
+                                  <m:t>𝐿</m:t>
+                                </m:r>
+                                <m:r>
+                                  <a:rPr kumimoji="1" lang="en-US" altLang="ja-JP" sz="1800" b="0" i="1" u="none" strike="noStrike" kern="1200" cap="none" spc="0" normalizeH="0" baseline="0" noProof="0" smtClean="0">
+                                    <a:ln>
+                                      <a:noFill/>
+                                    </a:ln>
+                                    <a:solidFill>
+                                      <a:prstClr val="black"/>
+                                    </a:solidFill>
+                                    <a:effectLst/>
+                                    <a:uLnTx/>
+                                    <a:uFillTx/>
+                                    <a:latin typeface="Cambria Math" panose="02040503050406030204" pitchFamily="18" charset="0"/>
+                                    <a:ea typeface="游ゴシック" panose="020B0400000000000000" pitchFamily="50" charset="-128"/>
+                                    <a:cs typeface="+mn-cs"/>
+                                  </a:rPr>
+                                  <m:t>[</m:t>
+                                </m:r>
+                                <m:r>
+                                  <m:rPr>
+                                    <m:sty m:val="p"/>
+                                  </m:rPr>
+                                  <a:rPr kumimoji="1" lang="en-US" altLang="ja-JP" sz="1800" b="0" i="0" u="none" strike="noStrike" kern="1200" cap="none" spc="0" normalizeH="0" baseline="0" noProof="0" smtClean="0">
+                                    <a:ln>
+                                      <a:noFill/>
+                                    </a:ln>
+                                    <a:solidFill>
+                                      <a:prstClr val="black"/>
+                                    </a:solidFill>
+                                    <a:effectLst/>
+                                    <a:uLnTx/>
+                                    <a:uFillTx/>
+                                    <a:latin typeface="Cambria Math" panose="02040503050406030204" pitchFamily="18" charset="0"/>
+                                    <a:ea typeface="游ゴシック" panose="020B0400000000000000" pitchFamily="50" charset="-128"/>
+                                    <a:cs typeface="+mn-cs"/>
+                                  </a:rPr>
+                                  <m:t>μm</m:t>
+                                </m:r>
+                                <m:r>
+                                  <a:rPr kumimoji="1" lang="en-US" altLang="ja-JP" sz="1800" b="0" i="1" u="none" strike="noStrike" kern="1200" cap="none" spc="0" normalizeH="0" baseline="0" noProof="0" smtClean="0">
+                                    <a:ln>
+                                      <a:noFill/>
+                                    </a:ln>
+                                    <a:solidFill>
+                                      <a:prstClr val="black"/>
+                                    </a:solidFill>
+                                    <a:effectLst/>
+                                    <a:uLnTx/>
+                                    <a:uFillTx/>
+                                    <a:latin typeface="Cambria Math" panose="02040503050406030204" pitchFamily="18" charset="0"/>
+                                    <a:ea typeface="游ゴシック" panose="020B0400000000000000" pitchFamily="50" charset="-128"/>
+                                    <a:cs typeface="+mn-cs"/>
+                                  </a:rPr>
+                                  <m:t>]</m:t>
+                                </m:r>
+                              </m:oMath>
+                            </m:oMathPara>
+                          </a14:m>
+                          <a:endParaRPr kumimoji="1" lang="ja-JP" altLang="en-US" dirty="0"/>
+                        </a:p>
+                      </a:txBody>
+                      <a:tcPr/>
+                    </a:tc>
+                    <a:tc>
+                      <a:txBody>
+                        <a:bodyPr/>
+                        <a:lstStyle/>
+                        <a:p>
+                          <a:pPr/>
+                          <a14:m>
+                            <m:oMathPara xmlns:m="http://schemas.openxmlformats.org/officeDocument/2006/math">
+                              <m:oMathParaPr>
+                                <m:jc m:val="centerGroup"/>
+                              </m:oMathParaPr>
+                              <m:oMath xmlns:m="http://schemas.openxmlformats.org/officeDocument/2006/math">
+                                <m:r>
+                                  <a:rPr kumimoji="1" lang="en-US" altLang="ja-JP" b="0" i="1" smtClean="0">
+                                    <a:latin typeface="Cambria Math" panose="02040503050406030204" pitchFamily="18" charset="0"/>
+                                  </a:rPr>
+                                  <m:t>𝑊</m:t>
+                                </m:r>
+                                <m:r>
+                                  <a:rPr kumimoji="1" lang="en-US" altLang="ja-JP" b="0" i="1" smtClean="0">
+                                    <a:latin typeface="Cambria Math" panose="02040503050406030204" pitchFamily="18" charset="0"/>
+                                  </a:rPr>
+                                  <m:t>[</m:t>
+                                </m:r>
+                                <m:r>
+                                  <m:rPr>
+                                    <m:sty m:val="p"/>
+                                  </m:rPr>
+                                  <a:rPr kumimoji="1" lang="en-US" altLang="ja-JP" b="0" i="0" smtClean="0">
+                                    <a:latin typeface="Cambria Math" panose="02040503050406030204" pitchFamily="18" charset="0"/>
+                                  </a:rPr>
+                                  <m:t>μm</m:t>
+                                </m:r>
+                                <m:r>
+                                  <a:rPr kumimoji="1" lang="en-US" altLang="ja-JP" b="0" i="1" smtClean="0">
+                                    <a:latin typeface="Cambria Math" panose="02040503050406030204" pitchFamily="18" charset="0"/>
+                                  </a:rPr>
+                                  <m:t>]</m:t>
+                                </m:r>
+                              </m:oMath>
+                            </m:oMathPara>
+                          </a14:m>
+                          <a:endParaRPr kumimoji="1" lang="ja-JP" altLang="en-US" dirty="0"/>
+                        </a:p>
+                      </a:txBody>
+                      <a:tcPr/>
+                    </a:tc>
+                    <a:tc>
+                      <a:txBody>
+                        <a:bodyPr/>
+                        <a:lstStyle/>
+                        <a:p>
+                          <a:pPr/>
+                          <a14:m>
+                            <m:oMathPara xmlns:m="http://schemas.openxmlformats.org/officeDocument/2006/math">
+                              <m:oMathParaPr>
+                                <m:jc m:val="centerGroup"/>
+                              </m:oMathParaPr>
+                              <m:oMath xmlns:m="http://schemas.openxmlformats.org/officeDocument/2006/math">
+                                <m:r>
+                                  <a:rPr kumimoji="1" lang="en-US" altLang="ja-JP" sz="1800" b="0" i="1" u="none" strike="noStrike" kern="1200" cap="none" spc="0" normalizeH="0" baseline="0" noProof="0" smtClean="0">
+                                    <a:ln>
+                                      <a:noFill/>
+                                    </a:ln>
+                                    <a:solidFill>
+                                      <a:prstClr val="black"/>
+                                    </a:solidFill>
+                                    <a:effectLst/>
+                                    <a:uLnTx/>
+                                    <a:uFillTx/>
+                                    <a:latin typeface="Cambria Math" panose="02040503050406030204" pitchFamily="18" charset="0"/>
+                                    <a:ea typeface="游ゴシック" panose="020B0400000000000000" pitchFamily="50" charset="-128"/>
+                                    <a:cs typeface="+mn-cs"/>
+                                  </a:rPr>
+                                  <m:t>𝑀</m:t>
+                                </m:r>
+                              </m:oMath>
+                            </m:oMathPara>
+                          </a14:m>
+                          <a:endParaRPr kumimoji="1" lang="ja-JP" altLang="en-US" dirty="0"/>
+                        </a:p>
+                      </a:txBody>
+                      <a:tcPr/>
+                    </a:tc>
+                    <a:extLst>
+                      <a:ext uri="{0D108BD9-81ED-4DB2-BD59-A6C34878D82A}">
+                        <a16:rowId xmlns:a16="http://schemas.microsoft.com/office/drawing/2014/main" val="539781872"/>
+                      </a:ext>
+                    </a:extLst>
+                  </a:tr>
+                  <a:tr h="370840">
+                    <a:tc>
+                      <a:txBody>
+                        <a:bodyPr/>
+                        <a:lstStyle/>
+                        <a:p>
+                          <a:pPr/>
+                          <a14:m>
+                            <m:oMathPara xmlns:m="http://schemas.openxmlformats.org/officeDocument/2006/math">
+                              <m:oMathParaPr>
+                                <m:jc m:val="centerGroup"/>
+                              </m:oMathParaPr>
+                              <m:oMath xmlns:m="http://schemas.openxmlformats.org/officeDocument/2006/math">
+                                <m:sSub>
+                                  <m:sSubPr>
+                                    <m:ctrlPr>
+                                      <a:rPr kumimoji="1" lang="en-US" altLang="ja-JP" sz="1800" b="0" i="1" u="none" strike="noStrike" kern="1200" cap="none" spc="0" normalizeH="0" baseline="0" noProof="0" smtClean="0">
+                                        <a:ln>
+                                          <a:noFill/>
+                                        </a:ln>
+                                        <a:solidFill>
+                                          <a:prstClr val="black"/>
+                                        </a:solidFill>
+                                        <a:effectLst/>
+                                        <a:uLnTx/>
+                                        <a:uFillTx/>
+                                        <a:latin typeface="Cambria Math" panose="02040503050406030204" pitchFamily="18" charset="0"/>
+                                        <a:ea typeface="游ゴシック" panose="020B0400000000000000" pitchFamily="50" charset="-128"/>
+                                        <a:cs typeface="+mn-cs"/>
+                                      </a:rPr>
+                                    </m:ctrlPr>
+                                  </m:sSubPr>
+                                  <m:e>
+                                    <m:r>
+                                      <a:rPr kumimoji="1" lang="en-US" altLang="ja-JP" sz="1800" b="0" i="1" u="none" strike="noStrike" kern="1200" cap="none" spc="0" normalizeH="0" baseline="0" noProof="0" smtClean="0">
+                                        <a:ln>
+                                          <a:noFill/>
+                                        </a:ln>
+                                        <a:solidFill>
+                                          <a:prstClr val="black"/>
+                                        </a:solidFill>
+                                        <a:effectLst/>
+                                        <a:uLnTx/>
+                                        <a:uFillTx/>
+                                        <a:latin typeface="Cambria Math" panose="02040503050406030204" pitchFamily="18" charset="0"/>
+                                        <a:ea typeface="游ゴシック" panose="020B0400000000000000" pitchFamily="50" charset="-128"/>
+                                        <a:cs typeface="+mn-cs"/>
+                                      </a:rPr>
+                                      <m:t>𝑀</m:t>
+                                    </m:r>
+                                  </m:e>
+                                  <m:sub>
+                                    <m:r>
+                                      <a:rPr kumimoji="1" lang="en-US" altLang="ja-JP" sz="1800" b="0" i="1" u="none" strike="noStrike" kern="1200" cap="none" spc="0" normalizeH="0" baseline="0" noProof="0" smtClean="0">
+                                        <a:ln>
+                                          <a:noFill/>
+                                        </a:ln>
+                                        <a:solidFill>
+                                          <a:prstClr val="black"/>
+                                        </a:solidFill>
+                                        <a:effectLst/>
+                                        <a:uLnTx/>
+                                        <a:uFillTx/>
+                                        <a:latin typeface="Cambria Math" panose="02040503050406030204" pitchFamily="18" charset="0"/>
+                                        <a:ea typeface="游ゴシック" panose="020B0400000000000000" pitchFamily="50" charset="-128"/>
+                                        <a:cs typeface="+mn-cs"/>
+                                      </a:rPr>
+                                      <m:t>𝐴</m:t>
+                                    </m:r>
+                                  </m:sub>
+                                </m:sSub>
+                              </m:oMath>
+                            </m:oMathPara>
+                          </a14:m>
+                          <a:endParaRPr kumimoji="1" lang="ja-JP" altLang="en-US" dirty="0"/>
+                        </a:p>
+                      </a:txBody>
+                      <a:tcPr/>
+                    </a:tc>
+                    <a:tc>
+                      <a:txBody>
+                        <a:bodyPr/>
+                        <a:lstStyle/>
+                        <a:p>
+                          <a:pPr/>
+                          <a14:m>
+                            <m:oMathPara xmlns:m="http://schemas.openxmlformats.org/officeDocument/2006/math">
+                              <m:oMathParaPr>
+                                <m:jc m:val="centerGroup"/>
+                              </m:oMathParaPr>
+                              <m:oMath xmlns:m="http://schemas.openxmlformats.org/officeDocument/2006/math">
+                                <m:r>
+                                  <a:rPr kumimoji="1" lang="en-US" altLang="ja-JP" sz="1800" b="0" i="1" u="none" strike="noStrike" kern="1200" cap="none" spc="0" normalizeH="0" baseline="0" noProof="0" smtClean="0">
+                                    <a:ln>
+                                      <a:noFill/>
+                                    </a:ln>
+                                    <a:solidFill>
+                                      <a:prstClr val="black"/>
+                                    </a:solidFill>
+                                    <a:effectLst/>
+                                    <a:uLnTx/>
+                                    <a:uFillTx/>
+                                    <a:latin typeface="Cambria Math" panose="02040503050406030204" pitchFamily="18" charset="0"/>
+                                    <a:ea typeface="游ゴシック" panose="020B0400000000000000" pitchFamily="50" charset="-128"/>
+                                    <a:cs typeface="+mn-cs"/>
+                                  </a:rPr>
+                                  <m:t>0.72</m:t>
+                                </m:r>
+                              </m:oMath>
+                            </m:oMathPara>
+                          </a14:m>
+                          <a:endParaRPr kumimoji="1" lang="ja-JP" altLang="en-US" dirty="0"/>
+                        </a:p>
+                      </a:txBody>
+                      <a:tcPr/>
+                    </a:tc>
+                    <a:tc>
+                      <a:txBody>
+                        <a:bodyPr/>
+                        <a:lstStyle/>
+                        <a:p>
+                          <a:pPr/>
+                          <a14:m>
+                            <m:oMathPara xmlns:m="http://schemas.openxmlformats.org/officeDocument/2006/math">
+                              <m:oMathParaPr>
+                                <m:jc m:val="centerGroup"/>
+                              </m:oMathParaPr>
+                              <m:oMath xmlns:m="http://schemas.openxmlformats.org/officeDocument/2006/math">
+                                <m:r>
+                                  <a:rPr kumimoji="1" lang="en-US" altLang="ja-JP" sz="1800" b="0" i="1" u="none" strike="noStrike" kern="1200" cap="none" spc="0" normalizeH="0" baseline="0" noProof="0" smtClean="0">
+                                    <a:ln>
+                                      <a:noFill/>
+                                    </a:ln>
+                                    <a:solidFill>
+                                      <a:prstClr val="black"/>
+                                    </a:solidFill>
+                                    <a:effectLst/>
+                                    <a:uLnTx/>
+                                    <a:uFillTx/>
+                                    <a:latin typeface="Cambria Math" panose="02040503050406030204" pitchFamily="18" charset="0"/>
+                                    <a:ea typeface="游ゴシック" panose="020B0400000000000000" pitchFamily="50" charset="-128"/>
+                                    <a:cs typeface="+mn-cs"/>
+                                  </a:rPr>
+                                  <m:t>4.27</m:t>
+                                </m:r>
+                              </m:oMath>
+                            </m:oMathPara>
+                          </a14:m>
+                          <a:endParaRPr kumimoji="1" lang="ja-JP" altLang="en-US" dirty="0"/>
+                        </a:p>
+                      </a:txBody>
+                      <a:tcPr/>
+                    </a:tc>
+                    <a:tc>
+                      <a:txBody>
+                        <a:bodyPr/>
+                        <a:lstStyle/>
+                        <a:p>
+                          <a:pPr/>
+                          <a14:m>
+                            <m:oMathPara xmlns:m="http://schemas.openxmlformats.org/officeDocument/2006/math">
+                              <m:oMathParaPr>
+                                <m:jc m:val="centerGroup"/>
+                              </m:oMathParaPr>
+                              <m:oMath xmlns:m="http://schemas.openxmlformats.org/officeDocument/2006/math">
+                                <m:r>
+                                  <a:rPr kumimoji="1" lang="en-US" altLang="ja-JP" sz="1800" b="0" i="1" u="none" strike="noStrike" kern="1200" cap="none" spc="0" normalizeH="0" baseline="0" noProof="0" smtClean="0">
+                                    <a:ln>
+                                      <a:noFill/>
+                                    </a:ln>
+                                    <a:solidFill>
+                                      <a:prstClr val="black"/>
+                                    </a:solidFill>
+                                    <a:effectLst/>
+                                    <a:uLnTx/>
+                                    <a:uFillTx/>
+                                    <a:latin typeface="Cambria Math" panose="02040503050406030204" pitchFamily="18" charset="0"/>
+                                    <a:ea typeface="游ゴシック" panose="020B0400000000000000" pitchFamily="50" charset="-128"/>
+                                    <a:cs typeface="+mn-cs"/>
+                                  </a:rPr>
+                                  <m:t>10</m:t>
+                                </m:r>
+                              </m:oMath>
+                            </m:oMathPara>
+                          </a14:m>
+                          <a:endParaRPr kumimoji="1" lang="ja-JP" altLang="en-US" dirty="0"/>
+                        </a:p>
+                      </a:txBody>
+                      <a:tcPr/>
+                    </a:tc>
+                    <a:extLst>
+                      <a:ext uri="{0D108BD9-81ED-4DB2-BD59-A6C34878D82A}">
+                        <a16:rowId xmlns:a16="http://schemas.microsoft.com/office/drawing/2014/main" val="987082130"/>
+                      </a:ext>
+                    </a:extLst>
+                  </a:tr>
+                  <a:tr h="370840">
+                    <a:tc>
+                      <a:txBody>
+                        <a:bodyPr/>
+                        <a:lstStyle/>
+                        <a:p>
+                          <a:pPr/>
+                          <a14:m>
+                            <m:oMathPara xmlns:m="http://schemas.openxmlformats.org/officeDocument/2006/math">
+                              <m:oMathParaPr>
+                                <m:jc m:val="centerGroup"/>
+                              </m:oMathParaPr>
+                              <m:oMath xmlns:m="http://schemas.openxmlformats.org/officeDocument/2006/math">
+                                <m:sSub>
+                                  <m:sSubPr>
+                                    <m:ctrlPr>
+                                      <a:rPr kumimoji="1" lang="en-US" altLang="ja-JP" sz="1800" b="0" i="1" u="none" strike="noStrike" kern="1200" cap="none" spc="0" normalizeH="0" baseline="0" noProof="0" smtClean="0">
+                                        <a:ln>
+                                          <a:noFill/>
+                                        </a:ln>
+                                        <a:solidFill>
+                                          <a:prstClr val="black"/>
+                                        </a:solidFill>
+                                        <a:effectLst/>
+                                        <a:uLnTx/>
+                                        <a:uFillTx/>
+                                        <a:latin typeface="Cambria Math" panose="02040503050406030204" pitchFamily="18" charset="0"/>
+                                        <a:ea typeface="游ゴシック" panose="020B0400000000000000" pitchFamily="50" charset="-128"/>
+                                        <a:cs typeface="+mn-cs"/>
+                                      </a:rPr>
+                                    </m:ctrlPr>
+                                  </m:sSubPr>
+                                  <m:e>
+                                    <m:r>
+                                      <a:rPr kumimoji="1" lang="en-US" altLang="ja-JP" sz="1800" b="0" i="1" u="none" strike="noStrike" kern="1200" cap="none" spc="0" normalizeH="0" baseline="0" noProof="0" smtClean="0">
+                                        <a:ln>
+                                          <a:noFill/>
+                                        </a:ln>
+                                        <a:solidFill>
+                                          <a:prstClr val="black"/>
+                                        </a:solidFill>
+                                        <a:effectLst/>
+                                        <a:uLnTx/>
+                                        <a:uFillTx/>
+                                        <a:latin typeface="Cambria Math" panose="02040503050406030204" pitchFamily="18" charset="0"/>
+                                        <a:ea typeface="游ゴシック" panose="020B0400000000000000" pitchFamily="50" charset="-128"/>
+                                        <a:cs typeface="+mn-cs"/>
+                                      </a:rPr>
+                                      <m:t>𝑀</m:t>
+                                    </m:r>
+                                  </m:e>
+                                  <m:sub>
+                                    <m:r>
+                                      <a:rPr kumimoji="1" lang="en-US" altLang="ja-JP" sz="1800" b="0" i="1" u="none" strike="noStrike" kern="1200" cap="none" spc="0" normalizeH="0" baseline="0" noProof="0" smtClean="0">
+                                        <a:ln>
+                                          <a:noFill/>
+                                        </a:ln>
+                                        <a:solidFill>
+                                          <a:prstClr val="black"/>
+                                        </a:solidFill>
+                                        <a:effectLst/>
+                                        <a:uLnTx/>
+                                        <a:uFillTx/>
+                                        <a:latin typeface="Cambria Math" panose="02040503050406030204" pitchFamily="18" charset="0"/>
+                                        <a:ea typeface="游ゴシック" panose="020B0400000000000000" pitchFamily="50" charset="-128"/>
+                                        <a:cs typeface="+mn-cs"/>
+                                      </a:rPr>
+                                      <m:t>𝐵</m:t>
+                                    </m:r>
+                                  </m:sub>
+                                </m:sSub>
+                              </m:oMath>
+                            </m:oMathPara>
+                          </a14:m>
+                          <a:endParaRPr kumimoji="1" lang="ja-JP" altLang="en-US" dirty="0"/>
+                        </a:p>
+                      </a:txBody>
+                      <a:tcPr/>
+                    </a:tc>
+                    <a:tc>
+                      <a:txBody>
+                        <a:bodyPr/>
+                        <a:lstStyle/>
+                        <a:p>
+                          <a:pPr/>
+                          <a14:m>
+                            <m:oMathPara xmlns:m="http://schemas.openxmlformats.org/officeDocument/2006/math">
+                              <m:oMathParaPr>
+                                <m:jc m:val="centerGroup"/>
+                              </m:oMathParaPr>
+                              <m:oMath xmlns:m="http://schemas.openxmlformats.org/officeDocument/2006/math">
+                                <m:r>
+                                  <a:rPr kumimoji="1" lang="en-US" altLang="ja-JP" sz="1800" b="0" i="1" u="none" strike="noStrike" kern="1200" cap="none" spc="0" normalizeH="0" baseline="0" noProof="0" smtClean="0">
+                                    <a:ln>
+                                      <a:noFill/>
+                                    </a:ln>
+                                    <a:solidFill>
+                                      <a:prstClr val="black"/>
+                                    </a:solidFill>
+                                    <a:effectLst/>
+                                    <a:uLnTx/>
+                                    <a:uFillTx/>
+                                    <a:latin typeface="Cambria Math" panose="02040503050406030204" pitchFamily="18" charset="0"/>
+                                    <a:ea typeface="游ゴシック" panose="020B0400000000000000" pitchFamily="50" charset="-128"/>
+                                    <a:cs typeface="+mn-cs"/>
+                                  </a:rPr>
+                                  <m:t>0.72</m:t>
+                                </m:r>
+                              </m:oMath>
+                            </m:oMathPara>
+                          </a14:m>
+                          <a:endParaRPr kumimoji="1" lang="ja-JP" altLang="en-US" dirty="0"/>
+                        </a:p>
+                      </a:txBody>
+                      <a:tcPr/>
+                    </a:tc>
+                    <a:tc>
+                      <a:txBody>
+                        <a:bodyPr/>
+                        <a:lstStyle/>
+                        <a:p>
+                          <a:pPr/>
+                          <a14:m>
+                            <m:oMathPara xmlns:m="http://schemas.openxmlformats.org/officeDocument/2006/math">
+                              <m:oMathParaPr>
+                                <m:jc m:val="centerGroup"/>
+                              </m:oMathParaPr>
+                              <m:oMath xmlns:m="http://schemas.openxmlformats.org/officeDocument/2006/math">
+                                <m:r>
+                                  <a:rPr kumimoji="1" lang="en-US" altLang="ja-JP" sz="1800" b="0" i="1" u="none" strike="noStrike" kern="1200" cap="none" spc="0" normalizeH="0" baseline="0" noProof="0" smtClean="0">
+                                    <a:ln>
+                                      <a:noFill/>
+                                    </a:ln>
+                                    <a:solidFill>
+                                      <a:prstClr val="black"/>
+                                    </a:solidFill>
+                                    <a:effectLst/>
+                                    <a:uLnTx/>
+                                    <a:uFillTx/>
+                                    <a:latin typeface="Cambria Math" panose="02040503050406030204" pitchFamily="18" charset="0"/>
+                                    <a:ea typeface="游ゴシック" panose="020B0400000000000000" pitchFamily="50" charset="-128"/>
+                                    <a:cs typeface="+mn-cs"/>
+                                  </a:rPr>
+                                  <m:t>4.27</m:t>
+                                </m:r>
+                              </m:oMath>
+                            </m:oMathPara>
+                          </a14:m>
+                          <a:endParaRPr kumimoji="1" lang="ja-JP" altLang="en-US" dirty="0"/>
+                        </a:p>
+                      </a:txBody>
+                      <a:tcPr/>
+                    </a:tc>
+                    <a:tc>
+                      <a:txBody>
+                        <a:bodyPr/>
+                        <a:lstStyle/>
+                        <a:p>
+                          <a:pPr/>
+                          <a14:m>
+                            <m:oMathPara xmlns:m="http://schemas.openxmlformats.org/officeDocument/2006/math">
+                              <m:oMathParaPr>
+                                <m:jc m:val="centerGroup"/>
+                              </m:oMathParaPr>
+                              <m:oMath xmlns:m="http://schemas.openxmlformats.org/officeDocument/2006/math">
+                                <m:r>
+                                  <a:rPr kumimoji="1" lang="en-US" altLang="ja-JP" sz="1800" b="0" i="1" u="none" strike="noStrike" kern="1200" cap="none" spc="0" normalizeH="0" baseline="0" noProof="0" smtClean="0">
+                                    <a:ln>
+                                      <a:noFill/>
+                                    </a:ln>
+                                    <a:solidFill>
+                                      <a:prstClr val="black"/>
+                                    </a:solidFill>
+                                    <a:effectLst/>
+                                    <a:uLnTx/>
+                                    <a:uFillTx/>
+                                    <a:latin typeface="Cambria Math" panose="02040503050406030204" pitchFamily="18" charset="0"/>
+                                    <a:ea typeface="游ゴシック" panose="020B0400000000000000" pitchFamily="50" charset="-128"/>
+                                    <a:cs typeface="+mn-cs"/>
+                                  </a:rPr>
+                                  <m:t>20</m:t>
+                                </m:r>
+                              </m:oMath>
+                            </m:oMathPara>
+                          </a14:m>
+                          <a:endParaRPr kumimoji="1" lang="ja-JP" altLang="en-US" dirty="0"/>
+                        </a:p>
+                      </a:txBody>
+                      <a:tcPr/>
+                    </a:tc>
+                    <a:extLst>
+                      <a:ext uri="{0D108BD9-81ED-4DB2-BD59-A6C34878D82A}">
+                        <a16:rowId xmlns:a16="http://schemas.microsoft.com/office/drawing/2014/main" val="1513871571"/>
+                      </a:ext>
+                    </a:extLst>
+                  </a:tr>
+                  <a:tr h="370840">
+                    <a:tc>
+                      <a:txBody>
+                        <a:bodyPr/>
+                        <a:lstStyle/>
+                        <a:p>
+                          <a:pPr/>
+                          <a14:m>
+                            <m:oMathPara xmlns:m="http://schemas.openxmlformats.org/officeDocument/2006/math">
+                              <m:oMathParaPr>
+                                <m:jc m:val="centerGroup"/>
+                              </m:oMathParaPr>
+                              <m:oMath xmlns:m="http://schemas.openxmlformats.org/officeDocument/2006/math">
+                                <m:sSub>
+                                  <m:sSubPr>
+                                    <m:ctrlPr>
+                                      <a:rPr kumimoji="1" lang="en-US" altLang="ja-JP" sz="1800" b="0" i="1" u="none" strike="noStrike" kern="1200" cap="none" spc="0" normalizeH="0" baseline="0" noProof="0" smtClean="0">
+                                        <a:ln>
+                                          <a:noFill/>
+                                        </a:ln>
+                                        <a:solidFill>
+                                          <a:prstClr val="black"/>
+                                        </a:solidFill>
+                                        <a:effectLst/>
+                                        <a:uLnTx/>
+                                        <a:uFillTx/>
+                                        <a:latin typeface="Cambria Math" panose="02040503050406030204" pitchFamily="18" charset="0"/>
+                                        <a:ea typeface="游ゴシック" panose="020B0400000000000000" pitchFamily="50" charset="-128"/>
+                                        <a:cs typeface="+mn-cs"/>
+                                      </a:rPr>
+                                    </m:ctrlPr>
+                                  </m:sSubPr>
+                                  <m:e>
+                                    <m:r>
+                                      <a:rPr kumimoji="1" lang="en-US" altLang="ja-JP" sz="1800" b="0" i="1" u="none" strike="noStrike" kern="1200" cap="none" spc="0" normalizeH="0" baseline="0" noProof="0" smtClean="0">
+                                        <a:ln>
+                                          <a:noFill/>
+                                        </a:ln>
+                                        <a:solidFill>
+                                          <a:prstClr val="black"/>
+                                        </a:solidFill>
+                                        <a:effectLst/>
+                                        <a:uLnTx/>
+                                        <a:uFillTx/>
+                                        <a:latin typeface="Cambria Math" panose="02040503050406030204" pitchFamily="18" charset="0"/>
+                                        <a:ea typeface="游ゴシック" panose="020B0400000000000000" pitchFamily="50" charset="-128"/>
+                                        <a:cs typeface="+mn-cs"/>
+                                      </a:rPr>
+                                      <m:t>𝑀</m:t>
+                                    </m:r>
+                                  </m:e>
+                                  <m:sub>
+                                    <m:r>
+                                      <a:rPr kumimoji="1" lang="en-US" altLang="ja-JP" sz="1800" b="0" i="1" u="none" strike="noStrike" kern="1200" cap="none" spc="0" normalizeH="0" baseline="0" noProof="0" smtClean="0">
+                                        <a:ln>
+                                          <a:noFill/>
+                                        </a:ln>
+                                        <a:solidFill>
+                                          <a:prstClr val="black"/>
+                                        </a:solidFill>
+                                        <a:effectLst/>
+                                        <a:uLnTx/>
+                                        <a:uFillTx/>
+                                        <a:latin typeface="Cambria Math" panose="02040503050406030204" pitchFamily="18" charset="0"/>
+                                        <a:ea typeface="游ゴシック" panose="020B0400000000000000" pitchFamily="50" charset="-128"/>
+                                        <a:cs typeface="+mn-cs"/>
+                                      </a:rPr>
+                                      <m:t>𝐶</m:t>
+                                    </m:r>
+                                  </m:sub>
+                                </m:sSub>
+                              </m:oMath>
+                            </m:oMathPara>
+                          </a14:m>
+                          <a:endParaRPr kumimoji="1" lang="ja-JP" altLang="en-US" dirty="0"/>
+                        </a:p>
+                      </a:txBody>
+                      <a:tcPr/>
+                    </a:tc>
+                    <a:tc>
+                      <a:txBody>
+                        <a:bodyPr/>
+                        <a:lstStyle/>
+                        <a:p>
+                          <a:pPr/>
+                          <a14:m>
+                            <m:oMathPara xmlns:m="http://schemas.openxmlformats.org/officeDocument/2006/math">
+                              <m:oMathParaPr>
+                                <m:jc m:val="centerGroup"/>
+                              </m:oMathParaPr>
+                              <m:oMath xmlns:m="http://schemas.openxmlformats.org/officeDocument/2006/math">
+                                <m:r>
+                                  <a:rPr kumimoji="1" lang="en-US" altLang="ja-JP" sz="1800" b="0" i="1" u="none" strike="noStrike" kern="1200" cap="none" spc="0" normalizeH="0" baseline="0" noProof="0" smtClean="0">
+                                    <a:ln>
+                                      <a:noFill/>
+                                    </a:ln>
+                                    <a:solidFill>
+                                      <a:prstClr val="black"/>
+                                    </a:solidFill>
+                                    <a:effectLst/>
+                                    <a:uLnTx/>
+                                    <a:uFillTx/>
+                                    <a:latin typeface="Cambria Math" panose="02040503050406030204" pitchFamily="18" charset="0"/>
+                                    <a:ea typeface="游ゴシック" panose="020B0400000000000000" pitchFamily="50" charset="-128"/>
+                                    <a:cs typeface="+mn-cs"/>
+                                  </a:rPr>
+                                  <m:t>0.72</m:t>
+                                </m:r>
+                              </m:oMath>
+                            </m:oMathPara>
+                          </a14:m>
+                          <a:endParaRPr kumimoji="1" lang="ja-JP" altLang="en-US" dirty="0"/>
+                        </a:p>
+                      </a:txBody>
+                      <a:tcPr/>
+                    </a:tc>
+                    <a:tc>
+                      <a:txBody>
+                        <a:bodyPr/>
+                        <a:lstStyle/>
+                        <a:p>
+                          <a:pPr/>
+                          <a14:m>
+                            <m:oMathPara xmlns:m="http://schemas.openxmlformats.org/officeDocument/2006/math">
+                              <m:oMathParaPr>
+                                <m:jc m:val="centerGroup"/>
+                              </m:oMathParaPr>
+                              <m:oMath xmlns:m="http://schemas.openxmlformats.org/officeDocument/2006/math">
+                                <m:r>
+                                  <a:rPr kumimoji="1" lang="en-US" altLang="ja-JP" sz="1800" b="0" i="1" u="none" strike="noStrike" kern="1200" cap="none" spc="0" normalizeH="0" baseline="0" noProof="0" smtClean="0">
+                                    <a:ln>
+                                      <a:noFill/>
+                                    </a:ln>
+                                    <a:solidFill>
+                                      <a:prstClr val="black"/>
+                                    </a:solidFill>
+                                    <a:effectLst/>
+                                    <a:uLnTx/>
+                                    <a:uFillTx/>
+                                    <a:latin typeface="Cambria Math" panose="02040503050406030204" pitchFamily="18" charset="0"/>
+                                    <a:ea typeface="游ゴシック" panose="020B0400000000000000" pitchFamily="50" charset="-128"/>
+                                    <a:cs typeface="+mn-cs"/>
+                                  </a:rPr>
+                                  <m:t>11.6</m:t>
+                                </m:r>
+                              </m:oMath>
+                            </m:oMathPara>
+                          </a14:m>
+                          <a:endParaRPr kumimoji="1" lang="ja-JP" altLang="en-US" dirty="0"/>
+                        </a:p>
+                      </a:txBody>
+                      <a:tcPr/>
+                    </a:tc>
+                    <a:tc>
+                      <a:txBody>
+                        <a:bodyPr/>
+                        <a:lstStyle/>
+                        <a:p>
+                          <a:pPr/>
+                          <a14:m>
+                            <m:oMathPara xmlns:m="http://schemas.openxmlformats.org/officeDocument/2006/math">
+                              <m:oMathParaPr>
+                                <m:jc m:val="centerGroup"/>
+                              </m:oMathParaPr>
+                              <m:oMath xmlns:m="http://schemas.openxmlformats.org/officeDocument/2006/math">
+                                <m:r>
+                                  <a:rPr kumimoji="1" lang="en-US" altLang="ja-JP" sz="1800" b="0" i="1" u="none" strike="noStrike" kern="1200" cap="none" spc="0" normalizeH="0" baseline="0" noProof="0" smtClean="0">
+                                    <a:ln>
+                                      <a:noFill/>
+                                    </a:ln>
+                                    <a:solidFill>
+                                      <a:prstClr val="black"/>
+                                    </a:solidFill>
+                                    <a:effectLst/>
+                                    <a:uLnTx/>
+                                    <a:uFillTx/>
+                                    <a:latin typeface="Cambria Math" panose="02040503050406030204" pitchFamily="18" charset="0"/>
+                                    <a:ea typeface="游ゴシック" panose="020B0400000000000000" pitchFamily="50" charset="-128"/>
+                                    <a:cs typeface="+mn-cs"/>
+                                  </a:rPr>
+                                  <m:t>40</m:t>
+                                </m:r>
+                              </m:oMath>
+                            </m:oMathPara>
+                          </a14:m>
+                          <a:endParaRPr kumimoji="1" lang="ja-JP" altLang="en-US" dirty="0"/>
+                        </a:p>
+                      </a:txBody>
+                      <a:tcPr/>
+                    </a:tc>
+                    <a:extLst>
+                      <a:ext uri="{0D108BD9-81ED-4DB2-BD59-A6C34878D82A}">
+                        <a16:rowId xmlns:a16="http://schemas.microsoft.com/office/drawing/2014/main" val="551358632"/>
+                      </a:ext>
+                    </a:extLst>
+                  </a:tr>
+                  <a:tr h="370840">
+                    <a:tc>
+                      <a:txBody>
+                        <a:bodyPr/>
+                        <a:lstStyle/>
+                        <a:p>
+                          <a:endParaRPr kumimoji="1" lang="ja-JP" altLang="en-US" dirty="0"/>
+                        </a:p>
+                      </a:txBody>
+                      <a:tcPr/>
+                    </a:tc>
+                    <a:tc>
+                      <a:txBody>
+                        <a:bodyPr/>
+                        <a:lstStyle/>
+                        <a:p>
+                          <a:pPr/>
+                          <a14:m>
+                            <m:oMathPara xmlns:m="http://schemas.openxmlformats.org/officeDocument/2006/math">
+                              <m:oMathParaPr>
+                                <m:jc m:val="centerGroup"/>
+                              </m:oMathParaPr>
+                              <m:oMath xmlns:m="http://schemas.openxmlformats.org/officeDocument/2006/math">
+                                <m:r>
+                                  <a:rPr kumimoji="1" lang="en-US" altLang="ja-JP" b="0" i="1" smtClean="0">
+                                    <a:latin typeface="Cambria Math" panose="02040503050406030204" pitchFamily="18" charset="0"/>
+                                  </a:rPr>
+                                  <m:t>[</m:t>
+                                </m:r>
+                                <m:r>
+                                  <m:rPr>
+                                    <m:sty m:val="p"/>
+                                  </m:rPr>
+                                  <a:rPr kumimoji="1" lang="en-US" altLang="ja-JP" b="0" i="0" smtClean="0">
+                                    <a:latin typeface="Cambria Math" panose="02040503050406030204" pitchFamily="18" charset="0"/>
+                                  </a:rPr>
+                                  <m:t>mA</m:t>
+                                </m:r>
+                                <m:r>
+                                  <a:rPr kumimoji="1" lang="en-US" altLang="ja-JP" b="0" i="1" smtClean="0">
+                                    <a:latin typeface="Cambria Math" panose="02040503050406030204" pitchFamily="18" charset="0"/>
+                                  </a:rPr>
+                                  <m:t>]</m:t>
+                                </m:r>
+                              </m:oMath>
+                            </m:oMathPara>
+                          </a14:m>
+                          <a:endParaRPr kumimoji="1" lang="ja-JP" altLang="en-US" dirty="0"/>
+                        </a:p>
+                      </a:txBody>
+                      <a:tcPr/>
+                    </a:tc>
+                    <a:tc>
+                      <a:txBody>
+                        <a:bodyPr/>
+                        <a:lstStyle/>
+                        <a:p>
+                          <a:endParaRPr kumimoji="1" lang="ja-JP" altLang="en-US" dirty="0"/>
+                        </a:p>
+                      </a:txBody>
+                      <a:tcPr/>
+                    </a:tc>
+                    <a:tc>
+                      <a:txBody>
+                        <a:bodyPr/>
+                        <a:lstStyle/>
+                        <a:p>
+                          <a:pPr/>
+                          <a14:m>
+                            <m:oMathPara xmlns:m="http://schemas.openxmlformats.org/officeDocument/2006/math">
+                              <m:oMathParaPr>
+                                <m:jc m:val="centerGroup"/>
+                              </m:oMathParaPr>
+                              <m:oMath xmlns:m="http://schemas.openxmlformats.org/officeDocument/2006/math">
+                                <m:r>
+                                  <a:rPr kumimoji="1" lang="en-US" altLang="ja-JP" b="0" i="1" smtClean="0">
+                                    <a:latin typeface="Cambria Math" panose="02040503050406030204" pitchFamily="18" charset="0"/>
+                                  </a:rPr>
+                                  <m:t>[</m:t>
+                                </m:r>
+                                <m:r>
+                                  <m:rPr>
+                                    <m:sty m:val="p"/>
+                                  </m:rPr>
+                                  <a:rPr kumimoji="1" lang="en-US" altLang="ja-JP" b="0" i="0" smtClean="0">
+                                    <a:latin typeface="Cambria Math" panose="02040503050406030204" pitchFamily="18" charset="0"/>
+                                  </a:rPr>
+                                  <m:t>Ω</m:t>
+                                </m:r>
+                                <m:r>
+                                  <a:rPr kumimoji="1" lang="en-US" altLang="ja-JP" b="0" i="1" smtClean="0">
+                                    <a:latin typeface="Cambria Math" panose="02040503050406030204" pitchFamily="18" charset="0"/>
+                                  </a:rPr>
+                                  <m:t>]</m:t>
+                                </m:r>
+                              </m:oMath>
+                            </m:oMathPara>
+                          </a14:m>
+                          <a:endParaRPr kumimoji="1" lang="ja-JP" altLang="en-US" dirty="0"/>
+                        </a:p>
+                      </a:txBody>
+                      <a:tcPr/>
+                    </a:tc>
+                    <a:extLst>
+                      <a:ext uri="{0D108BD9-81ED-4DB2-BD59-A6C34878D82A}">
+                        <a16:rowId xmlns:a16="http://schemas.microsoft.com/office/drawing/2014/main" val="4238474175"/>
+                      </a:ext>
+                    </a:extLst>
+                  </a:tr>
+                  <a:tr h="370840">
+                    <a:tc>
+                      <a:txBody>
+                        <a:bodyPr/>
+                        <a:lstStyle/>
+                        <a:p>
+                          <a:pPr/>
+                          <a14:m>
+                            <m:oMathPara xmlns:m="http://schemas.openxmlformats.org/officeDocument/2006/math">
+                              <m:oMathParaPr>
+                                <m:jc m:val="centerGroup"/>
+                              </m:oMathParaPr>
+                              <m:oMath xmlns:m="http://schemas.openxmlformats.org/officeDocument/2006/math">
+                                <m:sSub>
+                                  <m:sSubPr>
+                                    <m:ctrlPr>
+                                      <a:rPr kumimoji="1" lang="en-US" altLang="ja-JP" b="0" i="1" smtClean="0">
+                                        <a:latin typeface="Cambria Math" panose="02040503050406030204" pitchFamily="18" charset="0"/>
+                                      </a:rPr>
+                                    </m:ctrlPr>
+                                  </m:sSubPr>
+                                  <m:e>
+                                    <m:r>
+                                      <a:rPr kumimoji="1" lang="en-US" altLang="ja-JP" b="0" i="1" smtClean="0">
+                                        <a:latin typeface="Cambria Math" panose="02040503050406030204" pitchFamily="18" charset="0"/>
+                                      </a:rPr>
+                                      <m:t>𝐼</m:t>
+                                    </m:r>
+                                  </m:e>
+                                  <m:sub>
+                                    <m:r>
+                                      <a:rPr kumimoji="1" lang="en-US" altLang="ja-JP" b="0" i="1" smtClean="0">
+                                        <a:latin typeface="Cambria Math" panose="02040503050406030204" pitchFamily="18" charset="0"/>
+                                      </a:rPr>
+                                      <m:t>𝑆</m:t>
+                                    </m:r>
+                                  </m:sub>
+                                </m:sSub>
+                              </m:oMath>
+                            </m:oMathPara>
+                          </a14:m>
+                          <a:endParaRPr kumimoji="1" lang="ja-JP" altLang="en-US" dirty="0"/>
+                        </a:p>
+                      </a:txBody>
+                      <a:tcPr/>
+                    </a:tc>
+                    <a:tc>
+                      <a:txBody>
+                        <a:bodyPr/>
+                        <a:lstStyle/>
+                        <a:p>
+                          <a:pPr/>
+                          <a14:m>
+                            <m:oMathPara xmlns:m="http://schemas.openxmlformats.org/officeDocument/2006/math">
+                              <m:oMathParaPr>
+                                <m:jc m:val="centerGroup"/>
+                              </m:oMathParaPr>
+                              <m:oMath xmlns:m="http://schemas.openxmlformats.org/officeDocument/2006/math">
+                                <m:r>
+                                  <a:rPr kumimoji="1" lang="en-US" altLang="ja-JP" sz="1800" b="0" i="1" u="none" strike="noStrike" kern="1200" cap="none" spc="0" normalizeH="0" baseline="0" noProof="0" smtClean="0">
+                                    <a:ln>
+                                      <a:noFill/>
+                                    </a:ln>
+                                    <a:solidFill>
+                                      <a:prstClr val="black"/>
+                                    </a:solidFill>
+                                    <a:effectLst/>
+                                    <a:uLnTx/>
+                                    <a:uFillTx/>
+                                    <a:latin typeface="Cambria Math" panose="02040503050406030204" pitchFamily="18" charset="0"/>
+                                    <a:ea typeface="游ゴシック" panose="020B0400000000000000" pitchFamily="50" charset="-128"/>
+                                    <a:cs typeface="+mn-cs"/>
+                                  </a:rPr>
+                                  <m:t>4</m:t>
+                                </m:r>
+                              </m:oMath>
+                            </m:oMathPara>
+                          </a14:m>
+                          <a:endParaRPr kumimoji="1" lang="ja-JP" altLang="en-US" dirty="0"/>
+                        </a:p>
+                      </a:txBody>
+                      <a:tcPr/>
+                    </a:tc>
+                    <a:tc>
+                      <a:txBody>
+                        <a:bodyPr/>
+                        <a:lstStyle/>
+                        <a:p>
+                          <a:pPr/>
+                          <a14:m>
+                            <m:oMathPara xmlns:m="http://schemas.openxmlformats.org/officeDocument/2006/math">
+                              <m:oMathParaPr>
+                                <m:jc m:val="centerGroup"/>
+                              </m:oMathParaPr>
+                              <m:oMath xmlns:m="http://schemas.openxmlformats.org/officeDocument/2006/math">
+                                <m:sSub>
+                                  <m:sSubPr>
+                                    <m:ctrlPr>
+                                      <a:rPr kumimoji="1" lang="en-US" altLang="ja-JP" sz="1800" b="0" i="1" u="none" strike="noStrike" kern="1200" cap="none" spc="0" normalizeH="0" baseline="0" noProof="0" smtClean="0">
+                                        <a:ln>
+                                          <a:noFill/>
+                                        </a:ln>
+                                        <a:solidFill>
+                                          <a:prstClr val="black"/>
+                                        </a:solidFill>
+                                        <a:effectLst/>
+                                        <a:uLnTx/>
+                                        <a:uFillTx/>
+                                        <a:latin typeface="Cambria Math" panose="02040503050406030204" pitchFamily="18" charset="0"/>
+                                        <a:ea typeface="游ゴシック" panose="020B0400000000000000" pitchFamily="50" charset="-128"/>
+                                        <a:cs typeface="+mn-cs"/>
+                                      </a:rPr>
+                                    </m:ctrlPr>
+                                  </m:sSubPr>
+                                  <m:e>
+                                    <m:r>
+                                      <a:rPr kumimoji="1" lang="en-US" altLang="ja-JP" sz="1800" b="0" i="1" u="none" strike="noStrike" kern="1200" cap="none" spc="0" normalizeH="0" baseline="0" noProof="0" smtClean="0">
+                                        <a:ln>
+                                          <a:noFill/>
+                                        </a:ln>
+                                        <a:solidFill>
+                                          <a:prstClr val="black"/>
+                                        </a:solidFill>
+                                        <a:effectLst/>
+                                        <a:uLnTx/>
+                                        <a:uFillTx/>
+                                        <a:latin typeface="Cambria Math" panose="02040503050406030204" pitchFamily="18" charset="0"/>
+                                        <a:ea typeface="游ゴシック" panose="020B0400000000000000" pitchFamily="50" charset="-128"/>
+                                        <a:cs typeface="+mn-cs"/>
+                                      </a:rPr>
+                                      <m:t>𝑅</m:t>
+                                    </m:r>
+                                  </m:e>
+                                  <m:sub>
+                                    <m:r>
+                                      <a:rPr kumimoji="1" lang="en-US" altLang="ja-JP" sz="1800" b="0" i="1" u="none" strike="noStrike" kern="1200" cap="none" spc="0" normalizeH="0" baseline="0" noProof="0" smtClean="0">
+                                        <a:ln>
+                                          <a:noFill/>
+                                        </a:ln>
+                                        <a:solidFill>
+                                          <a:prstClr val="black"/>
+                                        </a:solidFill>
+                                        <a:effectLst/>
+                                        <a:uLnTx/>
+                                        <a:uFillTx/>
+                                        <a:latin typeface="Cambria Math" panose="02040503050406030204" pitchFamily="18" charset="0"/>
+                                        <a:ea typeface="游ゴシック" panose="020B0400000000000000" pitchFamily="50" charset="-128"/>
+                                        <a:cs typeface="+mn-cs"/>
+                                      </a:rPr>
+                                      <m:t>𝐿</m:t>
+                                    </m:r>
+                                  </m:sub>
+                                </m:sSub>
+                              </m:oMath>
+                            </m:oMathPara>
+                          </a14:m>
+                          <a:endParaRPr kumimoji="1" lang="ja-JP" altLang="en-US" dirty="0"/>
+                        </a:p>
+                      </a:txBody>
+                      <a:tcPr/>
+                    </a:tc>
+                    <a:tc>
+                      <a:txBody>
+                        <a:bodyPr/>
+                        <a:lstStyle/>
+                        <a:p>
+                          <a:pPr/>
+                          <a14:m>
+                            <m:oMathPara xmlns:m="http://schemas.openxmlformats.org/officeDocument/2006/math">
+                              <m:oMathParaPr>
+                                <m:jc m:val="centerGroup"/>
+                              </m:oMathParaPr>
+                              <m:oMath xmlns:m="http://schemas.openxmlformats.org/officeDocument/2006/math">
+                                <m:r>
+                                  <a:rPr kumimoji="1" lang="en-US" altLang="ja-JP" sz="1800" b="0" i="1" u="none" strike="noStrike" kern="1200" cap="none" spc="0" normalizeH="0" baseline="0" noProof="0" smtClean="0">
+                                    <a:ln>
+                                      <a:noFill/>
+                                    </a:ln>
+                                    <a:solidFill>
+                                      <a:prstClr val="black"/>
+                                    </a:solidFill>
+                                    <a:effectLst/>
+                                    <a:uLnTx/>
+                                    <a:uFillTx/>
+                                    <a:latin typeface="Cambria Math" panose="02040503050406030204" pitchFamily="18" charset="0"/>
+                                    <a:ea typeface="游ゴシック" panose="020B0400000000000000" pitchFamily="50" charset="-128"/>
+                                    <a:cs typeface="+mn-cs"/>
+                                  </a:rPr>
+                                  <m:t>300</m:t>
+                                </m:r>
+                              </m:oMath>
+                            </m:oMathPara>
+                          </a14:m>
+                          <a:endParaRPr kumimoji="1" lang="ja-JP" altLang="en-US" dirty="0"/>
+                        </a:p>
+                      </a:txBody>
+                      <a:tcPr/>
+                    </a:tc>
+                    <a:extLst>
+                      <a:ext uri="{0D108BD9-81ED-4DB2-BD59-A6C34878D82A}">
+                        <a16:rowId xmlns:a16="http://schemas.microsoft.com/office/drawing/2014/main" val="2970860364"/>
+                      </a:ext>
+                    </a:extLst>
+                  </a:tr>
+                </a:tbl>
+              </a:graphicData>
+            </a:graphic>
+          </p:graphicFrame>
+        </mc:Choice>
+        <mc:Fallback>
+          <p:graphicFrame>
+            <p:nvGraphicFramePr>
+              <p:cNvPr id="6" name="表 5">
+                <a:extLst>
+                  <a:ext uri="{FF2B5EF4-FFF2-40B4-BE49-F238E27FC236}">
+                    <a16:creationId xmlns:a16="http://schemas.microsoft.com/office/drawing/2014/main" id="{04B1727A-BC0F-001D-F192-ADC0DCF2C099}"/>
+                  </a:ext>
+                </a:extLst>
+              </p:cNvPr>
+              <p:cNvGraphicFramePr>
+                <a:graphicFrameLocks noGrp="1"/>
+              </p:cNvGraphicFramePr>
+              <p:nvPr>
+                <p:extLst>
+                  <p:ext uri="{D42A27DB-BD31-4B8C-83A1-F6EECF244321}">
+                    <p14:modId xmlns:p14="http://schemas.microsoft.com/office/powerpoint/2010/main" val="2117483545"/>
+                  </p:ext>
+                </p:extLst>
+              </p:nvPr>
+            </p:nvGraphicFramePr>
+            <p:xfrm>
+              <a:off x="6654487" y="858838"/>
+              <a:ext cx="5423648" cy="3708400"/>
+            </p:xfrm>
+            <a:graphic>
+              <a:graphicData uri="http://schemas.openxmlformats.org/drawingml/2006/table">
+                <a:tbl>
+                  <a:tblPr bandRow="1">
+                    <a:tableStyleId>{5C22544A-7EE6-4342-B048-85BDC9FD1C3A}</a:tableStyleId>
+                  </a:tblPr>
+                  <a:tblGrid>
+                    <a:gridCol w="1355912">
+                      <a:extLst>
+                        <a:ext uri="{9D8B030D-6E8A-4147-A177-3AD203B41FA5}">
+                          <a16:colId xmlns:a16="http://schemas.microsoft.com/office/drawing/2014/main" val="2168990376"/>
+                        </a:ext>
+                      </a:extLst>
+                    </a:gridCol>
+                    <a:gridCol w="1355912">
+                      <a:extLst>
+                        <a:ext uri="{9D8B030D-6E8A-4147-A177-3AD203B41FA5}">
+                          <a16:colId xmlns:a16="http://schemas.microsoft.com/office/drawing/2014/main" val="3828255977"/>
+                        </a:ext>
+                      </a:extLst>
+                    </a:gridCol>
+                    <a:gridCol w="1355912">
+                      <a:extLst>
+                        <a:ext uri="{9D8B030D-6E8A-4147-A177-3AD203B41FA5}">
+                          <a16:colId xmlns:a16="http://schemas.microsoft.com/office/drawing/2014/main" val="2615429296"/>
+                        </a:ext>
+                      </a:extLst>
+                    </a:gridCol>
+                    <a:gridCol w="1355912">
+                      <a:extLst>
+                        <a:ext uri="{9D8B030D-6E8A-4147-A177-3AD203B41FA5}">
+                          <a16:colId xmlns:a16="http://schemas.microsoft.com/office/drawing/2014/main" val="3947336299"/>
+                        </a:ext>
+                      </a:extLst>
+                    </a:gridCol>
+                  </a:tblGrid>
+                  <a:tr h="370840">
+                    <a:tc>
+                      <a:txBody>
+                        <a:bodyPr/>
+                        <a:lstStyle/>
+                        <a:p>
+                          <a:endParaRPr kumimoji="1" lang="ja-JP" altLang="en-US" dirty="0"/>
+                        </a:p>
+                      </a:txBody>
+                      <a:tcPr/>
+                    </a:tc>
+                    <a:tc>
+                      <a:txBody>
+                        <a:bodyPr/>
+                        <a:lstStyle/>
+                        <a:p>
+                          <a:endParaRPr lang="ja-JP"/>
+                        </a:p>
+                      </a:txBody>
+                      <a:tcPr>
+                        <a:blipFill>
+                          <a:blip r:embed="rId3"/>
+                          <a:stretch>
+                            <a:fillRect l="-100448" t="-1639" r="-200448" b="-903279"/>
+                          </a:stretch>
+                        </a:blipFill>
+                      </a:tcPr>
+                    </a:tc>
+                    <a:tc>
+                      <a:txBody>
+                        <a:bodyPr/>
+                        <a:lstStyle/>
+                        <a:p>
+                          <a:endParaRPr kumimoji="1" lang="ja-JP" altLang="en-US"/>
+                        </a:p>
+                      </a:txBody>
+                      <a:tcPr/>
+                    </a:tc>
+                    <a:tc>
+                      <a:txBody>
+                        <a:bodyPr/>
+                        <a:lstStyle/>
+                        <a:p>
+                          <a:endParaRPr lang="ja-JP"/>
+                        </a:p>
+                      </a:txBody>
+                      <a:tcPr>
+                        <a:blipFill>
+                          <a:blip r:embed="rId3"/>
+                          <a:stretch>
+                            <a:fillRect l="-300000" t="-1639" r="-897" b="-903279"/>
+                          </a:stretch>
+                        </a:blipFill>
+                      </a:tcPr>
+                    </a:tc>
+                    <a:extLst>
+                      <a:ext uri="{0D108BD9-81ED-4DB2-BD59-A6C34878D82A}">
+                        <a16:rowId xmlns:a16="http://schemas.microsoft.com/office/drawing/2014/main" val="1326139856"/>
+                      </a:ext>
+                    </a:extLst>
+                  </a:tr>
+                  <a:tr h="370840">
+                    <a:tc>
+                      <a:txBody>
+                        <a:bodyPr/>
+                        <a:lstStyle/>
+                        <a:p>
+                          <a:endParaRPr lang="ja-JP"/>
+                        </a:p>
+                      </a:txBody>
+                      <a:tcPr>
+                        <a:blipFill>
+                          <a:blip r:embed="rId3"/>
+                          <a:stretch>
+                            <a:fillRect l="-448" t="-101639" r="-300448" b="-803279"/>
+                          </a:stretch>
+                        </a:blipFill>
+                      </a:tcPr>
+                    </a:tc>
+                    <a:tc>
+                      <a:txBody>
+                        <a:bodyPr/>
+                        <a:lstStyle/>
+                        <a:p>
+                          <a:endParaRPr lang="ja-JP"/>
+                        </a:p>
+                      </a:txBody>
+                      <a:tcPr>
+                        <a:blipFill>
+                          <a:blip r:embed="rId3"/>
+                          <a:stretch>
+                            <a:fillRect l="-100448" t="-101639" r="-200448" b="-803279"/>
+                          </a:stretch>
+                        </a:blipFill>
+                      </a:tcPr>
+                    </a:tc>
+                    <a:tc>
+                      <a:txBody>
+                        <a:bodyPr/>
+                        <a:lstStyle/>
+                        <a:p>
+                          <a:endParaRPr lang="ja-JP"/>
+                        </a:p>
+                      </a:txBody>
+                      <a:tcPr>
+                        <a:blipFill>
+                          <a:blip r:embed="rId3"/>
+                          <a:stretch>
+                            <a:fillRect l="-201351" t="-101639" r="-101351" b="-803279"/>
+                          </a:stretch>
+                        </a:blipFill>
+                      </a:tcPr>
+                    </a:tc>
+                    <a:tc>
+                      <a:txBody>
+                        <a:bodyPr/>
+                        <a:lstStyle/>
+                        <a:p>
+                          <a:endParaRPr lang="ja-JP"/>
+                        </a:p>
+                      </a:txBody>
+                      <a:tcPr>
+                        <a:blipFill>
+                          <a:blip r:embed="rId3"/>
+                          <a:stretch>
+                            <a:fillRect l="-300000" t="-101639" r="-897" b="-803279"/>
+                          </a:stretch>
+                        </a:blipFill>
+                      </a:tcPr>
+                    </a:tc>
+                    <a:extLst>
+                      <a:ext uri="{0D108BD9-81ED-4DB2-BD59-A6C34878D82A}">
+                        <a16:rowId xmlns:a16="http://schemas.microsoft.com/office/drawing/2014/main" val="48036666"/>
+                      </a:ext>
+                    </a:extLst>
+                  </a:tr>
+                  <a:tr h="370840">
+                    <a:tc>
+                      <a:txBody>
+                        <a:bodyPr/>
+                        <a:lstStyle/>
+                        <a:p>
+                          <a:endParaRPr lang="ja-JP"/>
+                        </a:p>
+                      </a:txBody>
+                      <a:tcPr>
+                        <a:blipFill>
+                          <a:blip r:embed="rId3"/>
+                          <a:stretch>
+                            <a:fillRect l="-448" t="-201639" r="-300448" b="-703279"/>
+                          </a:stretch>
+                        </a:blipFill>
+                      </a:tcPr>
+                    </a:tc>
+                    <a:tc>
+                      <a:txBody>
+                        <a:bodyPr/>
+                        <a:lstStyle/>
+                        <a:p>
+                          <a:endParaRPr lang="ja-JP"/>
+                        </a:p>
+                      </a:txBody>
+                      <a:tcPr>
+                        <a:blipFill>
+                          <a:blip r:embed="rId3"/>
+                          <a:stretch>
+                            <a:fillRect l="-100448" t="-201639" r="-200448" b="-703279"/>
+                          </a:stretch>
+                        </a:blipFill>
+                      </a:tcPr>
+                    </a:tc>
+                    <a:tc>
+                      <a:txBody>
+                        <a:bodyPr/>
+                        <a:lstStyle/>
+                        <a:p>
+                          <a:endParaRPr lang="ja-JP"/>
+                        </a:p>
+                      </a:txBody>
+                      <a:tcPr>
+                        <a:blipFill>
+                          <a:blip r:embed="rId3"/>
+                          <a:stretch>
+                            <a:fillRect l="-201351" t="-201639" r="-101351" b="-703279"/>
+                          </a:stretch>
+                        </a:blipFill>
+                      </a:tcPr>
+                    </a:tc>
+                    <a:tc>
+                      <a:txBody>
+                        <a:bodyPr/>
+                        <a:lstStyle/>
+                        <a:p>
+                          <a:endParaRPr lang="ja-JP"/>
+                        </a:p>
+                      </a:txBody>
+                      <a:tcPr>
+                        <a:blipFill>
+                          <a:blip r:embed="rId3"/>
+                          <a:stretch>
+                            <a:fillRect l="-300000" t="-201639" r="-897" b="-703279"/>
+                          </a:stretch>
+                        </a:blipFill>
+                      </a:tcPr>
+                    </a:tc>
+                    <a:extLst>
+                      <a:ext uri="{0D108BD9-81ED-4DB2-BD59-A6C34878D82A}">
+                        <a16:rowId xmlns:a16="http://schemas.microsoft.com/office/drawing/2014/main" val="4092205570"/>
+                      </a:ext>
+                    </a:extLst>
+                  </a:tr>
+                  <a:tr h="370840">
+                    <a:tc>
+                      <a:txBody>
+                        <a:bodyPr/>
+                        <a:lstStyle/>
+                        <a:p>
+                          <a:endParaRPr lang="ja-JP"/>
+                        </a:p>
+                      </a:txBody>
+                      <a:tcPr>
+                        <a:blipFill>
+                          <a:blip r:embed="rId3"/>
+                          <a:stretch>
+                            <a:fillRect l="-448" t="-301639" r="-300448" b="-603279"/>
+                          </a:stretch>
+                        </a:blipFill>
+                      </a:tcPr>
+                    </a:tc>
+                    <a:tc>
+                      <a:txBody>
+                        <a:bodyPr/>
+                        <a:lstStyle/>
+                        <a:p>
+                          <a:endParaRPr lang="ja-JP"/>
+                        </a:p>
+                      </a:txBody>
+                      <a:tcPr>
+                        <a:blipFill>
+                          <a:blip r:embed="rId3"/>
+                          <a:stretch>
+                            <a:fillRect l="-100448" t="-301639" r="-200448" b="-603279"/>
+                          </a:stretch>
+                        </a:blipFill>
+                      </a:tcPr>
+                    </a:tc>
+                    <a:tc>
+                      <a:txBody>
+                        <a:bodyPr/>
+                        <a:lstStyle/>
+                        <a:p>
+                          <a:endParaRPr lang="ja-JP"/>
+                        </a:p>
+                      </a:txBody>
+                      <a:tcPr>
+                        <a:blipFill>
+                          <a:blip r:embed="rId3"/>
+                          <a:stretch>
+                            <a:fillRect l="-201351" t="-301639" r="-101351" b="-603279"/>
+                          </a:stretch>
+                        </a:blipFill>
+                      </a:tcPr>
+                    </a:tc>
+                    <a:tc>
+                      <a:txBody>
+                        <a:bodyPr/>
+                        <a:lstStyle/>
+                        <a:p>
+                          <a:endParaRPr lang="ja-JP"/>
+                        </a:p>
+                      </a:txBody>
+                      <a:tcPr>
+                        <a:blipFill>
+                          <a:blip r:embed="rId3"/>
+                          <a:stretch>
+                            <a:fillRect l="-300000" t="-301639" r="-897" b="-603279"/>
+                          </a:stretch>
+                        </a:blipFill>
+                      </a:tcPr>
+                    </a:tc>
+                    <a:extLst>
+                      <a:ext uri="{0D108BD9-81ED-4DB2-BD59-A6C34878D82A}">
+                        <a16:rowId xmlns:a16="http://schemas.microsoft.com/office/drawing/2014/main" val="2193699405"/>
+                      </a:ext>
+                    </a:extLst>
+                  </a:tr>
+                  <a:tr h="370840">
+                    <a:tc>
+                      <a:txBody>
+                        <a:bodyPr/>
+                        <a:lstStyle/>
+                        <a:p>
+                          <a:endParaRPr kumimoji="1" lang="ja-JP" altLang="en-US" dirty="0"/>
+                        </a:p>
+                      </a:txBody>
+                      <a:tcPr/>
+                    </a:tc>
+                    <a:tc>
+                      <a:txBody>
+                        <a:bodyPr/>
+                        <a:lstStyle/>
+                        <a:p>
+                          <a:endParaRPr lang="ja-JP"/>
+                        </a:p>
+                      </a:txBody>
+                      <a:tcPr>
+                        <a:blipFill>
+                          <a:blip r:embed="rId3"/>
+                          <a:stretch>
+                            <a:fillRect l="-100448" t="-401639" r="-200448" b="-503279"/>
+                          </a:stretch>
+                        </a:blipFill>
+                      </a:tcPr>
+                    </a:tc>
+                    <a:tc>
+                      <a:txBody>
+                        <a:bodyPr/>
+                        <a:lstStyle/>
+                        <a:p>
+                          <a:endParaRPr lang="ja-JP"/>
+                        </a:p>
+                      </a:txBody>
+                      <a:tcPr>
+                        <a:blipFill>
+                          <a:blip r:embed="rId3"/>
+                          <a:stretch>
+                            <a:fillRect l="-201351" t="-401639" r="-101351" b="-503279"/>
+                          </a:stretch>
+                        </a:blipFill>
+                      </a:tcPr>
+                    </a:tc>
+                    <a:tc>
+                      <a:txBody>
+                        <a:bodyPr/>
+                        <a:lstStyle/>
+                        <a:p>
+                          <a:endParaRPr lang="ja-JP"/>
+                        </a:p>
+                      </a:txBody>
+                      <a:tcPr>
+                        <a:blipFill>
+                          <a:blip r:embed="rId3"/>
+                          <a:stretch>
+                            <a:fillRect l="-300000" t="-401639" r="-897" b="-503279"/>
+                          </a:stretch>
+                        </a:blipFill>
+                      </a:tcPr>
+                    </a:tc>
+                    <a:extLst>
+                      <a:ext uri="{0D108BD9-81ED-4DB2-BD59-A6C34878D82A}">
+                        <a16:rowId xmlns:a16="http://schemas.microsoft.com/office/drawing/2014/main" val="539781872"/>
+                      </a:ext>
+                    </a:extLst>
+                  </a:tr>
+                  <a:tr h="370840">
+                    <a:tc>
+                      <a:txBody>
+                        <a:bodyPr/>
+                        <a:lstStyle/>
+                        <a:p>
+                          <a:endParaRPr lang="ja-JP"/>
+                        </a:p>
+                      </a:txBody>
+                      <a:tcPr>
+                        <a:blipFill>
+                          <a:blip r:embed="rId3"/>
+                          <a:stretch>
+                            <a:fillRect l="-448" t="-501639" r="-300448" b="-403279"/>
+                          </a:stretch>
+                        </a:blipFill>
+                      </a:tcPr>
+                    </a:tc>
+                    <a:tc>
+                      <a:txBody>
+                        <a:bodyPr/>
+                        <a:lstStyle/>
+                        <a:p>
+                          <a:endParaRPr lang="ja-JP"/>
+                        </a:p>
+                      </a:txBody>
+                      <a:tcPr>
+                        <a:blipFill>
+                          <a:blip r:embed="rId3"/>
+                          <a:stretch>
+                            <a:fillRect l="-100448" t="-501639" r="-200448" b="-403279"/>
+                          </a:stretch>
+                        </a:blipFill>
+                      </a:tcPr>
+                    </a:tc>
+                    <a:tc>
+                      <a:txBody>
+                        <a:bodyPr/>
+                        <a:lstStyle/>
+                        <a:p>
+                          <a:endParaRPr lang="ja-JP"/>
+                        </a:p>
+                      </a:txBody>
+                      <a:tcPr>
+                        <a:blipFill>
+                          <a:blip r:embed="rId3"/>
+                          <a:stretch>
+                            <a:fillRect l="-201351" t="-501639" r="-101351" b="-403279"/>
+                          </a:stretch>
+                        </a:blipFill>
+                      </a:tcPr>
+                    </a:tc>
+                    <a:tc>
+                      <a:txBody>
+                        <a:bodyPr/>
+                        <a:lstStyle/>
+                        <a:p>
+                          <a:endParaRPr lang="ja-JP"/>
+                        </a:p>
+                      </a:txBody>
+                      <a:tcPr>
+                        <a:blipFill>
+                          <a:blip r:embed="rId3"/>
+                          <a:stretch>
+                            <a:fillRect l="-300000" t="-501639" r="-897" b="-403279"/>
+                          </a:stretch>
+                        </a:blipFill>
+                      </a:tcPr>
+                    </a:tc>
+                    <a:extLst>
+                      <a:ext uri="{0D108BD9-81ED-4DB2-BD59-A6C34878D82A}">
+                        <a16:rowId xmlns:a16="http://schemas.microsoft.com/office/drawing/2014/main" val="987082130"/>
+                      </a:ext>
+                    </a:extLst>
+                  </a:tr>
+                  <a:tr h="370840">
+                    <a:tc>
+                      <a:txBody>
+                        <a:bodyPr/>
+                        <a:lstStyle/>
+                        <a:p>
+                          <a:endParaRPr lang="ja-JP"/>
+                        </a:p>
+                      </a:txBody>
+                      <a:tcPr>
+                        <a:blipFill>
+                          <a:blip r:embed="rId3"/>
+                          <a:stretch>
+                            <a:fillRect l="-448" t="-601639" r="-300448" b="-303279"/>
+                          </a:stretch>
+                        </a:blipFill>
+                      </a:tcPr>
+                    </a:tc>
+                    <a:tc>
+                      <a:txBody>
+                        <a:bodyPr/>
+                        <a:lstStyle/>
+                        <a:p>
+                          <a:endParaRPr lang="ja-JP"/>
+                        </a:p>
+                      </a:txBody>
+                      <a:tcPr>
+                        <a:blipFill>
+                          <a:blip r:embed="rId3"/>
+                          <a:stretch>
+                            <a:fillRect l="-100448" t="-601639" r="-200448" b="-303279"/>
+                          </a:stretch>
+                        </a:blipFill>
+                      </a:tcPr>
+                    </a:tc>
+                    <a:tc>
+                      <a:txBody>
+                        <a:bodyPr/>
+                        <a:lstStyle/>
+                        <a:p>
+                          <a:endParaRPr lang="ja-JP"/>
+                        </a:p>
+                      </a:txBody>
+                      <a:tcPr>
+                        <a:blipFill>
+                          <a:blip r:embed="rId3"/>
+                          <a:stretch>
+                            <a:fillRect l="-201351" t="-601639" r="-101351" b="-303279"/>
+                          </a:stretch>
+                        </a:blipFill>
+                      </a:tcPr>
+                    </a:tc>
+                    <a:tc>
+                      <a:txBody>
+                        <a:bodyPr/>
+                        <a:lstStyle/>
+                        <a:p>
+                          <a:endParaRPr lang="ja-JP"/>
+                        </a:p>
+                      </a:txBody>
+                      <a:tcPr>
+                        <a:blipFill>
+                          <a:blip r:embed="rId3"/>
+                          <a:stretch>
+                            <a:fillRect l="-300000" t="-601639" r="-897" b="-303279"/>
+                          </a:stretch>
+                        </a:blipFill>
+                      </a:tcPr>
+                    </a:tc>
+                    <a:extLst>
+                      <a:ext uri="{0D108BD9-81ED-4DB2-BD59-A6C34878D82A}">
+                        <a16:rowId xmlns:a16="http://schemas.microsoft.com/office/drawing/2014/main" val="1513871571"/>
+                      </a:ext>
+                    </a:extLst>
+                  </a:tr>
+                  <a:tr h="370840">
+                    <a:tc>
+                      <a:txBody>
+                        <a:bodyPr/>
+                        <a:lstStyle/>
+                        <a:p>
+                          <a:endParaRPr lang="ja-JP"/>
+                        </a:p>
+                      </a:txBody>
+                      <a:tcPr>
+                        <a:blipFill>
+                          <a:blip r:embed="rId3"/>
+                          <a:stretch>
+                            <a:fillRect l="-448" t="-701639" r="-300448" b="-203279"/>
+                          </a:stretch>
+                        </a:blipFill>
+                      </a:tcPr>
+                    </a:tc>
+                    <a:tc>
+                      <a:txBody>
+                        <a:bodyPr/>
+                        <a:lstStyle/>
+                        <a:p>
+                          <a:endParaRPr lang="ja-JP"/>
+                        </a:p>
+                      </a:txBody>
+                      <a:tcPr>
+                        <a:blipFill>
+                          <a:blip r:embed="rId3"/>
+                          <a:stretch>
+                            <a:fillRect l="-100448" t="-701639" r="-200448" b="-203279"/>
+                          </a:stretch>
+                        </a:blipFill>
+                      </a:tcPr>
+                    </a:tc>
+                    <a:tc>
+                      <a:txBody>
+                        <a:bodyPr/>
+                        <a:lstStyle/>
+                        <a:p>
+                          <a:endParaRPr lang="ja-JP"/>
+                        </a:p>
+                      </a:txBody>
+                      <a:tcPr>
+                        <a:blipFill>
+                          <a:blip r:embed="rId3"/>
+                          <a:stretch>
+                            <a:fillRect l="-201351" t="-701639" r="-101351" b="-203279"/>
+                          </a:stretch>
+                        </a:blipFill>
+                      </a:tcPr>
+                    </a:tc>
+                    <a:tc>
+                      <a:txBody>
+                        <a:bodyPr/>
+                        <a:lstStyle/>
+                        <a:p>
+                          <a:endParaRPr lang="ja-JP"/>
+                        </a:p>
+                      </a:txBody>
+                      <a:tcPr>
+                        <a:blipFill>
+                          <a:blip r:embed="rId3"/>
+                          <a:stretch>
+                            <a:fillRect l="-300000" t="-701639" r="-897" b="-203279"/>
+                          </a:stretch>
+                        </a:blipFill>
+                      </a:tcPr>
+                    </a:tc>
+                    <a:extLst>
+                      <a:ext uri="{0D108BD9-81ED-4DB2-BD59-A6C34878D82A}">
+                        <a16:rowId xmlns:a16="http://schemas.microsoft.com/office/drawing/2014/main" val="551358632"/>
+                      </a:ext>
+                    </a:extLst>
+                  </a:tr>
+                  <a:tr h="370840">
+                    <a:tc>
+                      <a:txBody>
+                        <a:bodyPr/>
+                        <a:lstStyle/>
+                        <a:p>
+                          <a:endParaRPr kumimoji="1" lang="ja-JP" altLang="en-US" dirty="0"/>
+                        </a:p>
+                      </a:txBody>
+                      <a:tcPr/>
+                    </a:tc>
+                    <a:tc>
+                      <a:txBody>
+                        <a:bodyPr/>
+                        <a:lstStyle/>
+                        <a:p>
+                          <a:endParaRPr lang="ja-JP"/>
+                        </a:p>
+                      </a:txBody>
+                      <a:tcPr>
+                        <a:blipFill>
+                          <a:blip r:embed="rId3"/>
+                          <a:stretch>
+                            <a:fillRect l="-100448" t="-801639" r="-200448" b="-103279"/>
+                          </a:stretch>
+                        </a:blipFill>
+                      </a:tcPr>
+                    </a:tc>
+                    <a:tc>
+                      <a:txBody>
+                        <a:bodyPr/>
+                        <a:lstStyle/>
+                        <a:p>
+                          <a:endParaRPr kumimoji="1" lang="ja-JP" altLang="en-US" dirty="0"/>
+                        </a:p>
+                      </a:txBody>
+                      <a:tcPr/>
+                    </a:tc>
+                    <a:tc>
+                      <a:txBody>
+                        <a:bodyPr/>
+                        <a:lstStyle/>
+                        <a:p>
+                          <a:endParaRPr lang="ja-JP"/>
+                        </a:p>
+                      </a:txBody>
+                      <a:tcPr>
+                        <a:blipFill>
+                          <a:blip r:embed="rId3"/>
+                          <a:stretch>
+                            <a:fillRect l="-300000" t="-801639" r="-897" b="-103279"/>
+                          </a:stretch>
+                        </a:blipFill>
+                      </a:tcPr>
+                    </a:tc>
+                    <a:extLst>
+                      <a:ext uri="{0D108BD9-81ED-4DB2-BD59-A6C34878D82A}">
+                        <a16:rowId xmlns:a16="http://schemas.microsoft.com/office/drawing/2014/main" val="4238474175"/>
+                      </a:ext>
+                    </a:extLst>
+                  </a:tr>
+                  <a:tr h="370840">
+                    <a:tc>
+                      <a:txBody>
+                        <a:bodyPr/>
+                        <a:lstStyle/>
+                        <a:p>
+                          <a:endParaRPr lang="ja-JP"/>
+                        </a:p>
+                      </a:txBody>
+                      <a:tcPr>
+                        <a:blipFill>
+                          <a:blip r:embed="rId3"/>
+                          <a:stretch>
+                            <a:fillRect l="-448" t="-901639" r="-300448" b="-3279"/>
+                          </a:stretch>
+                        </a:blipFill>
+                      </a:tcPr>
+                    </a:tc>
+                    <a:tc>
+                      <a:txBody>
+                        <a:bodyPr/>
+                        <a:lstStyle/>
+                        <a:p>
+                          <a:endParaRPr lang="ja-JP"/>
+                        </a:p>
+                      </a:txBody>
+                      <a:tcPr>
+                        <a:blipFill>
+                          <a:blip r:embed="rId3"/>
+                          <a:stretch>
+                            <a:fillRect l="-100448" t="-901639" r="-200448" b="-3279"/>
+                          </a:stretch>
+                        </a:blipFill>
+                      </a:tcPr>
+                    </a:tc>
+                    <a:tc>
+                      <a:txBody>
+                        <a:bodyPr/>
+                        <a:lstStyle/>
+                        <a:p>
+                          <a:endParaRPr lang="ja-JP"/>
+                        </a:p>
+                      </a:txBody>
+                      <a:tcPr>
+                        <a:blipFill>
+                          <a:blip r:embed="rId3"/>
+                          <a:stretch>
+                            <a:fillRect l="-201351" t="-901639" r="-101351" b="-3279"/>
+                          </a:stretch>
+                        </a:blipFill>
+                      </a:tcPr>
+                    </a:tc>
+                    <a:tc>
+                      <a:txBody>
+                        <a:bodyPr/>
+                        <a:lstStyle/>
+                        <a:p>
+                          <a:endParaRPr lang="ja-JP"/>
+                        </a:p>
+                      </a:txBody>
+                      <a:tcPr>
+                        <a:blipFill>
+                          <a:blip r:embed="rId3"/>
+                          <a:stretch>
+                            <a:fillRect l="-300000" t="-901639" r="-897" b="-3279"/>
+                          </a:stretch>
+                        </a:blipFill>
+                      </a:tcPr>
+                    </a:tc>
+                    <a:extLst>
+                      <a:ext uri="{0D108BD9-81ED-4DB2-BD59-A6C34878D82A}">
+                        <a16:rowId xmlns:a16="http://schemas.microsoft.com/office/drawing/2014/main" val="2970860364"/>
+                      </a:ext>
+                    </a:extLst>
+                  </a:tr>
+                </a:tbl>
+              </a:graphicData>
+            </a:graphic>
+          </p:graphicFrame>
+        </mc:Fallback>
+      </mc:AlternateContent>
+      <p:sp>
+        <p:nvSpPr>
+          <p:cNvPr id="7" name="テキスト ボックス 6">
+            <a:extLst>
+              <a:ext uri="{FF2B5EF4-FFF2-40B4-BE49-F238E27FC236}">
+                <a16:creationId xmlns:a16="http://schemas.microsoft.com/office/drawing/2014/main" id="{D5764DBE-CD56-0EFD-3916-A3270FBABF28}"/>
+              </a:ext>
+            </a:extLst>
+          </p:cNvPr>
+          <p:cNvSpPr txBox="1"/>
+          <p:nvPr/>
+        </p:nvSpPr>
+        <p:spPr>
+          <a:xfrm>
+            <a:off x="6654487" y="4994787"/>
+            <a:ext cx="4699313" cy="830997"/>
+          </a:xfrm>
+          <a:prstGeom prst="rect">
+            <a:avLst/>
+          </a:prstGeom>
+          <a:noFill/>
+        </p:spPr>
+        <p:txBody>
+          <a:bodyPr wrap="square" rtlCol="0">
+            <a:spAutoFit/>
+          </a:bodyPr>
+          <a:lstStyle/>
+          <a:p>
+            <a:pPr algn="l"/>
+            <a:r>
+              <a:rPr kumimoji="1" lang="ja-JP" altLang="en-US" sz="2400" dirty="0"/>
+              <a:t>条件を近づけるため、各部の電流はそろえる</a:t>
+            </a:r>
+          </a:p>
+        </p:txBody>
+      </p:sp>
+    </p:spTree>
+    <p:extLst>
+      <p:ext uri="{BB962C8B-B14F-4D97-AF65-F5344CB8AC3E}">
+        <p14:creationId xmlns:p14="http://schemas.microsoft.com/office/powerpoint/2010/main" val="498527897"/>
+      </p:ext>
+    </p:extLst>
+  </p:cSld>
+  <p:clrMapOvr>
+    <a:masterClrMapping/>
+  </p:clrMapOvr>
+</p:sld>
+</file>
+
+<file path=ppt/slides/slide19.xml><?xml version="1.0" encoding="utf-8"?>
+<p:sld xmlns:a="http://schemas.openxmlformats.org/drawingml/2006/main" xmlns:r="http://schemas.openxmlformats.org/officeDocument/2006/relationships" xmlns:p="http://schemas.openxmlformats.org/presentationml/2006/main">
+  <p:cSld>
+    <p:spTree>
+      <p:nvGrpSpPr>
+        <p:cNvPr id="1" name=""/>
+        <p:cNvGrpSpPr/>
+        <p:nvPr/>
+      </p:nvGrpSpPr>
+      <p:grpSpPr>
+        <a:xfrm>
+          <a:off x="0" y="0"/>
+          <a:ext cx="0" cy="0"/>
+          <a:chOff x="0" y="0"/>
+          <a:chExt cx="0" cy="0"/>
+        </a:xfrm>
+      </p:grpSpPr>
+      <p:sp>
+        <p:nvSpPr>
+          <p:cNvPr id="2" name="タイトル 1">
+            <a:extLst>
+              <a:ext uri="{FF2B5EF4-FFF2-40B4-BE49-F238E27FC236}">
+                <a16:creationId xmlns:a16="http://schemas.microsoft.com/office/drawing/2014/main" id="{E0A8C6A8-1258-4095-56EA-CDAD3968E7D3}"/>
+              </a:ext>
+            </a:extLst>
+          </p:cNvPr>
+          <p:cNvSpPr>
+            <a:spLocks noGrp="1"/>
+          </p:cNvSpPr>
+          <p:nvPr>
+            <p:ph type="title"/>
+          </p:nvPr>
+        </p:nvSpPr>
+        <p:spPr/>
+        <p:txBody>
+          <a:bodyPr/>
+          <a:lstStyle/>
+          <a:p>
+            <a:r>
+              <a:rPr kumimoji="1" lang="ja-JP" altLang="en-US" dirty="0"/>
+              <a:t>折り返し型の設計値</a:t>
+            </a:r>
+          </a:p>
+        </p:txBody>
+      </p:sp>
+      <p:sp>
+        <p:nvSpPr>
+          <p:cNvPr id="3" name="スライド番号プレースホルダー 2">
+            <a:extLst>
+              <a:ext uri="{FF2B5EF4-FFF2-40B4-BE49-F238E27FC236}">
+                <a16:creationId xmlns:a16="http://schemas.microsoft.com/office/drawing/2014/main" id="{6D847ED4-3C91-2058-9307-85AADDACD9A0}"/>
+              </a:ext>
+            </a:extLst>
+          </p:cNvPr>
+          <p:cNvSpPr>
+            <a:spLocks noGrp="1"/>
+          </p:cNvSpPr>
+          <p:nvPr>
+            <p:ph type="sldNum" sz="quarter" idx="12"/>
+          </p:nvPr>
+        </p:nvSpPr>
+        <p:spPr/>
+        <p:txBody>
+          <a:bodyPr/>
+          <a:lstStyle/>
+          <a:p>
+            <a:fld id="{A742575F-3C2A-495A-A52F-17634B579F22}" type="slidenum">
+              <a:rPr kumimoji="1" lang="ja-JP" altLang="en-US" smtClean="0"/>
+              <a:t>19</a:t>
+            </a:fld>
+            <a:endParaRPr kumimoji="1" lang="ja-JP" altLang="en-US"/>
+          </a:p>
+        </p:txBody>
+      </p:sp>
+      <p:pic>
+        <p:nvPicPr>
+          <p:cNvPr id="4" name="図 3" descr="背景パターン が含まれている画像&#10;&#10;自動的に生成された説明">
+            <a:extLst>
+              <a:ext uri="{FF2B5EF4-FFF2-40B4-BE49-F238E27FC236}">
+                <a16:creationId xmlns:a16="http://schemas.microsoft.com/office/drawing/2014/main" id="{CBE5754D-924D-A958-60CE-E6FE12CD9AA2}"/>
+              </a:ext>
+            </a:extLst>
+          </p:cNvPr>
+          <p:cNvPicPr>
+            <a:picLocks noChangeAspect="1"/>
+          </p:cNvPicPr>
+          <p:nvPr/>
+        </p:nvPicPr>
+        <p:blipFill rotWithShape="1">
+          <a:blip r:embed="rId2">
+            <a:extLst>
+              <a:ext uri="{28A0092B-C50C-407E-A947-70E740481C1C}">
+                <a14:useLocalDpi xmlns:a14="http://schemas.microsoft.com/office/drawing/2010/main" val="0"/>
+              </a:ext>
+            </a:extLst>
+          </a:blip>
+          <a:srcRect r="4121"/>
+          <a:stretch/>
+        </p:blipFill>
+        <p:spPr>
+          <a:xfrm>
+            <a:off x="-446196" y="1955542"/>
+            <a:ext cx="9324725" cy="4902458"/>
+          </a:xfrm>
+          <a:prstGeom prst="rect">
+            <a:avLst/>
+          </a:prstGeom>
+        </p:spPr>
+      </p:pic>
+    </p:spTree>
+    <p:extLst>
+      <p:ext uri="{BB962C8B-B14F-4D97-AF65-F5344CB8AC3E}">
+        <p14:creationId xmlns:p14="http://schemas.microsoft.com/office/powerpoint/2010/main" val="3242141799"/>
       </p:ext>
     </p:extLst>
   </p:cSld>
@@ -13409,7 +21831,7 @@
         <p:spPr>
           <a:xfrm>
             <a:off x="2308194" y="2951946"/>
-            <a:ext cx="8575829" cy="1384995"/>
+            <a:ext cx="8575829" cy="1815882"/>
           </a:xfrm>
           <a:prstGeom prst="rect">
             <a:avLst/>
@@ -13425,6 +21847,13 @@
             <a:r>
               <a:rPr lang="ja-JP" altLang="en-US" sz="2800" dirty="0"/>
               <a:t>折り返し型のギルバート乗算回路を設計し、出力範囲の拡大を目指す。</a:t>
+            </a:r>
+            <a:endParaRPr lang="en-US" altLang="ja-JP" sz="2800" dirty="0"/>
+          </a:p>
+          <a:p>
+            <a:r>
+              <a:rPr lang="ja-JP" altLang="en-US" sz="2800" dirty="0"/>
+              <a:t>設計の初期段階として、利得を求める。</a:t>
             </a:r>
             <a:endParaRPr lang="en-US" altLang="ja-JP" sz="2800" dirty="0"/>
           </a:p>

--- a/folded_gilbert/20230710/折り返し型ギルバート乗算回路の設計.pptx
+++ b/folded_gilbert/20230710/折り返し型ギルバート乗算回路の設計.pptx
@@ -5,7 +5,7 @@
     <p:sldMasterId id="2147483648" r:id="rId1"/>
   </p:sldMasterIdLst>
   <p:notesMasterIdLst>
-    <p:notesMasterId r:id="rId16"/>
+    <p:notesMasterId r:id="rId19"/>
   </p:notesMasterIdLst>
   <p:sldIdLst>
     <p:sldId id="256" r:id="rId2"/>
@@ -22,6 +22,9 @@
     <p:sldId id="267" r:id="rId13"/>
     <p:sldId id="268" r:id="rId14"/>
     <p:sldId id="269" r:id="rId15"/>
+    <p:sldId id="270" r:id="rId16"/>
+    <p:sldId id="271" r:id="rId17"/>
+    <p:sldId id="272" r:id="rId18"/>
   </p:sldIdLst>
   <p:sldSz cx="12192000" cy="6858000"/>
   <p:notesSz cx="6858000" cy="9144000"/>
@@ -7947,8 +7950,8 @@
           </a:p>
         </p:txBody>
       </p:sp>
-      <mc:AlternateContent xmlns:mc="http://schemas.openxmlformats.org/markup-compatibility/2006">
-        <mc:Choice xmlns:a14="http://schemas.microsoft.com/office/drawing/2010/main" Requires="a14">
+      <mc:AlternateContent xmlns:mc="http://schemas.openxmlformats.org/markup-compatibility/2006" xmlns:a14="http://schemas.microsoft.com/office/drawing/2010/main">
+        <mc:Choice Requires="a14">
           <p:sp>
             <p:nvSpPr>
               <p:cNvPr id="4" name="テキスト ボックス 3">
@@ -9144,7 +9147,7 @@
             </p:txBody>
           </p:sp>
         </mc:Choice>
-        <mc:Fallback>
+        <mc:Fallback xmlns="">
           <p:sp>
             <p:nvSpPr>
               <p:cNvPr id="4" name="テキスト ボックス 3">
@@ -10393,6 +10396,37 @@
                                 <a:latin typeface="Cambria Math" panose="02040503050406030204" pitchFamily="18" charset="0"/>
                               </a:rPr>
                               <m:t>𝑖𝑛</m:t>
+                            </m:r>
+                          </m:sub>
+                        </m:sSub>
+                        <m:r>
+                          <a:rPr lang="en-US" altLang="ja-JP" sz="2400" b="0" i="1" smtClean="0">
+                            <a:latin typeface="Cambria Math" panose="02040503050406030204" pitchFamily="18" charset="0"/>
+                          </a:rPr>
+                          <m:t>,−</m:t>
+                        </m:r>
+                        <m:sSub>
+                          <m:sSubPr>
+                            <m:ctrlPr>
+                              <a:rPr lang="en-US" altLang="ja-JP" sz="2400" b="0" i="1" smtClean="0">
+                                <a:latin typeface="Cambria Math" panose="02040503050406030204" pitchFamily="18" charset="0"/>
+                              </a:rPr>
+                            </m:ctrlPr>
+                          </m:sSubPr>
+                          <m:e>
+                            <m:r>
+                              <a:rPr lang="en-US" altLang="ja-JP" sz="2400" b="0" i="1" smtClean="0">
+                                <a:latin typeface="Cambria Math" panose="02040503050406030204" pitchFamily="18" charset="0"/>
+                              </a:rPr>
+                              <m:t>𝑉</m:t>
+                            </m:r>
+                          </m:e>
+                          <m:sub>
+                            <m:r>
+                              <a:rPr lang="en-US" altLang="ja-JP" sz="2400" b="0" i="1" smtClean="0">
+                                <a:latin typeface="Cambria Math" panose="02040503050406030204" pitchFamily="18" charset="0"/>
+                              </a:rPr>
+                              <m:t>𝐶𝑇𝑅𝐿</m:t>
                             </m:r>
                           </m:sub>
                         </m:sSub>
@@ -10892,6 +10926,7 @@
                 <a:endParaRPr kumimoji="1" lang="en-US" altLang="ja-JP" sz="2400" b="0" dirty="0"/>
               </a:p>
               <a:p>
+                <a:pPr/>
                 <a14:m>
                   <m:oMathPara xmlns:m="http://schemas.openxmlformats.org/officeDocument/2006/math">
                     <m:oMathParaPr>
@@ -11364,6 +11399,7 @@
                 <a:endParaRPr kumimoji="1" lang="en-US" altLang="ja-JP" sz="2400" dirty="0"/>
               </a:p>
               <a:p>
+                <a:pPr/>
                 <a14:m>
                   <m:oMathPara xmlns:m="http://schemas.openxmlformats.org/officeDocument/2006/math">
                     <m:oMathParaPr>
@@ -11649,6 +11685,7 @@
                 <a:endParaRPr kumimoji="1" lang="en-US" altLang="ja-JP" sz="2400" b="0" dirty="0"/>
               </a:p>
               <a:p>
+                <a:pPr/>
                 <a14:m>
                   <m:oMathPara xmlns:m="http://schemas.openxmlformats.org/officeDocument/2006/math">
                     <m:oMathParaPr>
@@ -11701,6 +11738,43 @@
                               </m:r>
                             </m:sub>
                           </m:sSub>
+                          <m:r>
+                            <a:rPr kumimoji="1" lang="en-US" altLang="ja-JP" sz="2400" b="0" i="1" smtClean="0">
+                              <a:latin typeface="Cambria Math" panose="02040503050406030204" pitchFamily="18" charset="0"/>
+                            </a:rPr>
+                            <m:t>,</m:t>
+                          </m:r>
+                          <m:sSub>
+                            <m:sSubPr>
+                              <m:ctrlPr>
+                                <a:rPr kumimoji="1" lang="en-US" altLang="ja-JP" sz="2400" b="0" i="1" smtClean="0">
+                                  <a:latin typeface="Cambria Math" panose="02040503050406030204" pitchFamily="18" charset="0"/>
+                                </a:rPr>
+                              </m:ctrlPr>
+                            </m:sSubPr>
+                            <m:e>
+                              <m:r>
+                                <a:rPr kumimoji="1" lang="en-US" altLang="ja-JP" sz="2400" b="0" i="1" smtClean="0">
+                                  <a:latin typeface="Cambria Math" panose="02040503050406030204" pitchFamily="18" charset="0"/>
+                                </a:rPr>
+                                <m:t>−</m:t>
+                              </m:r>
+                              <m:r>
+                                <a:rPr kumimoji="1" lang="en-US" altLang="ja-JP" sz="2400" b="0" i="1" smtClean="0">
+                                  <a:latin typeface="Cambria Math" panose="02040503050406030204" pitchFamily="18" charset="0"/>
+                                </a:rPr>
+                                <m:t>𝑉</m:t>
+                              </m:r>
+                            </m:e>
+                            <m:sub>
+                              <m:r>
+                                <a:rPr kumimoji="1" lang="en-US" altLang="ja-JP" sz="2400" b="0" i="1" smtClean="0">
+                                  <a:latin typeface="Cambria Math" panose="02040503050406030204" pitchFamily="18" charset="0"/>
+                                </a:rPr>
+                                <m:t>𝐶𝑇𝑅𝐿</m:t>
+                              </m:r>
+                            </m:sub>
+                          </m:sSub>
                         </m:e>
                       </m:d>
                       <m:r>
@@ -11719,10 +11793,16 @@
                         </m:fPr>
                         <m:num>
                           <m:r>
+                            <a:rPr lang="en-US" altLang="ja-JP" sz="2400" b="0" i="1" smtClean="0">
+                              <a:latin typeface="Cambria Math" panose="02040503050406030204" pitchFamily="18" charset="0"/>
+                            </a:rPr>
+                            <m:t>𝜕</m:t>
+                          </m:r>
+                          <m:r>
                             <a:rPr lang="en-US" altLang="ja-JP" sz="2400" i="1">
                               <a:latin typeface="Cambria Math" panose="02040503050406030204" pitchFamily="18" charset="0"/>
                             </a:rPr>
-                            <m:t>𝑑h</m:t>
+                            <m:t>h</m:t>
                           </m:r>
                           <m:d>
                             <m:dPr>
@@ -11733,28 +11813,34 @@
                               </m:ctrlPr>
                             </m:dPr>
                             <m:e>
+                              <m:r>
+                                <a:rPr lang="en-US" altLang="ja-JP" sz="2400" b="0" i="1" smtClean="0">
+                                  <a:latin typeface="Cambria Math" panose="02040503050406030204" pitchFamily="18" charset="0"/>
+                                </a:rPr>
+                                <m:t>0,−</m:t>
+                              </m:r>
                               <m:sSub>
                                 <m:sSubPr>
                                   <m:ctrlPr>
-                                    <a:rPr lang="en-US" altLang="ja-JP" sz="2400" i="1">
+                                    <a:rPr lang="en-US" altLang="ja-JP" sz="2400" b="0" i="1" smtClean="0">
                                       <a:latin typeface="Cambria Math" panose="02040503050406030204" pitchFamily="18" charset="0"/>
                                     </a:rPr>
                                   </m:ctrlPr>
                                 </m:sSubPr>
                                 <m:e>
                                   <m:r>
-                                    <a:rPr lang="en-US" altLang="ja-JP" sz="2400" i="1">
+                                    <a:rPr lang="en-US" altLang="ja-JP" sz="2400" b="0" i="1" smtClean="0">
                                       <a:latin typeface="Cambria Math" panose="02040503050406030204" pitchFamily="18" charset="0"/>
                                     </a:rPr>
-                                    <m:t>𝑣</m:t>
+                                    <m:t>𝑉</m:t>
                                   </m:r>
                                 </m:e>
                                 <m:sub>
                                   <m:r>
-                                    <a:rPr lang="en-US" altLang="ja-JP" sz="2400" i="1">
+                                    <a:rPr lang="en-US" altLang="ja-JP" sz="2400" b="0" i="1" smtClean="0">
                                       <a:latin typeface="Cambria Math" panose="02040503050406030204" pitchFamily="18" charset="0"/>
                                     </a:rPr>
-                                    <m:t>𝑖𝑛</m:t>
+                                    <m:t>𝐶𝑇𝑅𝐿</m:t>
                                   </m:r>
                                 </m:sub>
                               </m:sSub>
@@ -11763,10 +11849,10 @@
                         </m:num>
                         <m:den>
                           <m:r>
-                            <a:rPr lang="en-US" altLang="ja-JP" sz="2400" i="1">
-                              <a:latin typeface="Cambria Math" panose="02040503050406030204" pitchFamily="18" charset="0"/>
-                            </a:rPr>
-                            <m:t>𝑑</m:t>
+                            <a:rPr lang="en-US" altLang="ja-JP" sz="2400" b="0" i="1" smtClean="0">
+                              <a:latin typeface="Cambria Math" panose="02040503050406030204" pitchFamily="18" charset="0"/>
+                            </a:rPr>
+                            <m:t>𝜕</m:t>
                           </m:r>
                           <m:sSub>
                             <m:sSubPr>
@@ -11853,6 +11939,37 @@
                             </a:rPr>
                             <m:t>0</m:t>
                           </m:r>
+                          <m:r>
+                            <a:rPr lang="en-US" altLang="ja-JP" sz="2400" b="0" i="1" smtClean="0">
+                              <a:latin typeface="Cambria Math" panose="02040503050406030204" pitchFamily="18" charset="0"/>
+                            </a:rPr>
+                            <m:t>,−</m:t>
+                          </m:r>
+                          <m:sSub>
+                            <m:sSubPr>
+                              <m:ctrlPr>
+                                <a:rPr lang="en-US" altLang="ja-JP" sz="2400" b="0" i="1" smtClean="0">
+                                  <a:latin typeface="Cambria Math" panose="02040503050406030204" pitchFamily="18" charset="0"/>
+                                </a:rPr>
+                              </m:ctrlPr>
+                            </m:sSubPr>
+                            <m:e>
+                              <m:r>
+                                <a:rPr lang="en-US" altLang="ja-JP" sz="2400" b="0" i="1" smtClean="0">
+                                  <a:latin typeface="Cambria Math" panose="02040503050406030204" pitchFamily="18" charset="0"/>
+                                </a:rPr>
+                                <m:t>𝑉</m:t>
+                              </m:r>
+                            </m:e>
+                            <m:sub>
+                              <m:r>
+                                <a:rPr lang="en-US" altLang="ja-JP" sz="2400" b="0" i="1" smtClean="0">
+                                  <a:latin typeface="Cambria Math" panose="02040503050406030204" pitchFamily="18" charset="0"/>
+                                </a:rPr>
+                                <m:t>𝐶𝑇𝑅𝐿</m:t>
+                              </m:r>
+                            </m:sub>
+                          </m:sSub>
                         </m:e>
                       </m:d>
                     </m:oMath>
@@ -11861,6 +11978,7 @@
                 <a:endParaRPr lang="en-US" altLang="ja-JP" sz="2400" b="0" dirty="0"/>
               </a:p>
               <a:p>
+                <a:pPr/>
                 <a14:m>
                   <m:oMathPara xmlns:m="http://schemas.openxmlformats.org/officeDocument/2006/math">
                     <m:oMathParaPr>
@@ -12550,7 +12668,7 @@
               <a:rPr kumimoji="1" lang="ja-JP" altLang="en-US" smtClean="0"/>
               <a:t>14</a:t>
             </a:fld>
-            <a:endParaRPr kumimoji="1" lang="ja-JP" altLang="en-US"/>
+            <a:endParaRPr kumimoji="1" lang="ja-JP" altLang="en-US" dirty="0"/>
           </a:p>
         </p:txBody>
       </p:sp>
@@ -12590,8 +12708,8 @@
           </a:prstGeom>
         </p:spPr>
       </p:pic>
-      <mc:AlternateContent xmlns:mc="http://schemas.openxmlformats.org/markup-compatibility/2006">
-        <mc:Choice xmlns:a14="http://schemas.microsoft.com/office/drawing/2010/main" Requires="a14">
+      <mc:AlternateContent xmlns:mc="http://schemas.openxmlformats.org/markup-compatibility/2006" xmlns:a14="http://schemas.microsoft.com/office/drawing/2010/main">
+        <mc:Choice Requires="a14">
           <p:sp>
             <p:nvSpPr>
               <p:cNvPr id="5" name="テキスト ボックス 4">
@@ -13164,7 +13282,7 @@
             </p:txBody>
           </p:sp>
         </mc:Choice>
-        <mc:Fallback>
+        <mc:Fallback xmlns="">
           <p:sp>
             <p:nvSpPr>
               <p:cNvPr id="5" name="テキスト ボックス 4">
@@ -13225,8 +13343,8 @@
             </p:nvSpPr>
             <p:spPr>
               <a:xfrm>
-                <a:off x="8568813" y="4552336"/>
-                <a:ext cx="2418735" cy="461665"/>
+                <a:off x="8084719" y="4548915"/>
+                <a:ext cx="3485535" cy="1569660"/>
               </a:xfrm>
               <a:prstGeom prst="rect">
                 <a:avLst/>
@@ -13282,6 +13400,482 @@
                           <a:latin typeface="Cambria Math" panose="02040503050406030204" pitchFamily="18" charset="0"/>
                         </a:rPr>
                         <m:t>=</m:t>
+                      </m:r>
+                      <m:r>
+                        <a:rPr kumimoji="1" lang="en-US" altLang="ja-JP" sz="2400" b="0" i="1" smtClean="0">
+                          <a:latin typeface="Cambria Math" panose="02040503050406030204" pitchFamily="18" charset="0"/>
+                        </a:rPr>
+                        <m:t>h</m:t>
+                      </m:r>
+                      <m:r>
+                        <a:rPr kumimoji="1" lang="en-US" altLang="ja-JP" sz="2400" b="0" i="1" smtClean="0">
+                          <a:latin typeface="Cambria Math" panose="02040503050406030204" pitchFamily="18" charset="0"/>
+                        </a:rPr>
+                        <m:t>(</m:t>
+                      </m:r>
+                      <m:sSub>
+                        <m:sSubPr>
+                          <m:ctrlPr>
+                            <a:rPr kumimoji="1" lang="en-US" altLang="ja-JP" sz="2400" b="0" i="1" smtClean="0">
+                              <a:latin typeface="Cambria Math" panose="02040503050406030204" pitchFamily="18" charset="0"/>
+                            </a:rPr>
+                          </m:ctrlPr>
+                        </m:sSubPr>
+                        <m:e>
+                          <m:r>
+                            <a:rPr kumimoji="1" lang="en-US" altLang="ja-JP" sz="2400" b="0" i="1" smtClean="0">
+                              <a:latin typeface="Cambria Math" panose="02040503050406030204" pitchFamily="18" charset="0"/>
+                            </a:rPr>
+                            <m:t>+</m:t>
+                          </m:r>
+                          <m:r>
+                            <a:rPr kumimoji="1" lang="en-US" altLang="ja-JP" sz="2400" b="0" i="1" smtClean="0">
+                              <a:latin typeface="Cambria Math" panose="02040503050406030204" pitchFamily="18" charset="0"/>
+                            </a:rPr>
+                            <m:t>𝑣</m:t>
+                          </m:r>
+                        </m:e>
+                        <m:sub>
+                          <m:r>
+                            <a:rPr kumimoji="1" lang="en-US" altLang="ja-JP" sz="2400" b="0" i="1" smtClean="0">
+                              <a:latin typeface="Cambria Math" panose="02040503050406030204" pitchFamily="18" charset="0"/>
+                            </a:rPr>
+                            <m:t>𝑖𝑛</m:t>
+                          </m:r>
+                        </m:sub>
+                      </m:sSub>
+                      <m:r>
+                        <a:rPr kumimoji="1" lang="en-US" altLang="ja-JP" sz="2400" b="0" i="1" smtClean="0">
+                          <a:latin typeface="Cambria Math" panose="02040503050406030204" pitchFamily="18" charset="0"/>
+                        </a:rPr>
+                        <m:t>,−</m:t>
+                      </m:r>
+                      <m:sSub>
+                        <m:sSubPr>
+                          <m:ctrlPr>
+                            <a:rPr kumimoji="1" lang="en-US" altLang="ja-JP" sz="2400" b="0" i="1" smtClean="0">
+                              <a:latin typeface="Cambria Math" panose="02040503050406030204" pitchFamily="18" charset="0"/>
+                            </a:rPr>
+                          </m:ctrlPr>
+                        </m:sSubPr>
+                        <m:e>
+                          <m:r>
+                            <a:rPr kumimoji="1" lang="en-US" altLang="ja-JP" sz="2400" b="0" i="1" smtClean="0">
+                              <a:latin typeface="Cambria Math" panose="02040503050406030204" pitchFamily="18" charset="0"/>
+                            </a:rPr>
+                            <m:t>𝑉</m:t>
+                          </m:r>
+                        </m:e>
+                        <m:sub>
+                          <m:r>
+                            <a:rPr kumimoji="1" lang="en-US" altLang="ja-JP" sz="2400" b="0" i="1" smtClean="0">
+                              <a:latin typeface="Cambria Math" panose="02040503050406030204" pitchFamily="18" charset="0"/>
+                            </a:rPr>
+                            <m:t>𝐶𝑇𝑅𝐿</m:t>
+                          </m:r>
+                        </m:sub>
+                      </m:sSub>
+                      <m:r>
+                        <a:rPr kumimoji="1" lang="en-US" altLang="ja-JP" sz="2400" b="0" i="1" smtClean="0">
+                          <a:latin typeface="Cambria Math" panose="02040503050406030204" pitchFamily="18" charset="0"/>
+                        </a:rPr>
+                        <m:t>)</m:t>
+                      </m:r>
+                    </m:oMath>
+                  </m:oMathPara>
+                </a14:m>
+                <a:endParaRPr kumimoji="1" lang="en-US" altLang="ja-JP" sz="2400" b="0" dirty="0"/>
+              </a:p>
+              <a:p>
+                <a:pPr algn="l"/>
+                <a14:m>
+                  <m:oMathPara xmlns:m="http://schemas.openxmlformats.org/officeDocument/2006/math">
+                    <m:oMathParaPr>
+                      <m:jc m:val="centerGroup"/>
+                    </m:oMathParaPr>
+                    <m:oMath xmlns:m="http://schemas.openxmlformats.org/officeDocument/2006/math">
+                      <m:sSub>
+                        <m:sSubPr>
+                          <m:ctrlPr>
+                            <a:rPr kumimoji="1" lang="en-US" altLang="ja-JP" sz="2400" b="0" i="1" smtClean="0">
+                              <a:latin typeface="Cambria Math" panose="02040503050406030204" pitchFamily="18" charset="0"/>
+                            </a:rPr>
+                          </m:ctrlPr>
+                        </m:sSubPr>
+                        <m:e>
+                          <m:r>
+                            <a:rPr kumimoji="1" lang="en-US" altLang="ja-JP" sz="2400" b="0" i="1" smtClean="0">
+                              <a:latin typeface="Cambria Math" panose="02040503050406030204" pitchFamily="18" charset="0"/>
+                            </a:rPr>
+                            <m:t>𝑖</m:t>
+                          </m:r>
+                        </m:e>
+                        <m:sub>
+                          <m:r>
+                            <a:rPr kumimoji="1" lang="en-US" altLang="ja-JP" sz="2400" b="0" i="1" smtClean="0">
+                              <a:latin typeface="Cambria Math" panose="02040503050406030204" pitchFamily="18" charset="0"/>
+                            </a:rPr>
+                            <m:t>𝐴</m:t>
+                          </m:r>
+                          <m:r>
+                            <a:rPr kumimoji="1" lang="en-US" altLang="ja-JP" sz="2400" b="0" i="1" smtClean="0">
+                              <a:latin typeface="Cambria Math" panose="02040503050406030204" pitchFamily="18" charset="0"/>
+                            </a:rPr>
+                            <m:t>2</m:t>
+                          </m:r>
+                        </m:sub>
+                      </m:sSub>
+                      <m:r>
+                        <a:rPr kumimoji="1" lang="en-US" altLang="ja-JP" sz="2400" b="0" i="1" smtClean="0">
+                          <a:latin typeface="Cambria Math" panose="02040503050406030204" pitchFamily="18" charset="0"/>
+                        </a:rPr>
+                        <m:t>=</m:t>
+                      </m:r>
+                      <m:r>
+                        <a:rPr kumimoji="1" lang="en-US" altLang="ja-JP" sz="2400" b="0" i="1" smtClean="0">
+                          <a:latin typeface="Cambria Math" panose="02040503050406030204" pitchFamily="18" charset="0"/>
+                        </a:rPr>
+                        <m:t>h</m:t>
+                      </m:r>
+                      <m:r>
+                        <a:rPr kumimoji="1" lang="en-US" altLang="ja-JP" sz="2400" b="0" i="1" smtClean="0">
+                          <a:latin typeface="Cambria Math" panose="02040503050406030204" pitchFamily="18" charset="0"/>
+                        </a:rPr>
+                        <m:t>(+</m:t>
+                      </m:r>
+                      <m:sSub>
+                        <m:sSubPr>
+                          <m:ctrlPr>
+                            <a:rPr kumimoji="1" lang="en-US" altLang="ja-JP" sz="2400" b="0" i="1" smtClean="0">
+                              <a:latin typeface="Cambria Math" panose="02040503050406030204" pitchFamily="18" charset="0"/>
+                            </a:rPr>
+                          </m:ctrlPr>
+                        </m:sSubPr>
+                        <m:e>
+                          <m:r>
+                            <a:rPr kumimoji="1" lang="en-US" altLang="ja-JP" sz="2400" b="0" i="1" smtClean="0">
+                              <a:latin typeface="Cambria Math" panose="02040503050406030204" pitchFamily="18" charset="0"/>
+                            </a:rPr>
+                            <m:t>𝑣</m:t>
+                          </m:r>
+                        </m:e>
+                        <m:sub>
+                          <m:r>
+                            <a:rPr kumimoji="1" lang="en-US" altLang="ja-JP" sz="2400" b="0" i="1" smtClean="0">
+                              <a:latin typeface="Cambria Math" panose="02040503050406030204" pitchFamily="18" charset="0"/>
+                            </a:rPr>
+                            <m:t>𝑖𝑛</m:t>
+                          </m:r>
+                        </m:sub>
+                      </m:sSub>
+                      <m:r>
+                        <a:rPr kumimoji="1" lang="en-US" altLang="ja-JP" sz="2400" b="0" i="1" smtClean="0">
+                          <a:latin typeface="Cambria Math" panose="02040503050406030204" pitchFamily="18" charset="0"/>
+                        </a:rPr>
+                        <m:t>,</m:t>
+                      </m:r>
+                      <m:r>
+                        <a:rPr kumimoji="1" lang="en-US" altLang="ja-JP" sz="2400" b="0" i="1" smtClean="0">
+                          <a:latin typeface="Cambria Math" panose="02040503050406030204" pitchFamily="18" charset="0"/>
+                        </a:rPr>
+                        <m:t>+</m:t>
+                      </m:r>
+                      <m:sSub>
+                        <m:sSubPr>
+                          <m:ctrlPr>
+                            <a:rPr kumimoji="1" lang="en-US" altLang="ja-JP" sz="2400" b="0" i="1" smtClean="0">
+                              <a:latin typeface="Cambria Math" panose="02040503050406030204" pitchFamily="18" charset="0"/>
+                            </a:rPr>
+                          </m:ctrlPr>
+                        </m:sSubPr>
+                        <m:e>
+                          <m:r>
+                            <a:rPr kumimoji="1" lang="en-US" altLang="ja-JP" sz="2400" b="0" i="1" smtClean="0">
+                              <a:latin typeface="Cambria Math" panose="02040503050406030204" pitchFamily="18" charset="0"/>
+                            </a:rPr>
+                            <m:t>𝑉</m:t>
+                          </m:r>
+                        </m:e>
+                        <m:sub>
+                          <m:r>
+                            <a:rPr kumimoji="1" lang="en-US" altLang="ja-JP" sz="2400" b="0" i="1" smtClean="0">
+                              <a:latin typeface="Cambria Math" panose="02040503050406030204" pitchFamily="18" charset="0"/>
+                            </a:rPr>
+                            <m:t>𝐶𝑇𝑅𝐿</m:t>
+                          </m:r>
+                        </m:sub>
+                      </m:sSub>
+                      <m:r>
+                        <a:rPr kumimoji="1" lang="en-US" altLang="ja-JP" sz="2400" b="0" i="1" smtClean="0">
+                          <a:latin typeface="Cambria Math" panose="02040503050406030204" pitchFamily="18" charset="0"/>
+                        </a:rPr>
+                        <m:t>)</m:t>
+                      </m:r>
+                    </m:oMath>
+                  </m:oMathPara>
+                </a14:m>
+                <a:endParaRPr lang="en-US" altLang="ja-JP" sz="2400" dirty="0"/>
+              </a:p>
+              <a:p>
+                <a:pPr algn="l"/>
+                <a14:m>
+                  <m:oMathPara xmlns:m="http://schemas.openxmlformats.org/officeDocument/2006/math">
+                    <m:oMathParaPr>
+                      <m:jc m:val="centerGroup"/>
+                    </m:oMathParaPr>
+                    <m:oMath xmlns:m="http://schemas.openxmlformats.org/officeDocument/2006/math">
+                      <m:sSub>
+                        <m:sSubPr>
+                          <m:ctrlPr>
+                            <a:rPr kumimoji="1" lang="en-US" altLang="ja-JP" sz="2400" b="0" i="1" smtClean="0">
+                              <a:latin typeface="Cambria Math" panose="02040503050406030204" pitchFamily="18" charset="0"/>
+                            </a:rPr>
+                          </m:ctrlPr>
+                        </m:sSubPr>
+                        <m:e>
+                          <m:r>
+                            <a:rPr kumimoji="1" lang="en-US" altLang="ja-JP" sz="2400" b="0" i="1" smtClean="0">
+                              <a:latin typeface="Cambria Math" panose="02040503050406030204" pitchFamily="18" charset="0"/>
+                            </a:rPr>
+                            <m:t>𝑖</m:t>
+                          </m:r>
+                        </m:e>
+                        <m:sub>
+                          <m:r>
+                            <a:rPr kumimoji="1" lang="en-US" altLang="ja-JP" sz="2400" b="0" i="1" smtClean="0">
+                              <a:latin typeface="Cambria Math" panose="02040503050406030204" pitchFamily="18" charset="0"/>
+                            </a:rPr>
+                            <m:t>𝐴</m:t>
+                          </m:r>
+                          <m:r>
+                            <a:rPr kumimoji="1" lang="en-US" altLang="ja-JP" sz="2400" b="0" i="1" smtClean="0">
+                              <a:latin typeface="Cambria Math" panose="02040503050406030204" pitchFamily="18" charset="0"/>
+                            </a:rPr>
+                            <m:t>3</m:t>
+                          </m:r>
+                        </m:sub>
+                      </m:sSub>
+                      <m:r>
+                        <a:rPr kumimoji="1" lang="en-US" altLang="ja-JP" sz="2400" b="0" i="1" smtClean="0">
+                          <a:latin typeface="Cambria Math" panose="02040503050406030204" pitchFamily="18" charset="0"/>
+                        </a:rPr>
+                        <m:t>=</m:t>
+                      </m:r>
+                      <m:r>
+                        <a:rPr kumimoji="1" lang="en-US" altLang="ja-JP" sz="2400" b="0" i="1" smtClean="0">
+                          <a:latin typeface="Cambria Math" panose="02040503050406030204" pitchFamily="18" charset="0"/>
+                        </a:rPr>
+                        <m:t>h</m:t>
+                      </m:r>
+                      <m:r>
+                        <a:rPr kumimoji="1" lang="en-US" altLang="ja-JP" sz="2400" b="0" i="1" smtClean="0">
+                          <a:latin typeface="Cambria Math" panose="02040503050406030204" pitchFamily="18" charset="0"/>
+                        </a:rPr>
+                        <m:t>(</m:t>
+                      </m:r>
+                      <m:sSub>
+                        <m:sSubPr>
+                          <m:ctrlPr>
+                            <a:rPr kumimoji="1" lang="en-US" altLang="ja-JP" sz="2400" b="0" i="1" smtClean="0">
+                              <a:latin typeface="Cambria Math" panose="02040503050406030204" pitchFamily="18" charset="0"/>
+                            </a:rPr>
+                          </m:ctrlPr>
+                        </m:sSubPr>
+                        <m:e>
+                          <m:r>
+                            <a:rPr kumimoji="1" lang="en-US" altLang="ja-JP" sz="2400" b="0" i="1" smtClean="0">
+                              <a:latin typeface="Cambria Math" panose="02040503050406030204" pitchFamily="18" charset="0"/>
+                            </a:rPr>
+                            <m:t>−</m:t>
+                          </m:r>
+                          <m:r>
+                            <a:rPr kumimoji="1" lang="en-US" altLang="ja-JP" sz="2400" b="0" i="1" smtClean="0">
+                              <a:latin typeface="Cambria Math" panose="02040503050406030204" pitchFamily="18" charset="0"/>
+                            </a:rPr>
+                            <m:t>𝑣</m:t>
+                          </m:r>
+                        </m:e>
+                        <m:sub>
+                          <m:r>
+                            <a:rPr kumimoji="1" lang="en-US" altLang="ja-JP" sz="2400" b="0" i="1" smtClean="0">
+                              <a:latin typeface="Cambria Math" panose="02040503050406030204" pitchFamily="18" charset="0"/>
+                            </a:rPr>
+                            <m:t>𝑖𝑛</m:t>
+                          </m:r>
+                        </m:sub>
+                      </m:sSub>
+                      <m:r>
+                        <a:rPr kumimoji="1" lang="en-US" altLang="ja-JP" sz="2400" b="0" i="1" smtClean="0">
+                          <a:latin typeface="Cambria Math" panose="02040503050406030204" pitchFamily="18" charset="0"/>
+                        </a:rPr>
+                        <m:t>,</m:t>
+                      </m:r>
+                      <m:r>
+                        <a:rPr kumimoji="1" lang="en-US" altLang="ja-JP" sz="2400" b="0" i="1" smtClean="0">
+                          <a:latin typeface="Cambria Math" panose="02040503050406030204" pitchFamily="18" charset="0"/>
+                        </a:rPr>
+                        <m:t>+</m:t>
+                      </m:r>
+                      <m:sSub>
+                        <m:sSubPr>
+                          <m:ctrlPr>
+                            <a:rPr kumimoji="1" lang="en-US" altLang="ja-JP" sz="2400" b="0" i="1" smtClean="0">
+                              <a:latin typeface="Cambria Math" panose="02040503050406030204" pitchFamily="18" charset="0"/>
+                            </a:rPr>
+                          </m:ctrlPr>
+                        </m:sSubPr>
+                        <m:e>
+                          <m:r>
+                            <a:rPr kumimoji="1" lang="en-US" altLang="ja-JP" sz="2400" b="0" i="1" smtClean="0">
+                              <a:latin typeface="Cambria Math" panose="02040503050406030204" pitchFamily="18" charset="0"/>
+                            </a:rPr>
+                            <m:t>𝑉</m:t>
+                          </m:r>
+                        </m:e>
+                        <m:sub>
+                          <m:r>
+                            <a:rPr kumimoji="1" lang="en-US" altLang="ja-JP" sz="2400" b="0" i="1" smtClean="0">
+                              <a:latin typeface="Cambria Math" panose="02040503050406030204" pitchFamily="18" charset="0"/>
+                            </a:rPr>
+                            <m:t>𝐶𝑇𝑅𝐿</m:t>
+                          </m:r>
+                        </m:sub>
+                      </m:sSub>
+                      <m:r>
+                        <a:rPr kumimoji="1" lang="en-US" altLang="ja-JP" sz="2400" b="0" i="1" smtClean="0">
+                          <a:latin typeface="Cambria Math" panose="02040503050406030204" pitchFamily="18" charset="0"/>
+                        </a:rPr>
+                        <m:t>)</m:t>
+                      </m:r>
+                    </m:oMath>
+                  </m:oMathPara>
+                </a14:m>
+                <a:endParaRPr kumimoji="1" lang="en-US" altLang="ja-JP" sz="2400" b="0" dirty="0"/>
+              </a:p>
+              <a:p>
+                <a:pPr algn="l"/>
+                <a14:m>
+                  <m:oMathPara xmlns:m="http://schemas.openxmlformats.org/officeDocument/2006/math">
+                    <m:oMathParaPr>
+                      <m:jc m:val="centerGroup"/>
+                    </m:oMathParaPr>
+                    <m:oMath xmlns:m="http://schemas.openxmlformats.org/officeDocument/2006/math">
+                      <m:sSub>
+                        <m:sSubPr>
+                          <m:ctrlPr>
+                            <a:rPr kumimoji="1" lang="en-US" altLang="ja-JP" sz="2400" b="0" i="1" smtClean="0">
+                              <a:latin typeface="Cambria Math" panose="02040503050406030204" pitchFamily="18" charset="0"/>
+                            </a:rPr>
+                          </m:ctrlPr>
+                        </m:sSubPr>
+                        <m:e>
+                          <m:r>
+                            <a:rPr kumimoji="1" lang="en-US" altLang="ja-JP" sz="2400" b="0" i="1" smtClean="0">
+                              <a:latin typeface="Cambria Math" panose="02040503050406030204" pitchFamily="18" charset="0"/>
+                            </a:rPr>
+                            <m:t>𝑖</m:t>
+                          </m:r>
+                        </m:e>
+                        <m:sub>
+                          <m:r>
+                            <a:rPr kumimoji="1" lang="en-US" altLang="ja-JP" sz="2400" b="0" i="1" smtClean="0">
+                              <a:latin typeface="Cambria Math" panose="02040503050406030204" pitchFamily="18" charset="0"/>
+                            </a:rPr>
+                            <m:t>𝐴</m:t>
+                          </m:r>
+                          <m:r>
+                            <a:rPr kumimoji="1" lang="en-US" altLang="ja-JP" sz="2400" b="0" i="1" smtClean="0">
+                              <a:latin typeface="Cambria Math" panose="02040503050406030204" pitchFamily="18" charset="0"/>
+                            </a:rPr>
+                            <m:t>4</m:t>
+                          </m:r>
+                        </m:sub>
+                      </m:sSub>
+                      <m:r>
+                        <a:rPr kumimoji="1" lang="en-US" altLang="ja-JP" sz="2400" b="0" i="1" smtClean="0">
+                          <a:latin typeface="Cambria Math" panose="02040503050406030204" pitchFamily="18" charset="0"/>
+                        </a:rPr>
+                        <m:t>=</m:t>
+                      </m:r>
+                      <m:r>
+                        <a:rPr kumimoji="1" lang="en-US" altLang="ja-JP" sz="2400" b="0" i="1" smtClean="0">
+                          <a:latin typeface="Cambria Math" panose="02040503050406030204" pitchFamily="18" charset="0"/>
+                        </a:rPr>
+                        <m:t>h</m:t>
+                      </m:r>
+                      <m:r>
+                        <a:rPr kumimoji="1" lang="en-US" altLang="ja-JP" sz="2400" b="0" i="1" smtClean="0">
+                          <a:latin typeface="Cambria Math" panose="02040503050406030204" pitchFamily="18" charset="0"/>
+                        </a:rPr>
+                        <m:t>(</m:t>
+                      </m:r>
+                      <m:sSub>
+                        <m:sSubPr>
+                          <m:ctrlPr>
+                            <a:rPr kumimoji="1" lang="en-US" altLang="ja-JP" sz="2400" b="0" i="1" smtClean="0">
+                              <a:latin typeface="Cambria Math" panose="02040503050406030204" pitchFamily="18" charset="0"/>
+                            </a:rPr>
+                          </m:ctrlPr>
+                        </m:sSubPr>
+                        <m:e>
+                          <m:r>
+                            <a:rPr kumimoji="1" lang="en-US" altLang="ja-JP" sz="2400" b="0" i="1" smtClean="0">
+                              <a:latin typeface="Cambria Math" panose="02040503050406030204" pitchFamily="18" charset="0"/>
+                            </a:rPr>
+                            <m:t>−</m:t>
+                          </m:r>
+                          <m:r>
+                            <a:rPr kumimoji="1" lang="en-US" altLang="ja-JP" sz="2400" b="0" i="1" smtClean="0">
+                              <a:latin typeface="Cambria Math" panose="02040503050406030204" pitchFamily="18" charset="0"/>
+                            </a:rPr>
+                            <m:t>𝑣</m:t>
+                          </m:r>
+                        </m:e>
+                        <m:sub>
+                          <m:r>
+                            <a:rPr kumimoji="1" lang="en-US" altLang="ja-JP" sz="2400" b="0" i="1" smtClean="0">
+                              <a:latin typeface="Cambria Math" panose="02040503050406030204" pitchFamily="18" charset="0"/>
+                            </a:rPr>
+                            <m:t>𝑖𝑛</m:t>
+                          </m:r>
+                        </m:sub>
+                      </m:sSub>
+                      <m:r>
+                        <a:rPr kumimoji="1" lang="en-US" altLang="ja-JP" sz="2400" b="0" i="1" smtClean="0">
+                          <a:latin typeface="Cambria Math" panose="02040503050406030204" pitchFamily="18" charset="0"/>
+                        </a:rPr>
+                        <m:t>,−</m:t>
+                      </m:r>
+                      <m:sSub>
+                        <m:sSubPr>
+                          <m:ctrlPr>
+                            <a:rPr kumimoji="1" lang="en-US" altLang="ja-JP" sz="2400" b="0" i="1" smtClean="0">
+                              <a:latin typeface="Cambria Math" panose="02040503050406030204" pitchFamily="18" charset="0"/>
+                            </a:rPr>
+                          </m:ctrlPr>
+                        </m:sSubPr>
+                        <m:e>
+                          <m:r>
+                            <a:rPr kumimoji="1" lang="en-US" altLang="ja-JP" sz="2400" b="0" i="1" smtClean="0">
+                              <a:latin typeface="Cambria Math" panose="02040503050406030204" pitchFamily="18" charset="0"/>
+                            </a:rPr>
+                            <m:t>𝑉</m:t>
+                          </m:r>
+                        </m:e>
+                        <m:sub>
+                          <m:r>
+                            <a:rPr kumimoji="1" lang="en-US" altLang="ja-JP" sz="2400" b="0" i="1" smtClean="0">
+                              <a:latin typeface="Cambria Math" panose="02040503050406030204" pitchFamily="18" charset="0"/>
+                            </a:rPr>
+                            <m:t>𝐶𝑇𝑅𝐿</m:t>
+                          </m:r>
+                        </m:sub>
+                      </m:sSub>
+                      <m:r>
+                        <a:rPr kumimoji="1" lang="en-US" altLang="ja-JP" sz="2400" b="0" i="1" smtClean="0">
+                          <a:latin typeface="Cambria Math" panose="02040503050406030204" pitchFamily="18" charset="0"/>
+                        </a:rPr>
+                        <m:t>)</m:t>
                       </m:r>
                     </m:oMath>
                   </m:oMathPara>
@@ -13308,8 +13902,8 @@
             </p:nvSpPr>
             <p:spPr>
               <a:xfrm>
-                <a:off x="8568813" y="4552336"/>
-                <a:ext cx="2418735" cy="461665"/>
+                <a:off x="8084719" y="4548915"/>
+                <a:ext cx="3485535" cy="1569660"/>
               </a:xfrm>
               <a:prstGeom prst="rect">
                 <a:avLst/>
@@ -13317,7 +13911,7 @@
               <a:blipFill>
                 <a:blip r:embed="rId4"/>
                 <a:stretch>
-                  <a:fillRect/>
+                  <a:fillRect b="-3876"/>
                 </a:stretch>
               </a:blipFill>
             </p:spPr>
@@ -13340,6 +13934,4763 @@
     <p:extLst>
       <p:ext uri="{BB962C8B-B14F-4D97-AF65-F5344CB8AC3E}">
         <p14:creationId xmlns:p14="http://schemas.microsoft.com/office/powerpoint/2010/main" val="1321819312"/>
+      </p:ext>
+    </p:extLst>
+  </p:cSld>
+  <p:clrMapOvr>
+    <a:masterClrMapping/>
+  </p:clrMapOvr>
+</p:sld>
+</file>
+
+<file path=ppt/slides/slide15.xml><?xml version="1.0" encoding="utf-8"?>
+<p:sld xmlns:a="http://schemas.openxmlformats.org/drawingml/2006/main" xmlns:r="http://schemas.openxmlformats.org/officeDocument/2006/relationships" xmlns:p="http://schemas.openxmlformats.org/presentationml/2006/main">
+  <p:cSld>
+    <p:spTree>
+      <p:nvGrpSpPr>
+        <p:cNvPr id="1" name=""/>
+        <p:cNvGrpSpPr/>
+        <p:nvPr/>
+      </p:nvGrpSpPr>
+      <p:grpSpPr>
+        <a:xfrm>
+          <a:off x="0" y="0"/>
+          <a:ext cx="0" cy="0"/>
+          <a:chOff x="0" y="0"/>
+          <a:chExt cx="0" cy="0"/>
+        </a:xfrm>
+      </p:grpSpPr>
+      <p:sp>
+        <p:nvSpPr>
+          <p:cNvPr id="2" name="タイトル 1">
+            <a:extLst>
+              <a:ext uri="{FF2B5EF4-FFF2-40B4-BE49-F238E27FC236}">
+                <a16:creationId xmlns:a16="http://schemas.microsoft.com/office/drawing/2014/main" id="{3E817C77-BBC9-4198-BCBC-E56CFC5A213F}"/>
+              </a:ext>
+            </a:extLst>
+          </p:cNvPr>
+          <p:cNvSpPr>
+            <a:spLocks noGrp="1"/>
+          </p:cNvSpPr>
+          <p:nvPr>
+            <p:ph type="title"/>
+          </p:nvPr>
+        </p:nvSpPr>
+        <p:spPr/>
+        <p:txBody>
+          <a:bodyPr/>
+          <a:lstStyle/>
+          <a:p>
+            <a:r>
+              <a:rPr kumimoji="1" lang="ja-JP" altLang="en-US" dirty="0"/>
+              <a:t>折り返し型乗算回路の利得計算</a:t>
+            </a:r>
+            <a:br>
+              <a:rPr kumimoji="1" lang="en-US" altLang="ja-JP" dirty="0"/>
+            </a:br>
+            <a:r>
+              <a:rPr kumimoji="1" lang="ja-JP" altLang="en-US" dirty="0"/>
+              <a:t>各部の電流</a:t>
+            </a:r>
+          </a:p>
+        </p:txBody>
+      </p:sp>
+      <p:sp>
+        <p:nvSpPr>
+          <p:cNvPr id="3" name="スライド番号プレースホルダー 2">
+            <a:extLst>
+              <a:ext uri="{FF2B5EF4-FFF2-40B4-BE49-F238E27FC236}">
+                <a16:creationId xmlns:a16="http://schemas.microsoft.com/office/drawing/2014/main" id="{8D5951E8-16B6-4354-7F2C-532C276E3574}"/>
+              </a:ext>
+            </a:extLst>
+          </p:cNvPr>
+          <p:cNvSpPr>
+            <a:spLocks noGrp="1"/>
+          </p:cNvSpPr>
+          <p:nvPr>
+            <p:ph type="sldNum" sz="quarter" idx="12"/>
+          </p:nvPr>
+        </p:nvSpPr>
+        <p:spPr/>
+        <p:txBody>
+          <a:bodyPr/>
+          <a:lstStyle/>
+          <a:p>
+            <a:fld id="{A742575F-3C2A-495A-A52F-17634B579F22}" type="slidenum">
+              <a:rPr kumimoji="1" lang="ja-JP" altLang="en-US" smtClean="0"/>
+              <a:t>15</a:t>
+            </a:fld>
+            <a:endParaRPr kumimoji="1" lang="ja-JP" altLang="en-US"/>
+          </a:p>
+        </p:txBody>
+      </p:sp>
+      <mc:AlternateContent xmlns:mc="http://schemas.openxmlformats.org/markup-compatibility/2006">
+        <mc:Choice xmlns:a14="http://schemas.microsoft.com/office/drawing/2010/main" Requires="a14">
+          <p:sp>
+            <p:nvSpPr>
+              <p:cNvPr id="4" name="テキスト ボックス 3">
+                <a:extLst>
+                  <a:ext uri="{FF2B5EF4-FFF2-40B4-BE49-F238E27FC236}">
+                    <a16:creationId xmlns:a16="http://schemas.microsoft.com/office/drawing/2014/main" id="{D8925E0E-ABEF-CC43-84FF-2F683791FDE8}"/>
+                  </a:ext>
+                </a:extLst>
+              </p:cNvPr>
+              <p:cNvSpPr txBox="1"/>
+              <p:nvPr/>
+            </p:nvSpPr>
+            <p:spPr>
+              <a:xfrm>
+                <a:off x="0" y="1789300"/>
+                <a:ext cx="12192000" cy="4112216"/>
+              </a:xfrm>
+              <a:prstGeom prst="rect">
+                <a:avLst/>
+              </a:prstGeom>
+              <a:noFill/>
+            </p:spPr>
+            <p:txBody>
+              <a:bodyPr wrap="square" rtlCol="0">
+                <a:spAutoFit/>
+              </a:bodyPr>
+              <a:lstStyle/>
+              <a:p>
+                <a14:m>
+                  <m:oMathPara xmlns:m="http://schemas.openxmlformats.org/officeDocument/2006/math">
+                    <m:oMathParaPr>
+                      <m:jc m:val="centerGroup"/>
+                    </m:oMathParaPr>
+                    <m:oMath xmlns:m="http://schemas.openxmlformats.org/officeDocument/2006/math">
+                      <m:r>
+                        <a:rPr kumimoji="1" lang="en-US" altLang="ja-JP" sz="2000" b="0" i="1" smtClean="0">
+                          <a:latin typeface="Cambria Math" panose="02040503050406030204" pitchFamily="18" charset="0"/>
+                        </a:rPr>
+                        <m:t>h</m:t>
+                      </m:r>
+                      <m:d>
+                        <m:dPr>
+                          <m:ctrlPr>
+                            <a:rPr kumimoji="1" lang="en-US" altLang="ja-JP" sz="2000" b="0" i="1" smtClean="0">
+                              <a:latin typeface="Cambria Math" panose="02040503050406030204" pitchFamily="18" charset="0"/>
+                            </a:rPr>
+                          </m:ctrlPr>
+                        </m:dPr>
+                        <m:e>
+                          <m:sSub>
+                            <m:sSubPr>
+                              <m:ctrlPr>
+                                <a:rPr kumimoji="1" lang="en-US" altLang="ja-JP" sz="2000" b="0" i="1" smtClean="0">
+                                  <a:latin typeface="Cambria Math" panose="02040503050406030204" pitchFamily="18" charset="0"/>
+                                </a:rPr>
+                              </m:ctrlPr>
+                            </m:sSubPr>
+                            <m:e>
+                              <m:r>
+                                <a:rPr kumimoji="1" lang="en-US" altLang="ja-JP" sz="2000" b="0" i="1" smtClean="0">
+                                  <a:latin typeface="Cambria Math" panose="02040503050406030204" pitchFamily="18" charset="0"/>
+                                </a:rPr>
+                                <m:t>𝑣</m:t>
+                              </m:r>
+                            </m:e>
+                            <m:sub>
+                              <m:r>
+                                <a:rPr kumimoji="1" lang="en-US" altLang="ja-JP" sz="2000" b="0" i="1" smtClean="0">
+                                  <a:latin typeface="Cambria Math" panose="02040503050406030204" pitchFamily="18" charset="0"/>
+                                </a:rPr>
+                                <m:t>𝑖𝑛</m:t>
+                              </m:r>
+                            </m:sub>
+                          </m:sSub>
+                          <m:r>
+                            <a:rPr kumimoji="1" lang="en-US" altLang="ja-JP" sz="2000" b="0" i="1" smtClean="0">
+                              <a:latin typeface="Cambria Math" panose="02040503050406030204" pitchFamily="18" charset="0"/>
+                            </a:rPr>
+                            <m:t>,−</m:t>
+                          </m:r>
+                          <m:sSub>
+                            <m:sSubPr>
+                              <m:ctrlPr>
+                                <a:rPr kumimoji="1" lang="en-US" altLang="ja-JP" sz="2000" b="0" i="1" smtClean="0">
+                                  <a:latin typeface="Cambria Math" panose="02040503050406030204" pitchFamily="18" charset="0"/>
+                                </a:rPr>
+                              </m:ctrlPr>
+                            </m:sSubPr>
+                            <m:e>
+                              <m:r>
+                                <a:rPr kumimoji="1" lang="en-US" altLang="ja-JP" sz="2000" b="0" i="1" smtClean="0">
+                                  <a:latin typeface="Cambria Math" panose="02040503050406030204" pitchFamily="18" charset="0"/>
+                                </a:rPr>
+                                <m:t>𝑉</m:t>
+                              </m:r>
+                            </m:e>
+                            <m:sub>
+                              <m:r>
+                                <a:rPr kumimoji="1" lang="en-US" altLang="ja-JP" sz="2000" b="0" i="1" smtClean="0">
+                                  <a:latin typeface="Cambria Math" panose="02040503050406030204" pitchFamily="18" charset="0"/>
+                                </a:rPr>
+                                <m:t>𝐶𝑇𝑅𝐿</m:t>
+                              </m:r>
+                            </m:sub>
+                          </m:sSub>
+                        </m:e>
+                      </m:d>
+                      <m:r>
+                        <a:rPr lang="en-US" altLang="ja-JP" sz="2000" i="1">
+                          <a:latin typeface="Cambria Math" panose="02040503050406030204" pitchFamily="18" charset="0"/>
+                        </a:rPr>
+                        <m:t>=</m:t>
+                      </m:r>
+                      <m:r>
+                        <a:rPr lang="en-US" altLang="ja-JP" sz="2000">
+                          <a:latin typeface="Cambria Math" panose="02040503050406030204" pitchFamily="18" charset="0"/>
+                        </a:rPr>
+                        <m:t>−</m:t>
+                      </m:r>
+                      <m:rad>
+                        <m:radPr>
+                          <m:degHide m:val="on"/>
+                          <m:ctrlPr>
+                            <a:rPr lang="en-US" altLang="ja-JP" sz="2000" i="1">
+                              <a:latin typeface="Cambria Math" panose="02040503050406030204" pitchFamily="18" charset="0"/>
+                            </a:rPr>
+                          </m:ctrlPr>
+                        </m:radPr>
+                        <m:deg/>
+                        <m:e>
+                          <m:r>
+                            <a:rPr lang="en-US" altLang="ja-JP" sz="2000" i="1">
+                              <a:latin typeface="Cambria Math" panose="02040503050406030204" pitchFamily="18" charset="0"/>
+                            </a:rPr>
+                            <m:t>2</m:t>
+                          </m:r>
+                          <m:sSub>
+                            <m:sSubPr>
+                              <m:ctrlPr>
+                                <a:rPr lang="en-US" altLang="ja-JP" sz="2000" i="1">
+                                  <a:latin typeface="Cambria Math" panose="02040503050406030204" pitchFamily="18" charset="0"/>
+                                </a:rPr>
+                              </m:ctrlPr>
+                            </m:sSubPr>
+                            <m:e>
+                              <m:r>
+                                <a:rPr lang="en-US" altLang="ja-JP" sz="2000" i="1">
+                                  <a:latin typeface="Cambria Math" panose="02040503050406030204" pitchFamily="18" charset="0"/>
+                                </a:rPr>
+                                <m:t>𝐾</m:t>
+                              </m:r>
+                            </m:e>
+                            <m:sub>
+                              <m:r>
+                                <a:rPr lang="en-US" altLang="ja-JP" sz="2000" i="1">
+                                  <a:latin typeface="Cambria Math" panose="02040503050406030204" pitchFamily="18" charset="0"/>
+                                </a:rPr>
+                                <m:t>𝑛</m:t>
+                              </m:r>
+                            </m:sub>
+                          </m:sSub>
+                          <m:sSub>
+                            <m:sSubPr>
+                              <m:ctrlPr>
+                                <a:rPr lang="en-US" altLang="ja-JP" sz="2000" i="1">
+                                  <a:latin typeface="Cambria Math" panose="02040503050406030204" pitchFamily="18" charset="0"/>
+                                </a:rPr>
+                              </m:ctrlPr>
+                            </m:sSubPr>
+                            <m:e>
+                              <m:r>
+                                <a:rPr lang="en-US" altLang="ja-JP" sz="2000" i="1">
+                                  <a:latin typeface="Cambria Math" panose="02040503050406030204" pitchFamily="18" charset="0"/>
+                                </a:rPr>
+                                <m:t>𝐼</m:t>
+                              </m:r>
+                            </m:e>
+                            <m:sub>
+                              <m:r>
+                                <a:rPr lang="en-US" altLang="ja-JP" sz="2000" i="1">
+                                  <a:latin typeface="Cambria Math" panose="02040503050406030204" pitchFamily="18" charset="0"/>
+                                </a:rPr>
+                                <m:t>𝐶</m:t>
+                              </m:r>
+                            </m:sub>
+                          </m:sSub>
+                        </m:e>
+                      </m:rad>
+                      <m:d>
+                        <m:dPr>
+                          <m:ctrlPr>
+                            <a:rPr lang="en-US" altLang="ja-JP" sz="2000" i="1">
+                              <a:latin typeface="Cambria Math" panose="02040503050406030204" pitchFamily="18" charset="0"/>
+                            </a:rPr>
+                          </m:ctrlPr>
+                        </m:dPr>
+                        <m:e>
+                          <m:f>
+                            <m:fPr>
+                              <m:ctrlPr>
+                                <a:rPr lang="en-US" altLang="ja-JP" sz="2000" i="1">
+                                  <a:latin typeface="Cambria Math" panose="02040503050406030204" pitchFamily="18" charset="0"/>
+                                </a:rPr>
+                              </m:ctrlPr>
+                            </m:fPr>
+                            <m:num>
+                              <m:r>
+                                <a:rPr lang="en-US" altLang="ja-JP" sz="2000" i="1">
+                                  <a:latin typeface="Cambria Math" panose="02040503050406030204" pitchFamily="18" charset="0"/>
+                                </a:rPr>
+                                <m:t>1</m:t>
+                              </m:r>
+                            </m:num>
+                            <m:den>
+                              <m:r>
+                                <a:rPr lang="en-US" altLang="ja-JP" sz="2000" i="1">
+                                  <a:latin typeface="Cambria Math" panose="02040503050406030204" pitchFamily="18" charset="0"/>
+                                </a:rPr>
+                                <m:t>2</m:t>
+                              </m:r>
+                            </m:den>
+                          </m:f>
+                          <m:r>
+                            <a:rPr lang="en-US" altLang="ja-JP" sz="2000" i="1">
+                              <a:latin typeface="Cambria Math" panose="02040503050406030204" pitchFamily="18" charset="0"/>
+                            </a:rPr>
+                            <m:t>+</m:t>
+                          </m:r>
+                          <m:rad>
+                            <m:radPr>
+                              <m:degHide m:val="on"/>
+                              <m:ctrlPr>
+                                <a:rPr lang="en-US" altLang="ja-JP" sz="2000" i="1">
+                                  <a:latin typeface="Cambria Math" panose="02040503050406030204" pitchFamily="18" charset="0"/>
+                                </a:rPr>
+                              </m:ctrlPr>
+                            </m:radPr>
+                            <m:deg/>
+                            <m:e>
+                              <m:f>
+                                <m:fPr>
+                                  <m:ctrlPr>
+                                    <a:rPr lang="en-US" altLang="ja-JP" sz="2000" i="1">
+                                      <a:latin typeface="Cambria Math" panose="02040503050406030204" pitchFamily="18" charset="0"/>
+                                    </a:rPr>
+                                  </m:ctrlPr>
+                                </m:fPr>
+                                <m:num>
+                                  <m:sSub>
+                                    <m:sSubPr>
+                                      <m:ctrlPr>
+                                        <a:rPr lang="en-US" altLang="ja-JP" sz="2000" i="1">
+                                          <a:latin typeface="Cambria Math" panose="02040503050406030204" pitchFamily="18" charset="0"/>
+                                        </a:rPr>
+                                      </m:ctrlPr>
+                                    </m:sSubPr>
+                                    <m:e>
+                                      <m:r>
+                                        <a:rPr lang="en-US" altLang="ja-JP" sz="2000" i="1">
+                                          <a:latin typeface="Cambria Math" panose="02040503050406030204" pitchFamily="18" charset="0"/>
+                                        </a:rPr>
+                                        <m:t>𝐾</m:t>
+                                      </m:r>
+                                    </m:e>
+                                    <m:sub>
+                                      <m:r>
+                                        <a:rPr lang="en-US" altLang="ja-JP" sz="2000" i="1">
+                                          <a:latin typeface="Cambria Math" panose="02040503050406030204" pitchFamily="18" charset="0"/>
+                                        </a:rPr>
+                                        <m:t>𝑝</m:t>
+                                      </m:r>
+                                    </m:sub>
+                                  </m:sSub>
+                                </m:num>
+                                <m:den>
+                                  <m:r>
+                                    <a:rPr lang="en-US" altLang="ja-JP" sz="2000" i="1">
+                                      <a:latin typeface="Cambria Math" panose="02040503050406030204" pitchFamily="18" charset="0"/>
+                                    </a:rPr>
+                                    <m:t>2</m:t>
+                                  </m:r>
+                                  <m:sSub>
+                                    <m:sSubPr>
+                                      <m:ctrlPr>
+                                        <a:rPr lang="en-US" altLang="ja-JP" sz="2000" i="1">
+                                          <a:latin typeface="Cambria Math" panose="02040503050406030204" pitchFamily="18" charset="0"/>
+                                        </a:rPr>
+                                      </m:ctrlPr>
+                                    </m:sSubPr>
+                                    <m:e>
+                                      <m:r>
+                                        <a:rPr lang="en-US" altLang="ja-JP" sz="2000" i="1">
+                                          <a:latin typeface="Cambria Math" panose="02040503050406030204" pitchFamily="18" charset="0"/>
+                                        </a:rPr>
+                                        <m:t>𝐼</m:t>
+                                      </m:r>
+                                    </m:e>
+                                    <m:sub>
+                                      <m:r>
+                                        <a:rPr lang="en-US" altLang="ja-JP" sz="2000" i="1">
+                                          <a:latin typeface="Cambria Math" panose="02040503050406030204" pitchFamily="18" charset="0"/>
+                                        </a:rPr>
+                                        <m:t>𝑏𝑖𝑎𝑠</m:t>
+                                      </m:r>
+                                      <m:r>
+                                        <a:rPr lang="en-US" altLang="ja-JP" sz="2000" i="1">
+                                          <a:latin typeface="Cambria Math" panose="02040503050406030204" pitchFamily="18" charset="0"/>
+                                        </a:rPr>
+                                        <m:t>1</m:t>
+                                      </m:r>
+                                    </m:sub>
+                                  </m:sSub>
+                                  <m:r>
+                                    <a:rPr lang="en-US" altLang="ja-JP" sz="2000" i="1">
+                                      <a:latin typeface="Cambria Math" panose="02040503050406030204" pitchFamily="18" charset="0"/>
+                                    </a:rPr>
+                                    <m:t>−</m:t>
+                                  </m:r>
+                                  <m:sSub>
+                                    <m:sSubPr>
+                                      <m:ctrlPr>
+                                        <a:rPr lang="en-US" altLang="ja-JP" sz="2000" i="1">
+                                          <a:latin typeface="Cambria Math" panose="02040503050406030204" pitchFamily="18" charset="0"/>
+                                        </a:rPr>
+                                      </m:ctrlPr>
+                                    </m:sSubPr>
+                                    <m:e>
+                                      <m:r>
+                                        <a:rPr lang="en-US" altLang="ja-JP" sz="2000" i="1">
+                                          <a:latin typeface="Cambria Math" panose="02040503050406030204" pitchFamily="18" charset="0"/>
+                                        </a:rPr>
+                                        <m:t>𝐼</m:t>
+                                      </m:r>
+                                    </m:e>
+                                    <m:sub>
+                                      <m:r>
+                                        <a:rPr lang="en-US" altLang="ja-JP" sz="2000" i="1">
+                                          <a:latin typeface="Cambria Math" panose="02040503050406030204" pitchFamily="18" charset="0"/>
+                                        </a:rPr>
+                                        <m:t>𝐶</m:t>
+                                      </m:r>
+                                    </m:sub>
+                                  </m:sSub>
+                                </m:den>
+                              </m:f>
+                            </m:e>
+                          </m:rad>
+                          <m:r>
+                            <a:rPr lang="en-US" altLang="ja-JP" sz="2000" i="1">
+                              <a:latin typeface="Cambria Math" panose="02040503050406030204" pitchFamily="18" charset="0"/>
+                            </a:rPr>
+                            <m:t>⋅</m:t>
+                          </m:r>
+                          <m:sSub>
+                            <m:sSubPr>
+                              <m:ctrlPr>
+                                <a:rPr lang="en-US" altLang="ja-JP" sz="2000" i="1">
+                                  <a:latin typeface="Cambria Math" panose="02040503050406030204" pitchFamily="18" charset="0"/>
+                                </a:rPr>
+                              </m:ctrlPr>
+                            </m:sSubPr>
+                            <m:e>
+                              <m:r>
+                                <a:rPr lang="en-US" altLang="ja-JP" sz="2000" i="1">
+                                  <a:latin typeface="Cambria Math" panose="02040503050406030204" pitchFamily="18" charset="0"/>
+                                </a:rPr>
+                                <m:t>𝑉</m:t>
+                              </m:r>
+                            </m:e>
+                            <m:sub>
+                              <m:r>
+                                <a:rPr lang="en-US" altLang="ja-JP" sz="2000" i="1">
+                                  <a:latin typeface="Cambria Math" panose="02040503050406030204" pitchFamily="18" charset="0"/>
+                                </a:rPr>
+                                <m:t>𝐶𝑇𝑅𝐿</m:t>
+                              </m:r>
+                            </m:sub>
+                          </m:sSub>
+                        </m:e>
+                      </m:d>
+                      <m:r>
+                        <a:rPr lang="en-US" altLang="ja-JP" sz="2000" i="1">
+                          <a:latin typeface="Cambria Math" panose="02040503050406030204" pitchFamily="18" charset="0"/>
+                        </a:rPr>
+                        <m:t>⋅</m:t>
+                      </m:r>
+                      <m:sSub>
+                        <m:sSubPr>
+                          <m:ctrlPr>
+                            <a:rPr lang="en-US" altLang="ja-JP" sz="2000" i="1">
+                              <a:latin typeface="Cambria Math" panose="02040503050406030204" pitchFamily="18" charset="0"/>
+                            </a:rPr>
+                          </m:ctrlPr>
+                        </m:sSubPr>
+                        <m:e>
+                          <m:r>
+                            <a:rPr lang="en-US" altLang="ja-JP" sz="2000" i="1">
+                              <a:latin typeface="Cambria Math" panose="02040503050406030204" pitchFamily="18" charset="0"/>
+                            </a:rPr>
+                            <m:t>𝑣</m:t>
+                          </m:r>
+                        </m:e>
+                        <m:sub>
+                          <m:r>
+                            <a:rPr lang="en-US" altLang="ja-JP" sz="2000" i="1">
+                              <a:latin typeface="Cambria Math" panose="02040503050406030204" pitchFamily="18" charset="0"/>
+                            </a:rPr>
+                            <m:t>𝑖𝑛</m:t>
+                          </m:r>
+                        </m:sub>
+                      </m:sSub>
+                      <m:r>
+                        <a:rPr lang="en-US" altLang="ja-JP" sz="2000" i="1">
+                          <a:latin typeface="Cambria Math" panose="02040503050406030204" pitchFamily="18" charset="0"/>
+                        </a:rPr>
+                        <m:t>+</m:t>
+                      </m:r>
+                      <m:f>
+                        <m:fPr>
+                          <m:ctrlPr>
+                            <a:rPr lang="en-US" altLang="ja-JP" sz="2000" i="1">
+                              <a:latin typeface="Cambria Math" panose="02040503050406030204" pitchFamily="18" charset="0"/>
+                            </a:rPr>
+                          </m:ctrlPr>
+                        </m:fPr>
+                        <m:num>
+                          <m:r>
+                            <a:rPr lang="en-US" altLang="ja-JP" sz="2000" i="1">
+                              <a:latin typeface="Cambria Math" panose="02040503050406030204" pitchFamily="18" charset="0"/>
+                            </a:rPr>
+                            <m:t>2</m:t>
+                          </m:r>
+                          <m:sSub>
+                            <m:sSubPr>
+                              <m:ctrlPr>
+                                <a:rPr lang="en-US" altLang="ja-JP" sz="2000" i="1">
+                                  <a:latin typeface="Cambria Math" panose="02040503050406030204" pitchFamily="18" charset="0"/>
+                                </a:rPr>
+                              </m:ctrlPr>
+                            </m:sSubPr>
+                            <m:e>
+                              <m:r>
+                                <a:rPr lang="en-US" altLang="ja-JP" sz="2000" i="1">
+                                  <a:latin typeface="Cambria Math" panose="02040503050406030204" pitchFamily="18" charset="0"/>
+                                </a:rPr>
+                                <m:t>𝐼</m:t>
+                              </m:r>
+                            </m:e>
+                            <m:sub>
+                              <m:r>
+                                <a:rPr lang="en-US" altLang="ja-JP" sz="2000" i="1">
+                                  <a:latin typeface="Cambria Math" panose="02040503050406030204" pitchFamily="18" charset="0"/>
+                                </a:rPr>
+                                <m:t>𝑏𝑖𝑎𝑠</m:t>
+                              </m:r>
+                              <m:r>
+                                <a:rPr lang="en-US" altLang="ja-JP" sz="2000" i="1">
+                                  <a:latin typeface="Cambria Math" panose="02040503050406030204" pitchFamily="18" charset="0"/>
+                                </a:rPr>
+                                <m:t>1</m:t>
+                              </m:r>
+                            </m:sub>
+                          </m:sSub>
+                          <m:r>
+                            <a:rPr lang="en-US" altLang="ja-JP" sz="2000" i="1">
+                              <a:latin typeface="Cambria Math" panose="02040503050406030204" pitchFamily="18" charset="0"/>
+                            </a:rPr>
+                            <m:t>−</m:t>
+                          </m:r>
+                          <m:sSub>
+                            <m:sSubPr>
+                              <m:ctrlPr>
+                                <a:rPr lang="en-US" altLang="ja-JP" sz="2000" i="1">
+                                  <a:latin typeface="Cambria Math" panose="02040503050406030204" pitchFamily="18" charset="0"/>
+                                </a:rPr>
+                              </m:ctrlPr>
+                            </m:sSubPr>
+                            <m:e>
+                              <m:r>
+                                <a:rPr lang="en-US" altLang="ja-JP" sz="2000" i="1">
+                                  <a:latin typeface="Cambria Math" panose="02040503050406030204" pitchFamily="18" charset="0"/>
+                                </a:rPr>
+                                <m:t>𝐼</m:t>
+                              </m:r>
+                            </m:e>
+                            <m:sub>
+                              <m:r>
+                                <a:rPr lang="en-US" altLang="ja-JP" sz="2000" i="1">
+                                  <a:latin typeface="Cambria Math" panose="02040503050406030204" pitchFamily="18" charset="0"/>
+                                </a:rPr>
+                                <m:t>𝐶</m:t>
+                              </m:r>
+                            </m:sub>
+                          </m:sSub>
+                        </m:num>
+                        <m:den>
+                          <m:r>
+                            <a:rPr lang="en-US" altLang="ja-JP" sz="2000" i="1">
+                              <a:latin typeface="Cambria Math" panose="02040503050406030204" pitchFamily="18" charset="0"/>
+                            </a:rPr>
+                            <m:t>4</m:t>
+                          </m:r>
+                        </m:den>
+                      </m:f>
+                      <m:r>
+                        <a:rPr lang="en-US" altLang="ja-JP" sz="2000" i="1">
+                          <a:latin typeface="Cambria Math" panose="02040503050406030204" pitchFamily="18" charset="0"/>
+                        </a:rPr>
+                        <m:t>+</m:t>
+                      </m:r>
+                      <m:sSub>
+                        <m:sSubPr>
+                          <m:ctrlPr>
+                            <a:rPr lang="en-US" altLang="ja-JP" sz="2000" i="1">
+                              <a:latin typeface="Cambria Math" panose="02040503050406030204" pitchFamily="18" charset="0"/>
+                            </a:rPr>
+                          </m:ctrlPr>
+                        </m:sSubPr>
+                        <m:e>
+                          <m:r>
+                            <a:rPr lang="en-US" altLang="ja-JP" sz="2000" i="1">
+                              <a:latin typeface="Cambria Math" panose="02040503050406030204" pitchFamily="18" charset="0"/>
+                            </a:rPr>
+                            <m:t>𝑉</m:t>
+                          </m:r>
+                        </m:e>
+                        <m:sub>
+                          <m:r>
+                            <a:rPr lang="en-US" altLang="ja-JP" sz="2000" i="1">
+                              <a:latin typeface="Cambria Math" panose="02040503050406030204" pitchFamily="18" charset="0"/>
+                            </a:rPr>
+                            <m:t>𝐶𝑇𝑅𝐿</m:t>
+                          </m:r>
+                        </m:sub>
+                      </m:sSub>
+                      <m:rad>
+                        <m:radPr>
+                          <m:degHide m:val="on"/>
+                          <m:ctrlPr>
+                            <a:rPr lang="en-US" altLang="ja-JP" sz="2000" i="1">
+                              <a:latin typeface="Cambria Math" panose="02040503050406030204" pitchFamily="18" charset="0"/>
+                            </a:rPr>
+                          </m:ctrlPr>
+                        </m:radPr>
+                        <m:deg/>
+                        <m:e>
+                          <m:sSub>
+                            <m:sSubPr>
+                              <m:ctrlPr>
+                                <a:rPr lang="en-US" altLang="ja-JP" sz="2000" i="1">
+                                  <a:latin typeface="Cambria Math" panose="02040503050406030204" pitchFamily="18" charset="0"/>
+                                </a:rPr>
+                              </m:ctrlPr>
+                            </m:sSubPr>
+                            <m:e>
+                              <m:r>
+                                <a:rPr lang="en-US" altLang="ja-JP" sz="2000" i="1">
+                                  <a:latin typeface="Cambria Math" panose="02040503050406030204" pitchFamily="18" charset="0"/>
+                                </a:rPr>
+                                <m:t>𝐾</m:t>
+                              </m:r>
+                            </m:e>
+                            <m:sub>
+                              <m:r>
+                                <a:rPr lang="en-US" altLang="ja-JP" sz="2000" i="1">
+                                  <a:latin typeface="Cambria Math" panose="02040503050406030204" pitchFamily="18" charset="0"/>
+                                </a:rPr>
+                                <m:t>𝑝</m:t>
+                              </m:r>
+                            </m:sub>
+                          </m:sSub>
+                          <m:r>
+                            <a:rPr lang="en-US" altLang="ja-JP" sz="2000" i="1">
+                              <a:latin typeface="Cambria Math" panose="02040503050406030204" pitchFamily="18" charset="0"/>
+                            </a:rPr>
+                            <m:t>(2</m:t>
+                          </m:r>
+                          <m:sSub>
+                            <m:sSubPr>
+                              <m:ctrlPr>
+                                <a:rPr lang="en-US" altLang="ja-JP" sz="2000" i="1">
+                                  <a:latin typeface="Cambria Math" panose="02040503050406030204" pitchFamily="18" charset="0"/>
+                                </a:rPr>
+                              </m:ctrlPr>
+                            </m:sSubPr>
+                            <m:e>
+                              <m:r>
+                                <a:rPr lang="en-US" altLang="ja-JP" sz="2000" i="1">
+                                  <a:latin typeface="Cambria Math" panose="02040503050406030204" pitchFamily="18" charset="0"/>
+                                </a:rPr>
+                                <m:t>𝐼</m:t>
+                              </m:r>
+                            </m:e>
+                            <m:sub>
+                              <m:r>
+                                <a:rPr lang="en-US" altLang="ja-JP" sz="2000" i="1">
+                                  <a:latin typeface="Cambria Math" panose="02040503050406030204" pitchFamily="18" charset="0"/>
+                                </a:rPr>
+                                <m:t>𝑏𝑖𝑎𝑠</m:t>
+                              </m:r>
+                              <m:r>
+                                <a:rPr lang="en-US" altLang="ja-JP" sz="2000" i="1">
+                                  <a:latin typeface="Cambria Math" panose="02040503050406030204" pitchFamily="18" charset="0"/>
+                                </a:rPr>
+                                <m:t>1</m:t>
+                              </m:r>
+                            </m:sub>
+                          </m:sSub>
+                          <m:r>
+                            <a:rPr lang="en-US" altLang="ja-JP" sz="2000" i="1">
+                              <a:latin typeface="Cambria Math" panose="02040503050406030204" pitchFamily="18" charset="0"/>
+                            </a:rPr>
+                            <m:t>−</m:t>
+                          </m:r>
+                          <m:sSub>
+                            <m:sSubPr>
+                              <m:ctrlPr>
+                                <a:rPr lang="en-US" altLang="ja-JP" sz="2000" i="1">
+                                  <a:latin typeface="Cambria Math" panose="02040503050406030204" pitchFamily="18" charset="0"/>
+                                </a:rPr>
+                              </m:ctrlPr>
+                            </m:sSubPr>
+                            <m:e>
+                              <m:r>
+                                <a:rPr lang="en-US" altLang="ja-JP" sz="2000" i="1">
+                                  <a:latin typeface="Cambria Math" panose="02040503050406030204" pitchFamily="18" charset="0"/>
+                                </a:rPr>
+                                <m:t>𝐼</m:t>
+                              </m:r>
+                            </m:e>
+                            <m:sub>
+                              <m:r>
+                                <a:rPr lang="en-US" altLang="ja-JP" sz="2000" i="1">
+                                  <a:latin typeface="Cambria Math" panose="02040503050406030204" pitchFamily="18" charset="0"/>
+                                </a:rPr>
+                                <m:t>𝐶</m:t>
+                              </m:r>
+                            </m:sub>
+                          </m:sSub>
+                          <m:r>
+                            <a:rPr lang="en-US" altLang="ja-JP" sz="2000" i="1">
+                              <a:latin typeface="Cambria Math" panose="02040503050406030204" pitchFamily="18" charset="0"/>
+                            </a:rPr>
+                            <m:t>)</m:t>
+                          </m:r>
+                        </m:e>
+                      </m:rad>
+                    </m:oMath>
+                  </m:oMathPara>
+                </a14:m>
+                <a:endParaRPr kumimoji="1" lang="en-US" altLang="ja-JP" sz="2400" dirty="0"/>
+              </a:p>
+              <a:p>
+                <a14:m>
+                  <m:oMath xmlns:m="http://schemas.openxmlformats.org/officeDocument/2006/math">
+                    <m:sSub>
+                      <m:sSubPr>
+                        <m:ctrlPr>
+                          <a:rPr lang="en-US" altLang="ja-JP" sz="2400" b="0" i="1" smtClean="0">
+                            <a:latin typeface="Cambria Math" panose="02040503050406030204" pitchFamily="18" charset="0"/>
+                          </a:rPr>
+                        </m:ctrlPr>
+                      </m:sSubPr>
+                      <m:e>
+                        <m:r>
+                          <a:rPr lang="en-US" altLang="ja-JP" sz="2400" b="0" i="1" smtClean="0">
+                            <a:latin typeface="Cambria Math" panose="02040503050406030204" pitchFamily="18" charset="0"/>
+                          </a:rPr>
+                          <m:t>𝑖</m:t>
+                        </m:r>
+                      </m:e>
+                      <m:sub>
+                        <m:r>
+                          <a:rPr lang="en-US" altLang="ja-JP" sz="2400" b="0" i="1" smtClean="0">
+                            <a:latin typeface="Cambria Math" panose="02040503050406030204" pitchFamily="18" charset="0"/>
+                          </a:rPr>
+                          <m:t>𝐴</m:t>
+                        </m:r>
+                        <m:r>
+                          <a:rPr lang="en-US" altLang="ja-JP" sz="2400" b="0" i="1" smtClean="0">
+                            <a:latin typeface="Cambria Math" panose="02040503050406030204" pitchFamily="18" charset="0"/>
+                          </a:rPr>
+                          <m:t>1</m:t>
+                        </m:r>
+                      </m:sub>
+                    </m:sSub>
+                    <m:r>
+                      <a:rPr lang="en-US" altLang="ja-JP" sz="2400" b="0" i="1" smtClean="0">
+                        <a:latin typeface="Cambria Math" panose="02040503050406030204" pitchFamily="18" charset="0"/>
+                      </a:rPr>
+                      <m:t>~</m:t>
+                    </m:r>
+                    <m:sSub>
+                      <m:sSubPr>
+                        <m:ctrlPr>
+                          <a:rPr lang="en-US" altLang="ja-JP" sz="2400" b="0" i="1" smtClean="0">
+                            <a:latin typeface="Cambria Math" panose="02040503050406030204" pitchFamily="18" charset="0"/>
+                          </a:rPr>
+                        </m:ctrlPr>
+                      </m:sSubPr>
+                      <m:e>
+                        <m:r>
+                          <a:rPr lang="en-US" altLang="ja-JP" sz="2400" b="0" i="1" smtClean="0">
+                            <a:latin typeface="Cambria Math" panose="02040503050406030204" pitchFamily="18" charset="0"/>
+                          </a:rPr>
+                          <m:t>𝑖</m:t>
+                        </m:r>
+                      </m:e>
+                      <m:sub>
+                        <m:r>
+                          <a:rPr lang="en-US" altLang="ja-JP" sz="2400" b="0" i="1" smtClean="0">
+                            <a:latin typeface="Cambria Math" panose="02040503050406030204" pitchFamily="18" charset="0"/>
+                          </a:rPr>
+                          <m:t>𝐴</m:t>
+                        </m:r>
+                        <m:r>
+                          <a:rPr lang="en-US" altLang="ja-JP" sz="2400" b="0" i="1" smtClean="0">
+                            <a:latin typeface="Cambria Math" panose="02040503050406030204" pitchFamily="18" charset="0"/>
+                          </a:rPr>
+                          <m:t>4</m:t>
+                        </m:r>
+                      </m:sub>
+                    </m:sSub>
+                  </m:oMath>
+                </a14:m>
+                <a:r>
+                  <a:rPr lang="ja-JP" altLang="en-US" sz="2400" dirty="0"/>
+                  <a:t>は</a:t>
+                </a:r>
+                <a14:m>
+                  <m:oMath xmlns:m="http://schemas.openxmlformats.org/officeDocument/2006/math">
+                    <m:sSub>
+                      <m:sSubPr>
+                        <m:ctrlPr>
+                          <a:rPr lang="en-US" altLang="ja-JP" sz="2400" b="0" i="1" dirty="0" smtClean="0">
+                            <a:latin typeface="Cambria Math" panose="02040503050406030204" pitchFamily="18" charset="0"/>
+                          </a:rPr>
+                        </m:ctrlPr>
+                      </m:sSubPr>
+                      <m:e>
+                        <m:r>
+                          <a:rPr lang="en-US" altLang="ja-JP" sz="2400" b="0" i="1" dirty="0" smtClean="0">
+                            <a:latin typeface="Cambria Math" panose="02040503050406030204" pitchFamily="18" charset="0"/>
+                          </a:rPr>
+                          <m:t>𝑣</m:t>
+                        </m:r>
+                      </m:e>
+                      <m:sub>
+                        <m:r>
+                          <a:rPr lang="en-US" altLang="ja-JP" sz="2400" b="0" i="1" dirty="0" smtClean="0">
+                            <a:latin typeface="Cambria Math" panose="02040503050406030204" pitchFamily="18" charset="0"/>
+                          </a:rPr>
+                          <m:t>𝑖𝑛</m:t>
+                        </m:r>
+                      </m:sub>
+                    </m:sSub>
+                  </m:oMath>
+                </a14:m>
+                <a:r>
+                  <a:rPr lang="ja-JP" altLang="en-US" sz="2400" dirty="0"/>
+                  <a:t>と</a:t>
+                </a:r>
+                <a14:m>
+                  <m:oMath xmlns:m="http://schemas.openxmlformats.org/officeDocument/2006/math">
+                    <m:sSub>
+                      <m:sSubPr>
+                        <m:ctrlPr>
+                          <a:rPr lang="en-US" altLang="ja-JP" sz="2400" b="0" i="1" dirty="0" smtClean="0">
+                            <a:latin typeface="Cambria Math" panose="02040503050406030204" pitchFamily="18" charset="0"/>
+                          </a:rPr>
+                        </m:ctrlPr>
+                      </m:sSubPr>
+                      <m:e>
+                        <m:r>
+                          <a:rPr lang="en-US" altLang="ja-JP" sz="2400" b="0" i="1" dirty="0" smtClean="0">
+                            <a:latin typeface="Cambria Math" panose="02040503050406030204" pitchFamily="18" charset="0"/>
+                          </a:rPr>
+                          <m:t>𝑉</m:t>
+                        </m:r>
+                      </m:e>
+                      <m:sub>
+                        <m:r>
+                          <a:rPr lang="en-US" altLang="ja-JP" sz="2400" b="0" i="1" dirty="0" smtClean="0">
+                            <a:latin typeface="Cambria Math" panose="02040503050406030204" pitchFamily="18" charset="0"/>
+                          </a:rPr>
+                          <m:t>𝐶𝑇𝐿𝑅</m:t>
+                        </m:r>
+                      </m:sub>
+                    </m:sSub>
+                  </m:oMath>
+                </a14:m>
+                <a:r>
+                  <a:rPr lang="ja-JP" altLang="en-US" sz="2400" dirty="0"/>
+                  <a:t>の符号が変わるだけなので簡便のため</a:t>
+                </a:r>
+                <a:endParaRPr lang="en-US" altLang="ja-JP" sz="2400" dirty="0"/>
+              </a:p>
+              <a:p>
+                <a14:m>
+                  <m:oMathPara xmlns:m="http://schemas.openxmlformats.org/officeDocument/2006/math">
+                    <m:oMathParaPr>
+                      <m:jc m:val="centerGroup"/>
+                    </m:oMathParaPr>
+                    <m:oMath xmlns:m="http://schemas.openxmlformats.org/officeDocument/2006/math">
+                      <m:r>
+                        <a:rPr kumimoji="1" lang="en-US" altLang="ja-JP" sz="2400" b="0" i="1" smtClean="0">
+                          <a:latin typeface="Cambria Math" panose="02040503050406030204" pitchFamily="18" charset="0"/>
+                        </a:rPr>
+                        <m:t>𝐴</m:t>
+                      </m:r>
+                      <m:r>
+                        <a:rPr kumimoji="1" lang="en-US" altLang="ja-JP" sz="2400" b="0" i="1" smtClean="0">
+                          <a:latin typeface="Cambria Math" panose="02040503050406030204" pitchFamily="18" charset="0"/>
+                        </a:rPr>
+                        <m:t>=</m:t>
+                      </m:r>
+                      <m:r>
+                        <a:rPr lang="en-US" altLang="ja-JP" sz="2400">
+                          <a:latin typeface="Cambria Math" panose="02040503050406030204" pitchFamily="18" charset="0"/>
+                        </a:rPr>
+                        <m:t>−</m:t>
+                      </m:r>
+                      <m:rad>
+                        <m:radPr>
+                          <m:degHide m:val="on"/>
+                          <m:ctrlPr>
+                            <a:rPr lang="en-US" altLang="ja-JP" sz="2400" i="1">
+                              <a:latin typeface="Cambria Math" panose="02040503050406030204" pitchFamily="18" charset="0"/>
+                            </a:rPr>
+                          </m:ctrlPr>
+                        </m:radPr>
+                        <m:deg/>
+                        <m:e>
+                          <m:r>
+                            <a:rPr lang="en-US" altLang="ja-JP" sz="2400" i="1">
+                              <a:latin typeface="Cambria Math" panose="02040503050406030204" pitchFamily="18" charset="0"/>
+                            </a:rPr>
+                            <m:t>2</m:t>
+                          </m:r>
+                          <m:sSub>
+                            <m:sSubPr>
+                              <m:ctrlPr>
+                                <a:rPr lang="en-US" altLang="ja-JP" sz="2400" i="1">
+                                  <a:latin typeface="Cambria Math" panose="02040503050406030204" pitchFamily="18" charset="0"/>
+                                </a:rPr>
+                              </m:ctrlPr>
+                            </m:sSubPr>
+                            <m:e>
+                              <m:r>
+                                <a:rPr lang="en-US" altLang="ja-JP" sz="2400" i="1">
+                                  <a:latin typeface="Cambria Math" panose="02040503050406030204" pitchFamily="18" charset="0"/>
+                                </a:rPr>
+                                <m:t>𝐾</m:t>
+                              </m:r>
+                            </m:e>
+                            <m:sub>
+                              <m:r>
+                                <a:rPr lang="en-US" altLang="ja-JP" sz="2400" i="1">
+                                  <a:latin typeface="Cambria Math" panose="02040503050406030204" pitchFamily="18" charset="0"/>
+                                </a:rPr>
+                                <m:t>𝑛</m:t>
+                              </m:r>
+                            </m:sub>
+                          </m:sSub>
+                          <m:sSub>
+                            <m:sSubPr>
+                              <m:ctrlPr>
+                                <a:rPr lang="en-US" altLang="ja-JP" sz="2400" i="1">
+                                  <a:latin typeface="Cambria Math" panose="02040503050406030204" pitchFamily="18" charset="0"/>
+                                </a:rPr>
+                              </m:ctrlPr>
+                            </m:sSubPr>
+                            <m:e>
+                              <m:r>
+                                <a:rPr lang="en-US" altLang="ja-JP" sz="2400" i="1">
+                                  <a:latin typeface="Cambria Math" panose="02040503050406030204" pitchFamily="18" charset="0"/>
+                                </a:rPr>
+                                <m:t>𝐼</m:t>
+                              </m:r>
+                            </m:e>
+                            <m:sub>
+                              <m:r>
+                                <a:rPr lang="en-US" altLang="ja-JP" sz="2400" i="1">
+                                  <a:latin typeface="Cambria Math" panose="02040503050406030204" pitchFamily="18" charset="0"/>
+                                </a:rPr>
+                                <m:t>𝐶</m:t>
+                              </m:r>
+                            </m:sub>
+                          </m:sSub>
+                        </m:e>
+                      </m:rad>
+                      <m:r>
+                        <a:rPr lang="en-US" altLang="ja-JP" sz="2400" b="0" i="0" smtClean="0">
+                          <a:latin typeface="Cambria Math" panose="02040503050406030204" pitchFamily="18" charset="0"/>
+                        </a:rPr>
+                        <m:t>,</m:t>
+                      </m:r>
+                      <m:r>
+                        <a:rPr kumimoji="1" lang="en-US" altLang="ja-JP" sz="2400" b="0" i="1" smtClean="0">
+                          <a:latin typeface="Cambria Math" panose="02040503050406030204" pitchFamily="18" charset="0"/>
+                        </a:rPr>
+                        <m:t>𝐵</m:t>
+                      </m:r>
+                      <m:r>
+                        <a:rPr kumimoji="1" lang="en-US" altLang="ja-JP" sz="2400" b="0" i="1" smtClean="0">
+                          <a:latin typeface="Cambria Math" panose="02040503050406030204" pitchFamily="18" charset="0"/>
+                        </a:rPr>
+                        <m:t>=</m:t>
+                      </m:r>
+                      <m:rad>
+                        <m:radPr>
+                          <m:degHide m:val="on"/>
+                          <m:ctrlPr>
+                            <a:rPr lang="en-US" altLang="ja-JP" sz="2400" i="1">
+                              <a:latin typeface="Cambria Math" panose="02040503050406030204" pitchFamily="18" charset="0"/>
+                            </a:rPr>
+                          </m:ctrlPr>
+                        </m:radPr>
+                        <m:deg/>
+                        <m:e>
+                          <m:f>
+                            <m:fPr>
+                              <m:ctrlPr>
+                                <a:rPr lang="en-US" altLang="ja-JP" sz="2400" i="1">
+                                  <a:latin typeface="Cambria Math" panose="02040503050406030204" pitchFamily="18" charset="0"/>
+                                </a:rPr>
+                              </m:ctrlPr>
+                            </m:fPr>
+                            <m:num>
+                              <m:sSub>
+                                <m:sSubPr>
+                                  <m:ctrlPr>
+                                    <a:rPr lang="en-US" altLang="ja-JP" sz="2400" i="1">
+                                      <a:latin typeface="Cambria Math" panose="02040503050406030204" pitchFamily="18" charset="0"/>
+                                    </a:rPr>
+                                  </m:ctrlPr>
+                                </m:sSubPr>
+                                <m:e>
+                                  <m:r>
+                                    <a:rPr lang="en-US" altLang="ja-JP" sz="2400" i="1">
+                                      <a:latin typeface="Cambria Math" panose="02040503050406030204" pitchFamily="18" charset="0"/>
+                                    </a:rPr>
+                                    <m:t>𝐾</m:t>
+                                  </m:r>
+                                </m:e>
+                                <m:sub>
+                                  <m:r>
+                                    <a:rPr lang="en-US" altLang="ja-JP" sz="2400" i="1">
+                                      <a:latin typeface="Cambria Math" panose="02040503050406030204" pitchFamily="18" charset="0"/>
+                                    </a:rPr>
+                                    <m:t>𝑝</m:t>
+                                  </m:r>
+                                </m:sub>
+                              </m:sSub>
+                            </m:num>
+                            <m:den>
+                              <m:r>
+                                <a:rPr lang="en-US" altLang="ja-JP" sz="2400" i="1">
+                                  <a:latin typeface="Cambria Math" panose="02040503050406030204" pitchFamily="18" charset="0"/>
+                                </a:rPr>
+                                <m:t>2</m:t>
+                              </m:r>
+                              <m:sSub>
+                                <m:sSubPr>
+                                  <m:ctrlPr>
+                                    <a:rPr lang="en-US" altLang="ja-JP" sz="2400" i="1">
+                                      <a:latin typeface="Cambria Math" panose="02040503050406030204" pitchFamily="18" charset="0"/>
+                                    </a:rPr>
+                                  </m:ctrlPr>
+                                </m:sSubPr>
+                                <m:e>
+                                  <m:r>
+                                    <a:rPr lang="en-US" altLang="ja-JP" sz="2400" i="1">
+                                      <a:latin typeface="Cambria Math" panose="02040503050406030204" pitchFamily="18" charset="0"/>
+                                    </a:rPr>
+                                    <m:t>𝐼</m:t>
+                                  </m:r>
+                                </m:e>
+                                <m:sub>
+                                  <m:r>
+                                    <a:rPr lang="en-US" altLang="ja-JP" sz="2400" i="1">
+                                      <a:latin typeface="Cambria Math" panose="02040503050406030204" pitchFamily="18" charset="0"/>
+                                    </a:rPr>
+                                    <m:t>𝑏𝑖𝑎𝑠</m:t>
+                                  </m:r>
+                                  <m:r>
+                                    <a:rPr lang="en-US" altLang="ja-JP" sz="2400" i="1">
+                                      <a:latin typeface="Cambria Math" panose="02040503050406030204" pitchFamily="18" charset="0"/>
+                                    </a:rPr>
+                                    <m:t>1</m:t>
+                                  </m:r>
+                                </m:sub>
+                              </m:sSub>
+                              <m:r>
+                                <a:rPr lang="en-US" altLang="ja-JP" sz="2400" i="1">
+                                  <a:latin typeface="Cambria Math" panose="02040503050406030204" pitchFamily="18" charset="0"/>
+                                </a:rPr>
+                                <m:t>−</m:t>
+                              </m:r>
+                              <m:sSub>
+                                <m:sSubPr>
+                                  <m:ctrlPr>
+                                    <a:rPr lang="en-US" altLang="ja-JP" sz="2400" i="1">
+                                      <a:latin typeface="Cambria Math" panose="02040503050406030204" pitchFamily="18" charset="0"/>
+                                    </a:rPr>
+                                  </m:ctrlPr>
+                                </m:sSubPr>
+                                <m:e>
+                                  <m:r>
+                                    <a:rPr lang="en-US" altLang="ja-JP" sz="2400" i="1">
+                                      <a:latin typeface="Cambria Math" panose="02040503050406030204" pitchFamily="18" charset="0"/>
+                                    </a:rPr>
+                                    <m:t>𝐼</m:t>
+                                  </m:r>
+                                </m:e>
+                                <m:sub>
+                                  <m:r>
+                                    <a:rPr lang="en-US" altLang="ja-JP" sz="2400" i="1">
+                                      <a:latin typeface="Cambria Math" panose="02040503050406030204" pitchFamily="18" charset="0"/>
+                                    </a:rPr>
+                                    <m:t>𝐶</m:t>
+                                  </m:r>
+                                </m:sub>
+                              </m:sSub>
+                            </m:den>
+                          </m:f>
+                        </m:e>
+                      </m:rad>
+                      <m:r>
+                        <a:rPr lang="en-US" altLang="ja-JP" sz="2400" b="0" i="1" smtClean="0">
+                          <a:latin typeface="Cambria Math" panose="02040503050406030204" pitchFamily="18" charset="0"/>
+                        </a:rPr>
+                        <m:t>,</m:t>
+                      </m:r>
+                      <m:r>
+                        <a:rPr lang="en-US" altLang="ja-JP" sz="2400" b="0" i="1" smtClean="0">
+                          <a:latin typeface="Cambria Math" panose="02040503050406030204" pitchFamily="18" charset="0"/>
+                        </a:rPr>
+                        <m:t>𝐶</m:t>
+                      </m:r>
+                      <m:r>
+                        <a:rPr lang="en-US" altLang="ja-JP" sz="2400" b="0" i="1" smtClean="0">
+                          <a:latin typeface="Cambria Math" panose="02040503050406030204" pitchFamily="18" charset="0"/>
+                        </a:rPr>
+                        <m:t>=</m:t>
+                      </m:r>
+                      <m:f>
+                        <m:fPr>
+                          <m:ctrlPr>
+                            <a:rPr lang="en-US" altLang="ja-JP" sz="2400" i="1">
+                              <a:latin typeface="Cambria Math" panose="02040503050406030204" pitchFamily="18" charset="0"/>
+                            </a:rPr>
+                          </m:ctrlPr>
+                        </m:fPr>
+                        <m:num>
+                          <m:r>
+                            <a:rPr lang="en-US" altLang="ja-JP" sz="2400" i="1">
+                              <a:latin typeface="Cambria Math" panose="02040503050406030204" pitchFamily="18" charset="0"/>
+                            </a:rPr>
+                            <m:t>2</m:t>
+                          </m:r>
+                          <m:sSub>
+                            <m:sSubPr>
+                              <m:ctrlPr>
+                                <a:rPr lang="en-US" altLang="ja-JP" sz="2400" i="1">
+                                  <a:latin typeface="Cambria Math" panose="02040503050406030204" pitchFamily="18" charset="0"/>
+                                </a:rPr>
+                              </m:ctrlPr>
+                            </m:sSubPr>
+                            <m:e>
+                              <m:r>
+                                <a:rPr lang="en-US" altLang="ja-JP" sz="2400" i="1">
+                                  <a:latin typeface="Cambria Math" panose="02040503050406030204" pitchFamily="18" charset="0"/>
+                                </a:rPr>
+                                <m:t>𝐼</m:t>
+                              </m:r>
+                            </m:e>
+                            <m:sub>
+                              <m:r>
+                                <a:rPr lang="en-US" altLang="ja-JP" sz="2400" i="1">
+                                  <a:latin typeface="Cambria Math" panose="02040503050406030204" pitchFamily="18" charset="0"/>
+                                </a:rPr>
+                                <m:t>𝑏𝑖𝑎𝑠</m:t>
+                              </m:r>
+                              <m:r>
+                                <a:rPr lang="en-US" altLang="ja-JP" sz="2400" i="1">
+                                  <a:latin typeface="Cambria Math" panose="02040503050406030204" pitchFamily="18" charset="0"/>
+                                </a:rPr>
+                                <m:t>1</m:t>
+                              </m:r>
+                            </m:sub>
+                          </m:sSub>
+                          <m:r>
+                            <a:rPr lang="en-US" altLang="ja-JP" sz="2400" i="1">
+                              <a:latin typeface="Cambria Math" panose="02040503050406030204" pitchFamily="18" charset="0"/>
+                            </a:rPr>
+                            <m:t>−</m:t>
+                          </m:r>
+                          <m:sSub>
+                            <m:sSubPr>
+                              <m:ctrlPr>
+                                <a:rPr lang="en-US" altLang="ja-JP" sz="2400" i="1">
+                                  <a:latin typeface="Cambria Math" panose="02040503050406030204" pitchFamily="18" charset="0"/>
+                                </a:rPr>
+                              </m:ctrlPr>
+                            </m:sSubPr>
+                            <m:e>
+                              <m:r>
+                                <a:rPr lang="en-US" altLang="ja-JP" sz="2400" i="1">
+                                  <a:latin typeface="Cambria Math" panose="02040503050406030204" pitchFamily="18" charset="0"/>
+                                </a:rPr>
+                                <m:t>𝐼</m:t>
+                              </m:r>
+                            </m:e>
+                            <m:sub>
+                              <m:r>
+                                <a:rPr lang="en-US" altLang="ja-JP" sz="2400" i="1">
+                                  <a:latin typeface="Cambria Math" panose="02040503050406030204" pitchFamily="18" charset="0"/>
+                                </a:rPr>
+                                <m:t>𝐶</m:t>
+                              </m:r>
+                            </m:sub>
+                          </m:sSub>
+                        </m:num>
+                        <m:den>
+                          <m:r>
+                            <a:rPr lang="en-US" altLang="ja-JP" sz="2400" i="1">
+                              <a:latin typeface="Cambria Math" panose="02040503050406030204" pitchFamily="18" charset="0"/>
+                            </a:rPr>
+                            <m:t>4</m:t>
+                          </m:r>
+                        </m:den>
+                      </m:f>
+                      <m:r>
+                        <a:rPr lang="en-US" altLang="ja-JP" sz="2400" b="0" i="1" smtClean="0">
+                          <a:latin typeface="Cambria Math" panose="02040503050406030204" pitchFamily="18" charset="0"/>
+                        </a:rPr>
+                        <m:t>,</m:t>
+                      </m:r>
+                      <m:r>
+                        <a:rPr lang="en-US" altLang="ja-JP" sz="2400" b="0" i="1" smtClean="0">
+                          <a:latin typeface="Cambria Math" panose="02040503050406030204" pitchFamily="18" charset="0"/>
+                        </a:rPr>
+                        <m:t>𝐷</m:t>
+                      </m:r>
+                      <m:r>
+                        <a:rPr lang="en-US" altLang="ja-JP" sz="2400" b="0" i="1" smtClean="0">
+                          <a:latin typeface="Cambria Math" panose="02040503050406030204" pitchFamily="18" charset="0"/>
+                        </a:rPr>
+                        <m:t>=</m:t>
+                      </m:r>
+                      <m:rad>
+                        <m:radPr>
+                          <m:degHide m:val="on"/>
+                          <m:ctrlPr>
+                            <a:rPr lang="en-US" altLang="ja-JP" sz="2400" i="1">
+                              <a:latin typeface="Cambria Math" panose="02040503050406030204" pitchFamily="18" charset="0"/>
+                            </a:rPr>
+                          </m:ctrlPr>
+                        </m:radPr>
+                        <m:deg/>
+                        <m:e>
+                          <m:sSub>
+                            <m:sSubPr>
+                              <m:ctrlPr>
+                                <a:rPr lang="en-US" altLang="ja-JP" sz="2400" i="1">
+                                  <a:latin typeface="Cambria Math" panose="02040503050406030204" pitchFamily="18" charset="0"/>
+                                </a:rPr>
+                              </m:ctrlPr>
+                            </m:sSubPr>
+                            <m:e>
+                              <m:r>
+                                <a:rPr lang="en-US" altLang="ja-JP" sz="2400" i="1">
+                                  <a:latin typeface="Cambria Math" panose="02040503050406030204" pitchFamily="18" charset="0"/>
+                                </a:rPr>
+                                <m:t>𝐾</m:t>
+                              </m:r>
+                            </m:e>
+                            <m:sub>
+                              <m:r>
+                                <a:rPr lang="en-US" altLang="ja-JP" sz="2400" i="1">
+                                  <a:latin typeface="Cambria Math" panose="02040503050406030204" pitchFamily="18" charset="0"/>
+                                </a:rPr>
+                                <m:t>𝑝</m:t>
+                              </m:r>
+                            </m:sub>
+                          </m:sSub>
+                          <m:r>
+                            <a:rPr lang="en-US" altLang="ja-JP" sz="2400" i="1">
+                              <a:latin typeface="Cambria Math" panose="02040503050406030204" pitchFamily="18" charset="0"/>
+                            </a:rPr>
+                            <m:t>(2</m:t>
+                          </m:r>
+                          <m:sSub>
+                            <m:sSubPr>
+                              <m:ctrlPr>
+                                <a:rPr lang="en-US" altLang="ja-JP" sz="2400" i="1">
+                                  <a:latin typeface="Cambria Math" panose="02040503050406030204" pitchFamily="18" charset="0"/>
+                                </a:rPr>
+                              </m:ctrlPr>
+                            </m:sSubPr>
+                            <m:e>
+                              <m:r>
+                                <a:rPr lang="en-US" altLang="ja-JP" sz="2400" i="1">
+                                  <a:latin typeface="Cambria Math" panose="02040503050406030204" pitchFamily="18" charset="0"/>
+                                </a:rPr>
+                                <m:t>𝐼</m:t>
+                              </m:r>
+                            </m:e>
+                            <m:sub>
+                              <m:r>
+                                <a:rPr lang="en-US" altLang="ja-JP" sz="2400" i="1">
+                                  <a:latin typeface="Cambria Math" panose="02040503050406030204" pitchFamily="18" charset="0"/>
+                                </a:rPr>
+                                <m:t>𝑏𝑖𝑎𝑠</m:t>
+                              </m:r>
+                              <m:r>
+                                <a:rPr lang="en-US" altLang="ja-JP" sz="2400" i="1">
+                                  <a:latin typeface="Cambria Math" panose="02040503050406030204" pitchFamily="18" charset="0"/>
+                                </a:rPr>
+                                <m:t>1</m:t>
+                              </m:r>
+                            </m:sub>
+                          </m:sSub>
+                          <m:r>
+                            <a:rPr lang="en-US" altLang="ja-JP" sz="2400" i="1">
+                              <a:latin typeface="Cambria Math" panose="02040503050406030204" pitchFamily="18" charset="0"/>
+                            </a:rPr>
+                            <m:t>−</m:t>
+                          </m:r>
+                          <m:sSub>
+                            <m:sSubPr>
+                              <m:ctrlPr>
+                                <a:rPr lang="en-US" altLang="ja-JP" sz="2400" i="1">
+                                  <a:latin typeface="Cambria Math" panose="02040503050406030204" pitchFamily="18" charset="0"/>
+                                </a:rPr>
+                              </m:ctrlPr>
+                            </m:sSubPr>
+                            <m:e>
+                              <m:r>
+                                <a:rPr lang="en-US" altLang="ja-JP" sz="2400" i="1">
+                                  <a:latin typeface="Cambria Math" panose="02040503050406030204" pitchFamily="18" charset="0"/>
+                                </a:rPr>
+                                <m:t>𝐼</m:t>
+                              </m:r>
+                            </m:e>
+                            <m:sub>
+                              <m:r>
+                                <a:rPr lang="en-US" altLang="ja-JP" sz="2400" i="1">
+                                  <a:latin typeface="Cambria Math" panose="02040503050406030204" pitchFamily="18" charset="0"/>
+                                </a:rPr>
+                                <m:t>𝐶</m:t>
+                              </m:r>
+                            </m:sub>
+                          </m:sSub>
+                          <m:r>
+                            <a:rPr lang="en-US" altLang="ja-JP" sz="2400" i="1">
+                              <a:latin typeface="Cambria Math" panose="02040503050406030204" pitchFamily="18" charset="0"/>
+                            </a:rPr>
+                            <m:t>)</m:t>
+                          </m:r>
+                        </m:e>
+                      </m:rad>
+                    </m:oMath>
+                  </m:oMathPara>
+                </a14:m>
+                <a:endParaRPr kumimoji="1" lang="en-US" altLang="ja-JP" sz="2400" dirty="0"/>
+              </a:p>
+              <a:p>
+                <a:r>
+                  <a:rPr lang="ja-JP" altLang="en-US" sz="2400" dirty="0"/>
+                  <a:t>と置けば</a:t>
+                </a:r>
+                <a:endParaRPr lang="en-US" altLang="ja-JP" sz="2400" dirty="0"/>
+              </a:p>
+              <a:p>
+                <a14:m>
+                  <m:oMathPara xmlns:m="http://schemas.openxmlformats.org/officeDocument/2006/math">
+                    <m:oMathParaPr>
+                      <m:jc m:val="centerGroup"/>
+                    </m:oMathParaPr>
+                    <m:oMath xmlns:m="http://schemas.openxmlformats.org/officeDocument/2006/math">
+                      <m:r>
+                        <a:rPr lang="en-US" altLang="ja-JP" sz="2400" i="1">
+                          <a:latin typeface="Cambria Math" panose="02040503050406030204" pitchFamily="18" charset="0"/>
+                        </a:rPr>
+                        <m:t>h</m:t>
+                      </m:r>
+                      <m:d>
+                        <m:dPr>
+                          <m:ctrlPr>
+                            <a:rPr lang="en-US" altLang="ja-JP" sz="2400" i="1">
+                              <a:latin typeface="Cambria Math" panose="02040503050406030204" pitchFamily="18" charset="0"/>
+                            </a:rPr>
+                          </m:ctrlPr>
+                        </m:dPr>
+                        <m:e>
+                          <m:sSub>
+                            <m:sSubPr>
+                              <m:ctrlPr>
+                                <a:rPr lang="en-US" altLang="ja-JP" sz="2400" i="1">
+                                  <a:latin typeface="Cambria Math" panose="02040503050406030204" pitchFamily="18" charset="0"/>
+                                </a:rPr>
+                              </m:ctrlPr>
+                            </m:sSubPr>
+                            <m:e>
+                              <m:r>
+                                <a:rPr lang="en-US" altLang="ja-JP" sz="2400" i="1">
+                                  <a:latin typeface="Cambria Math" panose="02040503050406030204" pitchFamily="18" charset="0"/>
+                                </a:rPr>
+                                <m:t>𝑣</m:t>
+                              </m:r>
+                            </m:e>
+                            <m:sub>
+                              <m:r>
+                                <a:rPr lang="en-US" altLang="ja-JP" sz="2400" i="1">
+                                  <a:latin typeface="Cambria Math" panose="02040503050406030204" pitchFamily="18" charset="0"/>
+                                </a:rPr>
+                                <m:t>𝑖𝑛</m:t>
+                              </m:r>
+                            </m:sub>
+                          </m:sSub>
+                          <m:r>
+                            <a:rPr lang="en-US" altLang="ja-JP" sz="2400" i="1">
+                              <a:latin typeface="Cambria Math" panose="02040503050406030204" pitchFamily="18" charset="0"/>
+                            </a:rPr>
+                            <m:t>,−</m:t>
+                          </m:r>
+                          <m:sSub>
+                            <m:sSubPr>
+                              <m:ctrlPr>
+                                <a:rPr lang="en-US" altLang="ja-JP" sz="2400" i="1">
+                                  <a:latin typeface="Cambria Math" panose="02040503050406030204" pitchFamily="18" charset="0"/>
+                                </a:rPr>
+                              </m:ctrlPr>
+                            </m:sSubPr>
+                            <m:e>
+                              <m:r>
+                                <a:rPr lang="en-US" altLang="ja-JP" sz="2400" i="1">
+                                  <a:latin typeface="Cambria Math" panose="02040503050406030204" pitchFamily="18" charset="0"/>
+                                </a:rPr>
+                                <m:t>𝑉</m:t>
+                              </m:r>
+                            </m:e>
+                            <m:sub>
+                              <m:r>
+                                <a:rPr lang="en-US" altLang="ja-JP" sz="2400" i="1">
+                                  <a:latin typeface="Cambria Math" panose="02040503050406030204" pitchFamily="18" charset="0"/>
+                                </a:rPr>
+                                <m:t>𝐶𝑇𝑅𝐿</m:t>
+                              </m:r>
+                            </m:sub>
+                          </m:sSub>
+                        </m:e>
+                      </m:d>
+                      <m:r>
+                        <a:rPr lang="en-US" altLang="ja-JP" sz="2400" b="0" i="1" smtClean="0">
+                          <a:latin typeface="Cambria Math" panose="02040503050406030204" pitchFamily="18" charset="0"/>
+                        </a:rPr>
+                        <m:t>=</m:t>
+                      </m:r>
+                      <m:r>
+                        <a:rPr lang="en-US" altLang="ja-JP" sz="2400" b="0" i="1" smtClean="0">
+                          <a:latin typeface="Cambria Math" panose="02040503050406030204" pitchFamily="18" charset="0"/>
+                        </a:rPr>
+                        <m:t>𝐴</m:t>
+                      </m:r>
+                      <m:r>
+                        <a:rPr lang="en-US" altLang="ja-JP" sz="2400" b="0" i="1" smtClean="0">
+                          <a:latin typeface="Cambria Math" panose="02040503050406030204" pitchFamily="18" charset="0"/>
+                        </a:rPr>
+                        <m:t>⋅</m:t>
+                      </m:r>
+                      <m:d>
+                        <m:dPr>
+                          <m:ctrlPr>
+                            <a:rPr lang="en-US" altLang="ja-JP" sz="2400" b="0" i="1" smtClean="0">
+                              <a:latin typeface="Cambria Math" panose="02040503050406030204" pitchFamily="18" charset="0"/>
+                            </a:rPr>
+                          </m:ctrlPr>
+                        </m:dPr>
+                        <m:e>
+                          <m:f>
+                            <m:fPr>
+                              <m:ctrlPr>
+                                <a:rPr lang="en-US" altLang="ja-JP" sz="2400" b="0" i="1" smtClean="0">
+                                  <a:latin typeface="Cambria Math" panose="02040503050406030204" pitchFamily="18" charset="0"/>
+                                </a:rPr>
+                              </m:ctrlPr>
+                            </m:fPr>
+                            <m:num>
+                              <m:r>
+                                <a:rPr lang="en-US" altLang="ja-JP" sz="2400" b="0" i="1" smtClean="0">
+                                  <a:latin typeface="Cambria Math" panose="02040503050406030204" pitchFamily="18" charset="0"/>
+                                </a:rPr>
+                                <m:t>1</m:t>
+                              </m:r>
+                            </m:num>
+                            <m:den>
+                              <m:r>
+                                <a:rPr lang="en-US" altLang="ja-JP" sz="2400" b="0" i="1" smtClean="0">
+                                  <a:latin typeface="Cambria Math" panose="02040503050406030204" pitchFamily="18" charset="0"/>
+                                </a:rPr>
+                                <m:t>2</m:t>
+                              </m:r>
+                            </m:den>
+                          </m:f>
+                          <m:r>
+                            <a:rPr lang="en-US" altLang="ja-JP" sz="2400" b="0" i="1" smtClean="0">
+                              <a:latin typeface="Cambria Math" panose="02040503050406030204" pitchFamily="18" charset="0"/>
+                            </a:rPr>
+                            <m:t>+</m:t>
+                          </m:r>
+                          <m:r>
+                            <a:rPr lang="en-US" altLang="ja-JP" sz="2400" b="0" i="1" smtClean="0">
+                              <a:latin typeface="Cambria Math" panose="02040503050406030204" pitchFamily="18" charset="0"/>
+                            </a:rPr>
+                            <m:t>𝐵</m:t>
+                          </m:r>
+                          <m:r>
+                            <a:rPr lang="en-US" altLang="ja-JP" sz="2400" b="0" i="1" smtClean="0">
+                              <a:latin typeface="Cambria Math" panose="02040503050406030204" pitchFamily="18" charset="0"/>
+                            </a:rPr>
+                            <m:t>⋅</m:t>
+                          </m:r>
+                          <m:sSub>
+                            <m:sSubPr>
+                              <m:ctrlPr>
+                                <a:rPr lang="en-US" altLang="ja-JP" sz="2400" b="0" i="1" smtClean="0">
+                                  <a:latin typeface="Cambria Math" panose="02040503050406030204" pitchFamily="18" charset="0"/>
+                                </a:rPr>
+                              </m:ctrlPr>
+                            </m:sSubPr>
+                            <m:e>
+                              <m:r>
+                                <a:rPr lang="en-US" altLang="ja-JP" sz="2400" b="0" i="1" smtClean="0">
+                                  <a:latin typeface="Cambria Math" panose="02040503050406030204" pitchFamily="18" charset="0"/>
+                                </a:rPr>
+                                <m:t>𝑉</m:t>
+                              </m:r>
+                            </m:e>
+                            <m:sub>
+                              <m:r>
+                                <a:rPr lang="en-US" altLang="ja-JP" sz="2400" b="0" i="1" smtClean="0">
+                                  <a:latin typeface="Cambria Math" panose="02040503050406030204" pitchFamily="18" charset="0"/>
+                                </a:rPr>
+                                <m:t>𝐶𝑇𝑅𝐿</m:t>
+                              </m:r>
+                            </m:sub>
+                          </m:sSub>
+                        </m:e>
+                      </m:d>
+                      <m:r>
+                        <a:rPr lang="en-US" altLang="ja-JP" sz="2400" b="0" i="1" smtClean="0">
+                          <a:latin typeface="Cambria Math" panose="02040503050406030204" pitchFamily="18" charset="0"/>
+                        </a:rPr>
+                        <m:t>⋅</m:t>
+                      </m:r>
+                      <m:sSub>
+                        <m:sSubPr>
+                          <m:ctrlPr>
+                            <a:rPr lang="en-US" altLang="ja-JP" sz="2400" b="0" i="1" smtClean="0">
+                              <a:latin typeface="Cambria Math" panose="02040503050406030204" pitchFamily="18" charset="0"/>
+                            </a:rPr>
+                          </m:ctrlPr>
+                        </m:sSubPr>
+                        <m:e>
+                          <m:r>
+                            <a:rPr lang="en-US" altLang="ja-JP" sz="2400" b="0" i="1" smtClean="0">
+                              <a:latin typeface="Cambria Math" panose="02040503050406030204" pitchFamily="18" charset="0"/>
+                            </a:rPr>
+                            <m:t>𝑣</m:t>
+                          </m:r>
+                        </m:e>
+                        <m:sub>
+                          <m:r>
+                            <a:rPr lang="en-US" altLang="ja-JP" sz="2400" b="0" i="1" smtClean="0">
+                              <a:latin typeface="Cambria Math" panose="02040503050406030204" pitchFamily="18" charset="0"/>
+                            </a:rPr>
+                            <m:t>𝑖𝑛</m:t>
+                          </m:r>
+                        </m:sub>
+                      </m:sSub>
+                      <m:r>
+                        <a:rPr lang="en-US" altLang="ja-JP" sz="2400" b="0" i="1" smtClean="0">
+                          <a:latin typeface="Cambria Math" panose="02040503050406030204" pitchFamily="18" charset="0"/>
+                        </a:rPr>
+                        <m:t>+</m:t>
+                      </m:r>
+                      <m:r>
+                        <a:rPr lang="en-US" altLang="ja-JP" sz="2400" b="0" i="1" smtClean="0">
+                          <a:latin typeface="Cambria Math" panose="02040503050406030204" pitchFamily="18" charset="0"/>
+                        </a:rPr>
+                        <m:t>𝐶</m:t>
+                      </m:r>
+                      <m:r>
+                        <a:rPr lang="en-US" altLang="ja-JP" sz="2400" b="0" i="1" smtClean="0">
+                          <a:latin typeface="Cambria Math" panose="02040503050406030204" pitchFamily="18" charset="0"/>
+                        </a:rPr>
+                        <m:t>+</m:t>
+                      </m:r>
+                      <m:r>
+                        <a:rPr lang="en-US" altLang="ja-JP" sz="2400" b="0" i="1" smtClean="0">
+                          <a:latin typeface="Cambria Math" panose="02040503050406030204" pitchFamily="18" charset="0"/>
+                        </a:rPr>
+                        <m:t>𝐷</m:t>
+                      </m:r>
+                      <m:r>
+                        <a:rPr lang="en-US" altLang="ja-JP" sz="2400" b="0" i="1" smtClean="0">
+                          <a:latin typeface="Cambria Math" panose="02040503050406030204" pitchFamily="18" charset="0"/>
+                        </a:rPr>
+                        <m:t>⋅</m:t>
+                      </m:r>
+                      <m:sSub>
+                        <m:sSubPr>
+                          <m:ctrlPr>
+                            <a:rPr lang="en-US" altLang="ja-JP" sz="2400" b="0" i="1" smtClean="0">
+                              <a:latin typeface="Cambria Math" panose="02040503050406030204" pitchFamily="18" charset="0"/>
+                            </a:rPr>
+                          </m:ctrlPr>
+                        </m:sSubPr>
+                        <m:e>
+                          <m:r>
+                            <a:rPr lang="en-US" altLang="ja-JP" sz="2400" b="0" i="1" smtClean="0">
+                              <a:latin typeface="Cambria Math" panose="02040503050406030204" pitchFamily="18" charset="0"/>
+                            </a:rPr>
+                            <m:t>𝑉</m:t>
+                          </m:r>
+                        </m:e>
+                        <m:sub>
+                          <m:r>
+                            <a:rPr lang="en-US" altLang="ja-JP" sz="2400" b="0" i="1" smtClean="0">
+                              <a:latin typeface="Cambria Math" panose="02040503050406030204" pitchFamily="18" charset="0"/>
+                            </a:rPr>
+                            <m:t>𝐶𝑇𝑅𝐿</m:t>
+                          </m:r>
+                        </m:sub>
+                      </m:sSub>
+                    </m:oMath>
+                  </m:oMathPara>
+                </a14:m>
+                <a:endParaRPr kumimoji="1" lang="en-US" altLang="ja-JP" sz="2400" dirty="0"/>
+              </a:p>
+              <a:p>
+                <a:r>
+                  <a:rPr lang="ja-JP" altLang="en-US" sz="2400" dirty="0"/>
+                  <a:t>と表せる。</a:t>
+                </a:r>
+                <a:endParaRPr kumimoji="1" lang="ja-JP" altLang="en-US" sz="2400" dirty="0"/>
+              </a:p>
+            </p:txBody>
+          </p:sp>
+        </mc:Choice>
+        <mc:Fallback>
+          <p:sp>
+            <p:nvSpPr>
+              <p:cNvPr id="4" name="テキスト ボックス 3">
+                <a:extLst>
+                  <a:ext uri="{FF2B5EF4-FFF2-40B4-BE49-F238E27FC236}">
+                    <a16:creationId xmlns:a16="http://schemas.microsoft.com/office/drawing/2014/main" id="{D8925E0E-ABEF-CC43-84FF-2F683791FDE8}"/>
+                  </a:ext>
+                </a:extLst>
+              </p:cNvPr>
+              <p:cNvSpPr txBox="1">
+                <a:spLocks noRot="1" noChangeAspect="1" noMove="1" noResize="1" noEditPoints="1" noAdjustHandles="1" noChangeArrowheads="1" noChangeShapeType="1" noTextEdit="1"/>
+              </p:cNvSpPr>
+              <p:nvPr/>
+            </p:nvSpPr>
+            <p:spPr>
+              <a:xfrm>
+                <a:off x="0" y="1789300"/>
+                <a:ext cx="12192000" cy="4112216"/>
+              </a:xfrm>
+              <a:prstGeom prst="rect">
+                <a:avLst/>
+              </a:prstGeom>
+              <a:blipFill>
+                <a:blip r:embed="rId2"/>
+                <a:stretch>
+                  <a:fillRect l="-750" b="-2522"/>
+                </a:stretch>
+              </a:blipFill>
+            </p:spPr>
+            <p:txBody>
+              <a:bodyPr/>
+              <a:lstStyle/>
+              <a:p>
+                <a:r>
+                  <a:rPr lang="ja-JP" altLang="en-US">
+                    <a:noFill/>
+                  </a:rPr>
+                  <a:t> </a:t>
+                </a:r>
+              </a:p>
+            </p:txBody>
+          </p:sp>
+        </mc:Fallback>
+      </mc:AlternateContent>
+    </p:spTree>
+    <p:extLst>
+      <p:ext uri="{BB962C8B-B14F-4D97-AF65-F5344CB8AC3E}">
+        <p14:creationId xmlns:p14="http://schemas.microsoft.com/office/powerpoint/2010/main" val="2159479583"/>
+      </p:ext>
+    </p:extLst>
+  </p:cSld>
+  <p:clrMapOvr>
+    <a:masterClrMapping/>
+  </p:clrMapOvr>
+</p:sld>
+</file>
+
+<file path=ppt/slides/slide16.xml><?xml version="1.0" encoding="utf-8"?>
+<p:sld xmlns:a="http://schemas.openxmlformats.org/drawingml/2006/main" xmlns:r="http://schemas.openxmlformats.org/officeDocument/2006/relationships" xmlns:p="http://schemas.openxmlformats.org/presentationml/2006/main">
+  <p:cSld>
+    <p:spTree>
+      <p:nvGrpSpPr>
+        <p:cNvPr id="1" name=""/>
+        <p:cNvGrpSpPr/>
+        <p:nvPr/>
+      </p:nvGrpSpPr>
+      <p:grpSpPr>
+        <a:xfrm>
+          <a:off x="0" y="0"/>
+          <a:ext cx="0" cy="0"/>
+          <a:chOff x="0" y="0"/>
+          <a:chExt cx="0" cy="0"/>
+        </a:xfrm>
+      </p:grpSpPr>
+      <p:sp>
+        <p:nvSpPr>
+          <p:cNvPr id="2" name="タイトル 1">
+            <a:extLst>
+              <a:ext uri="{FF2B5EF4-FFF2-40B4-BE49-F238E27FC236}">
+                <a16:creationId xmlns:a16="http://schemas.microsoft.com/office/drawing/2014/main" id="{B2A03796-1BBB-9352-F5FB-D882933169EC}"/>
+              </a:ext>
+            </a:extLst>
+          </p:cNvPr>
+          <p:cNvSpPr>
+            <a:spLocks noGrp="1"/>
+          </p:cNvSpPr>
+          <p:nvPr>
+            <p:ph type="title"/>
+          </p:nvPr>
+        </p:nvSpPr>
+        <p:spPr/>
+        <p:txBody>
+          <a:bodyPr/>
+          <a:lstStyle/>
+          <a:p>
+            <a:r>
+              <a:rPr kumimoji="1" lang="ja-JP" altLang="en-US" dirty="0"/>
+              <a:t>折り返し型乗算回路の利得計算</a:t>
+            </a:r>
+            <a:br>
+              <a:rPr kumimoji="1" lang="en-US" altLang="ja-JP" dirty="0"/>
+            </a:br>
+            <a:r>
+              <a:rPr kumimoji="1" lang="ja-JP" altLang="en-US" dirty="0"/>
+              <a:t>各部の電流</a:t>
+            </a:r>
+          </a:p>
+        </p:txBody>
+      </p:sp>
+      <p:sp>
+        <p:nvSpPr>
+          <p:cNvPr id="3" name="スライド番号プレースホルダー 2">
+            <a:extLst>
+              <a:ext uri="{FF2B5EF4-FFF2-40B4-BE49-F238E27FC236}">
+                <a16:creationId xmlns:a16="http://schemas.microsoft.com/office/drawing/2014/main" id="{1756CABB-C855-DE10-7786-15A27BD4AE47}"/>
+              </a:ext>
+            </a:extLst>
+          </p:cNvPr>
+          <p:cNvSpPr>
+            <a:spLocks noGrp="1"/>
+          </p:cNvSpPr>
+          <p:nvPr>
+            <p:ph type="sldNum" sz="quarter" idx="12"/>
+          </p:nvPr>
+        </p:nvSpPr>
+        <p:spPr/>
+        <p:txBody>
+          <a:bodyPr/>
+          <a:lstStyle/>
+          <a:p>
+            <a:fld id="{A742575F-3C2A-495A-A52F-17634B579F22}" type="slidenum">
+              <a:rPr kumimoji="1" lang="ja-JP" altLang="en-US" smtClean="0"/>
+              <a:t>16</a:t>
+            </a:fld>
+            <a:endParaRPr kumimoji="1" lang="ja-JP" altLang="en-US"/>
+          </a:p>
+        </p:txBody>
+      </p:sp>
+      <mc:AlternateContent xmlns:mc="http://schemas.openxmlformats.org/markup-compatibility/2006">
+        <mc:Choice xmlns:a14="http://schemas.microsoft.com/office/drawing/2010/main" Requires="a14">
+          <p:sp>
+            <p:nvSpPr>
+              <p:cNvPr id="4" name="テキスト ボックス 3">
+                <a:extLst>
+                  <a:ext uri="{FF2B5EF4-FFF2-40B4-BE49-F238E27FC236}">
+                    <a16:creationId xmlns:a16="http://schemas.microsoft.com/office/drawing/2014/main" id="{EF874216-8402-436B-2DC4-7D09DBDB51F1}"/>
+                  </a:ext>
+                </a:extLst>
+              </p:cNvPr>
+              <p:cNvSpPr txBox="1"/>
+              <p:nvPr/>
+            </p:nvSpPr>
+            <p:spPr>
+              <a:xfrm>
+                <a:off x="1613647" y="1690688"/>
+                <a:ext cx="8964705" cy="4765920"/>
+              </a:xfrm>
+              <a:prstGeom prst="rect">
+                <a:avLst/>
+              </a:prstGeom>
+              <a:noFill/>
+            </p:spPr>
+            <p:txBody>
+              <a:bodyPr wrap="square" rtlCol="0">
+                <a:spAutoFit/>
+              </a:bodyPr>
+              <a:lstStyle/>
+              <a:p>
+                <a:pPr algn="l"/>
+                <a14:m>
+                  <m:oMathPara xmlns:m="http://schemas.openxmlformats.org/officeDocument/2006/math">
+                    <m:oMathParaPr>
+                      <m:jc m:val="centerGroup"/>
+                    </m:oMathParaPr>
+                    <m:oMath xmlns:m="http://schemas.openxmlformats.org/officeDocument/2006/math">
+                      <m:sSub>
+                        <m:sSubPr>
+                          <m:ctrlPr>
+                            <a:rPr kumimoji="1" lang="en-US" altLang="ja-JP" sz="2400" b="0" i="1" smtClean="0">
+                              <a:latin typeface="Cambria Math" panose="02040503050406030204" pitchFamily="18" charset="0"/>
+                            </a:rPr>
+                          </m:ctrlPr>
+                        </m:sSubPr>
+                        <m:e>
+                          <m:r>
+                            <a:rPr kumimoji="1" lang="en-US" altLang="ja-JP" sz="2400" b="0" i="1" smtClean="0">
+                              <a:latin typeface="Cambria Math" panose="02040503050406030204" pitchFamily="18" charset="0"/>
+                            </a:rPr>
+                            <m:t>𝑖</m:t>
+                          </m:r>
+                        </m:e>
+                        <m:sub>
+                          <m:r>
+                            <a:rPr kumimoji="1" lang="en-US" altLang="ja-JP" sz="2400" b="0" i="1" smtClean="0">
+                              <a:latin typeface="Cambria Math" panose="02040503050406030204" pitchFamily="18" charset="0"/>
+                            </a:rPr>
+                            <m:t>𝐴</m:t>
+                          </m:r>
+                          <m:r>
+                            <a:rPr kumimoji="1" lang="en-US" altLang="ja-JP" sz="2400" b="0" i="1" smtClean="0">
+                              <a:latin typeface="Cambria Math" panose="02040503050406030204" pitchFamily="18" charset="0"/>
+                            </a:rPr>
+                            <m:t>1</m:t>
+                          </m:r>
+                        </m:sub>
+                      </m:sSub>
+                      <m:r>
+                        <a:rPr kumimoji="1" lang="en-US" altLang="ja-JP" sz="2400" b="0" i="1" smtClean="0">
+                          <a:latin typeface="Cambria Math" panose="02040503050406030204" pitchFamily="18" charset="0"/>
+                        </a:rPr>
+                        <m:t>−</m:t>
+                      </m:r>
+                      <m:sSub>
+                        <m:sSubPr>
+                          <m:ctrlPr>
+                            <a:rPr kumimoji="1" lang="en-US" altLang="ja-JP" sz="2400" b="0" i="1" smtClean="0">
+                              <a:latin typeface="Cambria Math" panose="02040503050406030204" pitchFamily="18" charset="0"/>
+                            </a:rPr>
+                          </m:ctrlPr>
+                        </m:sSubPr>
+                        <m:e>
+                          <m:r>
+                            <a:rPr kumimoji="1" lang="en-US" altLang="ja-JP" sz="2400" b="0" i="1" smtClean="0">
+                              <a:latin typeface="Cambria Math" panose="02040503050406030204" pitchFamily="18" charset="0"/>
+                            </a:rPr>
+                            <m:t>𝑖</m:t>
+                          </m:r>
+                        </m:e>
+                        <m:sub>
+                          <m:r>
+                            <a:rPr kumimoji="1" lang="en-US" altLang="ja-JP" sz="2400" b="0" i="1" smtClean="0">
+                              <a:latin typeface="Cambria Math" panose="02040503050406030204" pitchFamily="18" charset="0"/>
+                            </a:rPr>
+                            <m:t>𝐴</m:t>
+                          </m:r>
+                          <m:r>
+                            <a:rPr kumimoji="1" lang="en-US" altLang="ja-JP" sz="2400" b="0" i="1" smtClean="0">
+                              <a:latin typeface="Cambria Math" panose="02040503050406030204" pitchFamily="18" charset="0"/>
+                            </a:rPr>
+                            <m:t>2</m:t>
+                          </m:r>
+                        </m:sub>
+                      </m:sSub>
+                      <m:r>
+                        <a:rPr kumimoji="1" lang="en-US" altLang="ja-JP" sz="2400" b="0" i="1" smtClean="0">
+                          <a:latin typeface="Cambria Math" panose="02040503050406030204" pitchFamily="18" charset="0"/>
+                        </a:rPr>
+                        <m:t>+</m:t>
+                      </m:r>
+                      <m:sSub>
+                        <m:sSubPr>
+                          <m:ctrlPr>
+                            <a:rPr kumimoji="1" lang="en-US" altLang="ja-JP" sz="2400" b="0" i="1" smtClean="0">
+                              <a:latin typeface="Cambria Math" panose="02040503050406030204" pitchFamily="18" charset="0"/>
+                            </a:rPr>
+                          </m:ctrlPr>
+                        </m:sSubPr>
+                        <m:e>
+                          <m:r>
+                            <a:rPr kumimoji="1" lang="en-US" altLang="ja-JP" sz="2400" b="0" i="1" smtClean="0">
+                              <a:latin typeface="Cambria Math" panose="02040503050406030204" pitchFamily="18" charset="0"/>
+                            </a:rPr>
+                            <m:t>𝑖</m:t>
+                          </m:r>
+                        </m:e>
+                        <m:sub>
+                          <m:r>
+                            <a:rPr kumimoji="1" lang="en-US" altLang="ja-JP" sz="2400" b="0" i="1" smtClean="0">
+                              <a:latin typeface="Cambria Math" panose="02040503050406030204" pitchFamily="18" charset="0"/>
+                            </a:rPr>
+                            <m:t>𝐴</m:t>
+                          </m:r>
+                          <m:r>
+                            <a:rPr kumimoji="1" lang="en-US" altLang="ja-JP" sz="2400" b="0" i="1" smtClean="0">
+                              <a:latin typeface="Cambria Math" panose="02040503050406030204" pitchFamily="18" charset="0"/>
+                            </a:rPr>
+                            <m:t>3</m:t>
+                          </m:r>
+                        </m:sub>
+                      </m:sSub>
+                      <m:r>
+                        <a:rPr kumimoji="1" lang="en-US" altLang="ja-JP" sz="2400" b="0" i="1" smtClean="0">
+                          <a:latin typeface="Cambria Math" panose="02040503050406030204" pitchFamily="18" charset="0"/>
+                        </a:rPr>
+                        <m:t>−</m:t>
+                      </m:r>
+                      <m:sSub>
+                        <m:sSubPr>
+                          <m:ctrlPr>
+                            <a:rPr kumimoji="1" lang="en-US" altLang="ja-JP" sz="2400" b="0" i="1" smtClean="0">
+                              <a:latin typeface="Cambria Math" panose="02040503050406030204" pitchFamily="18" charset="0"/>
+                            </a:rPr>
+                          </m:ctrlPr>
+                        </m:sSubPr>
+                        <m:e>
+                          <m:r>
+                            <a:rPr kumimoji="1" lang="en-US" altLang="ja-JP" sz="2400" b="0" i="1" smtClean="0">
+                              <a:latin typeface="Cambria Math" panose="02040503050406030204" pitchFamily="18" charset="0"/>
+                            </a:rPr>
+                            <m:t>𝑖</m:t>
+                          </m:r>
+                        </m:e>
+                        <m:sub>
+                          <m:r>
+                            <a:rPr kumimoji="1" lang="en-US" altLang="ja-JP" sz="2400" b="0" i="1" smtClean="0">
+                              <a:latin typeface="Cambria Math" panose="02040503050406030204" pitchFamily="18" charset="0"/>
+                            </a:rPr>
+                            <m:t>𝐴</m:t>
+                          </m:r>
+                          <m:r>
+                            <a:rPr kumimoji="1" lang="en-US" altLang="ja-JP" sz="2400" b="0" i="1" smtClean="0">
+                              <a:latin typeface="Cambria Math" panose="02040503050406030204" pitchFamily="18" charset="0"/>
+                            </a:rPr>
+                            <m:t>4</m:t>
+                          </m:r>
+                        </m:sub>
+                      </m:sSub>
+                    </m:oMath>
+                  </m:oMathPara>
+                </a14:m>
+                <a:endParaRPr kumimoji="1" lang="en-US" altLang="ja-JP" sz="2400" dirty="0"/>
+              </a:p>
+              <a:p>
+                <a14:m>
+                  <m:oMathPara xmlns:m="http://schemas.openxmlformats.org/officeDocument/2006/math">
+                    <m:oMathParaPr>
+                      <m:jc m:val="centerGroup"/>
+                    </m:oMathParaPr>
+                    <m:oMath xmlns:m="http://schemas.openxmlformats.org/officeDocument/2006/math">
+                      <m:r>
+                        <a:rPr kumimoji="1" lang="en-US" altLang="ja-JP" sz="2000" b="0" i="1" smtClean="0">
+                          <a:latin typeface="Cambria Math" panose="02040503050406030204" pitchFamily="18" charset="0"/>
+                        </a:rPr>
+                        <m:t>=</m:t>
+                      </m:r>
+                      <m:r>
+                        <a:rPr kumimoji="1" lang="en-US" altLang="ja-JP" sz="2000" b="0" i="1" smtClean="0">
+                          <a:latin typeface="Cambria Math" panose="02040503050406030204" pitchFamily="18" charset="0"/>
+                        </a:rPr>
+                        <m:t>h</m:t>
+                      </m:r>
+                      <m:d>
+                        <m:dPr>
+                          <m:ctrlPr>
+                            <a:rPr kumimoji="1" lang="en-US" altLang="ja-JP" sz="2000" b="0" i="1" smtClean="0">
+                              <a:latin typeface="Cambria Math" panose="02040503050406030204" pitchFamily="18" charset="0"/>
+                            </a:rPr>
+                          </m:ctrlPr>
+                        </m:dPr>
+                        <m:e>
+                          <m:sSub>
+                            <m:sSubPr>
+                              <m:ctrlPr>
+                                <a:rPr kumimoji="1" lang="en-US" altLang="ja-JP" sz="2000" b="0" i="1" smtClean="0">
+                                  <a:latin typeface="Cambria Math" panose="02040503050406030204" pitchFamily="18" charset="0"/>
+                                </a:rPr>
+                              </m:ctrlPr>
+                            </m:sSubPr>
+                            <m:e>
+                              <m:r>
+                                <a:rPr kumimoji="1" lang="en-US" altLang="ja-JP" sz="2000" b="0" i="1" smtClean="0">
+                                  <a:latin typeface="Cambria Math" panose="02040503050406030204" pitchFamily="18" charset="0"/>
+                                </a:rPr>
+                                <m:t>𝑣</m:t>
+                              </m:r>
+                            </m:e>
+                            <m:sub>
+                              <m:r>
+                                <a:rPr kumimoji="1" lang="en-US" altLang="ja-JP" sz="2000" b="0" i="1" smtClean="0">
+                                  <a:latin typeface="Cambria Math" panose="02040503050406030204" pitchFamily="18" charset="0"/>
+                                </a:rPr>
+                                <m:t>𝑖𝑛</m:t>
+                              </m:r>
+                            </m:sub>
+                          </m:sSub>
+                          <m:r>
+                            <a:rPr kumimoji="1" lang="en-US" altLang="ja-JP" sz="2000" b="0" i="1" smtClean="0">
+                              <a:latin typeface="Cambria Math" panose="02040503050406030204" pitchFamily="18" charset="0"/>
+                            </a:rPr>
+                            <m:t>,−</m:t>
+                          </m:r>
+                          <m:sSub>
+                            <m:sSubPr>
+                              <m:ctrlPr>
+                                <a:rPr kumimoji="1" lang="en-US" altLang="ja-JP" sz="2000" b="0" i="1" smtClean="0">
+                                  <a:latin typeface="Cambria Math" panose="02040503050406030204" pitchFamily="18" charset="0"/>
+                                </a:rPr>
+                              </m:ctrlPr>
+                            </m:sSubPr>
+                            <m:e>
+                              <m:r>
+                                <a:rPr kumimoji="1" lang="en-US" altLang="ja-JP" sz="2000" b="0" i="1" smtClean="0">
+                                  <a:latin typeface="Cambria Math" panose="02040503050406030204" pitchFamily="18" charset="0"/>
+                                </a:rPr>
+                                <m:t>𝑉</m:t>
+                              </m:r>
+                            </m:e>
+                            <m:sub>
+                              <m:r>
+                                <a:rPr kumimoji="1" lang="en-US" altLang="ja-JP" sz="2000" b="0" i="1" smtClean="0">
+                                  <a:latin typeface="Cambria Math" panose="02040503050406030204" pitchFamily="18" charset="0"/>
+                                </a:rPr>
+                                <m:t>𝐶𝑇𝑅𝐿</m:t>
+                              </m:r>
+                            </m:sub>
+                          </m:sSub>
+                        </m:e>
+                      </m:d>
+                      <m:r>
+                        <a:rPr lang="en-US" altLang="ja-JP" sz="2000" i="1">
+                          <a:latin typeface="Cambria Math" panose="02040503050406030204" pitchFamily="18" charset="0"/>
+                        </a:rPr>
+                        <m:t>−</m:t>
+                      </m:r>
+                      <m:r>
+                        <a:rPr lang="en-US" altLang="ja-JP" sz="2000" i="1">
+                          <a:latin typeface="Cambria Math" panose="02040503050406030204" pitchFamily="18" charset="0"/>
+                        </a:rPr>
+                        <m:t>h</m:t>
+                      </m:r>
+                      <m:d>
+                        <m:dPr>
+                          <m:ctrlPr>
+                            <a:rPr lang="en-US" altLang="ja-JP" sz="2000" i="1">
+                              <a:latin typeface="Cambria Math" panose="02040503050406030204" pitchFamily="18" charset="0"/>
+                            </a:rPr>
+                          </m:ctrlPr>
+                        </m:dPr>
+                        <m:e>
+                          <m:sSub>
+                            <m:sSubPr>
+                              <m:ctrlPr>
+                                <a:rPr lang="en-US" altLang="ja-JP" sz="2000" i="1">
+                                  <a:latin typeface="Cambria Math" panose="02040503050406030204" pitchFamily="18" charset="0"/>
+                                </a:rPr>
+                              </m:ctrlPr>
+                            </m:sSubPr>
+                            <m:e>
+                              <m:r>
+                                <a:rPr lang="en-US" altLang="ja-JP" sz="2000" i="1">
+                                  <a:latin typeface="Cambria Math" panose="02040503050406030204" pitchFamily="18" charset="0"/>
+                                </a:rPr>
+                                <m:t>𝑣</m:t>
+                              </m:r>
+                            </m:e>
+                            <m:sub>
+                              <m:r>
+                                <a:rPr lang="en-US" altLang="ja-JP" sz="2000" i="1">
+                                  <a:latin typeface="Cambria Math" panose="02040503050406030204" pitchFamily="18" charset="0"/>
+                                </a:rPr>
+                                <m:t>𝑖𝑛</m:t>
+                              </m:r>
+                            </m:sub>
+                          </m:sSub>
+                          <m:r>
+                            <a:rPr lang="en-US" altLang="ja-JP" sz="2000" i="1">
+                              <a:latin typeface="Cambria Math" panose="02040503050406030204" pitchFamily="18" charset="0"/>
+                            </a:rPr>
+                            <m:t>,</m:t>
+                          </m:r>
+                          <m:sSub>
+                            <m:sSubPr>
+                              <m:ctrlPr>
+                                <a:rPr lang="en-US" altLang="ja-JP" sz="2000" i="1">
+                                  <a:latin typeface="Cambria Math" panose="02040503050406030204" pitchFamily="18" charset="0"/>
+                                </a:rPr>
+                              </m:ctrlPr>
+                            </m:sSubPr>
+                            <m:e>
+                              <m:r>
+                                <a:rPr lang="en-US" altLang="ja-JP" sz="2000" i="1">
+                                  <a:latin typeface="Cambria Math" panose="02040503050406030204" pitchFamily="18" charset="0"/>
+                                </a:rPr>
+                                <m:t>𝑉</m:t>
+                              </m:r>
+                            </m:e>
+                            <m:sub>
+                              <m:r>
+                                <a:rPr lang="en-US" altLang="ja-JP" sz="2000" i="1">
+                                  <a:latin typeface="Cambria Math" panose="02040503050406030204" pitchFamily="18" charset="0"/>
+                                </a:rPr>
+                                <m:t>𝐶𝑇𝑅𝐿</m:t>
+                              </m:r>
+                            </m:sub>
+                          </m:sSub>
+                        </m:e>
+                      </m:d>
+                      <m:r>
+                        <a:rPr lang="en-US" altLang="ja-JP" sz="2000" b="0" i="1" smtClean="0">
+                          <a:latin typeface="Cambria Math" panose="02040503050406030204" pitchFamily="18" charset="0"/>
+                        </a:rPr>
+                        <m:t>+</m:t>
+                      </m:r>
+                      <m:r>
+                        <a:rPr lang="en-US" altLang="ja-JP" sz="2000" i="1">
+                          <a:latin typeface="Cambria Math" panose="02040503050406030204" pitchFamily="18" charset="0"/>
+                        </a:rPr>
+                        <m:t>h</m:t>
+                      </m:r>
+                      <m:d>
+                        <m:dPr>
+                          <m:ctrlPr>
+                            <a:rPr lang="en-US" altLang="ja-JP" sz="2000" i="1">
+                              <a:latin typeface="Cambria Math" panose="02040503050406030204" pitchFamily="18" charset="0"/>
+                            </a:rPr>
+                          </m:ctrlPr>
+                        </m:dPr>
+                        <m:e>
+                          <m:r>
+                            <a:rPr lang="en-US" altLang="ja-JP" sz="2000" b="0" i="1" smtClean="0">
+                              <a:latin typeface="Cambria Math" panose="02040503050406030204" pitchFamily="18" charset="0"/>
+                            </a:rPr>
+                            <m:t>−</m:t>
+                          </m:r>
+                          <m:sSub>
+                            <m:sSubPr>
+                              <m:ctrlPr>
+                                <a:rPr lang="en-US" altLang="ja-JP" sz="2000" i="1">
+                                  <a:latin typeface="Cambria Math" panose="02040503050406030204" pitchFamily="18" charset="0"/>
+                                </a:rPr>
+                              </m:ctrlPr>
+                            </m:sSubPr>
+                            <m:e>
+                              <m:r>
+                                <a:rPr lang="en-US" altLang="ja-JP" sz="2000" i="1">
+                                  <a:latin typeface="Cambria Math" panose="02040503050406030204" pitchFamily="18" charset="0"/>
+                                </a:rPr>
+                                <m:t>𝑣</m:t>
+                              </m:r>
+                            </m:e>
+                            <m:sub>
+                              <m:r>
+                                <a:rPr lang="en-US" altLang="ja-JP" sz="2000" i="1">
+                                  <a:latin typeface="Cambria Math" panose="02040503050406030204" pitchFamily="18" charset="0"/>
+                                </a:rPr>
+                                <m:t>𝑖𝑛</m:t>
+                              </m:r>
+                            </m:sub>
+                          </m:sSub>
+                          <m:r>
+                            <a:rPr lang="en-US" altLang="ja-JP" sz="2000" i="1">
+                              <a:latin typeface="Cambria Math" panose="02040503050406030204" pitchFamily="18" charset="0"/>
+                            </a:rPr>
+                            <m:t>,</m:t>
+                          </m:r>
+                          <m:sSub>
+                            <m:sSubPr>
+                              <m:ctrlPr>
+                                <a:rPr lang="en-US" altLang="ja-JP" sz="2000" i="1">
+                                  <a:latin typeface="Cambria Math" panose="02040503050406030204" pitchFamily="18" charset="0"/>
+                                </a:rPr>
+                              </m:ctrlPr>
+                            </m:sSubPr>
+                            <m:e>
+                              <m:r>
+                                <a:rPr lang="en-US" altLang="ja-JP" sz="2000" i="1">
+                                  <a:latin typeface="Cambria Math" panose="02040503050406030204" pitchFamily="18" charset="0"/>
+                                </a:rPr>
+                                <m:t>𝑉</m:t>
+                              </m:r>
+                            </m:e>
+                            <m:sub>
+                              <m:r>
+                                <a:rPr lang="en-US" altLang="ja-JP" sz="2000" i="1">
+                                  <a:latin typeface="Cambria Math" panose="02040503050406030204" pitchFamily="18" charset="0"/>
+                                </a:rPr>
+                                <m:t>𝐶𝑇𝑅𝐿</m:t>
+                              </m:r>
+                            </m:sub>
+                          </m:sSub>
+                        </m:e>
+                      </m:d>
+                      <m:r>
+                        <a:rPr lang="en-US" altLang="ja-JP" sz="2000" b="0" i="1" smtClean="0">
+                          <a:latin typeface="Cambria Math" panose="02040503050406030204" pitchFamily="18" charset="0"/>
+                        </a:rPr>
+                        <m:t>−</m:t>
+                      </m:r>
+                      <m:r>
+                        <a:rPr lang="en-US" altLang="ja-JP" sz="2000" i="1">
+                          <a:latin typeface="Cambria Math" panose="02040503050406030204" pitchFamily="18" charset="0"/>
+                        </a:rPr>
+                        <m:t>h</m:t>
+                      </m:r>
+                      <m:r>
+                        <a:rPr lang="en-US" altLang="ja-JP" sz="2000" i="1">
+                          <a:latin typeface="Cambria Math" panose="02040503050406030204" pitchFamily="18" charset="0"/>
+                        </a:rPr>
+                        <m:t>(</m:t>
+                      </m:r>
+                      <m:sSub>
+                        <m:sSubPr>
+                          <m:ctrlPr>
+                            <a:rPr lang="en-US" altLang="ja-JP" sz="2000" i="1">
+                              <a:latin typeface="Cambria Math" panose="02040503050406030204" pitchFamily="18" charset="0"/>
+                            </a:rPr>
+                          </m:ctrlPr>
+                        </m:sSubPr>
+                        <m:e>
+                          <m:r>
+                            <a:rPr lang="en-US" altLang="ja-JP" sz="2000" b="0" i="1" smtClean="0">
+                              <a:latin typeface="Cambria Math" panose="02040503050406030204" pitchFamily="18" charset="0"/>
+                            </a:rPr>
+                            <m:t>−</m:t>
+                          </m:r>
+                          <m:r>
+                            <a:rPr lang="en-US" altLang="ja-JP" sz="2000" i="1">
+                              <a:latin typeface="Cambria Math" panose="02040503050406030204" pitchFamily="18" charset="0"/>
+                            </a:rPr>
+                            <m:t>𝑣</m:t>
+                          </m:r>
+                        </m:e>
+                        <m:sub>
+                          <m:r>
+                            <a:rPr lang="en-US" altLang="ja-JP" sz="2000" i="1">
+                              <a:latin typeface="Cambria Math" panose="02040503050406030204" pitchFamily="18" charset="0"/>
+                            </a:rPr>
+                            <m:t>𝑖𝑛</m:t>
+                          </m:r>
+                        </m:sub>
+                      </m:sSub>
+                      <m:r>
+                        <a:rPr lang="en-US" altLang="ja-JP" sz="2000" i="1">
+                          <a:latin typeface="Cambria Math" panose="02040503050406030204" pitchFamily="18" charset="0"/>
+                        </a:rPr>
+                        <m:t>,</m:t>
+                      </m:r>
+                      <m:r>
+                        <a:rPr lang="en-US" altLang="ja-JP" sz="2000" b="0" i="1" smtClean="0">
+                          <a:latin typeface="Cambria Math" panose="02040503050406030204" pitchFamily="18" charset="0"/>
+                        </a:rPr>
+                        <m:t>−</m:t>
+                      </m:r>
+                      <m:sSub>
+                        <m:sSubPr>
+                          <m:ctrlPr>
+                            <a:rPr lang="en-US" altLang="ja-JP" sz="2000" i="1">
+                              <a:latin typeface="Cambria Math" panose="02040503050406030204" pitchFamily="18" charset="0"/>
+                            </a:rPr>
+                          </m:ctrlPr>
+                        </m:sSubPr>
+                        <m:e>
+                          <m:r>
+                            <a:rPr lang="en-US" altLang="ja-JP" sz="2000" i="1">
+                              <a:latin typeface="Cambria Math" panose="02040503050406030204" pitchFamily="18" charset="0"/>
+                            </a:rPr>
+                            <m:t>𝑉</m:t>
+                          </m:r>
+                        </m:e>
+                        <m:sub>
+                          <m:r>
+                            <a:rPr lang="en-US" altLang="ja-JP" sz="2000" i="1">
+                              <a:latin typeface="Cambria Math" panose="02040503050406030204" pitchFamily="18" charset="0"/>
+                            </a:rPr>
+                            <m:t>𝐶𝑇𝑅𝐿</m:t>
+                          </m:r>
+                        </m:sub>
+                      </m:sSub>
+                      <m:r>
+                        <a:rPr lang="en-US" altLang="ja-JP" sz="2000" i="1">
+                          <a:latin typeface="Cambria Math" panose="02040503050406030204" pitchFamily="18" charset="0"/>
+                        </a:rPr>
+                        <m:t>)</m:t>
+                      </m:r>
+                    </m:oMath>
+                  </m:oMathPara>
+                </a14:m>
+                <a:endParaRPr kumimoji="1" lang="en-US" altLang="ja-JP" sz="2000" dirty="0"/>
+              </a:p>
+              <a:p>
+                <a14:m>
+                  <m:oMathPara xmlns:m="http://schemas.openxmlformats.org/officeDocument/2006/math">
+                    <m:oMathParaPr>
+                      <m:jc m:val="centerGroup"/>
+                    </m:oMathParaPr>
+                    <m:oMath xmlns:m="http://schemas.openxmlformats.org/officeDocument/2006/math">
+                      <m:r>
+                        <a:rPr kumimoji="1" lang="en-US" altLang="ja-JP" sz="2400" b="0" i="1" smtClean="0">
+                          <a:latin typeface="Cambria Math" panose="02040503050406030204" pitchFamily="18" charset="0"/>
+                        </a:rPr>
+                        <m:t>=</m:t>
+                      </m:r>
+                      <m:r>
+                        <a:rPr lang="en-US" altLang="ja-JP" sz="2400" i="1">
+                          <a:latin typeface="Cambria Math" panose="02040503050406030204" pitchFamily="18" charset="0"/>
+                        </a:rPr>
+                        <m:t>𝐴</m:t>
+                      </m:r>
+                      <m:r>
+                        <a:rPr lang="en-US" altLang="ja-JP" sz="2400" i="1">
+                          <a:latin typeface="Cambria Math" panose="02040503050406030204" pitchFamily="18" charset="0"/>
+                        </a:rPr>
+                        <m:t>⋅</m:t>
+                      </m:r>
+                      <m:d>
+                        <m:dPr>
+                          <m:ctrlPr>
+                            <a:rPr lang="en-US" altLang="ja-JP" sz="2400" i="1">
+                              <a:latin typeface="Cambria Math" panose="02040503050406030204" pitchFamily="18" charset="0"/>
+                            </a:rPr>
+                          </m:ctrlPr>
+                        </m:dPr>
+                        <m:e>
+                          <m:f>
+                            <m:fPr>
+                              <m:ctrlPr>
+                                <a:rPr lang="en-US" altLang="ja-JP" sz="2400" i="1">
+                                  <a:latin typeface="Cambria Math" panose="02040503050406030204" pitchFamily="18" charset="0"/>
+                                </a:rPr>
+                              </m:ctrlPr>
+                            </m:fPr>
+                            <m:num>
+                              <m:r>
+                                <a:rPr lang="en-US" altLang="ja-JP" sz="2400" i="1">
+                                  <a:latin typeface="Cambria Math" panose="02040503050406030204" pitchFamily="18" charset="0"/>
+                                </a:rPr>
+                                <m:t>1</m:t>
+                              </m:r>
+                            </m:num>
+                            <m:den>
+                              <m:r>
+                                <a:rPr lang="en-US" altLang="ja-JP" sz="2400" i="1">
+                                  <a:latin typeface="Cambria Math" panose="02040503050406030204" pitchFamily="18" charset="0"/>
+                                </a:rPr>
+                                <m:t>2</m:t>
+                              </m:r>
+                            </m:den>
+                          </m:f>
+                          <m:r>
+                            <a:rPr lang="en-US" altLang="ja-JP" sz="2400" i="1">
+                              <a:latin typeface="Cambria Math" panose="02040503050406030204" pitchFamily="18" charset="0"/>
+                            </a:rPr>
+                            <m:t>+</m:t>
+                          </m:r>
+                          <m:r>
+                            <a:rPr lang="en-US" altLang="ja-JP" sz="2400" i="1">
+                              <a:latin typeface="Cambria Math" panose="02040503050406030204" pitchFamily="18" charset="0"/>
+                            </a:rPr>
+                            <m:t>𝐵</m:t>
+                          </m:r>
+                          <m:r>
+                            <a:rPr lang="en-US" altLang="ja-JP" sz="2400" i="1">
+                              <a:latin typeface="Cambria Math" panose="02040503050406030204" pitchFamily="18" charset="0"/>
+                            </a:rPr>
+                            <m:t>⋅</m:t>
+                          </m:r>
+                          <m:sSub>
+                            <m:sSubPr>
+                              <m:ctrlPr>
+                                <a:rPr lang="en-US" altLang="ja-JP" sz="2400" i="1">
+                                  <a:latin typeface="Cambria Math" panose="02040503050406030204" pitchFamily="18" charset="0"/>
+                                </a:rPr>
+                              </m:ctrlPr>
+                            </m:sSubPr>
+                            <m:e>
+                              <m:r>
+                                <a:rPr lang="en-US" altLang="ja-JP" sz="2400" i="1">
+                                  <a:latin typeface="Cambria Math" panose="02040503050406030204" pitchFamily="18" charset="0"/>
+                                </a:rPr>
+                                <m:t>𝑉</m:t>
+                              </m:r>
+                            </m:e>
+                            <m:sub>
+                              <m:r>
+                                <a:rPr lang="en-US" altLang="ja-JP" sz="2400" i="1">
+                                  <a:latin typeface="Cambria Math" panose="02040503050406030204" pitchFamily="18" charset="0"/>
+                                </a:rPr>
+                                <m:t>𝐶𝑇𝑅𝐿</m:t>
+                              </m:r>
+                            </m:sub>
+                          </m:sSub>
+                        </m:e>
+                      </m:d>
+                      <m:r>
+                        <a:rPr lang="en-US" altLang="ja-JP" sz="2400" i="1">
+                          <a:latin typeface="Cambria Math" panose="02040503050406030204" pitchFamily="18" charset="0"/>
+                        </a:rPr>
+                        <m:t>⋅</m:t>
+                      </m:r>
+                      <m:sSub>
+                        <m:sSubPr>
+                          <m:ctrlPr>
+                            <a:rPr lang="en-US" altLang="ja-JP" sz="2400" i="1">
+                              <a:latin typeface="Cambria Math" panose="02040503050406030204" pitchFamily="18" charset="0"/>
+                            </a:rPr>
+                          </m:ctrlPr>
+                        </m:sSubPr>
+                        <m:e>
+                          <m:r>
+                            <a:rPr lang="en-US" altLang="ja-JP" sz="2400" i="1">
+                              <a:latin typeface="Cambria Math" panose="02040503050406030204" pitchFamily="18" charset="0"/>
+                            </a:rPr>
+                            <m:t>𝑣</m:t>
+                          </m:r>
+                        </m:e>
+                        <m:sub>
+                          <m:r>
+                            <a:rPr lang="en-US" altLang="ja-JP" sz="2400" i="1">
+                              <a:latin typeface="Cambria Math" panose="02040503050406030204" pitchFamily="18" charset="0"/>
+                            </a:rPr>
+                            <m:t>𝑖𝑛</m:t>
+                          </m:r>
+                        </m:sub>
+                      </m:sSub>
+                      <m:r>
+                        <a:rPr lang="en-US" altLang="ja-JP" sz="2400" i="1">
+                          <a:latin typeface="Cambria Math" panose="02040503050406030204" pitchFamily="18" charset="0"/>
+                        </a:rPr>
+                        <m:t>+</m:t>
+                      </m:r>
+                      <m:r>
+                        <a:rPr lang="en-US" altLang="ja-JP" sz="2400" i="1">
+                          <a:latin typeface="Cambria Math" panose="02040503050406030204" pitchFamily="18" charset="0"/>
+                        </a:rPr>
+                        <m:t>𝐶</m:t>
+                      </m:r>
+                      <m:r>
+                        <a:rPr lang="en-US" altLang="ja-JP" sz="2400" i="1">
+                          <a:latin typeface="Cambria Math" panose="02040503050406030204" pitchFamily="18" charset="0"/>
+                        </a:rPr>
+                        <m:t>+</m:t>
+                      </m:r>
+                      <m:r>
+                        <a:rPr lang="en-US" altLang="ja-JP" sz="2400" i="1">
+                          <a:latin typeface="Cambria Math" panose="02040503050406030204" pitchFamily="18" charset="0"/>
+                        </a:rPr>
+                        <m:t>𝐷</m:t>
+                      </m:r>
+                      <m:r>
+                        <a:rPr lang="en-US" altLang="ja-JP" sz="2400" i="1">
+                          <a:latin typeface="Cambria Math" panose="02040503050406030204" pitchFamily="18" charset="0"/>
+                        </a:rPr>
+                        <m:t>⋅</m:t>
+                      </m:r>
+                      <m:sSub>
+                        <m:sSubPr>
+                          <m:ctrlPr>
+                            <a:rPr lang="en-US" altLang="ja-JP" sz="2400" i="1">
+                              <a:latin typeface="Cambria Math" panose="02040503050406030204" pitchFamily="18" charset="0"/>
+                            </a:rPr>
+                          </m:ctrlPr>
+                        </m:sSubPr>
+                        <m:e>
+                          <m:r>
+                            <a:rPr lang="en-US" altLang="ja-JP" sz="2400" i="1">
+                              <a:latin typeface="Cambria Math" panose="02040503050406030204" pitchFamily="18" charset="0"/>
+                            </a:rPr>
+                            <m:t>𝑉</m:t>
+                          </m:r>
+                        </m:e>
+                        <m:sub>
+                          <m:r>
+                            <a:rPr lang="en-US" altLang="ja-JP" sz="2400" i="1">
+                              <a:latin typeface="Cambria Math" panose="02040503050406030204" pitchFamily="18" charset="0"/>
+                            </a:rPr>
+                            <m:t>𝐶𝑇𝑅𝐿</m:t>
+                          </m:r>
+                        </m:sub>
+                      </m:sSub>
+                    </m:oMath>
+                  </m:oMathPara>
+                </a14:m>
+                <a:endParaRPr kumimoji="1" lang="en-US" altLang="ja-JP" sz="2400" dirty="0"/>
+              </a:p>
+              <a:p>
+                <a14:m>
+                  <m:oMathPara xmlns:m="http://schemas.openxmlformats.org/officeDocument/2006/math">
+                    <m:oMathParaPr>
+                      <m:jc m:val="centerGroup"/>
+                    </m:oMathParaPr>
+                    <m:oMath xmlns:m="http://schemas.openxmlformats.org/officeDocument/2006/math">
+                      <m:r>
+                        <a:rPr kumimoji="1" lang="en-US" altLang="ja-JP" sz="2400" b="0" i="1" smtClean="0">
+                          <a:latin typeface="Cambria Math" panose="02040503050406030204" pitchFamily="18" charset="0"/>
+                        </a:rPr>
+                        <m:t>−</m:t>
+                      </m:r>
+                      <m:r>
+                        <a:rPr lang="en-US" altLang="ja-JP" sz="2400" i="1">
+                          <a:latin typeface="Cambria Math" panose="02040503050406030204" pitchFamily="18" charset="0"/>
+                        </a:rPr>
+                        <m:t>𝐴</m:t>
+                      </m:r>
+                      <m:r>
+                        <a:rPr lang="en-US" altLang="ja-JP" sz="2400" i="1">
+                          <a:latin typeface="Cambria Math" panose="02040503050406030204" pitchFamily="18" charset="0"/>
+                        </a:rPr>
+                        <m:t>⋅</m:t>
+                      </m:r>
+                      <m:d>
+                        <m:dPr>
+                          <m:ctrlPr>
+                            <a:rPr lang="en-US" altLang="ja-JP" sz="2400" i="1">
+                              <a:latin typeface="Cambria Math" panose="02040503050406030204" pitchFamily="18" charset="0"/>
+                            </a:rPr>
+                          </m:ctrlPr>
+                        </m:dPr>
+                        <m:e>
+                          <m:f>
+                            <m:fPr>
+                              <m:ctrlPr>
+                                <a:rPr lang="en-US" altLang="ja-JP" sz="2400" i="1">
+                                  <a:latin typeface="Cambria Math" panose="02040503050406030204" pitchFamily="18" charset="0"/>
+                                </a:rPr>
+                              </m:ctrlPr>
+                            </m:fPr>
+                            <m:num>
+                              <m:r>
+                                <a:rPr lang="en-US" altLang="ja-JP" sz="2400" i="1">
+                                  <a:latin typeface="Cambria Math" panose="02040503050406030204" pitchFamily="18" charset="0"/>
+                                </a:rPr>
+                                <m:t>1</m:t>
+                              </m:r>
+                            </m:num>
+                            <m:den>
+                              <m:r>
+                                <a:rPr lang="en-US" altLang="ja-JP" sz="2400" i="1">
+                                  <a:latin typeface="Cambria Math" panose="02040503050406030204" pitchFamily="18" charset="0"/>
+                                </a:rPr>
+                                <m:t>2</m:t>
+                              </m:r>
+                            </m:den>
+                          </m:f>
+                          <m:r>
+                            <a:rPr lang="en-US" altLang="ja-JP" sz="2400" b="0" i="1" smtClean="0">
+                              <a:latin typeface="Cambria Math" panose="02040503050406030204" pitchFamily="18" charset="0"/>
+                            </a:rPr>
+                            <m:t>−</m:t>
+                          </m:r>
+                          <m:r>
+                            <a:rPr lang="en-US" altLang="ja-JP" sz="2400" i="1">
+                              <a:latin typeface="Cambria Math" panose="02040503050406030204" pitchFamily="18" charset="0"/>
+                            </a:rPr>
+                            <m:t>𝐵</m:t>
+                          </m:r>
+                          <m:r>
+                            <a:rPr lang="en-US" altLang="ja-JP" sz="2400" i="1">
+                              <a:latin typeface="Cambria Math" panose="02040503050406030204" pitchFamily="18" charset="0"/>
+                            </a:rPr>
+                            <m:t>⋅</m:t>
+                          </m:r>
+                          <m:sSub>
+                            <m:sSubPr>
+                              <m:ctrlPr>
+                                <a:rPr lang="en-US" altLang="ja-JP" sz="2400" i="1">
+                                  <a:latin typeface="Cambria Math" panose="02040503050406030204" pitchFamily="18" charset="0"/>
+                                </a:rPr>
+                              </m:ctrlPr>
+                            </m:sSubPr>
+                            <m:e>
+                              <m:r>
+                                <a:rPr lang="en-US" altLang="ja-JP" sz="2400" i="1">
+                                  <a:latin typeface="Cambria Math" panose="02040503050406030204" pitchFamily="18" charset="0"/>
+                                </a:rPr>
+                                <m:t>𝑉</m:t>
+                              </m:r>
+                            </m:e>
+                            <m:sub>
+                              <m:r>
+                                <a:rPr lang="en-US" altLang="ja-JP" sz="2400" i="1">
+                                  <a:latin typeface="Cambria Math" panose="02040503050406030204" pitchFamily="18" charset="0"/>
+                                </a:rPr>
+                                <m:t>𝐶𝑇𝑅𝐿</m:t>
+                              </m:r>
+                            </m:sub>
+                          </m:sSub>
+                        </m:e>
+                      </m:d>
+                      <m:r>
+                        <a:rPr lang="en-US" altLang="ja-JP" sz="2400" i="1">
+                          <a:latin typeface="Cambria Math" panose="02040503050406030204" pitchFamily="18" charset="0"/>
+                        </a:rPr>
+                        <m:t>⋅</m:t>
+                      </m:r>
+                      <m:sSub>
+                        <m:sSubPr>
+                          <m:ctrlPr>
+                            <a:rPr lang="en-US" altLang="ja-JP" sz="2400" i="1">
+                              <a:latin typeface="Cambria Math" panose="02040503050406030204" pitchFamily="18" charset="0"/>
+                            </a:rPr>
+                          </m:ctrlPr>
+                        </m:sSubPr>
+                        <m:e>
+                          <m:r>
+                            <a:rPr lang="en-US" altLang="ja-JP" sz="2400" i="1">
+                              <a:latin typeface="Cambria Math" panose="02040503050406030204" pitchFamily="18" charset="0"/>
+                            </a:rPr>
+                            <m:t>𝑣</m:t>
+                          </m:r>
+                        </m:e>
+                        <m:sub>
+                          <m:r>
+                            <a:rPr lang="en-US" altLang="ja-JP" sz="2400" i="1">
+                              <a:latin typeface="Cambria Math" panose="02040503050406030204" pitchFamily="18" charset="0"/>
+                            </a:rPr>
+                            <m:t>𝑖𝑛</m:t>
+                          </m:r>
+                        </m:sub>
+                      </m:sSub>
+                      <m:r>
+                        <a:rPr lang="en-US" altLang="ja-JP" sz="2400" b="0" i="1" smtClean="0">
+                          <a:latin typeface="Cambria Math" panose="02040503050406030204" pitchFamily="18" charset="0"/>
+                        </a:rPr>
+                        <m:t>−</m:t>
+                      </m:r>
+                      <m:r>
+                        <a:rPr lang="en-US" altLang="ja-JP" sz="2400" i="1">
+                          <a:latin typeface="Cambria Math" panose="02040503050406030204" pitchFamily="18" charset="0"/>
+                        </a:rPr>
+                        <m:t>𝐶</m:t>
+                      </m:r>
+                      <m:r>
+                        <a:rPr lang="en-US" altLang="ja-JP" sz="2400" i="1">
+                          <a:latin typeface="Cambria Math" panose="02040503050406030204" pitchFamily="18" charset="0"/>
+                        </a:rPr>
+                        <m:t>+</m:t>
+                      </m:r>
+                      <m:r>
+                        <a:rPr lang="en-US" altLang="ja-JP" sz="2400" i="1">
+                          <a:latin typeface="Cambria Math" panose="02040503050406030204" pitchFamily="18" charset="0"/>
+                        </a:rPr>
+                        <m:t>𝐷</m:t>
+                      </m:r>
+                      <m:r>
+                        <a:rPr lang="en-US" altLang="ja-JP" sz="2400" i="1">
+                          <a:latin typeface="Cambria Math" panose="02040503050406030204" pitchFamily="18" charset="0"/>
+                        </a:rPr>
+                        <m:t>⋅</m:t>
+                      </m:r>
+                      <m:sSub>
+                        <m:sSubPr>
+                          <m:ctrlPr>
+                            <a:rPr lang="en-US" altLang="ja-JP" sz="2400" i="1">
+                              <a:latin typeface="Cambria Math" panose="02040503050406030204" pitchFamily="18" charset="0"/>
+                            </a:rPr>
+                          </m:ctrlPr>
+                        </m:sSubPr>
+                        <m:e>
+                          <m:r>
+                            <a:rPr lang="en-US" altLang="ja-JP" sz="2400" i="1">
+                              <a:latin typeface="Cambria Math" panose="02040503050406030204" pitchFamily="18" charset="0"/>
+                            </a:rPr>
+                            <m:t>𝑉</m:t>
+                          </m:r>
+                        </m:e>
+                        <m:sub>
+                          <m:r>
+                            <a:rPr lang="en-US" altLang="ja-JP" sz="2400" i="1">
+                              <a:latin typeface="Cambria Math" panose="02040503050406030204" pitchFamily="18" charset="0"/>
+                            </a:rPr>
+                            <m:t>𝐶𝑇𝑅𝐿</m:t>
+                          </m:r>
+                        </m:sub>
+                      </m:sSub>
+                    </m:oMath>
+                  </m:oMathPara>
+                </a14:m>
+                <a:endParaRPr kumimoji="1" lang="en-US" altLang="ja-JP" sz="2400" dirty="0"/>
+              </a:p>
+              <a:p>
+                <a14:m>
+                  <m:oMathPara xmlns:m="http://schemas.openxmlformats.org/officeDocument/2006/math">
+                    <m:oMathParaPr>
+                      <m:jc m:val="centerGroup"/>
+                    </m:oMathParaPr>
+                    <m:oMath xmlns:m="http://schemas.openxmlformats.org/officeDocument/2006/math">
+                      <m:r>
+                        <a:rPr lang="en-US" altLang="ja-JP" sz="2400" b="0" i="1" smtClean="0">
+                          <a:latin typeface="Cambria Math" panose="02040503050406030204" pitchFamily="18" charset="0"/>
+                        </a:rPr>
+                        <m:t>−</m:t>
+                      </m:r>
+                      <m:r>
+                        <a:rPr lang="en-US" altLang="ja-JP" sz="2400" b="0" i="1" smtClean="0">
+                          <a:latin typeface="Cambria Math" panose="02040503050406030204" pitchFamily="18" charset="0"/>
+                        </a:rPr>
+                        <m:t>𝐴</m:t>
+                      </m:r>
+                      <m:r>
+                        <a:rPr lang="en-US" altLang="ja-JP" sz="2400" b="0" i="1" smtClean="0">
+                          <a:latin typeface="Cambria Math" panose="02040503050406030204" pitchFamily="18" charset="0"/>
+                        </a:rPr>
+                        <m:t>⋅</m:t>
+                      </m:r>
+                      <m:d>
+                        <m:dPr>
+                          <m:ctrlPr>
+                            <a:rPr lang="en-US" altLang="ja-JP" sz="2400" b="0" i="1" smtClean="0">
+                              <a:latin typeface="Cambria Math" panose="02040503050406030204" pitchFamily="18" charset="0"/>
+                            </a:rPr>
+                          </m:ctrlPr>
+                        </m:dPr>
+                        <m:e>
+                          <m:f>
+                            <m:fPr>
+                              <m:ctrlPr>
+                                <a:rPr lang="en-US" altLang="ja-JP" sz="2400" b="0" i="1" smtClean="0">
+                                  <a:latin typeface="Cambria Math" panose="02040503050406030204" pitchFamily="18" charset="0"/>
+                                </a:rPr>
+                              </m:ctrlPr>
+                            </m:fPr>
+                            <m:num>
+                              <m:r>
+                                <a:rPr lang="en-US" altLang="ja-JP" sz="2400" b="0" i="1" smtClean="0">
+                                  <a:latin typeface="Cambria Math" panose="02040503050406030204" pitchFamily="18" charset="0"/>
+                                </a:rPr>
+                                <m:t>1</m:t>
+                              </m:r>
+                            </m:num>
+                            <m:den>
+                              <m:r>
+                                <a:rPr lang="en-US" altLang="ja-JP" sz="2400" b="0" i="1" smtClean="0">
+                                  <a:latin typeface="Cambria Math" panose="02040503050406030204" pitchFamily="18" charset="0"/>
+                                </a:rPr>
+                                <m:t>2</m:t>
+                              </m:r>
+                            </m:den>
+                          </m:f>
+                          <m:r>
+                            <a:rPr lang="en-US" altLang="ja-JP" sz="2400" b="0" i="1" smtClean="0">
+                              <a:latin typeface="Cambria Math" panose="02040503050406030204" pitchFamily="18" charset="0"/>
+                            </a:rPr>
+                            <m:t>−</m:t>
+                          </m:r>
+                          <m:r>
+                            <a:rPr lang="en-US" altLang="ja-JP" sz="2400" b="0" i="1" smtClean="0">
+                              <a:latin typeface="Cambria Math" panose="02040503050406030204" pitchFamily="18" charset="0"/>
+                            </a:rPr>
+                            <m:t>𝐵</m:t>
+                          </m:r>
+                          <m:r>
+                            <a:rPr lang="en-US" altLang="ja-JP" sz="2400" b="0" i="1" smtClean="0">
+                              <a:latin typeface="Cambria Math" panose="02040503050406030204" pitchFamily="18" charset="0"/>
+                            </a:rPr>
+                            <m:t>⋅</m:t>
+                          </m:r>
+                          <m:sSub>
+                            <m:sSubPr>
+                              <m:ctrlPr>
+                                <a:rPr lang="en-US" altLang="ja-JP" sz="2400" b="0" i="1" smtClean="0">
+                                  <a:latin typeface="Cambria Math" panose="02040503050406030204" pitchFamily="18" charset="0"/>
+                                </a:rPr>
+                              </m:ctrlPr>
+                            </m:sSubPr>
+                            <m:e>
+                              <m:r>
+                                <a:rPr lang="en-US" altLang="ja-JP" sz="2400" b="0" i="1" smtClean="0">
+                                  <a:latin typeface="Cambria Math" panose="02040503050406030204" pitchFamily="18" charset="0"/>
+                                </a:rPr>
+                                <m:t>𝑉</m:t>
+                              </m:r>
+                            </m:e>
+                            <m:sub>
+                              <m:r>
+                                <a:rPr lang="en-US" altLang="ja-JP" sz="2400" b="0" i="1" smtClean="0">
+                                  <a:latin typeface="Cambria Math" panose="02040503050406030204" pitchFamily="18" charset="0"/>
+                                </a:rPr>
+                                <m:t>𝐶𝑇𝑅𝐿</m:t>
+                              </m:r>
+                            </m:sub>
+                          </m:sSub>
+                        </m:e>
+                      </m:d>
+                      <m:r>
+                        <a:rPr lang="en-US" altLang="ja-JP" sz="2400" b="0" i="1" smtClean="0">
+                          <a:latin typeface="Cambria Math" panose="02040503050406030204" pitchFamily="18" charset="0"/>
+                        </a:rPr>
+                        <m:t>⋅</m:t>
+                      </m:r>
+                      <m:sSub>
+                        <m:sSubPr>
+                          <m:ctrlPr>
+                            <a:rPr lang="en-US" altLang="ja-JP" sz="2400" b="0" i="1" smtClean="0">
+                              <a:latin typeface="Cambria Math" panose="02040503050406030204" pitchFamily="18" charset="0"/>
+                            </a:rPr>
+                          </m:ctrlPr>
+                        </m:sSubPr>
+                        <m:e>
+                          <m:r>
+                            <a:rPr lang="en-US" altLang="ja-JP" sz="2400" b="0" i="1" smtClean="0">
+                              <a:latin typeface="Cambria Math" panose="02040503050406030204" pitchFamily="18" charset="0"/>
+                            </a:rPr>
+                            <m:t>𝑣</m:t>
+                          </m:r>
+                        </m:e>
+                        <m:sub>
+                          <m:r>
+                            <a:rPr lang="en-US" altLang="ja-JP" sz="2400" b="0" i="1" smtClean="0">
+                              <a:latin typeface="Cambria Math" panose="02040503050406030204" pitchFamily="18" charset="0"/>
+                            </a:rPr>
+                            <m:t>𝑖𝑛</m:t>
+                          </m:r>
+                        </m:sub>
+                      </m:sSub>
+                      <m:r>
+                        <a:rPr lang="en-US" altLang="ja-JP" sz="2400" b="0" i="1" smtClean="0">
+                          <a:latin typeface="Cambria Math" panose="02040503050406030204" pitchFamily="18" charset="0"/>
+                        </a:rPr>
+                        <m:t>+</m:t>
+                      </m:r>
+                      <m:r>
+                        <a:rPr lang="en-US" altLang="ja-JP" sz="2400" b="0" i="1" smtClean="0">
+                          <a:latin typeface="Cambria Math" panose="02040503050406030204" pitchFamily="18" charset="0"/>
+                        </a:rPr>
+                        <m:t>𝐶</m:t>
+                      </m:r>
+                      <m:r>
+                        <a:rPr lang="en-US" altLang="ja-JP" sz="2400" b="0" i="1" smtClean="0">
+                          <a:latin typeface="Cambria Math" panose="02040503050406030204" pitchFamily="18" charset="0"/>
+                        </a:rPr>
+                        <m:t>−</m:t>
+                      </m:r>
+                      <m:r>
+                        <a:rPr lang="en-US" altLang="ja-JP" sz="2400" b="0" i="1" smtClean="0">
+                          <a:latin typeface="Cambria Math" panose="02040503050406030204" pitchFamily="18" charset="0"/>
+                        </a:rPr>
+                        <m:t>𝐷</m:t>
+                      </m:r>
+                      <m:r>
+                        <a:rPr lang="en-US" altLang="ja-JP" sz="2400" b="0" i="1" smtClean="0">
+                          <a:latin typeface="Cambria Math" panose="02040503050406030204" pitchFamily="18" charset="0"/>
+                        </a:rPr>
+                        <m:t>⋅</m:t>
+                      </m:r>
+                      <m:sSub>
+                        <m:sSubPr>
+                          <m:ctrlPr>
+                            <a:rPr lang="en-US" altLang="ja-JP" sz="2400" b="0" i="1" smtClean="0">
+                              <a:latin typeface="Cambria Math" panose="02040503050406030204" pitchFamily="18" charset="0"/>
+                            </a:rPr>
+                          </m:ctrlPr>
+                        </m:sSubPr>
+                        <m:e>
+                          <m:r>
+                            <a:rPr lang="en-US" altLang="ja-JP" sz="2400" b="0" i="1" smtClean="0">
+                              <a:latin typeface="Cambria Math" panose="02040503050406030204" pitchFamily="18" charset="0"/>
+                            </a:rPr>
+                            <m:t>𝑉</m:t>
+                          </m:r>
+                        </m:e>
+                        <m:sub>
+                          <m:r>
+                            <a:rPr lang="en-US" altLang="ja-JP" sz="2400" b="0" i="1" smtClean="0">
+                              <a:latin typeface="Cambria Math" panose="02040503050406030204" pitchFamily="18" charset="0"/>
+                            </a:rPr>
+                            <m:t>𝐶𝑇𝑅𝐿</m:t>
+                          </m:r>
+                        </m:sub>
+                      </m:sSub>
+                    </m:oMath>
+                  </m:oMathPara>
+                </a14:m>
+                <a:endParaRPr kumimoji="1" lang="en-US" altLang="ja-JP" sz="2400" dirty="0"/>
+              </a:p>
+              <a:p>
+                <a14:m>
+                  <m:oMathPara xmlns:m="http://schemas.openxmlformats.org/officeDocument/2006/math">
+                    <m:oMathParaPr>
+                      <m:jc m:val="centerGroup"/>
+                    </m:oMathParaPr>
+                    <m:oMath xmlns:m="http://schemas.openxmlformats.org/officeDocument/2006/math">
+                      <m:r>
+                        <a:rPr kumimoji="1" lang="en-US" altLang="ja-JP" sz="2400" b="0" i="1" smtClean="0">
+                          <a:latin typeface="Cambria Math" panose="02040503050406030204" pitchFamily="18" charset="0"/>
+                        </a:rPr>
+                        <m:t>+</m:t>
+                      </m:r>
+                      <m:r>
+                        <a:rPr lang="en-US" altLang="ja-JP" sz="2400" i="1">
+                          <a:latin typeface="Cambria Math" panose="02040503050406030204" pitchFamily="18" charset="0"/>
+                        </a:rPr>
+                        <m:t>𝐴</m:t>
+                      </m:r>
+                      <m:r>
+                        <a:rPr lang="en-US" altLang="ja-JP" sz="2400" i="1">
+                          <a:latin typeface="Cambria Math" panose="02040503050406030204" pitchFamily="18" charset="0"/>
+                        </a:rPr>
+                        <m:t>⋅</m:t>
+                      </m:r>
+                      <m:d>
+                        <m:dPr>
+                          <m:ctrlPr>
+                            <a:rPr lang="en-US" altLang="ja-JP" sz="2400" i="1">
+                              <a:latin typeface="Cambria Math" panose="02040503050406030204" pitchFamily="18" charset="0"/>
+                            </a:rPr>
+                          </m:ctrlPr>
+                        </m:dPr>
+                        <m:e>
+                          <m:f>
+                            <m:fPr>
+                              <m:ctrlPr>
+                                <a:rPr lang="en-US" altLang="ja-JP" sz="2400" i="1">
+                                  <a:latin typeface="Cambria Math" panose="02040503050406030204" pitchFamily="18" charset="0"/>
+                                </a:rPr>
+                              </m:ctrlPr>
+                            </m:fPr>
+                            <m:num>
+                              <m:r>
+                                <a:rPr lang="en-US" altLang="ja-JP" sz="2400" i="1">
+                                  <a:latin typeface="Cambria Math" panose="02040503050406030204" pitchFamily="18" charset="0"/>
+                                </a:rPr>
+                                <m:t>1</m:t>
+                              </m:r>
+                            </m:num>
+                            <m:den>
+                              <m:r>
+                                <a:rPr lang="en-US" altLang="ja-JP" sz="2400" i="1">
+                                  <a:latin typeface="Cambria Math" panose="02040503050406030204" pitchFamily="18" charset="0"/>
+                                </a:rPr>
+                                <m:t>2</m:t>
+                              </m:r>
+                            </m:den>
+                          </m:f>
+                          <m:r>
+                            <a:rPr lang="en-US" altLang="ja-JP" sz="2400" i="1">
+                              <a:latin typeface="Cambria Math" panose="02040503050406030204" pitchFamily="18" charset="0"/>
+                            </a:rPr>
+                            <m:t>+</m:t>
+                          </m:r>
+                          <m:r>
+                            <a:rPr lang="en-US" altLang="ja-JP" sz="2400" i="1">
+                              <a:latin typeface="Cambria Math" panose="02040503050406030204" pitchFamily="18" charset="0"/>
+                            </a:rPr>
+                            <m:t>𝐵</m:t>
+                          </m:r>
+                          <m:r>
+                            <a:rPr lang="en-US" altLang="ja-JP" sz="2400" i="1">
+                              <a:latin typeface="Cambria Math" panose="02040503050406030204" pitchFamily="18" charset="0"/>
+                            </a:rPr>
+                            <m:t>⋅</m:t>
+                          </m:r>
+                          <m:sSub>
+                            <m:sSubPr>
+                              <m:ctrlPr>
+                                <a:rPr lang="en-US" altLang="ja-JP" sz="2400" i="1">
+                                  <a:latin typeface="Cambria Math" panose="02040503050406030204" pitchFamily="18" charset="0"/>
+                                </a:rPr>
+                              </m:ctrlPr>
+                            </m:sSubPr>
+                            <m:e>
+                              <m:r>
+                                <a:rPr lang="en-US" altLang="ja-JP" sz="2400" i="1">
+                                  <a:latin typeface="Cambria Math" panose="02040503050406030204" pitchFamily="18" charset="0"/>
+                                </a:rPr>
+                                <m:t>𝑉</m:t>
+                              </m:r>
+                            </m:e>
+                            <m:sub>
+                              <m:r>
+                                <a:rPr lang="en-US" altLang="ja-JP" sz="2400" i="1">
+                                  <a:latin typeface="Cambria Math" panose="02040503050406030204" pitchFamily="18" charset="0"/>
+                                </a:rPr>
+                                <m:t>𝐶𝑇𝑅𝐿</m:t>
+                              </m:r>
+                            </m:sub>
+                          </m:sSub>
+                        </m:e>
+                      </m:d>
+                      <m:r>
+                        <a:rPr lang="en-US" altLang="ja-JP" sz="2400" i="1">
+                          <a:latin typeface="Cambria Math" panose="02040503050406030204" pitchFamily="18" charset="0"/>
+                        </a:rPr>
+                        <m:t>⋅</m:t>
+                      </m:r>
+                      <m:sSub>
+                        <m:sSubPr>
+                          <m:ctrlPr>
+                            <a:rPr lang="en-US" altLang="ja-JP" sz="2400" i="1">
+                              <a:latin typeface="Cambria Math" panose="02040503050406030204" pitchFamily="18" charset="0"/>
+                            </a:rPr>
+                          </m:ctrlPr>
+                        </m:sSubPr>
+                        <m:e>
+                          <m:r>
+                            <a:rPr lang="en-US" altLang="ja-JP" sz="2400" i="1">
+                              <a:latin typeface="Cambria Math" panose="02040503050406030204" pitchFamily="18" charset="0"/>
+                            </a:rPr>
+                            <m:t>𝑣</m:t>
+                          </m:r>
+                        </m:e>
+                        <m:sub>
+                          <m:r>
+                            <a:rPr lang="en-US" altLang="ja-JP" sz="2400" i="1">
+                              <a:latin typeface="Cambria Math" panose="02040503050406030204" pitchFamily="18" charset="0"/>
+                            </a:rPr>
+                            <m:t>𝑖𝑛</m:t>
+                          </m:r>
+                        </m:sub>
+                      </m:sSub>
+                      <m:r>
+                        <a:rPr lang="en-US" altLang="ja-JP" sz="2400" b="0" i="1" smtClean="0">
+                          <a:latin typeface="Cambria Math" panose="02040503050406030204" pitchFamily="18" charset="0"/>
+                        </a:rPr>
+                        <m:t>−</m:t>
+                      </m:r>
+                      <m:r>
+                        <a:rPr lang="en-US" altLang="ja-JP" sz="2400" i="1">
+                          <a:latin typeface="Cambria Math" panose="02040503050406030204" pitchFamily="18" charset="0"/>
+                        </a:rPr>
+                        <m:t>𝐶</m:t>
+                      </m:r>
+                      <m:r>
+                        <a:rPr lang="en-US" altLang="ja-JP" sz="2400" b="0" i="1" smtClean="0">
+                          <a:latin typeface="Cambria Math" panose="02040503050406030204" pitchFamily="18" charset="0"/>
+                        </a:rPr>
+                        <m:t>−</m:t>
+                      </m:r>
+                      <m:r>
+                        <a:rPr lang="en-US" altLang="ja-JP" sz="2400" i="1">
+                          <a:latin typeface="Cambria Math" panose="02040503050406030204" pitchFamily="18" charset="0"/>
+                        </a:rPr>
+                        <m:t>𝐷</m:t>
+                      </m:r>
+                      <m:r>
+                        <a:rPr lang="en-US" altLang="ja-JP" sz="2400" i="1">
+                          <a:latin typeface="Cambria Math" panose="02040503050406030204" pitchFamily="18" charset="0"/>
+                        </a:rPr>
+                        <m:t>⋅</m:t>
+                      </m:r>
+                      <m:sSub>
+                        <m:sSubPr>
+                          <m:ctrlPr>
+                            <a:rPr lang="en-US" altLang="ja-JP" sz="2400" i="1">
+                              <a:latin typeface="Cambria Math" panose="02040503050406030204" pitchFamily="18" charset="0"/>
+                            </a:rPr>
+                          </m:ctrlPr>
+                        </m:sSubPr>
+                        <m:e>
+                          <m:r>
+                            <a:rPr lang="en-US" altLang="ja-JP" sz="2400" i="1">
+                              <a:latin typeface="Cambria Math" panose="02040503050406030204" pitchFamily="18" charset="0"/>
+                            </a:rPr>
+                            <m:t>𝑉</m:t>
+                          </m:r>
+                        </m:e>
+                        <m:sub>
+                          <m:r>
+                            <a:rPr lang="en-US" altLang="ja-JP" sz="2400" i="1">
+                              <a:latin typeface="Cambria Math" panose="02040503050406030204" pitchFamily="18" charset="0"/>
+                            </a:rPr>
+                            <m:t>𝐶𝑇𝑅𝐿</m:t>
+                          </m:r>
+                        </m:sub>
+                      </m:sSub>
+                    </m:oMath>
+                  </m:oMathPara>
+                </a14:m>
+                <a:endParaRPr kumimoji="1" lang="en-US" altLang="ja-JP" sz="2000" dirty="0"/>
+              </a:p>
+              <a:p>
+                <a:r>
+                  <a:rPr lang="ja-JP" altLang="en-US" sz="2000" dirty="0"/>
+                  <a:t>整理すると</a:t>
+                </a:r>
+                <a:endParaRPr lang="en-US" altLang="ja-JP" sz="2000" dirty="0"/>
+              </a:p>
+              <a:p>
+                <a14:m>
+                  <m:oMathPara xmlns:m="http://schemas.openxmlformats.org/officeDocument/2006/math">
+                    <m:oMathParaPr>
+                      <m:jc m:val="centerGroup"/>
+                    </m:oMathParaPr>
+                    <m:oMath xmlns:m="http://schemas.openxmlformats.org/officeDocument/2006/math">
+                      <m:sSub>
+                        <m:sSubPr>
+                          <m:ctrlPr>
+                            <a:rPr lang="en-US" altLang="ja-JP" sz="2400" i="1">
+                              <a:latin typeface="Cambria Math" panose="02040503050406030204" pitchFamily="18" charset="0"/>
+                            </a:rPr>
+                          </m:ctrlPr>
+                        </m:sSubPr>
+                        <m:e>
+                          <m:r>
+                            <a:rPr lang="en-US" altLang="ja-JP" sz="2400" i="1">
+                              <a:latin typeface="Cambria Math" panose="02040503050406030204" pitchFamily="18" charset="0"/>
+                            </a:rPr>
+                            <m:t>𝑖</m:t>
+                          </m:r>
+                        </m:e>
+                        <m:sub>
+                          <m:r>
+                            <a:rPr lang="en-US" altLang="ja-JP" sz="2400" i="1">
+                              <a:latin typeface="Cambria Math" panose="02040503050406030204" pitchFamily="18" charset="0"/>
+                            </a:rPr>
+                            <m:t>𝐴</m:t>
+                          </m:r>
+                          <m:r>
+                            <a:rPr lang="en-US" altLang="ja-JP" sz="2400" i="1">
+                              <a:latin typeface="Cambria Math" panose="02040503050406030204" pitchFamily="18" charset="0"/>
+                            </a:rPr>
+                            <m:t>1</m:t>
+                          </m:r>
+                        </m:sub>
+                      </m:sSub>
+                      <m:r>
+                        <a:rPr lang="en-US" altLang="ja-JP" sz="2400" i="1">
+                          <a:latin typeface="Cambria Math" panose="02040503050406030204" pitchFamily="18" charset="0"/>
+                        </a:rPr>
+                        <m:t>−</m:t>
+                      </m:r>
+                      <m:sSub>
+                        <m:sSubPr>
+                          <m:ctrlPr>
+                            <a:rPr lang="en-US" altLang="ja-JP" sz="2400" i="1">
+                              <a:latin typeface="Cambria Math" panose="02040503050406030204" pitchFamily="18" charset="0"/>
+                            </a:rPr>
+                          </m:ctrlPr>
+                        </m:sSubPr>
+                        <m:e>
+                          <m:r>
+                            <a:rPr lang="en-US" altLang="ja-JP" sz="2400" i="1">
+                              <a:latin typeface="Cambria Math" panose="02040503050406030204" pitchFamily="18" charset="0"/>
+                            </a:rPr>
+                            <m:t>𝑖</m:t>
+                          </m:r>
+                        </m:e>
+                        <m:sub>
+                          <m:r>
+                            <a:rPr lang="en-US" altLang="ja-JP" sz="2400" i="1">
+                              <a:latin typeface="Cambria Math" panose="02040503050406030204" pitchFamily="18" charset="0"/>
+                            </a:rPr>
+                            <m:t>𝐴</m:t>
+                          </m:r>
+                          <m:r>
+                            <a:rPr lang="en-US" altLang="ja-JP" sz="2400" i="1">
+                              <a:latin typeface="Cambria Math" panose="02040503050406030204" pitchFamily="18" charset="0"/>
+                            </a:rPr>
+                            <m:t>2</m:t>
+                          </m:r>
+                        </m:sub>
+                      </m:sSub>
+                      <m:r>
+                        <a:rPr lang="en-US" altLang="ja-JP" sz="2400" i="1">
+                          <a:latin typeface="Cambria Math" panose="02040503050406030204" pitchFamily="18" charset="0"/>
+                        </a:rPr>
+                        <m:t>+</m:t>
+                      </m:r>
+                      <m:sSub>
+                        <m:sSubPr>
+                          <m:ctrlPr>
+                            <a:rPr lang="en-US" altLang="ja-JP" sz="2400" i="1">
+                              <a:latin typeface="Cambria Math" panose="02040503050406030204" pitchFamily="18" charset="0"/>
+                            </a:rPr>
+                          </m:ctrlPr>
+                        </m:sSubPr>
+                        <m:e>
+                          <m:r>
+                            <a:rPr lang="en-US" altLang="ja-JP" sz="2400" i="1">
+                              <a:latin typeface="Cambria Math" panose="02040503050406030204" pitchFamily="18" charset="0"/>
+                            </a:rPr>
+                            <m:t>𝑖</m:t>
+                          </m:r>
+                        </m:e>
+                        <m:sub>
+                          <m:r>
+                            <a:rPr lang="en-US" altLang="ja-JP" sz="2400" i="1">
+                              <a:latin typeface="Cambria Math" panose="02040503050406030204" pitchFamily="18" charset="0"/>
+                            </a:rPr>
+                            <m:t>𝐴</m:t>
+                          </m:r>
+                          <m:r>
+                            <a:rPr lang="en-US" altLang="ja-JP" sz="2400" i="1">
+                              <a:latin typeface="Cambria Math" panose="02040503050406030204" pitchFamily="18" charset="0"/>
+                            </a:rPr>
+                            <m:t>3</m:t>
+                          </m:r>
+                        </m:sub>
+                      </m:sSub>
+                      <m:r>
+                        <a:rPr lang="en-US" altLang="ja-JP" sz="2400" i="1">
+                          <a:latin typeface="Cambria Math" panose="02040503050406030204" pitchFamily="18" charset="0"/>
+                        </a:rPr>
+                        <m:t>−</m:t>
+                      </m:r>
+                      <m:sSub>
+                        <m:sSubPr>
+                          <m:ctrlPr>
+                            <a:rPr lang="en-US" altLang="ja-JP" sz="2400" i="1">
+                              <a:latin typeface="Cambria Math" panose="02040503050406030204" pitchFamily="18" charset="0"/>
+                            </a:rPr>
+                          </m:ctrlPr>
+                        </m:sSubPr>
+                        <m:e>
+                          <m:r>
+                            <a:rPr lang="en-US" altLang="ja-JP" sz="2400" i="1">
+                              <a:latin typeface="Cambria Math" panose="02040503050406030204" pitchFamily="18" charset="0"/>
+                            </a:rPr>
+                            <m:t>𝑖</m:t>
+                          </m:r>
+                        </m:e>
+                        <m:sub>
+                          <m:r>
+                            <a:rPr lang="en-US" altLang="ja-JP" sz="2400" i="1">
+                              <a:latin typeface="Cambria Math" panose="02040503050406030204" pitchFamily="18" charset="0"/>
+                            </a:rPr>
+                            <m:t>𝐴</m:t>
+                          </m:r>
+                          <m:r>
+                            <a:rPr lang="en-US" altLang="ja-JP" sz="2400" i="1">
+                              <a:latin typeface="Cambria Math" panose="02040503050406030204" pitchFamily="18" charset="0"/>
+                            </a:rPr>
+                            <m:t>4</m:t>
+                          </m:r>
+                        </m:sub>
+                      </m:sSub>
+                      <m:r>
+                        <a:rPr lang="en-US" altLang="ja-JP" sz="2400" b="0" i="1" smtClean="0">
+                          <a:latin typeface="Cambria Math" panose="02040503050406030204" pitchFamily="18" charset="0"/>
+                        </a:rPr>
+                        <m:t>=4</m:t>
+                      </m:r>
+                      <m:r>
+                        <a:rPr lang="en-US" altLang="ja-JP" sz="2400" b="0" i="1" smtClean="0">
+                          <a:latin typeface="Cambria Math" panose="02040503050406030204" pitchFamily="18" charset="0"/>
+                        </a:rPr>
+                        <m:t>𝐴𝐵</m:t>
+                      </m:r>
+                      <m:r>
+                        <a:rPr lang="en-US" altLang="ja-JP" sz="2400" b="0" i="1" smtClean="0">
+                          <a:latin typeface="Cambria Math" panose="02040503050406030204" pitchFamily="18" charset="0"/>
+                        </a:rPr>
+                        <m:t>⋅</m:t>
+                      </m:r>
+                      <m:sSub>
+                        <m:sSubPr>
+                          <m:ctrlPr>
+                            <a:rPr lang="en-US" altLang="ja-JP" sz="2400" b="0" i="1" smtClean="0">
+                              <a:latin typeface="Cambria Math" panose="02040503050406030204" pitchFamily="18" charset="0"/>
+                            </a:rPr>
+                          </m:ctrlPr>
+                        </m:sSubPr>
+                        <m:e>
+                          <m:r>
+                            <a:rPr lang="en-US" altLang="ja-JP" sz="2400" b="0" i="1" smtClean="0">
+                              <a:latin typeface="Cambria Math" panose="02040503050406030204" pitchFamily="18" charset="0"/>
+                            </a:rPr>
+                            <m:t>𝑉</m:t>
+                          </m:r>
+                        </m:e>
+                        <m:sub>
+                          <m:r>
+                            <a:rPr lang="en-US" altLang="ja-JP" sz="2400" b="0" i="1" smtClean="0">
+                              <a:latin typeface="Cambria Math" panose="02040503050406030204" pitchFamily="18" charset="0"/>
+                            </a:rPr>
+                            <m:t>𝐶𝑇𝑅𝐿</m:t>
+                          </m:r>
+                        </m:sub>
+                      </m:sSub>
+                      <m:r>
+                        <a:rPr lang="en-US" altLang="ja-JP" sz="2400" b="0" i="1" smtClean="0">
+                          <a:latin typeface="Cambria Math" panose="02040503050406030204" pitchFamily="18" charset="0"/>
+                        </a:rPr>
+                        <m:t>⋅</m:t>
+                      </m:r>
+                      <m:sSub>
+                        <m:sSubPr>
+                          <m:ctrlPr>
+                            <a:rPr lang="en-US" altLang="ja-JP" sz="2400" b="0" i="1" smtClean="0">
+                              <a:latin typeface="Cambria Math" panose="02040503050406030204" pitchFamily="18" charset="0"/>
+                            </a:rPr>
+                          </m:ctrlPr>
+                        </m:sSubPr>
+                        <m:e>
+                          <m:r>
+                            <a:rPr lang="en-US" altLang="ja-JP" sz="2400" b="0" i="1" smtClean="0">
+                              <a:latin typeface="Cambria Math" panose="02040503050406030204" pitchFamily="18" charset="0"/>
+                            </a:rPr>
+                            <m:t>𝑣</m:t>
+                          </m:r>
+                        </m:e>
+                        <m:sub>
+                          <m:r>
+                            <a:rPr lang="en-US" altLang="ja-JP" sz="2400" b="0" i="1" smtClean="0">
+                              <a:latin typeface="Cambria Math" panose="02040503050406030204" pitchFamily="18" charset="0"/>
+                            </a:rPr>
+                            <m:t>𝑖𝑛</m:t>
+                          </m:r>
+                        </m:sub>
+                      </m:sSub>
+                    </m:oMath>
+                  </m:oMathPara>
+                </a14:m>
+                <a:endParaRPr kumimoji="1" lang="ja-JP" altLang="en-US" sz="2000" dirty="0"/>
+              </a:p>
+            </p:txBody>
+          </p:sp>
+        </mc:Choice>
+        <mc:Fallback>
+          <p:sp>
+            <p:nvSpPr>
+              <p:cNvPr id="4" name="テキスト ボックス 3">
+                <a:extLst>
+                  <a:ext uri="{FF2B5EF4-FFF2-40B4-BE49-F238E27FC236}">
+                    <a16:creationId xmlns:a16="http://schemas.microsoft.com/office/drawing/2014/main" id="{EF874216-8402-436B-2DC4-7D09DBDB51F1}"/>
+                  </a:ext>
+                </a:extLst>
+              </p:cNvPr>
+              <p:cNvSpPr txBox="1">
+                <a:spLocks noRot="1" noChangeAspect="1" noMove="1" noResize="1" noEditPoints="1" noAdjustHandles="1" noChangeArrowheads="1" noChangeShapeType="1" noTextEdit="1"/>
+              </p:cNvSpPr>
+              <p:nvPr/>
+            </p:nvSpPr>
+            <p:spPr>
+              <a:xfrm>
+                <a:off x="1613647" y="1690688"/>
+                <a:ext cx="8964705" cy="4765920"/>
+              </a:xfrm>
+              <a:prstGeom prst="rect">
+                <a:avLst/>
+              </a:prstGeom>
+              <a:blipFill>
+                <a:blip r:embed="rId2"/>
+                <a:stretch>
+                  <a:fillRect l="-748"/>
+                </a:stretch>
+              </a:blipFill>
+            </p:spPr>
+            <p:txBody>
+              <a:bodyPr/>
+              <a:lstStyle/>
+              <a:p>
+                <a:r>
+                  <a:rPr lang="ja-JP" altLang="en-US">
+                    <a:noFill/>
+                  </a:rPr>
+                  <a:t> </a:t>
+                </a:r>
+              </a:p>
+            </p:txBody>
+          </p:sp>
+        </mc:Fallback>
+      </mc:AlternateContent>
+    </p:spTree>
+    <p:extLst>
+      <p:ext uri="{BB962C8B-B14F-4D97-AF65-F5344CB8AC3E}">
+        <p14:creationId xmlns:p14="http://schemas.microsoft.com/office/powerpoint/2010/main" val="874549196"/>
+      </p:ext>
+    </p:extLst>
+  </p:cSld>
+  <p:clrMapOvr>
+    <a:masterClrMapping/>
+  </p:clrMapOvr>
+</p:sld>
+</file>
+
+<file path=ppt/slides/slide17.xml><?xml version="1.0" encoding="utf-8"?>
+<p:sld xmlns:a="http://schemas.openxmlformats.org/drawingml/2006/main" xmlns:r="http://schemas.openxmlformats.org/officeDocument/2006/relationships" xmlns:p="http://schemas.openxmlformats.org/presentationml/2006/main">
+  <p:cSld>
+    <p:spTree>
+      <p:nvGrpSpPr>
+        <p:cNvPr id="1" name=""/>
+        <p:cNvGrpSpPr/>
+        <p:nvPr/>
+      </p:nvGrpSpPr>
+      <p:grpSpPr>
+        <a:xfrm>
+          <a:off x="0" y="0"/>
+          <a:ext cx="0" cy="0"/>
+          <a:chOff x="0" y="0"/>
+          <a:chExt cx="0" cy="0"/>
+        </a:xfrm>
+      </p:grpSpPr>
+      <p:sp>
+        <p:nvSpPr>
+          <p:cNvPr id="2" name="タイトル 1">
+            <a:extLst>
+              <a:ext uri="{FF2B5EF4-FFF2-40B4-BE49-F238E27FC236}">
+                <a16:creationId xmlns:a16="http://schemas.microsoft.com/office/drawing/2014/main" id="{4E5B7040-6CC8-2705-C7EC-DB1FCE31A732}"/>
+              </a:ext>
+            </a:extLst>
+          </p:cNvPr>
+          <p:cNvSpPr>
+            <a:spLocks noGrp="1"/>
+          </p:cNvSpPr>
+          <p:nvPr>
+            <p:ph type="title"/>
+          </p:nvPr>
+        </p:nvSpPr>
+        <p:spPr/>
+        <p:txBody>
+          <a:bodyPr/>
+          <a:lstStyle/>
+          <a:p>
+            <a:r>
+              <a:rPr kumimoji="1" lang="ja-JP" altLang="en-US" dirty="0"/>
+              <a:t>折り返し型乗算回路の利得計算</a:t>
+            </a:r>
+            <a:br>
+              <a:rPr kumimoji="1" lang="en-US" altLang="ja-JP" dirty="0"/>
+            </a:br>
+            <a:r>
+              <a:rPr kumimoji="1" lang="ja-JP" altLang="en-US" dirty="0"/>
+              <a:t>各部の電流</a:t>
+            </a:r>
+          </a:p>
+        </p:txBody>
+      </p:sp>
+      <p:sp>
+        <p:nvSpPr>
+          <p:cNvPr id="3" name="スライド番号プレースホルダー 2">
+            <a:extLst>
+              <a:ext uri="{FF2B5EF4-FFF2-40B4-BE49-F238E27FC236}">
+                <a16:creationId xmlns:a16="http://schemas.microsoft.com/office/drawing/2014/main" id="{484031F8-7457-6685-9A23-73855DA85704}"/>
+              </a:ext>
+            </a:extLst>
+          </p:cNvPr>
+          <p:cNvSpPr>
+            <a:spLocks noGrp="1"/>
+          </p:cNvSpPr>
+          <p:nvPr>
+            <p:ph type="sldNum" sz="quarter" idx="12"/>
+          </p:nvPr>
+        </p:nvSpPr>
+        <p:spPr/>
+        <p:txBody>
+          <a:bodyPr/>
+          <a:lstStyle/>
+          <a:p>
+            <a:fld id="{A742575F-3C2A-495A-A52F-17634B579F22}" type="slidenum">
+              <a:rPr kumimoji="1" lang="ja-JP" altLang="en-US" smtClean="0"/>
+              <a:t>17</a:t>
+            </a:fld>
+            <a:endParaRPr kumimoji="1" lang="ja-JP" altLang="en-US"/>
+          </a:p>
+        </p:txBody>
+      </p:sp>
+      <mc:AlternateContent xmlns:mc="http://schemas.openxmlformats.org/markup-compatibility/2006">
+        <mc:Choice xmlns:a14="http://schemas.microsoft.com/office/drawing/2010/main" Requires="a14">
+          <p:sp>
+            <p:nvSpPr>
+              <p:cNvPr id="5" name="テキスト ボックス 4">
+                <a:extLst>
+                  <a:ext uri="{FF2B5EF4-FFF2-40B4-BE49-F238E27FC236}">
+                    <a16:creationId xmlns:a16="http://schemas.microsoft.com/office/drawing/2014/main" id="{33750A2A-1F70-D21E-F9CD-0D8901F2D9C3}"/>
+                  </a:ext>
+                </a:extLst>
+              </p:cNvPr>
+              <p:cNvSpPr txBox="1"/>
+              <p:nvPr/>
+            </p:nvSpPr>
+            <p:spPr>
+              <a:xfrm>
+                <a:off x="1371600" y="1871820"/>
+                <a:ext cx="9448800" cy="4134273"/>
+              </a:xfrm>
+              <a:prstGeom prst="rect">
+                <a:avLst/>
+              </a:prstGeom>
+              <a:noFill/>
+            </p:spPr>
+            <p:txBody>
+              <a:bodyPr wrap="square" rtlCol="0">
+                <a:spAutoFit/>
+              </a:bodyPr>
+              <a:lstStyle/>
+              <a:p>
+                <a:pPr algn="l"/>
+                <a14:m>
+                  <m:oMath xmlns:m="http://schemas.openxmlformats.org/officeDocument/2006/math">
+                    <m:r>
+                      <a:rPr kumimoji="1" lang="en-US" altLang="ja-JP" sz="2400" b="0" i="1" smtClean="0">
+                        <a:latin typeface="Cambria Math" panose="02040503050406030204" pitchFamily="18" charset="0"/>
+                      </a:rPr>
+                      <m:t>𝐴</m:t>
+                    </m:r>
+                    <m:r>
+                      <a:rPr kumimoji="1" lang="en-US" altLang="ja-JP" sz="2400" b="0" i="1" smtClean="0">
+                        <a:latin typeface="Cambria Math" panose="02040503050406030204" pitchFamily="18" charset="0"/>
+                      </a:rPr>
+                      <m:t>=</m:t>
+                    </m:r>
+                    <m:r>
+                      <a:rPr lang="en-US" altLang="ja-JP" sz="2400">
+                        <a:latin typeface="Cambria Math" panose="02040503050406030204" pitchFamily="18" charset="0"/>
+                      </a:rPr>
+                      <m:t>−</m:t>
+                    </m:r>
+                    <m:rad>
+                      <m:radPr>
+                        <m:degHide m:val="on"/>
+                        <m:ctrlPr>
+                          <a:rPr lang="en-US" altLang="ja-JP" sz="2400" i="1">
+                            <a:latin typeface="Cambria Math" panose="02040503050406030204" pitchFamily="18" charset="0"/>
+                          </a:rPr>
+                        </m:ctrlPr>
+                      </m:radPr>
+                      <m:deg/>
+                      <m:e>
+                        <m:r>
+                          <a:rPr lang="en-US" altLang="ja-JP" sz="2400" i="1">
+                            <a:latin typeface="Cambria Math" panose="02040503050406030204" pitchFamily="18" charset="0"/>
+                          </a:rPr>
+                          <m:t>2</m:t>
+                        </m:r>
+                        <m:sSub>
+                          <m:sSubPr>
+                            <m:ctrlPr>
+                              <a:rPr lang="en-US" altLang="ja-JP" sz="2400" i="1">
+                                <a:latin typeface="Cambria Math" panose="02040503050406030204" pitchFamily="18" charset="0"/>
+                              </a:rPr>
+                            </m:ctrlPr>
+                          </m:sSubPr>
+                          <m:e>
+                            <m:r>
+                              <a:rPr lang="en-US" altLang="ja-JP" sz="2400" i="1">
+                                <a:latin typeface="Cambria Math" panose="02040503050406030204" pitchFamily="18" charset="0"/>
+                              </a:rPr>
+                              <m:t>𝐾</m:t>
+                            </m:r>
+                          </m:e>
+                          <m:sub>
+                            <m:r>
+                              <a:rPr lang="en-US" altLang="ja-JP" sz="2400" i="1">
+                                <a:latin typeface="Cambria Math" panose="02040503050406030204" pitchFamily="18" charset="0"/>
+                              </a:rPr>
+                              <m:t>𝑛</m:t>
+                            </m:r>
+                          </m:sub>
+                        </m:sSub>
+                        <m:sSub>
+                          <m:sSubPr>
+                            <m:ctrlPr>
+                              <a:rPr lang="en-US" altLang="ja-JP" sz="2400" i="1">
+                                <a:latin typeface="Cambria Math" panose="02040503050406030204" pitchFamily="18" charset="0"/>
+                              </a:rPr>
+                            </m:ctrlPr>
+                          </m:sSubPr>
+                          <m:e>
+                            <m:r>
+                              <a:rPr lang="en-US" altLang="ja-JP" sz="2400" i="1">
+                                <a:latin typeface="Cambria Math" panose="02040503050406030204" pitchFamily="18" charset="0"/>
+                              </a:rPr>
+                              <m:t>𝐼</m:t>
+                            </m:r>
+                          </m:e>
+                          <m:sub>
+                            <m:r>
+                              <a:rPr lang="en-US" altLang="ja-JP" sz="2400" i="1">
+                                <a:latin typeface="Cambria Math" panose="02040503050406030204" pitchFamily="18" charset="0"/>
+                              </a:rPr>
+                              <m:t>𝐶</m:t>
+                            </m:r>
+                          </m:sub>
+                        </m:sSub>
+                      </m:e>
+                    </m:rad>
+                    <m:r>
+                      <a:rPr lang="en-US" altLang="ja-JP" sz="2400" b="0" i="0" smtClean="0">
+                        <a:latin typeface="Cambria Math" panose="02040503050406030204" pitchFamily="18" charset="0"/>
+                      </a:rPr>
+                      <m:t>,</m:t>
+                    </m:r>
+                    <m:r>
+                      <a:rPr kumimoji="1" lang="en-US" altLang="ja-JP" sz="2400" b="0" i="1" smtClean="0">
+                        <a:latin typeface="Cambria Math" panose="02040503050406030204" pitchFamily="18" charset="0"/>
+                      </a:rPr>
+                      <m:t>𝐵</m:t>
+                    </m:r>
+                    <m:r>
+                      <a:rPr kumimoji="1" lang="en-US" altLang="ja-JP" sz="2400" b="0" i="1" smtClean="0">
+                        <a:latin typeface="Cambria Math" panose="02040503050406030204" pitchFamily="18" charset="0"/>
+                      </a:rPr>
+                      <m:t>=</m:t>
+                    </m:r>
+                    <m:rad>
+                      <m:radPr>
+                        <m:degHide m:val="on"/>
+                        <m:ctrlPr>
+                          <a:rPr lang="en-US" altLang="ja-JP" sz="2400" i="1">
+                            <a:latin typeface="Cambria Math" panose="02040503050406030204" pitchFamily="18" charset="0"/>
+                          </a:rPr>
+                        </m:ctrlPr>
+                      </m:radPr>
+                      <m:deg/>
+                      <m:e>
+                        <m:f>
+                          <m:fPr>
+                            <m:ctrlPr>
+                              <a:rPr lang="en-US" altLang="ja-JP" sz="2400" i="1">
+                                <a:latin typeface="Cambria Math" panose="02040503050406030204" pitchFamily="18" charset="0"/>
+                              </a:rPr>
+                            </m:ctrlPr>
+                          </m:fPr>
+                          <m:num>
+                            <m:sSub>
+                              <m:sSubPr>
+                                <m:ctrlPr>
+                                  <a:rPr lang="en-US" altLang="ja-JP" sz="2400" i="1">
+                                    <a:latin typeface="Cambria Math" panose="02040503050406030204" pitchFamily="18" charset="0"/>
+                                  </a:rPr>
+                                </m:ctrlPr>
+                              </m:sSubPr>
+                              <m:e>
+                                <m:r>
+                                  <a:rPr lang="en-US" altLang="ja-JP" sz="2400" i="1">
+                                    <a:latin typeface="Cambria Math" panose="02040503050406030204" pitchFamily="18" charset="0"/>
+                                  </a:rPr>
+                                  <m:t>𝐾</m:t>
+                                </m:r>
+                              </m:e>
+                              <m:sub>
+                                <m:r>
+                                  <a:rPr lang="en-US" altLang="ja-JP" sz="2400" i="1">
+                                    <a:latin typeface="Cambria Math" panose="02040503050406030204" pitchFamily="18" charset="0"/>
+                                  </a:rPr>
+                                  <m:t>𝑝</m:t>
+                                </m:r>
+                              </m:sub>
+                            </m:sSub>
+                          </m:num>
+                          <m:den>
+                            <m:r>
+                              <a:rPr lang="en-US" altLang="ja-JP" sz="2400" i="1">
+                                <a:latin typeface="Cambria Math" panose="02040503050406030204" pitchFamily="18" charset="0"/>
+                              </a:rPr>
+                              <m:t>2</m:t>
+                            </m:r>
+                            <m:sSub>
+                              <m:sSubPr>
+                                <m:ctrlPr>
+                                  <a:rPr lang="en-US" altLang="ja-JP" sz="2400" i="1">
+                                    <a:latin typeface="Cambria Math" panose="02040503050406030204" pitchFamily="18" charset="0"/>
+                                  </a:rPr>
+                                </m:ctrlPr>
+                              </m:sSubPr>
+                              <m:e>
+                                <m:r>
+                                  <a:rPr lang="en-US" altLang="ja-JP" sz="2400" i="1">
+                                    <a:latin typeface="Cambria Math" panose="02040503050406030204" pitchFamily="18" charset="0"/>
+                                  </a:rPr>
+                                  <m:t>𝐼</m:t>
+                                </m:r>
+                              </m:e>
+                              <m:sub>
+                                <m:r>
+                                  <a:rPr lang="en-US" altLang="ja-JP" sz="2400" i="1">
+                                    <a:latin typeface="Cambria Math" panose="02040503050406030204" pitchFamily="18" charset="0"/>
+                                  </a:rPr>
+                                  <m:t>𝑏𝑖𝑎𝑠</m:t>
+                                </m:r>
+                                <m:r>
+                                  <a:rPr lang="en-US" altLang="ja-JP" sz="2400" i="1">
+                                    <a:latin typeface="Cambria Math" panose="02040503050406030204" pitchFamily="18" charset="0"/>
+                                  </a:rPr>
+                                  <m:t>1</m:t>
+                                </m:r>
+                              </m:sub>
+                            </m:sSub>
+                            <m:r>
+                              <a:rPr lang="en-US" altLang="ja-JP" sz="2400" i="1">
+                                <a:latin typeface="Cambria Math" panose="02040503050406030204" pitchFamily="18" charset="0"/>
+                              </a:rPr>
+                              <m:t>−</m:t>
+                            </m:r>
+                            <m:sSub>
+                              <m:sSubPr>
+                                <m:ctrlPr>
+                                  <a:rPr lang="en-US" altLang="ja-JP" sz="2400" i="1">
+                                    <a:latin typeface="Cambria Math" panose="02040503050406030204" pitchFamily="18" charset="0"/>
+                                  </a:rPr>
+                                </m:ctrlPr>
+                              </m:sSubPr>
+                              <m:e>
+                                <m:r>
+                                  <a:rPr lang="en-US" altLang="ja-JP" sz="2400" i="1">
+                                    <a:latin typeface="Cambria Math" panose="02040503050406030204" pitchFamily="18" charset="0"/>
+                                  </a:rPr>
+                                  <m:t>𝐼</m:t>
+                                </m:r>
+                              </m:e>
+                              <m:sub>
+                                <m:r>
+                                  <a:rPr lang="en-US" altLang="ja-JP" sz="2400" i="1">
+                                    <a:latin typeface="Cambria Math" panose="02040503050406030204" pitchFamily="18" charset="0"/>
+                                  </a:rPr>
+                                  <m:t>𝐶</m:t>
+                                </m:r>
+                              </m:sub>
+                            </m:sSub>
+                          </m:den>
+                        </m:f>
+                      </m:e>
+                    </m:rad>
+                  </m:oMath>
+                </a14:m>
+                <a:r>
+                  <a:rPr lang="ja-JP" altLang="en-US" sz="2400" dirty="0">
+                    <a:latin typeface="Cambria Math" panose="02040503050406030204" pitchFamily="18" charset="0"/>
+                  </a:rPr>
+                  <a:t>より</a:t>
+                </a:r>
+                <a:endParaRPr lang="en-US" altLang="ja-JP" sz="2400" dirty="0">
+                  <a:latin typeface="Cambria Math" panose="02040503050406030204" pitchFamily="18" charset="0"/>
+                </a:endParaRPr>
+              </a:p>
+              <a:p>
+                <a:pPr algn="l"/>
+                <a14:m>
+                  <m:oMathPara xmlns:m="http://schemas.openxmlformats.org/officeDocument/2006/math">
+                    <m:oMathParaPr>
+                      <m:jc m:val="centerGroup"/>
+                    </m:oMathParaPr>
+                    <m:oMath xmlns:m="http://schemas.openxmlformats.org/officeDocument/2006/math">
+                      <m:sSub>
+                        <m:sSubPr>
+                          <m:ctrlPr>
+                            <a:rPr lang="en-US" altLang="ja-JP" sz="2400" i="1" smtClean="0">
+                              <a:latin typeface="Cambria Math" panose="02040503050406030204" pitchFamily="18" charset="0"/>
+                            </a:rPr>
+                          </m:ctrlPr>
+                        </m:sSubPr>
+                        <m:e>
+                          <m:r>
+                            <a:rPr lang="en-US" altLang="ja-JP" sz="2400" i="1">
+                              <a:latin typeface="Cambria Math" panose="02040503050406030204" pitchFamily="18" charset="0"/>
+                            </a:rPr>
+                            <m:t>𝑖</m:t>
+                          </m:r>
+                        </m:e>
+                        <m:sub>
+                          <m:r>
+                            <a:rPr lang="en-US" altLang="ja-JP" sz="2400" i="1">
+                              <a:latin typeface="Cambria Math" panose="02040503050406030204" pitchFamily="18" charset="0"/>
+                            </a:rPr>
+                            <m:t>𝐴</m:t>
+                          </m:r>
+                          <m:r>
+                            <a:rPr lang="en-US" altLang="ja-JP" sz="2400" i="1">
+                              <a:latin typeface="Cambria Math" panose="02040503050406030204" pitchFamily="18" charset="0"/>
+                            </a:rPr>
+                            <m:t>1</m:t>
+                          </m:r>
+                        </m:sub>
+                      </m:sSub>
+                      <m:r>
+                        <a:rPr lang="en-US" altLang="ja-JP" sz="2400" i="1">
+                          <a:latin typeface="Cambria Math" panose="02040503050406030204" pitchFamily="18" charset="0"/>
+                        </a:rPr>
+                        <m:t>−</m:t>
+                      </m:r>
+                      <m:sSub>
+                        <m:sSubPr>
+                          <m:ctrlPr>
+                            <a:rPr lang="en-US" altLang="ja-JP" sz="2400" i="1">
+                              <a:latin typeface="Cambria Math" panose="02040503050406030204" pitchFamily="18" charset="0"/>
+                            </a:rPr>
+                          </m:ctrlPr>
+                        </m:sSubPr>
+                        <m:e>
+                          <m:r>
+                            <a:rPr lang="en-US" altLang="ja-JP" sz="2400" i="1">
+                              <a:latin typeface="Cambria Math" panose="02040503050406030204" pitchFamily="18" charset="0"/>
+                            </a:rPr>
+                            <m:t>𝑖</m:t>
+                          </m:r>
+                        </m:e>
+                        <m:sub>
+                          <m:r>
+                            <a:rPr lang="en-US" altLang="ja-JP" sz="2400" i="1">
+                              <a:latin typeface="Cambria Math" panose="02040503050406030204" pitchFamily="18" charset="0"/>
+                            </a:rPr>
+                            <m:t>𝐴</m:t>
+                          </m:r>
+                          <m:r>
+                            <a:rPr lang="en-US" altLang="ja-JP" sz="2400" i="1">
+                              <a:latin typeface="Cambria Math" panose="02040503050406030204" pitchFamily="18" charset="0"/>
+                            </a:rPr>
+                            <m:t>2</m:t>
+                          </m:r>
+                        </m:sub>
+                      </m:sSub>
+                      <m:r>
+                        <a:rPr lang="en-US" altLang="ja-JP" sz="2400" i="1">
+                          <a:latin typeface="Cambria Math" panose="02040503050406030204" pitchFamily="18" charset="0"/>
+                        </a:rPr>
+                        <m:t>+</m:t>
+                      </m:r>
+                      <m:sSub>
+                        <m:sSubPr>
+                          <m:ctrlPr>
+                            <a:rPr lang="en-US" altLang="ja-JP" sz="2400" i="1">
+                              <a:latin typeface="Cambria Math" panose="02040503050406030204" pitchFamily="18" charset="0"/>
+                            </a:rPr>
+                          </m:ctrlPr>
+                        </m:sSubPr>
+                        <m:e>
+                          <m:r>
+                            <a:rPr lang="en-US" altLang="ja-JP" sz="2400" i="1">
+                              <a:latin typeface="Cambria Math" panose="02040503050406030204" pitchFamily="18" charset="0"/>
+                            </a:rPr>
+                            <m:t>𝑖</m:t>
+                          </m:r>
+                        </m:e>
+                        <m:sub>
+                          <m:r>
+                            <a:rPr lang="en-US" altLang="ja-JP" sz="2400" i="1">
+                              <a:latin typeface="Cambria Math" panose="02040503050406030204" pitchFamily="18" charset="0"/>
+                            </a:rPr>
+                            <m:t>𝐴</m:t>
+                          </m:r>
+                          <m:r>
+                            <a:rPr lang="en-US" altLang="ja-JP" sz="2400" i="1">
+                              <a:latin typeface="Cambria Math" panose="02040503050406030204" pitchFamily="18" charset="0"/>
+                            </a:rPr>
+                            <m:t>3</m:t>
+                          </m:r>
+                        </m:sub>
+                      </m:sSub>
+                      <m:r>
+                        <a:rPr lang="en-US" altLang="ja-JP" sz="2400" i="1">
+                          <a:latin typeface="Cambria Math" panose="02040503050406030204" pitchFamily="18" charset="0"/>
+                        </a:rPr>
+                        <m:t>−</m:t>
+                      </m:r>
+                      <m:sSub>
+                        <m:sSubPr>
+                          <m:ctrlPr>
+                            <a:rPr lang="en-US" altLang="ja-JP" sz="2400" i="1">
+                              <a:latin typeface="Cambria Math" panose="02040503050406030204" pitchFamily="18" charset="0"/>
+                            </a:rPr>
+                          </m:ctrlPr>
+                        </m:sSubPr>
+                        <m:e>
+                          <m:r>
+                            <a:rPr lang="en-US" altLang="ja-JP" sz="2400" i="1">
+                              <a:latin typeface="Cambria Math" panose="02040503050406030204" pitchFamily="18" charset="0"/>
+                            </a:rPr>
+                            <m:t>𝑖</m:t>
+                          </m:r>
+                        </m:e>
+                        <m:sub>
+                          <m:r>
+                            <a:rPr lang="en-US" altLang="ja-JP" sz="2400" i="1">
+                              <a:latin typeface="Cambria Math" panose="02040503050406030204" pitchFamily="18" charset="0"/>
+                            </a:rPr>
+                            <m:t>𝐴</m:t>
+                          </m:r>
+                          <m:r>
+                            <a:rPr lang="en-US" altLang="ja-JP" sz="2400" i="1">
+                              <a:latin typeface="Cambria Math" panose="02040503050406030204" pitchFamily="18" charset="0"/>
+                            </a:rPr>
+                            <m:t>4</m:t>
+                          </m:r>
+                        </m:sub>
+                      </m:sSub>
+                      <m:r>
+                        <a:rPr lang="en-US" altLang="ja-JP" sz="2400" b="0" i="1" smtClean="0">
+                          <a:latin typeface="Cambria Math" panose="02040503050406030204" pitchFamily="18" charset="0"/>
+                        </a:rPr>
+                        <m:t>=4</m:t>
+                      </m:r>
+                      <m:r>
+                        <a:rPr lang="en-US" altLang="ja-JP" sz="2400" b="0" i="1" smtClean="0">
+                          <a:latin typeface="Cambria Math" panose="02040503050406030204" pitchFamily="18" charset="0"/>
+                        </a:rPr>
+                        <m:t>𝐴𝐵</m:t>
+                      </m:r>
+                      <m:r>
+                        <a:rPr lang="en-US" altLang="ja-JP" sz="2400" b="0" i="1" smtClean="0">
+                          <a:latin typeface="Cambria Math" panose="02040503050406030204" pitchFamily="18" charset="0"/>
+                        </a:rPr>
+                        <m:t>⋅</m:t>
+                      </m:r>
+                      <m:sSub>
+                        <m:sSubPr>
+                          <m:ctrlPr>
+                            <a:rPr lang="en-US" altLang="ja-JP" sz="2400" b="0" i="1" smtClean="0">
+                              <a:latin typeface="Cambria Math" panose="02040503050406030204" pitchFamily="18" charset="0"/>
+                            </a:rPr>
+                          </m:ctrlPr>
+                        </m:sSubPr>
+                        <m:e>
+                          <m:r>
+                            <a:rPr lang="en-US" altLang="ja-JP" sz="2400" b="0" i="1" smtClean="0">
+                              <a:latin typeface="Cambria Math" panose="02040503050406030204" pitchFamily="18" charset="0"/>
+                            </a:rPr>
+                            <m:t>𝑉</m:t>
+                          </m:r>
+                        </m:e>
+                        <m:sub>
+                          <m:r>
+                            <a:rPr lang="en-US" altLang="ja-JP" sz="2400" b="0" i="1" smtClean="0">
+                              <a:latin typeface="Cambria Math" panose="02040503050406030204" pitchFamily="18" charset="0"/>
+                            </a:rPr>
+                            <m:t>𝐶𝑇𝑅𝐿</m:t>
+                          </m:r>
+                        </m:sub>
+                      </m:sSub>
+                      <m:r>
+                        <a:rPr lang="en-US" altLang="ja-JP" sz="2400" b="0" i="1" smtClean="0">
+                          <a:latin typeface="Cambria Math" panose="02040503050406030204" pitchFamily="18" charset="0"/>
+                        </a:rPr>
+                        <m:t>⋅</m:t>
+                      </m:r>
+                      <m:sSub>
+                        <m:sSubPr>
+                          <m:ctrlPr>
+                            <a:rPr lang="en-US" altLang="ja-JP" sz="2400" b="0" i="1" smtClean="0">
+                              <a:latin typeface="Cambria Math" panose="02040503050406030204" pitchFamily="18" charset="0"/>
+                            </a:rPr>
+                          </m:ctrlPr>
+                        </m:sSubPr>
+                        <m:e>
+                          <m:r>
+                            <a:rPr lang="en-US" altLang="ja-JP" sz="2400" b="0" i="1" smtClean="0">
+                              <a:latin typeface="Cambria Math" panose="02040503050406030204" pitchFamily="18" charset="0"/>
+                            </a:rPr>
+                            <m:t>𝑣</m:t>
+                          </m:r>
+                        </m:e>
+                        <m:sub>
+                          <m:r>
+                            <a:rPr lang="en-US" altLang="ja-JP" sz="2400" b="0" i="1" smtClean="0">
+                              <a:latin typeface="Cambria Math" panose="02040503050406030204" pitchFamily="18" charset="0"/>
+                            </a:rPr>
+                            <m:t>𝑖𝑛</m:t>
+                          </m:r>
+                        </m:sub>
+                      </m:sSub>
+                    </m:oMath>
+                  </m:oMathPara>
+                </a14:m>
+                <a:endParaRPr kumimoji="1" lang="en-US" altLang="ja-JP" sz="2400" dirty="0"/>
+              </a:p>
+              <a:p>
+                <a:pPr algn="l"/>
+                <a14:m>
+                  <m:oMathPara xmlns:m="http://schemas.openxmlformats.org/officeDocument/2006/math">
+                    <m:oMathParaPr>
+                      <m:jc m:val="centerGroup"/>
+                    </m:oMathParaPr>
+                    <m:oMath xmlns:m="http://schemas.openxmlformats.org/officeDocument/2006/math">
+                      <m:r>
+                        <a:rPr kumimoji="1" lang="en-US" altLang="ja-JP" sz="2400" b="0" i="1" smtClean="0">
+                          <a:latin typeface="Cambria Math" panose="02040503050406030204" pitchFamily="18" charset="0"/>
+                        </a:rPr>
+                        <m:t>=−4</m:t>
+                      </m:r>
+                      <m:rad>
+                        <m:radPr>
+                          <m:degHide m:val="on"/>
+                          <m:ctrlPr>
+                            <a:rPr kumimoji="1" lang="en-US" altLang="ja-JP" sz="2400" b="0" i="1" smtClean="0">
+                              <a:latin typeface="Cambria Math" panose="02040503050406030204" pitchFamily="18" charset="0"/>
+                            </a:rPr>
+                          </m:ctrlPr>
+                        </m:radPr>
+                        <m:deg/>
+                        <m:e>
+                          <m:f>
+                            <m:fPr>
+                              <m:ctrlPr>
+                                <a:rPr kumimoji="1" lang="en-US" altLang="ja-JP" sz="2400" b="0" i="1" smtClean="0">
+                                  <a:latin typeface="Cambria Math" panose="02040503050406030204" pitchFamily="18" charset="0"/>
+                                </a:rPr>
+                              </m:ctrlPr>
+                            </m:fPr>
+                            <m:num>
+                              <m:r>
+                                <a:rPr kumimoji="1" lang="en-US" altLang="ja-JP" sz="2400" b="0" i="1" smtClean="0">
+                                  <a:latin typeface="Cambria Math" panose="02040503050406030204" pitchFamily="18" charset="0"/>
+                                </a:rPr>
+                                <m:t>2</m:t>
+                              </m:r>
+                              <m:sSub>
+                                <m:sSubPr>
+                                  <m:ctrlPr>
+                                    <a:rPr kumimoji="1" lang="en-US" altLang="ja-JP" sz="2400" b="0" i="1" smtClean="0">
+                                      <a:latin typeface="Cambria Math" panose="02040503050406030204" pitchFamily="18" charset="0"/>
+                                    </a:rPr>
+                                  </m:ctrlPr>
+                                </m:sSubPr>
+                                <m:e>
+                                  <m:r>
+                                    <a:rPr kumimoji="1" lang="en-US" altLang="ja-JP" sz="2400" b="0" i="1" smtClean="0">
+                                      <a:latin typeface="Cambria Math" panose="02040503050406030204" pitchFamily="18" charset="0"/>
+                                    </a:rPr>
+                                    <m:t>𝐾</m:t>
+                                  </m:r>
+                                </m:e>
+                                <m:sub>
+                                  <m:r>
+                                    <a:rPr kumimoji="1" lang="en-US" altLang="ja-JP" sz="2400" b="0" i="1" smtClean="0">
+                                      <a:latin typeface="Cambria Math" panose="02040503050406030204" pitchFamily="18" charset="0"/>
+                                    </a:rPr>
+                                    <m:t>𝑝</m:t>
+                                  </m:r>
+                                </m:sub>
+                              </m:sSub>
+                              <m:sSub>
+                                <m:sSubPr>
+                                  <m:ctrlPr>
+                                    <a:rPr kumimoji="1" lang="en-US" altLang="ja-JP" sz="2400" b="0" i="1" smtClean="0">
+                                      <a:latin typeface="Cambria Math" panose="02040503050406030204" pitchFamily="18" charset="0"/>
+                                    </a:rPr>
+                                  </m:ctrlPr>
+                                </m:sSubPr>
+                                <m:e>
+                                  <m:r>
+                                    <a:rPr kumimoji="1" lang="en-US" altLang="ja-JP" sz="2400" b="0" i="1" smtClean="0">
+                                      <a:latin typeface="Cambria Math" panose="02040503050406030204" pitchFamily="18" charset="0"/>
+                                    </a:rPr>
+                                    <m:t>𝐾</m:t>
+                                  </m:r>
+                                </m:e>
+                                <m:sub>
+                                  <m:r>
+                                    <a:rPr kumimoji="1" lang="en-US" altLang="ja-JP" sz="2400" b="0" i="1" smtClean="0">
+                                      <a:latin typeface="Cambria Math" panose="02040503050406030204" pitchFamily="18" charset="0"/>
+                                    </a:rPr>
+                                    <m:t>𝑛</m:t>
+                                  </m:r>
+                                </m:sub>
+                              </m:sSub>
+                              <m:sSub>
+                                <m:sSubPr>
+                                  <m:ctrlPr>
+                                    <a:rPr kumimoji="1" lang="en-US" altLang="ja-JP" sz="2400" b="0" i="1" smtClean="0">
+                                      <a:latin typeface="Cambria Math" panose="02040503050406030204" pitchFamily="18" charset="0"/>
+                                    </a:rPr>
+                                  </m:ctrlPr>
+                                </m:sSubPr>
+                                <m:e>
+                                  <m:r>
+                                    <a:rPr kumimoji="1" lang="en-US" altLang="ja-JP" sz="2400" b="0" i="1" smtClean="0">
+                                      <a:latin typeface="Cambria Math" panose="02040503050406030204" pitchFamily="18" charset="0"/>
+                                    </a:rPr>
+                                    <m:t>𝐼</m:t>
+                                  </m:r>
+                                </m:e>
+                                <m:sub>
+                                  <m:r>
+                                    <a:rPr kumimoji="1" lang="en-US" altLang="ja-JP" sz="2400" b="0" i="1" smtClean="0">
+                                      <a:latin typeface="Cambria Math" panose="02040503050406030204" pitchFamily="18" charset="0"/>
+                                    </a:rPr>
+                                    <m:t>𝐶</m:t>
+                                  </m:r>
+                                </m:sub>
+                              </m:sSub>
+                            </m:num>
+                            <m:den>
+                              <m:r>
+                                <a:rPr kumimoji="1" lang="en-US" altLang="ja-JP" sz="2400" b="0" i="1" smtClean="0">
+                                  <a:latin typeface="Cambria Math" panose="02040503050406030204" pitchFamily="18" charset="0"/>
+                                </a:rPr>
+                                <m:t>2</m:t>
+                              </m:r>
+                              <m:sSub>
+                                <m:sSubPr>
+                                  <m:ctrlPr>
+                                    <a:rPr kumimoji="1" lang="en-US" altLang="ja-JP" sz="2400" b="0" i="1" smtClean="0">
+                                      <a:latin typeface="Cambria Math" panose="02040503050406030204" pitchFamily="18" charset="0"/>
+                                    </a:rPr>
+                                  </m:ctrlPr>
+                                </m:sSubPr>
+                                <m:e>
+                                  <m:r>
+                                    <a:rPr kumimoji="1" lang="en-US" altLang="ja-JP" sz="2400" b="0" i="1" smtClean="0">
+                                      <a:latin typeface="Cambria Math" panose="02040503050406030204" pitchFamily="18" charset="0"/>
+                                    </a:rPr>
+                                    <m:t>𝐼</m:t>
+                                  </m:r>
+                                </m:e>
+                                <m:sub>
+                                  <m:r>
+                                    <a:rPr kumimoji="1" lang="en-US" altLang="ja-JP" sz="2400" b="0" i="1" smtClean="0">
+                                      <a:latin typeface="Cambria Math" panose="02040503050406030204" pitchFamily="18" charset="0"/>
+                                    </a:rPr>
+                                    <m:t>𝑏𝑖𝑎𝑠</m:t>
+                                  </m:r>
+                                  <m:r>
+                                    <a:rPr kumimoji="1" lang="en-US" altLang="ja-JP" sz="2400" b="0" i="1" smtClean="0">
+                                      <a:latin typeface="Cambria Math" panose="02040503050406030204" pitchFamily="18" charset="0"/>
+                                    </a:rPr>
+                                    <m:t>1</m:t>
+                                  </m:r>
+                                </m:sub>
+                              </m:sSub>
+                              <m:r>
+                                <a:rPr kumimoji="1" lang="en-US" altLang="ja-JP" sz="2400" b="0" i="1" smtClean="0">
+                                  <a:latin typeface="Cambria Math" panose="02040503050406030204" pitchFamily="18" charset="0"/>
+                                </a:rPr>
+                                <m:t>−</m:t>
+                              </m:r>
+                              <m:sSub>
+                                <m:sSubPr>
+                                  <m:ctrlPr>
+                                    <a:rPr kumimoji="1" lang="en-US" altLang="ja-JP" sz="2400" b="0" i="1" smtClean="0">
+                                      <a:latin typeface="Cambria Math" panose="02040503050406030204" pitchFamily="18" charset="0"/>
+                                    </a:rPr>
+                                  </m:ctrlPr>
+                                </m:sSubPr>
+                                <m:e>
+                                  <m:r>
+                                    <a:rPr kumimoji="1" lang="en-US" altLang="ja-JP" sz="2400" b="0" i="1" smtClean="0">
+                                      <a:latin typeface="Cambria Math" panose="02040503050406030204" pitchFamily="18" charset="0"/>
+                                    </a:rPr>
+                                    <m:t>𝐼</m:t>
+                                  </m:r>
+                                </m:e>
+                                <m:sub>
+                                  <m:r>
+                                    <a:rPr kumimoji="1" lang="en-US" altLang="ja-JP" sz="2400" b="0" i="1" smtClean="0">
+                                      <a:latin typeface="Cambria Math" panose="02040503050406030204" pitchFamily="18" charset="0"/>
+                                    </a:rPr>
+                                    <m:t>𝐶</m:t>
+                                  </m:r>
+                                </m:sub>
+                              </m:sSub>
+                            </m:den>
+                          </m:f>
+                        </m:e>
+                      </m:rad>
+                      <m:r>
+                        <a:rPr kumimoji="1" lang="en-US" altLang="ja-JP" sz="2400" b="0" i="1" smtClean="0">
+                          <a:latin typeface="Cambria Math" panose="02040503050406030204" pitchFamily="18" charset="0"/>
+                        </a:rPr>
+                        <m:t>⋅</m:t>
+                      </m:r>
+                      <m:sSub>
+                        <m:sSubPr>
+                          <m:ctrlPr>
+                            <a:rPr kumimoji="1" lang="en-US" altLang="ja-JP" sz="2400" b="0" i="1" smtClean="0">
+                              <a:latin typeface="Cambria Math" panose="02040503050406030204" pitchFamily="18" charset="0"/>
+                            </a:rPr>
+                          </m:ctrlPr>
+                        </m:sSubPr>
+                        <m:e>
+                          <m:r>
+                            <a:rPr kumimoji="1" lang="en-US" altLang="ja-JP" sz="2400" b="0" i="1" smtClean="0">
+                              <a:latin typeface="Cambria Math" panose="02040503050406030204" pitchFamily="18" charset="0"/>
+                            </a:rPr>
+                            <m:t>𝑉</m:t>
+                          </m:r>
+                        </m:e>
+                        <m:sub>
+                          <m:r>
+                            <a:rPr kumimoji="1" lang="en-US" altLang="ja-JP" sz="2400" b="0" i="1" smtClean="0">
+                              <a:latin typeface="Cambria Math" panose="02040503050406030204" pitchFamily="18" charset="0"/>
+                            </a:rPr>
+                            <m:t>𝐶𝑇𝑅𝐿</m:t>
+                          </m:r>
+                        </m:sub>
+                      </m:sSub>
+                      <m:r>
+                        <a:rPr kumimoji="1" lang="en-US" altLang="ja-JP" sz="2400" b="0" i="1" smtClean="0">
+                          <a:latin typeface="Cambria Math" panose="02040503050406030204" pitchFamily="18" charset="0"/>
+                        </a:rPr>
+                        <m:t>⋅</m:t>
+                      </m:r>
+                      <m:sSub>
+                        <m:sSubPr>
+                          <m:ctrlPr>
+                            <a:rPr kumimoji="1" lang="en-US" altLang="ja-JP" sz="2400" b="0" i="1" smtClean="0">
+                              <a:latin typeface="Cambria Math" panose="02040503050406030204" pitchFamily="18" charset="0"/>
+                            </a:rPr>
+                          </m:ctrlPr>
+                        </m:sSubPr>
+                        <m:e>
+                          <m:r>
+                            <a:rPr kumimoji="1" lang="en-US" altLang="ja-JP" sz="2400" b="0" i="1" smtClean="0">
+                              <a:latin typeface="Cambria Math" panose="02040503050406030204" pitchFamily="18" charset="0"/>
+                            </a:rPr>
+                            <m:t>𝑣</m:t>
+                          </m:r>
+                        </m:e>
+                        <m:sub>
+                          <m:r>
+                            <a:rPr kumimoji="1" lang="en-US" altLang="ja-JP" sz="2400" b="0" i="1" smtClean="0">
+                              <a:latin typeface="Cambria Math" panose="02040503050406030204" pitchFamily="18" charset="0"/>
+                            </a:rPr>
+                            <m:t>𝑖𝑛</m:t>
+                          </m:r>
+                        </m:sub>
+                      </m:sSub>
+                    </m:oMath>
+                  </m:oMathPara>
+                </a14:m>
+                <a:endParaRPr kumimoji="1" lang="en-US" altLang="ja-JP" sz="2400" dirty="0"/>
+              </a:p>
+              <a:p>
+                <a:pPr algn="l"/>
+                <a:r>
+                  <a:rPr kumimoji="1" lang="ja-JP" altLang="en-US" sz="2400" dirty="0"/>
+                  <a:t>したがって、全体の利得は</a:t>
+                </a:r>
+                <a:endParaRPr kumimoji="1" lang="en-US" altLang="ja-JP" sz="2400" dirty="0"/>
+              </a:p>
+              <a:p>
+                <a14:m>
+                  <m:oMathPara xmlns:m="http://schemas.openxmlformats.org/officeDocument/2006/math">
+                    <m:oMathParaPr>
+                      <m:jc m:val="centerGroup"/>
+                    </m:oMathParaPr>
+                    <m:oMath xmlns:m="http://schemas.openxmlformats.org/officeDocument/2006/math">
+                      <m:sSub>
+                        <m:sSubPr>
+                          <m:ctrlPr>
+                            <a:rPr kumimoji="1" lang="en-US" altLang="ja-JP" sz="2400" b="0" i="1" smtClean="0">
+                              <a:latin typeface="Cambria Math" panose="02040503050406030204" pitchFamily="18" charset="0"/>
+                            </a:rPr>
+                          </m:ctrlPr>
+                        </m:sSubPr>
+                        <m:e>
+                          <m:r>
+                            <a:rPr kumimoji="1" lang="en-US" altLang="ja-JP" sz="2400" b="0" i="1" smtClean="0">
+                              <a:latin typeface="Cambria Math" panose="02040503050406030204" pitchFamily="18" charset="0"/>
+                            </a:rPr>
+                            <m:t>𝑅</m:t>
+                          </m:r>
+                        </m:e>
+                        <m:sub>
+                          <m:r>
+                            <a:rPr kumimoji="1" lang="en-US" altLang="ja-JP" sz="2400" b="0" i="1" smtClean="0">
+                              <a:latin typeface="Cambria Math" panose="02040503050406030204" pitchFamily="18" charset="0"/>
+                            </a:rPr>
+                            <m:t>𝐿</m:t>
+                          </m:r>
+                        </m:sub>
+                      </m:sSub>
+                      <m:r>
+                        <a:rPr kumimoji="1" lang="en-US" altLang="ja-JP" sz="2400" b="0" i="1" smtClean="0">
+                          <a:latin typeface="Cambria Math" panose="02040503050406030204" pitchFamily="18" charset="0"/>
+                        </a:rPr>
+                        <m:t>⋅</m:t>
+                      </m:r>
+                      <m:d>
+                        <m:dPr>
+                          <m:ctrlPr>
+                            <a:rPr kumimoji="1" lang="en-US" altLang="ja-JP" sz="2400" b="0" i="1" smtClean="0">
+                              <a:latin typeface="Cambria Math" panose="02040503050406030204" pitchFamily="18" charset="0"/>
+                            </a:rPr>
+                          </m:ctrlPr>
+                        </m:dPr>
+                        <m:e>
+                          <m:sSub>
+                            <m:sSubPr>
+                              <m:ctrlPr>
+                                <a:rPr lang="en-US" altLang="ja-JP" sz="2400" i="1">
+                                  <a:latin typeface="Cambria Math" panose="02040503050406030204" pitchFamily="18" charset="0"/>
+                                </a:rPr>
+                              </m:ctrlPr>
+                            </m:sSubPr>
+                            <m:e>
+                              <m:r>
+                                <a:rPr lang="en-US" altLang="ja-JP" sz="2400" i="1">
+                                  <a:latin typeface="Cambria Math" panose="02040503050406030204" pitchFamily="18" charset="0"/>
+                                </a:rPr>
+                                <m:t>𝑖</m:t>
+                              </m:r>
+                            </m:e>
+                            <m:sub>
+                              <m:r>
+                                <a:rPr lang="en-US" altLang="ja-JP" sz="2400" i="1">
+                                  <a:latin typeface="Cambria Math" panose="02040503050406030204" pitchFamily="18" charset="0"/>
+                                </a:rPr>
+                                <m:t>𝐴</m:t>
+                              </m:r>
+                              <m:r>
+                                <a:rPr lang="en-US" altLang="ja-JP" sz="2400" i="1">
+                                  <a:latin typeface="Cambria Math" panose="02040503050406030204" pitchFamily="18" charset="0"/>
+                                </a:rPr>
+                                <m:t>1</m:t>
+                              </m:r>
+                            </m:sub>
+                          </m:sSub>
+                          <m:r>
+                            <a:rPr lang="en-US" altLang="ja-JP" sz="2400" i="1">
+                              <a:latin typeface="Cambria Math" panose="02040503050406030204" pitchFamily="18" charset="0"/>
+                            </a:rPr>
+                            <m:t>−</m:t>
+                          </m:r>
+                          <m:sSub>
+                            <m:sSubPr>
+                              <m:ctrlPr>
+                                <a:rPr lang="en-US" altLang="ja-JP" sz="2400" i="1">
+                                  <a:latin typeface="Cambria Math" panose="02040503050406030204" pitchFamily="18" charset="0"/>
+                                </a:rPr>
+                              </m:ctrlPr>
+                            </m:sSubPr>
+                            <m:e>
+                              <m:r>
+                                <a:rPr lang="en-US" altLang="ja-JP" sz="2400" i="1">
+                                  <a:latin typeface="Cambria Math" panose="02040503050406030204" pitchFamily="18" charset="0"/>
+                                </a:rPr>
+                                <m:t>𝑖</m:t>
+                              </m:r>
+                            </m:e>
+                            <m:sub>
+                              <m:r>
+                                <a:rPr lang="en-US" altLang="ja-JP" sz="2400" i="1">
+                                  <a:latin typeface="Cambria Math" panose="02040503050406030204" pitchFamily="18" charset="0"/>
+                                </a:rPr>
+                                <m:t>𝐴</m:t>
+                              </m:r>
+                              <m:r>
+                                <a:rPr lang="en-US" altLang="ja-JP" sz="2400" i="1">
+                                  <a:latin typeface="Cambria Math" panose="02040503050406030204" pitchFamily="18" charset="0"/>
+                                </a:rPr>
+                                <m:t>2</m:t>
+                              </m:r>
+                            </m:sub>
+                          </m:sSub>
+                          <m:r>
+                            <a:rPr lang="en-US" altLang="ja-JP" sz="2400" i="1">
+                              <a:latin typeface="Cambria Math" panose="02040503050406030204" pitchFamily="18" charset="0"/>
+                            </a:rPr>
+                            <m:t>+</m:t>
+                          </m:r>
+                          <m:sSub>
+                            <m:sSubPr>
+                              <m:ctrlPr>
+                                <a:rPr lang="en-US" altLang="ja-JP" sz="2400" i="1">
+                                  <a:latin typeface="Cambria Math" panose="02040503050406030204" pitchFamily="18" charset="0"/>
+                                </a:rPr>
+                              </m:ctrlPr>
+                            </m:sSubPr>
+                            <m:e>
+                              <m:r>
+                                <a:rPr lang="en-US" altLang="ja-JP" sz="2400" i="1">
+                                  <a:latin typeface="Cambria Math" panose="02040503050406030204" pitchFamily="18" charset="0"/>
+                                </a:rPr>
+                                <m:t>𝑖</m:t>
+                              </m:r>
+                            </m:e>
+                            <m:sub>
+                              <m:r>
+                                <a:rPr lang="en-US" altLang="ja-JP" sz="2400" i="1">
+                                  <a:latin typeface="Cambria Math" panose="02040503050406030204" pitchFamily="18" charset="0"/>
+                                </a:rPr>
+                                <m:t>𝐴</m:t>
+                              </m:r>
+                              <m:r>
+                                <a:rPr lang="en-US" altLang="ja-JP" sz="2400" i="1">
+                                  <a:latin typeface="Cambria Math" panose="02040503050406030204" pitchFamily="18" charset="0"/>
+                                </a:rPr>
+                                <m:t>3</m:t>
+                              </m:r>
+                            </m:sub>
+                          </m:sSub>
+                          <m:r>
+                            <a:rPr lang="en-US" altLang="ja-JP" sz="2400" i="1">
+                              <a:latin typeface="Cambria Math" panose="02040503050406030204" pitchFamily="18" charset="0"/>
+                            </a:rPr>
+                            <m:t>−</m:t>
+                          </m:r>
+                          <m:sSub>
+                            <m:sSubPr>
+                              <m:ctrlPr>
+                                <a:rPr lang="en-US" altLang="ja-JP" sz="2400" i="1">
+                                  <a:latin typeface="Cambria Math" panose="02040503050406030204" pitchFamily="18" charset="0"/>
+                                </a:rPr>
+                              </m:ctrlPr>
+                            </m:sSubPr>
+                            <m:e>
+                              <m:r>
+                                <a:rPr lang="en-US" altLang="ja-JP" sz="2400" i="1">
+                                  <a:latin typeface="Cambria Math" panose="02040503050406030204" pitchFamily="18" charset="0"/>
+                                </a:rPr>
+                                <m:t>𝑖</m:t>
+                              </m:r>
+                            </m:e>
+                            <m:sub>
+                              <m:r>
+                                <a:rPr lang="en-US" altLang="ja-JP" sz="2400" i="1">
+                                  <a:latin typeface="Cambria Math" panose="02040503050406030204" pitchFamily="18" charset="0"/>
+                                </a:rPr>
+                                <m:t>𝐴</m:t>
+                              </m:r>
+                              <m:r>
+                                <a:rPr lang="en-US" altLang="ja-JP" sz="2400" i="1">
+                                  <a:latin typeface="Cambria Math" panose="02040503050406030204" pitchFamily="18" charset="0"/>
+                                </a:rPr>
+                                <m:t>4</m:t>
+                              </m:r>
+                            </m:sub>
+                          </m:sSub>
+                        </m:e>
+                      </m:d>
+                      <m:r>
+                        <a:rPr lang="en-US" altLang="ja-JP" sz="2400" i="1">
+                          <a:latin typeface="Cambria Math" panose="02040503050406030204" pitchFamily="18" charset="0"/>
+                        </a:rPr>
+                        <m:t>=−4</m:t>
+                      </m:r>
+                      <m:sSub>
+                        <m:sSubPr>
+                          <m:ctrlPr>
+                            <a:rPr lang="en-US" altLang="ja-JP" sz="2400" b="0" i="1" smtClean="0">
+                              <a:latin typeface="Cambria Math" panose="02040503050406030204" pitchFamily="18" charset="0"/>
+                            </a:rPr>
+                          </m:ctrlPr>
+                        </m:sSubPr>
+                        <m:e>
+                          <m:r>
+                            <a:rPr lang="en-US" altLang="ja-JP" sz="2400" b="0" i="1" smtClean="0">
+                              <a:latin typeface="Cambria Math" panose="02040503050406030204" pitchFamily="18" charset="0"/>
+                            </a:rPr>
+                            <m:t>𝑅</m:t>
+                          </m:r>
+                        </m:e>
+                        <m:sub>
+                          <m:r>
+                            <a:rPr lang="en-US" altLang="ja-JP" sz="2400" b="0" i="1" smtClean="0">
+                              <a:latin typeface="Cambria Math" panose="02040503050406030204" pitchFamily="18" charset="0"/>
+                            </a:rPr>
+                            <m:t>𝐿</m:t>
+                          </m:r>
+                        </m:sub>
+                      </m:sSub>
+                      <m:rad>
+                        <m:radPr>
+                          <m:degHide m:val="on"/>
+                          <m:ctrlPr>
+                            <a:rPr lang="en-US" altLang="ja-JP" sz="2400" i="1">
+                              <a:latin typeface="Cambria Math" panose="02040503050406030204" pitchFamily="18" charset="0"/>
+                            </a:rPr>
+                          </m:ctrlPr>
+                        </m:radPr>
+                        <m:deg/>
+                        <m:e>
+                          <m:f>
+                            <m:fPr>
+                              <m:ctrlPr>
+                                <a:rPr lang="en-US" altLang="ja-JP" sz="2400" i="1">
+                                  <a:latin typeface="Cambria Math" panose="02040503050406030204" pitchFamily="18" charset="0"/>
+                                </a:rPr>
+                              </m:ctrlPr>
+                            </m:fPr>
+                            <m:num>
+                              <m:r>
+                                <a:rPr lang="en-US" altLang="ja-JP" sz="2400" i="1">
+                                  <a:latin typeface="Cambria Math" panose="02040503050406030204" pitchFamily="18" charset="0"/>
+                                </a:rPr>
+                                <m:t>2</m:t>
+                              </m:r>
+                              <m:sSub>
+                                <m:sSubPr>
+                                  <m:ctrlPr>
+                                    <a:rPr lang="en-US" altLang="ja-JP" sz="2400" i="1">
+                                      <a:latin typeface="Cambria Math" panose="02040503050406030204" pitchFamily="18" charset="0"/>
+                                    </a:rPr>
+                                  </m:ctrlPr>
+                                </m:sSubPr>
+                                <m:e>
+                                  <m:r>
+                                    <a:rPr lang="en-US" altLang="ja-JP" sz="2400" i="1">
+                                      <a:latin typeface="Cambria Math" panose="02040503050406030204" pitchFamily="18" charset="0"/>
+                                    </a:rPr>
+                                    <m:t>𝐾</m:t>
+                                  </m:r>
+                                </m:e>
+                                <m:sub>
+                                  <m:r>
+                                    <a:rPr lang="en-US" altLang="ja-JP" sz="2400" i="1">
+                                      <a:latin typeface="Cambria Math" panose="02040503050406030204" pitchFamily="18" charset="0"/>
+                                    </a:rPr>
+                                    <m:t>𝑝</m:t>
+                                  </m:r>
+                                </m:sub>
+                              </m:sSub>
+                              <m:sSub>
+                                <m:sSubPr>
+                                  <m:ctrlPr>
+                                    <a:rPr lang="en-US" altLang="ja-JP" sz="2400" i="1">
+                                      <a:latin typeface="Cambria Math" panose="02040503050406030204" pitchFamily="18" charset="0"/>
+                                    </a:rPr>
+                                  </m:ctrlPr>
+                                </m:sSubPr>
+                                <m:e>
+                                  <m:r>
+                                    <a:rPr lang="en-US" altLang="ja-JP" sz="2400" i="1">
+                                      <a:latin typeface="Cambria Math" panose="02040503050406030204" pitchFamily="18" charset="0"/>
+                                    </a:rPr>
+                                    <m:t>𝐾</m:t>
+                                  </m:r>
+                                </m:e>
+                                <m:sub>
+                                  <m:r>
+                                    <a:rPr lang="en-US" altLang="ja-JP" sz="2400" i="1">
+                                      <a:latin typeface="Cambria Math" panose="02040503050406030204" pitchFamily="18" charset="0"/>
+                                    </a:rPr>
+                                    <m:t>𝑛</m:t>
+                                  </m:r>
+                                </m:sub>
+                              </m:sSub>
+                              <m:sSub>
+                                <m:sSubPr>
+                                  <m:ctrlPr>
+                                    <a:rPr lang="en-US" altLang="ja-JP" sz="2400" i="1">
+                                      <a:latin typeface="Cambria Math" panose="02040503050406030204" pitchFamily="18" charset="0"/>
+                                    </a:rPr>
+                                  </m:ctrlPr>
+                                </m:sSubPr>
+                                <m:e>
+                                  <m:r>
+                                    <a:rPr lang="en-US" altLang="ja-JP" sz="2400" i="1">
+                                      <a:latin typeface="Cambria Math" panose="02040503050406030204" pitchFamily="18" charset="0"/>
+                                    </a:rPr>
+                                    <m:t>𝐼</m:t>
+                                  </m:r>
+                                </m:e>
+                                <m:sub>
+                                  <m:r>
+                                    <a:rPr lang="en-US" altLang="ja-JP" sz="2400" i="1">
+                                      <a:latin typeface="Cambria Math" panose="02040503050406030204" pitchFamily="18" charset="0"/>
+                                    </a:rPr>
+                                    <m:t>𝐶</m:t>
+                                  </m:r>
+                                </m:sub>
+                              </m:sSub>
+                            </m:num>
+                            <m:den>
+                              <m:r>
+                                <a:rPr lang="en-US" altLang="ja-JP" sz="2400" i="1">
+                                  <a:latin typeface="Cambria Math" panose="02040503050406030204" pitchFamily="18" charset="0"/>
+                                </a:rPr>
+                                <m:t>2</m:t>
+                              </m:r>
+                              <m:sSub>
+                                <m:sSubPr>
+                                  <m:ctrlPr>
+                                    <a:rPr lang="en-US" altLang="ja-JP" sz="2400" i="1">
+                                      <a:latin typeface="Cambria Math" panose="02040503050406030204" pitchFamily="18" charset="0"/>
+                                    </a:rPr>
+                                  </m:ctrlPr>
+                                </m:sSubPr>
+                                <m:e>
+                                  <m:r>
+                                    <a:rPr lang="en-US" altLang="ja-JP" sz="2400" i="1">
+                                      <a:latin typeface="Cambria Math" panose="02040503050406030204" pitchFamily="18" charset="0"/>
+                                    </a:rPr>
+                                    <m:t>𝐼</m:t>
+                                  </m:r>
+                                </m:e>
+                                <m:sub>
+                                  <m:r>
+                                    <a:rPr lang="en-US" altLang="ja-JP" sz="2400" i="1">
+                                      <a:latin typeface="Cambria Math" panose="02040503050406030204" pitchFamily="18" charset="0"/>
+                                    </a:rPr>
+                                    <m:t>𝑏𝑖𝑎𝑠</m:t>
+                                  </m:r>
+                                  <m:r>
+                                    <a:rPr lang="en-US" altLang="ja-JP" sz="2400" i="1">
+                                      <a:latin typeface="Cambria Math" panose="02040503050406030204" pitchFamily="18" charset="0"/>
+                                    </a:rPr>
+                                    <m:t>1</m:t>
+                                  </m:r>
+                                </m:sub>
+                              </m:sSub>
+                              <m:r>
+                                <a:rPr lang="en-US" altLang="ja-JP" sz="2400" i="1">
+                                  <a:latin typeface="Cambria Math" panose="02040503050406030204" pitchFamily="18" charset="0"/>
+                                </a:rPr>
+                                <m:t>−</m:t>
+                              </m:r>
+                              <m:sSub>
+                                <m:sSubPr>
+                                  <m:ctrlPr>
+                                    <a:rPr lang="en-US" altLang="ja-JP" sz="2400" i="1">
+                                      <a:latin typeface="Cambria Math" panose="02040503050406030204" pitchFamily="18" charset="0"/>
+                                    </a:rPr>
+                                  </m:ctrlPr>
+                                </m:sSubPr>
+                                <m:e>
+                                  <m:r>
+                                    <a:rPr lang="en-US" altLang="ja-JP" sz="2400" i="1">
+                                      <a:latin typeface="Cambria Math" panose="02040503050406030204" pitchFamily="18" charset="0"/>
+                                    </a:rPr>
+                                    <m:t>𝐼</m:t>
+                                  </m:r>
+                                </m:e>
+                                <m:sub>
+                                  <m:r>
+                                    <a:rPr lang="en-US" altLang="ja-JP" sz="2400" i="1">
+                                      <a:latin typeface="Cambria Math" panose="02040503050406030204" pitchFamily="18" charset="0"/>
+                                    </a:rPr>
+                                    <m:t>𝐶</m:t>
+                                  </m:r>
+                                </m:sub>
+                              </m:sSub>
+                            </m:den>
+                          </m:f>
+                        </m:e>
+                      </m:rad>
+                      <m:r>
+                        <a:rPr lang="en-US" altLang="ja-JP" sz="2400" i="1">
+                          <a:latin typeface="Cambria Math" panose="02040503050406030204" pitchFamily="18" charset="0"/>
+                        </a:rPr>
+                        <m:t>⋅</m:t>
+                      </m:r>
+                      <m:sSub>
+                        <m:sSubPr>
+                          <m:ctrlPr>
+                            <a:rPr lang="en-US" altLang="ja-JP" sz="2400" i="1">
+                              <a:latin typeface="Cambria Math" panose="02040503050406030204" pitchFamily="18" charset="0"/>
+                            </a:rPr>
+                          </m:ctrlPr>
+                        </m:sSubPr>
+                        <m:e>
+                          <m:r>
+                            <a:rPr lang="en-US" altLang="ja-JP" sz="2400" i="1">
+                              <a:latin typeface="Cambria Math" panose="02040503050406030204" pitchFamily="18" charset="0"/>
+                            </a:rPr>
+                            <m:t>𝑉</m:t>
+                          </m:r>
+                        </m:e>
+                        <m:sub>
+                          <m:r>
+                            <a:rPr lang="en-US" altLang="ja-JP" sz="2400" i="1">
+                              <a:latin typeface="Cambria Math" panose="02040503050406030204" pitchFamily="18" charset="0"/>
+                            </a:rPr>
+                            <m:t>𝐶𝑇𝑅𝐿</m:t>
+                          </m:r>
+                        </m:sub>
+                      </m:sSub>
+                      <m:r>
+                        <a:rPr lang="en-US" altLang="ja-JP" sz="2400" i="1">
+                          <a:latin typeface="Cambria Math" panose="02040503050406030204" pitchFamily="18" charset="0"/>
+                        </a:rPr>
+                        <m:t>⋅</m:t>
+                      </m:r>
+                      <m:sSub>
+                        <m:sSubPr>
+                          <m:ctrlPr>
+                            <a:rPr lang="en-US" altLang="ja-JP" sz="2400" i="1">
+                              <a:latin typeface="Cambria Math" panose="02040503050406030204" pitchFamily="18" charset="0"/>
+                            </a:rPr>
+                          </m:ctrlPr>
+                        </m:sSubPr>
+                        <m:e>
+                          <m:r>
+                            <a:rPr lang="en-US" altLang="ja-JP" sz="2400" i="1">
+                              <a:latin typeface="Cambria Math" panose="02040503050406030204" pitchFamily="18" charset="0"/>
+                            </a:rPr>
+                            <m:t>𝑣</m:t>
+                          </m:r>
+                        </m:e>
+                        <m:sub>
+                          <m:r>
+                            <a:rPr lang="en-US" altLang="ja-JP" sz="2400" i="1">
+                              <a:latin typeface="Cambria Math" panose="02040503050406030204" pitchFamily="18" charset="0"/>
+                            </a:rPr>
+                            <m:t>𝑖𝑛</m:t>
+                          </m:r>
+                        </m:sub>
+                      </m:sSub>
+                    </m:oMath>
+                  </m:oMathPara>
+                </a14:m>
+                <a:endParaRPr kumimoji="1" lang="en-US" altLang="ja-JP" sz="2400" dirty="0"/>
+              </a:p>
+              <a:p>
+                <a:r>
+                  <a:rPr lang="ja-JP" altLang="en-US" sz="2400" dirty="0"/>
+                  <a:t>と、求めることができた。</a:t>
+                </a:r>
+                <a:endParaRPr kumimoji="1" lang="ja-JP" altLang="en-US" sz="2400" dirty="0"/>
+              </a:p>
+            </p:txBody>
+          </p:sp>
+        </mc:Choice>
+        <mc:Fallback>
+          <p:sp>
+            <p:nvSpPr>
+              <p:cNvPr id="5" name="テキスト ボックス 4">
+                <a:extLst>
+                  <a:ext uri="{FF2B5EF4-FFF2-40B4-BE49-F238E27FC236}">
+                    <a16:creationId xmlns:a16="http://schemas.microsoft.com/office/drawing/2014/main" id="{33750A2A-1F70-D21E-F9CD-0D8901F2D9C3}"/>
+                  </a:ext>
+                </a:extLst>
+              </p:cNvPr>
+              <p:cNvSpPr txBox="1">
+                <a:spLocks noRot="1" noChangeAspect="1" noMove="1" noResize="1" noEditPoints="1" noAdjustHandles="1" noChangeArrowheads="1" noChangeShapeType="1" noTextEdit="1"/>
+              </p:cNvSpPr>
+              <p:nvPr/>
+            </p:nvSpPr>
+            <p:spPr>
+              <a:xfrm>
+                <a:off x="1371600" y="1871820"/>
+                <a:ext cx="9448800" cy="4134273"/>
+              </a:xfrm>
+              <a:prstGeom prst="rect">
+                <a:avLst/>
+              </a:prstGeom>
+              <a:blipFill>
+                <a:blip r:embed="rId2"/>
+                <a:stretch>
+                  <a:fillRect l="-968" b="-2507"/>
+                </a:stretch>
+              </a:blipFill>
+            </p:spPr>
+            <p:txBody>
+              <a:bodyPr/>
+              <a:lstStyle/>
+              <a:p>
+                <a:r>
+                  <a:rPr lang="ja-JP" altLang="en-US">
+                    <a:noFill/>
+                  </a:rPr>
+                  <a:t> </a:t>
+                </a:r>
+              </a:p>
+            </p:txBody>
+          </p:sp>
+        </mc:Fallback>
+      </mc:AlternateContent>
+    </p:spTree>
+    <p:extLst>
+      <p:ext uri="{BB962C8B-B14F-4D97-AF65-F5344CB8AC3E}">
+        <p14:creationId xmlns:p14="http://schemas.microsoft.com/office/powerpoint/2010/main" val="315221228"/>
       </p:ext>
     </p:extLst>
   </p:cSld>
@@ -13409,7 +18760,7 @@
         <p:spPr>
           <a:xfrm>
             <a:off x="2308194" y="2951946"/>
-            <a:ext cx="8575829" cy="1384995"/>
+            <a:ext cx="8575829" cy="1815882"/>
           </a:xfrm>
           <a:prstGeom prst="rect">
             <a:avLst/>
@@ -13425,6 +18776,13 @@
             <a:r>
               <a:rPr lang="ja-JP" altLang="en-US" sz="2800" dirty="0"/>
               <a:t>折り返し型のギルバート乗算回路を設計し、出力範囲の拡大を目指す。</a:t>
+            </a:r>
+            <a:endParaRPr lang="en-US" altLang="ja-JP" sz="2800" dirty="0"/>
+          </a:p>
+          <a:p>
+            <a:r>
+              <a:rPr lang="ja-JP" altLang="en-US" sz="2800" dirty="0"/>
+              <a:t>設計の初期段階として、利得を求める。</a:t>
             </a:r>
             <a:endParaRPr lang="en-US" altLang="ja-JP" sz="2800" dirty="0"/>
           </a:p>

--- a/folded_gilbert/20230710/折り返し型ギルバート乗算回路の設計.pptx
+++ b/folded_gilbert/20230710/折り返し型ギルバート乗算回路の設計.pptx
@@ -5,7 +5,7 @@
     <p:sldMasterId id="2147483648" r:id="rId1"/>
   </p:sldMasterIdLst>
   <p:notesMasterIdLst>
-    <p:notesMasterId r:id="rId19"/>
+    <p:notesMasterId r:id="rId20"/>
   </p:notesMasterIdLst>
   <p:sldIdLst>
     <p:sldId id="256" r:id="rId2"/>
@@ -25,6 +25,7 @@
     <p:sldId id="270" r:id="rId16"/>
     <p:sldId id="271" r:id="rId17"/>
     <p:sldId id="272" r:id="rId18"/>
+    <p:sldId id="273" r:id="rId19"/>
   </p:sldIdLst>
   <p:sldSz cx="12192000" cy="6858000"/>
   <p:notesSz cx="6858000" cy="9144000"/>
@@ -18692,6 +18693,157 @@
 </p:sld>
 </file>
 
+<file path=ppt/slides/slide18.xml><?xml version="1.0" encoding="utf-8"?>
+<p:sld xmlns:a="http://schemas.openxmlformats.org/drawingml/2006/main" xmlns:r="http://schemas.openxmlformats.org/officeDocument/2006/relationships" xmlns:p="http://schemas.openxmlformats.org/presentationml/2006/main">
+  <p:cSld>
+    <p:spTree>
+      <p:nvGrpSpPr>
+        <p:cNvPr id="1" name=""/>
+        <p:cNvGrpSpPr/>
+        <p:nvPr/>
+      </p:nvGrpSpPr>
+      <p:grpSpPr>
+        <a:xfrm>
+          <a:off x="0" y="0"/>
+          <a:ext cx="0" cy="0"/>
+          <a:chOff x="0" y="0"/>
+          <a:chExt cx="0" cy="0"/>
+        </a:xfrm>
+      </p:grpSpPr>
+      <p:sp>
+        <p:nvSpPr>
+          <p:cNvPr id="2" name="タイトル 1">
+            <a:extLst>
+              <a:ext uri="{FF2B5EF4-FFF2-40B4-BE49-F238E27FC236}">
+                <a16:creationId xmlns:a16="http://schemas.microsoft.com/office/drawing/2014/main" id="{7B82F602-B96E-34DD-3091-3C5708D25157}"/>
+              </a:ext>
+            </a:extLst>
+          </p:cNvPr>
+          <p:cNvSpPr>
+            <a:spLocks noGrp="1"/>
+          </p:cNvSpPr>
+          <p:nvPr>
+            <p:ph type="title"/>
+          </p:nvPr>
+        </p:nvSpPr>
+        <p:spPr/>
+        <p:txBody>
+          <a:bodyPr/>
+          <a:lstStyle/>
+          <a:p>
+            <a:r>
+              <a:rPr kumimoji="1" lang="ja-JP" altLang="en-US" dirty="0"/>
+              <a:t>まとめ</a:t>
+            </a:r>
+          </a:p>
+        </p:txBody>
+      </p:sp>
+      <p:sp>
+        <p:nvSpPr>
+          <p:cNvPr id="3" name="スライド番号プレースホルダー 2">
+            <a:extLst>
+              <a:ext uri="{FF2B5EF4-FFF2-40B4-BE49-F238E27FC236}">
+                <a16:creationId xmlns:a16="http://schemas.microsoft.com/office/drawing/2014/main" id="{3038BC6E-0757-AA27-56FC-559280359F01}"/>
+              </a:ext>
+            </a:extLst>
+          </p:cNvPr>
+          <p:cNvSpPr>
+            <a:spLocks noGrp="1"/>
+          </p:cNvSpPr>
+          <p:nvPr>
+            <p:ph type="sldNum" sz="quarter" idx="12"/>
+          </p:nvPr>
+        </p:nvSpPr>
+        <p:spPr/>
+        <p:txBody>
+          <a:bodyPr/>
+          <a:lstStyle/>
+          <a:p>
+            <a:fld id="{A742575F-3C2A-495A-A52F-17634B579F22}" type="slidenum">
+              <a:rPr kumimoji="1" lang="ja-JP" altLang="en-US" smtClean="0"/>
+              <a:t>18</a:t>
+            </a:fld>
+            <a:endParaRPr kumimoji="1" lang="ja-JP" altLang="en-US"/>
+          </a:p>
+        </p:txBody>
+      </p:sp>
+      <p:sp>
+        <p:nvSpPr>
+          <p:cNvPr id="4" name="テキスト ボックス 3">
+            <a:extLst>
+              <a:ext uri="{FF2B5EF4-FFF2-40B4-BE49-F238E27FC236}">
+                <a16:creationId xmlns:a16="http://schemas.microsoft.com/office/drawing/2014/main" id="{81A45DAA-38EE-D90E-628F-222DBFEB4947}"/>
+              </a:ext>
+            </a:extLst>
+          </p:cNvPr>
+          <p:cNvSpPr txBox="1"/>
+          <p:nvPr/>
+        </p:nvSpPr>
+        <p:spPr>
+          <a:xfrm>
+            <a:off x="2098089" y="2938509"/>
+            <a:ext cx="8664606" cy="1938992"/>
+          </a:xfrm>
+          <a:prstGeom prst="rect">
+            <a:avLst/>
+          </a:prstGeom>
+          <a:noFill/>
+        </p:spPr>
+        <p:txBody>
+          <a:bodyPr wrap="square" rtlCol="0">
+            <a:spAutoFit/>
+          </a:bodyPr>
+          <a:lstStyle/>
+          <a:p>
+            <a:pPr marL="342900" indent="-342900" algn="l">
+              <a:buFont typeface="Arial" panose="020B0604020202020204" pitchFamily="34" charset="0"/>
+              <a:buChar char="•"/>
+            </a:pPr>
+            <a:r>
+              <a:rPr kumimoji="1" lang="ja-JP" altLang="en-US" sz="2400" dirty="0"/>
+              <a:t>折り返し型の利得が求められた。</a:t>
+            </a:r>
+            <a:endParaRPr kumimoji="1" lang="en-US" altLang="ja-JP" sz="2400" dirty="0"/>
+          </a:p>
+          <a:p>
+            <a:pPr marL="342900" indent="-342900" algn="l">
+              <a:buFont typeface="Arial" panose="020B0604020202020204" pitchFamily="34" charset="0"/>
+              <a:buChar char="•"/>
+            </a:pPr>
+            <a:endParaRPr lang="en-US" altLang="ja-JP" sz="2400" dirty="0"/>
+          </a:p>
+          <a:p>
+            <a:pPr marL="342900" indent="-342900" algn="l">
+              <a:buFont typeface="Arial" panose="020B0604020202020204" pitchFamily="34" charset="0"/>
+              <a:buChar char="•"/>
+            </a:pPr>
+            <a:endParaRPr kumimoji="1" lang="en-US" altLang="ja-JP" sz="2400" dirty="0"/>
+          </a:p>
+          <a:p>
+            <a:pPr marL="342900" indent="-342900" algn="l">
+              <a:buFont typeface="Arial" panose="020B0604020202020204" pitchFamily="34" charset="0"/>
+              <a:buChar char="•"/>
+            </a:pPr>
+            <a:r>
+              <a:rPr kumimoji="1" lang="ja-JP" altLang="en-US" sz="2400" dirty="0"/>
+              <a:t>次週すべてが飽和領域で動作するよう設計・シミュレーションをする</a:t>
+            </a:r>
+          </a:p>
+        </p:txBody>
+      </p:sp>
+    </p:spTree>
+    <p:extLst>
+      <p:ext uri="{BB962C8B-B14F-4D97-AF65-F5344CB8AC3E}">
+        <p14:creationId xmlns:p14="http://schemas.microsoft.com/office/powerpoint/2010/main" val="1261213195"/>
+      </p:ext>
+    </p:extLst>
+  </p:cSld>
+  <p:clrMapOvr>
+    <a:masterClrMapping/>
+  </p:clrMapOvr>
+</p:sld>
+</file>
+
 <file path=ppt/slides/slide2.xml><?xml version="1.0" encoding="utf-8"?>
 <p:sld xmlns:a="http://schemas.openxmlformats.org/drawingml/2006/main" xmlns:r="http://schemas.openxmlformats.org/officeDocument/2006/relationships" xmlns:p="http://schemas.openxmlformats.org/presentationml/2006/main">
   <p:cSld>

--- a/folded_gilbert/20230710/折り返し型ギルバート乗算回路の設計.pptx
+++ b/folded_gilbert/20230710/折り返し型ギルバート乗算回路の設計.pptx
@@ -334,7 +334,7 @@
           <a:p>
             <a:fld id="{B7A18E8B-30D4-4256-84DB-882D5A2C9CEC}" type="datetimeFigureOut">
               <a:rPr kumimoji="1" lang="ja-JP" altLang="en-US" smtClean="0"/>
-              <a:t>2023/7/10</a:t>
+              <a:t>2023/7/11</a:t>
             </a:fld>
             <a:endParaRPr kumimoji="1" lang="ja-JP" altLang="en-US"/>
           </a:p>
@@ -780,7 +780,7 @@
           <a:p>
             <a:fld id="{45D861AB-AFC6-4ECB-A557-58404CB5BE66}" type="datetime1">
               <a:rPr kumimoji="1" lang="ja-JP" altLang="en-US" smtClean="0"/>
-              <a:t>2023/7/10</a:t>
+              <a:t>2023/7/11</a:t>
             </a:fld>
             <a:endParaRPr kumimoji="1" lang="ja-JP" altLang="en-US"/>
           </a:p>
@@ -1010,7 +1010,7 @@
           <a:p>
             <a:fld id="{8ABF89E2-2099-478D-B96B-E032456A6B04}" type="datetime1">
               <a:rPr kumimoji="1" lang="ja-JP" altLang="en-US" smtClean="0"/>
-              <a:t>2023/7/10</a:t>
+              <a:t>2023/7/11</a:t>
             </a:fld>
             <a:endParaRPr kumimoji="1" lang="ja-JP" altLang="en-US"/>
           </a:p>
@@ -1250,7 +1250,7 @@
           <a:p>
             <a:fld id="{3C2A495E-CE7B-48CB-9DBB-F72DC6E328F8}" type="datetime1">
               <a:rPr kumimoji="1" lang="ja-JP" altLang="en-US" smtClean="0"/>
-              <a:t>2023/7/10</a:t>
+              <a:t>2023/7/11</a:t>
             </a:fld>
             <a:endParaRPr kumimoji="1" lang="ja-JP" altLang="en-US"/>
           </a:p>
@@ -1480,7 +1480,7 @@
           <a:p>
             <a:fld id="{E7D7A3FE-D7E3-41DF-912F-49AFEF78A4E5}" type="datetime1">
               <a:rPr kumimoji="1" lang="ja-JP" altLang="en-US" smtClean="0"/>
-              <a:t>2023/7/10</a:t>
+              <a:t>2023/7/11</a:t>
             </a:fld>
             <a:endParaRPr kumimoji="1" lang="ja-JP" altLang="en-US"/>
           </a:p>
@@ -1755,7 +1755,7 @@
           <a:p>
             <a:fld id="{2B086DB5-A94C-49EE-B263-CCDAFC098C82}" type="datetime1">
               <a:rPr kumimoji="1" lang="ja-JP" altLang="en-US" smtClean="0"/>
-              <a:t>2023/7/10</a:t>
+              <a:t>2023/7/11</a:t>
             </a:fld>
             <a:endParaRPr kumimoji="1" lang="ja-JP" altLang="en-US"/>
           </a:p>
@@ -2084,7 +2084,7 @@
           <a:p>
             <a:fld id="{4C42B56C-05C2-4308-B924-E975157BB2D8}" type="datetime1">
               <a:rPr kumimoji="1" lang="ja-JP" altLang="en-US" smtClean="0"/>
-              <a:t>2023/7/10</a:t>
+              <a:t>2023/7/11</a:t>
             </a:fld>
             <a:endParaRPr kumimoji="1" lang="ja-JP" altLang="en-US"/>
           </a:p>
@@ -2560,7 +2560,7 @@
           <a:p>
             <a:fld id="{90A70839-13A3-41A5-B553-8AA1A0D950E5}" type="datetime1">
               <a:rPr kumimoji="1" lang="ja-JP" altLang="en-US" smtClean="0"/>
-              <a:t>2023/7/10</a:t>
+              <a:t>2023/7/11</a:t>
             </a:fld>
             <a:endParaRPr kumimoji="1" lang="ja-JP" altLang="en-US"/>
           </a:p>
@@ -2701,7 +2701,7 @@
           <a:p>
             <a:fld id="{C05A77DF-92B2-40E8-AD73-804BBE4C145F}" type="datetime1">
               <a:rPr kumimoji="1" lang="ja-JP" altLang="en-US" smtClean="0"/>
-              <a:t>2023/7/10</a:t>
+              <a:t>2023/7/11</a:t>
             </a:fld>
             <a:endParaRPr kumimoji="1" lang="ja-JP" altLang="en-US"/>
           </a:p>
@@ -2814,7 +2814,7 @@
           <a:p>
             <a:fld id="{C3288645-811C-431B-BC50-D0D5773CD747}" type="datetime1">
               <a:rPr kumimoji="1" lang="ja-JP" altLang="en-US" smtClean="0"/>
-              <a:t>2023/7/10</a:t>
+              <a:t>2023/7/11</a:t>
             </a:fld>
             <a:endParaRPr kumimoji="1" lang="ja-JP" altLang="en-US"/>
           </a:p>
@@ -3157,7 +3157,7 @@
           <a:p>
             <a:fld id="{12E56AA4-8E2A-4AB3-BD72-43A2D06084F2}" type="datetime1">
               <a:rPr kumimoji="1" lang="ja-JP" altLang="en-US" smtClean="0"/>
-              <a:t>2023/7/10</a:t>
+              <a:t>2023/7/11</a:t>
             </a:fld>
             <a:endParaRPr kumimoji="1" lang="ja-JP" altLang="en-US"/>
           </a:p>
@@ -3445,7 +3445,7 @@
           <a:p>
             <a:fld id="{72B176E2-80FC-4587-8A86-67AA5E628781}" type="datetime1">
               <a:rPr kumimoji="1" lang="ja-JP" altLang="en-US" smtClean="0"/>
-              <a:t>2023/7/10</a:t>
+              <a:t>2023/7/11</a:t>
             </a:fld>
             <a:endParaRPr kumimoji="1" lang="ja-JP" altLang="en-US"/>
           </a:p>
@@ -3718,7 +3718,7 @@
           <a:p>
             <a:fld id="{5A1B423D-905D-4F5D-ACAA-573BDD30C9EB}" type="datetime1">
               <a:rPr kumimoji="1" lang="ja-JP" altLang="en-US" smtClean="0"/>
-              <a:t>2023/7/10</a:t>
+              <a:t>2023/7/11</a:t>
             </a:fld>
             <a:endParaRPr kumimoji="1" lang="ja-JP" altLang="en-US"/>
           </a:p>
@@ -4348,8 +4348,8 @@
           </a:p>
         </p:txBody>
       </p:sp>
-      <mc:AlternateContent xmlns:mc="http://schemas.openxmlformats.org/markup-compatibility/2006" xmlns:a14="http://schemas.microsoft.com/office/drawing/2010/main">
-        <mc:Choice Requires="a14">
+      <mc:AlternateContent xmlns:mc="http://schemas.openxmlformats.org/markup-compatibility/2006">
+        <mc:Choice xmlns:a14="http://schemas.microsoft.com/office/drawing/2010/main" Requires="a14">
           <p:sp>
             <p:nvSpPr>
               <p:cNvPr id="7" name="テキスト ボックス 6">
@@ -5734,14 +5734,14 @@
                           <m:sSub>
                             <m:sSubPr>
                               <m:ctrlPr>
-                                <a:rPr kumimoji="1" lang="en-US" altLang="ja-JP" sz="2000" b="0" i="1" smtClean="0">
+                                <a:rPr lang="en-US" altLang="ja-JP" sz="2000" i="1">
                                   <a:latin typeface="Cambria Math" panose="02040503050406030204" pitchFamily="18" charset="0"/>
                                 </a:rPr>
                               </m:ctrlPr>
                             </m:sSubPr>
                             <m:e>
                               <m:r>
-                                <a:rPr kumimoji="1" lang="en-US" altLang="ja-JP" sz="2000" b="0" i="1" smtClean="0">
+                                <a:rPr lang="en-US" altLang="ja-JP" sz="2000" i="1">
                                   <a:latin typeface="Cambria Math" panose="02040503050406030204" pitchFamily="18" charset="0"/>
                                 </a:rPr>
                                 <m:t>𝐼</m:t>
@@ -5749,16 +5749,10 @@
                             </m:e>
                             <m:sub>
                               <m:r>
-                                <a:rPr kumimoji="1" lang="en-US" altLang="ja-JP" sz="2000" b="0" i="1" smtClean="0">
+                                <a:rPr lang="en-US" altLang="ja-JP" sz="2000" i="1">
                                   <a:latin typeface="Cambria Math" panose="02040503050406030204" pitchFamily="18" charset="0"/>
                                 </a:rPr>
                                 <m:t>𝑏𝑖𝑎𝑠</m:t>
-                              </m:r>
-                              <m:r>
-                                <a:rPr kumimoji="1" lang="en-US" altLang="ja-JP" sz="2000" b="0" i="1" smtClean="0">
-                                  <a:latin typeface="Cambria Math" panose="02040503050406030204" pitchFamily="18" charset="0"/>
-                                </a:rPr>
-                                <m:t>1</m:t>
                               </m:r>
                             </m:sub>
                           </m:sSub>
@@ -5865,16 +5859,10 @@
                             </m:e>
                             <m:sub>
                               <m:r>
-                                <a:rPr lang="en-US" altLang="ja-JP" sz="2000" b="0" i="1" smtClean="0">
+                                <a:rPr lang="en-US" altLang="ja-JP" sz="2000" i="1">
                                   <a:latin typeface="Cambria Math" panose="02040503050406030204" pitchFamily="18" charset="0"/>
                                 </a:rPr>
                                 <m:t>𝑏𝑖𝑎𝑠</m:t>
-                              </m:r>
-                              <m:r>
-                                <a:rPr lang="en-US" altLang="ja-JP" sz="2000" b="0" i="1" smtClean="0">
-                                  <a:latin typeface="Cambria Math" panose="02040503050406030204" pitchFamily="18" charset="0"/>
-                                </a:rPr>
-                                <m:t>1</m:t>
                               </m:r>
                             </m:sub>
                           </m:sSub>
@@ -6041,12 +6029,6 @@
                                       <a:latin typeface="Cambria Math" panose="02040503050406030204" pitchFamily="18" charset="0"/>
                                     </a:rPr>
                                     <m:t>𝑏𝑖𝑎𝑠</m:t>
-                                  </m:r>
-                                  <m:r>
-                                    <a:rPr lang="en-US" altLang="ja-JP" sz="2000" b="0" i="1" smtClean="0">
-                                      <a:latin typeface="Cambria Math" panose="02040503050406030204" pitchFamily="18" charset="0"/>
-                                    </a:rPr>
-                                    <m:t>1</m:t>
                                   </m:r>
                                 </m:sub>
                               </m:sSub>
@@ -6226,12 +6208,6 @@
                             </a:rPr>
                             <m:t>𝑏𝑖𝑎𝑠</m:t>
                           </m:r>
-                          <m:r>
-                            <a:rPr lang="en-US" altLang="ja-JP" sz="2000" i="1">
-                              <a:latin typeface="Cambria Math" panose="02040503050406030204" pitchFamily="18" charset="0"/>
-                            </a:rPr>
-                            <m:t>1</m:t>
-                          </m:r>
                         </m:sub>
                       </m:sSub>
                       <m:r>
@@ -6335,16 +6311,10 @@
                             </m:e>
                             <m:sub>
                               <m:r>
-                                <a:rPr lang="en-US" altLang="ja-JP" sz="2000" b="0" i="1" smtClean="0">
+                                <a:rPr lang="en-US" altLang="ja-JP" sz="2000" i="1">
                                   <a:latin typeface="Cambria Math" panose="02040503050406030204" pitchFamily="18" charset="0"/>
                                 </a:rPr>
                                 <m:t>𝑏𝑖𝑎𝑠</m:t>
-                              </m:r>
-                              <m:r>
-                                <a:rPr lang="en-US" altLang="ja-JP" sz="2000" b="0" i="1" smtClean="0">
-                                  <a:latin typeface="Cambria Math" panose="02040503050406030204" pitchFamily="18" charset="0"/>
-                                </a:rPr>
-                                <m:t>1</m:t>
                               </m:r>
                             </m:sub>
                           </m:sSub>
@@ -6492,7 +6462,7 @@
                               <m:sSub>
                                 <m:sSubPr>
                                   <m:ctrlPr>
-                                    <a:rPr lang="en-US" altLang="ja-JP" sz="2000" i="1" smtClean="0">
+                                    <a:rPr lang="en-US" altLang="ja-JP" sz="2000" i="1">
                                       <a:latin typeface="Cambria Math" panose="02040503050406030204" pitchFamily="18" charset="0"/>
                                     </a:rPr>
                                   </m:ctrlPr>
@@ -6507,16 +6477,10 @@
                                 </m:e>
                                 <m:sub>
                                   <m:r>
-                                    <a:rPr lang="en-US" altLang="ja-JP" sz="2000" b="0" i="1" smtClean="0">
+                                    <a:rPr lang="en-US" altLang="ja-JP" sz="2000" i="1">
                                       <a:latin typeface="Cambria Math" panose="02040503050406030204" pitchFamily="18" charset="0"/>
                                     </a:rPr>
                                     <m:t>𝑏𝑖𝑎𝑠</m:t>
-                                  </m:r>
-                                  <m:r>
-                                    <a:rPr lang="en-US" altLang="ja-JP" sz="2000" b="0" i="1" smtClean="0">
-                                      <a:latin typeface="Cambria Math" panose="02040503050406030204" pitchFamily="18" charset="0"/>
-                                    </a:rPr>
-                                    <m:t>1</m:t>
                                   </m:r>
                                 </m:sub>
                               </m:sSub>
@@ -6676,14 +6640,14 @@
                       <m:sSub>
                         <m:sSubPr>
                           <m:ctrlPr>
-                            <a:rPr kumimoji="1" lang="en-US" altLang="ja-JP" sz="2000" b="0" i="1" smtClean="0">
+                            <a:rPr lang="en-US" altLang="ja-JP" sz="2000" i="1">
                               <a:latin typeface="Cambria Math" panose="02040503050406030204" pitchFamily="18" charset="0"/>
                             </a:rPr>
                           </m:ctrlPr>
                         </m:sSubPr>
                         <m:e>
                           <m:r>
-                            <a:rPr kumimoji="1" lang="en-US" altLang="ja-JP" sz="2000" b="0" i="1" smtClean="0">
+                            <a:rPr lang="en-US" altLang="ja-JP" sz="2000" i="1">
                               <a:latin typeface="Cambria Math" panose="02040503050406030204" pitchFamily="18" charset="0"/>
                             </a:rPr>
                             <m:t>𝐼</m:t>
@@ -6691,16 +6655,10 @@
                         </m:e>
                         <m:sub>
                           <m:r>
-                            <a:rPr kumimoji="1" lang="en-US" altLang="ja-JP" sz="2000" b="0" i="1" smtClean="0">
+                            <a:rPr lang="en-US" altLang="ja-JP" sz="2000" i="1">
                               <a:latin typeface="Cambria Math" panose="02040503050406030204" pitchFamily="18" charset="0"/>
                             </a:rPr>
                             <m:t>𝑏𝑖𝑎𝑠</m:t>
-                          </m:r>
-                          <m:r>
-                            <a:rPr kumimoji="1" lang="en-US" altLang="ja-JP" sz="2000" b="0" i="1" smtClean="0">
-                              <a:latin typeface="Cambria Math" panose="02040503050406030204" pitchFamily="18" charset="0"/>
-                            </a:rPr>
-                            <m:t>2</m:t>
                           </m:r>
                         </m:sub>
                       </m:sSub>
@@ -6811,16 +6769,10 @@
                             </m:e>
                             <m:sub>
                               <m:r>
-                                <a:rPr lang="en-US" altLang="ja-JP" sz="2000" b="0" i="1" smtClean="0">
+                                <a:rPr lang="en-US" altLang="ja-JP" sz="2000" i="1">
                                   <a:latin typeface="Cambria Math" panose="02040503050406030204" pitchFamily="18" charset="0"/>
                                 </a:rPr>
                                 <m:t>𝑏𝑖𝑎𝑠</m:t>
-                              </m:r>
-                              <m:r>
-                                <a:rPr lang="en-US" altLang="ja-JP" sz="2000" b="0" i="1" smtClean="0">
-                                  <a:latin typeface="Cambria Math" panose="02040503050406030204" pitchFamily="18" charset="0"/>
-                                </a:rPr>
-                                <m:t>2</m:t>
                               </m:r>
                             </m:sub>
                           </m:sSub>
@@ -6968,7 +6920,7 @@
                               <m:sSub>
                                 <m:sSubPr>
                                   <m:ctrlPr>
-                                    <a:rPr lang="en-US" altLang="ja-JP" sz="2000" i="1" smtClean="0">
+                                    <a:rPr lang="en-US" altLang="ja-JP" sz="2000" i="1">
                                       <a:latin typeface="Cambria Math" panose="02040503050406030204" pitchFamily="18" charset="0"/>
                                     </a:rPr>
                                   </m:ctrlPr>
@@ -6983,16 +6935,10 @@
                                 </m:e>
                                 <m:sub>
                                   <m:r>
-                                    <a:rPr lang="en-US" altLang="ja-JP" sz="2000" b="0" i="1" smtClean="0">
+                                    <a:rPr lang="en-US" altLang="ja-JP" sz="2000" i="1">
                                       <a:latin typeface="Cambria Math" panose="02040503050406030204" pitchFamily="18" charset="0"/>
                                     </a:rPr>
                                     <m:t>𝑏𝑖𝑎𝑠</m:t>
-                                  </m:r>
-                                  <m:r>
-                                    <a:rPr lang="en-US" altLang="ja-JP" sz="2000" b="0" i="1" smtClean="0">
-                                      <a:latin typeface="Cambria Math" panose="02040503050406030204" pitchFamily="18" charset="0"/>
-                                    </a:rPr>
-                                    <m:t>2</m:t>
                                   </m:r>
                                 </m:sub>
                               </m:sSub>
@@ -7161,14 +7107,14 @@
                           <m:sSub>
                             <m:sSubPr>
                               <m:ctrlPr>
-                                <a:rPr kumimoji="1" lang="en-US" altLang="ja-JP" sz="2000" b="0" i="1" smtClean="0">
+                                <a:rPr lang="en-US" altLang="ja-JP" sz="2000" i="1">
                                   <a:latin typeface="Cambria Math" panose="02040503050406030204" pitchFamily="18" charset="0"/>
                                 </a:rPr>
                               </m:ctrlPr>
                             </m:sSubPr>
                             <m:e>
                               <m:r>
-                                <a:rPr kumimoji="1" lang="en-US" altLang="ja-JP" sz="2000" b="0" i="1" smtClean="0">
+                                <a:rPr lang="en-US" altLang="ja-JP" sz="2000" i="1">
                                   <a:latin typeface="Cambria Math" panose="02040503050406030204" pitchFamily="18" charset="0"/>
                                 </a:rPr>
                                 <m:t>𝐼</m:t>
@@ -7176,16 +7122,10 @@
                             </m:e>
                             <m:sub>
                               <m:r>
-                                <a:rPr kumimoji="1" lang="en-US" altLang="ja-JP" sz="2000" b="0" i="1" smtClean="0">
+                                <a:rPr lang="en-US" altLang="ja-JP" sz="2000" i="1">
                                   <a:latin typeface="Cambria Math" panose="02040503050406030204" pitchFamily="18" charset="0"/>
                                 </a:rPr>
                                 <m:t>𝑏𝑖𝑎𝑠</m:t>
-                              </m:r>
-                              <m:r>
-                                <a:rPr kumimoji="1" lang="en-US" altLang="ja-JP" sz="2000" b="0" i="1" smtClean="0">
-                                  <a:latin typeface="Cambria Math" panose="02040503050406030204" pitchFamily="18" charset="0"/>
-                                </a:rPr>
-                                <m:t>2</m:t>
                               </m:r>
                             </m:sub>
                           </m:sSub>
@@ -7292,16 +7232,10 @@
                             </m:e>
                             <m:sub>
                               <m:r>
-                                <a:rPr lang="en-US" altLang="ja-JP" sz="2000" b="0" i="1" smtClean="0">
+                                <a:rPr lang="en-US" altLang="ja-JP" sz="2000" i="1">
                                   <a:latin typeface="Cambria Math" panose="02040503050406030204" pitchFamily="18" charset="0"/>
                                 </a:rPr>
                                 <m:t>𝑏𝑖𝑎𝑠</m:t>
-                              </m:r>
-                              <m:r>
-                                <a:rPr lang="en-US" altLang="ja-JP" sz="2000" b="0" i="1" smtClean="0">
-                                  <a:latin typeface="Cambria Math" panose="02040503050406030204" pitchFamily="18" charset="0"/>
-                                </a:rPr>
-                                <m:t>2</m:t>
                               </m:r>
                             </m:sub>
                           </m:sSub>
@@ -7449,7 +7383,7 @@
                               <m:sSub>
                                 <m:sSubPr>
                                   <m:ctrlPr>
-                                    <a:rPr lang="en-US" altLang="ja-JP" sz="2000" i="1" smtClean="0">
+                                    <a:rPr lang="en-US" altLang="ja-JP" sz="2000" i="1">
                                       <a:latin typeface="Cambria Math" panose="02040503050406030204" pitchFamily="18" charset="0"/>
                                     </a:rPr>
                                   </m:ctrlPr>
@@ -7464,16 +7398,10 @@
                                 </m:e>
                                 <m:sub>
                                   <m:r>
-                                    <a:rPr lang="en-US" altLang="ja-JP" sz="2000" b="0" i="1" smtClean="0">
+                                    <a:rPr lang="en-US" altLang="ja-JP" sz="2000" i="1">
                                       <a:latin typeface="Cambria Math" panose="02040503050406030204" pitchFamily="18" charset="0"/>
                                     </a:rPr>
                                     <m:t>𝑏𝑖𝑎𝑠</m:t>
-                                  </m:r>
-                                  <m:r>
-                                    <a:rPr lang="en-US" altLang="ja-JP" sz="2000" b="0" i="1" smtClean="0">
-                                      <a:latin typeface="Cambria Math" panose="02040503050406030204" pitchFamily="18" charset="0"/>
-                                    </a:rPr>
-                                    <m:t>2</m:t>
                                   </m:r>
                                 </m:sub>
                               </m:sSub>
@@ -7812,7 +7740,7 @@
             </p:txBody>
           </p:sp>
         </mc:Choice>
-        <mc:Fallback xmlns="">
+        <mc:Fallback>
           <p:sp>
             <p:nvSpPr>
               <p:cNvPr id="7" name="テキスト ボックス 6">
@@ -7951,8 +7879,8 @@
           </a:p>
         </p:txBody>
       </p:sp>
-      <mc:AlternateContent xmlns:mc="http://schemas.openxmlformats.org/markup-compatibility/2006" xmlns:a14="http://schemas.microsoft.com/office/drawing/2010/main">
-        <mc:Choice Requires="a14">
+      <mc:AlternateContent xmlns:mc="http://schemas.openxmlformats.org/markup-compatibility/2006">
+        <mc:Choice xmlns:a14="http://schemas.microsoft.com/office/drawing/2010/main" Requires="a14">
           <p:sp>
             <p:nvSpPr>
               <p:cNvPr id="4" name="テキスト ボックス 3">
@@ -8110,12 +8038,6 @@
                             </a:rPr>
                             <m:t>𝑏𝑖𝑎𝑠</m:t>
                           </m:r>
-                          <m:r>
-                            <a:rPr lang="en-US" altLang="ja-JP" sz="2000" i="1">
-                              <a:latin typeface="Cambria Math" panose="02040503050406030204" pitchFamily="18" charset="0"/>
-                            </a:rPr>
-                            <m:t>1</m:t>
-                          </m:r>
                         </m:sub>
                       </m:sSub>
                       <m:r>
@@ -8223,14 +8145,14 @@
                           <m:sSub>
                             <m:sSubPr>
                               <m:ctrlPr>
-                                <a:rPr kumimoji="1" lang="en-US" altLang="ja-JP" sz="2000" b="0" i="1" smtClean="0">
+                                <a:rPr lang="en-US" altLang="ja-JP" sz="2000" i="1">
                                   <a:latin typeface="Cambria Math" panose="02040503050406030204" pitchFamily="18" charset="0"/>
                                 </a:rPr>
                               </m:ctrlPr>
                             </m:sSubPr>
                             <m:e>
                               <m:r>
-                                <a:rPr kumimoji="1" lang="en-US" altLang="ja-JP" sz="2000" b="0" i="1" smtClean="0">
+                                <a:rPr lang="en-US" altLang="ja-JP" sz="2000" i="1">
                                   <a:latin typeface="Cambria Math" panose="02040503050406030204" pitchFamily="18" charset="0"/>
                                 </a:rPr>
                                 <m:t>𝐼</m:t>
@@ -8238,16 +8160,10 @@
                             </m:e>
                             <m:sub>
                               <m:r>
-                                <a:rPr kumimoji="1" lang="en-US" altLang="ja-JP" sz="2000" b="0" i="1" smtClean="0">
+                                <a:rPr lang="en-US" altLang="ja-JP" sz="2000" i="1">
                                   <a:latin typeface="Cambria Math" panose="02040503050406030204" pitchFamily="18" charset="0"/>
                                 </a:rPr>
                                 <m:t>𝑏𝑖𝑎𝑠</m:t>
-                              </m:r>
-                              <m:r>
-                                <a:rPr kumimoji="1" lang="en-US" altLang="ja-JP" sz="2000" b="0" i="1" smtClean="0">
-                                  <a:latin typeface="Cambria Math" panose="02040503050406030204" pitchFamily="18" charset="0"/>
-                                </a:rPr>
-                                <m:t>1</m:t>
                               </m:r>
                             </m:sub>
                           </m:sSub>
@@ -8399,14 +8315,14 @@
                           <m:sSub>
                             <m:sSubPr>
                               <m:ctrlPr>
-                                <a:rPr kumimoji="1" lang="en-US" altLang="ja-JP" sz="2000" b="0" i="1" smtClean="0">
+                                <a:rPr lang="en-US" altLang="ja-JP" sz="2000" i="1">
                                   <a:latin typeface="Cambria Math" panose="02040503050406030204" pitchFamily="18" charset="0"/>
                                 </a:rPr>
                               </m:ctrlPr>
                             </m:sSubPr>
                             <m:e>
                               <m:r>
-                                <a:rPr kumimoji="1" lang="en-US" altLang="ja-JP" sz="2000" b="0" i="1" smtClean="0">
+                                <a:rPr lang="en-US" altLang="ja-JP" sz="2000" i="1">
                                   <a:latin typeface="Cambria Math" panose="02040503050406030204" pitchFamily="18" charset="0"/>
                                 </a:rPr>
                                 <m:t>𝐼</m:t>
@@ -8414,16 +8330,10 @@
                             </m:e>
                             <m:sub>
                               <m:r>
-                                <a:rPr kumimoji="1" lang="en-US" altLang="ja-JP" sz="2000" b="0" i="1" smtClean="0">
+                                <a:rPr lang="en-US" altLang="ja-JP" sz="2000" i="1">
                                   <a:latin typeface="Cambria Math" panose="02040503050406030204" pitchFamily="18" charset="0"/>
                                 </a:rPr>
                                 <m:t>𝑏𝑖𝑎𝑠</m:t>
-                              </m:r>
-                              <m:r>
-                                <a:rPr kumimoji="1" lang="en-US" altLang="ja-JP" sz="2000" b="0" i="1" smtClean="0">
-                                  <a:latin typeface="Cambria Math" panose="02040503050406030204" pitchFamily="18" charset="0"/>
-                                </a:rPr>
-                                <m:t>1</m:t>
                               </m:r>
                             </m:sub>
                           </m:sSub>
@@ -8520,12 +8430,6 @@
                                 </a:rPr>
                                 <m:t>𝑏𝑖𝑎𝑠</m:t>
                               </m:r>
-                              <m:r>
-                                <a:rPr lang="en-US" altLang="ja-JP" sz="2400" i="1">
-                                  <a:latin typeface="Cambria Math" panose="02040503050406030204" pitchFamily="18" charset="0"/>
-                                </a:rPr>
-                                <m:t>1</m:t>
-                              </m:r>
                             </m:sub>
                           </m:sSub>
                           <m:r>
@@ -8587,7 +8491,7 @@
                           <m:sSub>
                             <m:sSubPr>
                               <m:ctrlPr>
-                                <a:rPr lang="en-US" altLang="ja-JP" sz="2400" i="1" smtClean="0">
+                                <a:rPr lang="en-US" altLang="ja-JP" sz="2400" i="1">
                                   <a:latin typeface="Cambria Math" panose="02040503050406030204" pitchFamily="18" charset="0"/>
                                 </a:rPr>
                               </m:ctrlPr>
@@ -8606,12 +8510,6 @@
                                   <a:latin typeface="Cambria Math" panose="02040503050406030204" pitchFamily="18" charset="0"/>
                                 </a:rPr>
                                 <m:t>𝑏𝑖𝑎𝑠</m:t>
-                              </m:r>
-                              <m:r>
-                                <a:rPr lang="en-US" altLang="ja-JP" sz="2400" i="1">
-                                  <a:latin typeface="Cambria Math" panose="02040503050406030204" pitchFamily="18" charset="0"/>
-                                </a:rPr>
-                                <m:t>1</m:t>
                               </m:r>
                             </m:sub>
                           </m:sSub>
@@ -8840,12 +8738,6 @@
                                       <a:latin typeface="Cambria Math" panose="02040503050406030204" pitchFamily="18" charset="0"/>
                                     </a:rPr>
                                     <m:t>𝑏𝑖𝑎𝑠</m:t>
-                                  </m:r>
-                                  <m:r>
-                                    <a:rPr lang="en-US" altLang="ja-JP" sz="2400" i="1">
-                                      <a:latin typeface="Cambria Math" panose="02040503050406030204" pitchFamily="18" charset="0"/>
-                                    </a:rPr>
-                                    <m:t>1</m:t>
                                   </m:r>
                                 </m:sub>
                               </m:sSub>
@@ -9017,14 +8909,14 @@
                                   <m:sSub>
                                     <m:sSubPr>
                                       <m:ctrlPr>
-                                        <a:rPr kumimoji="1" lang="en-US" altLang="ja-JP" sz="2400" b="0" i="1" smtClean="0">
+                                        <a:rPr lang="en-US" altLang="ja-JP" sz="2400" i="1">
                                           <a:latin typeface="Cambria Math" panose="02040503050406030204" pitchFamily="18" charset="0"/>
                                         </a:rPr>
                                       </m:ctrlPr>
                                     </m:sSubPr>
                                     <m:e>
                                       <m:r>
-                                        <a:rPr kumimoji="1" lang="en-US" altLang="ja-JP" sz="2400" b="0" i="1" smtClean="0">
+                                        <a:rPr lang="en-US" altLang="ja-JP" sz="2400" i="1">
                                           <a:latin typeface="Cambria Math" panose="02040503050406030204" pitchFamily="18" charset="0"/>
                                         </a:rPr>
                                         <m:t>𝐼</m:t>
@@ -9032,16 +8924,10 @@
                                     </m:e>
                                     <m:sub>
                                       <m:r>
-                                        <a:rPr kumimoji="1" lang="en-US" altLang="ja-JP" sz="2400" b="0" i="1" smtClean="0">
+                                        <a:rPr lang="en-US" altLang="ja-JP" sz="2400" i="1">
                                           <a:latin typeface="Cambria Math" panose="02040503050406030204" pitchFamily="18" charset="0"/>
                                         </a:rPr>
                                         <m:t>𝑏𝑖𝑎𝑠</m:t>
-                                      </m:r>
-                                      <m:r>
-                                        <a:rPr kumimoji="1" lang="en-US" altLang="ja-JP" sz="2400" b="0" i="1" smtClean="0">
-                                          <a:latin typeface="Cambria Math" panose="02040503050406030204" pitchFamily="18" charset="0"/>
-                                        </a:rPr>
-                                        <m:t>1</m:t>
                                       </m:r>
                                     </m:sub>
                                   </m:sSub>
@@ -9148,7 +9034,7 @@
             </p:txBody>
           </p:sp>
         </mc:Choice>
-        <mc:Fallback xmlns="">
+        <mc:Fallback>
           <p:sp>
             <p:nvSpPr>
               <p:cNvPr id="4" name="テキスト ボックス 3">
@@ -9287,8 +9173,8 @@
           </a:p>
         </p:txBody>
       </p:sp>
-      <mc:AlternateContent xmlns:mc="http://schemas.openxmlformats.org/markup-compatibility/2006" xmlns:a14="http://schemas.microsoft.com/office/drawing/2010/main">
-        <mc:Choice Requires="a14">
+      <mc:AlternateContent xmlns:mc="http://schemas.openxmlformats.org/markup-compatibility/2006">
+        <mc:Choice xmlns:a14="http://schemas.microsoft.com/office/drawing/2010/main" Requires="a14">
           <p:sp>
             <p:nvSpPr>
               <p:cNvPr id="7" name="テキスト ボックス 6">
@@ -9400,12 +9286,6 @@
                                 </a:rPr>
                                 <m:t>𝑏𝑖𝑎𝑠</m:t>
                               </m:r>
-                              <m:r>
-                                <a:rPr lang="en-US" altLang="ja-JP" sz="2400" i="1">
-                                  <a:latin typeface="Cambria Math" panose="02040503050406030204" pitchFamily="18" charset="0"/>
-                                </a:rPr>
-                                <m:t>1</m:t>
-                              </m:r>
                             </m:sub>
                           </m:sSub>
                           <m:r>
@@ -9501,12 +9381,6 @@
                                       <a:latin typeface="Cambria Math" panose="02040503050406030204" pitchFamily="18" charset="0"/>
                                     </a:rPr>
                                     <m:t>𝑏𝑖𝑎𝑠</m:t>
-                                  </m:r>
-                                  <m:r>
-                                    <a:rPr lang="en-US" altLang="ja-JP" sz="2400" i="1">
-                                      <a:latin typeface="Cambria Math" panose="02040503050406030204" pitchFamily="18" charset="0"/>
-                                    </a:rPr>
-                                    <m:t>1</m:t>
                                   </m:r>
                                 </m:sub>
                               </m:sSub>
@@ -9683,12 +9557,6 @@
                                     </a:rPr>
                                     <m:t>𝑏𝑖𝑎𝑠</m:t>
                                   </m:r>
-                                  <m:r>
-                                    <a:rPr lang="en-US" altLang="ja-JP" sz="2400" i="1">
-                                      <a:latin typeface="Cambria Math" panose="02040503050406030204" pitchFamily="18" charset="0"/>
-                                    </a:rPr>
-                                    <m:t>1</m:t>
-                                  </m:r>
                                 </m:sub>
                               </m:sSub>
                               <m:r>
@@ -9832,14 +9700,14 @@
                           <m:sSub>
                             <m:sSubPr>
                               <m:ctrlPr>
-                                <a:rPr kumimoji="1" lang="en-US" altLang="ja-JP" sz="2400" b="0" i="1" smtClean="0">
+                                <a:rPr lang="en-US" altLang="ja-JP" sz="2400" i="1">
                                   <a:latin typeface="Cambria Math" panose="02040503050406030204" pitchFamily="18" charset="0"/>
                                 </a:rPr>
                               </m:ctrlPr>
                             </m:sSubPr>
                             <m:e>
                               <m:r>
-                                <a:rPr kumimoji="1" lang="en-US" altLang="ja-JP" sz="2400" b="0" i="1" smtClean="0">
+                                <a:rPr lang="en-US" altLang="ja-JP" sz="2400" i="1">
                                   <a:latin typeface="Cambria Math" panose="02040503050406030204" pitchFamily="18" charset="0"/>
                                 </a:rPr>
                                 <m:t>𝐼</m:t>
@@ -9847,16 +9715,10 @@
                             </m:e>
                             <m:sub>
                               <m:r>
-                                <a:rPr kumimoji="1" lang="en-US" altLang="ja-JP" sz="2400" b="0" i="1" smtClean="0">
+                                <a:rPr lang="en-US" altLang="ja-JP" sz="2400" i="1">
                                   <a:latin typeface="Cambria Math" panose="02040503050406030204" pitchFamily="18" charset="0"/>
                                 </a:rPr>
                                 <m:t>𝑏𝑖𝑎𝑠</m:t>
-                              </m:r>
-                              <m:r>
-                                <a:rPr kumimoji="1" lang="en-US" altLang="ja-JP" sz="2400" b="0" i="1" smtClean="0">
-                                  <a:latin typeface="Cambria Math" panose="02040503050406030204" pitchFamily="18" charset="0"/>
-                                </a:rPr>
-                                <m:t>1</m:t>
                               </m:r>
                             </m:sub>
                           </m:sSub>
@@ -10077,14 +9939,14 @@
                           <m:sSub>
                             <m:sSubPr>
                               <m:ctrlPr>
-                                <a:rPr kumimoji="1" lang="en-US" altLang="ja-JP" sz="2400" b="0" i="1" smtClean="0">
+                                <a:rPr lang="en-US" altLang="ja-JP" sz="2400" i="1">
                                   <a:latin typeface="Cambria Math" panose="02040503050406030204" pitchFamily="18" charset="0"/>
                                 </a:rPr>
                               </m:ctrlPr>
                             </m:sSubPr>
                             <m:e>
                               <m:r>
-                                <a:rPr kumimoji="1" lang="en-US" altLang="ja-JP" sz="2400" b="0" i="1" smtClean="0">
+                                <a:rPr lang="en-US" altLang="ja-JP" sz="2400" i="1">
                                   <a:latin typeface="Cambria Math" panose="02040503050406030204" pitchFamily="18" charset="0"/>
                                 </a:rPr>
                                 <m:t>𝐼</m:t>
@@ -10092,16 +9954,10 @@
                             </m:e>
                             <m:sub>
                               <m:r>
-                                <a:rPr kumimoji="1" lang="en-US" altLang="ja-JP" sz="2400" b="0" i="1" smtClean="0">
+                                <a:rPr lang="en-US" altLang="ja-JP" sz="2400" i="1">
                                   <a:latin typeface="Cambria Math" panose="02040503050406030204" pitchFamily="18" charset="0"/>
                                 </a:rPr>
                                 <m:t>𝑏𝑖𝑎𝑠</m:t>
-                              </m:r>
-                              <m:r>
-                                <a:rPr kumimoji="1" lang="en-US" altLang="ja-JP" sz="2400" b="0" i="1" smtClean="0">
-                                  <a:latin typeface="Cambria Math" panose="02040503050406030204" pitchFamily="18" charset="0"/>
-                                </a:rPr>
-                                <m:t>1</m:t>
                               </m:r>
                             </m:sub>
                           </m:sSub>
@@ -10254,14 +10110,14 @@
                               <m:sSub>
                                 <m:sSubPr>
                                   <m:ctrlPr>
-                                    <a:rPr kumimoji="1" lang="en-US" altLang="ja-JP" sz="2400" b="0" i="1" smtClean="0">
+                                    <a:rPr lang="en-US" altLang="ja-JP" sz="2400" i="1">
                                       <a:latin typeface="Cambria Math" panose="02040503050406030204" pitchFamily="18" charset="0"/>
                                     </a:rPr>
                                   </m:ctrlPr>
                                 </m:sSubPr>
                                 <m:e>
                                   <m:r>
-                                    <a:rPr kumimoji="1" lang="en-US" altLang="ja-JP" sz="2400" b="0" i="1" smtClean="0">
+                                    <a:rPr lang="en-US" altLang="ja-JP" sz="2400" i="1">
                                       <a:latin typeface="Cambria Math" panose="02040503050406030204" pitchFamily="18" charset="0"/>
                                     </a:rPr>
                                     <m:t>𝐼</m:t>
@@ -10269,16 +10125,10 @@
                                 </m:e>
                                 <m:sub>
                                   <m:r>
-                                    <a:rPr kumimoji="1" lang="en-US" altLang="ja-JP" sz="2400" b="0" i="1" smtClean="0">
+                                    <a:rPr lang="en-US" altLang="ja-JP" sz="2400" i="1">
                                       <a:latin typeface="Cambria Math" panose="02040503050406030204" pitchFamily="18" charset="0"/>
                                     </a:rPr>
                                     <m:t>𝑏𝑖𝑎𝑠</m:t>
-                                  </m:r>
-                                  <m:r>
-                                    <a:rPr kumimoji="1" lang="en-US" altLang="ja-JP" sz="2400" b="0" i="1" smtClean="0">
-                                      <a:latin typeface="Cambria Math" panose="02040503050406030204" pitchFamily="18" charset="0"/>
-                                    </a:rPr>
-                                    <m:t>1</m:t>
                                   </m:r>
                                 </m:sub>
                               </m:sSub>
@@ -10486,7 +10336,7 @@
             </p:txBody>
           </p:sp>
         </mc:Choice>
-        <mc:Fallback xmlns="">
+        <mc:Fallback>
           <p:sp>
             <p:nvSpPr>
               <p:cNvPr id="7" name="テキスト ボックス 6">
@@ -10625,8 +10475,8 @@
           </a:p>
         </p:txBody>
       </p:sp>
-      <mc:AlternateContent xmlns:mc="http://schemas.openxmlformats.org/markup-compatibility/2006" xmlns:a14="http://schemas.microsoft.com/office/drawing/2010/main">
-        <mc:Choice Requires="a14">
+      <mc:AlternateContent xmlns:mc="http://schemas.openxmlformats.org/markup-compatibility/2006">
+        <mc:Choice xmlns:a14="http://schemas.microsoft.com/office/drawing/2010/main" Requires="a14">
           <p:sp>
             <p:nvSpPr>
               <p:cNvPr id="4" name="テキスト ボックス 3">
@@ -10655,7 +10505,6 @@
               </a:bodyPr>
               <a:lstStyle/>
               <a:p>
-                <a:pPr algn="l"/>
                 <a14:m>
                   <m:oMathPara xmlns:m="http://schemas.openxmlformats.org/officeDocument/2006/math">
                     <m:oMathParaPr>
@@ -10709,14 +10558,14 @@
                           <m:sSub>
                             <m:sSubPr>
                               <m:ctrlPr>
-                                <a:rPr kumimoji="1" lang="en-US" altLang="ja-JP" sz="2400" b="0" i="1" smtClean="0">
+                                <a:rPr lang="en-US" altLang="ja-JP" sz="2400" i="1">
                                   <a:latin typeface="Cambria Math" panose="02040503050406030204" pitchFamily="18" charset="0"/>
                                 </a:rPr>
                               </m:ctrlPr>
                             </m:sSubPr>
                             <m:e>
                               <m:r>
-                                <a:rPr kumimoji="1" lang="en-US" altLang="ja-JP" sz="2400" b="0" i="1" smtClean="0">
+                                <a:rPr lang="en-US" altLang="ja-JP" sz="2400" i="1">
                                   <a:latin typeface="Cambria Math" panose="02040503050406030204" pitchFamily="18" charset="0"/>
                                 </a:rPr>
                                 <m:t>𝐼</m:t>
@@ -10724,16 +10573,10 @@
                             </m:e>
                             <m:sub>
                               <m:r>
-                                <a:rPr kumimoji="1" lang="en-US" altLang="ja-JP" sz="2400" b="0" i="1" smtClean="0">
+                                <a:rPr lang="en-US" altLang="ja-JP" sz="2400" i="1">
                                   <a:latin typeface="Cambria Math" panose="02040503050406030204" pitchFamily="18" charset="0"/>
                                 </a:rPr>
                                 <m:t>𝑏𝑖𝑎𝑠</m:t>
-                              </m:r>
-                              <m:r>
-                                <a:rPr kumimoji="1" lang="en-US" altLang="ja-JP" sz="2400" b="0" i="1" smtClean="0">
-                                  <a:latin typeface="Cambria Math" panose="02040503050406030204" pitchFamily="18" charset="0"/>
-                                </a:rPr>
-                                <m:t>1</m:t>
                               </m:r>
                             </m:sub>
                           </m:sSub>
@@ -10854,14 +10697,14 @@
                           <m:sSub>
                             <m:sSubPr>
                               <m:ctrlPr>
-                                <a:rPr kumimoji="1" lang="en-US" altLang="ja-JP" sz="2400" b="0" i="1" smtClean="0">
+                                <a:rPr lang="en-US" altLang="ja-JP" sz="2400" i="1">
                                   <a:latin typeface="Cambria Math" panose="02040503050406030204" pitchFamily="18" charset="0"/>
                                 </a:rPr>
                               </m:ctrlPr>
                             </m:sSubPr>
                             <m:e>
                               <m:r>
-                                <a:rPr kumimoji="1" lang="en-US" altLang="ja-JP" sz="2400" b="0" i="1" smtClean="0">
+                                <a:rPr lang="en-US" altLang="ja-JP" sz="2400" i="1">
                                   <a:latin typeface="Cambria Math" panose="02040503050406030204" pitchFamily="18" charset="0"/>
                                 </a:rPr>
                                 <m:t>𝐼</m:t>
@@ -10869,16 +10712,10 @@
                             </m:e>
                             <m:sub>
                               <m:r>
-                                <a:rPr kumimoji="1" lang="en-US" altLang="ja-JP" sz="2400" b="0" i="1" smtClean="0">
+                                <a:rPr lang="en-US" altLang="ja-JP" sz="2400" i="1">
                                   <a:latin typeface="Cambria Math" panose="02040503050406030204" pitchFamily="18" charset="0"/>
                                 </a:rPr>
                                 <m:t>𝑏𝑖𝑎𝑠</m:t>
-                              </m:r>
-                              <m:r>
-                                <a:rPr kumimoji="1" lang="en-US" altLang="ja-JP" sz="2400" b="0" i="1" smtClean="0">
-                                  <a:latin typeface="Cambria Math" panose="02040503050406030204" pitchFamily="18" charset="0"/>
-                                </a:rPr>
-                                <m:t>1</m:t>
                               </m:r>
                             </m:sub>
                           </m:sSub>
@@ -11255,14 +11092,14 @@
                               <m:sSub>
                                 <m:sSubPr>
                                   <m:ctrlPr>
-                                    <a:rPr kumimoji="1" lang="en-US" altLang="ja-JP" sz="2400" b="0" i="1" smtClean="0">
+                                    <a:rPr lang="en-US" altLang="ja-JP" sz="2400" i="1">
                                       <a:latin typeface="Cambria Math" panose="02040503050406030204" pitchFamily="18" charset="0"/>
                                     </a:rPr>
                                   </m:ctrlPr>
                                 </m:sSubPr>
                                 <m:e>
                                   <m:r>
-                                    <a:rPr kumimoji="1" lang="en-US" altLang="ja-JP" sz="2400" b="0" i="1" smtClean="0">
+                                    <a:rPr lang="en-US" altLang="ja-JP" sz="2400" i="1">
                                       <a:latin typeface="Cambria Math" panose="02040503050406030204" pitchFamily="18" charset="0"/>
                                     </a:rPr>
                                     <m:t>𝐼</m:t>
@@ -11270,16 +11107,10 @@
                                 </m:e>
                                 <m:sub>
                                   <m:r>
-                                    <a:rPr kumimoji="1" lang="en-US" altLang="ja-JP" sz="2400" b="0" i="1" smtClean="0">
+                                    <a:rPr lang="en-US" altLang="ja-JP" sz="2400" i="1">
                                       <a:latin typeface="Cambria Math" panose="02040503050406030204" pitchFamily="18" charset="0"/>
                                     </a:rPr>
                                     <m:t>𝑏𝑖𝑎𝑠</m:t>
-                                  </m:r>
-                                  <m:r>
-                                    <a:rPr kumimoji="1" lang="en-US" altLang="ja-JP" sz="2400" b="0" i="1" smtClean="0">
-                                      <a:latin typeface="Cambria Math" panose="02040503050406030204" pitchFamily="18" charset="0"/>
-                                    </a:rPr>
-                                    <m:t>1</m:t>
                                   </m:r>
                                 </m:sub>
                               </m:sSub>
@@ -11340,7 +11171,7 @@
                             </m:sSubPr>
                             <m:e>
                               <m:r>
-                                <a:rPr lang="ja-JP" altLang="en-US" sz="2400" i="1">
+                                <a:rPr lang="en-US" altLang="ja-JP" sz="2400" i="1">
                                   <a:latin typeface="Cambria Math" panose="02040503050406030204" pitchFamily="18" charset="0"/>
                                 </a:rPr>
                                 <m:t>𝐼</m:t>
@@ -11348,16 +11179,10 @@
                             </m:e>
                             <m:sub>
                               <m:r>
-                                <a:rPr lang="ja-JP" altLang="en-US" sz="2400" i="1">
+                                <a:rPr lang="en-US" altLang="ja-JP" sz="2400" i="1">
                                   <a:latin typeface="Cambria Math" panose="02040503050406030204" pitchFamily="18" charset="0"/>
                                 </a:rPr>
                                 <m:t>𝑏𝑖𝑎𝑠</m:t>
-                              </m:r>
-                              <m:r>
-                                <a:rPr lang="en-US" altLang="ja-JP" sz="2400" i="1">
-                                  <a:latin typeface="Cambria Math" panose="02040503050406030204" pitchFamily="18" charset="0"/>
-                                </a:rPr>
-                                <m:t>1</m:t>
                               </m:r>
                             </m:sub>
                           </m:sSub>
@@ -11584,14 +11409,14 @@
                                   <m:sSub>
                                     <m:sSubPr>
                                       <m:ctrlPr>
-                                        <a:rPr kumimoji="1" lang="en-US" altLang="ja-JP" sz="2400" b="0" i="1" smtClean="0">
+                                        <a:rPr lang="en-US" altLang="ja-JP" sz="2400" i="1">
                                           <a:latin typeface="Cambria Math" panose="02040503050406030204" pitchFamily="18" charset="0"/>
                                         </a:rPr>
                                       </m:ctrlPr>
                                     </m:sSubPr>
                                     <m:e>
                                       <m:r>
-                                        <a:rPr kumimoji="1" lang="en-US" altLang="ja-JP" sz="2400" b="0" i="1" smtClean="0">
+                                        <a:rPr lang="en-US" altLang="ja-JP" sz="2400" i="1">
                                           <a:latin typeface="Cambria Math" panose="02040503050406030204" pitchFamily="18" charset="0"/>
                                         </a:rPr>
                                         <m:t>𝐼</m:t>
@@ -11599,16 +11424,10 @@
                                     </m:e>
                                     <m:sub>
                                       <m:r>
-                                        <a:rPr kumimoji="1" lang="en-US" altLang="ja-JP" sz="2400" b="0" i="1" smtClean="0">
+                                        <a:rPr lang="en-US" altLang="ja-JP" sz="2400" i="1">
                                           <a:latin typeface="Cambria Math" panose="02040503050406030204" pitchFamily="18" charset="0"/>
                                         </a:rPr>
                                         <m:t>𝑏𝑖𝑎𝑠</m:t>
-                                      </m:r>
-                                      <m:r>
-                                        <a:rPr kumimoji="1" lang="en-US" altLang="ja-JP" sz="2400" b="0" i="1" smtClean="0">
-                                          <a:latin typeface="Cambria Math" panose="02040503050406030204" pitchFamily="18" charset="0"/>
-                                        </a:rPr>
-                                        <m:t>1</m:t>
                                       </m:r>
                                     </m:sub>
                                   </m:sSub>
@@ -12177,12 +11996,6 @@
                                         </a:rPr>
                                         <m:t>𝑏𝑖𝑎𝑠</m:t>
                                       </m:r>
-                                      <m:r>
-                                        <a:rPr lang="en-US" altLang="ja-JP" sz="2400" i="1">
-                                          <a:latin typeface="Cambria Math" panose="02040503050406030204" pitchFamily="18" charset="0"/>
-                                        </a:rPr>
-                                        <m:t>1</m:t>
-                                      </m:r>
                                     </m:sub>
                                   </m:sSub>
                                   <m:r>
@@ -12328,12 +12141,6 @@
                                 </a:rPr>
                                 <m:t>𝑏𝑖𝑎𝑠</m:t>
                               </m:r>
-                              <m:r>
-                                <a:rPr lang="en-US" altLang="ja-JP" sz="2400" i="1">
-                                  <a:latin typeface="Cambria Math" panose="02040503050406030204" pitchFamily="18" charset="0"/>
-                                </a:rPr>
-                                <m:t>1</m:t>
-                              </m:r>
                             </m:sub>
                           </m:sSub>
                           <m:r>
@@ -12472,12 +12279,6 @@
                                   <a:latin typeface="Cambria Math" panose="02040503050406030204" pitchFamily="18" charset="0"/>
                                 </a:rPr>
                                 <m:t>𝑏𝑖𝑎𝑠</m:t>
-                              </m:r>
-                              <m:r>
-                                <a:rPr lang="en-US" altLang="ja-JP" sz="2400" i="1">
-                                  <a:latin typeface="Cambria Math" panose="02040503050406030204" pitchFamily="18" charset="0"/>
-                                </a:rPr>
-                                <m:t>1</m:t>
                               </m:r>
                             </m:sub>
                           </m:sSub>
@@ -12528,7 +12329,7 @@
             </p:txBody>
           </p:sp>
         </mc:Choice>
-        <mc:Fallback xmlns="">
+        <mc:Fallback>
           <p:sp>
             <p:nvSpPr>
               <p:cNvPr id="4" name="テキスト ボックス 3">
@@ -12667,42 +12468,6 @@
           </a:p>
         </p:txBody>
       </p:sp>
-      <p:pic>
-        <p:nvPicPr>
-          <p:cNvPr id="4" name="図 3" descr="背景パターン が含まれている画像&#10;&#10;自動的に生成された説明">
-            <a:extLst>
-              <a:ext uri="{FF2B5EF4-FFF2-40B4-BE49-F238E27FC236}">
-                <a16:creationId xmlns:a16="http://schemas.microsoft.com/office/drawing/2014/main" id="{587F5D93-95C6-80BD-E7DB-2F9DE100B1C5}"/>
-              </a:ext>
-            </a:extLst>
-          </p:cNvPr>
-          <p:cNvPicPr>
-            <a:picLocks noChangeAspect="1"/>
-          </p:cNvPicPr>
-          <p:nvPr/>
-        </p:nvPicPr>
-        <p:blipFill>
-          <a:blip r:embed="rId2">
-            <a:extLst>
-              <a:ext uri="{28A0092B-C50C-407E-A947-70E740481C1C}">
-                <a14:useLocalDpi xmlns:a14="http://schemas.microsoft.com/office/drawing/2010/main" val="0"/>
-              </a:ext>
-            </a:extLst>
-          </a:blip>
-          <a:stretch>
-            <a:fillRect/>
-          </a:stretch>
-        </p:blipFill>
-        <p:spPr>
-          <a:xfrm>
-            <a:off x="-426531" y="1819017"/>
-            <a:ext cx="9725478" cy="4902458"/>
-          </a:xfrm>
-          <a:prstGeom prst="rect">
-            <a:avLst/>
-          </a:prstGeom>
-        </p:spPr>
-      </p:pic>
       <mc:AlternateContent xmlns:mc="http://schemas.openxmlformats.org/markup-compatibility/2006" xmlns:a14="http://schemas.microsoft.com/office/drawing/2010/main">
         <mc:Choice Requires="a14">
           <p:sp>
@@ -13913,6 +13678,42 @@
           </p:sp>
         </mc:Fallback>
       </mc:AlternateContent>
+      <p:pic>
+        <p:nvPicPr>
+          <p:cNvPr id="8" name="図 7" descr="背景パターン が含まれている画像&#10;&#10;自動的に生成された説明">
+            <a:extLst>
+              <a:ext uri="{FF2B5EF4-FFF2-40B4-BE49-F238E27FC236}">
+                <a16:creationId xmlns:a16="http://schemas.microsoft.com/office/drawing/2014/main" id="{92ADC93F-E123-70B6-56C0-945B22CE3798}"/>
+              </a:ext>
+            </a:extLst>
+          </p:cNvPr>
+          <p:cNvPicPr>
+            <a:picLocks noChangeAspect="1"/>
+          </p:cNvPicPr>
+          <p:nvPr/>
+        </p:nvPicPr>
+        <p:blipFill>
+          <a:blip r:embed="rId5">
+            <a:extLst>
+              <a:ext uri="{28A0092B-C50C-407E-A947-70E740481C1C}">
+                <a14:useLocalDpi xmlns:a14="http://schemas.microsoft.com/office/drawing/2010/main" val="0"/>
+              </a:ext>
+            </a:extLst>
+          </a:blip>
+          <a:stretch>
+            <a:fillRect/>
+          </a:stretch>
+        </p:blipFill>
+        <p:spPr>
+          <a:xfrm>
+            <a:off x="-314311" y="1690688"/>
+            <a:ext cx="9841871" cy="4955428"/>
+          </a:xfrm>
+          <a:prstGeom prst="rect">
+            <a:avLst/>
+          </a:prstGeom>
+        </p:spPr>
+      </p:pic>
     </p:spTree>
     <p:extLst>
       <p:ext uri="{BB962C8B-B14F-4D97-AF65-F5344CB8AC3E}">
@@ -14007,8 +13808,8 @@
           </a:p>
         </p:txBody>
       </p:sp>
-      <mc:AlternateContent xmlns:mc="http://schemas.openxmlformats.org/markup-compatibility/2006" xmlns:a14="http://schemas.microsoft.com/office/drawing/2010/main">
-        <mc:Choice Requires="a14">
+      <mc:AlternateContent xmlns:mc="http://schemas.openxmlformats.org/markup-compatibility/2006">
+        <mc:Choice xmlns:a14="http://schemas.microsoft.com/office/drawing/2010/main" Requires="a14">
           <p:sp>
             <p:nvSpPr>
               <p:cNvPr id="4" name="テキスト ボックス 3">
@@ -14314,12 +14115,6 @@
                                         </a:rPr>
                                         <m:t>𝑏𝑖𝑎𝑠</m:t>
                                       </m:r>
-                                      <m:r>
-                                        <a:rPr lang="en-US" altLang="ja-JP" sz="2000" i="1">
-                                          <a:latin typeface="Cambria Math" panose="02040503050406030204" pitchFamily="18" charset="0"/>
-                                        </a:rPr>
-                                        <m:t>1</m:t>
-                                      </m:r>
                                     </m:sub>
                                   </m:sSub>
                                   <m:r>
@@ -14465,12 +14260,6 @@
                                 </a:rPr>
                                 <m:t>𝑏𝑖𝑎𝑠</m:t>
                               </m:r>
-                              <m:r>
-                                <a:rPr lang="en-US" altLang="ja-JP" sz="2000" i="1">
-                                  <a:latin typeface="Cambria Math" panose="02040503050406030204" pitchFamily="18" charset="0"/>
-                                </a:rPr>
-                                <m:t>1</m:t>
-                              </m:r>
                             </m:sub>
                           </m:sSub>
                           <m:r>
@@ -14609,12 +14398,6 @@
                                   <a:latin typeface="Cambria Math" panose="02040503050406030204" pitchFamily="18" charset="0"/>
                                 </a:rPr>
                                 <m:t>𝑏𝑖𝑎𝑠</m:t>
-                              </m:r>
-                              <m:r>
-                                <a:rPr lang="en-US" altLang="ja-JP" sz="2000" i="1">
-                                  <a:latin typeface="Cambria Math" panose="02040503050406030204" pitchFamily="18" charset="0"/>
-                                </a:rPr>
-                                <m:t>1</m:t>
                               </m:r>
                             </m:sub>
                           </m:sSub>
@@ -14996,12 +14779,6 @@
                                     </a:rPr>
                                     <m:t>𝑏𝑖𝑎𝑠</m:t>
                                   </m:r>
-                                  <m:r>
-                                    <a:rPr lang="en-US" altLang="ja-JP" sz="2400" i="1">
-                                      <a:latin typeface="Cambria Math" panose="02040503050406030204" pitchFamily="18" charset="0"/>
-                                    </a:rPr>
-                                    <m:t>1</m:t>
-                                  </m:r>
                                 </m:sub>
                               </m:sSub>
                               <m:r>
@@ -15095,12 +14872,6 @@
                                 </a:rPr>
                                 <m:t>𝑏𝑖𝑎𝑠</m:t>
                               </m:r>
-                              <m:r>
-                                <a:rPr lang="en-US" altLang="ja-JP" sz="2400" i="1">
-                                  <a:latin typeface="Cambria Math" panose="02040503050406030204" pitchFamily="18" charset="0"/>
-                                </a:rPr>
-                                <m:t>1</m:t>
-                              </m:r>
                             </m:sub>
                           </m:sSub>
                           <m:r>
@@ -15226,12 +14997,6 @@
                                   <a:latin typeface="Cambria Math" panose="02040503050406030204" pitchFamily="18" charset="0"/>
                                 </a:rPr>
                                 <m:t>𝑏𝑖𝑎𝑠</m:t>
-                              </m:r>
-                              <m:r>
-                                <a:rPr lang="en-US" altLang="ja-JP" sz="2400" i="1">
-                                  <a:latin typeface="Cambria Math" panose="02040503050406030204" pitchFamily="18" charset="0"/>
-                                </a:rPr>
-                                <m:t>1</m:t>
                               </m:r>
                             </m:sub>
                           </m:sSub>
@@ -15565,7 +15330,7 @@
             </p:txBody>
           </p:sp>
         </mc:Choice>
-        <mc:Fallback xmlns="">
+        <mc:Fallback>
           <p:sp>
             <p:nvSpPr>
               <p:cNvPr id="4" name="テキスト ボックス 3">
@@ -17398,8 +17163,8 @@
           </a:p>
         </p:txBody>
       </p:sp>
-      <mc:AlternateContent xmlns:mc="http://schemas.openxmlformats.org/markup-compatibility/2006" xmlns:a14="http://schemas.microsoft.com/office/drawing/2010/main">
-        <mc:Choice Requires="a14">
+      <mc:AlternateContent xmlns:mc="http://schemas.openxmlformats.org/markup-compatibility/2006">
+        <mc:Choice xmlns:a14="http://schemas.microsoft.com/office/drawing/2010/main" Requires="a14">
           <p:sp>
             <p:nvSpPr>
               <p:cNvPr id="5" name="テキスト ボックス 4">
@@ -17428,7 +17193,6 @@
               </a:bodyPr>
               <a:lstStyle/>
               <a:p>
-                <a:pPr algn="l"/>
                 <a14:m>
                   <m:oMath xmlns:m="http://schemas.openxmlformats.org/officeDocument/2006/math">
                     <m:r>
@@ -17612,12 +17376,6 @@
                                   </a:rPr>
                                   <m:t>𝑏𝑖𝑎𝑠</m:t>
                                 </m:r>
-                                <m:r>
-                                  <a:rPr lang="en-US" altLang="ja-JP" sz="2400" i="1">
-                                    <a:latin typeface="Cambria Math" panose="02040503050406030204" pitchFamily="18" charset="0"/>
-                                  </a:rPr>
-                                  <m:t>1</m:t>
-                                </m:r>
                               </m:sub>
                             </m:sSub>
                             <m:r>
@@ -17897,7 +17655,6 @@
                 <a:endParaRPr kumimoji="1" lang="en-US" altLang="ja-JP" sz="2400" dirty="0"/>
               </a:p>
               <a:p>
-                <a:pPr algn="l"/>
                 <a14:m>
                   <m:oMathPara xmlns:m="http://schemas.openxmlformats.org/officeDocument/2006/math">
                     <m:oMathParaPr>
@@ -18022,14 +17779,14 @@
                               <m:sSub>
                                 <m:sSubPr>
                                   <m:ctrlPr>
-                                    <a:rPr kumimoji="1" lang="en-US" altLang="ja-JP" sz="2400" b="0" i="1" smtClean="0">
+                                    <a:rPr lang="en-US" altLang="ja-JP" sz="2400" i="1">
                                       <a:latin typeface="Cambria Math" panose="02040503050406030204" pitchFamily="18" charset="0"/>
                                     </a:rPr>
                                   </m:ctrlPr>
                                 </m:sSubPr>
                                 <m:e>
                                   <m:r>
-                                    <a:rPr kumimoji="1" lang="en-US" altLang="ja-JP" sz="2400" b="0" i="1" smtClean="0">
+                                    <a:rPr lang="en-US" altLang="ja-JP" sz="2400" i="1">
                                       <a:latin typeface="Cambria Math" panose="02040503050406030204" pitchFamily="18" charset="0"/>
                                     </a:rPr>
                                     <m:t>𝐼</m:t>
@@ -18037,16 +17794,10 @@
                                 </m:e>
                                 <m:sub>
                                   <m:r>
-                                    <a:rPr kumimoji="1" lang="en-US" altLang="ja-JP" sz="2400" b="0" i="1" smtClean="0">
+                                    <a:rPr lang="en-US" altLang="ja-JP" sz="2400" i="1">
                                       <a:latin typeface="Cambria Math" panose="02040503050406030204" pitchFamily="18" charset="0"/>
                                     </a:rPr>
                                     <m:t>𝑏𝑖𝑎𝑠</m:t>
-                                  </m:r>
-                                  <m:r>
-                                    <a:rPr kumimoji="1" lang="en-US" altLang="ja-JP" sz="2400" b="0" i="1" smtClean="0">
-                                      <a:latin typeface="Cambria Math" panose="02040503050406030204" pitchFamily="18" charset="0"/>
-                                    </a:rPr>
-                                    <m:t>1</m:t>
                                   </m:r>
                                 </m:sub>
                               </m:sSub>
@@ -18515,12 +18266,6 @@
                                     </a:rPr>
                                     <m:t>𝑏𝑖𝑎𝑠</m:t>
                                   </m:r>
-                                  <m:r>
-                                    <a:rPr lang="en-US" altLang="ja-JP" sz="2400" i="1">
-                                      <a:latin typeface="Cambria Math" panose="02040503050406030204" pitchFamily="18" charset="0"/>
-                                    </a:rPr>
-                                    <m:t>1</m:t>
-                                  </m:r>
                                 </m:sub>
                               </m:sSub>
                               <m:r>
@@ -18635,7 +18380,7 @@
             </p:txBody>
           </p:sp>
         </mc:Choice>
-        <mc:Fallback xmlns="">
+        <mc:Fallback>
           <p:sp>
             <p:nvSpPr>
               <p:cNvPr id="5" name="テキスト ボックス 4">
@@ -19107,10 +18852,10 @@
       </p:sp>
       <p:pic>
         <p:nvPicPr>
-          <p:cNvPr id="8" name="図 7" descr="背景パターン が含まれている画像&#10;&#10;自動的に生成された説明">
+          <p:cNvPr id="5" name="図 4" descr="背景パターン が含まれている画像&#10;&#10;自動的に生成された説明">
             <a:extLst>
               <a:ext uri="{FF2B5EF4-FFF2-40B4-BE49-F238E27FC236}">
-                <a16:creationId xmlns:a16="http://schemas.microsoft.com/office/drawing/2014/main" id="{E2E21230-7543-E468-B12C-D61FC4F0E508}"/>
+                <a16:creationId xmlns:a16="http://schemas.microsoft.com/office/drawing/2014/main" id="{AEB1663B-4180-5F66-6CAA-D74C1E2EB6B4}"/>
               </a:ext>
             </a:extLst>
           </p:cNvPr>
@@ -19133,8 +18878,8 @@
         </p:blipFill>
         <p:spPr>
           <a:xfrm>
-            <a:off x="-298712" y="1453892"/>
-            <a:ext cx="9725478" cy="4902458"/>
+            <a:off x="-403958" y="1537447"/>
+            <a:ext cx="9841871" cy="4955428"/>
           </a:xfrm>
           <a:prstGeom prst="rect">
             <a:avLst/>
